--- a/Group 45 Data Science for Case Law.pptx
+++ b/Group 45 Data Science for Case Law.pptx
@@ -7,15 +7,15 @@
   <p:sldIdLst>
     <p:sldId id="257" r:id="rId2"/>
     <p:sldId id="260" r:id="rId3"/>
-    <p:sldId id="272" r:id="rId4"/>
-    <p:sldId id="261" r:id="rId5"/>
-    <p:sldId id="262" r:id="rId6"/>
-    <p:sldId id="263" r:id="rId7"/>
-    <p:sldId id="266" r:id="rId8"/>
-    <p:sldId id="267" r:id="rId9"/>
-    <p:sldId id="268" r:id="rId10"/>
-    <p:sldId id="270" r:id="rId11"/>
-    <p:sldId id="271" r:id="rId12"/>
+    <p:sldId id="267" r:id="rId4"/>
+    <p:sldId id="268" r:id="rId5"/>
+    <p:sldId id="270" r:id="rId6"/>
+    <p:sldId id="271" r:id="rId7"/>
+    <p:sldId id="272" r:id="rId8"/>
+    <p:sldId id="261" r:id="rId9"/>
+    <p:sldId id="262" r:id="rId10"/>
+    <p:sldId id="263" r:id="rId11"/>
+    <p:sldId id="266" r:id="rId12"/>
     <p:sldId id="265" r:id="rId13"/>
   </p:sldIdLst>
   <p:sldSz cx="12192000" cy="6858000"/>
@@ -117,7 +117,7 @@
   </p:defaultTextStyle>
   <p:extLst>
     <p:ext uri="{EFAFB233-063F-42B5-8137-9DF3F51BA10A}">
-      <p15:sldGuideLst xmlns:p15="http://schemas.microsoft.com/office/powerpoint/2012/main" xmlns=""/>
+      <p15:sldGuideLst xmlns="" xmlns:p15="http://schemas.microsoft.com/office/powerpoint/2012/main"/>
     </p:ext>
   </p:extLst>
 </p:presentation>
@@ -145,7 +145,7 @@
           <p:cNvPr id="10" name="Rectangle 9">
             <a:extLst>
               <a:ext uri="{FF2B5EF4-FFF2-40B4-BE49-F238E27FC236}">
-                <a16:creationId xmlns:a16="http://schemas.microsoft.com/office/drawing/2014/main" xmlns="" id="{39E3965E-AC41-4711-9D10-E25ABB132D86}"/>
+                <a16:creationId xmlns="" xmlns:a16="http://schemas.microsoft.com/office/drawing/2014/main" id="{39E3965E-AC41-4711-9D10-E25ABB132D86}"/>
               </a:ext>
             </a:extLst>
           </p:cNvPr>
@@ -305,7 +305,7 @@
           <p:cNvPr id="9" name="Straight Connector 8">
             <a:extLst>
               <a:ext uri="{FF2B5EF4-FFF2-40B4-BE49-F238E27FC236}">
-                <a16:creationId xmlns:a16="http://schemas.microsoft.com/office/drawing/2014/main" xmlns="" id="{1F5DC8C3-BA5F-4EED-BB9A-A14272BD82A1}"/>
+                <a16:creationId xmlns="" xmlns:a16="http://schemas.microsoft.com/office/drawing/2014/main" id="{1F5DC8C3-BA5F-4EED-BB9A-A14272BD82A1}"/>
               </a:ext>
             </a:extLst>
           </p:cNvPr>
@@ -349,7 +349,7 @@
           <p:cNvPr id="4" name="Date Placeholder 3">
             <a:extLst>
               <a:ext uri="{FF2B5EF4-FFF2-40B4-BE49-F238E27FC236}">
-                <a16:creationId xmlns:a16="http://schemas.microsoft.com/office/drawing/2014/main" xmlns="" id="{9925CCF1-92C0-4AF3-BFAF-4921631915AB}"/>
+                <a16:creationId xmlns="" xmlns:a16="http://schemas.microsoft.com/office/drawing/2014/main" id="{9925CCF1-92C0-4AF3-BFAF-4921631915AB}"/>
               </a:ext>
             </a:extLst>
           </p:cNvPr>
@@ -378,7 +378,7 @@
           <p:cNvPr id="5" name="Footer Placeholder 4">
             <a:extLst>
               <a:ext uri="{FF2B5EF4-FFF2-40B4-BE49-F238E27FC236}">
-                <a16:creationId xmlns:a16="http://schemas.microsoft.com/office/drawing/2014/main" xmlns="" id="{051A78A9-3DFF-4937-A9F2-5D8CF495F367}"/>
+                <a16:creationId xmlns="" xmlns:a16="http://schemas.microsoft.com/office/drawing/2014/main" id="{051A78A9-3DFF-4937-A9F2-5D8CF495F367}"/>
               </a:ext>
             </a:extLst>
           </p:cNvPr>
@@ -403,7 +403,7 @@
           <p:cNvPr id="6" name="Slide Number Placeholder 5">
             <a:extLst>
               <a:ext uri="{FF2B5EF4-FFF2-40B4-BE49-F238E27FC236}">
-                <a16:creationId xmlns:a16="http://schemas.microsoft.com/office/drawing/2014/main" xmlns="" id="{5FAEB271-5CC0-4759-BC6E-8BE53AB227C0}"/>
+                <a16:creationId xmlns="" xmlns:a16="http://schemas.microsoft.com/office/drawing/2014/main" id="{5FAEB271-5CC0-4759-BC6E-8BE53AB227C0}"/>
               </a:ext>
             </a:extLst>
           </p:cNvPr>
@@ -537,7 +537,7 @@
           <p:cNvPr id="7" name="Date Placeholder 6">
             <a:extLst>
               <a:ext uri="{FF2B5EF4-FFF2-40B4-BE49-F238E27FC236}">
-                <a16:creationId xmlns:a16="http://schemas.microsoft.com/office/drawing/2014/main" xmlns="" id="{7D5506EE-1026-4F35-9ACC-BD05BE0F9B36}"/>
+                <a16:creationId xmlns="" xmlns:a16="http://schemas.microsoft.com/office/drawing/2014/main" id="{7D5506EE-1026-4F35-9ACC-BD05BE0F9B36}"/>
               </a:ext>
             </a:extLst>
           </p:cNvPr>
@@ -566,7 +566,7 @@
           <p:cNvPr id="8" name="Footer Placeholder 7">
             <a:extLst>
               <a:ext uri="{FF2B5EF4-FFF2-40B4-BE49-F238E27FC236}">
-                <a16:creationId xmlns:a16="http://schemas.microsoft.com/office/drawing/2014/main" xmlns="" id="{B7696E5F-8D95-4450-AE52-5438E6EDE2BF}"/>
+                <a16:creationId xmlns="" xmlns:a16="http://schemas.microsoft.com/office/drawing/2014/main" id="{B7696E5F-8D95-4450-AE52-5438E6EDE2BF}"/>
               </a:ext>
             </a:extLst>
           </p:cNvPr>
@@ -591,7 +591,7 @@
           <p:cNvPr id="9" name="Slide Number Placeholder 8">
             <a:extLst>
               <a:ext uri="{FF2B5EF4-FFF2-40B4-BE49-F238E27FC236}">
-                <a16:creationId xmlns:a16="http://schemas.microsoft.com/office/drawing/2014/main" xmlns="" id="{999B2253-74CC-409E-BEB0-F8EFCFCB5629}"/>
+                <a16:creationId xmlns="" xmlns:a16="http://schemas.microsoft.com/office/drawing/2014/main" id="{999B2253-74CC-409E-BEB0-F8EFCFCB5629}"/>
               </a:ext>
             </a:extLst>
           </p:cNvPr>
@@ -650,7 +650,7 @@
           <p:cNvPr id="9" name="Rectangle 8">
             <a:extLst>
               <a:ext uri="{FF2B5EF4-FFF2-40B4-BE49-F238E27FC236}">
-                <a16:creationId xmlns:a16="http://schemas.microsoft.com/office/drawing/2014/main" xmlns="" id="{E1B68A5B-D9FA-424B-A4EB-30E7223836B3}"/>
+                <a16:creationId xmlns="" xmlns:a16="http://schemas.microsoft.com/office/drawing/2014/main" id="{E1B68A5B-D9FA-424B-A4EB-30E7223836B3}"/>
               </a:ext>
             </a:extLst>
           </p:cNvPr>
@@ -779,7 +779,7 @@
           <p:cNvPr id="7" name="Date Placeholder 6">
             <a:extLst>
               <a:ext uri="{FF2B5EF4-FFF2-40B4-BE49-F238E27FC236}">
-                <a16:creationId xmlns:a16="http://schemas.microsoft.com/office/drawing/2014/main" xmlns="" id="{AF33D6B0-F070-45C4-A472-19F432BE3932}"/>
+                <a16:creationId xmlns="" xmlns:a16="http://schemas.microsoft.com/office/drawing/2014/main" id="{AF33D6B0-F070-45C4-A472-19F432BE3932}"/>
               </a:ext>
             </a:extLst>
           </p:cNvPr>
@@ -808,7 +808,7 @@
           <p:cNvPr id="8" name="Footer Placeholder 7">
             <a:extLst>
               <a:ext uri="{FF2B5EF4-FFF2-40B4-BE49-F238E27FC236}">
-                <a16:creationId xmlns:a16="http://schemas.microsoft.com/office/drawing/2014/main" xmlns="" id="{9975399F-DAB2-410D-967F-ED17E6F796E7}"/>
+                <a16:creationId xmlns="" xmlns:a16="http://schemas.microsoft.com/office/drawing/2014/main" id="{9975399F-DAB2-410D-967F-ED17E6F796E7}"/>
               </a:ext>
             </a:extLst>
           </p:cNvPr>
@@ -833,7 +833,7 @@
           <p:cNvPr id="10" name="Slide Number Placeholder 9">
             <a:extLst>
               <a:ext uri="{FF2B5EF4-FFF2-40B4-BE49-F238E27FC236}">
-                <a16:creationId xmlns:a16="http://schemas.microsoft.com/office/drawing/2014/main" xmlns="" id="{F762A46F-6BE5-4D12-9412-5CA7672EA8EC}"/>
+                <a16:creationId xmlns="" xmlns:a16="http://schemas.microsoft.com/office/drawing/2014/main" id="{F762A46F-6BE5-4D12-9412-5CA7672EA8EC}"/>
               </a:ext>
             </a:extLst>
           </p:cNvPr>
@@ -967,7 +967,7 @@
           <p:cNvPr id="7" name="Date Placeholder 6">
             <a:extLst>
               <a:ext uri="{FF2B5EF4-FFF2-40B4-BE49-F238E27FC236}">
-                <a16:creationId xmlns:a16="http://schemas.microsoft.com/office/drawing/2014/main" xmlns="" id="{354D8B55-9EA8-4B81-8E84-9B93B0A27559}"/>
+                <a16:creationId xmlns="" xmlns:a16="http://schemas.microsoft.com/office/drawing/2014/main" id="{354D8B55-9EA8-4B81-8E84-9B93B0A27559}"/>
               </a:ext>
             </a:extLst>
           </p:cNvPr>
@@ -996,7 +996,7 @@
           <p:cNvPr id="8" name="Footer Placeholder 7">
             <a:extLst>
               <a:ext uri="{FF2B5EF4-FFF2-40B4-BE49-F238E27FC236}">
-                <a16:creationId xmlns:a16="http://schemas.microsoft.com/office/drawing/2014/main" xmlns="" id="{062CA021-2578-47CB-822C-BDDFF7223B28}"/>
+                <a16:creationId xmlns="" xmlns:a16="http://schemas.microsoft.com/office/drawing/2014/main" id="{062CA021-2578-47CB-822C-BDDFF7223B28}"/>
               </a:ext>
             </a:extLst>
           </p:cNvPr>
@@ -1021,7 +1021,7 @@
           <p:cNvPr id="9" name="Slide Number Placeholder 8">
             <a:extLst>
               <a:ext uri="{FF2B5EF4-FFF2-40B4-BE49-F238E27FC236}">
-                <a16:creationId xmlns:a16="http://schemas.microsoft.com/office/drawing/2014/main" xmlns="" id="{C4AAB51D-4141-4682-9375-DAFD5FB9DD10}"/>
+                <a16:creationId xmlns="" xmlns:a16="http://schemas.microsoft.com/office/drawing/2014/main" id="{C4AAB51D-4141-4682-9375-DAFD5FB9DD10}"/>
               </a:ext>
             </a:extLst>
           </p:cNvPr>
@@ -1088,7 +1088,7 @@
           <p:cNvPr id="10" name="Rectangle 9">
             <a:extLst>
               <a:ext uri="{FF2B5EF4-FFF2-40B4-BE49-F238E27FC236}">
-                <a16:creationId xmlns:a16="http://schemas.microsoft.com/office/drawing/2014/main" xmlns="" id="{A585C21A-8B93-4657-B5DF-7EAEAD3BE127}"/>
+                <a16:creationId xmlns="" xmlns:a16="http://schemas.microsoft.com/office/drawing/2014/main" id="{A585C21A-8B93-4657-B5DF-7EAEAD3BE127}"/>
               </a:ext>
             </a:extLst>
           </p:cNvPr>
@@ -1296,7 +1296,7 @@
           <p:cNvPr id="9" name="Straight Connector 8">
             <a:extLst>
               <a:ext uri="{FF2B5EF4-FFF2-40B4-BE49-F238E27FC236}">
-                <a16:creationId xmlns:a16="http://schemas.microsoft.com/office/drawing/2014/main" xmlns="" id="{459DE2C1-4C52-40A3-8959-27B2C1BEBFF6}"/>
+                <a16:creationId xmlns="" xmlns:a16="http://schemas.microsoft.com/office/drawing/2014/main" id="{459DE2C1-4C52-40A3-8959-27B2C1BEBFF6}"/>
               </a:ext>
             </a:extLst>
           </p:cNvPr>
@@ -1340,7 +1340,7 @@
           <p:cNvPr id="7" name="Date Placeholder 6">
             <a:extLst>
               <a:ext uri="{FF2B5EF4-FFF2-40B4-BE49-F238E27FC236}">
-                <a16:creationId xmlns:a16="http://schemas.microsoft.com/office/drawing/2014/main" xmlns="" id="{AAF2E137-EC28-48F8-9198-1F02539029B6}"/>
+                <a16:creationId xmlns="" xmlns:a16="http://schemas.microsoft.com/office/drawing/2014/main" id="{AAF2E137-EC28-48F8-9198-1F02539029B6}"/>
               </a:ext>
             </a:extLst>
           </p:cNvPr>
@@ -1369,7 +1369,7 @@
           <p:cNvPr id="8" name="Footer Placeholder 7">
             <a:extLst>
               <a:ext uri="{FF2B5EF4-FFF2-40B4-BE49-F238E27FC236}">
-                <a16:creationId xmlns:a16="http://schemas.microsoft.com/office/drawing/2014/main" xmlns="" id="{189422CD-6F62-4DD6-89EF-07A60B42D219}"/>
+                <a16:creationId xmlns="" xmlns:a16="http://schemas.microsoft.com/office/drawing/2014/main" id="{189422CD-6F62-4DD6-89EF-07A60B42D219}"/>
               </a:ext>
             </a:extLst>
           </p:cNvPr>
@@ -1394,7 +1394,7 @@
           <p:cNvPr id="11" name="Slide Number Placeholder 10">
             <a:extLst>
               <a:ext uri="{FF2B5EF4-FFF2-40B4-BE49-F238E27FC236}">
-                <a16:creationId xmlns:a16="http://schemas.microsoft.com/office/drawing/2014/main" xmlns="" id="{69C6AFF8-42B4-4D05-969B-9F5FB3355555}"/>
+                <a16:creationId xmlns="" xmlns:a16="http://schemas.microsoft.com/office/drawing/2014/main" id="{69C6AFF8-42B4-4D05-969B-9F5FB3355555}"/>
               </a:ext>
             </a:extLst>
           </p:cNvPr>
@@ -1595,7 +1595,7 @@
           <p:cNvPr id="2" name="Date Placeholder 1">
             <a:extLst>
               <a:ext uri="{FF2B5EF4-FFF2-40B4-BE49-F238E27FC236}">
-                <a16:creationId xmlns:a16="http://schemas.microsoft.com/office/drawing/2014/main" xmlns="" id="{5782D47D-B0DC-4C40-BCC6-BBBA32584A38}"/>
+                <a16:creationId xmlns="" xmlns:a16="http://schemas.microsoft.com/office/drawing/2014/main" id="{5782D47D-B0DC-4C40-BCC6-BBBA32584A38}"/>
               </a:ext>
             </a:extLst>
           </p:cNvPr>
@@ -1624,7 +1624,7 @@
           <p:cNvPr id="9" name="Footer Placeholder 8">
             <a:extLst>
               <a:ext uri="{FF2B5EF4-FFF2-40B4-BE49-F238E27FC236}">
-                <a16:creationId xmlns:a16="http://schemas.microsoft.com/office/drawing/2014/main" xmlns="" id="{4690D34E-7EBD-44B2-83CA-4C126A18D7EF}"/>
+                <a16:creationId xmlns="" xmlns:a16="http://schemas.microsoft.com/office/drawing/2014/main" id="{4690D34E-7EBD-44B2-83CA-4C126A18D7EF}"/>
               </a:ext>
             </a:extLst>
           </p:cNvPr>
@@ -1649,7 +1649,7 @@
           <p:cNvPr id="10" name="Slide Number Placeholder 9">
             <a:extLst>
               <a:ext uri="{FF2B5EF4-FFF2-40B4-BE49-F238E27FC236}">
-                <a16:creationId xmlns:a16="http://schemas.microsoft.com/office/drawing/2014/main" xmlns="" id="{2AC511A1-9BBD-42DE-92FB-2AF44F8E97A9}"/>
+                <a16:creationId xmlns="" xmlns:a16="http://schemas.microsoft.com/office/drawing/2014/main" id="{2AC511A1-9BBD-42DE-92FB-2AF44F8E97A9}"/>
               </a:ext>
             </a:extLst>
           </p:cNvPr>
@@ -1992,7 +1992,7 @@
           <p:cNvPr id="2" name="Date Placeholder 1">
             <a:extLst>
               <a:ext uri="{FF2B5EF4-FFF2-40B4-BE49-F238E27FC236}">
-                <a16:creationId xmlns:a16="http://schemas.microsoft.com/office/drawing/2014/main" xmlns="" id="{8AF8A515-AA94-45D1-9223-5C2272618D85}"/>
+                <a16:creationId xmlns="" xmlns:a16="http://schemas.microsoft.com/office/drawing/2014/main" id="{8AF8A515-AA94-45D1-9223-5C2272618D85}"/>
               </a:ext>
             </a:extLst>
           </p:cNvPr>
@@ -2021,7 +2021,7 @@
           <p:cNvPr id="11" name="Footer Placeholder 10">
             <a:extLst>
               <a:ext uri="{FF2B5EF4-FFF2-40B4-BE49-F238E27FC236}">
-                <a16:creationId xmlns:a16="http://schemas.microsoft.com/office/drawing/2014/main" xmlns="" id="{D052F5BC-98E0-4D60-AD67-9547738B7DD4}"/>
+                <a16:creationId xmlns="" xmlns:a16="http://schemas.microsoft.com/office/drawing/2014/main" id="{D052F5BC-98E0-4D60-AD67-9547738B7DD4}"/>
               </a:ext>
             </a:extLst>
           </p:cNvPr>
@@ -2046,7 +2046,7 @@
           <p:cNvPr id="12" name="Slide Number Placeholder 11">
             <a:extLst>
               <a:ext uri="{FF2B5EF4-FFF2-40B4-BE49-F238E27FC236}">
-                <a16:creationId xmlns:a16="http://schemas.microsoft.com/office/drawing/2014/main" xmlns="" id="{A38552DC-952E-41EA-AAAF-C2187523C0B0}"/>
+                <a16:creationId xmlns="" xmlns:a16="http://schemas.microsoft.com/office/drawing/2014/main" id="{A38552DC-952E-41EA-AAAF-C2187523C0B0}"/>
               </a:ext>
             </a:extLst>
           </p:cNvPr>
@@ -2128,7 +2128,7 @@
           <p:cNvPr id="6" name="Date Placeholder 5">
             <a:extLst>
               <a:ext uri="{FF2B5EF4-FFF2-40B4-BE49-F238E27FC236}">
-                <a16:creationId xmlns:a16="http://schemas.microsoft.com/office/drawing/2014/main" xmlns="" id="{7392073F-158F-44A3-8913-917AFFC1BC20}"/>
+                <a16:creationId xmlns="" xmlns:a16="http://schemas.microsoft.com/office/drawing/2014/main" id="{7392073F-158F-44A3-8913-917AFFC1BC20}"/>
               </a:ext>
             </a:extLst>
           </p:cNvPr>
@@ -2157,7 +2157,7 @@
           <p:cNvPr id="7" name="Footer Placeholder 6">
             <a:extLst>
               <a:ext uri="{FF2B5EF4-FFF2-40B4-BE49-F238E27FC236}">
-                <a16:creationId xmlns:a16="http://schemas.microsoft.com/office/drawing/2014/main" xmlns="" id="{EED72207-24CA-42B7-A975-2F8E41CBA904}"/>
+                <a16:creationId xmlns="" xmlns:a16="http://schemas.microsoft.com/office/drawing/2014/main" id="{EED72207-24CA-42B7-A975-2F8E41CBA904}"/>
               </a:ext>
             </a:extLst>
           </p:cNvPr>
@@ -2182,7 +2182,7 @@
           <p:cNvPr id="8" name="Slide Number Placeholder 7">
             <a:extLst>
               <a:ext uri="{FF2B5EF4-FFF2-40B4-BE49-F238E27FC236}">
-                <a16:creationId xmlns:a16="http://schemas.microsoft.com/office/drawing/2014/main" xmlns="" id="{D01080F2-251A-4B88-9A62-16F46D724F83}"/>
+                <a16:creationId xmlns="" xmlns:a16="http://schemas.microsoft.com/office/drawing/2014/main" id="{D01080F2-251A-4B88-9A62-16F46D724F83}"/>
               </a:ext>
             </a:extLst>
           </p:cNvPr>
@@ -2241,7 +2241,7 @@
           <p:cNvPr id="10" name="Rectangle 9">
             <a:extLst>
               <a:ext uri="{FF2B5EF4-FFF2-40B4-BE49-F238E27FC236}">
-                <a16:creationId xmlns:a16="http://schemas.microsoft.com/office/drawing/2014/main" xmlns="" id="{A8E9C91B-7EAD-4562-AB0E-DFB9663AECE3}"/>
+                <a16:creationId xmlns="" xmlns:a16="http://schemas.microsoft.com/office/drawing/2014/main" id="{A8E9C91B-7EAD-4562-AB0E-DFB9663AECE3}"/>
               </a:ext>
             </a:extLst>
           </p:cNvPr>
@@ -2285,7 +2285,7 @@
           <p:cNvPr id="2" name="Date Placeholder 1">
             <a:extLst>
               <a:ext uri="{FF2B5EF4-FFF2-40B4-BE49-F238E27FC236}">
-                <a16:creationId xmlns:a16="http://schemas.microsoft.com/office/drawing/2014/main" xmlns="" id="{94E9223F-721F-47BF-9FD5-0F8D12FF0DE1}"/>
+                <a16:creationId xmlns="" xmlns:a16="http://schemas.microsoft.com/office/drawing/2014/main" id="{94E9223F-721F-47BF-9FD5-0F8D12FF0DE1}"/>
               </a:ext>
             </a:extLst>
           </p:cNvPr>
@@ -2314,7 +2314,7 @@
           <p:cNvPr id="3" name="Footer Placeholder 2">
             <a:extLst>
               <a:ext uri="{FF2B5EF4-FFF2-40B4-BE49-F238E27FC236}">
-                <a16:creationId xmlns:a16="http://schemas.microsoft.com/office/drawing/2014/main" xmlns="" id="{05915714-6BBA-4593-8591-4E26F7D58D9F}"/>
+                <a16:creationId xmlns="" xmlns:a16="http://schemas.microsoft.com/office/drawing/2014/main" id="{05915714-6BBA-4593-8591-4E26F7D58D9F}"/>
               </a:ext>
             </a:extLst>
           </p:cNvPr>
@@ -2339,7 +2339,7 @@
           <p:cNvPr id="4" name="Slide Number Placeholder 3">
             <a:extLst>
               <a:ext uri="{FF2B5EF4-FFF2-40B4-BE49-F238E27FC236}">
-                <a16:creationId xmlns:a16="http://schemas.microsoft.com/office/drawing/2014/main" xmlns="" id="{BE06F857-D2E1-44DD-ABDD-EBB739645B67}"/>
+                <a16:creationId xmlns="" xmlns:a16="http://schemas.microsoft.com/office/drawing/2014/main" id="{BE06F857-D2E1-44DD-ABDD-EBB739645B67}"/>
               </a:ext>
             </a:extLst>
           </p:cNvPr>
@@ -2398,7 +2398,7 @@
           <p:cNvPr id="8" name="Rectangle 7">
             <a:extLst>
               <a:ext uri="{FF2B5EF4-FFF2-40B4-BE49-F238E27FC236}">
-                <a16:creationId xmlns:a16="http://schemas.microsoft.com/office/drawing/2014/main" xmlns="" id="{16D90D66-BCB9-4229-A829-628874352AC0}"/>
+                <a16:creationId xmlns="" xmlns:a16="http://schemas.microsoft.com/office/drawing/2014/main" id="{16D90D66-BCB9-4229-A829-628874352AC0}"/>
               </a:ext>
             </a:extLst>
           </p:cNvPr>
@@ -2737,7 +2737,7 @@
           <p:cNvPr id="8" name="Rectangle 7">
             <a:extLst>
               <a:ext uri="{FF2B5EF4-FFF2-40B4-BE49-F238E27FC236}">
-                <a16:creationId xmlns:a16="http://schemas.microsoft.com/office/drawing/2014/main" xmlns="" id="{DA134939-39C0-4522-A125-A13DFDA66490}"/>
+                <a16:creationId xmlns="" xmlns:a16="http://schemas.microsoft.com/office/drawing/2014/main" id="{DA134939-39C0-4522-A125-A13DFDA66490}"/>
               </a:ext>
             </a:extLst>
           </p:cNvPr>
@@ -3076,7 +3076,7 @@
           <p:cNvPr id="7" name="Rectangle 6">
             <a:extLst>
               <a:ext uri="{FF2B5EF4-FFF2-40B4-BE49-F238E27FC236}">
-                <a16:creationId xmlns:a16="http://schemas.microsoft.com/office/drawing/2014/main" xmlns="" id="{416A0E3C-60E6-4F39-BC55-5F7C224E1F7C}"/>
+                <a16:creationId xmlns="" xmlns:a16="http://schemas.microsoft.com/office/drawing/2014/main" id="{416A0E3C-60E6-4F39-BC55-5F7C224E1F7C}"/>
               </a:ext>
             </a:extLst>
           </p:cNvPr>
@@ -3328,7 +3328,7 @@
           <p:cNvPr id="10" name="Straight Connector 9">
             <a:extLst>
               <a:ext uri="{FF2B5EF4-FFF2-40B4-BE49-F238E27FC236}">
-                <a16:creationId xmlns:a16="http://schemas.microsoft.com/office/drawing/2014/main" xmlns="" id="{C5025DAC-8B93-4160-B017-3A274A5828C0}"/>
+                <a16:creationId xmlns="" xmlns:a16="http://schemas.microsoft.com/office/drawing/2014/main" id="{C5025DAC-8B93-4160-B017-3A274A5828C0}"/>
               </a:ext>
             </a:extLst>
           </p:cNvPr>
@@ -3779,10 +3779,10 @@
           <p:cNvPr id="22" name="Rectangle 21">
             <a:extLst>
               <a:ext uri="{FF2B5EF4-FFF2-40B4-BE49-F238E27FC236}">
-                <a16:creationId xmlns:a16="http://schemas.microsoft.com/office/drawing/2014/main" xmlns="" id="{A9286AD2-18A9-4868-A4E3-7A2097A20810}"/>
+                <a16:creationId xmlns="" xmlns:a16="http://schemas.microsoft.com/office/drawing/2014/main" id="{A9286AD2-18A9-4868-A4E3-7A2097A20810}"/>
               </a:ext>
               <a:ext uri="{C183D7F6-B498-43B3-948B-1728B52AA6E4}">
-                <adec:decorative xmlns:adec="http://schemas.microsoft.com/office/drawing/2017/decorative" xmlns="" val="1"/>
+                <adec:decorative xmlns="" xmlns:adec="http://schemas.microsoft.com/office/drawing/2017/decorative" val="1"/>
               </a:ext>
             </a:extLst>
           </p:cNvPr>
@@ -3792,7 +3792,7 @@
           <p:nvPr>
             <p:extLst>
               <p:ext uri="{386F3935-93C4-4BCD-93E2-E3B085C9AB24}">
-                <p16:designElem xmlns:p16="http://schemas.microsoft.com/office/powerpoint/2015/main" xmlns="" val="1"/>
+                <p16:designElem xmlns="" xmlns:p16="http://schemas.microsoft.com/office/powerpoint/2015/main" val="1"/>
               </p:ext>
             </p:extLst>
           </p:nvPr>
@@ -3839,7 +3839,7 @@
           <p:cNvPr id="2" name="Title 1">
             <a:extLst>
               <a:ext uri="{FF2B5EF4-FFF2-40B4-BE49-F238E27FC236}">
-                <a16:creationId xmlns:a16="http://schemas.microsoft.com/office/drawing/2014/main" xmlns="" id="{78FD68DA-43BA-4508-8DE2-BA9BB7B2FA5B}"/>
+                <a16:creationId xmlns="" xmlns:a16="http://schemas.microsoft.com/office/drawing/2014/main" id="{78FD68DA-43BA-4508-8DE2-BA9BB7B2FA5B}"/>
               </a:ext>
             </a:extLst>
           </p:cNvPr>
@@ -3875,7 +3875,7 @@
           <p:cNvPr id="3" name="Subtitle 2">
             <a:extLst>
               <a:ext uri="{FF2B5EF4-FFF2-40B4-BE49-F238E27FC236}">
-                <a16:creationId xmlns:a16="http://schemas.microsoft.com/office/drawing/2014/main" xmlns="" id="{A8E9CFF2-3777-4FF4-A759-8491175B0B7C}"/>
+                <a16:creationId xmlns="" xmlns:a16="http://schemas.microsoft.com/office/drawing/2014/main" id="{A8E9CFF2-3777-4FF4-A759-8491175B0B7C}"/>
               </a:ext>
             </a:extLst>
           </p:cNvPr>
@@ -3982,7 +3982,7 @@
           <p:cNvPr id="5" name="Picture 4" descr="A picture containing building, sitting, bench, side&#10;&#10;Description automatically generated">
             <a:extLst>
               <a:ext uri="{FF2B5EF4-FFF2-40B4-BE49-F238E27FC236}">
-                <a16:creationId xmlns:a16="http://schemas.microsoft.com/office/drawing/2014/main" xmlns="" id="{282CF6DD-7FE8-4063-9551-1B7BBCE92ABE}"/>
+                <a16:creationId xmlns="" xmlns:a16="http://schemas.microsoft.com/office/drawing/2014/main" id="{282CF6DD-7FE8-4063-9551-1B7BBCE92ABE}"/>
               </a:ext>
             </a:extLst>
           </p:cNvPr>
@@ -4017,10 +4017,10 @@
           <p:cNvPr id="24" name="Straight Connector 23">
             <a:extLst>
               <a:ext uri="{FF2B5EF4-FFF2-40B4-BE49-F238E27FC236}">
-                <a16:creationId xmlns:a16="http://schemas.microsoft.com/office/drawing/2014/main" xmlns="" id="{E7A7CD63-7EC3-44F3-95D0-595C4019FF24}"/>
+                <a16:creationId xmlns="" xmlns:a16="http://schemas.microsoft.com/office/drawing/2014/main" id="{E7A7CD63-7EC3-44F3-95D0-595C4019FF24}"/>
               </a:ext>
               <a:ext uri="{C183D7F6-B498-43B3-948B-1728B52AA6E4}">
-                <adec:decorative xmlns:adec="http://schemas.microsoft.com/office/drawing/2017/decorative" xmlns="" val="1"/>
+                <adec:decorative xmlns="" xmlns:adec="http://schemas.microsoft.com/office/drawing/2017/decorative" val="1"/>
               </a:ext>
             </a:extLst>
           </p:cNvPr>
@@ -4030,7 +4030,7 @@
           <p:nvPr>
             <p:extLst>
               <p:ext uri="{386F3935-93C4-4BCD-93E2-E3B085C9AB24}">
-                <p16:designElem xmlns:p16="http://schemas.microsoft.com/office/powerpoint/2015/main" xmlns="" val="1"/>
+                <p16:designElem xmlns="" xmlns:p16="http://schemas.microsoft.com/office/powerpoint/2015/main" val="1"/>
               </p:ext>
             </p:extLst>
           </p:nvPr>
@@ -4102,7 +4102,7 @@
           <p:cNvPr id="2" name="Title 1">
             <a:extLst>
               <a:ext uri="{FF2B5EF4-FFF2-40B4-BE49-F238E27FC236}">
-                <a16:creationId xmlns:a16="http://schemas.microsoft.com/office/drawing/2014/main" xmlns="" id="{CA344CBA-FB2B-44A2-9612-01FA04D41200}"/>
+                <a16:creationId xmlns="" xmlns:a16="http://schemas.microsoft.com/office/drawing/2014/main" id="{CA344CBA-FB2B-44A2-9612-01FA04D41200}"/>
               </a:ext>
             </a:extLst>
           </p:cNvPr>
@@ -4125,7 +4125,7 @@
           <a:p>
             <a:r>
               <a:rPr lang="en-US" dirty="0"/>
-              <a:t>Preparing the data</a:t>
+              <a:t>Our Research</a:t>
             </a:r>
           </a:p>
         </p:txBody>
@@ -4135,7 +4135,7 @@
           <p:cNvPr id="3" name="Content Placeholder 2">
             <a:extLst>
               <a:ext uri="{FF2B5EF4-FFF2-40B4-BE49-F238E27FC236}">
-                <a16:creationId xmlns:a16="http://schemas.microsoft.com/office/drawing/2014/main" xmlns="" id="{F66CA81D-1701-4C2D-AE08-277C299D9B85}"/>
+                <a16:creationId xmlns="" xmlns:a16="http://schemas.microsoft.com/office/drawing/2014/main" id="{F66CA81D-1701-4C2D-AE08-277C299D9B85}"/>
               </a:ext>
             </a:extLst>
           </p:cNvPr>
@@ -4149,12 +4149,12 @@
         <p:spPr>
           <a:xfrm>
             <a:off x="365760" y="1955800"/>
-            <a:ext cx="10896600" cy="4378959"/>
+            <a:ext cx="7487920" cy="4378959"/>
           </a:xfrm>
         </p:spPr>
         <p:txBody>
           <a:bodyPr>
-            <a:normAutofit/>
+            <a:normAutofit fontScale="62500" lnSpcReduction="20000"/>
           </a:bodyPr>
           <a:lstStyle/>
           <a:p>
@@ -4162,97 +4162,159 @@
               <a:buNone/>
             </a:pPr>
             <a:r>
+              <a:rPr lang="en-US" sz="2500" dirty="0">
+                <a:hlinkClick r:id="rId2"/>
+              </a:rPr>
+              <a:t>Extractive Summarization as Text Matching</a:t>
+            </a:r>
+            <a:r>
               <a:rPr lang="en-US" sz="2500" dirty="0"/>
-              <a:t>The steps to prepare the data for our models:</a:t>
-            </a:r>
-          </a:p>
-          <a:p>
-            <a:pPr marL="457200" indent="-457200">
-              <a:buAutoNum type="arabicParenR"/>
+              <a:t>: Most extractive summarization systems extract sentences one by one from the original text, model the relationship between the sentences , and then select several sentences to form a summary. and may not  consider the semantics of the entire summary. </a:t>
+            </a:r>
+          </a:p>
+          <a:p>
+            <a:pPr marL="0" indent="0">
+              <a:buNone/>
             </a:pPr>
             <a:r>
-              <a:rPr lang="en-US" sz="1200" dirty="0"/>
-              <a:t>Get a random set of data from </a:t>
-            </a:r>
-            <a:r>
-              <a:rPr lang="en-US" sz="1200" dirty="0" err="1"/>
-              <a:t>casebody.data</a:t>
-            </a:r>
-            <a:r>
-              <a:rPr lang="en-US" sz="1200" dirty="0"/>
-              <a:t>. We selected 10% of the rows</a:t>
-            </a:r>
-          </a:p>
-          <a:p>
-            <a:pPr marL="457200" indent="-457200">
-              <a:buAutoNum type="arabicParenR"/>
+              <a:rPr lang="en-US" sz="2500" dirty="0"/>
+              <a:t>This method performs Semantic text matching to estimate semantic similarity between a source and a target text fragment. It is trained on the CNN/ Daily Mail dataset and uses a Siamese-BERT(Bidirectional Encoder Representations from Transformers</a:t>
+            </a:r>
+            <a:r>
+              <a:rPr lang="en-US" dirty="0"/>
+              <a:t>) </a:t>
+            </a:r>
+            <a:r>
+              <a:rPr lang="en-US" sz="2500" dirty="0"/>
+              <a:t>architecture to compute the similarity between several candidate summaries to the source document and </a:t>
+            </a:r>
+            <a:r>
+              <a:rPr lang="en-US" sz="2500" dirty="0" err="1">
+                <a:solidFill>
+                  <a:srgbClr val="FF0000"/>
+                </a:solidFill>
+              </a:rPr>
+              <a:t>seledt</a:t>
+            </a:r>
+            <a:r>
+              <a:rPr lang="en-US" sz="2500" dirty="0">
+                <a:solidFill>
+                  <a:srgbClr val="FF0000"/>
+                </a:solidFill>
+              </a:rPr>
+              <a:t> </a:t>
+            </a:r>
+            <a:r>
+              <a:rPr lang="en-US" sz="2500" dirty="0"/>
+              <a:t>the best candidate summary.  </a:t>
+            </a:r>
+          </a:p>
+          <a:p>
+            <a:pPr marL="0" indent="0">
+              <a:buNone/>
             </a:pPr>
             <a:r>
-              <a:rPr lang="en-US" sz="1200" dirty="0"/>
-              <a:t>Extract headnotes from </a:t>
-            </a:r>
-            <a:r>
-              <a:rPr lang="en-US" sz="1200" dirty="0" err="1"/>
-              <a:t>casebody.data</a:t>
-            </a:r>
-            <a:endParaRPr lang="en-US" sz="1200" dirty="0"/>
-          </a:p>
-          <a:p>
-            <a:pPr marL="457200" indent="-457200">
-              <a:buAutoNum type="arabicParenR"/>
+              <a:rPr lang="en-US" sz="2500" dirty="0"/>
+              <a:t>A </a:t>
+            </a:r>
+            <a:r>
+              <a:rPr lang="en-US" sz="2500" b="1" dirty="0"/>
+              <a:t>Siamese</a:t>
+            </a:r>
+            <a:r>
+              <a:rPr lang="en-US" sz="2500" dirty="0"/>
+              <a:t> networks consists of two identical neural networks, each taking one of the two input inputs. The last layers of the two networks are then fed to a contrastive loss function , which calculates the similarity between the two inputs. </a:t>
+            </a:r>
+          </a:p>
+          <a:p>
+            <a:pPr marL="0" indent="0">
+              <a:buNone/>
             </a:pPr>
             <a:r>
-              <a:rPr lang="en-US" sz="1200" dirty="0"/>
-              <a:t>Extract majority opinion from </a:t>
-            </a:r>
-            <a:r>
-              <a:rPr lang="en-US" sz="1200" dirty="0" err="1"/>
-              <a:t>casebody.data</a:t>
-            </a:r>
-            <a:endParaRPr lang="en-US" sz="1200" dirty="0"/>
-          </a:p>
-          <a:p>
-            <a:pPr marL="457200" indent="-457200">
-              <a:buAutoNum type="arabicParenR"/>
-            </a:pPr>
-            <a:r>
-              <a:rPr lang="en-US" sz="1200" dirty="0"/>
-              <a:t>Save data where length of headnotes &gt; 150 and opinion is larger than the headnotes</a:t>
-            </a:r>
-          </a:p>
-          <a:p>
-            <a:pPr marL="457200" indent="-457200">
-              <a:buAutoNum type="arabicParenR"/>
-            </a:pPr>
-            <a:r>
-              <a:rPr lang="en-US" sz="1200" dirty="0"/>
-              <a:t>Tokenize the headnotes and opinions</a:t>
-            </a:r>
-          </a:p>
-          <a:p>
-            <a:pPr marL="457200" indent="-457200">
-              <a:buAutoNum type="arabicParenR"/>
-            </a:pPr>
-            <a:r>
-              <a:rPr lang="en-US" sz="1200" dirty="0"/>
-              <a:t>Preprocess using Bert preprocessor to label opinions. </a:t>
-            </a:r>
-          </a:p>
-          <a:p>
-            <a:pPr marL="457200" indent="-457200">
-              <a:buAutoNum type="arabicParenR"/>
-            </a:pPr>
-            <a:r>
-              <a:rPr lang="en-US" sz="1200" dirty="0"/>
-              <a:t>Split data into training testing and validation sets</a:t>
-            </a:r>
+              <a:rPr lang="en-US" sz="2500" dirty="0"/>
+              <a:t>Siamese BERT leverages the pre-trained BERT in a Siamese network structure to derive semantically meaningful text embeddings that can be compared using cosine-similarity. </a:t>
+            </a:r>
+          </a:p>
+        </p:txBody>
+      </p:sp>
+      <p:pic>
+        <p:nvPicPr>
+          <p:cNvPr id="5" name="Picture 4">
+            <a:extLst>
+              <a:ext uri="{FF2B5EF4-FFF2-40B4-BE49-F238E27FC236}">
+                <a16:creationId xmlns="" xmlns:a16="http://schemas.microsoft.com/office/drawing/2014/main" id="{668BF638-F52C-4FEE-B217-66970DBFBBD4}"/>
+              </a:ext>
+            </a:extLst>
+          </p:cNvPr>
+          <p:cNvPicPr>
+            <a:picLocks noChangeAspect="1"/>
+          </p:cNvPicPr>
+          <p:nvPr/>
+        </p:nvPicPr>
+        <p:blipFill>
+          <a:blip r:embed="rId3">
+            <a:extLst>
+              <a:ext uri="{28A0092B-C50C-407E-A947-70E740481C1C}">
+                <a14:useLocalDpi xmlns:a14="http://schemas.microsoft.com/office/drawing/2010/main" val="0"/>
+              </a:ext>
+            </a:extLst>
+          </a:blip>
+          <a:stretch>
+            <a:fillRect/>
+          </a:stretch>
+        </p:blipFill>
+        <p:spPr>
+          <a:xfrm>
+            <a:off x="8227377" y="2826702"/>
+            <a:ext cx="2676525" cy="1895475"/>
+          </a:xfrm>
+          <a:prstGeom prst="rect">
+            <a:avLst/>
+          </a:prstGeom>
+        </p:spPr>
+      </p:pic>
+      <p:sp>
+        <p:nvSpPr>
+          <p:cNvPr id="9" name="TextBox 8">
+            <a:extLst>
+              <a:ext uri="{FF2B5EF4-FFF2-40B4-BE49-F238E27FC236}">
+                <a16:creationId xmlns="" xmlns:a16="http://schemas.microsoft.com/office/drawing/2014/main" id="{EF3D1033-0999-46CA-98D2-EA188D7E4913}"/>
+              </a:ext>
+            </a:extLst>
+          </p:cNvPr>
+          <p:cNvSpPr txBox="1"/>
+          <p:nvPr/>
+        </p:nvSpPr>
+        <p:spPr>
+          <a:xfrm>
+            <a:off x="7889241" y="5024120"/>
+            <a:ext cx="4150360" cy="246221"/>
+          </a:xfrm>
+          <a:prstGeom prst="rect">
+            <a:avLst/>
+          </a:prstGeom>
+          <a:noFill/>
+        </p:spPr>
+        <p:txBody>
+          <a:bodyPr wrap="square" rtlCol="0">
+            <a:spAutoFit/>
+          </a:bodyPr>
+          <a:lstStyle/>
+          <a:p>
+            <a:r>
+              <a:rPr lang="en-US" sz="1000" dirty="0">
+                <a:hlinkClick r:id="rId2"/>
+              </a:rPr>
+              <a:t>Extractive Summarization as Text Matching</a:t>
+            </a:r>
+            <a:endParaRPr lang="en-US" sz="1000" dirty="0"/>
           </a:p>
         </p:txBody>
       </p:sp>
     </p:spTree>
     <p:extLst>
       <p:ext uri="{BB962C8B-B14F-4D97-AF65-F5344CB8AC3E}">
-        <p14:creationId xmlns:p14="http://schemas.microsoft.com/office/powerpoint/2010/main" val="1791440519"/>
+        <p14:creationId xmlns:p14="http://schemas.microsoft.com/office/powerpoint/2010/main" val="451383658"/>
       </p:ext>
     </p:extLst>
   </p:cSld>
@@ -4284,7 +4346,7 @@
           <p:cNvPr id="2" name="Title 1">
             <a:extLst>
               <a:ext uri="{FF2B5EF4-FFF2-40B4-BE49-F238E27FC236}">
-                <a16:creationId xmlns:a16="http://schemas.microsoft.com/office/drawing/2014/main" xmlns="" id="{CA344CBA-FB2B-44A2-9612-01FA04D41200}"/>
+                <a16:creationId xmlns="" xmlns:a16="http://schemas.microsoft.com/office/drawing/2014/main" id="{CA344CBA-FB2B-44A2-9612-01FA04D41200}"/>
               </a:ext>
             </a:extLst>
           </p:cNvPr>
@@ -4306,9 +4368,26 @@
           <a:lstStyle/>
           <a:p>
             <a:r>
-              <a:rPr lang="en-US" dirty="0"/>
-              <a:t>Steps for labeling data</a:t>
-            </a:r>
+              <a:rPr lang="en-US" dirty="0">
+                <a:solidFill>
+                  <a:srgbClr val="FF0000"/>
+                </a:solidFill>
+              </a:rPr>
+              <a:t>Our </a:t>
+            </a:r>
+            <a:r>
+              <a:rPr lang="en-US" dirty="0" smtClean="0">
+                <a:solidFill>
+                  <a:srgbClr val="FF0000"/>
+                </a:solidFill>
+              </a:rPr>
+              <a:t>Research (DUPLICATE)</a:t>
+            </a:r>
+            <a:endParaRPr lang="en-US" dirty="0">
+              <a:solidFill>
+                <a:srgbClr val="FF0000"/>
+              </a:solidFill>
+            </a:endParaRPr>
           </a:p>
         </p:txBody>
       </p:sp>
@@ -4317,7 +4396,7 @@
           <p:cNvPr id="3" name="Content Placeholder 2">
             <a:extLst>
               <a:ext uri="{FF2B5EF4-FFF2-40B4-BE49-F238E27FC236}">
-                <a16:creationId xmlns:a16="http://schemas.microsoft.com/office/drawing/2014/main" xmlns="" id="{F66CA81D-1701-4C2D-AE08-277C299D9B85}"/>
+                <a16:creationId xmlns="" xmlns:a16="http://schemas.microsoft.com/office/drawing/2014/main" id="{F66CA81D-1701-4C2D-AE08-277C299D9B85}"/>
               </a:ext>
             </a:extLst>
           </p:cNvPr>
@@ -4331,12 +4410,12 @@
         <p:spPr>
           <a:xfrm>
             <a:off x="365760" y="1955800"/>
-            <a:ext cx="10896600" cy="4378959"/>
+            <a:ext cx="7487920" cy="4378959"/>
           </a:xfrm>
         </p:spPr>
         <p:txBody>
           <a:bodyPr>
-            <a:normAutofit/>
+            <a:normAutofit fontScale="62500" lnSpcReduction="20000"/>
           </a:bodyPr>
           <a:lstStyle/>
           <a:p>
@@ -4344,104 +4423,147 @@
               <a:buNone/>
             </a:pPr>
             <a:r>
-              <a:rPr lang="en-US" sz="1800" dirty="0"/>
-              <a:t>The steps to prepare the data for our models:</a:t>
-            </a:r>
-          </a:p>
-          <a:p>
-            <a:pPr marL="457200" indent="-457200">
-              <a:buAutoNum type="arabicParenR"/>
+              <a:rPr lang="en-US" sz="2500" dirty="0">
+                <a:hlinkClick r:id="rId2"/>
+              </a:rPr>
+              <a:t>Extractive Summarization as Text Matching</a:t>
+            </a:r>
+            <a:r>
+              <a:rPr lang="en-US" sz="2500" dirty="0"/>
+              <a:t>: Most extractive summarization systems extract sentences one by one from the original text, model the relationship between the sentences , and then select several sentences to form a summary. and may not  consider the semantics of the entire summary. </a:t>
+            </a:r>
+          </a:p>
+          <a:p>
+            <a:pPr marL="0" indent="0">
+              <a:buNone/>
             </a:pPr>
             <a:r>
-              <a:rPr lang="en-US" sz="1800" dirty="0"/>
-              <a:t>For each sentence in opinion and compare it to the sentences in the headnotes. </a:t>
-            </a:r>
-          </a:p>
-          <a:p>
-            <a:pPr marL="457200" indent="-457200">
-              <a:buAutoNum type="arabicParenR"/>
+              <a:rPr lang="en-US" sz="2500" dirty="0"/>
+              <a:t>This method performs Semantic text matching to estimate semantic similarity between a source and a target text fragment. It is trained on the CNN/ Daily Mail dataset and uses a Siamese-BERT(Bidirectional Encoder Representations from Transformers</a:t>
+            </a:r>
+            <a:r>
+              <a:rPr lang="en-US" dirty="0"/>
+              <a:t>) </a:t>
+            </a:r>
+            <a:r>
+              <a:rPr lang="en-US" sz="2500" dirty="0"/>
+              <a:t>architecture to compute the similarity between several candidate summaries to the source document and </a:t>
+            </a:r>
+            <a:r>
+              <a:rPr lang="en-US" sz="2500" dirty="0" err="1"/>
+              <a:t>seledt</a:t>
+            </a:r>
+            <a:r>
+              <a:rPr lang="en-US" sz="2500" dirty="0"/>
+              <a:t> the best candidate summary.  </a:t>
+            </a:r>
+          </a:p>
+          <a:p>
+            <a:pPr marL="0" indent="0">
+              <a:buNone/>
             </a:pPr>
             <a:r>
-              <a:rPr lang="en-US" sz="1800" dirty="0"/>
-              <a:t>If the sentence increases the rouge score, select the sentence for the summary. </a:t>
-            </a:r>
-          </a:p>
-          <a:p>
-            <a:pPr marL="457200" indent="-457200">
-              <a:buAutoNum type="arabicParenR"/>
+              <a:rPr lang="en-US" sz="2500" dirty="0"/>
+              <a:t>A </a:t>
+            </a:r>
+            <a:r>
+              <a:rPr lang="en-US" sz="2500" b="1" dirty="0"/>
+              <a:t>Siamese</a:t>
+            </a:r>
+            <a:r>
+              <a:rPr lang="en-US" sz="2500" dirty="0"/>
+              <a:t> networks consists of two identical neural networks, each taking one of the two input inputs. The last layers of the two networks are then fed to a contrastive loss function , which calculates the similarity between the two inputs. </a:t>
+            </a:r>
+          </a:p>
+          <a:p>
+            <a:pPr marL="0" indent="0">
+              <a:buNone/>
             </a:pPr>
             <a:r>
-              <a:rPr lang="en-US" sz="1800" dirty="0"/>
-              <a:t>Label the tokenized opinion so that the sentences that are selected have a label of 1 and the sentence that is not selected has a label of 0</a:t>
-            </a:r>
-          </a:p>
-          <a:p>
-            <a:pPr marL="457200" indent="-457200">
-              <a:buAutoNum type="arabicParenR"/>
-            </a:pPr>
-            <a:r>
-              <a:rPr lang="en-US" sz="1800" dirty="0"/>
-              <a:t>Additional columns created are for each opinion</a:t>
-            </a:r>
-          </a:p>
-          <a:p>
-            <a:pPr marL="749808" lvl="1" indent="-457200">
-              <a:buFont typeface="Arial" panose="020B0604020202020204" pitchFamily="34" charset="0"/>
-              <a:buChar char="•"/>
-            </a:pPr>
-            <a:r>
-              <a:rPr lang="en-US" sz="1400" dirty="0"/>
-              <a:t>The starting index of each sentence</a:t>
-            </a:r>
-          </a:p>
-          <a:p>
-            <a:pPr marL="749808" lvl="1" indent="-457200">
-              <a:buFont typeface="Arial" panose="020B0604020202020204" pitchFamily="34" charset="0"/>
-              <a:buChar char="•"/>
-            </a:pPr>
-            <a:r>
-              <a:rPr lang="en-US" sz="1400" dirty="0"/>
-              <a:t>The rank of each word in an opinion</a:t>
-            </a:r>
-          </a:p>
-          <a:p>
-            <a:pPr marL="749808" lvl="1" indent="-457200">
-              <a:buFont typeface="Arial" panose="020B0604020202020204" pitchFamily="34" charset="0"/>
-              <a:buChar char="•"/>
-            </a:pPr>
-            <a:endParaRPr lang="en-US" sz="1400" dirty="0"/>
-          </a:p>
-          <a:p>
-            <a:pPr marL="749808" lvl="1" indent="-457200">
-              <a:buFont typeface="Arial" panose="020B0604020202020204" pitchFamily="34" charset="0"/>
-              <a:buChar char="•"/>
-            </a:pPr>
-            <a:endParaRPr lang="en-US" sz="1400" dirty="0"/>
-          </a:p>
-          <a:p>
-            <a:pPr marL="457200" indent="-457200">
-              <a:buAutoNum type="arabicParenR"/>
-            </a:pPr>
-            <a:endParaRPr lang="en-US" sz="1600" dirty="0"/>
-          </a:p>
-          <a:p>
-            <a:pPr marL="457200" indent="-457200">
-              <a:buAutoNum type="arabicParenR"/>
-            </a:pPr>
-            <a:endParaRPr lang="en-US" sz="2500" dirty="0"/>
-          </a:p>
-          <a:p>
-            <a:pPr marL="457200" indent="-457200">
-              <a:buAutoNum type="arabicParenR"/>
-            </a:pPr>
-            <a:endParaRPr lang="en-US" sz="2500" dirty="0"/>
+              <a:rPr lang="en-US" sz="2500" dirty="0"/>
+              <a:t>Siamese BERT leverages the pre-trained BERT in a Siamese network structure to derive semantically meaningful text embeddings that can be compared using cosine-similarity. </a:t>
+            </a:r>
+          </a:p>
+        </p:txBody>
+      </p:sp>
+      <p:pic>
+        <p:nvPicPr>
+          <p:cNvPr id="5" name="Picture 4">
+            <a:extLst>
+              <a:ext uri="{FF2B5EF4-FFF2-40B4-BE49-F238E27FC236}">
+                <a16:creationId xmlns="" xmlns:a16="http://schemas.microsoft.com/office/drawing/2014/main" id="{668BF638-F52C-4FEE-B217-66970DBFBBD4}"/>
+              </a:ext>
+            </a:extLst>
+          </p:cNvPr>
+          <p:cNvPicPr>
+            <a:picLocks noChangeAspect="1"/>
+          </p:cNvPicPr>
+          <p:nvPr/>
+        </p:nvPicPr>
+        <p:blipFill>
+          <a:blip r:embed="rId3">
+            <a:extLst>
+              <a:ext uri="{28A0092B-C50C-407E-A947-70E740481C1C}">
+                <a14:useLocalDpi xmlns:a14="http://schemas.microsoft.com/office/drawing/2010/main" val="0"/>
+              </a:ext>
+            </a:extLst>
+          </a:blip>
+          <a:stretch>
+            <a:fillRect/>
+          </a:stretch>
+        </p:blipFill>
+        <p:spPr>
+          <a:xfrm>
+            <a:off x="8227377" y="2826702"/>
+            <a:ext cx="2676525" cy="1895475"/>
+          </a:xfrm>
+          <a:prstGeom prst="rect">
+            <a:avLst/>
+          </a:prstGeom>
+        </p:spPr>
+      </p:pic>
+      <p:sp>
+        <p:nvSpPr>
+          <p:cNvPr id="9" name="TextBox 8">
+            <a:extLst>
+              <a:ext uri="{FF2B5EF4-FFF2-40B4-BE49-F238E27FC236}">
+                <a16:creationId xmlns="" xmlns:a16="http://schemas.microsoft.com/office/drawing/2014/main" id="{EF3D1033-0999-46CA-98D2-EA188D7E4913}"/>
+              </a:ext>
+            </a:extLst>
+          </p:cNvPr>
+          <p:cNvSpPr txBox="1"/>
+          <p:nvPr/>
+        </p:nvSpPr>
+        <p:spPr>
+          <a:xfrm>
+            <a:off x="7889241" y="5024120"/>
+            <a:ext cx="4150360" cy="246221"/>
+          </a:xfrm>
+          <a:prstGeom prst="rect">
+            <a:avLst/>
+          </a:prstGeom>
+          <a:noFill/>
+        </p:spPr>
+        <p:txBody>
+          <a:bodyPr wrap="square" rtlCol="0">
+            <a:spAutoFit/>
+          </a:bodyPr>
+          <a:lstStyle/>
+          <a:p>
+            <a:r>
+              <a:rPr lang="en-US" sz="1000" dirty="0">
+                <a:hlinkClick r:id="rId2"/>
+              </a:rPr>
+              <a:t>Extractive Summarization as Text Matching</a:t>
+            </a:r>
+            <a:endParaRPr lang="en-US" sz="1000" dirty="0"/>
           </a:p>
         </p:txBody>
       </p:sp>
     </p:spTree>
     <p:extLst>
       <p:ext uri="{BB962C8B-B14F-4D97-AF65-F5344CB8AC3E}">
-        <p14:creationId xmlns:p14="http://schemas.microsoft.com/office/powerpoint/2010/main" val="407012818"/>
+        <p14:creationId xmlns:p14="http://schemas.microsoft.com/office/powerpoint/2010/main" val="905971681"/>
       </p:ext>
     </p:extLst>
   </p:cSld>
@@ -4473,7 +4595,7 @@
           <p:cNvPr id="2" name="Title 1">
             <a:extLst>
               <a:ext uri="{FF2B5EF4-FFF2-40B4-BE49-F238E27FC236}">
-                <a16:creationId xmlns:a16="http://schemas.microsoft.com/office/drawing/2014/main" xmlns="" id="{CA344CBA-FB2B-44A2-9612-01FA04D41200}"/>
+                <a16:creationId xmlns="" xmlns:a16="http://schemas.microsoft.com/office/drawing/2014/main" id="{CA344CBA-FB2B-44A2-9612-01FA04D41200}"/>
               </a:ext>
             </a:extLst>
           </p:cNvPr>
@@ -4506,7 +4628,7 @@
           <p:cNvPr id="3" name="Content Placeholder 2">
             <a:extLst>
               <a:ext uri="{FF2B5EF4-FFF2-40B4-BE49-F238E27FC236}">
-                <a16:creationId xmlns:a16="http://schemas.microsoft.com/office/drawing/2014/main" xmlns="" id="{F66CA81D-1701-4C2D-AE08-277C299D9B85}"/>
+                <a16:creationId xmlns="" xmlns:a16="http://schemas.microsoft.com/office/drawing/2014/main" id="{F66CA81D-1701-4C2D-AE08-277C299D9B85}"/>
               </a:ext>
             </a:extLst>
           </p:cNvPr>
@@ -4633,7 +4755,7 @@
           <p:cNvPr id="2" name="Title 1">
             <a:extLst>
               <a:ext uri="{FF2B5EF4-FFF2-40B4-BE49-F238E27FC236}">
-                <a16:creationId xmlns:a16="http://schemas.microsoft.com/office/drawing/2014/main" xmlns="" id="{CA344CBA-FB2B-44A2-9612-01FA04D41200}"/>
+                <a16:creationId xmlns="" xmlns:a16="http://schemas.microsoft.com/office/drawing/2014/main" id="{CA344CBA-FB2B-44A2-9612-01FA04D41200}"/>
               </a:ext>
             </a:extLst>
           </p:cNvPr>
@@ -4661,7 +4783,7 @@
           <p:cNvPr id="3" name="Content Placeholder 2">
             <a:extLst>
               <a:ext uri="{FF2B5EF4-FFF2-40B4-BE49-F238E27FC236}">
-                <a16:creationId xmlns:a16="http://schemas.microsoft.com/office/drawing/2014/main" xmlns="" id="{F66CA81D-1701-4C2D-AE08-277C299D9B85}"/>
+                <a16:creationId xmlns="" xmlns:a16="http://schemas.microsoft.com/office/drawing/2014/main" id="{F66CA81D-1701-4C2D-AE08-277C299D9B85}"/>
               </a:ext>
             </a:extLst>
           </p:cNvPr>
@@ -4745,286 +4867,7 @@
           <p:cNvPr id="2" name="Title 1">
             <a:extLst>
               <a:ext uri="{FF2B5EF4-FFF2-40B4-BE49-F238E27FC236}">
-                <a16:creationId xmlns:a16="http://schemas.microsoft.com/office/drawing/2014/main" xmlns="" id="{CA344CBA-FB2B-44A2-9612-01FA04D41200}"/>
-              </a:ext>
-            </a:extLst>
-          </p:cNvPr>
-          <p:cNvSpPr>
-            <a:spLocks noGrp="1"/>
-          </p:cNvSpPr>
-          <p:nvPr>
-            <p:ph type="title"/>
-          </p:nvPr>
-        </p:nvSpPr>
-        <p:spPr/>
-        <p:txBody>
-          <a:bodyPr/>
-          <a:lstStyle/>
-          <a:p>
-            <a:r>
-              <a:rPr lang="en-US" dirty="0"/>
-              <a:t>Types of Summarizations</a:t>
-            </a:r>
-          </a:p>
-        </p:txBody>
-      </p:sp>
-      <p:sp>
-        <p:nvSpPr>
-          <p:cNvPr id="3" name="Content Placeholder 2">
-            <a:extLst>
-              <a:ext uri="{FF2B5EF4-FFF2-40B4-BE49-F238E27FC236}">
-                <a16:creationId xmlns:a16="http://schemas.microsoft.com/office/drawing/2014/main" xmlns="" id="{F66CA81D-1701-4C2D-AE08-277C299D9B85}"/>
-              </a:ext>
-            </a:extLst>
-          </p:cNvPr>
-          <p:cNvSpPr>
-            <a:spLocks noGrp="1"/>
-          </p:cNvSpPr>
-          <p:nvPr>
-            <p:ph idx="1"/>
-          </p:nvPr>
-        </p:nvSpPr>
-        <p:spPr/>
-        <p:txBody>
-          <a:bodyPr>
-            <a:normAutofit/>
-          </a:bodyPr>
-          <a:lstStyle/>
-          <a:p>
-            <a:pPr lvl="0"/>
-            <a:r>
-              <a:rPr lang="en-US" b="1" dirty="0"/>
-              <a:t>Extraction-based summarization</a:t>
-            </a:r>
-            <a:r>
-              <a:rPr lang="en-US" dirty="0"/>
-              <a:t>: Content is extracted from original document and is not modified. This method will extract key phrases or sentences to form a summary. The summary generated by this method may not be the same format as a human might express  it and the sentences may appear disjointed</a:t>
-            </a:r>
-          </a:p>
-          <a:p>
-            <a:pPr lvl="0"/>
-            <a:r>
-              <a:rPr lang="en-US" b="1" dirty="0"/>
-              <a:t>Abstraction-based summarization</a:t>
-            </a:r>
-            <a:r>
-              <a:rPr lang="en-US" dirty="0"/>
-              <a:t>: Abstractive methods generate a summary based on internal semantic representation of the original content, closer to what a human might express. Abstraction may transform the extracted content. Such transformation are computationally very challenging  , involving both NLP (natural language processing) and a deep understanding of the document </a:t>
-            </a:r>
-          </a:p>
-          <a:p>
-            <a:pPr marL="457200" indent="-457200">
-              <a:buAutoNum type="arabicParenR"/>
-            </a:pPr>
-            <a:endParaRPr lang="en-US" dirty="0"/>
-          </a:p>
-        </p:txBody>
-      </p:sp>
-    </p:spTree>
-    <p:extLst>
-      <p:ext uri="{BB962C8B-B14F-4D97-AF65-F5344CB8AC3E}">
-        <p14:creationId xmlns:p14="http://schemas.microsoft.com/office/powerpoint/2010/main" val="1897433995"/>
-      </p:ext>
-    </p:extLst>
-  </p:cSld>
-  <p:clrMapOvr>
-    <a:masterClrMapping/>
-  </p:clrMapOvr>
-</p:sld>
-</file>
-
-<file path=ppt/slides/slide4.xml><?xml version="1.0" encoding="utf-8"?>
-<p:sld xmlns:a="http://schemas.openxmlformats.org/drawingml/2006/main" xmlns:r="http://schemas.openxmlformats.org/officeDocument/2006/relationships" xmlns:p="http://schemas.openxmlformats.org/presentationml/2006/main">
-  <p:cSld>
-    <p:spTree>
-      <p:nvGrpSpPr>
-        <p:cNvPr id="1" name=""/>
-        <p:cNvGrpSpPr/>
-        <p:nvPr/>
-      </p:nvGrpSpPr>
-      <p:grpSpPr>
-        <a:xfrm>
-          <a:off x="0" y="0"/>
-          <a:ext cx="0" cy="0"/>
-          <a:chOff x="0" y="0"/>
-          <a:chExt cx="0" cy="0"/>
-        </a:xfrm>
-      </p:grpSpPr>
-      <p:sp>
-        <p:nvSpPr>
-          <p:cNvPr id="2" name="Title 1">
-            <a:extLst>
-              <a:ext uri="{FF2B5EF4-FFF2-40B4-BE49-F238E27FC236}">
-                <a16:creationId xmlns:a16="http://schemas.microsoft.com/office/drawing/2014/main" xmlns="" id="{CA344CBA-FB2B-44A2-9612-01FA04D41200}"/>
-              </a:ext>
-            </a:extLst>
-          </p:cNvPr>
-          <p:cNvSpPr>
-            <a:spLocks noGrp="1"/>
-          </p:cNvSpPr>
-          <p:nvPr>
-            <p:ph type="title"/>
-          </p:nvPr>
-        </p:nvSpPr>
-        <p:spPr/>
-        <p:txBody>
-          <a:bodyPr/>
-          <a:lstStyle/>
-          <a:p>
-            <a:r>
-              <a:rPr lang="en-US"/>
-              <a:t>Our Research</a:t>
-            </a:r>
-            <a:endParaRPr lang="en-US" dirty="0"/>
-          </a:p>
-        </p:txBody>
-      </p:sp>
-      <p:sp>
-        <p:nvSpPr>
-          <p:cNvPr id="3" name="Content Placeholder 2">
-            <a:extLst>
-              <a:ext uri="{FF2B5EF4-FFF2-40B4-BE49-F238E27FC236}">
-                <a16:creationId xmlns:a16="http://schemas.microsoft.com/office/drawing/2014/main" xmlns="" id="{F66CA81D-1701-4C2D-AE08-277C299D9B85}"/>
-              </a:ext>
-            </a:extLst>
-          </p:cNvPr>
-          <p:cNvSpPr>
-            <a:spLocks noGrp="1"/>
-          </p:cNvSpPr>
-          <p:nvPr>
-            <p:ph idx="1"/>
-          </p:nvPr>
-        </p:nvSpPr>
-        <p:spPr/>
-        <p:txBody>
-          <a:bodyPr>
-            <a:normAutofit/>
-          </a:bodyPr>
-          <a:lstStyle/>
-          <a:p>
-            <a:pPr marL="0" indent="0">
-              <a:buNone/>
-            </a:pPr>
-            <a:r>
-              <a:rPr lang="en-US" sz="2000" dirty="0"/>
-              <a:t>We searched for existing models that generate summaries based on the following criteria</a:t>
-            </a:r>
-            <a:endParaRPr lang="en-US" sz="4800" dirty="0"/>
-          </a:p>
-          <a:p>
-            <a:pPr>
-              <a:buFont typeface="Wingdings" panose="05000000000000000000" pitchFamily="2" charset="2"/>
-              <a:buChar char="§"/>
-            </a:pPr>
-            <a:r>
-              <a:rPr lang="en-US" dirty="0"/>
-              <a:t>Generate Extractive summaries since they can generate semantically and grammatically correct sentences these models need less resources and understanding of the domain.</a:t>
-            </a:r>
-          </a:p>
-          <a:p>
-            <a:pPr>
-              <a:buFont typeface="Wingdings" panose="05000000000000000000" pitchFamily="2" charset="2"/>
-              <a:buChar char="§"/>
-            </a:pPr>
-            <a:r>
-              <a:rPr lang="en-US" dirty="0"/>
-              <a:t>Summarize  long documents </a:t>
-            </a:r>
-          </a:p>
-          <a:p>
-            <a:pPr>
-              <a:buFont typeface="Wingdings" panose="05000000000000000000" pitchFamily="2" charset="2"/>
-              <a:buChar char="§"/>
-            </a:pPr>
-            <a:r>
-              <a:rPr lang="en-US" dirty="0"/>
-              <a:t>Perform well as measured by the </a:t>
-            </a:r>
-            <a:r>
-              <a:rPr lang="en-US" b="1" dirty="0"/>
-              <a:t>ROGUE</a:t>
-            </a:r>
-            <a:r>
-              <a:rPr lang="en-US" dirty="0"/>
-              <a:t> (</a:t>
-            </a:r>
-            <a:r>
-              <a:rPr lang="en-US" b="1" dirty="0"/>
-              <a:t>Recall-Oriented Understudy for </a:t>
-            </a:r>
-            <a:r>
-              <a:rPr lang="en-US" b="1" dirty="0" err="1"/>
-              <a:t>Gisting</a:t>
-            </a:r>
-            <a:r>
-              <a:rPr lang="en-US" b="1" dirty="0"/>
-              <a:t> Evaluation) Metric</a:t>
-            </a:r>
-            <a:r>
-              <a:rPr lang="en-US" dirty="0"/>
-              <a:t> Score. </a:t>
-            </a:r>
-          </a:p>
-          <a:p>
-            <a:pPr>
-              <a:buFont typeface="Wingdings" panose="05000000000000000000" pitchFamily="2" charset="2"/>
-              <a:buChar char="§"/>
-            </a:pPr>
-            <a:r>
-              <a:rPr lang="en-US" dirty="0"/>
-              <a:t>Can be implemented in the given time constraint</a:t>
-            </a:r>
-          </a:p>
-          <a:p>
-            <a:pPr marL="457200" indent="-457200">
-              <a:buAutoNum type="arabicParenR" startAt="3"/>
-            </a:pPr>
-            <a:endParaRPr lang="en-US" dirty="0"/>
-          </a:p>
-          <a:p>
-            <a:pPr marL="457200" indent="-457200">
-              <a:buAutoNum type="arabicParenR"/>
-            </a:pPr>
-            <a:endParaRPr lang="en-US" dirty="0"/>
-          </a:p>
-        </p:txBody>
-      </p:sp>
-    </p:spTree>
-    <p:extLst>
-      <p:ext uri="{BB962C8B-B14F-4D97-AF65-F5344CB8AC3E}">
-        <p14:creationId xmlns:p14="http://schemas.microsoft.com/office/powerpoint/2010/main" val="2529450920"/>
-      </p:ext>
-    </p:extLst>
-  </p:cSld>
-  <p:clrMapOvr>
-    <a:masterClrMapping/>
-  </p:clrMapOvr>
-</p:sld>
-</file>
-
-<file path=ppt/slides/slide5.xml><?xml version="1.0" encoding="utf-8"?>
-<p:sld xmlns:a="http://schemas.openxmlformats.org/drawingml/2006/main" xmlns:r="http://schemas.openxmlformats.org/officeDocument/2006/relationships" xmlns:p="http://schemas.openxmlformats.org/presentationml/2006/main">
-  <p:cSld>
-    <p:spTree>
-      <p:nvGrpSpPr>
-        <p:cNvPr id="1" name=""/>
-        <p:cNvGrpSpPr/>
-        <p:nvPr/>
-      </p:nvGrpSpPr>
-      <p:grpSpPr>
-        <a:xfrm>
-          <a:off x="0" y="0"/>
-          <a:ext cx="0" cy="0"/>
-          <a:chOff x="0" y="0"/>
-          <a:chExt cx="0" cy="0"/>
-        </a:xfrm>
-      </p:grpSpPr>
-      <p:sp>
-        <p:nvSpPr>
-          <p:cNvPr id="2" name="Title 1">
-            <a:extLst>
-              <a:ext uri="{FF2B5EF4-FFF2-40B4-BE49-F238E27FC236}">
-                <a16:creationId xmlns:a16="http://schemas.microsoft.com/office/drawing/2014/main" xmlns="" id="{CA344CBA-FB2B-44A2-9612-01FA04D41200}"/>
+                <a16:creationId xmlns="" xmlns:a16="http://schemas.microsoft.com/office/drawing/2014/main" id="{CA344CBA-FB2B-44A2-9612-01FA04D41200}"/>
               </a:ext>
             </a:extLst>
           </p:cNvPr>
@@ -5047,7 +4890,7 @@
           <a:p>
             <a:r>
               <a:rPr lang="en-US" dirty="0"/>
-              <a:t>Our Research</a:t>
+              <a:t>Exploratory Data Analysis</a:t>
             </a:r>
           </a:p>
         </p:txBody>
@@ -5057,628 +4900,7 @@
           <p:cNvPr id="3" name="Content Placeholder 2">
             <a:extLst>
               <a:ext uri="{FF2B5EF4-FFF2-40B4-BE49-F238E27FC236}">
-                <a16:creationId xmlns:a16="http://schemas.microsoft.com/office/drawing/2014/main" xmlns="" id="{F66CA81D-1701-4C2D-AE08-277C299D9B85}"/>
-              </a:ext>
-            </a:extLst>
-          </p:cNvPr>
-          <p:cNvSpPr>
-            <a:spLocks noGrp="1"/>
-          </p:cNvSpPr>
-          <p:nvPr>
-            <p:ph idx="1"/>
-          </p:nvPr>
-        </p:nvSpPr>
-        <p:spPr>
-          <a:xfrm>
-            <a:off x="365760" y="1955800"/>
-            <a:ext cx="10789920" cy="4378959"/>
-          </a:xfrm>
-        </p:spPr>
-        <p:txBody>
-          <a:bodyPr>
-            <a:normAutofit/>
-          </a:bodyPr>
-          <a:lstStyle/>
-          <a:p>
-            <a:pPr marL="0" indent="0">
-              <a:buNone/>
-            </a:pPr>
-            <a:r>
-              <a:rPr lang="en-US" sz="2500" dirty="0"/>
-              <a:t>The models we researched are</a:t>
-            </a:r>
-          </a:p>
-          <a:p>
-            <a:pPr marL="0" indent="0">
-              <a:buNone/>
-            </a:pPr>
-            <a:r>
-              <a:rPr lang="en-US" dirty="0">
-                <a:hlinkClick r:id="rId2"/>
-              </a:rPr>
-              <a:t>Text Summarization with Pretrained Encoders</a:t>
-            </a:r>
-            <a:r>
-              <a:rPr lang="en-US" sz="2500" dirty="0"/>
-              <a:t>: </a:t>
-            </a:r>
-            <a:r>
-              <a:rPr lang="en-US" dirty="0"/>
-              <a:t>Bidirectional Encoder Representations from Transformers (BERT; Devlin et al. 2019) represents a pretrained language models which have recently advanced a wide range of natural language processing tasks. </a:t>
-            </a:r>
-          </a:p>
-          <a:p>
-            <a:pPr marL="0" indent="0">
-              <a:buNone/>
-            </a:pPr>
-            <a:r>
-              <a:rPr lang="en-US" dirty="0"/>
-              <a:t>This model uses BERT for text summarization and propose a general framework for extractive models. This is a document-level encoder based on BERT which is able to express the semantics of a document and obtain representations for its sentences. Several inter sentence transformer layers are stacked over the </a:t>
-            </a:r>
-            <a:r>
-              <a:rPr lang="en-US" dirty="0">
-                <a:solidFill>
-                  <a:srgbClr val="FF0000"/>
-                </a:solidFill>
-              </a:rPr>
-              <a:t>BERY</a:t>
-            </a:r>
-            <a:r>
-              <a:rPr lang="en-US" dirty="0"/>
-              <a:t> encoder.</a:t>
-            </a:r>
-          </a:p>
-        </p:txBody>
-      </p:sp>
-    </p:spTree>
-    <p:extLst>
-      <p:ext uri="{BB962C8B-B14F-4D97-AF65-F5344CB8AC3E}">
-        <p14:creationId xmlns:p14="http://schemas.microsoft.com/office/powerpoint/2010/main" val="1008779348"/>
-      </p:ext>
-    </p:extLst>
-  </p:cSld>
-  <p:clrMapOvr>
-    <a:masterClrMapping/>
-  </p:clrMapOvr>
-</p:sld>
-</file>
-
-<file path=ppt/slides/slide6.xml><?xml version="1.0" encoding="utf-8"?>
-<p:sld xmlns:a="http://schemas.openxmlformats.org/drawingml/2006/main" xmlns:r="http://schemas.openxmlformats.org/officeDocument/2006/relationships" xmlns:p="http://schemas.openxmlformats.org/presentationml/2006/main">
-  <p:cSld>
-    <p:spTree>
-      <p:nvGrpSpPr>
-        <p:cNvPr id="1" name=""/>
-        <p:cNvGrpSpPr/>
-        <p:nvPr/>
-      </p:nvGrpSpPr>
-      <p:grpSpPr>
-        <a:xfrm>
-          <a:off x="0" y="0"/>
-          <a:ext cx="0" cy="0"/>
-          <a:chOff x="0" y="0"/>
-          <a:chExt cx="0" cy="0"/>
-        </a:xfrm>
-      </p:grpSpPr>
-      <p:sp>
-        <p:nvSpPr>
-          <p:cNvPr id="2" name="Title 1">
-            <a:extLst>
-              <a:ext uri="{FF2B5EF4-FFF2-40B4-BE49-F238E27FC236}">
-                <a16:creationId xmlns:a16="http://schemas.microsoft.com/office/drawing/2014/main" xmlns="" id="{CA344CBA-FB2B-44A2-9612-01FA04D41200}"/>
-              </a:ext>
-            </a:extLst>
-          </p:cNvPr>
-          <p:cNvSpPr>
-            <a:spLocks noGrp="1"/>
-          </p:cNvSpPr>
-          <p:nvPr>
-            <p:ph type="title"/>
-          </p:nvPr>
-        </p:nvSpPr>
-        <p:spPr>
-          <a:xfrm>
-            <a:off x="1097280" y="286603"/>
-            <a:ext cx="10058400" cy="1181517"/>
-          </a:xfrm>
-        </p:spPr>
-        <p:txBody>
-          <a:bodyPr/>
-          <a:lstStyle/>
-          <a:p>
-            <a:r>
-              <a:rPr lang="en-US" dirty="0"/>
-              <a:t>Our Research</a:t>
-            </a:r>
-          </a:p>
-        </p:txBody>
-      </p:sp>
-      <p:sp>
-        <p:nvSpPr>
-          <p:cNvPr id="3" name="Content Placeholder 2">
-            <a:extLst>
-              <a:ext uri="{FF2B5EF4-FFF2-40B4-BE49-F238E27FC236}">
-                <a16:creationId xmlns:a16="http://schemas.microsoft.com/office/drawing/2014/main" xmlns="" id="{F66CA81D-1701-4C2D-AE08-277C299D9B85}"/>
-              </a:ext>
-            </a:extLst>
-          </p:cNvPr>
-          <p:cNvSpPr>
-            <a:spLocks noGrp="1"/>
-          </p:cNvSpPr>
-          <p:nvPr>
-            <p:ph idx="1"/>
-          </p:nvPr>
-        </p:nvSpPr>
-        <p:spPr>
-          <a:xfrm>
-            <a:off x="365760" y="1955800"/>
-            <a:ext cx="7487920" cy="4378959"/>
-          </a:xfrm>
-        </p:spPr>
-        <p:txBody>
-          <a:bodyPr>
-            <a:normAutofit fontScale="62500" lnSpcReduction="20000"/>
-          </a:bodyPr>
-          <a:lstStyle/>
-          <a:p>
-            <a:pPr marL="0" indent="0">
-              <a:buNone/>
-            </a:pPr>
-            <a:r>
-              <a:rPr lang="en-US" sz="2500" dirty="0">
-                <a:hlinkClick r:id="rId2"/>
-              </a:rPr>
-              <a:t>Extractive Summarization as Text Matching</a:t>
-            </a:r>
-            <a:r>
-              <a:rPr lang="en-US" sz="2500" dirty="0"/>
-              <a:t>: Most extractive summarization systems extract sentences one by one from the original text, model the relationship between the sentences , and then select several sentences to form a summary. and may not  consider the semantics of the entire summary. </a:t>
-            </a:r>
-          </a:p>
-          <a:p>
-            <a:pPr marL="0" indent="0">
-              <a:buNone/>
-            </a:pPr>
-            <a:r>
-              <a:rPr lang="en-US" sz="2500" dirty="0"/>
-              <a:t>This method performs Semantic text matching to estimate semantic similarity between a source and a target text fragment. It is trained on the CNN/ Daily Mail dataset and uses a Siamese-BERT(Bidirectional Encoder Representations from Transformers</a:t>
-            </a:r>
-            <a:r>
-              <a:rPr lang="en-US" dirty="0"/>
-              <a:t>) </a:t>
-            </a:r>
-            <a:r>
-              <a:rPr lang="en-US" sz="2500" dirty="0"/>
-              <a:t>architecture to compute the similarity between several candidate summaries to the source document and </a:t>
-            </a:r>
-            <a:r>
-              <a:rPr lang="en-US" sz="2500" dirty="0" err="1">
-                <a:solidFill>
-                  <a:srgbClr val="FF0000"/>
-                </a:solidFill>
-              </a:rPr>
-              <a:t>seledt</a:t>
-            </a:r>
-            <a:r>
-              <a:rPr lang="en-US" sz="2500" dirty="0">
-                <a:solidFill>
-                  <a:srgbClr val="FF0000"/>
-                </a:solidFill>
-              </a:rPr>
-              <a:t> </a:t>
-            </a:r>
-            <a:r>
-              <a:rPr lang="en-US" sz="2500" dirty="0"/>
-              <a:t>the best candidate summary.  </a:t>
-            </a:r>
-          </a:p>
-          <a:p>
-            <a:pPr marL="0" indent="0">
-              <a:buNone/>
-            </a:pPr>
-            <a:r>
-              <a:rPr lang="en-US" sz="2500" dirty="0"/>
-              <a:t>A </a:t>
-            </a:r>
-            <a:r>
-              <a:rPr lang="en-US" sz="2500" b="1" dirty="0"/>
-              <a:t>Siamese</a:t>
-            </a:r>
-            <a:r>
-              <a:rPr lang="en-US" sz="2500" dirty="0"/>
-              <a:t> networks consists of two identical neural networks, each taking one of the two input inputs. The last layers of the two networks are then fed to a contrastive loss function , which calculates the similarity between the two inputs. </a:t>
-            </a:r>
-          </a:p>
-          <a:p>
-            <a:pPr marL="0" indent="0">
-              <a:buNone/>
-            </a:pPr>
-            <a:r>
-              <a:rPr lang="en-US" sz="2500" dirty="0"/>
-              <a:t>Siamese BERT leverages the pre-trained BERT in a Siamese network structure to derive semantically meaningful text embeddings that can be compared using cosine-similarity. </a:t>
-            </a:r>
-          </a:p>
-        </p:txBody>
-      </p:sp>
-      <p:pic>
-        <p:nvPicPr>
-          <p:cNvPr id="5" name="Picture 4">
-            <a:extLst>
-              <a:ext uri="{FF2B5EF4-FFF2-40B4-BE49-F238E27FC236}">
-                <a16:creationId xmlns:a16="http://schemas.microsoft.com/office/drawing/2014/main" xmlns="" id="{668BF638-F52C-4FEE-B217-66970DBFBBD4}"/>
-              </a:ext>
-            </a:extLst>
-          </p:cNvPr>
-          <p:cNvPicPr>
-            <a:picLocks noChangeAspect="1"/>
-          </p:cNvPicPr>
-          <p:nvPr/>
-        </p:nvPicPr>
-        <p:blipFill>
-          <a:blip r:embed="rId3">
-            <a:extLst>
-              <a:ext uri="{28A0092B-C50C-407E-A947-70E740481C1C}">
-                <a14:useLocalDpi xmlns:a14="http://schemas.microsoft.com/office/drawing/2010/main" val="0"/>
-              </a:ext>
-            </a:extLst>
-          </a:blip>
-          <a:stretch>
-            <a:fillRect/>
-          </a:stretch>
-        </p:blipFill>
-        <p:spPr>
-          <a:xfrm>
-            <a:off x="8227377" y="2826702"/>
-            <a:ext cx="2676525" cy="1895475"/>
-          </a:xfrm>
-          <a:prstGeom prst="rect">
-            <a:avLst/>
-          </a:prstGeom>
-        </p:spPr>
-      </p:pic>
-      <p:sp>
-        <p:nvSpPr>
-          <p:cNvPr id="9" name="TextBox 8">
-            <a:extLst>
-              <a:ext uri="{FF2B5EF4-FFF2-40B4-BE49-F238E27FC236}">
-                <a16:creationId xmlns:a16="http://schemas.microsoft.com/office/drawing/2014/main" xmlns="" id="{EF3D1033-0999-46CA-98D2-EA188D7E4913}"/>
-              </a:ext>
-            </a:extLst>
-          </p:cNvPr>
-          <p:cNvSpPr txBox="1"/>
-          <p:nvPr/>
-        </p:nvSpPr>
-        <p:spPr>
-          <a:xfrm>
-            <a:off x="7889241" y="5024120"/>
-            <a:ext cx="4150360" cy="246221"/>
-          </a:xfrm>
-          <a:prstGeom prst="rect">
-            <a:avLst/>
-          </a:prstGeom>
-          <a:noFill/>
-        </p:spPr>
-        <p:txBody>
-          <a:bodyPr wrap="square" rtlCol="0">
-            <a:spAutoFit/>
-          </a:bodyPr>
-          <a:lstStyle/>
-          <a:p>
-            <a:r>
-              <a:rPr lang="en-US" sz="1000" dirty="0">
-                <a:hlinkClick r:id="rId2"/>
-              </a:rPr>
-              <a:t>Extractive Summarization as Text Matching</a:t>
-            </a:r>
-            <a:endParaRPr lang="en-US" sz="1000" dirty="0"/>
-          </a:p>
-        </p:txBody>
-      </p:sp>
-    </p:spTree>
-    <p:extLst>
-      <p:ext uri="{BB962C8B-B14F-4D97-AF65-F5344CB8AC3E}">
-        <p14:creationId xmlns:p14="http://schemas.microsoft.com/office/powerpoint/2010/main" val="451383658"/>
-      </p:ext>
-    </p:extLst>
-  </p:cSld>
-  <p:clrMapOvr>
-    <a:masterClrMapping/>
-  </p:clrMapOvr>
-</p:sld>
-</file>
-
-<file path=ppt/slides/slide7.xml><?xml version="1.0" encoding="utf-8"?>
-<p:sld xmlns:a="http://schemas.openxmlformats.org/drawingml/2006/main" xmlns:r="http://schemas.openxmlformats.org/officeDocument/2006/relationships" xmlns:p="http://schemas.openxmlformats.org/presentationml/2006/main">
-  <p:cSld>
-    <p:spTree>
-      <p:nvGrpSpPr>
-        <p:cNvPr id="1" name=""/>
-        <p:cNvGrpSpPr/>
-        <p:nvPr/>
-      </p:nvGrpSpPr>
-      <p:grpSpPr>
-        <a:xfrm>
-          <a:off x="0" y="0"/>
-          <a:ext cx="0" cy="0"/>
-          <a:chOff x="0" y="0"/>
-          <a:chExt cx="0" cy="0"/>
-        </a:xfrm>
-      </p:grpSpPr>
-      <p:sp>
-        <p:nvSpPr>
-          <p:cNvPr id="2" name="Title 1">
-            <a:extLst>
-              <a:ext uri="{FF2B5EF4-FFF2-40B4-BE49-F238E27FC236}">
-                <a16:creationId xmlns:a16="http://schemas.microsoft.com/office/drawing/2014/main" xmlns="" id="{CA344CBA-FB2B-44A2-9612-01FA04D41200}"/>
-              </a:ext>
-            </a:extLst>
-          </p:cNvPr>
-          <p:cNvSpPr>
-            <a:spLocks noGrp="1"/>
-          </p:cNvSpPr>
-          <p:nvPr>
-            <p:ph type="title"/>
-          </p:nvPr>
-        </p:nvSpPr>
-        <p:spPr>
-          <a:xfrm>
-            <a:off x="1097280" y="286603"/>
-            <a:ext cx="10058400" cy="1181517"/>
-          </a:xfrm>
-        </p:spPr>
-        <p:txBody>
-          <a:bodyPr/>
-          <a:lstStyle/>
-          <a:p>
-            <a:r>
-              <a:rPr lang="en-US" dirty="0">
-                <a:solidFill>
-                  <a:srgbClr val="FF0000"/>
-                </a:solidFill>
-              </a:rPr>
-              <a:t>Our Research</a:t>
-            </a:r>
-          </a:p>
-        </p:txBody>
-      </p:sp>
-      <p:sp>
-        <p:nvSpPr>
-          <p:cNvPr id="3" name="Content Placeholder 2">
-            <a:extLst>
-              <a:ext uri="{FF2B5EF4-FFF2-40B4-BE49-F238E27FC236}">
-                <a16:creationId xmlns:a16="http://schemas.microsoft.com/office/drawing/2014/main" xmlns="" id="{F66CA81D-1701-4C2D-AE08-277C299D9B85}"/>
-              </a:ext>
-            </a:extLst>
-          </p:cNvPr>
-          <p:cNvSpPr>
-            <a:spLocks noGrp="1"/>
-          </p:cNvSpPr>
-          <p:nvPr>
-            <p:ph idx="1"/>
-          </p:nvPr>
-        </p:nvSpPr>
-        <p:spPr>
-          <a:xfrm>
-            <a:off x="365760" y="1955800"/>
-            <a:ext cx="7487920" cy="4378959"/>
-          </a:xfrm>
-        </p:spPr>
-        <p:txBody>
-          <a:bodyPr>
-            <a:normAutofit fontScale="62500" lnSpcReduction="20000"/>
-          </a:bodyPr>
-          <a:lstStyle/>
-          <a:p>
-            <a:pPr marL="0" indent="0">
-              <a:buNone/>
-            </a:pPr>
-            <a:r>
-              <a:rPr lang="en-US" sz="2500" dirty="0">
-                <a:hlinkClick r:id="rId2"/>
-              </a:rPr>
-              <a:t>Extractive Summarization as Text Matching</a:t>
-            </a:r>
-            <a:r>
-              <a:rPr lang="en-US" sz="2500" dirty="0"/>
-              <a:t>: Most extractive summarization systems extract sentences one by one from the original text, model the relationship between the sentences , and then select several sentences to form a summary. and may not  consider the semantics of the entire summary. </a:t>
-            </a:r>
-          </a:p>
-          <a:p>
-            <a:pPr marL="0" indent="0">
-              <a:buNone/>
-            </a:pPr>
-            <a:r>
-              <a:rPr lang="en-US" sz="2500" dirty="0"/>
-              <a:t>This method performs Semantic text matching to estimate semantic similarity between a source and a target text fragment. It is trained on the CNN/ Daily Mail dataset and uses a Siamese-BERT(Bidirectional Encoder Representations from Transformers</a:t>
-            </a:r>
-            <a:r>
-              <a:rPr lang="en-US" dirty="0"/>
-              <a:t>) </a:t>
-            </a:r>
-            <a:r>
-              <a:rPr lang="en-US" sz="2500" dirty="0"/>
-              <a:t>architecture to compute the similarity between several candidate summaries to the source document and </a:t>
-            </a:r>
-            <a:r>
-              <a:rPr lang="en-US" sz="2500" dirty="0" err="1"/>
-              <a:t>seledt</a:t>
-            </a:r>
-            <a:r>
-              <a:rPr lang="en-US" sz="2500" dirty="0"/>
-              <a:t> the best candidate summary.  </a:t>
-            </a:r>
-          </a:p>
-          <a:p>
-            <a:pPr marL="0" indent="0">
-              <a:buNone/>
-            </a:pPr>
-            <a:r>
-              <a:rPr lang="en-US" sz="2500" dirty="0"/>
-              <a:t>A </a:t>
-            </a:r>
-            <a:r>
-              <a:rPr lang="en-US" sz="2500" b="1" dirty="0"/>
-              <a:t>Siamese</a:t>
-            </a:r>
-            <a:r>
-              <a:rPr lang="en-US" sz="2500" dirty="0"/>
-              <a:t> networks consists of two identical neural networks, each taking one of the two input inputs. The last layers of the two networks are then fed to a contrastive loss function , which calculates the similarity between the two inputs. </a:t>
-            </a:r>
-          </a:p>
-          <a:p>
-            <a:pPr marL="0" indent="0">
-              <a:buNone/>
-            </a:pPr>
-            <a:r>
-              <a:rPr lang="en-US" sz="2500" dirty="0"/>
-              <a:t>Siamese BERT leverages the pre-trained BERT in a Siamese network structure to derive semantically meaningful text embeddings that can be compared using cosine-similarity. </a:t>
-            </a:r>
-          </a:p>
-        </p:txBody>
-      </p:sp>
-      <p:pic>
-        <p:nvPicPr>
-          <p:cNvPr id="5" name="Picture 4">
-            <a:extLst>
-              <a:ext uri="{FF2B5EF4-FFF2-40B4-BE49-F238E27FC236}">
-                <a16:creationId xmlns:a16="http://schemas.microsoft.com/office/drawing/2014/main" xmlns="" id="{668BF638-F52C-4FEE-B217-66970DBFBBD4}"/>
-              </a:ext>
-            </a:extLst>
-          </p:cNvPr>
-          <p:cNvPicPr>
-            <a:picLocks noChangeAspect="1"/>
-          </p:cNvPicPr>
-          <p:nvPr/>
-        </p:nvPicPr>
-        <p:blipFill>
-          <a:blip r:embed="rId3">
-            <a:extLst>
-              <a:ext uri="{28A0092B-C50C-407E-A947-70E740481C1C}">
-                <a14:useLocalDpi xmlns:a14="http://schemas.microsoft.com/office/drawing/2010/main" val="0"/>
-              </a:ext>
-            </a:extLst>
-          </a:blip>
-          <a:stretch>
-            <a:fillRect/>
-          </a:stretch>
-        </p:blipFill>
-        <p:spPr>
-          <a:xfrm>
-            <a:off x="8227377" y="2826702"/>
-            <a:ext cx="2676525" cy="1895475"/>
-          </a:xfrm>
-          <a:prstGeom prst="rect">
-            <a:avLst/>
-          </a:prstGeom>
-        </p:spPr>
-      </p:pic>
-      <p:sp>
-        <p:nvSpPr>
-          <p:cNvPr id="9" name="TextBox 8">
-            <a:extLst>
-              <a:ext uri="{FF2B5EF4-FFF2-40B4-BE49-F238E27FC236}">
-                <a16:creationId xmlns:a16="http://schemas.microsoft.com/office/drawing/2014/main" xmlns="" id="{EF3D1033-0999-46CA-98D2-EA188D7E4913}"/>
-              </a:ext>
-            </a:extLst>
-          </p:cNvPr>
-          <p:cNvSpPr txBox="1"/>
-          <p:nvPr/>
-        </p:nvSpPr>
-        <p:spPr>
-          <a:xfrm>
-            <a:off x="7889241" y="5024120"/>
-            <a:ext cx="4150360" cy="246221"/>
-          </a:xfrm>
-          <a:prstGeom prst="rect">
-            <a:avLst/>
-          </a:prstGeom>
-          <a:noFill/>
-        </p:spPr>
-        <p:txBody>
-          <a:bodyPr wrap="square" rtlCol="0">
-            <a:spAutoFit/>
-          </a:bodyPr>
-          <a:lstStyle/>
-          <a:p>
-            <a:r>
-              <a:rPr lang="en-US" sz="1000" dirty="0">
-                <a:hlinkClick r:id="rId2"/>
-              </a:rPr>
-              <a:t>Extractive Summarization as Text Matching</a:t>
-            </a:r>
-            <a:endParaRPr lang="en-US" sz="1000" dirty="0"/>
-          </a:p>
-        </p:txBody>
-      </p:sp>
-    </p:spTree>
-    <p:extLst>
-      <p:ext uri="{BB962C8B-B14F-4D97-AF65-F5344CB8AC3E}">
-        <p14:creationId xmlns:p14="http://schemas.microsoft.com/office/powerpoint/2010/main" val="905971681"/>
-      </p:ext>
-    </p:extLst>
-  </p:cSld>
-  <p:clrMapOvr>
-    <a:masterClrMapping/>
-  </p:clrMapOvr>
-</p:sld>
-</file>
-
-<file path=ppt/slides/slide8.xml><?xml version="1.0" encoding="utf-8"?>
-<p:sld xmlns:a="http://schemas.openxmlformats.org/drawingml/2006/main" xmlns:r="http://schemas.openxmlformats.org/officeDocument/2006/relationships" xmlns:p="http://schemas.openxmlformats.org/presentationml/2006/main">
-  <p:cSld>
-    <p:spTree>
-      <p:nvGrpSpPr>
-        <p:cNvPr id="1" name=""/>
-        <p:cNvGrpSpPr/>
-        <p:nvPr/>
-      </p:nvGrpSpPr>
-      <p:grpSpPr>
-        <a:xfrm>
-          <a:off x="0" y="0"/>
-          <a:ext cx="0" cy="0"/>
-          <a:chOff x="0" y="0"/>
-          <a:chExt cx="0" cy="0"/>
-        </a:xfrm>
-      </p:grpSpPr>
-      <p:sp>
-        <p:nvSpPr>
-          <p:cNvPr id="2" name="Title 1">
-            <a:extLst>
-              <a:ext uri="{FF2B5EF4-FFF2-40B4-BE49-F238E27FC236}">
-                <a16:creationId xmlns:a16="http://schemas.microsoft.com/office/drawing/2014/main" xmlns="" id="{CA344CBA-FB2B-44A2-9612-01FA04D41200}"/>
-              </a:ext>
-            </a:extLst>
-          </p:cNvPr>
-          <p:cNvSpPr>
-            <a:spLocks noGrp="1"/>
-          </p:cNvSpPr>
-          <p:nvPr>
-            <p:ph type="title"/>
-          </p:nvPr>
-        </p:nvSpPr>
-        <p:spPr>
-          <a:xfrm>
-            <a:off x="1097280" y="286603"/>
-            <a:ext cx="10058400" cy="1181517"/>
-          </a:xfrm>
-        </p:spPr>
-        <p:txBody>
-          <a:bodyPr/>
-          <a:lstStyle/>
-          <a:p>
-            <a:r>
-              <a:rPr lang="en-US" dirty="0"/>
-              <a:t>Exploratory Data Analysis</a:t>
-            </a:r>
-          </a:p>
-        </p:txBody>
-      </p:sp>
-      <p:sp>
-        <p:nvSpPr>
-          <p:cNvPr id="3" name="Content Placeholder 2">
-            <a:extLst>
-              <a:ext uri="{FF2B5EF4-FFF2-40B4-BE49-F238E27FC236}">
-                <a16:creationId xmlns:a16="http://schemas.microsoft.com/office/drawing/2014/main" xmlns="" id="{F66CA81D-1701-4C2D-AE08-277C299D9B85}"/>
+                <a16:creationId xmlns="" xmlns:a16="http://schemas.microsoft.com/office/drawing/2014/main" id="{F66CA81D-1701-4C2D-AE08-277C299D9B85}"/>
               </a:ext>
             </a:extLst>
           </p:cNvPr>
@@ -5749,7 +4971,7 @@
           <p:cNvPr id="4" name="Table 5">
             <a:extLst>
               <a:ext uri="{FF2B5EF4-FFF2-40B4-BE49-F238E27FC236}">
-                <a16:creationId xmlns:a16="http://schemas.microsoft.com/office/drawing/2014/main" xmlns="" id="{CDC58BF9-8AD2-4729-BE3A-21FCD6C8C86A}"/>
+                <a16:creationId xmlns="" xmlns:a16="http://schemas.microsoft.com/office/drawing/2014/main" id="{CDC58BF9-8AD2-4729-BE3A-21FCD6C8C86A}"/>
               </a:ext>
             </a:extLst>
           </p:cNvPr>
@@ -5759,7 +4981,7 @@
           <p:nvPr>
             <p:extLst>
               <p:ext uri="{D42A27DB-BD31-4B8C-83A1-F6EECF244321}">
-                <p14:modId xmlns:p14="http://schemas.microsoft.com/office/powerpoint/2010/main" val="3217353778"/>
+                <p14:modId xmlns:p14="http://schemas.microsoft.com/office/powerpoint/2010/main" val="3501673298"/>
               </p:ext>
             </p:extLst>
           </p:nvPr>
@@ -5778,14 +5000,14 @@
                 <a:gridCol w="5191760">
                   <a:extLst>
                     <a:ext uri="{9D8B030D-6E8A-4147-A177-3AD203B41FA5}">
-                      <a16:colId xmlns:a16="http://schemas.microsoft.com/office/drawing/2014/main" xmlns="" val="2919214932"/>
+                      <a16:colId xmlns="" xmlns:a16="http://schemas.microsoft.com/office/drawing/2014/main" val="2919214932"/>
                     </a:ext>
                   </a:extLst>
                 </a:gridCol>
                 <a:gridCol w="5176520">
                   <a:extLst>
                     <a:ext uri="{9D8B030D-6E8A-4147-A177-3AD203B41FA5}">
-                      <a16:colId xmlns:a16="http://schemas.microsoft.com/office/drawing/2014/main" xmlns="" val="3416736214"/>
+                      <a16:colId xmlns="" xmlns:a16="http://schemas.microsoft.com/office/drawing/2014/main" val="3416736214"/>
                     </a:ext>
                   </a:extLst>
                 </a:gridCol>
@@ -5813,7 +5035,7 @@
                 </a:tc>
                 <a:extLst>
                   <a:ext uri="{0D108BD9-81ED-4DB2-BD59-A6C34878D82A}">
-                    <a16:rowId xmlns:a16="http://schemas.microsoft.com/office/drawing/2014/main" xmlns="" val="986129061"/>
+                    <a16:rowId xmlns="" xmlns:a16="http://schemas.microsoft.com/office/drawing/2014/main" val="986129061"/>
                   </a:ext>
                 </a:extLst>
               </a:tr>
@@ -5846,7 +5068,7 @@
                 </a:tc>
                 <a:extLst>
                   <a:ext uri="{0D108BD9-81ED-4DB2-BD59-A6C34878D82A}">
-                    <a16:rowId xmlns:a16="http://schemas.microsoft.com/office/drawing/2014/main" xmlns="" val="2923158457"/>
+                    <a16:rowId xmlns="" xmlns:a16="http://schemas.microsoft.com/office/drawing/2014/main" val="2923158457"/>
                   </a:ext>
                 </a:extLst>
               </a:tr>
@@ -5870,16 +5092,21 @@
                     <a:lstStyle/>
                     <a:p>
                       <a:r>
-                        <a:rPr lang="en-US" dirty="0"/>
-                        <a:t>97600</a:t>
+                        <a:rPr lang="en-US" dirty="0" smtClean="0"/>
+                        <a:t>97600 (using 3,693</a:t>
                       </a:r>
+                      <a:r>
+                        <a:rPr lang="en-US" baseline="0" dirty="0" smtClean="0"/>
+                        <a:t> cases)</a:t>
+                      </a:r>
+                      <a:endParaRPr lang="en-US" dirty="0"/>
                     </a:p>
                   </a:txBody>
                   <a:tcPr/>
                 </a:tc>
                 <a:extLst>
                   <a:ext uri="{0D108BD9-81ED-4DB2-BD59-A6C34878D82A}">
-                    <a16:rowId xmlns:a16="http://schemas.microsoft.com/office/drawing/2014/main" xmlns="" val="2759870889"/>
+                    <a16:rowId xmlns="" xmlns:a16="http://schemas.microsoft.com/office/drawing/2014/main" val="2759870889"/>
                   </a:ext>
                 </a:extLst>
               </a:tr>
@@ -5912,7 +5139,7 @@
                 </a:tc>
                 <a:extLst>
                   <a:ext uri="{0D108BD9-81ED-4DB2-BD59-A6C34878D82A}">
-                    <a16:rowId xmlns:a16="http://schemas.microsoft.com/office/drawing/2014/main" xmlns="" val="1675287206"/>
+                    <a16:rowId xmlns="" xmlns:a16="http://schemas.microsoft.com/office/drawing/2014/main" val="1675287206"/>
                   </a:ext>
                 </a:extLst>
               </a:tr>
@@ -5946,7 +5173,7 @@
                 </a:tc>
                 <a:extLst>
                   <a:ext uri="{0D108BD9-81ED-4DB2-BD59-A6C34878D82A}">
-                    <a16:rowId xmlns:a16="http://schemas.microsoft.com/office/drawing/2014/main" xmlns="" val="2602628322"/>
+                    <a16:rowId xmlns="" xmlns:a16="http://schemas.microsoft.com/office/drawing/2014/main" val="2602628322"/>
                   </a:ext>
                 </a:extLst>
               </a:tr>
@@ -5983,7 +5210,7 @@
                 </a:tc>
                 <a:extLst>
                   <a:ext uri="{0D108BD9-81ED-4DB2-BD59-A6C34878D82A}">
-                    <a16:rowId xmlns:a16="http://schemas.microsoft.com/office/drawing/2014/main" xmlns="" val="1328877814"/>
+                    <a16:rowId xmlns="" xmlns:a16="http://schemas.microsoft.com/office/drawing/2014/main" val="1328877814"/>
                   </a:ext>
                 </a:extLst>
               </a:tr>
@@ -6024,7 +5251,7 @@
                 </a:tc>
                 <a:extLst>
                   <a:ext uri="{0D108BD9-81ED-4DB2-BD59-A6C34878D82A}">
-                    <a16:rowId xmlns:a16="http://schemas.microsoft.com/office/drawing/2014/main" xmlns="" val="3507887961"/>
+                    <a16:rowId xmlns="" xmlns:a16="http://schemas.microsoft.com/office/drawing/2014/main" val="3507887961"/>
                   </a:ext>
                 </a:extLst>
               </a:tr>
@@ -6051,7 +5278,7 @@
                 </a:tc>
                 <a:extLst>
                   <a:ext uri="{0D108BD9-81ED-4DB2-BD59-A6C34878D82A}">
-                    <a16:rowId xmlns:a16="http://schemas.microsoft.com/office/drawing/2014/main" xmlns="" val="3806960762"/>
+                    <a16:rowId xmlns="" xmlns:a16="http://schemas.microsoft.com/office/drawing/2014/main" val="3806960762"/>
                   </a:ext>
                 </a:extLst>
               </a:tr>
@@ -6063,6 +5290,843 @@
     <p:extLst>
       <p:ext uri="{BB962C8B-B14F-4D97-AF65-F5344CB8AC3E}">
         <p14:creationId xmlns:p14="http://schemas.microsoft.com/office/powerpoint/2010/main" val="1243778701"/>
+      </p:ext>
+    </p:extLst>
+  </p:cSld>
+  <p:clrMapOvr>
+    <a:masterClrMapping/>
+  </p:clrMapOvr>
+</p:sld>
+</file>
+
+<file path=ppt/slides/slide4.xml><?xml version="1.0" encoding="utf-8"?>
+<p:sld xmlns:a="http://schemas.openxmlformats.org/drawingml/2006/main" xmlns:r="http://schemas.openxmlformats.org/officeDocument/2006/relationships" xmlns:p="http://schemas.openxmlformats.org/presentationml/2006/main">
+  <p:cSld>
+    <p:spTree>
+      <p:nvGrpSpPr>
+        <p:cNvPr id="1" name=""/>
+        <p:cNvGrpSpPr/>
+        <p:nvPr/>
+      </p:nvGrpSpPr>
+      <p:grpSpPr>
+        <a:xfrm>
+          <a:off x="0" y="0"/>
+          <a:ext cx="0" cy="0"/>
+          <a:chOff x="0" y="0"/>
+          <a:chExt cx="0" cy="0"/>
+        </a:xfrm>
+      </p:grpSpPr>
+      <p:sp>
+        <p:nvSpPr>
+          <p:cNvPr id="2" name="Title 1">
+            <a:extLst>
+              <a:ext uri="{FF2B5EF4-FFF2-40B4-BE49-F238E27FC236}">
+                <a16:creationId xmlns="" xmlns:a16="http://schemas.microsoft.com/office/drawing/2014/main" id="{CA344CBA-FB2B-44A2-9612-01FA04D41200}"/>
+              </a:ext>
+            </a:extLst>
+          </p:cNvPr>
+          <p:cNvSpPr>
+            <a:spLocks noGrp="1"/>
+          </p:cNvSpPr>
+          <p:nvPr>
+            <p:ph type="title"/>
+          </p:nvPr>
+        </p:nvSpPr>
+        <p:spPr>
+          <a:xfrm>
+            <a:off x="1097280" y="286603"/>
+            <a:ext cx="10058400" cy="1181517"/>
+          </a:xfrm>
+        </p:spPr>
+        <p:txBody>
+          <a:bodyPr/>
+          <a:lstStyle/>
+          <a:p>
+            <a:r>
+              <a:rPr lang="en-US" dirty="0"/>
+              <a:t>Exploratory Data Analysis</a:t>
+            </a:r>
+          </a:p>
+        </p:txBody>
+      </p:sp>
+      <p:sp>
+        <p:nvSpPr>
+          <p:cNvPr id="3" name="Content Placeholder 2">
+            <a:extLst>
+              <a:ext uri="{FF2B5EF4-FFF2-40B4-BE49-F238E27FC236}">
+                <a16:creationId xmlns="" xmlns:a16="http://schemas.microsoft.com/office/drawing/2014/main" id="{F66CA81D-1701-4C2D-AE08-277C299D9B85}"/>
+              </a:ext>
+            </a:extLst>
+          </p:cNvPr>
+          <p:cNvSpPr>
+            <a:spLocks noGrp="1"/>
+          </p:cNvSpPr>
+          <p:nvPr>
+            <p:ph idx="1"/>
+          </p:nvPr>
+        </p:nvSpPr>
+        <p:spPr>
+          <a:xfrm>
+            <a:off x="365760" y="1955800"/>
+            <a:ext cx="11394440" cy="4378959"/>
+          </a:xfrm>
+        </p:spPr>
+        <p:txBody>
+          <a:bodyPr>
+            <a:normAutofit/>
+          </a:bodyPr>
+          <a:lstStyle/>
+          <a:p>
+            <a:pPr marL="0" indent="0">
+              <a:buNone/>
+            </a:pPr>
+            <a:endParaRPr lang="en-US" sz="2400" dirty="0"/>
+          </a:p>
+          <a:p>
+            <a:pPr marL="0" indent="0">
+              <a:buNone/>
+            </a:pPr>
+            <a:endParaRPr lang="en-US" sz="2400" dirty="0"/>
+          </a:p>
+          <a:p>
+            <a:pPr marL="0" indent="0">
+              <a:buNone/>
+            </a:pPr>
+            <a:r>
+              <a:rPr lang="en-US" sz="2500" dirty="0"/>
+              <a:t> </a:t>
+            </a:r>
+          </a:p>
+        </p:txBody>
+      </p:sp>
+      <p:pic>
+        <p:nvPicPr>
+          <p:cNvPr id="5" name="Picture 4">
+            <a:extLst>
+              <a:ext uri="{FF2B5EF4-FFF2-40B4-BE49-F238E27FC236}">
+                <a16:creationId xmlns="" xmlns:a16="http://schemas.microsoft.com/office/drawing/2014/main" id="{EC9799C3-2B3D-4E11-B8E0-90B04A451CE9}"/>
+              </a:ext>
+            </a:extLst>
+          </p:cNvPr>
+          <p:cNvPicPr>
+            <a:picLocks noChangeAspect="1"/>
+          </p:cNvPicPr>
+          <p:nvPr/>
+        </p:nvPicPr>
+        <p:blipFill>
+          <a:blip r:embed="rId2"/>
+          <a:stretch>
+            <a:fillRect/>
+          </a:stretch>
+        </p:blipFill>
+        <p:spPr>
+          <a:xfrm>
+            <a:off x="880427" y="2266731"/>
+            <a:ext cx="3295333" cy="2142709"/>
+          </a:xfrm>
+          <a:prstGeom prst="rect">
+            <a:avLst/>
+          </a:prstGeom>
+        </p:spPr>
+      </p:pic>
+      <p:sp>
+        <p:nvSpPr>
+          <p:cNvPr id="6" name="TextBox 5">
+            <a:extLst>
+              <a:ext uri="{FF2B5EF4-FFF2-40B4-BE49-F238E27FC236}">
+                <a16:creationId xmlns="" xmlns:a16="http://schemas.microsoft.com/office/drawing/2014/main" id="{D18CB254-BC4E-464E-8235-486086BBF8F6}"/>
+              </a:ext>
+            </a:extLst>
+          </p:cNvPr>
+          <p:cNvSpPr txBox="1"/>
+          <p:nvPr/>
+        </p:nvSpPr>
+        <p:spPr>
+          <a:xfrm>
+            <a:off x="1097280" y="2020510"/>
+            <a:ext cx="1657826" cy="261610"/>
+          </a:xfrm>
+          <a:prstGeom prst="rect">
+            <a:avLst/>
+          </a:prstGeom>
+          <a:noFill/>
+        </p:spPr>
+        <p:txBody>
+          <a:bodyPr wrap="none" rtlCol="0">
+            <a:spAutoFit/>
+          </a:bodyPr>
+          <a:lstStyle/>
+          <a:p>
+            <a:r>
+              <a:rPr lang="en-US" sz="1100" b="1" dirty="0"/>
+              <a:t>Number of cases by year</a:t>
+            </a:r>
+          </a:p>
+        </p:txBody>
+      </p:sp>
+    </p:spTree>
+    <p:extLst>
+      <p:ext uri="{BB962C8B-B14F-4D97-AF65-F5344CB8AC3E}">
+        <p14:creationId xmlns:p14="http://schemas.microsoft.com/office/powerpoint/2010/main" val="2751634165"/>
+      </p:ext>
+    </p:extLst>
+  </p:cSld>
+  <p:clrMapOvr>
+    <a:masterClrMapping/>
+  </p:clrMapOvr>
+</p:sld>
+</file>
+
+<file path=ppt/slides/slide5.xml><?xml version="1.0" encoding="utf-8"?>
+<p:sld xmlns:a="http://schemas.openxmlformats.org/drawingml/2006/main" xmlns:r="http://schemas.openxmlformats.org/officeDocument/2006/relationships" xmlns:p="http://schemas.openxmlformats.org/presentationml/2006/main">
+  <p:cSld>
+    <p:spTree>
+      <p:nvGrpSpPr>
+        <p:cNvPr id="1" name=""/>
+        <p:cNvGrpSpPr/>
+        <p:nvPr/>
+      </p:nvGrpSpPr>
+      <p:grpSpPr>
+        <a:xfrm>
+          <a:off x="0" y="0"/>
+          <a:ext cx="0" cy="0"/>
+          <a:chOff x="0" y="0"/>
+          <a:chExt cx="0" cy="0"/>
+        </a:xfrm>
+      </p:grpSpPr>
+      <p:sp>
+        <p:nvSpPr>
+          <p:cNvPr id="2" name="Title 1">
+            <a:extLst>
+              <a:ext uri="{FF2B5EF4-FFF2-40B4-BE49-F238E27FC236}">
+                <a16:creationId xmlns="" xmlns:a16="http://schemas.microsoft.com/office/drawing/2014/main" id="{CA344CBA-FB2B-44A2-9612-01FA04D41200}"/>
+              </a:ext>
+            </a:extLst>
+          </p:cNvPr>
+          <p:cNvSpPr>
+            <a:spLocks noGrp="1"/>
+          </p:cNvSpPr>
+          <p:nvPr>
+            <p:ph type="title"/>
+          </p:nvPr>
+        </p:nvSpPr>
+        <p:spPr>
+          <a:xfrm>
+            <a:off x="1097280" y="286603"/>
+            <a:ext cx="10058400" cy="1181517"/>
+          </a:xfrm>
+        </p:spPr>
+        <p:txBody>
+          <a:bodyPr/>
+          <a:lstStyle/>
+          <a:p>
+            <a:r>
+              <a:rPr lang="en-US" dirty="0"/>
+              <a:t>Preparing the data</a:t>
+            </a:r>
+          </a:p>
+        </p:txBody>
+      </p:sp>
+      <p:sp>
+        <p:nvSpPr>
+          <p:cNvPr id="3" name="Content Placeholder 2">
+            <a:extLst>
+              <a:ext uri="{FF2B5EF4-FFF2-40B4-BE49-F238E27FC236}">
+                <a16:creationId xmlns="" xmlns:a16="http://schemas.microsoft.com/office/drawing/2014/main" id="{F66CA81D-1701-4C2D-AE08-277C299D9B85}"/>
+              </a:ext>
+            </a:extLst>
+          </p:cNvPr>
+          <p:cNvSpPr>
+            <a:spLocks noGrp="1"/>
+          </p:cNvSpPr>
+          <p:nvPr>
+            <p:ph idx="1"/>
+          </p:nvPr>
+        </p:nvSpPr>
+        <p:spPr>
+          <a:xfrm>
+            <a:off x="365760" y="1955800"/>
+            <a:ext cx="10896600" cy="4378959"/>
+          </a:xfrm>
+        </p:spPr>
+        <p:txBody>
+          <a:bodyPr>
+            <a:normAutofit/>
+          </a:bodyPr>
+          <a:lstStyle/>
+          <a:p>
+            <a:pPr marL="0" indent="0">
+              <a:buNone/>
+            </a:pPr>
+            <a:r>
+              <a:rPr lang="en-US" sz="2500" dirty="0"/>
+              <a:t>The steps to prepare the data for our models:</a:t>
+            </a:r>
+          </a:p>
+          <a:p>
+            <a:pPr marL="457200" indent="-457200">
+              <a:buAutoNum type="arabicParenR"/>
+            </a:pPr>
+            <a:r>
+              <a:rPr lang="en-US" sz="2000" dirty="0" smtClean="0"/>
+              <a:t>Selected cases since 2008</a:t>
+            </a:r>
+            <a:endParaRPr lang="en-US" sz="2000" dirty="0"/>
+          </a:p>
+          <a:p>
+            <a:pPr marL="457200" indent="-457200">
+              <a:buAutoNum type="arabicParenR"/>
+            </a:pPr>
+            <a:r>
+              <a:rPr lang="en-US" sz="2000" dirty="0" smtClean="0"/>
+              <a:t>Extract majority </a:t>
+            </a:r>
+            <a:r>
+              <a:rPr lang="en-US" sz="2000" dirty="0"/>
+              <a:t>opinion </a:t>
+            </a:r>
+            <a:r>
+              <a:rPr lang="en-US" sz="2000" dirty="0" smtClean="0"/>
+              <a:t>and </a:t>
+            </a:r>
+            <a:r>
+              <a:rPr lang="en-US" sz="2000" dirty="0" smtClean="0"/>
+              <a:t>headnotes </a:t>
+            </a:r>
+            <a:r>
+              <a:rPr lang="en-US" sz="2000" dirty="0"/>
+              <a:t>from </a:t>
+            </a:r>
+            <a:r>
+              <a:rPr lang="en-US" sz="2000" dirty="0" err="1"/>
+              <a:t>casebody.data</a:t>
+            </a:r>
+            <a:endParaRPr lang="en-US" sz="2000" dirty="0"/>
+          </a:p>
+          <a:p>
+            <a:pPr marL="457200" indent="-457200">
+              <a:buAutoNum type="arabicParenR"/>
+            </a:pPr>
+            <a:r>
+              <a:rPr lang="en-US" sz="2000" dirty="0" smtClean="0"/>
+              <a:t>Removed ‘\n’ from </a:t>
+            </a:r>
+            <a:r>
+              <a:rPr lang="en-US" sz="2000" smtClean="0"/>
+              <a:t>the opinions</a:t>
+            </a:r>
+            <a:endParaRPr lang="en-US" sz="2000" dirty="0"/>
+          </a:p>
+          <a:p>
+            <a:pPr marL="457200" indent="-457200">
+              <a:buAutoNum type="arabicParenR"/>
+            </a:pPr>
+            <a:r>
+              <a:rPr lang="en-US" sz="2000" dirty="0"/>
+              <a:t>Save data where length of headnotes &gt; 150 and opinion is larger than the headnotes</a:t>
+            </a:r>
+          </a:p>
+          <a:p>
+            <a:pPr marL="457200" indent="-457200">
+              <a:buAutoNum type="arabicParenR"/>
+            </a:pPr>
+            <a:r>
+              <a:rPr lang="en-US" sz="2000" dirty="0"/>
+              <a:t>Tokenize the headnotes and opinions</a:t>
+            </a:r>
+          </a:p>
+          <a:p>
+            <a:pPr marL="457200" indent="-457200">
+              <a:buAutoNum type="arabicParenR"/>
+            </a:pPr>
+            <a:r>
+              <a:rPr lang="en-US" sz="2000" dirty="0"/>
+              <a:t>Preprocess using Bert preprocessor to label opinions. </a:t>
+            </a:r>
+          </a:p>
+          <a:p>
+            <a:pPr marL="457200" indent="-457200">
+              <a:buAutoNum type="arabicParenR"/>
+            </a:pPr>
+            <a:r>
+              <a:rPr lang="en-US" sz="2000" dirty="0"/>
+              <a:t>Split data into training testing and validation sets</a:t>
+            </a:r>
+          </a:p>
+        </p:txBody>
+      </p:sp>
+    </p:spTree>
+    <p:extLst>
+      <p:ext uri="{BB962C8B-B14F-4D97-AF65-F5344CB8AC3E}">
+        <p14:creationId xmlns:p14="http://schemas.microsoft.com/office/powerpoint/2010/main" val="1791440519"/>
+      </p:ext>
+    </p:extLst>
+  </p:cSld>
+  <p:clrMapOvr>
+    <a:masterClrMapping/>
+  </p:clrMapOvr>
+</p:sld>
+</file>
+
+<file path=ppt/slides/slide6.xml><?xml version="1.0" encoding="utf-8"?>
+<p:sld xmlns:a="http://schemas.openxmlformats.org/drawingml/2006/main" xmlns:r="http://schemas.openxmlformats.org/officeDocument/2006/relationships" xmlns:p="http://schemas.openxmlformats.org/presentationml/2006/main">
+  <p:cSld>
+    <p:spTree>
+      <p:nvGrpSpPr>
+        <p:cNvPr id="1" name=""/>
+        <p:cNvGrpSpPr/>
+        <p:nvPr/>
+      </p:nvGrpSpPr>
+      <p:grpSpPr>
+        <a:xfrm>
+          <a:off x="0" y="0"/>
+          <a:ext cx="0" cy="0"/>
+          <a:chOff x="0" y="0"/>
+          <a:chExt cx="0" cy="0"/>
+        </a:xfrm>
+      </p:grpSpPr>
+      <p:sp>
+        <p:nvSpPr>
+          <p:cNvPr id="2" name="Title 1">
+            <a:extLst>
+              <a:ext uri="{FF2B5EF4-FFF2-40B4-BE49-F238E27FC236}">
+                <a16:creationId xmlns="" xmlns:a16="http://schemas.microsoft.com/office/drawing/2014/main" id="{CA344CBA-FB2B-44A2-9612-01FA04D41200}"/>
+              </a:ext>
+            </a:extLst>
+          </p:cNvPr>
+          <p:cNvSpPr>
+            <a:spLocks noGrp="1"/>
+          </p:cNvSpPr>
+          <p:nvPr>
+            <p:ph type="title"/>
+          </p:nvPr>
+        </p:nvSpPr>
+        <p:spPr>
+          <a:xfrm>
+            <a:off x="1097280" y="286603"/>
+            <a:ext cx="10058400" cy="1181517"/>
+          </a:xfrm>
+        </p:spPr>
+        <p:txBody>
+          <a:bodyPr/>
+          <a:lstStyle/>
+          <a:p>
+            <a:r>
+              <a:rPr lang="en-US" dirty="0"/>
+              <a:t>Steps for labeling data</a:t>
+            </a:r>
+          </a:p>
+        </p:txBody>
+      </p:sp>
+      <p:sp>
+        <p:nvSpPr>
+          <p:cNvPr id="3" name="Content Placeholder 2">
+            <a:extLst>
+              <a:ext uri="{FF2B5EF4-FFF2-40B4-BE49-F238E27FC236}">
+                <a16:creationId xmlns="" xmlns:a16="http://schemas.microsoft.com/office/drawing/2014/main" id="{F66CA81D-1701-4C2D-AE08-277C299D9B85}"/>
+              </a:ext>
+            </a:extLst>
+          </p:cNvPr>
+          <p:cNvSpPr>
+            <a:spLocks noGrp="1"/>
+          </p:cNvSpPr>
+          <p:nvPr>
+            <p:ph idx="1"/>
+          </p:nvPr>
+        </p:nvSpPr>
+        <p:spPr>
+          <a:xfrm>
+            <a:off x="365760" y="1955800"/>
+            <a:ext cx="10896600" cy="4378959"/>
+          </a:xfrm>
+        </p:spPr>
+        <p:txBody>
+          <a:bodyPr>
+            <a:normAutofit/>
+          </a:bodyPr>
+          <a:lstStyle/>
+          <a:p>
+            <a:pPr marL="0" indent="0">
+              <a:buNone/>
+            </a:pPr>
+            <a:r>
+              <a:rPr lang="en-US" sz="1800" dirty="0"/>
+              <a:t>The steps to prepare the data for our models:</a:t>
+            </a:r>
+          </a:p>
+          <a:p>
+            <a:pPr marL="457200" indent="-457200">
+              <a:buAutoNum type="arabicParenR"/>
+            </a:pPr>
+            <a:r>
+              <a:rPr lang="en-US" sz="1800" dirty="0"/>
+              <a:t>For each sentence in opinion and compare it to the sentences in the headnotes. </a:t>
+            </a:r>
+          </a:p>
+          <a:p>
+            <a:pPr marL="457200" indent="-457200">
+              <a:buAutoNum type="arabicParenR"/>
+            </a:pPr>
+            <a:r>
+              <a:rPr lang="en-US" sz="1800" dirty="0"/>
+              <a:t>If the sentence increases the rouge score, select the sentence for the summary. </a:t>
+            </a:r>
+          </a:p>
+          <a:p>
+            <a:pPr marL="457200" indent="-457200">
+              <a:buAutoNum type="arabicParenR"/>
+            </a:pPr>
+            <a:r>
+              <a:rPr lang="en-US" sz="1800" dirty="0"/>
+              <a:t>Label the tokenized opinion so that the sentences that are selected have a label of 1 and the sentence that is not selected has a label of 0</a:t>
+            </a:r>
+          </a:p>
+          <a:p>
+            <a:pPr marL="457200" indent="-457200">
+              <a:buAutoNum type="arabicParenR"/>
+            </a:pPr>
+            <a:r>
+              <a:rPr lang="en-US" sz="1800" dirty="0"/>
+              <a:t>Additional columns created are for each opinion</a:t>
+            </a:r>
+          </a:p>
+          <a:p>
+            <a:pPr marL="749808" lvl="1" indent="-457200">
+              <a:buFont typeface="Arial" panose="020B0604020202020204" pitchFamily="34" charset="0"/>
+              <a:buChar char="•"/>
+            </a:pPr>
+            <a:r>
+              <a:rPr lang="en-US" sz="1400" dirty="0"/>
+              <a:t>The starting index of each sentence</a:t>
+            </a:r>
+          </a:p>
+          <a:p>
+            <a:pPr marL="749808" lvl="1" indent="-457200">
+              <a:buFont typeface="Arial" panose="020B0604020202020204" pitchFamily="34" charset="0"/>
+              <a:buChar char="•"/>
+            </a:pPr>
+            <a:r>
+              <a:rPr lang="en-US" sz="1400" dirty="0"/>
+              <a:t>The rank of each word in an opinion</a:t>
+            </a:r>
+          </a:p>
+          <a:p>
+            <a:pPr marL="749808" lvl="1" indent="-457200">
+              <a:buFont typeface="Arial" panose="020B0604020202020204" pitchFamily="34" charset="0"/>
+              <a:buChar char="•"/>
+            </a:pPr>
+            <a:endParaRPr lang="en-US" sz="1400" dirty="0"/>
+          </a:p>
+          <a:p>
+            <a:pPr marL="749808" lvl="1" indent="-457200">
+              <a:buFont typeface="Arial" panose="020B0604020202020204" pitchFamily="34" charset="0"/>
+              <a:buChar char="•"/>
+            </a:pPr>
+            <a:endParaRPr lang="en-US" sz="1400" dirty="0"/>
+          </a:p>
+          <a:p>
+            <a:pPr marL="457200" indent="-457200">
+              <a:buAutoNum type="arabicParenR"/>
+            </a:pPr>
+            <a:endParaRPr lang="en-US" sz="1600" dirty="0"/>
+          </a:p>
+          <a:p>
+            <a:pPr marL="457200" indent="-457200">
+              <a:buAutoNum type="arabicParenR"/>
+            </a:pPr>
+            <a:endParaRPr lang="en-US" sz="2500" dirty="0"/>
+          </a:p>
+          <a:p>
+            <a:pPr marL="457200" indent="-457200">
+              <a:buAutoNum type="arabicParenR"/>
+            </a:pPr>
+            <a:endParaRPr lang="en-US" sz="2500" dirty="0"/>
+          </a:p>
+        </p:txBody>
+      </p:sp>
+    </p:spTree>
+    <p:extLst>
+      <p:ext uri="{BB962C8B-B14F-4D97-AF65-F5344CB8AC3E}">
+        <p14:creationId xmlns:p14="http://schemas.microsoft.com/office/powerpoint/2010/main" val="407012818"/>
+      </p:ext>
+    </p:extLst>
+  </p:cSld>
+  <p:clrMapOvr>
+    <a:masterClrMapping/>
+  </p:clrMapOvr>
+</p:sld>
+</file>
+
+<file path=ppt/slides/slide7.xml><?xml version="1.0" encoding="utf-8"?>
+<p:sld xmlns:a="http://schemas.openxmlformats.org/drawingml/2006/main" xmlns:r="http://schemas.openxmlformats.org/officeDocument/2006/relationships" xmlns:p="http://schemas.openxmlformats.org/presentationml/2006/main">
+  <p:cSld>
+    <p:spTree>
+      <p:nvGrpSpPr>
+        <p:cNvPr id="1" name=""/>
+        <p:cNvGrpSpPr/>
+        <p:nvPr/>
+      </p:nvGrpSpPr>
+      <p:grpSpPr>
+        <a:xfrm>
+          <a:off x="0" y="0"/>
+          <a:ext cx="0" cy="0"/>
+          <a:chOff x="0" y="0"/>
+          <a:chExt cx="0" cy="0"/>
+        </a:xfrm>
+      </p:grpSpPr>
+      <p:sp>
+        <p:nvSpPr>
+          <p:cNvPr id="2" name="Title 1">
+            <a:extLst>
+              <a:ext uri="{FF2B5EF4-FFF2-40B4-BE49-F238E27FC236}">
+                <a16:creationId xmlns="" xmlns:a16="http://schemas.microsoft.com/office/drawing/2014/main" id="{CA344CBA-FB2B-44A2-9612-01FA04D41200}"/>
+              </a:ext>
+            </a:extLst>
+          </p:cNvPr>
+          <p:cNvSpPr>
+            <a:spLocks noGrp="1"/>
+          </p:cNvSpPr>
+          <p:nvPr>
+            <p:ph type="title"/>
+          </p:nvPr>
+        </p:nvSpPr>
+        <p:spPr/>
+        <p:txBody>
+          <a:bodyPr/>
+          <a:lstStyle/>
+          <a:p>
+            <a:r>
+              <a:rPr lang="en-US" dirty="0"/>
+              <a:t>Types of Summarizations</a:t>
+            </a:r>
+          </a:p>
+        </p:txBody>
+      </p:sp>
+      <p:sp>
+        <p:nvSpPr>
+          <p:cNvPr id="3" name="Content Placeholder 2">
+            <a:extLst>
+              <a:ext uri="{FF2B5EF4-FFF2-40B4-BE49-F238E27FC236}">
+                <a16:creationId xmlns="" xmlns:a16="http://schemas.microsoft.com/office/drawing/2014/main" id="{F66CA81D-1701-4C2D-AE08-277C299D9B85}"/>
+              </a:ext>
+            </a:extLst>
+          </p:cNvPr>
+          <p:cNvSpPr>
+            <a:spLocks noGrp="1"/>
+          </p:cNvSpPr>
+          <p:nvPr>
+            <p:ph idx="1"/>
+          </p:nvPr>
+        </p:nvSpPr>
+        <p:spPr/>
+        <p:txBody>
+          <a:bodyPr>
+            <a:normAutofit/>
+          </a:bodyPr>
+          <a:lstStyle/>
+          <a:p>
+            <a:pPr lvl="0"/>
+            <a:r>
+              <a:rPr lang="en-US" b="1" dirty="0"/>
+              <a:t>Extraction-based summarization</a:t>
+            </a:r>
+            <a:r>
+              <a:rPr lang="en-US" dirty="0"/>
+              <a:t>: Content is extracted from original document and is not modified. This method will extract key phrases or sentences to form a summary. The summary generated by this method may not be the same format as a human might express  it and the sentences may appear disjointed</a:t>
+            </a:r>
+          </a:p>
+          <a:p>
+            <a:pPr lvl="0"/>
+            <a:r>
+              <a:rPr lang="en-US" b="1" dirty="0"/>
+              <a:t>Abstraction-based summarization</a:t>
+            </a:r>
+            <a:r>
+              <a:rPr lang="en-US" dirty="0"/>
+              <a:t>: Abstractive methods generate a summary based on internal semantic representation of the original content, closer to what a human might express. Abstraction may transform the extracted content. Such transformation are computationally very challenging  , involving both NLP (natural language processing) and a deep understanding of the document </a:t>
+            </a:r>
+          </a:p>
+          <a:p>
+            <a:pPr marL="457200" indent="-457200">
+              <a:buAutoNum type="arabicParenR"/>
+            </a:pPr>
+            <a:endParaRPr lang="en-US" dirty="0"/>
+          </a:p>
+        </p:txBody>
+      </p:sp>
+    </p:spTree>
+    <p:extLst>
+      <p:ext uri="{BB962C8B-B14F-4D97-AF65-F5344CB8AC3E}">
+        <p14:creationId xmlns:p14="http://schemas.microsoft.com/office/powerpoint/2010/main" val="1897433995"/>
+      </p:ext>
+    </p:extLst>
+  </p:cSld>
+  <p:clrMapOvr>
+    <a:masterClrMapping/>
+  </p:clrMapOvr>
+</p:sld>
+</file>
+
+<file path=ppt/slides/slide8.xml><?xml version="1.0" encoding="utf-8"?>
+<p:sld xmlns:a="http://schemas.openxmlformats.org/drawingml/2006/main" xmlns:r="http://schemas.openxmlformats.org/officeDocument/2006/relationships" xmlns:p="http://schemas.openxmlformats.org/presentationml/2006/main">
+  <p:cSld>
+    <p:spTree>
+      <p:nvGrpSpPr>
+        <p:cNvPr id="1" name=""/>
+        <p:cNvGrpSpPr/>
+        <p:nvPr/>
+      </p:nvGrpSpPr>
+      <p:grpSpPr>
+        <a:xfrm>
+          <a:off x="0" y="0"/>
+          <a:ext cx="0" cy="0"/>
+          <a:chOff x="0" y="0"/>
+          <a:chExt cx="0" cy="0"/>
+        </a:xfrm>
+      </p:grpSpPr>
+      <p:sp>
+        <p:nvSpPr>
+          <p:cNvPr id="2" name="Title 1">
+            <a:extLst>
+              <a:ext uri="{FF2B5EF4-FFF2-40B4-BE49-F238E27FC236}">
+                <a16:creationId xmlns="" xmlns:a16="http://schemas.microsoft.com/office/drawing/2014/main" id="{CA344CBA-FB2B-44A2-9612-01FA04D41200}"/>
+              </a:ext>
+            </a:extLst>
+          </p:cNvPr>
+          <p:cNvSpPr>
+            <a:spLocks noGrp="1"/>
+          </p:cNvSpPr>
+          <p:nvPr>
+            <p:ph type="title"/>
+          </p:nvPr>
+        </p:nvSpPr>
+        <p:spPr/>
+        <p:txBody>
+          <a:bodyPr/>
+          <a:lstStyle/>
+          <a:p>
+            <a:r>
+              <a:rPr lang="en-US"/>
+              <a:t>Our Research</a:t>
+            </a:r>
+            <a:endParaRPr lang="en-US" dirty="0"/>
+          </a:p>
+        </p:txBody>
+      </p:sp>
+      <p:sp>
+        <p:nvSpPr>
+          <p:cNvPr id="3" name="Content Placeholder 2">
+            <a:extLst>
+              <a:ext uri="{FF2B5EF4-FFF2-40B4-BE49-F238E27FC236}">
+                <a16:creationId xmlns="" xmlns:a16="http://schemas.microsoft.com/office/drawing/2014/main" id="{F66CA81D-1701-4C2D-AE08-277C299D9B85}"/>
+              </a:ext>
+            </a:extLst>
+          </p:cNvPr>
+          <p:cNvSpPr>
+            <a:spLocks noGrp="1"/>
+          </p:cNvSpPr>
+          <p:nvPr>
+            <p:ph idx="1"/>
+          </p:nvPr>
+        </p:nvSpPr>
+        <p:spPr/>
+        <p:txBody>
+          <a:bodyPr>
+            <a:normAutofit/>
+          </a:bodyPr>
+          <a:lstStyle/>
+          <a:p>
+            <a:pPr marL="0" indent="0">
+              <a:buNone/>
+            </a:pPr>
+            <a:r>
+              <a:rPr lang="en-US" sz="2000" dirty="0"/>
+              <a:t>We searched for existing models that generate summaries based on the following criteria</a:t>
+            </a:r>
+            <a:endParaRPr lang="en-US" sz="4800" dirty="0"/>
+          </a:p>
+          <a:p>
+            <a:pPr>
+              <a:buFont typeface="Wingdings" panose="05000000000000000000" pitchFamily="2" charset="2"/>
+              <a:buChar char="§"/>
+            </a:pPr>
+            <a:r>
+              <a:rPr lang="en-US" dirty="0"/>
+              <a:t>Generate Extractive summaries since they can generate semantically and grammatically correct sentences these models need less resources and understanding of the domain.</a:t>
+            </a:r>
+          </a:p>
+          <a:p>
+            <a:pPr>
+              <a:buFont typeface="Wingdings" panose="05000000000000000000" pitchFamily="2" charset="2"/>
+              <a:buChar char="§"/>
+            </a:pPr>
+            <a:r>
+              <a:rPr lang="en-US" dirty="0"/>
+              <a:t>Summarize  long documents </a:t>
+            </a:r>
+          </a:p>
+          <a:p>
+            <a:pPr>
+              <a:buFont typeface="Wingdings" panose="05000000000000000000" pitchFamily="2" charset="2"/>
+              <a:buChar char="§"/>
+            </a:pPr>
+            <a:r>
+              <a:rPr lang="en-US" dirty="0"/>
+              <a:t>Perform well as measured by the </a:t>
+            </a:r>
+            <a:r>
+              <a:rPr lang="en-US" b="1" dirty="0"/>
+              <a:t>ROGUE</a:t>
+            </a:r>
+            <a:r>
+              <a:rPr lang="en-US" dirty="0"/>
+              <a:t> (</a:t>
+            </a:r>
+            <a:r>
+              <a:rPr lang="en-US" b="1" dirty="0"/>
+              <a:t>Recall-Oriented Understudy for </a:t>
+            </a:r>
+            <a:r>
+              <a:rPr lang="en-US" b="1" dirty="0" err="1"/>
+              <a:t>Gisting</a:t>
+            </a:r>
+            <a:r>
+              <a:rPr lang="en-US" b="1" dirty="0"/>
+              <a:t> Evaluation) Metric</a:t>
+            </a:r>
+            <a:r>
+              <a:rPr lang="en-US" dirty="0"/>
+              <a:t> Score. </a:t>
+            </a:r>
+          </a:p>
+          <a:p>
+            <a:pPr>
+              <a:buFont typeface="Wingdings" panose="05000000000000000000" pitchFamily="2" charset="2"/>
+              <a:buChar char="§"/>
+            </a:pPr>
+            <a:r>
+              <a:rPr lang="en-US" dirty="0"/>
+              <a:t>Can be implemented in the given time constraint</a:t>
+            </a:r>
+          </a:p>
+          <a:p>
+            <a:pPr marL="457200" indent="-457200">
+              <a:buAutoNum type="arabicParenR" startAt="3"/>
+            </a:pPr>
+            <a:endParaRPr lang="en-US" dirty="0"/>
+          </a:p>
+          <a:p>
+            <a:pPr marL="457200" indent="-457200">
+              <a:buAutoNum type="arabicParenR"/>
+            </a:pPr>
+            <a:endParaRPr lang="en-US" dirty="0"/>
+          </a:p>
+        </p:txBody>
+      </p:sp>
+    </p:spTree>
+    <p:extLst>
+      <p:ext uri="{BB962C8B-B14F-4D97-AF65-F5344CB8AC3E}">
+        <p14:creationId xmlns:p14="http://schemas.microsoft.com/office/powerpoint/2010/main" val="2529450920"/>
       </p:ext>
     </p:extLst>
   </p:cSld>
@@ -6094,7 +6158,7 @@
           <p:cNvPr id="2" name="Title 1">
             <a:extLst>
               <a:ext uri="{FF2B5EF4-FFF2-40B4-BE49-F238E27FC236}">
-                <a16:creationId xmlns:a16="http://schemas.microsoft.com/office/drawing/2014/main" xmlns="" id="{CA344CBA-FB2B-44A2-9612-01FA04D41200}"/>
+                <a16:creationId xmlns="" xmlns:a16="http://schemas.microsoft.com/office/drawing/2014/main" id="{CA344CBA-FB2B-44A2-9612-01FA04D41200}"/>
               </a:ext>
             </a:extLst>
           </p:cNvPr>
@@ -6117,7 +6181,7 @@
           <a:p>
             <a:r>
               <a:rPr lang="en-US" dirty="0"/>
-              <a:t>Exploratory Data Analysis</a:t>
+              <a:t>Our Research</a:t>
             </a:r>
           </a:p>
         </p:txBody>
@@ -6127,7 +6191,7 @@
           <p:cNvPr id="3" name="Content Placeholder 2">
             <a:extLst>
               <a:ext uri="{FF2B5EF4-FFF2-40B4-BE49-F238E27FC236}">
-                <a16:creationId xmlns:a16="http://schemas.microsoft.com/office/drawing/2014/main" xmlns="" id="{F66CA81D-1701-4C2D-AE08-277C299D9B85}"/>
+                <a16:creationId xmlns="" xmlns:a16="http://schemas.microsoft.com/office/drawing/2014/main" id="{F66CA81D-1701-4C2D-AE08-277C299D9B85}"/>
               </a:ext>
             </a:extLst>
           </p:cNvPr>
@@ -6141,7 +6205,7 @@
         <p:spPr>
           <a:xfrm>
             <a:off x="365760" y="1955800"/>
-            <a:ext cx="11394440" cy="4378959"/>
+            <a:ext cx="10789920" cy="4378959"/>
           </a:xfrm>
         </p:spPr>
         <p:txBody>
@@ -6153,86 +6217,49 @@
             <a:pPr marL="0" indent="0">
               <a:buNone/>
             </a:pPr>
-            <a:endParaRPr lang="en-US" sz="2400" dirty="0"/>
+            <a:r>
+              <a:rPr lang="en-US" sz="2500" dirty="0"/>
+              <a:t>The models we researched are</a:t>
+            </a:r>
           </a:p>
           <a:p>
             <a:pPr marL="0" indent="0">
               <a:buNone/>
             </a:pPr>
-            <a:endParaRPr lang="en-US" sz="2400" dirty="0"/>
+            <a:r>
+              <a:rPr lang="en-US" dirty="0">
+                <a:hlinkClick r:id="rId2"/>
+              </a:rPr>
+              <a:t>Text Summarization with Pretrained Encoders</a:t>
+            </a:r>
+            <a:r>
+              <a:rPr lang="en-US" sz="2500" dirty="0"/>
+              <a:t>: </a:t>
+            </a:r>
+            <a:r>
+              <a:rPr lang="en-US" dirty="0"/>
+              <a:t>Bidirectional Encoder Representations from Transformers (BERT; Devlin et al. 2019) represents a pretrained language models which have recently advanced a wide range of natural language processing tasks. </a:t>
+            </a:r>
           </a:p>
           <a:p>
             <a:pPr marL="0" indent="0">
               <a:buNone/>
             </a:pPr>
             <a:r>
-              <a:rPr lang="en-US" sz="2500" dirty="0"/>
-              <a:t> </a:t>
-            </a:r>
-          </a:p>
-        </p:txBody>
-      </p:sp>
-      <p:pic>
-        <p:nvPicPr>
-          <p:cNvPr id="5" name="Picture 4">
-            <a:extLst>
-              <a:ext uri="{FF2B5EF4-FFF2-40B4-BE49-F238E27FC236}">
-                <a16:creationId xmlns:a16="http://schemas.microsoft.com/office/drawing/2014/main" xmlns="" id="{EC9799C3-2B3D-4E11-B8E0-90B04A451CE9}"/>
-              </a:ext>
-            </a:extLst>
-          </p:cNvPr>
-          <p:cNvPicPr>
-            <a:picLocks noChangeAspect="1"/>
-          </p:cNvPicPr>
-          <p:nvPr/>
-        </p:nvPicPr>
-        <p:blipFill>
-          <a:blip r:embed="rId2"/>
-          <a:stretch>
-            <a:fillRect/>
-          </a:stretch>
-        </p:blipFill>
-        <p:spPr>
-          <a:xfrm>
-            <a:off x="880427" y="2266731"/>
-            <a:ext cx="3295333" cy="2142709"/>
-          </a:xfrm>
-          <a:prstGeom prst="rect">
-            <a:avLst/>
-          </a:prstGeom>
-        </p:spPr>
-      </p:pic>
-      <p:sp>
-        <p:nvSpPr>
-          <p:cNvPr id="6" name="TextBox 5">
-            <a:extLst>
-              <a:ext uri="{FF2B5EF4-FFF2-40B4-BE49-F238E27FC236}">
-                <a16:creationId xmlns:a16="http://schemas.microsoft.com/office/drawing/2014/main" xmlns="" id="{D18CB254-BC4E-464E-8235-486086BBF8F6}"/>
-              </a:ext>
-            </a:extLst>
-          </p:cNvPr>
-          <p:cNvSpPr txBox="1"/>
-          <p:nvPr/>
-        </p:nvSpPr>
-        <p:spPr>
-          <a:xfrm>
-            <a:off x="1097280" y="2020510"/>
-            <a:ext cx="1657826" cy="261610"/>
-          </a:xfrm>
-          <a:prstGeom prst="rect">
-            <a:avLst/>
-          </a:prstGeom>
-          <a:noFill/>
-        </p:spPr>
-        <p:txBody>
-          <a:bodyPr wrap="none" rtlCol="0">
-            <a:spAutoFit/>
-          </a:bodyPr>
-          <a:lstStyle/>
-          <a:p>
-            <a:r>
-              <a:rPr lang="en-US" sz="1100" b="1" dirty="0"/>
-              <a:t>Number of cases by year</a:t>
+              <a:rPr lang="en-US" dirty="0"/>
+              <a:t>This model uses BERT for text summarization and propose a general framework for extractive models. This is a document-level encoder based on BERT which is able to express the semantics of a document and obtain representations for its sentences. Several inter sentence transformer layers are stacked over the </a:t>
+            </a:r>
+            <a:r>
+              <a:rPr lang="en-US" dirty="0">
+                <a:solidFill>
+                  <a:srgbClr val="FF0000"/>
+                </a:solidFill>
+              </a:rPr>
+              <a:t>BERY</a:t>
+            </a:r>
+            <a:r>
+              <a:rPr lang="en-US" dirty="0"/>
+              <a:t> encoder.</a:t>
             </a:r>
           </a:p>
         </p:txBody>
@@ -6240,7 +6267,7 @@
     </p:spTree>
     <p:extLst>
       <p:ext uri="{BB962C8B-B14F-4D97-AF65-F5344CB8AC3E}">
-        <p14:creationId xmlns:p14="http://schemas.microsoft.com/office/powerpoint/2010/main" val="2751634165"/>
+        <p14:creationId xmlns:p14="http://schemas.microsoft.com/office/powerpoint/2010/main" val="1008779348"/>
       </p:ext>
     </p:extLst>
   </p:cSld>
@@ -6527,7 +6554,7 @@
   <a:extraClrSchemeLst/>
   <a:extLst>
     <a:ext uri="{05A4C25C-085E-4340-85A3-A5531E510DB2}">
-      <thm15:themeFamily xmlns:thm15="http://schemas.microsoft.com/office/thememl/2012/main" xmlns="" name="TWO.pptx" id="{769520F8-BFE5-4C8C-A7AA-375C025A91CE}" vid="{AEAFD717-D3C8-4034-8F7E-D5220B0CCEB8}"/>
+      <thm15:themeFamily xmlns="" xmlns:thm15="http://schemas.microsoft.com/office/thememl/2012/main" name="TWO.pptx" id="{769520F8-BFE5-4C8C-A7AA-375C025A91CE}" vid="{AEAFD717-D3C8-4034-8F7E-D5220B0CCEB8}"/>
     </a:ext>
   </a:extLst>
 </a:theme>

--- a/Group 45 Data Science for Case Law.pptx
+++ b/Group 45 Data Science for Case Law.pptx
@@ -8,15 +8,14 @@
     <p:sldId id="257" r:id="rId2"/>
     <p:sldId id="260" r:id="rId3"/>
     <p:sldId id="267" r:id="rId4"/>
-    <p:sldId id="268" r:id="rId5"/>
-    <p:sldId id="270" r:id="rId6"/>
-    <p:sldId id="271" r:id="rId7"/>
-    <p:sldId id="272" r:id="rId8"/>
-    <p:sldId id="261" r:id="rId9"/>
-    <p:sldId id="262" r:id="rId10"/>
-    <p:sldId id="263" r:id="rId11"/>
-    <p:sldId id="266" r:id="rId12"/>
-    <p:sldId id="265" r:id="rId13"/>
+    <p:sldId id="270" r:id="rId5"/>
+    <p:sldId id="271" r:id="rId6"/>
+    <p:sldId id="272" r:id="rId7"/>
+    <p:sldId id="261" r:id="rId8"/>
+    <p:sldId id="262" r:id="rId9"/>
+    <p:sldId id="263" r:id="rId10"/>
+    <p:sldId id="266" r:id="rId11"/>
+    <p:sldId id="265" r:id="rId12"/>
   </p:sldIdLst>
   <p:sldSz cx="12192000" cy="6858000"/>
   <p:notesSz cx="6858000" cy="9144000"/>
@@ -117,7 +116,7 @@
   </p:defaultTextStyle>
   <p:extLst>
     <p:ext uri="{EFAFB233-063F-42B5-8137-9DF3F51BA10A}">
-      <p15:sldGuideLst xmlns="" xmlns:p15="http://schemas.microsoft.com/office/powerpoint/2012/main"/>
+      <p15:sldGuideLst xmlns:p15="http://schemas.microsoft.com/office/powerpoint/2012/main" xmlns=""/>
     </p:ext>
   </p:extLst>
 </p:presentation>
@@ -145,7 +144,7 @@
           <p:cNvPr id="10" name="Rectangle 9">
             <a:extLst>
               <a:ext uri="{FF2B5EF4-FFF2-40B4-BE49-F238E27FC236}">
-                <a16:creationId xmlns="" xmlns:a16="http://schemas.microsoft.com/office/drawing/2014/main" id="{39E3965E-AC41-4711-9D10-E25ABB132D86}"/>
+                <a16:creationId xmlns:a16="http://schemas.microsoft.com/office/drawing/2014/main" xmlns="" id="{39E3965E-AC41-4711-9D10-E25ABB132D86}"/>
               </a:ext>
             </a:extLst>
           </p:cNvPr>
@@ -305,7 +304,7 @@
           <p:cNvPr id="9" name="Straight Connector 8">
             <a:extLst>
               <a:ext uri="{FF2B5EF4-FFF2-40B4-BE49-F238E27FC236}">
-                <a16:creationId xmlns="" xmlns:a16="http://schemas.microsoft.com/office/drawing/2014/main" id="{1F5DC8C3-BA5F-4EED-BB9A-A14272BD82A1}"/>
+                <a16:creationId xmlns:a16="http://schemas.microsoft.com/office/drawing/2014/main" xmlns="" id="{1F5DC8C3-BA5F-4EED-BB9A-A14272BD82A1}"/>
               </a:ext>
             </a:extLst>
           </p:cNvPr>
@@ -349,7 +348,7 @@
           <p:cNvPr id="4" name="Date Placeholder 3">
             <a:extLst>
               <a:ext uri="{FF2B5EF4-FFF2-40B4-BE49-F238E27FC236}">
-                <a16:creationId xmlns="" xmlns:a16="http://schemas.microsoft.com/office/drawing/2014/main" id="{9925CCF1-92C0-4AF3-BFAF-4921631915AB}"/>
+                <a16:creationId xmlns:a16="http://schemas.microsoft.com/office/drawing/2014/main" xmlns="" id="{9925CCF1-92C0-4AF3-BFAF-4921631915AB}"/>
               </a:ext>
             </a:extLst>
           </p:cNvPr>
@@ -378,7 +377,7 @@
           <p:cNvPr id="5" name="Footer Placeholder 4">
             <a:extLst>
               <a:ext uri="{FF2B5EF4-FFF2-40B4-BE49-F238E27FC236}">
-                <a16:creationId xmlns="" xmlns:a16="http://schemas.microsoft.com/office/drawing/2014/main" id="{051A78A9-3DFF-4937-A9F2-5D8CF495F367}"/>
+                <a16:creationId xmlns:a16="http://schemas.microsoft.com/office/drawing/2014/main" xmlns="" id="{051A78A9-3DFF-4937-A9F2-5D8CF495F367}"/>
               </a:ext>
             </a:extLst>
           </p:cNvPr>
@@ -403,7 +402,7 @@
           <p:cNvPr id="6" name="Slide Number Placeholder 5">
             <a:extLst>
               <a:ext uri="{FF2B5EF4-FFF2-40B4-BE49-F238E27FC236}">
-                <a16:creationId xmlns="" xmlns:a16="http://schemas.microsoft.com/office/drawing/2014/main" id="{5FAEB271-5CC0-4759-BC6E-8BE53AB227C0}"/>
+                <a16:creationId xmlns:a16="http://schemas.microsoft.com/office/drawing/2014/main" xmlns="" id="{5FAEB271-5CC0-4759-BC6E-8BE53AB227C0}"/>
               </a:ext>
             </a:extLst>
           </p:cNvPr>
@@ -537,7 +536,7 @@
           <p:cNvPr id="7" name="Date Placeholder 6">
             <a:extLst>
               <a:ext uri="{FF2B5EF4-FFF2-40B4-BE49-F238E27FC236}">
-                <a16:creationId xmlns="" xmlns:a16="http://schemas.microsoft.com/office/drawing/2014/main" id="{7D5506EE-1026-4F35-9ACC-BD05BE0F9B36}"/>
+                <a16:creationId xmlns:a16="http://schemas.microsoft.com/office/drawing/2014/main" xmlns="" id="{7D5506EE-1026-4F35-9ACC-BD05BE0F9B36}"/>
               </a:ext>
             </a:extLst>
           </p:cNvPr>
@@ -566,7 +565,7 @@
           <p:cNvPr id="8" name="Footer Placeholder 7">
             <a:extLst>
               <a:ext uri="{FF2B5EF4-FFF2-40B4-BE49-F238E27FC236}">
-                <a16:creationId xmlns="" xmlns:a16="http://schemas.microsoft.com/office/drawing/2014/main" id="{B7696E5F-8D95-4450-AE52-5438E6EDE2BF}"/>
+                <a16:creationId xmlns:a16="http://schemas.microsoft.com/office/drawing/2014/main" xmlns="" id="{B7696E5F-8D95-4450-AE52-5438E6EDE2BF}"/>
               </a:ext>
             </a:extLst>
           </p:cNvPr>
@@ -591,7 +590,7 @@
           <p:cNvPr id="9" name="Slide Number Placeholder 8">
             <a:extLst>
               <a:ext uri="{FF2B5EF4-FFF2-40B4-BE49-F238E27FC236}">
-                <a16:creationId xmlns="" xmlns:a16="http://schemas.microsoft.com/office/drawing/2014/main" id="{999B2253-74CC-409E-BEB0-F8EFCFCB5629}"/>
+                <a16:creationId xmlns:a16="http://schemas.microsoft.com/office/drawing/2014/main" xmlns="" id="{999B2253-74CC-409E-BEB0-F8EFCFCB5629}"/>
               </a:ext>
             </a:extLst>
           </p:cNvPr>
@@ -650,7 +649,7 @@
           <p:cNvPr id="9" name="Rectangle 8">
             <a:extLst>
               <a:ext uri="{FF2B5EF4-FFF2-40B4-BE49-F238E27FC236}">
-                <a16:creationId xmlns="" xmlns:a16="http://schemas.microsoft.com/office/drawing/2014/main" id="{E1B68A5B-D9FA-424B-A4EB-30E7223836B3}"/>
+                <a16:creationId xmlns:a16="http://schemas.microsoft.com/office/drawing/2014/main" xmlns="" id="{E1B68A5B-D9FA-424B-A4EB-30E7223836B3}"/>
               </a:ext>
             </a:extLst>
           </p:cNvPr>
@@ -779,7 +778,7 @@
           <p:cNvPr id="7" name="Date Placeholder 6">
             <a:extLst>
               <a:ext uri="{FF2B5EF4-FFF2-40B4-BE49-F238E27FC236}">
-                <a16:creationId xmlns="" xmlns:a16="http://schemas.microsoft.com/office/drawing/2014/main" id="{AF33D6B0-F070-45C4-A472-19F432BE3932}"/>
+                <a16:creationId xmlns:a16="http://schemas.microsoft.com/office/drawing/2014/main" xmlns="" id="{AF33D6B0-F070-45C4-A472-19F432BE3932}"/>
               </a:ext>
             </a:extLst>
           </p:cNvPr>
@@ -808,7 +807,7 @@
           <p:cNvPr id="8" name="Footer Placeholder 7">
             <a:extLst>
               <a:ext uri="{FF2B5EF4-FFF2-40B4-BE49-F238E27FC236}">
-                <a16:creationId xmlns="" xmlns:a16="http://schemas.microsoft.com/office/drawing/2014/main" id="{9975399F-DAB2-410D-967F-ED17E6F796E7}"/>
+                <a16:creationId xmlns:a16="http://schemas.microsoft.com/office/drawing/2014/main" xmlns="" id="{9975399F-DAB2-410D-967F-ED17E6F796E7}"/>
               </a:ext>
             </a:extLst>
           </p:cNvPr>
@@ -833,7 +832,7 @@
           <p:cNvPr id="10" name="Slide Number Placeholder 9">
             <a:extLst>
               <a:ext uri="{FF2B5EF4-FFF2-40B4-BE49-F238E27FC236}">
-                <a16:creationId xmlns="" xmlns:a16="http://schemas.microsoft.com/office/drawing/2014/main" id="{F762A46F-6BE5-4D12-9412-5CA7672EA8EC}"/>
+                <a16:creationId xmlns:a16="http://schemas.microsoft.com/office/drawing/2014/main" xmlns="" id="{F762A46F-6BE5-4D12-9412-5CA7672EA8EC}"/>
               </a:ext>
             </a:extLst>
           </p:cNvPr>
@@ -967,7 +966,7 @@
           <p:cNvPr id="7" name="Date Placeholder 6">
             <a:extLst>
               <a:ext uri="{FF2B5EF4-FFF2-40B4-BE49-F238E27FC236}">
-                <a16:creationId xmlns="" xmlns:a16="http://schemas.microsoft.com/office/drawing/2014/main" id="{354D8B55-9EA8-4B81-8E84-9B93B0A27559}"/>
+                <a16:creationId xmlns:a16="http://schemas.microsoft.com/office/drawing/2014/main" xmlns="" id="{354D8B55-9EA8-4B81-8E84-9B93B0A27559}"/>
               </a:ext>
             </a:extLst>
           </p:cNvPr>
@@ -996,7 +995,7 @@
           <p:cNvPr id="8" name="Footer Placeholder 7">
             <a:extLst>
               <a:ext uri="{FF2B5EF4-FFF2-40B4-BE49-F238E27FC236}">
-                <a16:creationId xmlns="" xmlns:a16="http://schemas.microsoft.com/office/drawing/2014/main" id="{062CA021-2578-47CB-822C-BDDFF7223B28}"/>
+                <a16:creationId xmlns:a16="http://schemas.microsoft.com/office/drawing/2014/main" xmlns="" id="{062CA021-2578-47CB-822C-BDDFF7223B28}"/>
               </a:ext>
             </a:extLst>
           </p:cNvPr>
@@ -1021,7 +1020,7 @@
           <p:cNvPr id="9" name="Slide Number Placeholder 8">
             <a:extLst>
               <a:ext uri="{FF2B5EF4-FFF2-40B4-BE49-F238E27FC236}">
-                <a16:creationId xmlns="" xmlns:a16="http://schemas.microsoft.com/office/drawing/2014/main" id="{C4AAB51D-4141-4682-9375-DAFD5FB9DD10}"/>
+                <a16:creationId xmlns:a16="http://schemas.microsoft.com/office/drawing/2014/main" xmlns="" id="{C4AAB51D-4141-4682-9375-DAFD5FB9DD10}"/>
               </a:ext>
             </a:extLst>
           </p:cNvPr>
@@ -1088,7 +1087,7 @@
           <p:cNvPr id="10" name="Rectangle 9">
             <a:extLst>
               <a:ext uri="{FF2B5EF4-FFF2-40B4-BE49-F238E27FC236}">
-                <a16:creationId xmlns="" xmlns:a16="http://schemas.microsoft.com/office/drawing/2014/main" id="{A585C21A-8B93-4657-B5DF-7EAEAD3BE127}"/>
+                <a16:creationId xmlns:a16="http://schemas.microsoft.com/office/drawing/2014/main" xmlns="" id="{A585C21A-8B93-4657-B5DF-7EAEAD3BE127}"/>
               </a:ext>
             </a:extLst>
           </p:cNvPr>
@@ -1296,7 +1295,7 @@
           <p:cNvPr id="9" name="Straight Connector 8">
             <a:extLst>
               <a:ext uri="{FF2B5EF4-FFF2-40B4-BE49-F238E27FC236}">
-                <a16:creationId xmlns="" xmlns:a16="http://schemas.microsoft.com/office/drawing/2014/main" id="{459DE2C1-4C52-40A3-8959-27B2C1BEBFF6}"/>
+                <a16:creationId xmlns:a16="http://schemas.microsoft.com/office/drawing/2014/main" xmlns="" id="{459DE2C1-4C52-40A3-8959-27B2C1BEBFF6}"/>
               </a:ext>
             </a:extLst>
           </p:cNvPr>
@@ -1340,7 +1339,7 @@
           <p:cNvPr id="7" name="Date Placeholder 6">
             <a:extLst>
               <a:ext uri="{FF2B5EF4-FFF2-40B4-BE49-F238E27FC236}">
-                <a16:creationId xmlns="" xmlns:a16="http://schemas.microsoft.com/office/drawing/2014/main" id="{AAF2E137-EC28-48F8-9198-1F02539029B6}"/>
+                <a16:creationId xmlns:a16="http://schemas.microsoft.com/office/drawing/2014/main" xmlns="" id="{AAF2E137-EC28-48F8-9198-1F02539029B6}"/>
               </a:ext>
             </a:extLst>
           </p:cNvPr>
@@ -1369,7 +1368,7 @@
           <p:cNvPr id="8" name="Footer Placeholder 7">
             <a:extLst>
               <a:ext uri="{FF2B5EF4-FFF2-40B4-BE49-F238E27FC236}">
-                <a16:creationId xmlns="" xmlns:a16="http://schemas.microsoft.com/office/drawing/2014/main" id="{189422CD-6F62-4DD6-89EF-07A60B42D219}"/>
+                <a16:creationId xmlns:a16="http://schemas.microsoft.com/office/drawing/2014/main" xmlns="" id="{189422CD-6F62-4DD6-89EF-07A60B42D219}"/>
               </a:ext>
             </a:extLst>
           </p:cNvPr>
@@ -1394,7 +1393,7 @@
           <p:cNvPr id="11" name="Slide Number Placeholder 10">
             <a:extLst>
               <a:ext uri="{FF2B5EF4-FFF2-40B4-BE49-F238E27FC236}">
-                <a16:creationId xmlns="" xmlns:a16="http://schemas.microsoft.com/office/drawing/2014/main" id="{69C6AFF8-42B4-4D05-969B-9F5FB3355555}"/>
+                <a16:creationId xmlns:a16="http://schemas.microsoft.com/office/drawing/2014/main" xmlns="" id="{69C6AFF8-42B4-4D05-969B-9F5FB3355555}"/>
               </a:ext>
             </a:extLst>
           </p:cNvPr>
@@ -1595,7 +1594,7 @@
           <p:cNvPr id="2" name="Date Placeholder 1">
             <a:extLst>
               <a:ext uri="{FF2B5EF4-FFF2-40B4-BE49-F238E27FC236}">
-                <a16:creationId xmlns="" xmlns:a16="http://schemas.microsoft.com/office/drawing/2014/main" id="{5782D47D-B0DC-4C40-BCC6-BBBA32584A38}"/>
+                <a16:creationId xmlns:a16="http://schemas.microsoft.com/office/drawing/2014/main" xmlns="" id="{5782D47D-B0DC-4C40-BCC6-BBBA32584A38}"/>
               </a:ext>
             </a:extLst>
           </p:cNvPr>
@@ -1624,7 +1623,7 @@
           <p:cNvPr id="9" name="Footer Placeholder 8">
             <a:extLst>
               <a:ext uri="{FF2B5EF4-FFF2-40B4-BE49-F238E27FC236}">
-                <a16:creationId xmlns="" xmlns:a16="http://schemas.microsoft.com/office/drawing/2014/main" id="{4690D34E-7EBD-44B2-83CA-4C126A18D7EF}"/>
+                <a16:creationId xmlns:a16="http://schemas.microsoft.com/office/drawing/2014/main" xmlns="" id="{4690D34E-7EBD-44B2-83CA-4C126A18D7EF}"/>
               </a:ext>
             </a:extLst>
           </p:cNvPr>
@@ -1649,7 +1648,7 @@
           <p:cNvPr id="10" name="Slide Number Placeholder 9">
             <a:extLst>
               <a:ext uri="{FF2B5EF4-FFF2-40B4-BE49-F238E27FC236}">
-                <a16:creationId xmlns="" xmlns:a16="http://schemas.microsoft.com/office/drawing/2014/main" id="{2AC511A1-9BBD-42DE-92FB-2AF44F8E97A9}"/>
+                <a16:creationId xmlns:a16="http://schemas.microsoft.com/office/drawing/2014/main" xmlns="" id="{2AC511A1-9BBD-42DE-92FB-2AF44F8E97A9}"/>
               </a:ext>
             </a:extLst>
           </p:cNvPr>
@@ -1992,7 +1991,7 @@
           <p:cNvPr id="2" name="Date Placeholder 1">
             <a:extLst>
               <a:ext uri="{FF2B5EF4-FFF2-40B4-BE49-F238E27FC236}">
-                <a16:creationId xmlns="" xmlns:a16="http://schemas.microsoft.com/office/drawing/2014/main" id="{8AF8A515-AA94-45D1-9223-5C2272618D85}"/>
+                <a16:creationId xmlns:a16="http://schemas.microsoft.com/office/drawing/2014/main" xmlns="" id="{8AF8A515-AA94-45D1-9223-5C2272618D85}"/>
               </a:ext>
             </a:extLst>
           </p:cNvPr>
@@ -2021,7 +2020,7 @@
           <p:cNvPr id="11" name="Footer Placeholder 10">
             <a:extLst>
               <a:ext uri="{FF2B5EF4-FFF2-40B4-BE49-F238E27FC236}">
-                <a16:creationId xmlns="" xmlns:a16="http://schemas.microsoft.com/office/drawing/2014/main" id="{D052F5BC-98E0-4D60-AD67-9547738B7DD4}"/>
+                <a16:creationId xmlns:a16="http://schemas.microsoft.com/office/drawing/2014/main" xmlns="" id="{D052F5BC-98E0-4D60-AD67-9547738B7DD4}"/>
               </a:ext>
             </a:extLst>
           </p:cNvPr>
@@ -2046,7 +2045,7 @@
           <p:cNvPr id="12" name="Slide Number Placeholder 11">
             <a:extLst>
               <a:ext uri="{FF2B5EF4-FFF2-40B4-BE49-F238E27FC236}">
-                <a16:creationId xmlns="" xmlns:a16="http://schemas.microsoft.com/office/drawing/2014/main" id="{A38552DC-952E-41EA-AAAF-C2187523C0B0}"/>
+                <a16:creationId xmlns:a16="http://schemas.microsoft.com/office/drawing/2014/main" xmlns="" id="{A38552DC-952E-41EA-AAAF-C2187523C0B0}"/>
               </a:ext>
             </a:extLst>
           </p:cNvPr>
@@ -2128,7 +2127,7 @@
           <p:cNvPr id="6" name="Date Placeholder 5">
             <a:extLst>
               <a:ext uri="{FF2B5EF4-FFF2-40B4-BE49-F238E27FC236}">
-                <a16:creationId xmlns="" xmlns:a16="http://schemas.microsoft.com/office/drawing/2014/main" id="{7392073F-158F-44A3-8913-917AFFC1BC20}"/>
+                <a16:creationId xmlns:a16="http://schemas.microsoft.com/office/drawing/2014/main" xmlns="" id="{7392073F-158F-44A3-8913-917AFFC1BC20}"/>
               </a:ext>
             </a:extLst>
           </p:cNvPr>
@@ -2157,7 +2156,7 @@
           <p:cNvPr id="7" name="Footer Placeholder 6">
             <a:extLst>
               <a:ext uri="{FF2B5EF4-FFF2-40B4-BE49-F238E27FC236}">
-                <a16:creationId xmlns="" xmlns:a16="http://schemas.microsoft.com/office/drawing/2014/main" id="{EED72207-24CA-42B7-A975-2F8E41CBA904}"/>
+                <a16:creationId xmlns:a16="http://schemas.microsoft.com/office/drawing/2014/main" xmlns="" id="{EED72207-24CA-42B7-A975-2F8E41CBA904}"/>
               </a:ext>
             </a:extLst>
           </p:cNvPr>
@@ -2182,7 +2181,7 @@
           <p:cNvPr id="8" name="Slide Number Placeholder 7">
             <a:extLst>
               <a:ext uri="{FF2B5EF4-FFF2-40B4-BE49-F238E27FC236}">
-                <a16:creationId xmlns="" xmlns:a16="http://schemas.microsoft.com/office/drawing/2014/main" id="{D01080F2-251A-4B88-9A62-16F46D724F83}"/>
+                <a16:creationId xmlns:a16="http://schemas.microsoft.com/office/drawing/2014/main" xmlns="" id="{D01080F2-251A-4B88-9A62-16F46D724F83}"/>
               </a:ext>
             </a:extLst>
           </p:cNvPr>
@@ -2241,7 +2240,7 @@
           <p:cNvPr id="10" name="Rectangle 9">
             <a:extLst>
               <a:ext uri="{FF2B5EF4-FFF2-40B4-BE49-F238E27FC236}">
-                <a16:creationId xmlns="" xmlns:a16="http://schemas.microsoft.com/office/drawing/2014/main" id="{A8E9C91B-7EAD-4562-AB0E-DFB9663AECE3}"/>
+                <a16:creationId xmlns:a16="http://schemas.microsoft.com/office/drawing/2014/main" xmlns="" id="{A8E9C91B-7EAD-4562-AB0E-DFB9663AECE3}"/>
               </a:ext>
             </a:extLst>
           </p:cNvPr>
@@ -2285,7 +2284,7 @@
           <p:cNvPr id="2" name="Date Placeholder 1">
             <a:extLst>
               <a:ext uri="{FF2B5EF4-FFF2-40B4-BE49-F238E27FC236}">
-                <a16:creationId xmlns="" xmlns:a16="http://schemas.microsoft.com/office/drawing/2014/main" id="{94E9223F-721F-47BF-9FD5-0F8D12FF0DE1}"/>
+                <a16:creationId xmlns:a16="http://schemas.microsoft.com/office/drawing/2014/main" xmlns="" id="{94E9223F-721F-47BF-9FD5-0F8D12FF0DE1}"/>
               </a:ext>
             </a:extLst>
           </p:cNvPr>
@@ -2314,7 +2313,7 @@
           <p:cNvPr id="3" name="Footer Placeholder 2">
             <a:extLst>
               <a:ext uri="{FF2B5EF4-FFF2-40B4-BE49-F238E27FC236}">
-                <a16:creationId xmlns="" xmlns:a16="http://schemas.microsoft.com/office/drawing/2014/main" id="{05915714-6BBA-4593-8591-4E26F7D58D9F}"/>
+                <a16:creationId xmlns:a16="http://schemas.microsoft.com/office/drawing/2014/main" xmlns="" id="{05915714-6BBA-4593-8591-4E26F7D58D9F}"/>
               </a:ext>
             </a:extLst>
           </p:cNvPr>
@@ -2339,7 +2338,7 @@
           <p:cNvPr id="4" name="Slide Number Placeholder 3">
             <a:extLst>
               <a:ext uri="{FF2B5EF4-FFF2-40B4-BE49-F238E27FC236}">
-                <a16:creationId xmlns="" xmlns:a16="http://schemas.microsoft.com/office/drawing/2014/main" id="{BE06F857-D2E1-44DD-ABDD-EBB739645B67}"/>
+                <a16:creationId xmlns:a16="http://schemas.microsoft.com/office/drawing/2014/main" xmlns="" id="{BE06F857-D2E1-44DD-ABDD-EBB739645B67}"/>
               </a:ext>
             </a:extLst>
           </p:cNvPr>
@@ -2398,7 +2397,7 @@
           <p:cNvPr id="8" name="Rectangle 7">
             <a:extLst>
               <a:ext uri="{FF2B5EF4-FFF2-40B4-BE49-F238E27FC236}">
-                <a16:creationId xmlns="" xmlns:a16="http://schemas.microsoft.com/office/drawing/2014/main" id="{16D90D66-BCB9-4229-A829-628874352AC0}"/>
+                <a16:creationId xmlns:a16="http://schemas.microsoft.com/office/drawing/2014/main" xmlns="" id="{16D90D66-BCB9-4229-A829-628874352AC0}"/>
               </a:ext>
             </a:extLst>
           </p:cNvPr>
@@ -2737,7 +2736,7 @@
           <p:cNvPr id="8" name="Rectangle 7">
             <a:extLst>
               <a:ext uri="{FF2B5EF4-FFF2-40B4-BE49-F238E27FC236}">
-                <a16:creationId xmlns="" xmlns:a16="http://schemas.microsoft.com/office/drawing/2014/main" id="{DA134939-39C0-4522-A125-A13DFDA66490}"/>
+                <a16:creationId xmlns:a16="http://schemas.microsoft.com/office/drawing/2014/main" xmlns="" id="{DA134939-39C0-4522-A125-A13DFDA66490}"/>
               </a:ext>
             </a:extLst>
           </p:cNvPr>
@@ -3076,7 +3075,7 @@
           <p:cNvPr id="7" name="Rectangle 6">
             <a:extLst>
               <a:ext uri="{FF2B5EF4-FFF2-40B4-BE49-F238E27FC236}">
-                <a16:creationId xmlns="" xmlns:a16="http://schemas.microsoft.com/office/drawing/2014/main" id="{416A0E3C-60E6-4F39-BC55-5F7C224E1F7C}"/>
+                <a16:creationId xmlns:a16="http://schemas.microsoft.com/office/drawing/2014/main" xmlns="" id="{416A0E3C-60E6-4F39-BC55-5F7C224E1F7C}"/>
               </a:ext>
             </a:extLst>
           </p:cNvPr>
@@ -3328,7 +3327,7 @@
           <p:cNvPr id="10" name="Straight Connector 9">
             <a:extLst>
               <a:ext uri="{FF2B5EF4-FFF2-40B4-BE49-F238E27FC236}">
-                <a16:creationId xmlns="" xmlns:a16="http://schemas.microsoft.com/office/drawing/2014/main" id="{C5025DAC-8B93-4160-B017-3A274A5828C0}"/>
+                <a16:creationId xmlns:a16="http://schemas.microsoft.com/office/drawing/2014/main" xmlns="" id="{C5025DAC-8B93-4160-B017-3A274A5828C0}"/>
               </a:ext>
             </a:extLst>
           </p:cNvPr>
@@ -3779,10 +3778,10 @@
           <p:cNvPr id="22" name="Rectangle 21">
             <a:extLst>
               <a:ext uri="{FF2B5EF4-FFF2-40B4-BE49-F238E27FC236}">
-                <a16:creationId xmlns="" xmlns:a16="http://schemas.microsoft.com/office/drawing/2014/main" id="{A9286AD2-18A9-4868-A4E3-7A2097A20810}"/>
+                <a16:creationId xmlns:a16="http://schemas.microsoft.com/office/drawing/2014/main" xmlns="" id="{A9286AD2-18A9-4868-A4E3-7A2097A20810}"/>
               </a:ext>
               <a:ext uri="{C183D7F6-B498-43B3-948B-1728B52AA6E4}">
-                <adec:decorative xmlns="" xmlns:adec="http://schemas.microsoft.com/office/drawing/2017/decorative" val="1"/>
+                <adec:decorative xmlns:adec="http://schemas.microsoft.com/office/drawing/2017/decorative" xmlns="" val="1"/>
               </a:ext>
             </a:extLst>
           </p:cNvPr>
@@ -3792,7 +3791,7 @@
           <p:nvPr>
             <p:extLst>
               <p:ext uri="{386F3935-93C4-4BCD-93E2-E3B085C9AB24}">
-                <p16:designElem xmlns="" xmlns:p16="http://schemas.microsoft.com/office/powerpoint/2015/main" val="1"/>
+                <p16:designElem xmlns:p16="http://schemas.microsoft.com/office/powerpoint/2015/main" xmlns="" val="1"/>
               </p:ext>
             </p:extLst>
           </p:nvPr>
@@ -3839,7 +3838,7 @@
           <p:cNvPr id="2" name="Title 1">
             <a:extLst>
               <a:ext uri="{FF2B5EF4-FFF2-40B4-BE49-F238E27FC236}">
-                <a16:creationId xmlns="" xmlns:a16="http://schemas.microsoft.com/office/drawing/2014/main" id="{78FD68DA-43BA-4508-8DE2-BA9BB7B2FA5B}"/>
+                <a16:creationId xmlns:a16="http://schemas.microsoft.com/office/drawing/2014/main" xmlns="" id="{78FD68DA-43BA-4508-8DE2-BA9BB7B2FA5B}"/>
               </a:ext>
             </a:extLst>
           </p:cNvPr>
@@ -3875,7 +3874,7 @@
           <p:cNvPr id="3" name="Subtitle 2">
             <a:extLst>
               <a:ext uri="{FF2B5EF4-FFF2-40B4-BE49-F238E27FC236}">
-                <a16:creationId xmlns="" xmlns:a16="http://schemas.microsoft.com/office/drawing/2014/main" id="{A8E9CFF2-3777-4FF4-A759-8491175B0B7C}"/>
+                <a16:creationId xmlns:a16="http://schemas.microsoft.com/office/drawing/2014/main" xmlns="" id="{A8E9CFF2-3777-4FF4-A759-8491175B0B7C}"/>
               </a:ext>
             </a:extLst>
           </p:cNvPr>
@@ -3982,7 +3981,7 @@
           <p:cNvPr id="5" name="Picture 4" descr="A picture containing building, sitting, bench, side&#10;&#10;Description automatically generated">
             <a:extLst>
               <a:ext uri="{FF2B5EF4-FFF2-40B4-BE49-F238E27FC236}">
-                <a16:creationId xmlns="" xmlns:a16="http://schemas.microsoft.com/office/drawing/2014/main" id="{282CF6DD-7FE8-4063-9551-1B7BBCE92ABE}"/>
+                <a16:creationId xmlns:a16="http://schemas.microsoft.com/office/drawing/2014/main" xmlns="" id="{282CF6DD-7FE8-4063-9551-1B7BBCE92ABE}"/>
               </a:ext>
             </a:extLst>
           </p:cNvPr>
@@ -4017,10 +4016,10 @@
           <p:cNvPr id="24" name="Straight Connector 23">
             <a:extLst>
               <a:ext uri="{FF2B5EF4-FFF2-40B4-BE49-F238E27FC236}">
-                <a16:creationId xmlns="" xmlns:a16="http://schemas.microsoft.com/office/drawing/2014/main" id="{E7A7CD63-7EC3-44F3-95D0-595C4019FF24}"/>
+                <a16:creationId xmlns:a16="http://schemas.microsoft.com/office/drawing/2014/main" xmlns="" id="{E7A7CD63-7EC3-44F3-95D0-595C4019FF24}"/>
               </a:ext>
               <a:ext uri="{C183D7F6-B498-43B3-948B-1728B52AA6E4}">
-                <adec:decorative xmlns="" xmlns:adec="http://schemas.microsoft.com/office/drawing/2017/decorative" val="1"/>
+                <adec:decorative xmlns:adec="http://schemas.microsoft.com/office/drawing/2017/decorative" xmlns="" val="1"/>
               </a:ext>
             </a:extLst>
           </p:cNvPr>
@@ -4030,7 +4029,7 @@
           <p:nvPr>
             <p:extLst>
               <p:ext uri="{386F3935-93C4-4BCD-93E2-E3B085C9AB24}">
-                <p16:designElem xmlns="" xmlns:p16="http://schemas.microsoft.com/office/powerpoint/2015/main" val="1"/>
+                <p16:designElem xmlns:p16="http://schemas.microsoft.com/office/powerpoint/2015/main" xmlns="" val="1"/>
               </p:ext>
             </p:extLst>
           </p:nvPr>
@@ -4102,7 +4101,7 @@
           <p:cNvPr id="2" name="Title 1">
             <a:extLst>
               <a:ext uri="{FF2B5EF4-FFF2-40B4-BE49-F238E27FC236}">
-                <a16:creationId xmlns="" xmlns:a16="http://schemas.microsoft.com/office/drawing/2014/main" id="{CA344CBA-FB2B-44A2-9612-01FA04D41200}"/>
+                <a16:creationId xmlns:a16="http://schemas.microsoft.com/office/drawing/2014/main" xmlns="" id="{CA344CBA-FB2B-44A2-9612-01FA04D41200}"/>
               </a:ext>
             </a:extLst>
           </p:cNvPr>
@@ -4124,9 +4123,26 @@
           <a:lstStyle/>
           <a:p>
             <a:r>
-              <a:rPr lang="en-US" dirty="0"/>
-              <a:t>Our Research</a:t>
-            </a:r>
+              <a:rPr lang="en-US" dirty="0">
+                <a:solidFill>
+                  <a:srgbClr val="FF0000"/>
+                </a:solidFill>
+              </a:rPr>
+              <a:t>Our </a:t>
+            </a:r>
+            <a:r>
+              <a:rPr lang="en-US" dirty="0" smtClean="0">
+                <a:solidFill>
+                  <a:srgbClr val="FF0000"/>
+                </a:solidFill>
+              </a:rPr>
+              <a:t>Research (DUPLICATE)</a:t>
+            </a:r>
+            <a:endParaRPr lang="en-US" dirty="0">
+              <a:solidFill>
+                <a:srgbClr val="FF0000"/>
+              </a:solidFill>
+            </a:endParaRPr>
           </a:p>
         </p:txBody>
       </p:sp>
@@ -4135,7 +4151,7 @@
           <p:cNvPr id="3" name="Content Placeholder 2">
             <a:extLst>
               <a:ext uri="{FF2B5EF4-FFF2-40B4-BE49-F238E27FC236}">
-                <a16:creationId xmlns="" xmlns:a16="http://schemas.microsoft.com/office/drawing/2014/main" id="{F66CA81D-1701-4C2D-AE08-277C299D9B85}"/>
+                <a16:creationId xmlns:a16="http://schemas.microsoft.com/office/drawing/2014/main" xmlns="" id="{F66CA81D-1701-4C2D-AE08-277C299D9B85}"/>
               </a:ext>
             </a:extLst>
           </p:cNvPr>
@@ -4189,24 +4205,12 @@
               <a:t>architecture to compute the similarity between several candidate summaries to the source document and </a:t>
             </a:r>
             <a:r>
-              <a:rPr lang="en-US" sz="2500" dirty="0" err="1">
-                <a:solidFill>
-                  <a:srgbClr val="FF0000"/>
-                </a:solidFill>
-              </a:rPr>
+              <a:rPr lang="en-US" sz="2500" dirty="0" err="1"/>
               <a:t>seledt</a:t>
             </a:r>
             <a:r>
-              <a:rPr lang="en-US" sz="2500" dirty="0">
-                <a:solidFill>
-                  <a:srgbClr val="FF0000"/>
-                </a:solidFill>
-              </a:rPr>
-              <a:t> </a:t>
-            </a:r>
-            <a:r>
               <a:rPr lang="en-US" sz="2500" dirty="0"/>
-              <a:t>the best candidate summary.  </a:t>
+              <a:t> the best candidate summary.  </a:t>
             </a:r>
           </a:p>
           <a:p>
@@ -4242,7 +4246,7 @@
           <p:cNvPr id="5" name="Picture 4">
             <a:extLst>
               <a:ext uri="{FF2B5EF4-FFF2-40B4-BE49-F238E27FC236}">
-                <a16:creationId xmlns="" xmlns:a16="http://schemas.microsoft.com/office/drawing/2014/main" id="{668BF638-F52C-4FEE-B217-66970DBFBBD4}"/>
+                <a16:creationId xmlns:a16="http://schemas.microsoft.com/office/drawing/2014/main" xmlns="" id="{668BF638-F52C-4FEE-B217-66970DBFBBD4}"/>
               </a:ext>
             </a:extLst>
           </p:cNvPr>
@@ -4278,7 +4282,7 @@
           <p:cNvPr id="9" name="TextBox 8">
             <a:extLst>
               <a:ext uri="{FF2B5EF4-FFF2-40B4-BE49-F238E27FC236}">
-                <a16:creationId xmlns="" xmlns:a16="http://schemas.microsoft.com/office/drawing/2014/main" id="{EF3D1033-0999-46CA-98D2-EA188D7E4913}"/>
+                <a16:creationId xmlns:a16="http://schemas.microsoft.com/office/drawing/2014/main" xmlns="" id="{EF3D1033-0999-46CA-98D2-EA188D7E4913}"/>
               </a:ext>
             </a:extLst>
           </p:cNvPr>
@@ -4314,7 +4318,7 @@
     </p:spTree>
     <p:extLst>
       <p:ext uri="{BB962C8B-B14F-4D97-AF65-F5344CB8AC3E}">
-        <p14:creationId xmlns:p14="http://schemas.microsoft.com/office/powerpoint/2010/main" val="451383658"/>
+        <p14:creationId xmlns:p14="http://schemas.microsoft.com/office/powerpoint/2010/main" val="905971681"/>
       </p:ext>
     </p:extLst>
   </p:cSld>
@@ -4346,7 +4350,7 @@
           <p:cNvPr id="2" name="Title 1">
             <a:extLst>
               <a:ext uri="{FF2B5EF4-FFF2-40B4-BE49-F238E27FC236}">
-                <a16:creationId xmlns="" xmlns:a16="http://schemas.microsoft.com/office/drawing/2014/main" id="{CA344CBA-FB2B-44A2-9612-01FA04D41200}"/>
+                <a16:creationId xmlns:a16="http://schemas.microsoft.com/office/drawing/2014/main" xmlns="" id="{CA344CBA-FB2B-44A2-9612-01FA04D41200}"/>
               </a:ext>
             </a:extLst>
           </p:cNvPr>
@@ -4368,255 +4372,6 @@
           <a:lstStyle/>
           <a:p>
             <a:r>
-              <a:rPr lang="en-US" dirty="0">
-                <a:solidFill>
-                  <a:srgbClr val="FF0000"/>
-                </a:solidFill>
-              </a:rPr>
-              <a:t>Our </a:t>
-            </a:r>
-            <a:r>
-              <a:rPr lang="en-US" dirty="0" smtClean="0">
-                <a:solidFill>
-                  <a:srgbClr val="FF0000"/>
-                </a:solidFill>
-              </a:rPr>
-              <a:t>Research (DUPLICATE)</a:t>
-            </a:r>
-            <a:endParaRPr lang="en-US" dirty="0">
-              <a:solidFill>
-                <a:srgbClr val="FF0000"/>
-              </a:solidFill>
-            </a:endParaRPr>
-          </a:p>
-        </p:txBody>
-      </p:sp>
-      <p:sp>
-        <p:nvSpPr>
-          <p:cNvPr id="3" name="Content Placeholder 2">
-            <a:extLst>
-              <a:ext uri="{FF2B5EF4-FFF2-40B4-BE49-F238E27FC236}">
-                <a16:creationId xmlns="" xmlns:a16="http://schemas.microsoft.com/office/drawing/2014/main" id="{F66CA81D-1701-4C2D-AE08-277C299D9B85}"/>
-              </a:ext>
-            </a:extLst>
-          </p:cNvPr>
-          <p:cNvSpPr>
-            <a:spLocks noGrp="1"/>
-          </p:cNvSpPr>
-          <p:nvPr>
-            <p:ph idx="1"/>
-          </p:nvPr>
-        </p:nvSpPr>
-        <p:spPr>
-          <a:xfrm>
-            <a:off x="365760" y="1955800"/>
-            <a:ext cx="7487920" cy="4378959"/>
-          </a:xfrm>
-        </p:spPr>
-        <p:txBody>
-          <a:bodyPr>
-            <a:normAutofit fontScale="62500" lnSpcReduction="20000"/>
-          </a:bodyPr>
-          <a:lstStyle/>
-          <a:p>
-            <a:pPr marL="0" indent="0">
-              <a:buNone/>
-            </a:pPr>
-            <a:r>
-              <a:rPr lang="en-US" sz="2500" dirty="0">
-                <a:hlinkClick r:id="rId2"/>
-              </a:rPr>
-              <a:t>Extractive Summarization as Text Matching</a:t>
-            </a:r>
-            <a:r>
-              <a:rPr lang="en-US" sz="2500" dirty="0"/>
-              <a:t>: Most extractive summarization systems extract sentences one by one from the original text, model the relationship between the sentences , and then select several sentences to form a summary. and may not  consider the semantics of the entire summary. </a:t>
-            </a:r>
-          </a:p>
-          <a:p>
-            <a:pPr marL="0" indent="0">
-              <a:buNone/>
-            </a:pPr>
-            <a:r>
-              <a:rPr lang="en-US" sz="2500" dirty="0"/>
-              <a:t>This method performs Semantic text matching to estimate semantic similarity between a source and a target text fragment. It is trained on the CNN/ Daily Mail dataset and uses a Siamese-BERT(Bidirectional Encoder Representations from Transformers</a:t>
-            </a:r>
-            <a:r>
-              <a:rPr lang="en-US" dirty="0"/>
-              <a:t>) </a:t>
-            </a:r>
-            <a:r>
-              <a:rPr lang="en-US" sz="2500" dirty="0"/>
-              <a:t>architecture to compute the similarity between several candidate summaries to the source document and </a:t>
-            </a:r>
-            <a:r>
-              <a:rPr lang="en-US" sz="2500" dirty="0" err="1"/>
-              <a:t>seledt</a:t>
-            </a:r>
-            <a:r>
-              <a:rPr lang="en-US" sz="2500" dirty="0"/>
-              <a:t> the best candidate summary.  </a:t>
-            </a:r>
-          </a:p>
-          <a:p>
-            <a:pPr marL="0" indent="0">
-              <a:buNone/>
-            </a:pPr>
-            <a:r>
-              <a:rPr lang="en-US" sz="2500" dirty="0"/>
-              <a:t>A </a:t>
-            </a:r>
-            <a:r>
-              <a:rPr lang="en-US" sz="2500" b="1" dirty="0"/>
-              <a:t>Siamese</a:t>
-            </a:r>
-            <a:r>
-              <a:rPr lang="en-US" sz="2500" dirty="0"/>
-              <a:t> networks consists of two identical neural networks, each taking one of the two input inputs. The last layers of the two networks are then fed to a contrastive loss function , which calculates the similarity between the two inputs. </a:t>
-            </a:r>
-          </a:p>
-          <a:p>
-            <a:pPr marL="0" indent="0">
-              <a:buNone/>
-            </a:pPr>
-            <a:r>
-              <a:rPr lang="en-US" sz="2500" dirty="0"/>
-              <a:t>Siamese BERT leverages the pre-trained BERT in a Siamese network structure to derive semantically meaningful text embeddings that can be compared using cosine-similarity. </a:t>
-            </a:r>
-          </a:p>
-        </p:txBody>
-      </p:sp>
-      <p:pic>
-        <p:nvPicPr>
-          <p:cNvPr id="5" name="Picture 4">
-            <a:extLst>
-              <a:ext uri="{FF2B5EF4-FFF2-40B4-BE49-F238E27FC236}">
-                <a16:creationId xmlns="" xmlns:a16="http://schemas.microsoft.com/office/drawing/2014/main" id="{668BF638-F52C-4FEE-B217-66970DBFBBD4}"/>
-              </a:ext>
-            </a:extLst>
-          </p:cNvPr>
-          <p:cNvPicPr>
-            <a:picLocks noChangeAspect="1"/>
-          </p:cNvPicPr>
-          <p:nvPr/>
-        </p:nvPicPr>
-        <p:blipFill>
-          <a:blip r:embed="rId3">
-            <a:extLst>
-              <a:ext uri="{28A0092B-C50C-407E-A947-70E740481C1C}">
-                <a14:useLocalDpi xmlns:a14="http://schemas.microsoft.com/office/drawing/2010/main" val="0"/>
-              </a:ext>
-            </a:extLst>
-          </a:blip>
-          <a:stretch>
-            <a:fillRect/>
-          </a:stretch>
-        </p:blipFill>
-        <p:spPr>
-          <a:xfrm>
-            <a:off x="8227377" y="2826702"/>
-            <a:ext cx="2676525" cy="1895475"/>
-          </a:xfrm>
-          <a:prstGeom prst="rect">
-            <a:avLst/>
-          </a:prstGeom>
-        </p:spPr>
-      </p:pic>
-      <p:sp>
-        <p:nvSpPr>
-          <p:cNvPr id="9" name="TextBox 8">
-            <a:extLst>
-              <a:ext uri="{FF2B5EF4-FFF2-40B4-BE49-F238E27FC236}">
-                <a16:creationId xmlns="" xmlns:a16="http://schemas.microsoft.com/office/drawing/2014/main" id="{EF3D1033-0999-46CA-98D2-EA188D7E4913}"/>
-              </a:ext>
-            </a:extLst>
-          </p:cNvPr>
-          <p:cNvSpPr txBox="1"/>
-          <p:nvPr/>
-        </p:nvSpPr>
-        <p:spPr>
-          <a:xfrm>
-            <a:off x="7889241" y="5024120"/>
-            <a:ext cx="4150360" cy="246221"/>
-          </a:xfrm>
-          <a:prstGeom prst="rect">
-            <a:avLst/>
-          </a:prstGeom>
-          <a:noFill/>
-        </p:spPr>
-        <p:txBody>
-          <a:bodyPr wrap="square" rtlCol="0">
-            <a:spAutoFit/>
-          </a:bodyPr>
-          <a:lstStyle/>
-          <a:p>
-            <a:r>
-              <a:rPr lang="en-US" sz="1000" dirty="0">
-                <a:hlinkClick r:id="rId2"/>
-              </a:rPr>
-              <a:t>Extractive Summarization as Text Matching</a:t>
-            </a:r>
-            <a:endParaRPr lang="en-US" sz="1000" dirty="0"/>
-          </a:p>
-        </p:txBody>
-      </p:sp>
-    </p:spTree>
-    <p:extLst>
-      <p:ext uri="{BB962C8B-B14F-4D97-AF65-F5344CB8AC3E}">
-        <p14:creationId xmlns:p14="http://schemas.microsoft.com/office/powerpoint/2010/main" val="905971681"/>
-      </p:ext>
-    </p:extLst>
-  </p:cSld>
-  <p:clrMapOvr>
-    <a:masterClrMapping/>
-  </p:clrMapOvr>
-</p:sld>
-</file>
-
-<file path=ppt/slides/slide12.xml><?xml version="1.0" encoding="utf-8"?>
-<p:sld xmlns:a="http://schemas.openxmlformats.org/drawingml/2006/main" xmlns:r="http://schemas.openxmlformats.org/officeDocument/2006/relationships" xmlns:p="http://schemas.openxmlformats.org/presentationml/2006/main">
-  <p:cSld>
-    <p:spTree>
-      <p:nvGrpSpPr>
-        <p:cNvPr id="1" name=""/>
-        <p:cNvGrpSpPr/>
-        <p:nvPr/>
-      </p:nvGrpSpPr>
-      <p:grpSpPr>
-        <a:xfrm>
-          <a:off x="0" y="0"/>
-          <a:ext cx="0" cy="0"/>
-          <a:chOff x="0" y="0"/>
-          <a:chExt cx="0" cy="0"/>
-        </a:xfrm>
-      </p:grpSpPr>
-      <p:sp>
-        <p:nvSpPr>
-          <p:cNvPr id="2" name="Title 1">
-            <a:extLst>
-              <a:ext uri="{FF2B5EF4-FFF2-40B4-BE49-F238E27FC236}">
-                <a16:creationId xmlns="" xmlns:a16="http://schemas.microsoft.com/office/drawing/2014/main" id="{CA344CBA-FB2B-44A2-9612-01FA04D41200}"/>
-              </a:ext>
-            </a:extLst>
-          </p:cNvPr>
-          <p:cNvSpPr>
-            <a:spLocks noGrp="1"/>
-          </p:cNvSpPr>
-          <p:nvPr>
-            <p:ph type="title"/>
-          </p:nvPr>
-        </p:nvSpPr>
-        <p:spPr>
-          <a:xfrm>
-            <a:off x="1097280" y="286603"/>
-            <a:ext cx="10058400" cy="1181517"/>
-          </a:xfrm>
-        </p:spPr>
-        <p:txBody>
-          <a:bodyPr/>
-          <a:lstStyle/>
-          <a:p>
-            <a:r>
               <a:rPr lang="en-US" dirty="0"/>
               <a:t>Bibliography</a:t>
             </a:r>
@@ -4628,7 +4383,7 @@
           <p:cNvPr id="3" name="Content Placeholder 2">
             <a:extLst>
               <a:ext uri="{FF2B5EF4-FFF2-40B4-BE49-F238E27FC236}">
-                <a16:creationId xmlns="" xmlns:a16="http://schemas.microsoft.com/office/drawing/2014/main" id="{F66CA81D-1701-4C2D-AE08-277C299D9B85}"/>
+                <a16:creationId xmlns:a16="http://schemas.microsoft.com/office/drawing/2014/main" xmlns="" id="{F66CA81D-1701-4C2D-AE08-277C299D9B85}"/>
               </a:ext>
             </a:extLst>
           </p:cNvPr>
@@ -4755,7 +4510,7 @@
           <p:cNvPr id="2" name="Title 1">
             <a:extLst>
               <a:ext uri="{FF2B5EF4-FFF2-40B4-BE49-F238E27FC236}">
-                <a16:creationId xmlns="" xmlns:a16="http://schemas.microsoft.com/office/drawing/2014/main" id="{CA344CBA-FB2B-44A2-9612-01FA04D41200}"/>
+                <a16:creationId xmlns:a16="http://schemas.microsoft.com/office/drawing/2014/main" xmlns="" id="{CA344CBA-FB2B-44A2-9612-01FA04D41200}"/>
               </a:ext>
             </a:extLst>
           </p:cNvPr>
@@ -4783,7 +4538,7 @@
           <p:cNvPr id="3" name="Content Placeholder 2">
             <a:extLst>
               <a:ext uri="{FF2B5EF4-FFF2-40B4-BE49-F238E27FC236}">
-                <a16:creationId xmlns="" xmlns:a16="http://schemas.microsoft.com/office/drawing/2014/main" id="{F66CA81D-1701-4C2D-AE08-277C299D9B85}"/>
+                <a16:creationId xmlns:a16="http://schemas.microsoft.com/office/drawing/2014/main" xmlns="" id="{F66CA81D-1701-4C2D-AE08-277C299D9B85}"/>
               </a:ext>
             </a:extLst>
           </p:cNvPr>
@@ -4867,7 +4622,7 @@
           <p:cNvPr id="2" name="Title 1">
             <a:extLst>
               <a:ext uri="{FF2B5EF4-FFF2-40B4-BE49-F238E27FC236}">
-                <a16:creationId xmlns="" xmlns:a16="http://schemas.microsoft.com/office/drawing/2014/main" id="{CA344CBA-FB2B-44A2-9612-01FA04D41200}"/>
+                <a16:creationId xmlns:a16="http://schemas.microsoft.com/office/drawing/2014/main" xmlns="" id="{CA344CBA-FB2B-44A2-9612-01FA04D41200}"/>
               </a:ext>
             </a:extLst>
           </p:cNvPr>
@@ -4900,7 +4655,7 @@
           <p:cNvPr id="3" name="Content Placeholder 2">
             <a:extLst>
               <a:ext uri="{FF2B5EF4-FFF2-40B4-BE49-F238E27FC236}">
-                <a16:creationId xmlns="" xmlns:a16="http://schemas.microsoft.com/office/drawing/2014/main" id="{F66CA81D-1701-4C2D-AE08-277C299D9B85}"/>
+                <a16:creationId xmlns:a16="http://schemas.microsoft.com/office/drawing/2014/main" xmlns="" id="{F66CA81D-1701-4C2D-AE08-277C299D9B85}"/>
               </a:ext>
             </a:extLst>
           </p:cNvPr>
@@ -4971,7 +4726,7 @@
           <p:cNvPr id="4" name="Table 5">
             <a:extLst>
               <a:ext uri="{FF2B5EF4-FFF2-40B4-BE49-F238E27FC236}">
-                <a16:creationId xmlns="" xmlns:a16="http://schemas.microsoft.com/office/drawing/2014/main" id="{CDC58BF9-8AD2-4729-BE3A-21FCD6C8C86A}"/>
+                <a16:creationId xmlns:a16="http://schemas.microsoft.com/office/drawing/2014/main" xmlns="" id="{CDC58BF9-8AD2-4729-BE3A-21FCD6C8C86A}"/>
               </a:ext>
             </a:extLst>
           </p:cNvPr>
@@ -4981,14 +4736,14 @@
           <p:nvPr>
             <p:extLst>
               <p:ext uri="{D42A27DB-BD31-4B8C-83A1-F6EECF244321}">
-                <p14:modId xmlns:p14="http://schemas.microsoft.com/office/powerpoint/2010/main" val="3501673298"/>
+                <p14:modId xmlns:p14="http://schemas.microsoft.com/office/powerpoint/2010/main" val="3773412770"/>
               </p:ext>
             </p:extLst>
           </p:nvPr>
         </p:nvGraphicFramePr>
         <p:xfrm>
-          <a:off x="416560" y="3005666"/>
-          <a:ext cx="10368280" cy="2966720"/>
+          <a:off x="403050" y="2951626"/>
+          <a:ext cx="6284902" cy="2595880"/>
         </p:xfrm>
         <a:graphic>
           <a:graphicData uri="http://schemas.openxmlformats.org/drawingml/2006/table">
@@ -4997,17 +4752,17 @@
                 <a:tableStyleId>{5C22544A-7EE6-4342-B048-85BDC9FD1C3A}</a:tableStyleId>
               </a:tblPr>
               <a:tblGrid>
-                <a:gridCol w="5191760">
+                <a:gridCol w="3147070">
                   <a:extLst>
                     <a:ext uri="{9D8B030D-6E8A-4147-A177-3AD203B41FA5}">
-                      <a16:colId xmlns="" xmlns:a16="http://schemas.microsoft.com/office/drawing/2014/main" val="2919214932"/>
+                      <a16:colId xmlns:a16="http://schemas.microsoft.com/office/drawing/2014/main" xmlns="" val="2919214932"/>
                     </a:ext>
                   </a:extLst>
                 </a:gridCol>
-                <a:gridCol w="5176520">
+                <a:gridCol w="3137832">
                   <a:extLst>
                     <a:ext uri="{9D8B030D-6E8A-4147-A177-3AD203B41FA5}">
-                      <a16:colId xmlns="" xmlns:a16="http://schemas.microsoft.com/office/drawing/2014/main" val="3416736214"/>
+                      <a16:colId xmlns:a16="http://schemas.microsoft.com/office/drawing/2014/main" xmlns="" val="3416736214"/>
                     </a:ext>
                   </a:extLst>
                 </a:gridCol>
@@ -5035,7 +4790,7 @@
                 </a:tc>
                 <a:extLst>
                   <a:ext uri="{0D108BD9-81ED-4DB2-BD59-A6C34878D82A}">
-                    <a16:rowId xmlns="" xmlns:a16="http://schemas.microsoft.com/office/drawing/2014/main" val="986129061"/>
+                    <a16:rowId xmlns:a16="http://schemas.microsoft.com/office/drawing/2014/main" xmlns="" val="986129061"/>
                   </a:ext>
                 </a:extLst>
               </a:tr>
@@ -5068,7 +4823,7 @@
                 </a:tc>
                 <a:extLst>
                   <a:ext uri="{0D108BD9-81ED-4DB2-BD59-A6C34878D82A}">
-                    <a16:rowId xmlns="" xmlns:a16="http://schemas.microsoft.com/office/drawing/2014/main" val="2923158457"/>
+                    <a16:rowId xmlns:a16="http://schemas.microsoft.com/office/drawing/2014/main" xmlns="" val="2923158457"/>
                   </a:ext>
                 </a:extLst>
               </a:tr>
@@ -5106,7 +4861,7 @@
                 </a:tc>
                 <a:extLst>
                   <a:ext uri="{0D108BD9-81ED-4DB2-BD59-A6C34878D82A}">
-                    <a16:rowId xmlns="" xmlns:a16="http://schemas.microsoft.com/office/drawing/2014/main" val="2759870889"/>
+                    <a16:rowId xmlns:a16="http://schemas.microsoft.com/office/drawing/2014/main" xmlns="" val="2759870889"/>
                   </a:ext>
                 </a:extLst>
               </a:tr>
@@ -5139,7 +4894,7 @@
                 </a:tc>
                 <a:extLst>
                   <a:ext uri="{0D108BD9-81ED-4DB2-BD59-A6C34878D82A}">
-                    <a16:rowId xmlns="" xmlns:a16="http://schemas.microsoft.com/office/drawing/2014/main" val="1675287206"/>
+                    <a16:rowId xmlns:a16="http://schemas.microsoft.com/office/drawing/2014/main" xmlns="" val="1675287206"/>
                   </a:ext>
                 </a:extLst>
               </a:tr>
@@ -5173,7 +4928,7 @@
                 </a:tc>
                 <a:extLst>
                   <a:ext uri="{0D108BD9-81ED-4DB2-BD59-A6C34878D82A}">
-                    <a16:rowId xmlns="" xmlns:a16="http://schemas.microsoft.com/office/drawing/2014/main" val="2602628322"/>
+                    <a16:rowId xmlns:a16="http://schemas.microsoft.com/office/drawing/2014/main" xmlns="" val="2602628322"/>
                   </a:ext>
                 </a:extLst>
               </a:tr>
@@ -5210,7 +4965,7 @@
                 </a:tc>
                 <a:extLst>
                   <a:ext uri="{0D108BD9-81ED-4DB2-BD59-A6C34878D82A}">
-                    <a16:rowId xmlns="" xmlns:a16="http://schemas.microsoft.com/office/drawing/2014/main" val="1328877814"/>
+                    <a16:rowId xmlns:a16="http://schemas.microsoft.com/office/drawing/2014/main" xmlns="" val="1328877814"/>
                   </a:ext>
                 </a:extLst>
               </a:tr>
@@ -5251,34 +5006,7 @@
                 </a:tc>
                 <a:extLst>
                   <a:ext uri="{0D108BD9-81ED-4DB2-BD59-A6C34878D82A}">
-                    <a16:rowId xmlns="" xmlns:a16="http://schemas.microsoft.com/office/drawing/2014/main" val="3507887961"/>
-                  </a:ext>
-                </a:extLst>
-              </a:tr>
-              <a:tr h="370840">
-                <a:tc>
-                  <a:txBody>
-                    <a:bodyPr/>
-                    <a:lstStyle/>
-                    <a:p>
-                      <a:endParaRPr lang="en-US" dirty="0"/>
-                    </a:p>
-                  </a:txBody>
-                  <a:tcPr/>
-                </a:tc>
-                <a:tc>
-                  <a:txBody>
-                    <a:bodyPr/>
-                    <a:lstStyle/>
-                    <a:p>
-                      <a:endParaRPr lang="en-US" dirty="0"/>
-                    </a:p>
-                  </a:txBody>
-                  <a:tcPr/>
-                </a:tc>
-                <a:extLst>
-                  <a:ext uri="{0D108BD9-81ED-4DB2-BD59-A6C34878D82A}">
-                    <a16:rowId xmlns="" xmlns:a16="http://schemas.microsoft.com/office/drawing/2014/main" val="3806960762"/>
+                    <a16:rowId xmlns:a16="http://schemas.microsoft.com/office/drawing/2014/main" xmlns="" val="3507887961"/>
                   </a:ext>
                 </a:extLst>
               </a:tr>
@@ -5286,6 +5014,71 @@
           </a:graphicData>
         </a:graphic>
       </p:graphicFrame>
+      <p:pic>
+        <p:nvPicPr>
+          <p:cNvPr id="5" name="Picture 4">
+            <a:extLst>
+              <a:ext uri="{FF2B5EF4-FFF2-40B4-BE49-F238E27FC236}">
+                <a16:creationId xmlns:a16="http://schemas.microsoft.com/office/drawing/2014/main" xmlns="" id="{EC9799C3-2B3D-4E11-B8E0-90B04A451CE9}"/>
+              </a:ext>
+            </a:extLst>
+          </p:cNvPr>
+          <p:cNvPicPr>
+            <a:picLocks noChangeAspect="1"/>
+          </p:cNvPicPr>
+          <p:nvPr/>
+        </p:nvPicPr>
+        <p:blipFill>
+          <a:blip r:embed="rId2"/>
+          <a:stretch>
+            <a:fillRect/>
+          </a:stretch>
+        </p:blipFill>
+        <p:spPr>
+          <a:xfrm>
+            <a:off x="6691528" y="2942229"/>
+            <a:ext cx="5261204" cy="3420968"/>
+          </a:xfrm>
+          <a:prstGeom prst="rect">
+            <a:avLst/>
+          </a:prstGeom>
+        </p:spPr>
+      </p:pic>
+      <p:sp>
+        <p:nvSpPr>
+          <p:cNvPr id="6" name="TextBox 5">
+            <a:extLst>
+              <a:ext uri="{FF2B5EF4-FFF2-40B4-BE49-F238E27FC236}">
+                <a16:creationId xmlns:a16="http://schemas.microsoft.com/office/drawing/2014/main" xmlns="" id="{D18CB254-BC4E-464E-8235-486086BBF8F6}"/>
+              </a:ext>
+            </a:extLst>
+          </p:cNvPr>
+          <p:cNvSpPr txBox="1"/>
+          <p:nvPr/>
+        </p:nvSpPr>
+        <p:spPr>
+          <a:xfrm>
+            <a:off x="8474293" y="3060778"/>
+            <a:ext cx="1657826" cy="261610"/>
+          </a:xfrm>
+          <a:prstGeom prst="rect">
+            <a:avLst/>
+          </a:prstGeom>
+          <a:noFill/>
+        </p:spPr>
+        <p:txBody>
+          <a:bodyPr wrap="none" rtlCol="0">
+            <a:spAutoFit/>
+          </a:bodyPr>
+          <a:lstStyle/>
+          <a:p>
+            <a:r>
+              <a:rPr lang="en-US" sz="1100" b="1" dirty="0"/>
+              <a:t>Number of cases by year</a:t>
+            </a:r>
+          </a:p>
+        </p:txBody>
+      </p:sp>
     </p:spTree>
     <p:extLst>
       <p:ext uri="{BB962C8B-B14F-4D97-AF65-F5344CB8AC3E}">
@@ -5321,7 +5114,7 @@
           <p:cNvPr id="2" name="Title 1">
             <a:extLst>
               <a:ext uri="{FF2B5EF4-FFF2-40B4-BE49-F238E27FC236}">
-                <a16:creationId xmlns="" xmlns:a16="http://schemas.microsoft.com/office/drawing/2014/main" id="{CA344CBA-FB2B-44A2-9612-01FA04D41200}"/>
+                <a16:creationId xmlns:a16="http://schemas.microsoft.com/office/drawing/2014/main" xmlns="" id="{CA344CBA-FB2B-44A2-9612-01FA04D41200}"/>
               </a:ext>
             </a:extLst>
           </p:cNvPr>
@@ -5344,7 +5137,7 @@
           <a:p>
             <a:r>
               <a:rPr lang="en-US" dirty="0"/>
-              <a:t>Exploratory Data Analysis</a:t>
+              <a:t>Preparing the data</a:t>
             </a:r>
           </a:p>
         </p:txBody>
@@ -5354,7 +5147,7 @@
           <p:cNvPr id="3" name="Content Placeholder 2">
             <a:extLst>
               <a:ext uri="{FF2B5EF4-FFF2-40B4-BE49-F238E27FC236}">
-                <a16:creationId xmlns="" xmlns:a16="http://schemas.microsoft.com/office/drawing/2014/main" id="{F66CA81D-1701-4C2D-AE08-277C299D9B85}"/>
+                <a16:creationId xmlns:a16="http://schemas.microsoft.com/office/drawing/2014/main" xmlns="" id="{F66CA81D-1701-4C2D-AE08-277C299D9B85}"/>
               </a:ext>
             </a:extLst>
           </p:cNvPr>
@@ -5368,7 +5161,7 @@
         <p:spPr>
           <a:xfrm>
             <a:off x="365760" y="1955800"/>
-            <a:ext cx="11394440" cy="4378959"/>
+            <a:ext cx="10896600" cy="4378959"/>
           </a:xfrm>
         </p:spPr>
         <p:txBody>
@@ -5380,86 +5173,95 @@
             <a:pPr marL="0" indent="0">
               <a:buNone/>
             </a:pPr>
-            <a:endParaRPr lang="en-US" sz="2400" dirty="0"/>
-          </a:p>
-          <a:p>
-            <a:pPr marL="0" indent="0">
-              <a:buNone/>
+            <a:r>
+              <a:rPr lang="en-US" sz="2500" dirty="0"/>
+              <a:t>The steps to prepare the data for our models:</a:t>
+            </a:r>
+          </a:p>
+          <a:p>
+            <a:pPr marL="457200" indent="-457200">
+              <a:buAutoNum type="arabicParenR"/>
             </a:pPr>
-            <a:endParaRPr lang="en-US" sz="2400" dirty="0"/>
-          </a:p>
-          <a:p>
-            <a:pPr marL="0" indent="0">
-              <a:buNone/>
+            <a:r>
+              <a:rPr lang="en-US" sz="2000" dirty="0" smtClean="0"/>
+              <a:t>Selected cases since 2008</a:t>
+            </a:r>
+            <a:endParaRPr lang="en-US" sz="2000" dirty="0"/>
+          </a:p>
+          <a:p>
+            <a:pPr marL="457200" indent="-457200">
+              <a:buAutoNum type="arabicParenR"/>
             </a:pPr>
             <a:r>
-              <a:rPr lang="en-US" sz="2500" dirty="0"/>
-              <a:t> </a:t>
-            </a:r>
-          </a:p>
-        </p:txBody>
-      </p:sp>
-      <p:pic>
-        <p:nvPicPr>
-          <p:cNvPr id="5" name="Picture 4">
-            <a:extLst>
-              <a:ext uri="{FF2B5EF4-FFF2-40B4-BE49-F238E27FC236}">
-                <a16:creationId xmlns="" xmlns:a16="http://schemas.microsoft.com/office/drawing/2014/main" id="{EC9799C3-2B3D-4E11-B8E0-90B04A451CE9}"/>
-              </a:ext>
-            </a:extLst>
-          </p:cNvPr>
-          <p:cNvPicPr>
-            <a:picLocks noChangeAspect="1"/>
-          </p:cNvPicPr>
-          <p:nvPr/>
-        </p:nvPicPr>
-        <p:blipFill>
-          <a:blip r:embed="rId2"/>
-          <a:stretch>
-            <a:fillRect/>
-          </a:stretch>
-        </p:blipFill>
-        <p:spPr>
-          <a:xfrm>
-            <a:off x="880427" y="2266731"/>
-            <a:ext cx="3295333" cy="2142709"/>
-          </a:xfrm>
-          <a:prstGeom prst="rect">
-            <a:avLst/>
-          </a:prstGeom>
-        </p:spPr>
-      </p:pic>
-      <p:sp>
-        <p:nvSpPr>
-          <p:cNvPr id="6" name="TextBox 5">
-            <a:extLst>
-              <a:ext uri="{FF2B5EF4-FFF2-40B4-BE49-F238E27FC236}">
-                <a16:creationId xmlns="" xmlns:a16="http://schemas.microsoft.com/office/drawing/2014/main" id="{D18CB254-BC4E-464E-8235-486086BBF8F6}"/>
-              </a:ext>
-            </a:extLst>
-          </p:cNvPr>
-          <p:cNvSpPr txBox="1"/>
-          <p:nvPr/>
-        </p:nvSpPr>
-        <p:spPr>
-          <a:xfrm>
-            <a:off x="1097280" y="2020510"/>
-            <a:ext cx="1657826" cy="261610"/>
-          </a:xfrm>
-          <a:prstGeom prst="rect">
-            <a:avLst/>
-          </a:prstGeom>
-          <a:noFill/>
-        </p:spPr>
-        <p:txBody>
-          <a:bodyPr wrap="none" rtlCol="0">
-            <a:spAutoFit/>
-          </a:bodyPr>
-          <a:lstStyle/>
-          <a:p>
-            <a:r>
-              <a:rPr lang="en-US" sz="1100" b="1" dirty="0"/>
-              <a:t>Number of cases by year</a:t>
+              <a:rPr lang="en-US" sz="2000" dirty="0" smtClean="0"/>
+              <a:t>Extract majority </a:t>
+            </a:r>
+            <a:r>
+              <a:rPr lang="en-US" sz="2000" dirty="0"/>
+              <a:t>opinion </a:t>
+            </a:r>
+            <a:r>
+              <a:rPr lang="en-US" sz="2000" dirty="0" smtClean="0"/>
+              <a:t>and headnotes </a:t>
+            </a:r>
+            <a:r>
+              <a:rPr lang="en-US" sz="2000" dirty="0"/>
+              <a:t>from </a:t>
+            </a:r>
+            <a:r>
+              <a:rPr lang="en-US" sz="2000" dirty="0" err="1"/>
+              <a:t>casebody.data</a:t>
+            </a:r>
+            <a:endParaRPr lang="en-US" sz="2000" dirty="0"/>
+          </a:p>
+          <a:p>
+            <a:pPr marL="457200" indent="-457200">
+              <a:buAutoNum type="arabicParenR"/>
+            </a:pPr>
+            <a:r>
+              <a:rPr lang="en-US" sz="2000" dirty="0" smtClean="0"/>
+              <a:t>Removed ‘\n’ from </a:t>
+            </a:r>
+            <a:r>
+              <a:rPr lang="en-US" sz="2000" smtClean="0"/>
+              <a:t>the opinions</a:t>
+            </a:r>
+            <a:endParaRPr lang="en-US" sz="2000" dirty="0"/>
+          </a:p>
+          <a:p>
+            <a:pPr marL="457200" indent="-457200">
+              <a:buAutoNum type="arabicParenR"/>
+            </a:pPr>
+            <a:r>
+              <a:rPr lang="en-US" sz="2000" dirty="0"/>
+              <a:t>Save data where length of headnotes &gt; 150 and opinion is larger than the headnotes</a:t>
+            </a:r>
+          </a:p>
+          <a:p>
+            <a:pPr marL="457200" indent="-457200">
+              <a:buAutoNum type="arabicParenR"/>
+            </a:pPr>
+            <a:r>
+              <a:rPr lang="en-US" sz="2000" dirty="0"/>
+              <a:t>Tokenize the headnotes and opinions</a:t>
+            </a:r>
+          </a:p>
+          <a:p>
+            <a:pPr marL="457200" indent="-457200">
+              <a:buAutoNum type="arabicParenR"/>
+            </a:pPr>
+            <a:r>
+              <a:rPr lang="en-US" sz="2000" dirty="0"/>
+              <a:t>Preprocess using Bert preprocessor to label opinions. </a:t>
+            </a:r>
+          </a:p>
+          <a:p>
+            <a:pPr marL="457200" indent="-457200">
+              <a:buAutoNum type="arabicParenR"/>
+            </a:pPr>
+            <a:r>
+              <a:rPr lang="en-US" sz="2000" dirty="0"/>
+              <a:t>Split data into training testing and validation sets</a:t>
             </a:r>
           </a:p>
         </p:txBody>
@@ -5467,7 +5269,7 @@
     </p:spTree>
     <p:extLst>
       <p:ext uri="{BB962C8B-B14F-4D97-AF65-F5344CB8AC3E}">
-        <p14:creationId xmlns:p14="http://schemas.microsoft.com/office/powerpoint/2010/main" val="2751634165"/>
+        <p14:creationId xmlns:p14="http://schemas.microsoft.com/office/powerpoint/2010/main" val="1791440519"/>
       </p:ext>
     </p:extLst>
   </p:cSld>
@@ -5499,7 +5301,7 @@
           <p:cNvPr id="2" name="Title 1">
             <a:extLst>
               <a:ext uri="{FF2B5EF4-FFF2-40B4-BE49-F238E27FC236}">
-                <a16:creationId xmlns="" xmlns:a16="http://schemas.microsoft.com/office/drawing/2014/main" id="{CA344CBA-FB2B-44A2-9612-01FA04D41200}"/>
+                <a16:creationId xmlns:a16="http://schemas.microsoft.com/office/drawing/2014/main" xmlns="" id="{CA344CBA-FB2B-44A2-9612-01FA04D41200}"/>
               </a:ext>
             </a:extLst>
           </p:cNvPr>
@@ -5522,7 +5324,7 @@
           <a:p>
             <a:r>
               <a:rPr lang="en-US" dirty="0"/>
-              <a:t>Preparing the data</a:t>
+              <a:t>Steps for labeling data</a:t>
             </a:r>
           </a:p>
         </p:txBody>
@@ -5532,7 +5334,7 @@
           <p:cNvPr id="3" name="Content Placeholder 2">
             <a:extLst>
               <a:ext uri="{FF2B5EF4-FFF2-40B4-BE49-F238E27FC236}">
-                <a16:creationId xmlns="" xmlns:a16="http://schemas.microsoft.com/office/drawing/2014/main" id="{F66CA81D-1701-4C2D-AE08-277C299D9B85}"/>
+                <a16:creationId xmlns:a16="http://schemas.microsoft.com/office/drawing/2014/main" xmlns="" id="{F66CA81D-1701-4C2D-AE08-277C299D9B85}"/>
               </a:ext>
             </a:extLst>
           </p:cNvPr>
@@ -5559,7 +5361,7 @@
               <a:buNone/>
             </a:pPr>
             <a:r>
-              <a:rPr lang="en-US" sz="2500" dirty="0"/>
+              <a:rPr lang="en-US" sz="1800" dirty="0"/>
               <a:t>The steps to prepare the data for our models:</a:t>
             </a:r>
           </a:p>
@@ -5568,97 +5370,95 @@
               <a:buAutoNum type="arabicParenR"/>
             </a:pPr>
             <a:r>
-              <a:rPr lang="en-US" sz="2000" dirty="0" smtClean="0"/>
-              <a:t>Selected cases since 2008</a:t>
-            </a:r>
-            <a:endParaRPr lang="en-US" sz="2000" dirty="0"/>
+              <a:rPr lang="en-US" sz="1800" dirty="0"/>
+              <a:t>For each sentence in opinion and compare it to the sentences in the headnotes. </a:t>
+            </a:r>
           </a:p>
           <a:p>
             <a:pPr marL="457200" indent="-457200">
               <a:buAutoNum type="arabicParenR"/>
             </a:pPr>
             <a:r>
-              <a:rPr lang="en-US" sz="2000" dirty="0" smtClean="0"/>
-              <a:t>Extract majority </a:t>
-            </a:r>
-            <a:r>
-              <a:rPr lang="en-US" sz="2000" dirty="0"/>
-              <a:t>opinion </a:t>
-            </a:r>
-            <a:r>
-              <a:rPr lang="en-US" sz="2000" dirty="0" smtClean="0"/>
-              <a:t>and </a:t>
-            </a:r>
-            <a:r>
-              <a:rPr lang="en-US" sz="2000" dirty="0" smtClean="0"/>
-              <a:t>headnotes </a:t>
-            </a:r>
-            <a:r>
-              <a:rPr lang="en-US" sz="2000" dirty="0"/>
-              <a:t>from </a:t>
-            </a:r>
-            <a:r>
-              <a:rPr lang="en-US" sz="2000" dirty="0" err="1"/>
-              <a:t>casebody.data</a:t>
-            </a:r>
-            <a:endParaRPr lang="en-US" sz="2000" dirty="0"/>
+              <a:rPr lang="en-US" sz="1800" dirty="0"/>
+              <a:t>If the sentence increases the rouge score, select the sentence for the summary. </a:t>
+            </a:r>
           </a:p>
           <a:p>
             <a:pPr marL="457200" indent="-457200">
               <a:buAutoNum type="arabicParenR"/>
             </a:pPr>
             <a:r>
-              <a:rPr lang="en-US" sz="2000" dirty="0" smtClean="0"/>
-              <a:t>Removed ‘\n’ from </a:t>
-            </a:r>
-            <a:r>
-              <a:rPr lang="en-US" sz="2000" smtClean="0"/>
-              <a:t>the opinions</a:t>
-            </a:r>
-            <a:endParaRPr lang="en-US" sz="2000" dirty="0"/>
+              <a:rPr lang="en-US" sz="1800" dirty="0"/>
+              <a:t>Label the tokenized opinion so that the sentences that are selected have a label of 1 and the sentence that is not selected has a label of 0</a:t>
+            </a:r>
           </a:p>
           <a:p>
             <a:pPr marL="457200" indent="-457200">
               <a:buAutoNum type="arabicParenR"/>
             </a:pPr>
             <a:r>
-              <a:rPr lang="en-US" sz="2000" dirty="0"/>
-              <a:t>Save data where length of headnotes &gt; 150 and opinion is larger than the headnotes</a:t>
-            </a:r>
+              <a:rPr lang="en-US" sz="1800" dirty="0"/>
+              <a:t>Additional columns created are for each opinion</a:t>
+            </a:r>
+          </a:p>
+          <a:p>
+            <a:pPr marL="749808" lvl="1" indent="-457200">
+              <a:buFont typeface="Arial" panose="020B0604020202020204" pitchFamily="34" charset="0"/>
+              <a:buChar char="•"/>
+            </a:pPr>
+            <a:r>
+              <a:rPr lang="en-US" sz="1400" dirty="0"/>
+              <a:t>The starting index of each sentence</a:t>
+            </a:r>
+          </a:p>
+          <a:p>
+            <a:pPr marL="749808" lvl="1" indent="-457200">
+              <a:buFont typeface="Arial" panose="020B0604020202020204" pitchFamily="34" charset="0"/>
+              <a:buChar char="•"/>
+            </a:pPr>
+            <a:r>
+              <a:rPr lang="en-US" sz="1400" dirty="0"/>
+              <a:t>The rank of each word in an opinion</a:t>
+            </a:r>
+          </a:p>
+          <a:p>
+            <a:pPr marL="749808" lvl="1" indent="-457200">
+              <a:buFont typeface="Arial" panose="020B0604020202020204" pitchFamily="34" charset="0"/>
+              <a:buChar char="•"/>
+            </a:pPr>
+            <a:endParaRPr lang="en-US" sz="1400" dirty="0"/>
+          </a:p>
+          <a:p>
+            <a:pPr marL="749808" lvl="1" indent="-457200">
+              <a:buFont typeface="Arial" panose="020B0604020202020204" pitchFamily="34" charset="0"/>
+              <a:buChar char="•"/>
+            </a:pPr>
+            <a:endParaRPr lang="en-US" sz="1400" dirty="0"/>
           </a:p>
           <a:p>
             <a:pPr marL="457200" indent="-457200">
               <a:buAutoNum type="arabicParenR"/>
             </a:pPr>
-            <a:r>
-              <a:rPr lang="en-US" sz="2000" dirty="0"/>
-              <a:t>Tokenize the headnotes and opinions</a:t>
-            </a:r>
+            <a:endParaRPr lang="en-US" sz="1600" dirty="0"/>
           </a:p>
           <a:p>
             <a:pPr marL="457200" indent="-457200">
               <a:buAutoNum type="arabicParenR"/>
             </a:pPr>
-            <a:r>
-              <a:rPr lang="en-US" sz="2000" dirty="0"/>
-              <a:t>Preprocess using Bert preprocessor to label opinions. </a:t>
-            </a:r>
+            <a:endParaRPr lang="en-US" sz="2500" dirty="0"/>
           </a:p>
           <a:p>
             <a:pPr marL="457200" indent="-457200">
               <a:buAutoNum type="arabicParenR"/>
             </a:pPr>
-            <a:r>
-              <a:rPr lang="en-US" sz="2000" dirty="0"/>
-              <a:t>Split data into training testing and validation sets</a:t>
-            </a:r>
+            <a:endParaRPr lang="en-US" sz="2500" dirty="0"/>
           </a:p>
         </p:txBody>
       </p:sp>
     </p:spTree>
     <p:extLst>
       <p:ext uri="{BB962C8B-B14F-4D97-AF65-F5344CB8AC3E}">
-        <p14:creationId xmlns:p14="http://schemas.microsoft.com/office/powerpoint/2010/main" val="1791440519"/>
+        <p14:creationId xmlns:p14="http://schemas.microsoft.com/office/powerpoint/2010/main" val="407012818"/>
       </p:ext>
     </p:extLst>
   </p:cSld>
@@ -5690,7 +5490,7 @@
           <p:cNvPr id="2" name="Title 1">
             <a:extLst>
               <a:ext uri="{FF2B5EF4-FFF2-40B4-BE49-F238E27FC236}">
-                <a16:creationId xmlns="" xmlns:a16="http://schemas.microsoft.com/office/drawing/2014/main" id="{CA344CBA-FB2B-44A2-9612-01FA04D41200}"/>
+                <a16:creationId xmlns:a16="http://schemas.microsoft.com/office/drawing/2014/main" xmlns="" id="{CA344CBA-FB2B-44A2-9612-01FA04D41200}"/>
               </a:ext>
             </a:extLst>
           </p:cNvPr>
@@ -5701,19 +5501,14 @@
             <p:ph type="title"/>
           </p:nvPr>
         </p:nvSpPr>
-        <p:spPr>
-          <a:xfrm>
-            <a:off x="1097280" y="286603"/>
-            <a:ext cx="10058400" cy="1181517"/>
-          </a:xfrm>
-        </p:spPr>
+        <p:spPr/>
         <p:txBody>
           <a:bodyPr/>
           <a:lstStyle/>
           <a:p>
             <a:r>
               <a:rPr lang="en-US" dirty="0"/>
-              <a:t>Steps for labeling data</a:t>
+              <a:t>Types of Summarizations</a:t>
             </a:r>
           </a:p>
         </p:txBody>
@@ -5723,7 +5518,7 @@
           <p:cNvPr id="3" name="Content Placeholder 2">
             <a:extLst>
               <a:ext uri="{FF2B5EF4-FFF2-40B4-BE49-F238E27FC236}">
-                <a16:creationId xmlns="" xmlns:a16="http://schemas.microsoft.com/office/drawing/2014/main" id="{F66CA81D-1701-4C2D-AE08-277C299D9B85}"/>
+                <a16:creationId xmlns:a16="http://schemas.microsoft.com/office/drawing/2014/main" xmlns="" id="{F66CA81D-1701-4C2D-AE08-277C299D9B85}"/>
               </a:ext>
             </a:extLst>
           </p:cNvPr>
@@ -5734,120 +5529,46 @@
             <p:ph idx="1"/>
           </p:nvPr>
         </p:nvSpPr>
-        <p:spPr>
-          <a:xfrm>
-            <a:off x="365760" y="1955800"/>
-            <a:ext cx="10896600" cy="4378959"/>
-          </a:xfrm>
-        </p:spPr>
+        <p:spPr/>
         <p:txBody>
           <a:bodyPr>
             <a:normAutofit/>
           </a:bodyPr>
           <a:lstStyle/>
           <a:p>
-            <a:pPr marL="0" indent="0">
-              <a:buNone/>
-            </a:pPr>
-            <a:r>
-              <a:rPr lang="en-US" sz="1800" dirty="0"/>
-              <a:t>The steps to prepare the data for our models:</a:t>
+            <a:pPr lvl="0"/>
+            <a:r>
+              <a:rPr lang="en-US" b="1" dirty="0"/>
+              <a:t>Extraction-based summarization</a:t>
+            </a:r>
+            <a:r>
+              <a:rPr lang="en-US" dirty="0"/>
+              <a:t>: Content is extracted from original document and is not modified. This method will extract key phrases or sentences to form a summary. The summary generated by this method may not be the same format as a human might express  it and the sentences may appear disjointed</a:t>
+            </a:r>
+          </a:p>
+          <a:p>
+            <a:pPr lvl="0"/>
+            <a:r>
+              <a:rPr lang="en-US" b="1" dirty="0"/>
+              <a:t>Abstraction-based summarization</a:t>
+            </a:r>
+            <a:r>
+              <a:rPr lang="en-US" dirty="0"/>
+              <a:t>: Abstractive methods generate a summary based on internal semantic representation of the original content, closer to what a human might express. Abstraction may transform the extracted content. Such transformation are computationally very challenging  , involving both NLP (natural language processing) and a deep understanding of the document </a:t>
             </a:r>
           </a:p>
           <a:p>
             <a:pPr marL="457200" indent="-457200">
               <a:buAutoNum type="arabicParenR"/>
             </a:pPr>
-            <a:r>
-              <a:rPr lang="en-US" sz="1800" dirty="0"/>
-              <a:t>For each sentence in opinion and compare it to the sentences in the headnotes. </a:t>
-            </a:r>
-          </a:p>
-          <a:p>
-            <a:pPr marL="457200" indent="-457200">
-              <a:buAutoNum type="arabicParenR"/>
-            </a:pPr>
-            <a:r>
-              <a:rPr lang="en-US" sz="1800" dirty="0"/>
-              <a:t>If the sentence increases the rouge score, select the sentence for the summary. </a:t>
-            </a:r>
-          </a:p>
-          <a:p>
-            <a:pPr marL="457200" indent="-457200">
-              <a:buAutoNum type="arabicParenR"/>
-            </a:pPr>
-            <a:r>
-              <a:rPr lang="en-US" sz="1800" dirty="0"/>
-              <a:t>Label the tokenized opinion so that the sentences that are selected have a label of 1 and the sentence that is not selected has a label of 0</a:t>
-            </a:r>
-          </a:p>
-          <a:p>
-            <a:pPr marL="457200" indent="-457200">
-              <a:buAutoNum type="arabicParenR"/>
-            </a:pPr>
-            <a:r>
-              <a:rPr lang="en-US" sz="1800" dirty="0"/>
-              <a:t>Additional columns created are for each opinion</a:t>
-            </a:r>
-          </a:p>
-          <a:p>
-            <a:pPr marL="749808" lvl="1" indent="-457200">
-              <a:buFont typeface="Arial" panose="020B0604020202020204" pitchFamily="34" charset="0"/>
-              <a:buChar char="•"/>
-            </a:pPr>
-            <a:r>
-              <a:rPr lang="en-US" sz="1400" dirty="0"/>
-              <a:t>The starting index of each sentence</a:t>
-            </a:r>
-          </a:p>
-          <a:p>
-            <a:pPr marL="749808" lvl="1" indent="-457200">
-              <a:buFont typeface="Arial" panose="020B0604020202020204" pitchFamily="34" charset="0"/>
-              <a:buChar char="•"/>
-            </a:pPr>
-            <a:r>
-              <a:rPr lang="en-US" sz="1400" dirty="0"/>
-              <a:t>The rank of each word in an opinion</a:t>
-            </a:r>
-          </a:p>
-          <a:p>
-            <a:pPr marL="749808" lvl="1" indent="-457200">
-              <a:buFont typeface="Arial" panose="020B0604020202020204" pitchFamily="34" charset="0"/>
-              <a:buChar char="•"/>
-            </a:pPr>
-            <a:endParaRPr lang="en-US" sz="1400" dirty="0"/>
-          </a:p>
-          <a:p>
-            <a:pPr marL="749808" lvl="1" indent="-457200">
-              <a:buFont typeface="Arial" panose="020B0604020202020204" pitchFamily="34" charset="0"/>
-              <a:buChar char="•"/>
-            </a:pPr>
-            <a:endParaRPr lang="en-US" sz="1400" dirty="0"/>
-          </a:p>
-          <a:p>
-            <a:pPr marL="457200" indent="-457200">
-              <a:buAutoNum type="arabicParenR"/>
-            </a:pPr>
-            <a:endParaRPr lang="en-US" sz="1600" dirty="0"/>
-          </a:p>
-          <a:p>
-            <a:pPr marL="457200" indent="-457200">
-              <a:buAutoNum type="arabicParenR"/>
-            </a:pPr>
-            <a:endParaRPr lang="en-US" sz="2500" dirty="0"/>
-          </a:p>
-          <a:p>
-            <a:pPr marL="457200" indent="-457200">
-              <a:buAutoNum type="arabicParenR"/>
-            </a:pPr>
-            <a:endParaRPr lang="en-US" sz="2500" dirty="0"/>
+            <a:endParaRPr lang="en-US" dirty="0"/>
           </a:p>
         </p:txBody>
       </p:sp>
     </p:spTree>
     <p:extLst>
       <p:ext uri="{BB962C8B-B14F-4D97-AF65-F5344CB8AC3E}">
-        <p14:creationId xmlns:p14="http://schemas.microsoft.com/office/powerpoint/2010/main" val="407012818"/>
+        <p14:creationId xmlns:p14="http://schemas.microsoft.com/office/powerpoint/2010/main" val="1897433995"/>
       </p:ext>
     </p:extLst>
   </p:cSld>
@@ -5879,7 +5600,7 @@
           <p:cNvPr id="2" name="Title 1">
             <a:extLst>
               <a:ext uri="{FF2B5EF4-FFF2-40B4-BE49-F238E27FC236}">
-                <a16:creationId xmlns="" xmlns:a16="http://schemas.microsoft.com/office/drawing/2014/main" id="{CA344CBA-FB2B-44A2-9612-01FA04D41200}"/>
+                <a16:creationId xmlns:a16="http://schemas.microsoft.com/office/drawing/2014/main" xmlns="" id="{CA344CBA-FB2B-44A2-9612-01FA04D41200}"/>
               </a:ext>
             </a:extLst>
           </p:cNvPr>
@@ -5896,9 +5617,10 @@
           <a:lstStyle/>
           <a:p>
             <a:r>
-              <a:rPr lang="en-US" dirty="0"/>
-              <a:t>Types of Summarizations</a:t>
-            </a:r>
+              <a:rPr lang="en-US"/>
+              <a:t>Our Research</a:t>
+            </a:r>
+            <a:endParaRPr lang="en-US" dirty="0"/>
           </a:p>
         </p:txBody>
       </p:sp>
@@ -5907,7 +5629,7 @@
           <p:cNvPr id="3" name="Content Placeholder 2">
             <a:extLst>
               <a:ext uri="{FF2B5EF4-FFF2-40B4-BE49-F238E27FC236}">
-                <a16:creationId xmlns="" xmlns:a16="http://schemas.microsoft.com/office/drawing/2014/main" id="{F66CA81D-1701-4C2D-AE08-277C299D9B85}"/>
+                <a16:creationId xmlns:a16="http://schemas.microsoft.com/office/drawing/2014/main" xmlns="" id="{F66CA81D-1701-4C2D-AE08-277C299D9B85}"/>
               </a:ext>
             </a:extLst>
           </p:cNvPr>
@@ -5925,26 +5647,84 @@
           </a:bodyPr>
           <a:lstStyle/>
           <a:p>
-            <a:pPr lvl="0"/>
+            <a:pPr marL="0" indent="0">
+              <a:buNone/>
+            </a:pPr>
+            <a:r>
+              <a:rPr lang="en-US" sz="2000" dirty="0"/>
+              <a:t>We searched for existing models that generate summaries based on the following criteria</a:t>
+            </a:r>
+            <a:endParaRPr lang="en-US" sz="4800" dirty="0"/>
+          </a:p>
+          <a:p>
+            <a:pPr>
+              <a:buFont typeface="Wingdings" panose="05000000000000000000" pitchFamily="2" charset="2"/>
+              <a:buChar char="§"/>
+            </a:pPr>
+            <a:r>
+              <a:rPr lang="en-US" dirty="0"/>
+              <a:t>Generate Extractive summaries since they can generate semantically and grammatically correct sentences these models need less resources and understanding of the domain.</a:t>
+            </a:r>
+          </a:p>
+          <a:p>
+            <a:pPr>
+              <a:buFont typeface="Wingdings" panose="05000000000000000000" pitchFamily="2" charset="2"/>
+              <a:buChar char="§"/>
+            </a:pPr>
+            <a:r>
+              <a:rPr lang="en-US" dirty="0"/>
+              <a:t>Summarize  long documents </a:t>
+            </a:r>
+          </a:p>
+          <a:p>
+            <a:pPr>
+              <a:buFont typeface="Wingdings" panose="05000000000000000000" pitchFamily="2" charset="2"/>
+              <a:buChar char="§"/>
+            </a:pPr>
+            <a:r>
+              <a:rPr lang="en-US" dirty="0"/>
+              <a:t>Perform well as measured by the </a:t>
+            </a:r>
             <a:r>
               <a:rPr lang="en-US" b="1" dirty="0"/>
-              <a:t>Extraction-based summarization</a:t>
+              <a:t>ROGUE</a:t>
             </a:r>
             <a:r>
               <a:rPr lang="en-US" dirty="0"/>
-              <a:t>: Content is extracted from original document and is not modified. This method will extract key phrases or sentences to form a summary. The summary generated by this method may not be the same format as a human might express  it and the sentences may appear disjointed</a:t>
-            </a:r>
-          </a:p>
-          <a:p>
-            <a:pPr lvl="0"/>
+              <a:t> (</a:t>
+            </a:r>
             <a:r>
               <a:rPr lang="en-US" b="1" dirty="0"/>
-              <a:t>Abstraction-based summarization</a:t>
+              <a:t>Recall-Oriented Understudy for </a:t>
+            </a:r>
+            <a:r>
+              <a:rPr lang="en-US" b="1" dirty="0" err="1"/>
+              <a:t>Gisting</a:t>
+            </a:r>
+            <a:r>
+              <a:rPr lang="en-US" b="1" dirty="0"/>
+              <a:t> Evaluation) Metric</a:t>
             </a:r>
             <a:r>
               <a:rPr lang="en-US" dirty="0"/>
-              <a:t>: Abstractive methods generate a summary based on internal semantic representation of the original content, closer to what a human might express. Abstraction may transform the extracted content. Such transformation are computationally very challenging  , involving both NLP (natural language processing) and a deep understanding of the document </a:t>
-            </a:r>
+              <a:t> Score. </a:t>
+            </a:r>
+          </a:p>
+          <a:p>
+            <a:pPr>
+              <a:buFont typeface="Wingdings" panose="05000000000000000000" pitchFamily="2" charset="2"/>
+              <a:buChar char="§"/>
+            </a:pPr>
+            <a:r>
+              <a:rPr lang="en-US" dirty="0"/>
+              <a:t>Can be implemented in the given time constraint</a:t>
+            </a:r>
+          </a:p>
+          <a:p>
+            <a:pPr marL="457200" indent="-457200">
+              <a:buAutoNum type="arabicParenR" startAt="3"/>
+            </a:pPr>
+            <a:endParaRPr lang="en-US" dirty="0"/>
           </a:p>
           <a:p>
             <a:pPr marL="457200" indent="-457200">
@@ -5957,7 +5737,7 @@
     </p:spTree>
     <p:extLst>
       <p:ext uri="{BB962C8B-B14F-4D97-AF65-F5344CB8AC3E}">
-        <p14:creationId xmlns:p14="http://schemas.microsoft.com/office/powerpoint/2010/main" val="1897433995"/>
+        <p14:creationId xmlns:p14="http://schemas.microsoft.com/office/powerpoint/2010/main" val="2529450920"/>
       </p:ext>
     </p:extLst>
   </p:cSld>
@@ -5989,7 +5769,7 @@
           <p:cNvPr id="2" name="Title 1">
             <a:extLst>
               <a:ext uri="{FF2B5EF4-FFF2-40B4-BE49-F238E27FC236}">
-                <a16:creationId xmlns="" xmlns:a16="http://schemas.microsoft.com/office/drawing/2014/main" id="{CA344CBA-FB2B-44A2-9612-01FA04D41200}"/>
+                <a16:creationId xmlns:a16="http://schemas.microsoft.com/office/drawing/2014/main" xmlns="" id="{CA344CBA-FB2B-44A2-9612-01FA04D41200}"/>
               </a:ext>
             </a:extLst>
           </p:cNvPr>
@@ -6000,16 +5780,20 @@
             <p:ph type="title"/>
           </p:nvPr>
         </p:nvSpPr>
-        <p:spPr/>
+        <p:spPr>
+          <a:xfrm>
+            <a:off x="1097280" y="286603"/>
+            <a:ext cx="10058400" cy="1181517"/>
+          </a:xfrm>
+        </p:spPr>
         <p:txBody>
           <a:bodyPr/>
           <a:lstStyle/>
           <a:p>
             <a:r>
-              <a:rPr lang="en-US"/>
+              <a:rPr lang="en-US" dirty="0"/>
               <a:t>Our Research</a:t>
             </a:r>
-            <a:endParaRPr lang="en-US" dirty="0"/>
           </a:p>
         </p:txBody>
       </p:sp>
@@ -6018,7 +5802,7 @@
           <p:cNvPr id="3" name="Content Placeholder 2">
             <a:extLst>
               <a:ext uri="{FF2B5EF4-FFF2-40B4-BE49-F238E27FC236}">
-                <a16:creationId xmlns="" xmlns:a16="http://schemas.microsoft.com/office/drawing/2014/main" id="{F66CA81D-1701-4C2D-AE08-277C299D9B85}"/>
+                <a16:creationId xmlns:a16="http://schemas.microsoft.com/office/drawing/2014/main" xmlns="" id="{F66CA81D-1701-4C2D-AE08-277C299D9B85}"/>
               </a:ext>
             </a:extLst>
           </p:cNvPr>
@@ -6029,7 +5813,12 @@
             <p:ph idx="1"/>
           </p:nvPr>
         </p:nvSpPr>
-        <p:spPr/>
+        <p:spPr>
+          <a:xfrm>
+            <a:off x="365760" y="1955800"/>
+            <a:ext cx="10789920" cy="4378959"/>
+          </a:xfrm>
+        </p:spPr>
         <p:txBody>
           <a:bodyPr>
             <a:normAutofit/>
@@ -6040,93 +5829,56 @@
               <a:buNone/>
             </a:pPr>
             <a:r>
-              <a:rPr lang="en-US" sz="2000" dirty="0"/>
-              <a:t>We searched for existing models that generate summaries based on the following criteria</a:t>
-            </a:r>
-            <a:endParaRPr lang="en-US" sz="4800" dirty="0"/>
-          </a:p>
-          <a:p>
-            <a:pPr>
-              <a:buFont typeface="Wingdings" panose="05000000000000000000" pitchFamily="2" charset="2"/>
-              <a:buChar char="§"/>
+              <a:rPr lang="en-US" sz="2500" dirty="0"/>
+              <a:t>The models we researched are</a:t>
+            </a:r>
+          </a:p>
+          <a:p>
+            <a:pPr marL="0" indent="0">
+              <a:buNone/>
             </a:pPr>
             <a:r>
+              <a:rPr lang="en-US" dirty="0">
+                <a:hlinkClick r:id="rId2"/>
+              </a:rPr>
+              <a:t>Text Summarization with Pretrained Encoders</a:t>
+            </a:r>
+            <a:r>
+              <a:rPr lang="en-US" sz="2500" dirty="0"/>
+              <a:t>: </a:t>
+            </a:r>
+            <a:r>
               <a:rPr lang="en-US" dirty="0"/>
-              <a:t>Generate Extractive summaries since they can generate semantically and grammatically correct sentences these models need less resources and understanding of the domain.</a:t>
-            </a:r>
-          </a:p>
-          <a:p>
-            <a:pPr>
-              <a:buFont typeface="Wingdings" panose="05000000000000000000" pitchFamily="2" charset="2"/>
-              <a:buChar char="§"/>
+              <a:t>Bidirectional Encoder Representations from Transformers (BERT; Devlin et al. 2019) represents a pretrained language models which have recently advanced a wide range of natural language processing tasks. </a:t>
+            </a:r>
+          </a:p>
+          <a:p>
+            <a:pPr marL="0" indent="0">
+              <a:buNone/>
             </a:pPr>
             <a:r>
               <a:rPr lang="en-US" dirty="0"/>
-              <a:t>Summarize  long documents </a:t>
-            </a:r>
-          </a:p>
-          <a:p>
-            <a:pPr>
-              <a:buFont typeface="Wingdings" panose="05000000000000000000" pitchFamily="2" charset="2"/>
-              <a:buChar char="§"/>
-            </a:pPr>
+              <a:t>This model uses BERT for text summarization and propose a general framework for extractive models. This is a document-level encoder based on BERT which is able to express the semantics of a document and obtain representations for its sentences. Several inter sentence transformer layers are stacked over the </a:t>
+            </a:r>
+            <a:r>
+              <a:rPr lang="en-US" dirty="0">
+                <a:solidFill>
+                  <a:srgbClr val="FF0000"/>
+                </a:solidFill>
+              </a:rPr>
+              <a:t>BERY</a:t>
+            </a:r>
             <a:r>
               <a:rPr lang="en-US" dirty="0"/>
-              <a:t>Perform well as measured by the </a:t>
-            </a:r>
-            <a:r>
-              <a:rPr lang="en-US" b="1" dirty="0"/>
-              <a:t>ROGUE</a:t>
-            </a:r>
-            <a:r>
-              <a:rPr lang="en-US" dirty="0"/>
-              <a:t> (</a:t>
-            </a:r>
-            <a:r>
-              <a:rPr lang="en-US" b="1" dirty="0"/>
-              <a:t>Recall-Oriented Understudy for </a:t>
-            </a:r>
-            <a:r>
-              <a:rPr lang="en-US" b="1" dirty="0" err="1"/>
-              <a:t>Gisting</a:t>
-            </a:r>
-            <a:r>
-              <a:rPr lang="en-US" b="1" dirty="0"/>
-              <a:t> Evaluation) Metric</a:t>
-            </a:r>
-            <a:r>
-              <a:rPr lang="en-US" dirty="0"/>
-              <a:t> Score. </a:t>
-            </a:r>
-          </a:p>
-          <a:p>
-            <a:pPr>
-              <a:buFont typeface="Wingdings" panose="05000000000000000000" pitchFamily="2" charset="2"/>
-              <a:buChar char="§"/>
-            </a:pPr>
-            <a:r>
-              <a:rPr lang="en-US" dirty="0"/>
-              <a:t>Can be implemented in the given time constraint</a:t>
-            </a:r>
-          </a:p>
-          <a:p>
-            <a:pPr marL="457200" indent="-457200">
-              <a:buAutoNum type="arabicParenR" startAt="3"/>
-            </a:pPr>
-            <a:endParaRPr lang="en-US" dirty="0"/>
-          </a:p>
-          <a:p>
-            <a:pPr marL="457200" indent="-457200">
-              <a:buAutoNum type="arabicParenR"/>
-            </a:pPr>
-            <a:endParaRPr lang="en-US" dirty="0"/>
+              <a:t> encoder.</a:t>
+            </a:r>
           </a:p>
         </p:txBody>
       </p:sp>
     </p:spTree>
     <p:extLst>
       <p:ext uri="{BB962C8B-B14F-4D97-AF65-F5344CB8AC3E}">
-        <p14:creationId xmlns:p14="http://schemas.microsoft.com/office/powerpoint/2010/main" val="2529450920"/>
+        <p14:creationId xmlns:p14="http://schemas.microsoft.com/office/powerpoint/2010/main" val="1008779348"/>
       </p:ext>
     </p:extLst>
   </p:cSld>
@@ -6158,7 +5910,7 @@
           <p:cNvPr id="2" name="Title 1">
             <a:extLst>
               <a:ext uri="{FF2B5EF4-FFF2-40B4-BE49-F238E27FC236}">
-                <a16:creationId xmlns="" xmlns:a16="http://schemas.microsoft.com/office/drawing/2014/main" id="{CA344CBA-FB2B-44A2-9612-01FA04D41200}"/>
+                <a16:creationId xmlns:a16="http://schemas.microsoft.com/office/drawing/2014/main" xmlns="" id="{CA344CBA-FB2B-44A2-9612-01FA04D41200}"/>
               </a:ext>
             </a:extLst>
           </p:cNvPr>
@@ -6191,7 +5943,7 @@
           <p:cNvPr id="3" name="Content Placeholder 2">
             <a:extLst>
               <a:ext uri="{FF2B5EF4-FFF2-40B4-BE49-F238E27FC236}">
-                <a16:creationId xmlns="" xmlns:a16="http://schemas.microsoft.com/office/drawing/2014/main" id="{F66CA81D-1701-4C2D-AE08-277C299D9B85}"/>
+                <a16:creationId xmlns:a16="http://schemas.microsoft.com/office/drawing/2014/main" xmlns="" id="{F66CA81D-1701-4C2D-AE08-277C299D9B85}"/>
               </a:ext>
             </a:extLst>
           </p:cNvPr>
@@ -6205,12 +5957,12 @@
         <p:spPr>
           <a:xfrm>
             <a:off x="365760" y="1955800"/>
-            <a:ext cx="10789920" cy="4378959"/>
+            <a:ext cx="7487920" cy="4378959"/>
           </a:xfrm>
         </p:spPr>
         <p:txBody>
           <a:bodyPr>
-            <a:normAutofit/>
+            <a:normAutofit fontScale="62500" lnSpcReduction="20000"/>
           </a:bodyPr>
           <a:lstStyle/>
           <a:p>
@@ -6218,56 +5970,159 @@
               <a:buNone/>
             </a:pPr>
             <a:r>
-              <a:rPr lang="en-US" sz="2500" dirty="0"/>
-              <a:t>The models we researched are</a:t>
-            </a:r>
-          </a:p>
-          <a:p>
-            <a:pPr marL="0" indent="0">
-              <a:buNone/>
-            </a:pPr>
-            <a:r>
-              <a:rPr lang="en-US" dirty="0">
+              <a:rPr lang="en-US" sz="2500" dirty="0">
                 <a:hlinkClick r:id="rId2"/>
               </a:rPr>
-              <a:t>Text Summarization with Pretrained Encoders</a:t>
+              <a:t>Extractive Summarization as Text Matching</a:t>
             </a:r>
             <a:r>
               <a:rPr lang="en-US" sz="2500" dirty="0"/>
-              <a:t>: </a:t>
+              <a:t>: Most extractive summarization systems extract sentences one by one from the original text, model the relationship between the sentences , and then select several sentences to form a summary. and may not  consider the semantics of the entire summary. </a:t>
+            </a:r>
+          </a:p>
+          <a:p>
+            <a:pPr marL="0" indent="0">
+              <a:buNone/>
+            </a:pPr>
+            <a:r>
+              <a:rPr lang="en-US" sz="2500" dirty="0"/>
+              <a:t>This method performs Semantic text matching to estimate semantic similarity between a source and a target text fragment. It is trained on the CNN/ Daily Mail dataset and uses a Siamese-BERT(Bidirectional Encoder Representations from Transformers</a:t>
             </a:r>
             <a:r>
               <a:rPr lang="en-US" dirty="0"/>
-              <a:t>Bidirectional Encoder Representations from Transformers (BERT; Devlin et al. 2019) represents a pretrained language models which have recently advanced a wide range of natural language processing tasks. </a:t>
-            </a:r>
-          </a:p>
-          <a:p>
-            <a:pPr marL="0" indent="0">
-              <a:buNone/>
-            </a:pPr>
-            <a:r>
-              <a:rPr lang="en-US" dirty="0"/>
-              <a:t>This model uses BERT for text summarization and propose a general framework for extractive models. This is a document-level encoder based on BERT which is able to express the semantics of a document and obtain representations for its sentences. Several inter sentence transformer layers are stacked over the </a:t>
-            </a:r>
-            <a:r>
-              <a:rPr lang="en-US" dirty="0">
+              <a:t>) </a:t>
+            </a:r>
+            <a:r>
+              <a:rPr lang="en-US" sz="2500" dirty="0"/>
+              <a:t>architecture to compute the similarity between several candidate summaries to the source document and </a:t>
+            </a:r>
+            <a:r>
+              <a:rPr lang="en-US" sz="2500" dirty="0" err="1">
                 <a:solidFill>
                   <a:srgbClr val="FF0000"/>
                 </a:solidFill>
               </a:rPr>
-              <a:t>BERY</a:t>
-            </a:r>
-            <a:r>
-              <a:rPr lang="en-US" dirty="0"/>
-              <a:t> encoder.</a:t>
-            </a:r>
+              <a:t>seledt</a:t>
+            </a:r>
+            <a:r>
+              <a:rPr lang="en-US" sz="2500" dirty="0">
+                <a:solidFill>
+                  <a:srgbClr val="FF0000"/>
+                </a:solidFill>
+              </a:rPr>
+              <a:t> </a:t>
+            </a:r>
+            <a:r>
+              <a:rPr lang="en-US" sz="2500" dirty="0"/>
+              <a:t>the best candidate summary.  </a:t>
+            </a:r>
+          </a:p>
+          <a:p>
+            <a:pPr marL="0" indent="0">
+              <a:buNone/>
+            </a:pPr>
+            <a:r>
+              <a:rPr lang="en-US" sz="2500" dirty="0"/>
+              <a:t>A </a:t>
+            </a:r>
+            <a:r>
+              <a:rPr lang="en-US" sz="2500" b="1" dirty="0"/>
+              <a:t>Siamese</a:t>
+            </a:r>
+            <a:r>
+              <a:rPr lang="en-US" sz="2500" dirty="0"/>
+              <a:t> networks consists of two identical neural networks, each taking one of the two input inputs. The last layers of the two networks are then fed to a contrastive loss function , which calculates the similarity between the two inputs. </a:t>
+            </a:r>
+          </a:p>
+          <a:p>
+            <a:pPr marL="0" indent="0">
+              <a:buNone/>
+            </a:pPr>
+            <a:r>
+              <a:rPr lang="en-US" sz="2500" dirty="0"/>
+              <a:t>Siamese BERT leverages the pre-trained BERT in a Siamese network structure to derive semantically meaningful text embeddings that can be compared using cosine-similarity. </a:t>
+            </a:r>
+          </a:p>
+        </p:txBody>
+      </p:sp>
+      <p:pic>
+        <p:nvPicPr>
+          <p:cNvPr id="5" name="Picture 4">
+            <a:extLst>
+              <a:ext uri="{FF2B5EF4-FFF2-40B4-BE49-F238E27FC236}">
+                <a16:creationId xmlns:a16="http://schemas.microsoft.com/office/drawing/2014/main" xmlns="" id="{668BF638-F52C-4FEE-B217-66970DBFBBD4}"/>
+              </a:ext>
+            </a:extLst>
+          </p:cNvPr>
+          <p:cNvPicPr>
+            <a:picLocks noChangeAspect="1"/>
+          </p:cNvPicPr>
+          <p:nvPr/>
+        </p:nvPicPr>
+        <p:blipFill>
+          <a:blip r:embed="rId3">
+            <a:extLst>
+              <a:ext uri="{28A0092B-C50C-407E-A947-70E740481C1C}">
+                <a14:useLocalDpi xmlns:a14="http://schemas.microsoft.com/office/drawing/2010/main" val="0"/>
+              </a:ext>
+            </a:extLst>
+          </a:blip>
+          <a:stretch>
+            <a:fillRect/>
+          </a:stretch>
+        </p:blipFill>
+        <p:spPr>
+          <a:xfrm>
+            <a:off x="8227377" y="2826702"/>
+            <a:ext cx="2676525" cy="1895475"/>
+          </a:xfrm>
+          <a:prstGeom prst="rect">
+            <a:avLst/>
+          </a:prstGeom>
+        </p:spPr>
+      </p:pic>
+      <p:sp>
+        <p:nvSpPr>
+          <p:cNvPr id="9" name="TextBox 8">
+            <a:extLst>
+              <a:ext uri="{FF2B5EF4-FFF2-40B4-BE49-F238E27FC236}">
+                <a16:creationId xmlns:a16="http://schemas.microsoft.com/office/drawing/2014/main" xmlns="" id="{EF3D1033-0999-46CA-98D2-EA188D7E4913}"/>
+              </a:ext>
+            </a:extLst>
+          </p:cNvPr>
+          <p:cNvSpPr txBox="1"/>
+          <p:nvPr/>
+        </p:nvSpPr>
+        <p:spPr>
+          <a:xfrm>
+            <a:off x="7889241" y="5024120"/>
+            <a:ext cx="4150360" cy="246221"/>
+          </a:xfrm>
+          <a:prstGeom prst="rect">
+            <a:avLst/>
+          </a:prstGeom>
+          <a:noFill/>
+        </p:spPr>
+        <p:txBody>
+          <a:bodyPr wrap="square" rtlCol="0">
+            <a:spAutoFit/>
+          </a:bodyPr>
+          <a:lstStyle/>
+          <a:p>
+            <a:r>
+              <a:rPr lang="en-US" sz="1000" dirty="0">
+                <a:hlinkClick r:id="rId2"/>
+              </a:rPr>
+              <a:t>Extractive Summarization as Text Matching</a:t>
+            </a:r>
+            <a:endParaRPr lang="en-US" sz="1000" dirty="0"/>
           </a:p>
         </p:txBody>
       </p:sp>
     </p:spTree>
     <p:extLst>
       <p:ext uri="{BB962C8B-B14F-4D97-AF65-F5344CB8AC3E}">
-        <p14:creationId xmlns:p14="http://schemas.microsoft.com/office/powerpoint/2010/main" val="1008779348"/>
+        <p14:creationId xmlns:p14="http://schemas.microsoft.com/office/powerpoint/2010/main" val="451383658"/>
       </p:ext>
     </p:extLst>
   </p:cSld>
@@ -6554,7 +6409,7 @@
   <a:extraClrSchemeLst/>
   <a:extLst>
     <a:ext uri="{05A4C25C-085E-4340-85A3-A5531E510DB2}">
-      <thm15:themeFamily xmlns="" xmlns:thm15="http://schemas.microsoft.com/office/thememl/2012/main" name="TWO.pptx" id="{769520F8-BFE5-4C8C-A7AA-375C025A91CE}" vid="{AEAFD717-D3C8-4034-8F7E-D5220B0CCEB8}"/>
+      <thm15:themeFamily xmlns:thm15="http://schemas.microsoft.com/office/thememl/2012/main" xmlns="" name="TWO.pptx" id="{769520F8-BFE5-4C8C-A7AA-375C025A91CE}" vid="{AEAFD717-D3C8-4034-8F7E-D5220B0CCEB8}"/>
     </a:ext>
   </a:extLst>
 </a:theme>

--- a/Group 45 Data Science for Case Law.pptx
+++ b/Group 45 Data Science for Case Law.pptx
@@ -10,8 +10,8 @@
     <p:sldId id="267" r:id="rId4"/>
     <p:sldId id="270" r:id="rId5"/>
     <p:sldId id="271" r:id="rId6"/>
-    <p:sldId id="272" r:id="rId7"/>
-    <p:sldId id="261" r:id="rId8"/>
+    <p:sldId id="261" r:id="rId7"/>
+    <p:sldId id="272" r:id="rId8"/>
     <p:sldId id="262" r:id="rId9"/>
     <p:sldId id="263" r:id="rId10"/>
     <p:sldId id="266" r:id="rId11"/>
@@ -116,7 +116,7 @@
   </p:defaultTextStyle>
   <p:extLst>
     <p:ext uri="{EFAFB233-063F-42B5-8137-9DF3F51BA10A}">
-      <p15:sldGuideLst xmlns:p15="http://schemas.microsoft.com/office/powerpoint/2012/main" xmlns=""/>
+      <p15:sldGuideLst xmlns="" xmlns:p15="http://schemas.microsoft.com/office/powerpoint/2012/main"/>
     </p:ext>
   </p:extLst>
 </p:presentation>
@@ -144,7 +144,7 @@
           <p:cNvPr id="10" name="Rectangle 9">
             <a:extLst>
               <a:ext uri="{FF2B5EF4-FFF2-40B4-BE49-F238E27FC236}">
-                <a16:creationId xmlns:a16="http://schemas.microsoft.com/office/drawing/2014/main" xmlns="" id="{39E3965E-AC41-4711-9D10-E25ABB132D86}"/>
+                <a16:creationId xmlns="" xmlns:a16="http://schemas.microsoft.com/office/drawing/2014/main" id="{39E3965E-AC41-4711-9D10-E25ABB132D86}"/>
               </a:ext>
             </a:extLst>
           </p:cNvPr>
@@ -304,7 +304,7 @@
           <p:cNvPr id="9" name="Straight Connector 8">
             <a:extLst>
               <a:ext uri="{FF2B5EF4-FFF2-40B4-BE49-F238E27FC236}">
-                <a16:creationId xmlns:a16="http://schemas.microsoft.com/office/drawing/2014/main" xmlns="" id="{1F5DC8C3-BA5F-4EED-BB9A-A14272BD82A1}"/>
+                <a16:creationId xmlns="" xmlns:a16="http://schemas.microsoft.com/office/drawing/2014/main" id="{1F5DC8C3-BA5F-4EED-BB9A-A14272BD82A1}"/>
               </a:ext>
             </a:extLst>
           </p:cNvPr>
@@ -348,7 +348,7 @@
           <p:cNvPr id="4" name="Date Placeholder 3">
             <a:extLst>
               <a:ext uri="{FF2B5EF4-FFF2-40B4-BE49-F238E27FC236}">
-                <a16:creationId xmlns:a16="http://schemas.microsoft.com/office/drawing/2014/main" xmlns="" id="{9925CCF1-92C0-4AF3-BFAF-4921631915AB}"/>
+                <a16:creationId xmlns="" xmlns:a16="http://schemas.microsoft.com/office/drawing/2014/main" id="{9925CCF1-92C0-4AF3-BFAF-4921631915AB}"/>
               </a:ext>
             </a:extLst>
           </p:cNvPr>
@@ -377,7 +377,7 @@
           <p:cNvPr id="5" name="Footer Placeholder 4">
             <a:extLst>
               <a:ext uri="{FF2B5EF4-FFF2-40B4-BE49-F238E27FC236}">
-                <a16:creationId xmlns:a16="http://schemas.microsoft.com/office/drawing/2014/main" xmlns="" id="{051A78A9-3DFF-4937-A9F2-5D8CF495F367}"/>
+                <a16:creationId xmlns="" xmlns:a16="http://schemas.microsoft.com/office/drawing/2014/main" id="{051A78A9-3DFF-4937-A9F2-5D8CF495F367}"/>
               </a:ext>
             </a:extLst>
           </p:cNvPr>
@@ -402,7 +402,7 @@
           <p:cNvPr id="6" name="Slide Number Placeholder 5">
             <a:extLst>
               <a:ext uri="{FF2B5EF4-FFF2-40B4-BE49-F238E27FC236}">
-                <a16:creationId xmlns:a16="http://schemas.microsoft.com/office/drawing/2014/main" xmlns="" id="{5FAEB271-5CC0-4759-BC6E-8BE53AB227C0}"/>
+                <a16:creationId xmlns="" xmlns:a16="http://schemas.microsoft.com/office/drawing/2014/main" id="{5FAEB271-5CC0-4759-BC6E-8BE53AB227C0}"/>
               </a:ext>
             </a:extLst>
           </p:cNvPr>
@@ -536,7 +536,7 @@
           <p:cNvPr id="7" name="Date Placeholder 6">
             <a:extLst>
               <a:ext uri="{FF2B5EF4-FFF2-40B4-BE49-F238E27FC236}">
-                <a16:creationId xmlns:a16="http://schemas.microsoft.com/office/drawing/2014/main" xmlns="" id="{7D5506EE-1026-4F35-9ACC-BD05BE0F9B36}"/>
+                <a16:creationId xmlns="" xmlns:a16="http://schemas.microsoft.com/office/drawing/2014/main" id="{7D5506EE-1026-4F35-9ACC-BD05BE0F9B36}"/>
               </a:ext>
             </a:extLst>
           </p:cNvPr>
@@ -565,7 +565,7 @@
           <p:cNvPr id="8" name="Footer Placeholder 7">
             <a:extLst>
               <a:ext uri="{FF2B5EF4-FFF2-40B4-BE49-F238E27FC236}">
-                <a16:creationId xmlns:a16="http://schemas.microsoft.com/office/drawing/2014/main" xmlns="" id="{B7696E5F-8D95-4450-AE52-5438E6EDE2BF}"/>
+                <a16:creationId xmlns="" xmlns:a16="http://schemas.microsoft.com/office/drawing/2014/main" id="{B7696E5F-8D95-4450-AE52-5438E6EDE2BF}"/>
               </a:ext>
             </a:extLst>
           </p:cNvPr>
@@ -590,7 +590,7 @@
           <p:cNvPr id="9" name="Slide Number Placeholder 8">
             <a:extLst>
               <a:ext uri="{FF2B5EF4-FFF2-40B4-BE49-F238E27FC236}">
-                <a16:creationId xmlns:a16="http://schemas.microsoft.com/office/drawing/2014/main" xmlns="" id="{999B2253-74CC-409E-BEB0-F8EFCFCB5629}"/>
+                <a16:creationId xmlns="" xmlns:a16="http://schemas.microsoft.com/office/drawing/2014/main" id="{999B2253-74CC-409E-BEB0-F8EFCFCB5629}"/>
               </a:ext>
             </a:extLst>
           </p:cNvPr>
@@ -649,7 +649,7 @@
           <p:cNvPr id="9" name="Rectangle 8">
             <a:extLst>
               <a:ext uri="{FF2B5EF4-FFF2-40B4-BE49-F238E27FC236}">
-                <a16:creationId xmlns:a16="http://schemas.microsoft.com/office/drawing/2014/main" xmlns="" id="{E1B68A5B-D9FA-424B-A4EB-30E7223836B3}"/>
+                <a16:creationId xmlns="" xmlns:a16="http://schemas.microsoft.com/office/drawing/2014/main" id="{E1B68A5B-D9FA-424B-A4EB-30E7223836B3}"/>
               </a:ext>
             </a:extLst>
           </p:cNvPr>
@@ -778,7 +778,7 @@
           <p:cNvPr id="7" name="Date Placeholder 6">
             <a:extLst>
               <a:ext uri="{FF2B5EF4-FFF2-40B4-BE49-F238E27FC236}">
-                <a16:creationId xmlns:a16="http://schemas.microsoft.com/office/drawing/2014/main" xmlns="" id="{AF33D6B0-F070-45C4-A472-19F432BE3932}"/>
+                <a16:creationId xmlns="" xmlns:a16="http://schemas.microsoft.com/office/drawing/2014/main" id="{AF33D6B0-F070-45C4-A472-19F432BE3932}"/>
               </a:ext>
             </a:extLst>
           </p:cNvPr>
@@ -807,7 +807,7 @@
           <p:cNvPr id="8" name="Footer Placeholder 7">
             <a:extLst>
               <a:ext uri="{FF2B5EF4-FFF2-40B4-BE49-F238E27FC236}">
-                <a16:creationId xmlns:a16="http://schemas.microsoft.com/office/drawing/2014/main" xmlns="" id="{9975399F-DAB2-410D-967F-ED17E6F796E7}"/>
+                <a16:creationId xmlns="" xmlns:a16="http://schemas.microsoft.com/office/drawing/2014/main" id="{9975399F-DAB2-410D-967F-ED17E6F796E7}"/>
               </a:ext>
             </a:extLst>
           </p:cNvPr>
@@ -832,7 +832,7 @@
           <p:cNvPr id="10" name="Slide Number Placeholder 9">
             <a:extLst>
               <a:ext uri="{FF2B5EF4-FFF2-40B4-BE49-F238E27FC236}">
-                <a16:creationId xmlns:a16="http://schemas.microsoft.com/office/drawing/2014/main" xmlns="" id="{F762A46F-6BE5-4D12-9412-5CA7672EA8EC}"/>
+                <a16:creationId xmlns="" xmlns:a16="http://schemas.microsoft.com/office/drawing/2014/main" id="{F762A46F-6BE5-4D12-9412-5CA7672EA8EC}"/>
               </a:ext>
             </a:extLst>
           </p:cNvPr>
@@ -966,7 +966,7 @@
           <p:cNvPr id="7" name="Date Placeholder 6">
             <a:extLst>
               <a:ext uri="{FF2B5EF4-FFF2-40B4-BE49-F238E27FC236}">
-                <a16:creationId xmlns:a16="http://schemas.microsoft.com/office/drawing/2014/main" xmlns="" id="{354D8B55-9EA8-4B81-8E84-9B93B0A27559}"/>
+                <a16:creationId xmlns="" xmlns:a16="http://schemas.microsoft.com/office/drawing/2014/main" id="{354D8B55-9EA8-4B81-8E84-9B93B0A27559}"/>
               </a:ext>
             </a:extLst>
           </p:cNvPr>
@@ -995,7 +995,7 @@
           <p:cNvPr id="8" name="Footer Placeholder 7">
             <a:extLst>
               <a:ext uri="{FF2B5EF4-FFF2-40B4-BE49-F238E27FC236}">
-                <a16:creationId xmlns:a16="http://schemas.microsoft.com/office/drawing/2014/main" xmlns="" id="{062CA021-2578-47CB-822C-BDDFF7223B28}"/>
+                <a16:creationId xmlns="" xmlns:a16="http://schemas.microsoft.com/office/drawing/2014/main" id="{062CA021-2578-47CB-822C-BDDFF7223B28}"/>
               </a:ext>
             </a:extLst>
           </p:cNvPr>
@@ -1020,7 +1020,7 @@
           <p:cNvPr id="9" name="Slide Number Placeholder 8">
             <a:extLst>
               <a:ext uri="{FF2B5EF4-FFF2-40B4-BE49-F238E27FC236}">
-                <a16:creationId xmlns:a16="http://schemas.microsoft.com/office/drawing/2014/main" xmlns="" id="{C4AAB51D-4141-4682-9375-DAFD5FB9DD10}"/>
+                <a16:creationId xmlns="" xmlns:a16="http://schemas.microsoft.com/office/drawing/2014/main" id="{C4AAB51D-4141-4682-9375-DAFD5FB9DD10}"/>
               </a:ext>
             </a:extLst>
           </p:cNvPr>
@@ -1087,7 +1087,7 @@
           <p:cNvPr id="10" name="Rectangle 9">
             <a:extLst>
               <a:ext uri="{FF2B5EF4-FFF2-40B4-BE49-F238E27FC236}">
-                <a16:creationId xmlns:a16="http://schemas.microsoft.com/office/drawing/2014/main" xmlns="" id="{A585C21A-8B93-4657-B5DF-7EAEAD3BE127}"/>
+                <a16:creationId xmlns="" xmlns:a16="http://schemas.microsoft.com/office/drawing/2014/main" id="{A585C21A-8B93-4657-B5DF-7EAEAD3BE127}"/>
               </a:ext>
             </a:extLst>
           </p:cNvPr>
@@ -1295,7 +1295,7 @@
           <p:cNvPr id="9" name="Straight Connector 8">
             <a:extLst>
               <a:ext uri="{FF2B5EF4-FFF2-40B4-BE49-F238E27FC236}">
-                <a16:creationId xmlns:a16="http://schemas.microsoft.com/office/drawing/2014/main" xmlns="" id="{459DE2C1-4C52-40A3-8959-27B2C1BEBFF6}"/>
+                <a16:creationId xmlns="" xmlns:a16="http://schemas.microsoft.com/office/drawing/2014/main" id="{459DE2C1-4C52-40A3-8959-27B2C1BEBFF6}"/>
               </a:ext>
             </a:extLst>
           </p:cNvPr>
@@ -1339,7 +1339,7 @@
           <p:cNvPr id="7" name="Date Placeholder 6">
             <a:extLst>
               <a:ext uri="{FF2B5EF4-FFF2-40B4-BE49-F238E27FC236}">
-                <a16:creationId xmlns:a16="http://schemas.microsoft.com/office/drawing/2014/main" xmlns="" id="{AAF2E137-EC28-48F8-9198-1F02539029B6}"/>
+                <a16:creationId xmlns="" xmlns:a16="http://schemas.microsoft.com/office/drawing/2014/main" id="{AAF2E137-EC28-48F8-9198-1F02539029B6}"/>
               </a:ext>
             </a:extLst>
           </p:cNvPr>
@@ -1368,7 +1368,7 @@
           <p:cNvPr id="8" name="Footer Placeholder 7">
             <a:extLst>
               <a:ext uri="{FF2B5EF4-FFF2-40B4-BE49-F238E27FC236}">
-                <a16:creationId xmlns:a16="http://schemas.microsoft.com/office/drawing/2014/main" xmlns="" id="{189422CD-6F62-4DD6-89EF-07A60B42D219}"/>
+                <a16:creationId xmlns="" xmlns:a16="http://schemas.microsoft.com/office/drawing/2014/main" id="{189422CD-6F62-4DD6-89EF-07A60B42D219}"/>
               </a:ext>
             </a:extLst>
           </p:cNvPr>
@@ -1393,7 +1393,7 @@
           <p:cNvPr id="11" name="Slide Number Placeholder 10">
             <a:extLst>
               <a:ext uri="{FF2B5EF4-FFF2-40B4-BE49-F238E27FC236}">
-                <a16:creationId xmlns:a16="http://schemas.microsoft.com/office/drawing/2014/main" xmlns="" id="{69C6AFF8-42B4-4D05-969B-9F5FB3355555}"/>
+                <a16:creationId xmlns="" xmlns:a16="http://schemas.microsoft.com/office/drawing/2014/main" id="{69C6AFF8-42B4-4D05-969B-9F5FB3355555}"/>
               </a:ext>
             </a:extLst>
           </p:cNvPr>
@@ -1594,7 +1594,7 @@
           <p:cNvPr id="2" name="Date Placeholder 1">
             <a:extLst>
               <a:ext uri="{FF2B5EF4-FFF2-40B4-BE49-F238E27FC236}">
-                <a16:creationId xmlns:a16="http://schemas.microsoft.com/office/drawing/2014/main" xmlns="" id="{5782D47D-B0DC-4C40-BCC6-BBBA32584A38}"/>
+                <a16:creationId xmlns="" xmlns:a16="http://schemas.microsoft.com/office/drawing/2014/main" id="{5782D47D-B0DC-4C40-BCC6-BBBA32584A38}"/>
               </a:ext>
             </a:extLst>
           </p:cNvPr>
@@ -1623,7 +1623,7 @@
           <p:cNvPr id="9" name="Footer Placeholder 8">
             <a:extLst>
               <a:ext uri="{FF2B5EF4-FFF2-40B4-BE49-F238E27FC236}">
-                <a16:creationId xmlns:a16="http://schemas.microsoft.com/office/drawing/2014/main" xmlns="" id="{4690D34E-7EBD-44B2-83CA-4C126A18D7EF}"/>
+                <a16:creationId xmlns="" xmlns:a16="http://schemas.microsoft.com/office/drawing/2014/main" id="{4690D34E-7EBD-44B2-83CA-4C126A18D7EF}"/>
               </a:ext>
             </a:extLst>
           </p:cNvPr>
@@ -1648,7 +1648,7 @@
           <p:cNvPr id="10" name="Slide Number Placeholder 9">
             <a:extLst>
               <a:ext uri="{FF2B5EF4-FFF2-40B4-BE49-F238E27FC236}">
-                <a16:creationId xmlns:a16="http://schemas.microsoft.com/office/drawing/2014/main" xmlns="" id="{2AC511A1-9BBD-42DE-92FB-2AF44F8E97A9}"/>
+                <a16:creationId xmlns="" xmlns:a16="http://schemas.microsoft.com/office/drawing/2014/main" id="{2AC511A1-9BBD-42DE-92FB-2AF44F8E97A9}"/>
               </a:ext>
             </a:extLst>
           </p:cNvPr>
@@ -1991,7 +1991,7 @@
           <p:cNvPr id="2" name="Date Placeholder 1">
             <a:extLst>
               <a:ext uri="{FF2B5EF4-FFF2-40B4-BE49-F238E27FC236}">
-                <a16:creationId xmlns:a16="http://schemas.microsoft.com/office/drawing/2014/main" xmlns="" id="{8AF8A515-AA94-45D1-9223-5C2272618D85}"/>
+                <a16:creationId xmlns="" xmlns:a16="http://schemas.microsoft.com/office/drawing/2014/main" id="{8AF8A515-AA94-45D1-9223-5C2272618D85}"/>
               </a:ext>
             </a:extLst>
           </p:cNvPr>
@@ -2020,7 +2020,7 @@
           <p:cNvPr id="11" name="Footer Placeholder 10">
             <a:extLst>
               <a:ext uri="{FF2B5EF4-FFF2-40B4-BE49-F238E27FC236}">
-                <a16:creationId xmlns:a16="http://schemas.microsoft.com/office/drawing/2014/main" xmlns="" id="{D052F5BC-98E0-4D60-AD67-9547738B7DD4}"/>
+                <a16:creationId xmlns="" xmlns:a16="http://schemas.microsoft.com/office/drawing/2014/main" id="{D052F5BC-98E0-4D60-AD67-9547738B7DD4}"/>
               </a:ext>
             </a:extLst>
           </p:cNvPr>
@@ -2045,7 +2045,7 @@
           <p:cNvPr id="12" name="Slide Number Placeholder 11">
             <a:extLst>
               <a:ext uri="{FF2B5EF4-FFF2-40B4-BE49-F238E27FC236}">
-                <a16:creationId xmlns:a16="http://schemas.microsoft.com/office/drawing/2014/main" xmlns="" id="{A38552DC-952E-41EA-AAAF-C2187523C0B0}"/>
+                <a16:creationId xmlns="" xmlns:a16="http://schemas.microsoft.com/office/drawing/2014/main" id="{A38552DC-952E-41EA-AAAF-C2187523C0B0}"/>
               </a:ext>
             </a:extLst>
           </p:cNvPr>
@@ -2127,7 +2127,7 @@
           <p:cNvPr id="6" name="Date Placeholder 5">
             <a:extLst>
               <a:ext uri="{FF2B5EF4-FFF2-40B4-BE49-F238E27FC236}">
-                <a16:creationId xmlns:a16="http://schemas.microsoft.com/office/drawing/2014/main" xmlns="" id="{7392073F-158F-44A3-8913-917AFFC1BC20}"/>
+                <a16:creationId xmlns="" xmlns:a16="http://schemas.microsoft.com/office/drawing/2014/main" id="{7392073F-158F-44A3-8913-917AFFC1BC20}"/>
               </a:ext>
             </a:extLst>
           </p:cNvPr>
@@ -2156,7 +2156,7 @@
           <p:cNvPr id="7" name="Footer Placeholder 6">
             <a:extLst>
               <a:ext uri="{FF2B5EF4-FFF2-40B4-BE49-F238E27FC236}">
-                <a16:creationId xmlns:a16="http://schemas.microsoft.com/office/drawing/2014/main" xmlns="" id="{EED72207-24CA-42B7-A975-2F8E41CBA904}"/>
+                <a16:creationId xmlns="" xmlns:a16="http://schemas.microsoft.com/office/drawing/2014/main" id="{EED72207-24CA-42B7-A975-2F8E41CBA904}"/>
               </a:ext>
             </a:extLst>
           </p:cNvPr>
@@ -2181,7 +2181,7 @@
           <p:cNvPr id="8" name="Slide Number Placeholder 7">
             <a:extLst>
               <a:ext uri="{FF2B5EF4-FFF2-40B4-BE49-F238E27FC236}">
-                <a16:creationId xmlns:a16="http://schemas.microsoft.com/office/drawing/2014/main" xmlns="" id="{D01080F2-251A-4B88-9A62-16F46D724F83}"/>
+                <a16:creationId xmlns="" xmlns:a16="http://schemas.microsoft.com/office/drawing/2014/main" id="{D01080F2-251A-4B88-9A62-16F46D724F83}"/>
               </a:ext>
             </a:extLst>
           </p:cNvPr>
@@ -2240,7 +2240,7 @@
           <p:cNvPr id="10" name="Rectangle 9">
             <a:extLst>
               <a:ext uri="{FF2B5EF4-FFF2-40B4-BE49-F238E27FC236}">
-                <a16:creationId xmlns:a16="http://schemas.microsoft.com/office/drawing/2014/main" xmlns="" id="{A8E9C91B-7EAD-4562-AB0E-DFB9663AECE3}"/>
+                <a16:creationId xmlns="" xmlns:a16="http://schemas.microsoft.com/office/drawing/2014/main" id="{A8E9C91B-7EAD-4562-AB0E-DFB9663AECE3}"/>
               </a:ext>
             </a:extLst>
           </p:cNvPr>
@@ -2284,7 +2284,7 @@
           <p:cNvPr id="2" name="Date Placeholder 1">
             <a:extLst>
               <a:ext uri="{FF2B5EF4-FFF2-40B4-BE49-F238E27FC236}">
-                <a16:creationId xmlns:a16="http://schemas.microsoft.com/office/drawing/2014/main" xmlns="" id="{94E9223F-721F-47BF-9FD5-0F8D12FF0DE1}"/>
+                <a16:creationId xmlns="" xmlns:a16="http://schemas.microsoft.com/office/drawing/2014/main" id="{94E9223F-721F-47BF-9FD5-0F8D12FF0DE1}"/>
               </a:ext>
             </a:extLst>
           </p:cNvPr>
@@ -2313,7 +2313,7 @@
           <p:cNvPr id="3" name="Footer Placeholder 2">
             <a:extLst>
               <a:ext uri="{FF2B5EF4-FFF2-40B4-BE49-F238E27FC236}">
-                <a16:creationId xmlns:a16="http://schemas.microsoft.com/office/drawing/2014/main" xmlns="" id="{05915714-6BBA-4593-8591-4E26F7D58D9F}"/>
+                <a16:creationId xmlns="" xmlns:a16="http://schemas.microsoft.com/office/drawing/2014/main" id="{05915714-6BBA-4593-8591-4E26F7D58D9F}"/>
               </a:ext>
             </a:extLst>
           </p:cNvPr>
@@ -2338,7 +2338,7 @@
           <p:cNvPr id="4" name="Slide Number Placeholder 3">
             <a:extLst>
               <a:ext uri="{FF2B5EF4-FFF2-40B4-BE49-F238E27FC236}">
-                <a16:creationId xmlns:a16="http://schemas.microsoft.com/office/drawing/2014/main" xmlns="" id="{BE06F857-D2E1-44DD-ABDD-EBB739645B67}"/>
+                <a16:creationId xmlns="" xmlns:a16="http://schemas.microsoft.com/office/drawing/2014/main" id="{BE06F857-D2E1-44DD-ABDD-EBB739645B67}"/>
               </a:ext>
             </a:extLst>
           </p:cNvPr>
@@ -2397,7 +2397,7 @@
           <p:cNvPr id="8" name="Rectangle 7">
             <a:extLst>
               <a:ext uri="{FF2B5EF4-FFF2-40B4-BE49-F238E27FC236}">
-                <a16:creationId xmlns:a16="http://schemas.microsoft.com/office/drawing/2014/main" xmlns="" id="{16D90D66-BCB9-4229-A829-628874352AC0}"/>
+                <a16:creationId xmlns="" xmlns:a16="http://schemas.microsoft.com/office/drawing/2014/main" id="{16D90D66-BCB9-4229-A829-628874352AC0}"/>
               </a:ext>
             </a:extLst>
           </p:cNvPr>
@@ -2736,7 +2736,7 @@
           <p:cNvPr id="8" name="Rectangle 7">
             <a:extLst>
               <a:ext uri="{FF2B5EF4-FFF2-40B4-BE49-F238E27FC236}">
-                <a16:creationId xmlns:a16="http://schemas.microsoft.com/office/drawing/2014/main" xmlns="" id="{DA134939-39C0-4522-A125-A13DFDA66490}"/>
+                <a16:creationId xmlns="" xmlns:a16="http://schemas.microsoft.com/office/drawing/2014/main" id="{DA134939-39C0-4522-A125-A13DFDA66490}"/>
               </a:ext>
             </a:extLst>
           </p:cNvPr>
@@ -3075,7 +3075,7 @@
           <p:cNvPr id="7" name="Rectangle 6">
             <a:extLst>
               <a:ext uri="{FF2B5EF4-FFF2-40B4-BE49-F238E27FC236}">
-                <a16:creationId xmlns:a16="http://schemas.microsoft.com/office/drawing/2014/main" xmlns="" id="{416A0E3C-60E6-4F39-BC55-5F7C224E1F7C}"/>
+                <a16:creationId xmlns="" xmlns:a16="http://schemas.microsoft.com/office/drawing/2014/main" id="{416A0E3C-60E6-4F39-BC55-5F7C224E1F7C}"/>
               </a:ext>
             </a:extLst>
           </p:cNvPr>
@@ -3327,7 +3327,7 @@
           <p:cNvPr id="10" name="Straight Connector 9">
             <a:extLst>
               <a:ext uri="{FF2B5EF4-FFF2-40B4-BE49-F238E27FC236}">
-                <a16:creationId xmlns:a16="http://schemas.microsoft.com/office/drawing/2014/main" xmlns="" id="{C5025DAC-8B93-4160-B017-3A274A5828C0}"/>
+                <a16:creationId xmlns="" xmlns:a16="http://schemas.microsoft.com/office/drawing/2014/main" id="{C5025DAC-8B93-4160-B017-3A274A5828C0}"/>
               </a:ext>
             </a:extLst>
           </p:cNvPr>
@@ -3778,10 +3778,10 @@
           <p:cNvPr id="22" name="Rectangle 21">
             <a:extLst>
               <a:ext uri="{FF2B5EF4-FFF2-40B4-BE49-F238E27FC236}">
-                <a16:creationId xmlns:a16="http://schemas.microsoft.com/office/drawing/2014/main" xmlns="" id="{A9286AD2-18A9-4868-A4E3-7A2097A20810}"/>
+                <a16:creationId xmlns="" xmlns:a16="http://schemas.microsoft.com/office/drawing/2014/main" id="{A9286AD2-18A9-4868-A4E3-7A2097A20810}"/>
               </a:ext>
               <a:ext uri="{C183D7F6-B498-43B3-948B-1728B52AA6E4}">
-                <adec:decorative xmlns:adec="http://schemas.microsoft.com/office/drawing/2017/decorative" xmlns="" val="1"/>
+                <adec:decorative xmlns="" xmlns:adec="http://schemas.microsoft.com/office/drawing/2017/decorative" val="1"/>
               </a:ext>
             </a:extLst>
           </p:cNvPr>
@@ -3791,7 +3791,7 @@
           <p:nvPr>
             <p:extLst>
               <p:ext uri="{386F3935-93C4-4BCD-93E2-E3B085C9AB24}">
-                <p16:designElem xmlns:p16="http://schemas.microsoft.com/office/powerpoint/2015/main" xmlns="" val="1"/>
+                <p16:designElem xmlns="" xmlns:p16="http://schemas.microsoft.com/office/powerpoint/2015/main" val="1"/>
               </p:ext>
             </p:extLst>
           </p:nvPr>
@@ -3838,7 +3838,7 @@
           <p:cNvPr id="2" name="Title 1">
             <a:extLst>
               <a:ext uri="{FF2B5EF4-FFF2-40B4-BE49-F238E27FC236}">
-                <a16:creationId xmlns:a16="http://schemas.microsoft.com/office/drawing/2014/main" xmlns="" id="{78FD68DA-43BA-4508-8DE2-BA9BB7B2FA5B}"/>
+                <a16:creationId xmlns="" xmlns:a16="http://schemas.microsoft.com/office/drawing/2014/main" id="{78FD68DA-43BA-4508-8DE2-BA9BB7B2FA5B}"/>
               </a:ext>
             </a:extLst>
           </p:cNvPr>
@@ -3874,7 +3874,7 @@
           <p:cNvPr id="3" name="Subtitle 2">
             <a:extLst>
               <a:ext uri="{FF2B5EF4-FFF2-40B4-BE49-F238E27FC236}">
-                <a16:creationId xmlns:a16="http://schemas.microsoft.com/office/drawing/2014/main" xmlns="" id="{A8E9CFF2-3777-4FF4-A759-8491175B0B7C}"/>
+                <a16:creationId xmlns="" xmlns:a16="http://schemas.microsoft.com/office/drawing/2014/main" id="{A8E9CFF2-3777-4FF4-A759-8491175B0B7C}"/>
               </a:ext>
             </a:extLst>
           </p:cNvPr>
@@ -3981,7 +3981,7 @@
           <p:cNvPr id="5" name="Picture 4" descr="A picture containing building, sitting, bench, side&#10;&#10;Description automatically generated">
             <a:extLst>
               <a:ext uri="{FF2B5EF4-FFF2-40B4-BE49-F238E27FC236}">
-                <a16:creationId xmlns:a16="http://schemas.microsoft.com/office/drawing/2014/main" xmlns="" id="{282CF6DD-7FE8-4063-9551-1B7BBCE92ABE}"/>
+                <a16:creationId xmlns="" xmlns:a16="http://schemas.microsoft.com/office/drawing/2014/main" id="{282CF6DD-7FE8-4063-9551-1B7BBCE92ABE}"/>
               </a:ext>
             </a:extLst>
           </p:cNvPr>
@@ -4016,10 +4016,10 @@
           <p:cNvPr id="24" name="Straight Connector 23">
             <a:extLst>
               <a:ext uri="{FF2B5EF4-FFF2-40B4-BE49-F238E27FC236}">
-                <a16:creationId xmlns:a16="http://schemas.microsoft.com/office/drawing/2014/main" xmlns="" id="{E7A7CD63-7EC3-44F3-95D0-595C4019FF24}"/>
+                <a16:creationId xmlns="" xmlns:a16="http://schemas.microsoft.com/office/drawing/2014/main" id="{E7A7CD63-7EC3-44F3-95D0-595C4019FF24}"/>
               </a:ext>
               <a:ext uri="{C183D7F6-B498-43B3-948B-1728B52AA6E4}">
-                <adec:decorative xmlns:adec="http://schemas.microsoft.com/office/drawing/2017/decorative" xmlns="" val="1"/>
+                <adec:decorative xmlns="" xmlns:adec="http://schemas.microsoft.com/office/drawing/2017/decorative" val="1"/>
               </a:ext>
             </a:extLst>
           </p:cNvPr>
@@ -4029,7 +4029,7 @@
           <p:nvPr>
             <p:extLst>
               <p:ext uri="{386F3935-93C4-4BCD-93E2-E3B085C9AB24}">
-                <p16:designElem xmlns:p16="http://schemas.microsoft.com/office/powerpoint/2015/main" xmlns="" val="1"/>
+                <p16:designElem xmlns="" xmlns:p16="http://schemas.microsoft.com/office/powerpoint/2015/main" val="1"/>
               </p:ext>
             </p:extLst>
           </p:nvPr>
@@ -4101,7 +4101,7 @@
           <p:cNvPr id="2" name="Title 1">
             <a:extLst>
               <a:ext uri="{FF2B5EF4-FFF2-40B4-BE49-F238E27FC236}">
-                <a16:creationId xmlns:a16="http://schemas.microsoft.com/office/drawing/2014/main" xmlns="" id="{CA344CBA-FB2B-44A2-9612-01FA04D41200}"/>
+                <a16:creationId xmlns="" xmlns:a16="http://schemas.microsoft.com/office/drawing/2014/main" id="{CA344CBA-FB2B-44A2-9612-01FA04D41200}"/>
               </a:ext>
             </a:extLst>
           </p:cNvPr>
@@ -4151,7 +4151,7 @@
           <p:cNvPr id="3" name="Content Placeholder 2">
             <a:extLst>
               <a:ext uri="{FF2B5EF4-FFF2-40B4-BE49-F238E27FC236}">
-                <a16:creationId xmlns:a16="http://schemas.microsoft.com/office/drawing/2014/main" xmlns="" id="{F66CA81D-1701-4C2D-AE08-277C299D9B85}"/>
+                <a16:creationId xmlns="" xmlns:a16="http://schemas.microsoft.com/office/drawing/2014/main" id="{F66CA81D-1701-4C2D-AE08-277C299D9B85}"/>
               </a:ext>
             </a:extLst>
           </p:cNvPr>
@@ -4246,7 +4246,7 @@
           <p:cNvPr id="5" name="Picture 4">
             <a:extLst>
               <a:ext uri="{FF2B5EF4-FFF2-40B4-BE49-F238E27FC236}">
-                <a16:creationId xmlns:a16="http://schemas.microsoft.com/office/drawing/2014/main" xmlns="" id="{668BF638-F52C-4FEE-B217-66970DBFBBD4}"/>
+                <a16:creationId xmlns="" xmlns:a16="http://schemas.microsoft.com/office/drawing/2014/main" id="{668BF638-F52C-4FEE-B217-66970DBFBBD4}"/>
               </a:ext>
             </a:extLst>
           </p:cNvPr>
@@ -4282,7 +4282,7 @@
           <p:cNvPr id="9" name="TextBox 8">
             <a:extLst>
               <a:ext uri="{FF2B5EF4-FFF2-40B4-BE49-F238E27FC236}">
-                <a16:creationId xmlns:a16="http://schemas.microsoft.com/office/drawing/2014/main" xmlns="" id="{EF3D1033-0999-46CA-98D2-EA188D7E4913}"/>
+                <a16:creationId xmlns="" xmlns:a16="http://schemas.microsoft.com/office/drawing/2014/main" id="{EF3D1033-0999-46CA-98D2-EA188D7E4913}"/>
               </a:ext>
             </a:extLst>
           </p:cNvPr>
@@ -4350,7 +4350,7 @@
           <p:cNvPr id="2" name="Title 1">
             <a:extLst>
               <a:ext uri="{FF2B5EF4-FFF2-40B4-BE49-F238E27FC236}">
-                <a16:creationId xmlns:a16="http://schemas.microsoft.com/office/drawing/2014/main" xmlns="" id="{CA344CBA-FB2B-44A2-9612-01FA04D41200}"/>
+                <a16:creationId xmlns="" xmlns:a16="http://schemas.microsoft.com/office/drawing/2014/main" id="{CA344CBA-FB2B-44A2-9612-01FA04D41200}"/>
               </a:ext>
             </a:extLst>
           </p:cNvPr>
@@ -4383,7 +4383,7 @@
           <p:cNvPr id="3" name="Content Placeholder 2">
             <a:extLst>
               <a:ext uri="{FF2B5EF4-FFF2-40B4-BE49-F238E27FC236}">
-                <a16:creationId xmlns:a16="http://schemas.microsoft.com/office/drawing/2014/main" xmlns="" id="{F66CA81D-1701-4C2D-AE08-277C299D9B85}"/>
+                <a16:creationId xmlns="" xmlns:a16="http://schemas.microsoft.com/office/drawing/2014/main" id="{F66CA81D-1701-4C2D-AE08-277C299D9B85}"/>
               </a:ext>
             </a:extLst>
           </p:cNvPr>
@@ -4510,7 +4510,7 @@
           <p:cNvPr id="2" name="Title 1">
             <a:extLst>
               <a:ext uri="{FF2B5EF4-FFF2-40B4-BE49-F238E27FC236}">
-                <a16:creationId xmlns:a16="http://schemas.microsoft.com/office/drawing/2014/main" xmlns="" id="{CA344CBA-FB2B-44A2-9612-01FA04D41200}"/>
+                <a16:creationId xmlns="" xmlns:a16="http://schemas.microsoft.com/office/drawing/2014/main" id="{CA344CBA-FB2B-44A2-9612-01FA04D41200}"/>
               </a:ext>
             </a:extLst>
           </p:cNvPr>
@@ -4538,7 +4538,7 @@
           <p:cNvPr id="3" name="Content Placeholder 2">
             <a:extLst>
               <a:ext uri="{FF2B5EF4-FFF2-40B4-BE49-F238E27FC236}">
-                <a16:creationId xmlns:a16="http://schemas.microsoft.com/office/drawing/2014/main" xmlns="" id="{F66CA81D-1701-4C2D-AE08-277C299D9B85}"/>
+                <a16:creationId xmlns="" xmlns:a16="http://schemas.microsoft.com/office/drawing/2014/main" id="{F66CA81D-1701-4C2D-AE08-277C299D9B85}"/>
               </a:ext>
             </a:extLst>
           </p:cNvPr>
@@ -4622,7 +4622,7 @@
           <p:cNvPr id="2" name="Title 1">
             <a:extLst>
               <a:ext uri="{FF2B5EF4-FFF2-40B4-BE49-F238E27FC236}">
-                <a16:creationId xmlns:a16="http://schemas.microsoft.com/office/drawing/2014/main" xmlns="" id="{CA344CBA-FB2B-44A2-9612-01FA04D41200}"/>
+                <a16:creationId xmlns="" xmlns:a16="http://schemas.microsoft.com/office/drawing/2014/main" id="{CA344CBA-FB2B-44A2-9612-01FA04D41200}"/>
               </a:ext>
             </a:extLst>
           </p:cNvPr>
@@ -4655,7 +4655,7 @@
           <p:cNvPr id="3" name="Content Placeholder 2">
             <a:extLst>
               <a:ext uri="{FF2B5EF4-FFF2-40B4-BE49-F238E27FC236}">
-                <a16:creationId xmlns:a16="http://schemas.microsoft.com/office/drawing/2014/main" xmlns="" id="{F66CA81D-1701-4C2D-AE08-277C299D9B85}"/>
+                <a16:creationId xmlns="" xmlns:a16="http://schemas.microsoft.com/office/drawing/2014/main" id="{F66CA81D-1701-4C2D-AE08-277C299D9B85}"/>
               </a:ext>
             </a:extLst>
           </p:cNvPr>
@@ -4726,7 +4726,7 @@
           <p:cNvPr id="4" name="Table 5">
             <a:extLst>
               <a:ext uri="{FF2B5EF4-FFF2-40B4-BE49-F238E27FC236}">
-                <a16:creationId xmlns:a16="http://schemas.microsoft.com/office/drawing/2014/main" xmlns="" id="{CDC58BF9-8AD2-4729-BE3A-21FCD6C8C86A}"/>
+                <a16:creationId xmlns="" xmlns:a16="http://schemas.microsoft.com/office/drawing/2014/main" id="{CDC58BF9-8AD2-4729-BE3A-21FCD6C8C86A}"/>
               </a:ext>
             </a:extLst>
           </p:cNvPr>
@@ -4755,14 +4755,14 @@
                 <a:gridCol w="3147070">
                   <a:extLst>
                     <a:ext uri="{9D8B030D-6E8A-4147-A177-3AD203B41FA5}">
-                      <a16:colId xmlns:a16="http://schemas.microsoft.com/office/drawing/2014/main" xmlns="" val="2919214932"/>
+                      <a16:colId xmlns="" xmlns:a16="http://schemas.microsoft.com/office/drawing/2014/main" val="2919214932"/>
                     </a:ext>
                   </a:extLst>
                 </a:gridCol>
                 <a:gridCol w="3137832">
                   <a:extLst>
                     <a:ext uri="{9D8B030D-6E8A-4147-A177-3AD203B41FA5}">
-                      <a16:colId xmlns:a16="http://schemas.microsoft.com/office/drawing/2014/main" xmlns="" val="3416736214"/>
+                      <a16:colId xmlns="" xmlns:a16="http://schemas.microsoft.com/office/drawing/2014/main" val="3416736214"/>
                     </a:ext>
                   </a:extLst>
                 </a:gridCol>
@@ -4790,7 +4790,7 @@
                 </a:tc>
                 <a:extLst>
                   <a:ext uri="{0D108BD9-81ED-4DB2-BD59-A6C34878D82A}">
-                    <a16:rowId xmlns:a16="http://schemas.microsoft.com/office/drawing/2014/main" xmlns="" val="986129061"/>
+                    <a16:rowId xmlns="" xmlns:a16="http://schemas.microsoft.com/office/drawing/2014/main" val="986129061"/>
                   </a:ext>
                 </a:extLst>
               </a:tr>
@@ -4823,7 +4823,7 @@
                 </a:tc>
                 <a:extLst>
                   <a:ext uri="{0D108BD9-81ED-4DB2-BD59-A6C34878D82A}">
-                    <a16:rowId xmlns:a16="http://schemas.microsoft.com/office/drawing/2014/main" xmlns="" val="2923158457"/>
+                    <a16:rowId xmlns="" xmlns:a16="http://schemas.microsoft.com/office/drawing/2014/main" val="2923158457"/>
                   </a:ext>
                 </a:extLst>
               </a:tr>
@@ -4861,7 +4861,7 @@
                 </a:tc>
                 <a:extLst>
                   <a:ext uri="{0D108BD9-81ED-4DB2-BD59-A6C34878D82A}">
-                    <a16:rowId xmlns:a16="http://schemas.microsoft.com/office/drawing/2014/main" xmlns="" val="2759870889"/>
+                    <a16:rowId xmlns="" xmlns:a16="http://schemas.microsoft.com/office/drawing/2014/main" val="2759870889"/>
                   </a:ext>
                 </a:extLst>
               </a:tr>
@@ -4894,7 +4894,7 @@
                 </a:tc>
                 <a:extLst>
                   <a:ext uri="{0D108BD9-81ED-4DB2-BD59-A6C34878D82A}">
-                    <a16:rowId xmlns:a16="http://schemas.microsoft.com/office/drawing/2014/main" xmlns="" val="1675287206"/>
+                    <a16:rowId xmlns="" xmlns:a16="http://schemas.microsoft.com/office/drawing/2014/main" val="1675287206"/>
                   </a:ext>
                 </a:extLst>
               </a:tr>
@@ -4928,7 +4928,7 @@
                 </a:tc>
                 <a:extLst>
                   <a:ext uri="{0D108BD9-81ED-4DB2-BD59-A6C34878D82A}">
-                    <a16:rowId xmlns:a16="http://schemas.microsoft.com/office/drawing/2014/main" xmlns="" val="2602628322"/>
+                    <a16:rowId xmlns="" xmlns:a16="http://schemas.microsoft.com/office/drawing/2014/main" val="2602628322"/>
                   </a:ext>
                 </a:extLst>
               </a:tr>
@@ -4965,7 +4965,7 @@
                 </a:tc>
                 <a:extLst>
                   <a:ext uri="{0D108BD9-81ED-4DB2-BD59-A6C34878D82A}">
-                    <a16:rowId xmlns:a16="http://schemas.microsoft.com/office/drawing/2014/main" xmlns="" val="1328877814"/>
+                    <a16:rowId xmlns="" xmlns:a16="http://schemas.microsoft.com/office/drawing/2014/main" val="1328877814"/>
                   </a:ext>
                 </a:extLst>
               </a:tr>
@@ -5006,7 +5006,7 @@
                 </a:tc>
                 <a:extLst>
                   <a:ext uri="{0D108BD9-81ED-4DB2-BD59-A6C34878D82A}">
-                    <a16:rowId xmlns:a16="http://schemas.microsoft.com/office/drawing/2014/main" xmlns="" val="3507887961"/>
+                    <a16:rowId xmlns="" xmlns:a16="http://schemas.microsoft.com/office/drawing/2014/main" val="3507887961"/>
                   </a:ext>
                 </a:extLst>
               </a:tr>
@@ -5019,7 +5019,7 @@
           <p:cNvPr id="5" name="Picture 4">
             <a:extLst>
               <a:ext uri="{FF2B5EF4-FFF2-40B4-BE49-F238E27FC236}">
-                <a16:creationId xmlns:a16="http://schemas.microsoft.com/office/drawing/2014/main" xmlns="" id="{EC9799C3-2B3D-4E11-B8E0-90B04A451CE9}"/>
+                <a16:creationId xmlns="" xmlns:a16="http://schemas.microsoft.com/office/drawing/2014/main" id="{EC9799C3-2B3D-4E11-B8E0-90B04A451CE9}"/>
               </a:ext>
             </a:extLst>
           </p:cNvPr>
@@ -5049,7 +5049,7 @@
           <p:cNvPr id="6" name="TextBox 5">
             <a:extLst>
               <a:ext uri="{FF2B5EF4-FFF2-40B4-BE49-F238E27FC236}">
-                <a16:creationId xmlns:a16="http://schemas.microsoft.com/office/drawing/2014/main" xmlns="" id="{D18CB254-BC4E-464E-8235-486086BBF8F6}"/>
+                <a16:creationId xmlns="" xmlns:a16="http://schemas.microsoft.com/office/drawing/2014/main" id="{D18CB254-BC4E-464E-8235-486086BBF8F6}"/>
               </a:ext>
             </a:extLst>
           </p:cNvPr>
@@ -5114,7 +5114,7 @@
           <p:cNvPr id="2" name="Title 1">
             <a:extLst>
               <a:ext uri="{FF2B5EF4-FFF2-40B4-BE49-F238E27FC236}">
-                <a16:creationId xmlns:a16="http://schemas.microsoft.com/office/drawing/2014/main" xmlns="" id="{CA344CBA-FB2B-44A2-9612-01FA04D41200}"/>
+                <a16:creationId xmlns="" xmlns:a16="http://schemas.microsoft.com/office/drawing/2014/main" id="{CA344CBA-FB2B-44A2-9612-01FA04D41200}"/>
               </a:ext>
             </a:extLst>
           </p:cNvPr>
@@ -5147,7 +5147,7 @@
           <p:cNvPr id="3" name="Content Placeholder 2">
             <a:extLst>
               <a:ext uri="{FF2B5EF4-FFF2-40B4-BE49-F238E27FC236}">
-                <a16:creationId xmlns:a16="http://schemas.microsoft.com/office/drawing/2014/main" xmlns="" id="{F66CA81D-1701-4C2D-AE08-277C299D9B85}"/>
+                <a16:creationId xmlns="" xmlns:a16="http://schemas.microsoft.com/office/drawing/2014/main" id="{F66CA81D-1701-4C2D-AE08-277C299D9B85}"/>
               </a:ext>
             </a:extLst>
           </p:cNvPr>
@@ -5220,11 +5220,7 @@
             </a:pPr>
             <a:r>
               <a:rPr lang="en-US" sz="2000" dirty="0" smtClean="0"/>
-              <a:t>Removed ‘\n’ from </a:t>
-            </a:r>
-            <a:r>
-              <a:rPr lang="en-US" sz="2000" smtClean="0"/>
-              <a:t>the opinions</a:t>
+              <a:t>Removed ‘\n’ from the opinions</a:t>
             </a:r>
             <a:endParaRPr lang="en-US" sz="2000" dirty="0"/>
           </a:p>
@@ -5301,7 +5297,7 @@
           <p:cNvPr id="2" name="Title 1">
             <a:extLst>
               <a:ext uri="{FF2B5EF4-FFF2-40B4-BE49-F238E27FC236}">
-                <a16:creationId xmlns:a16="http://schemas.microsoft.com/office/drawing/2014/main" xmlns="" id="{CA344CBA-FB2B-44A2-9612-01FA04D41200}"/>
+                <a16:creationId xmlns="" xmlns:a16="http://schemas.microsoft.com/office/drawing/2014/main" id="{CA344CBA-FB2B-44A2-9612-01FA04D41200}"/>
               </a:ext>
             </a:extLst>
           </p:cNvPr>
@@ -5334,7 +5330,7 @@
           <p:cNvPr id="3" name="Content Placeholder 2">
             <a:extLst>
               <a:ext uri="{FF2B5EF4-FFF2-40B4-BE49-F238E27FC236}">
-                <a16:creationId xmlns:a16="http://schemas.microsoft.com/office/drawing/2014/main" xmlns="" id="{F66CA81D-1701-4C2D-AE08-277C299D9B85}"/>
+                <a16:creationId xmlns="" xmlns:a16="http://schemas.microsoft.com/office/drawing/2014/main" id="{F66CA81D-1701-4C2D-AE08-277C299D9B85}"/>
               </a:ext>
             </a:extLst>
           </p:cNvPr>
@@ -5361,7 +5357,7 @@
               <a:buNone/>
             </a:pPr>
             <a:r>
-              <a:rPr lang="en-US" sz="1800" dirty="0"/>
+              <a:rPr lang="en-US" sz="2000" dirty="0"/>
               <a:t>The steps to prepare the data for our models:</a:t>
             </a:r>
           </a:p>
@@ -5370,7 +5366,7 @@
               <a:buAutoNum type="arabicParenR"/>
             </a:pPr>
             <a:r>
-              <a:rPr lang="en-US" sz="1800" dirty="0"/>
+              <a:rPr lang="en-US" sz="2000" dirty="0"/>
               <a:t>For each sentence in opinion and compare it to the sentences in the headnotes. </a:t>
             </a:r>
           </a:p>
@@ -5379,7 +5375,7 @@
               <a:buAutoNum type="arabicParenR"/>
             </a:pPr>
             <a:r>
-              <a:rPr lang="en-US" sz="1800" dirty="0"/>
+              <a:rPr lang="en-US" sz="2000" dirty="0"/>
               <a:t>If the sentence increases the rouge score, select the sentence for the summary. </a:t>
             </a:r>
           </a:p>
@@ -5388,7 +5384,7 @@
               <a:buAutoNum type="arabicParenR"/>
             </a:pPr>
             <a:r>
-              <a:rPr lang="en-US" sz="1800" dirty="0"/>
+              <a:rPr lang="en-US" sz="2000" dirty="0"/>
               <a:t>Label the tokenized opinion so that the sentences that are selected have a label of 1 and the sentence that is not selected has a label of 0</a:t>
             </a:r>
           </a:p>
@@ -5397,7 +5393,7 @@
               <a:buAutoNum type="arabicParenR"/>
             </a:pPr>
             <a:r>
-              <a:rPr lang="en-US" sz="1800" dirty="0"/>
+              <a:rPr lang="en-US" sz="2000" dirty="0"/>
               <a:t>Additional columns created are for each opinion</a:t>
             </a:r>
           </a:p>
@@ -5407,7 +5403,7 @@
               <a:buChar char="•"/>
             </a:pPr>
             <a:r>
-              <a:rPr lang="en-US" sz="1400" dirty="0"/>
+              <a:rPr lang="en-US" sz="1600" dirty="0"/>
               <a:t>The starting index of each sentence</a:t>
             </a:r>
           </a:p>
@@ -5417,7 +5413,7 @@
               <a:buChar char="•"/>
             </a:pPr>
             <a:r>
-              <a:rPr lang="en-US" sz="1400" dirty="0"/>
+              <a:rPr lang="en-US" sz="1600" dirty="0"/>
               <a:t>The rank of each word in an opinion</a:t>
             </a:r>
           </a:p>
@@ -5426,32 +5422,32 @@
               <a:buFont typeface="Arial" panose="020B0604020202020204" pitchFamily="34" charset="0"/>
               <a:buChar char="•"/>
             </a:pPr>
-            <a:endParaRPr lang="en-US" sz="1400" dirty="0"/>
+            <a:endParaRPr lang="en-US" sz="1600" dirty="0"/>
           </a:p>
           <a:p>
             <a:pPr marL="749808" lvl="1" indent="-457200">
               <a:buFont typeface="Arial" panose="020B0604020202020204" pitchFamily="34" charset="0"/>
               <a:buChar char="•"/>
             </a:pPr>
-            <a:endParaRPr lang="en-US" sz="1400" dirty="0"/>
+            <a:endParaRPr lang="en-US" sz="1600" dirty="0"/>
           </a:p>
           <a:p>
             <a:pPr marL="457200" indent="-457200">
               <a:buAutoNum type="arabicParenR"/>
             </a:pPr>
-            <a:endParaRPr lang="en-US" sz="1600" dirty="0"/>
+            <a:endParaRPr lang="en-US" sz="1800" dirty="0"/>
           </a:p>
           <a:p>
             <a:pPr marL="457200" indent="-457200">
               <a:buAutoNum type="arabicParenR"/>
             </a:pPr>
-            <a:endParaRPr lang="en-US" sz="2500" dirty="0"/>
+            <a:endParaRPr lang="en-US" sz="2800" dirty="0"/>
           </a:p>
           <a:p>
             <a:pPr marL="457200" indent="-457200">
               <a:buAutoNum type="arabicParenR"/>
             </a:pPr>
-            <a:endParaRPr lang="en-US" sz="2500" dirty="0"/>
+            <a:endParaRPr lang="en-US" sz="2800" dirty="0"/>
           </a:p>
         </p:txBody>
       </p:sp>
@@ -5490,7 +5486,7 @@
           <p:cNvPr id="2" name="Title 1">
             <a:extLst>
               <a:ext uri="{FF2B5EF4-FFF2-40B4-BE49-F238E27FC236}">
-                <a16:creationId xmlns:a16="http://schemas.microsoft.com/office/drawing/2014/main" xmlns="" id="{CA344CBA-FB2B-44A2-9612-01FA04D41200}"/>
+                <a16:creationId xmlns="" xmlns:a16="http://schemas.microsoft.com/office/drawing/2014/main" id="{CA344CBA-FB2B-44A2-9612-01FA04D41200}"/>
               </a:ext>
             </a:extLst>
           </p:cNvPr>
@@ -5508,7 +5504,7 @@
           <a:p>
             <a:r>
               <a:rPr lang="en-US" dirty="0"/>
-              <a:t>Types of Summarizations</a:t>
+              <a:t>Our Research</a:t>
             </a:r>
           </a:p>
         </p:txBody>
@@ -5518,7 +5514,7 @@
           <p:cNvPr id="3" name="Content Placeholder 2">
             <a:extLst>
               <a:ext uri="{FF2B5EF4-FFF2-40B4-BE49-F238E27FC236}">
-                <a16:creationId xmlns:a16="http://schemas.microsoft.com/office/drawing/2014/main" xmlns="" id="{F66CA81D-1701-4C2D-AE08-277C299D9B85}"/>
+                <a16:creationId xmlns="" xmlns:a16="http://schemas.microsoft.com/office/drawing/2014/main" id="{F66CA81D-1701-4C2D-AE08-277C299D9B85}"/>
               </a:ext>
             </a:extLst>
           </p:cNvPr>
@@ -5536,39 +5532,89 @@
           </a:bodyPr>
           <a:lstStyle/>
           <a:p>
-            <a:pPr lvl="0"/>
-            <a:r>
-              <a:rPr lang="en-US" b="1" dirty="0"/>
-              <a:t>Extraction-based summarization</a:t>
-            </a:r>
-            <a:r>
-              <a:rPr lang="en-US" dirty="0"/>
-              <a:t>: Content is extracted from original document and is not modified. This method will extract key phrases or sentences to form a summary. The summary generated by this method may not be the same format as a human might express  it and the sentences may appear disjointed</a:t>
-            </a:r>
-          </a:p>
-          <a:p>
-            <a:pPr lvl="0"/>
-            <a:r>
-              <a:rPr lang="en-US" b="1" dirty="0"/>
-              <a:t>Abstraction-based summarization</a:t>
-            </a:r>
-            <a:r>
-              <a:rPr lang="en-US" dirty="0"/>
-              <a:t>: Abstractive methods generate a summary based on internal semantic representation of the original content, closer to what a human might express. Abstraction may transform the extracted content. Such transformation are computationally very challenging  , involving both NLP (natural language processing) and a deep understanding of the document </a:t>
-            </a:r>
-          </a:p>
-          <a:p>
-            <a:pPr marL="457200" indent="-457200">
-              <a:buAutoNum type="arabicParenR"/>
+            <a:pPr marL="0" indent="0">
+              <a:buNone/>
             </a:pPr>
-            <a:endParaRPr lang="en-US" dirty="0"/>
+            <a:r>
+              <a:rPr lang="en-US" sz="2000" dirty="0"/>
+              <a:t>We searched for existing models that generate summaries based on the following criteria</a:t>
+            </a:r>
+          </a:p>
+          <a:p>
+            <a:pPr>
+              <a:buFont typeface="Wingdings" panose="05000000000000000000" pitchFamily="2" charset="2"/>
+              <a:buChar char="§"/>
+            </a:pPr>
+            <a:r>
+              <a:rPr lang="en-US" sz="2000" dirty="0"/>
+              <a:t>Generate Extractive summaries since they can generate semantically and grammatically correct sentences these models need less resources and understanding of the domain.</a:t>
+            </a:r>
+          </a:p>
+          <a:p>
+            <a:pPr>
+              <a:buFont typeface="Wingdings" panose="05000000000000000000" pitchFamily="2" charset="2"/>
+              <a:buChar char="§"/>
+            </a:pPr>
+            <a:r>
+              <a:rPr lang="en-US" sz="2000" dirty="0"/>
+              <a:t>Summarize  long documents </a:t>
+            </a:r>
+          </a:p>
+          <a:p>
+            <a:pPr>
+              <a:buFont typeface="Wingdings" panose="05000000000000000000" pitchFamily="2" charset="2"/>
+              <a:buChar char="§"/>
+            </a:pPr>
+            <a:r>
+              <a:rPr lang="en-US" sz="2000" dirty="0"/>
+              <a:t>Perform well as measured by the </a:t>
+            </a:r>
+            <a:r>
+              <a:rPr lang="en-US" sz="2000" b="1" dirty="0"/>
+              <a:t>ROGUE</a:t>
+            </a:r>
+            <a:r>
+              <a:rPr lang="en-US" sz="2000" dirty="0"/>
+              <a:t> (</a:t>
+            </a:r>
+            <a:r>
+              <a:rPr lang="en-US" sz="2000" b="1" dirty="0"/>
+              <a:t>Recall-Oriented Understudy for </a:t>
+            </a:r>
+            <a:r>
+              <a:rPr lang="en-US" sz="2000" b="1" dirty="0" err="1"/>
+              <a:t>Gisting</a:t>
+            </a:r>
+            <a:r>
+              <a:rPr lang="en-US" sz="2000" b="1" dirty="0"/>
+              <a:t> Evaluation) Metric</a:t>
+            </a:r>
+            <a:r>
+              <a:rPr lang="en-US" sz="2000" dirty="0"/>
+              <a:t> Score. </a:t>
+            </a:r>
+          </a:p>
+          <a:p>
+            <a:pPr>
+              <a:buFont typeface="Wingdings" panose="05000000000000000000" pitchFamily="2" charset="2"/>
+              <a:buChar char="§"/>
+            </a:pPr>
+            <a:r>
+              <a:rPr lang="en-US" sz="2000" dirty="0"/>
+              <a:t>Can be implemented in the given time </a:t>
+            </a:r>
+            <a:r>
+              <a:rPr lang="en-US" sz="2000" dirty="0" smtClean="0"/>
+              <a:t>constraint</a:t>
+            </a:r>
+            <a:endParaRPr lang="en-US" sz="2000" dirty="0"/>
           </a:p>
         </p:txBody>
       </p:sp>
     </p:spTree>
     <p:extLst>
       <p:ext uri="{BB962C8B-B14F-4D97-AF65-F5344CB8AC3E}">
-        <p14:creationId xmlns:p14="http://schemas.microsoft.com/office/powerpoint/2010/main" val="1897433995"/>
+        <p14:creationId xmlns:p14="http://schemas.microsoft.com/office/powerpoint/2010/main" val="2529450920"/>
       </p:ext>
     </p:extLst>
   </p:cSld>
@@ -5600,7 +5646,7 @@
           <p:cNvPr id="2" name="Title 1">
             <a:extLst>
               <a:ext uri="{FF2B5EF4-FFF2-40B4-BE49-F238E27FC236}">
-                <a16:creationId xmlns:a16="http://schemas.microsoft.com/office/drawing/2014/main" xmlns="" id="{CA344CBA-FB2B-44A2-9612-01FA04D41200}"/>
+                <a16:creationId xmlns="" xmlns:a16="http://schemas.microsoft.com/office/drawing/2014/main" id="{CA344CBA-FB2B-44A2-9612-01FA04D41200}"/>
               </a:ext>
             </a:extLst>
           </p:cNvPr>
@@ -5617,10 +5663,9 @@
           <a:lstStyle/>
           <a:p>
             <a:r>
-              <a:rPr lang="en-US"/>
-              <a:t>Our Research</a:t>
-            </a:r>
-            <a:endParaRPr lang="en-US" dirty="0"/>
+              <a:rPr lang="en-US" dirty="0"/>
+              <a:t>Types of Summarizations</a:t>
+            </a:r>
           </a:p>
         </p:txBody>
       </p:sp>
@@ -5629,7 +5674,7 @@
           <p:cNvPr id="3" name="Content Placeholder 2">
             <a:extLst>
               <a:ext uri="{FF2B5EF4-FFF2-40B4-BE49-F238E27FC236}">
-                <a16:creationId xmlns:a16="http://schemas.microsoft.com/office/drawing/2014/main" xmlns="" id="{F66CA81D-1701-4C2D-AE08-277C299D9B85}"/>
+                <a16:creationId xmlns="" xmlns:a16="http://schemas.microsoft.com/office/drawing/2014/main" id="{F66CA81D-1701-4C2D-AE08-277C299D9B85}"/>
               </a:ext>
             </a:extLst>
           </p:cNvPr>
@@ -5647,84 +5692,26 @@
           </a:bodyPr>
           <a:lstStyle/>
           <a:p>
-            <a:pPr marL="0" indent="0">
-              <a:buNone/>
-            </a:pPr>
-            <a:r>
-              <a:rPr lang="en-US" sz="2000" dirty="0"/>
-              <a:t>We searched for existing models that generate summaries based on the following criteria</a:t>
-            </a:r>
-            <a:endParaRPr lang="en-US" sz="4800" dirty="0"/>
-          </a:p>
-          <a:p>
-            <a:pPr>
-              <a:buFont typeface="Wingdings" panose="05000000000000000000" pitchFamily="2" charset="2"/>
-              <a:buChar char="§"/>
-            </a:pPr>
+            <a:pPr lvl="0"/>
+            <a:r>
+              <a:rPr lang="en-US" b="1" dirty="0"/>
+              <a:t>Extraction-based summarization</a:t>
+            </a:r>
             <a:r>
               <a:rPr lang="en-US" dirty="0"/>
-              <a:t>Generate Extractive summaries since they can generate semantically and grammatically correct sentences these models need less resources and understanding of the domain.</a:t>
-            </a:r>
-          </a:p>
-          <a:p>
-            <a:pPr>
-              <a:buFont typeface="Wingdings" panose="05000000000000000000" pitchFamily="2" charset="2"/>
-              <a:buChar char="§"/>
-            </a:pPr>
+              <a:t>: Content is extracted from original document and is not modified. This method will extract key phrases or sentences to form a summary. The summary generated by this method may not be the same format as a human might express  it and the sentences may appear disjointed</a:t>
+            </a:r>
+          </a:p>
+          <a:p>
+            <a:pPr lvl="0"/>
+            <a:r>
+              <a:rPr lang="en-US" b="1" dirty="0"/>
+              <a:t>Abstraction-based summarization</a:t>
+            </a:r>
             <a:r>
               <a:rPr lang="en-US" dirty="0"/>
-              <a:t>Summarize  long documents </a:t>
-            </a:r>
-          </a:p>
-          <a:p>
-            <a:pPr>
-              <a:buFont typeface="Wingdings" panose="05000000000000000000" pitchFamily="2" charset="2"/>
-              <a:buChar char="§"/>
-            </a:pPr>
-            <a:r>
-              <a:rPr lang="en-US" dirty="0"/>
-              <a:t>Perform well as measured by the </a:t>
-            </a:r>
-            <a:r>
-              <a:rPr lang="en-US" b="1" dirty="0"/>
-              <a:t>ROGUE</a:t>
-            </a:r>
-            <a:r>
-              <a:rPr lang="en-US" dirty="0"/>
-              <a:t> (</a:t>
-            </a:r>
-            <a:r>
-              <a:rPr lang="en-US" b="1" dirty="0"/>
-              <a:t>Recall-Oriented Understudy for </a:t>
-            </a:r>
-            <a:r>
-              <a:rPr lang="en-US" b="1" dirty="0" err="1"/>
-              <a:t>Gisting</a:t>
-            </a:r>
-            <a:r>
-              <a:rPr lang="en-US" b="1" dirty="0"/>
-              <a:t> Evaluation) Metric</a:t>
-            </a:r>
-            <a:r>
-              <a:rPr lang="en-US" dirty="0"/>
-              <a:t> Score. </a:t>
-            </a:r>
-          </a:p>
-          <a:p>
-            <a:pPr>
-              <a:buFont typeface="Wingdings" panose="05000000000000000000" pitchFamily="2" charset="2"/>
-              <a:buChar char="§"/>
-            </a:pPr>
-            <a:r>
-              <a:rPr lang="en-US" dirty="0"/>
-              <a:t>Can be implemented in the given time constraint</a:t>
-            </a:r>
-          </a:p>
-          <a:p>
-            <a:pPr marL="457200" indent="-457200">
-              <a:buAutoNum type="arabicParenR" startAt="3"/>
-            </a:pPr>
-            <a:endParaRPr lang="en-US" dirty="0"/>
+              <a:t>: Abstractive methods generate a summary based on internal semantic representation of the original content, closer to what a human might express. Abstraction may transform the extracted content. Such transformation are computationally very challenging  , involving both NLP (natural language processing) and a deep understanding of the document </a:t>
+            </a:r>
           </a:p>
           <a:p>
             <a:pPr marL="457200" indent="-457200">
@@ -5737,7 +5724,7 @@
     </p:spTree>
     <p:extLst>
       <p:ext uri="{BB962C8B-B14F-4D97-AF65-F5344CB8AC3E}">
-        <p14:creationId xmlns:p14="http://schemas.microsoft.com/office/powerpoint/2010/main" val="2529450920"/>
+        <p14:creationId xmlns:p14="http://schemas.microsoft.com/office/powerpoint/2010/main" val="1897433995"/>
       </p:ext>
     </p:extLst>
   </p:cSld>
@@ -5769,7 +5756,7 @@
           <p:cNvPr id="2" name="Title 1">
             <a:extLst>
               <a:ext uri="{FF2B5EF4-FFF2-40B4-BE49-F238E27FC236}">
-                <a16:creationId xmlns:a16="http://schemas.microsoft.com/office/drawing/2014/main" xmlns="" id="{CA344CBA-FB2B-44A2-9612-01FA04D41200}"/>
+                <a16:creationId xmlns="" xmlns:a16="http://schemas.microsoft.com/office/drawing/2014/main" id="{CA344CBA-FB2B-44A2-9612-01FA04D41200}"/>
               </a:ext>
             </a:extLst>
           </p:cNvPr>
@@ -5802,7 +5789,7 @@
           <p:cNvPr id="3" name="Content Placeholder 2">
             <a:extLst>
               <a:ext uri="{FF2B5EF4-FFF2-40B4-BE49-F238E27FC236}">
-                <a16:creationId xmlns:a16="http://schemas.microsoft.com/office/drawing/2014/main" xmlns="" id="{F66CA81D-1701-4C2D-AE08-277C299D9B85}"/>
+                <a16:creationId xmlns="" xmlns:a16="http://schemas.microsoft.com/office/drawing/2014/main" id="{F66CA81D-1701-4C2D-AE08-277C299D9B85}"/>
               </a:ext>
             </a:extLst>
           </p:cNvPr>
@@ -5821,7 +5808,7 @@
         </p:spPr>
         <p:txBody>
           <a:bodyPr>
-            <a:normAutofit/>
+            <a:normAutofit fontScale="77500" lnSpcReduction="20000"/>
           </a:bodyPr>
           <a:lstStyle/>
           <a:p>
@@ -5841,15 +5828,25 @@
               <a:rPr lang="en-US" dirty="0">
                 <a:hlinkClick r:id="rId2"/>
               </a:rPr>
-              <a:t>Text Summarization with Pretrained Encoders</a:t>
-            </a:r>
-            <a:r>
-              <a:rPr lang="en-US" sz="2500" dirty="0"/>
-              <a:t>: </a:t>
-            </a:r>
-            <a:r>
-              <a:rPr lang="en-US" dirty="0"/>
-              <a:t>Bidirectional Encoder Representations from Transformers (BERT; Devlin et al. 2019) represents a pretrained language models which have recently advanced a wide range of natural language processing tasks. </a:t>
+              <a:t>Text Summarization with Pretrained </a:t>
+            </a:r>
+            <a:r>
+              <a:rPr lang="en-US" dirty="0" smtClean="0">
+                <a:hlinkClick r:id="rId2"/>
+              </a:rPr>
+              <a:t>Encoders</a:t>
+            </a:r>
+            <a:r>
+              <a:rPr lang="en-US" dirty="0" smtClean="0"/>
+              <a:t> (</a:t>
+            </a:r>
+            <a:r>
+              <a:rPr lang="en-US" dirty="0" err="1" smtClean="0"/>
+              <a:t>PreSumm</a:t>
+            </a:r>
+            <a:r>
+              <a:rPr lang="en-US" dirty="0" smtClean="0"/>
+              <a:t>):</a:t>
             </a:r>
           </a:p>
           <a:p>
@@ -5857,21 +5854,207 @@
               <a:buNone/>
             </a:pPr>
             <a:r>
-              <a:rPr lang="en-US" dirty="0"/>
-              <a:t>This model uses BERT for text summarization and propose a general framework for extractive models. This is a document-level encoder based on BERT which is able to express the semantics of a document and obtain representations for its sentences. Several inter sentence transformer layers are stacked over the </a:t>
-            </a:r>
-            <a:r>
-              <a:rPr lang="en-US" dirty="0">
-                <a:solidFill>
-                  <a:srgbClr val="FF0000"/>
-                </a:solidFill>
+              <a:rPr lang="en-US" sz="1800" dirty="0" smtClean="0"/>
+              <a:t>by </a:t>
+            </a:r>
+            <a:r>
+              <a:rPr lang="en-US" sz="1800" dirty="0"/>
+              <a:t>Yang Liu and </a:t>
+            </a:r>
+            <a:r>
+              <a:rPr lang="en-US" sz="1800" dirty="0" err="1"/>
+              <a:t>Mirella</a:t>
+            </a:r>
+            <a:r>
+              <a:rPr lang="en-US" sz="1800" dirty="0"/>
+              <a:t> </a:t>
+            </a:r>
+            <a:r>
+              <a:rPr lang="en-US" sz="1800" dirty="0" err="1" smtClean="0"/>
+              <a:t>Lapata</a:t>
+            </a:r>
+            <a:endParaRPr lang="en-US" sz="1800" dirty="0" smtClean="0"/>
+          </a:p>
+          <a:p>
+            <a:pPr marL="0" indent="0">
+              <a:buNone/>
+            </a:pPr>
+            <a:r>
+              <a:rPr lang="en-US" sz="2100" dirty="0" smtClean="0"/>
+              <a:t>The </a:t>
+            </a:r>
+            <a:r>
+              <a:rPr lang="en-US" sz="2100" dirty="0" err="1" smtClean="0"/>
+              <a:t>PreSumm</a:t>
+            </a:r>
+            <a:r>
+              <a:rPr lang="en-US" sz="2100" dirty="0" smtClean="0"/>
+              <a:t> </a:t>
+            </a:r>
+            <a:r>
+              <a:rPr lang="en-US" sz="2100" dirty="0"/>
+              <a:t>model uses BERT for text summarization and propose a general framework for extractive models. This is a document-level encoder based on BERT which is able to express the semantics of a document and obtain representations for its sentences. Several inter sentence transformer layers are stacked over </a:t>
+            </a:r>
+            <a:r>
+              <a:rPr lang="en-US" sz="2100" dirty="0"/>
+              <a:t>the </a:t>
+            </a:r>
+            <a:r>
+              <a:rPr lang="en-US" sz="2100" dirty="0"/>
+              <a:t>BERT </a:t>
+            </a:r>
+            <a:r>
+              <a:rPr lang="en-US" sz="2100" dirty="0"/>
+              <a:t>encoder</a:t>
+            </a:r>
+            <a:r>
+              <a:rPr lang="en-US" sz="2100" dirty="0" smtClean="0"/>
+              <a:t>.</a:t>
+            </a:r>
+          </a:p>
+          <a:p>
+            <a:pPr marL="0" indent="0">
+              <a:buNone/>
+            </a:pPr>
+            <a:r>
+              <a:rPr lang="en-US" sz="2100" dirty="0"/>
+              <a:t>Our extractive model is built on top of this encoder by stacking several inter- sentence Transformer layers to capture document- level features for extracting sentences. Our </a:t>
+            </a:r>
+            <a:r>
+              <a:rPr lang="en-US" sz="2100" dirty="0" smtClean="0"/>
+              <a:t>abstractive </a:t>
+            </a:r>
+            <a:r>
+              <a:rPr lang="en-US" sz="2100" dirty="0"/>
+              <a:t>model adopts an encoder-decoder </a:t>
+            </a:r>
+            <a:r>
+              <a:rPr lang="en-US" sz="2100" dirty="0" smtClean="0"/>
+              <a:t>architecture</a:t>
+            </a:r>
+            <a:r>
+              <a:rPr lang="en-US" sz="2100" dirty="0"/>
+              <a:t>, combining the same </a:t>
+            </a:r>
+            <a:r>
+              <a:rPr lang="en-US" sz="2100" dirty="0" smtClean="0"/>
+              <a:t>pre-trained </a:t>
+            </a:r>
+            <a:r>
+              <a:rPr lang="en-US" sz="2100" dirty="0"/>
+              <a:t>BERT </a:t>
+            </a:r>
+            <a:r>
+              <a:rPr lang="en-US" sz="2100" dirty="0" smtClean="0"/>
+              <a:t>encoder </a:t>
+            </a:r>
+            <a:r>
+              <a:rPr lang="en-US" sz="2100" dirty="0"/>
+              <a:t>with a randomly-initialized Transformer </a:t>
+            </a:r>
+            <a:r>
+              <a:rPr lang="en-US" sz="2100" dirty="0" smtClean="0"/>
+              <a:t>decoder.</a:t>
+            </a:r>
+            <a:endParaRPr lang="en-US" sz="2100" dirty="0" smtClean="0"/>
+          </a:p>
+          <a:p>
+            <a:pPr marL="0" indent="0">
+              <a:buNone/>
+            </a:pPr>
+            <a:endParaRPr lang="en-US" sz="100" dirty="0" smtClean="0"/>
+          </a:p>
+          <a:p>
+            <a:pPr marL="292608" lvl="1" indent="0">
+              <a:buNone/>
+            </a:pPr>
+            <a:r>
+              <a:rPr lang="en-US" sz="2200" dirty="0" smtClean="0">
+                <a:latin typeface="Arial Black"/>
+                <a:cs typeface="Arial Black"/>
               </a:rPr>
-              <a:t>BERY</a:t>
-            </a:r>
-            <a:r>
-              <a:rPr lang="en-US" dirty="0"/>
-              <a:t> encoder.</a:t>
-            </a:r>
+              <a:t>B</a:t>
+            </a:r>
+            <a:r>
+              <a:rPr lang="en-US" sz="2200" dirty="0" smtClean="0"/>
+              <a:t>idirectional </a:t>
+            </a:r>
+            <a:r>
+              <a:rPr lang="en-US" sz="2200" dirty="0">
+                <a:latin typeface="Arial Black"/>
+                <a:cs typeface="Arial Black"/>
+              </a:rPr>
+              <a:t>E</a:t>
+            </a:r>
+            <a:r>
+              <a:rPr lang="en-US" sz="2200" dirty="0"/>
+              <a:t>ncoder </a:t>
+            </a:r>
+            <a:r>
+              <a:rPr lang="en-US" sz="2200" dirty="0">
+                <a:latin typeface="Arial Black"/>
+                <a:cs typeface="Arial Black"/>
+              </a:rPr>
+              <a:t>R</a:t>
+            </a:r>
+            <a:r>
+              <a:rPr lang="en-US" sz="2200" dirty="0"/>
+              <a:t>epresentations from </a:t>
+            </a:r>
+            <a:r>
+              <a:rPr lang="en-US" sz="2200" dirty="0">
+                <a:latin typeface="Arial Black"/>
+                <a:cs typeface="Arial Black"/>
+              </a:rPr>
+              <a:t>T</a:t>
+            </a:r>
+            <a:r>
+              <a:rPr lang="en-US" sz="2200" dirty="0"/>
+              <a:t>ransformers (BERT; Devlin et al. 2019) represents a </a:t>
+            </a:r>
+            <a:r>
+              <a:rPr lang="en-US" sz="2200" dirty="0" err="1"/>
+              <a:t>pretrained</a:t>
+            </a:r>
+            <a:r>
+              <a:rPr lang="en-US" sz="2200" dirty="0"/>
+              <a:t> language models which have recently advanced a wide range of natural language processing tasks. </a:t>
+            </a:r>
+            <a:endParaRPr lang="en-US" sz="2200" dirty="0" smtClean="0"/>
+          </a:p>
+          <a:p>
+            <a:pPr marL="0" indent="0">
+              <a:buNone/>
+            </a:pPr>
+            <a:r>
+              <a:rPr lang="en-US" sz="1600" dirty="0"/>
+              <a:t>code is available at </a:t>
+            </a:r>
+            <a:r>
+              <a:rPr lang="en-US" sz="1600" dirty="0">
+                <a:hlinkClick r:id="rId3"/>
+              </a:rPr>
+              <a:t>https://github.com</a:t>
+            </a:r>
+            <a:r>
+              <a:rPr lang="en-US" sz="1600" dirty="0" smtClean="0">
+                <a:hlinkClick r:id="rId3"/>
+              </a:rPr>
+              <a:t>/nlpyang</a:t>
+            </a:r>
+            <a:r>
+              <a:rPr lang="en-US" sz="1600" dirty="0">
+                <a:hlinkClick r:id="rId3"/>
+              </a:rPr>
+              <a:t>/</a:t>
+            </a:r>
+            <a:r>
+              <a:rPr lang="en-US" sz="1600" dirty="0" smtClean="0">
+                <a:hlinkClick r:id="rId3"/>
+              </a:rPr>
+              <a:t>PreSumm</a:t>
+            </a:r>
+            <a:endParaRPr lang="en-US" sz="1600" dirty="0"/>
           </a:p>
         </p:txBody>
       </p:sp>
@@ -5910,7 +6093,7 @@
           <p:cNvPr id="2" name="Title 1">
             <a:extLst>
               <a:ext uri="{FF2B5EF4-FFF2-40B4-BE49-F238E27FC236}">
-                <a16:creationId xmlns:a16="http://schemas.microsoft.com/office/drawing/2014/main" xmlns="" id="{CA344CBA-FB2B-44A2-9612-01FA04D41200}"/>
+                <a16:creationId xmlns="" xmlns:a16="http://schemas.microsoft.com/office/drawing/2014/main" id="{CA344CBA-FB2B-44A2-9612-01FA04D41200}"/>
               </a:ext>
             </a:extLst>
           </p:cNvPr>
@@ -5943,7 +6126,7 @@
           <p:cNvPr id="3" name="Content Placeholder 2">
             <a:extLst>
               <a:ext uri="{FF2B5EF4-FFF2-40B4-BE49-F238E27FC236}">
-                <a16:creationId xmlns:a16="http://schemas.microsoft.com/office/drawing/2014/main" xmlns="" id="{F66CA81D-1701-4C2D-AE08-277C299D9B85}"/>
+                <a16:creationId xmlns="" xmlns:a16="http://schemas.microsoft.com/office/drawing/2014/main" id="{F66CA81D-1701-4C2D-AE08-277C299D9B85}"/>
               </a:ext>
             </a:extLst>
           </p:cNvPr>
@@ -5956,13 +6139,13 @@
         </p:nvSpPr>
         <p:spPr>
           <a:xfrm>
-            <a:off x="365760" y="1955800"/>
-            <a:ext cx="7487920" cy="4378959"/>
+            <a:off x="365759" y="1955800"/>
+            <a:ext cx="8065113" cy="4378959"/>
           </a:xfrm>
         </p:spPr>
         <p:txBody>
           <a:bodyPr>
-            <a:normAutofit fontScale="62500" lnSpcReduction="20000"/>
+            <a:normAutofit fontScale="47500" lnSpcReduction="20000"/>
           </a:bodyPr>
           <a:lstStyle/>
           <a:p>
@@ -5970,42 +6153,125 @@
               <a:buNone/>
             </a:pPr>
             <a:r>
-              <a:rPr lang="en-US" sz="2500" dirty="0">
+              <a:rPr lang="en-US" sz="2900" dirty="0">
                 <a:hlinkClick r:id="rId2"/>
               </a:rPr>
               <a:t>Extractive Summarization as Text Matching</a:t>
             </a:r>
             <a:r>
+              <a:rPr lang="en-US" sz="2900" dirty="0" smtClean="0"/>
+              <a:t>:</a:t>
+            </a:r>
+          </a:p>
+          <a:p>
+            <a:pPr marL="0" indent="0">
+              <a:buNone/>
+            </a:pPr>
+            <a:r>
               <a:rPr lang="en-US" sz="2500" dirty="0"/>
-              <a:t>: Most extractive summarization systems extract sentences one by one from the original text, model the relationship between the sentences , and then select several sentences to form a summary. and may not  consider the semantics of the entire summary. </a:t>
-            </a:r>
+              <a:t>By Ming </a:t>
+            </a:r>
+            <a:r>
+              <a:rPr lang="en-US" sz="2500" dirty="0" err="1" smtClean="0"/>
+              <a:t>Zhong</a:t>
+            </a:r>
+            <a:r>
+              <a:rPr lang="en-US" sz="2500" dirty="0" smtClean="0"/>
+              <a:t>, </a:t>
+            </a:r>
+            <a:r>
+              <a:rPr lang="en-US" sz="2500" dirty="0" err="1"/>
+              <a:t>Pengfei</a:t>
+            </a:r>
+            <a:r>
+              <a:rPr lang="en-US" sz="2500" dirty="0"/>
+              <a:t> </a:t>
+            </a:r>
+            <a:r>
+              <a:rPr lang="en-US" sz="2500" dirty="0" smtClean="0"/>
+              <a:t>Liu, </a:t>
+            </a:r>
+            <a:r>
+              <a:rPr lang="en-US" sz="2500" dirty="0" err="1"/>
+              <a:t>Yiran</a:t>
+            </a:r>
+            <a:r>
+              <a:rPr lang="en-US" sz="2500" dirty="0"/>
+              <a:t> Chen, </a:t>
+            </a:r>
+            <a:r>
+              <a:rPr lang="en-US" sz="2500" dirty="0" err="1"/>
+              <a:t>Danqing</a:t>
+            </a:r>
+            <a:r>
+              <a:rPr lang="en-US" sz="2500" dirty="0"/>
+              <a:t> Wang, </a:t>
+            </a:r>
+            <a:r>
+              <a:rPr lang="en-US" sz="2500" dirty="0" err="1"/>
+              <a:t>Xipeng</a:t>
+            </a:r>
+            <a:r>
+              <a:rPr lang="en-US" sz="2500" dirty="0"/>
+              <a:t> </a:t>
+            </a:r>
+            <a:r>
+              <a:rPr lang="en-US" sz="2500" dirty="0" err="1" smtClean="0"/>
+              <a:t>Qiu</a:t>
+            </a:r>
+            <a:r>
+              <a:rPr lang="en-US" sz="2500" dirty="0" smtClean="0"/>
+              <a:t>, and </a:t>
+            </a:r>
+            <a:r>
+              <a:rPr lang="en-US" sz="2500" dirty="0" err="1" smtClean="0"/>
+              <a:t>Xuanjing</a:t>
+            </a:r>
+            <a:r>
+              <a:rPr lang="en-US" sz="2500" dirty="0" smtClean="0"/>
+              <a:t> </a:t>
+            </a:r>
+            <a:r>
+              <a:rPr lang="en-US" sz="2500" dirty="0"/>
+              <a:t>Huang</a:t>
+            </a:r>
+            <a:endParaRPr lang="en-US" sz="2500" dirty="0" smtClean="0"/>
           </a:p>
           <a:p>
             <a:pPr marL="0" indent="0">
               <a:buNone/>
             </a:pPr>
             <a:r>
-              <a:rPr lang="en-US" sz="2500" dirty="0"/>
+              <a:rPr lang="en-US" sz="2900" dirty="0" smtClean="0"/>
+              <a:t>Most </a:t>
+            </a:r>
+            <a:r>
+              <a:rPr lang="en-US" sz="2900" dirty="0"/>
+              <a:t>extractive summarization systems extract sentences one by one from the original text, model the relationship between the sentences , and then select several sentences to form a summary. and may not  consider the semantics of the entire summary. </a:t>
+            </a:r>
+          </a:p>
+          <a:p>
+            <a:pPr marL="0" indent="0">
+              <a:buNone/>
+            </a:pPr>
+            <a:r>
+              <a:rPr lang="en-US" sz="2900" dirty="0"/>
               <a:t>This method performs Semantic text matching to estimate semantic similarity between a source and a target text fragment. It is trained on the CNN/ Daily Mail dataset and uses a Siamese-BERT(Bidirectional Encoder Representations from Transformers</a:t>
             </a:r>
             <a:r>
-              <a:rPr lang="en-US" dirty="0"/>
+              <a:rPr lang="en-US" sz="2000" dirty="0"/>
               <a:t>) </a:t>
             </a:r>
             <a:r>
-              <a:rPr lang="en-US" sz="2500" dirty="0"/>
+              <a:rPr lang="en-US" sz="2900" dirty="0"/>
               <a:t>architecture to compute the similarity between several candidate summaries to the source document and </a:t>
             </a:r>
             <a:r>
-              <a:rPr lang="en-US" sz="2500" dirty="0" err="1">
-                <a:solidFill>
-                  <a:srgbClr val="FF0000"/>
-                </a:solidFill>
-              </a:rPr>
-              <a:t>seledt</a:t>
-            </a:r>
-            <a:r>
-              <a:rPr lang="en-US" sz="2500" dirty="0">
+              <a:rPr lang="en-US" sz="2900" dirty="0"/>
+              <a:t>select</a:t>
+            </a:r>
+            <a:r>
+              <a:rPr lang="en-US" sz="2900" dirty="0" smtClean="0">
                 <a:solidFill>
                   <a:srgbClr val="FF0000"/>
                 </a:solidFill>
@@ -6013,7 +6279,7 @@
               <a:t> </a:t>
             </a:r>
             <a:r>
-              <a:rPr lang="en-US" sz="2500" dirty="0"/>
+              <a:rPr lang="en-US" sz="2900" dirty="0"/>
               <a:t>the best candidate summary.  </a:t>
             </a:r>
           </a:p>
@@ -6022,15 +6288,15 @@
               <a:buNone/>
             </a:pPr>
             <a:r>
-              <a:rPr lang="en-US" sz="2500" dirty="0"/>
+              <a:rPr lang="en-US" sz="2900" dirty="0"/>
               <a:t>A </a:t>
             </a:r>
             <a:r>
-              <a:rPr lang="en-US" sz="2500" b="1" dirty="0"/>
+              <a:rPr lang="en-US" sz="2900" b="1" dirty="0"/>
               <a:t>Siamese</a:t>
             </a:r>
             <a:r>
-              <a:rPr lang="en-US" sz="2500" dirty="0"/>
+              <a:rPr lang="en-US" sz="2900" dirty="0"/>
               <a:t> networks consists of two identical neural networks, each taking one of the two input inputs. The last layers of the two networks are then fed to a contrastive loss function , which calculates the similarity between the two inputs. </a:t>
             </a:r>
           </a:p>
@@ -6039,9 +6305,51 @@
               <a:buNone/>
             </a:pPr>
             <a:r>
-              <a:rPr lang="en-US" sz="2500" dirty="0"/>
-              <a:t>Siamese BERT leverages the pre-trained BERT in a Siamese network structure to derive semantically meaningful text embeddings that can be compared using cosine-similarity. </a:t>
-            </a:r>
+              <a:rPr lang="en-US" sz="2900" dirty="0"/>
+              <a:t>Siamese BERT leverages the pre-trained BERT in a Siamese network structure to derive semantically meaningful text embeddings that can be compared using cosine-similarity</a:t>
+            </a:r>
+            <a:r>
+              <a:rPr lang="en-US" sz="2900" dirty="0" smtClean="0"/>
+              <a:t>.</a:t>
+            </a:r>
+          </a:p>
+          <a:p>
+            <a:pPr marL="0" indent="0">
+              <a:buNone/>
+            </a:pPr>
+            <a:r>
+              <a:rPr lang="en-US" sz="2200" dirty="0" smtClean="0"/>
+              <a:t>Code </a:t>
+            </a:r>
+            <a:r>
+              <a:rPr lang="en-US" sz="2200" dirty="0"/>
+              <a:t>from  </a:t>
+            </a:r>
+            <a:r>
+              <a:rPr lang="en-US" sz="2200" dirty="0">
+                <a:hlinkClick r:id="rId3"/>
+              </a:rPr>
+              <a:t>https://</a:t>
+            </a:r>
+            <a:r>
+              <a:rPr lang="en-US" sz="2200" dirty="0" smtClean="0">
+                <a:hlinkClick r:id="rId3"/>
+              </a:rPr>
+              <a:t>github.com</a:t>
+            </a:r>
+            <a:r>
+              <a:rPr lang="en-US" sz="2200" dirty="0">
+                <a:hlinkClick r:id="rId3"/>
+              </a:rPr>
+              <a:t>/maszhongming/</a:t>
+            </a:r>
+            <a:r>
+              <a:rPr lang="en-US" sz="2200" dirty="0" smtClean="0">
+                <a:hlinkClick r:id="rId3"/>
+              </a:rPr>
+              <a:t>MatchSum</a:t>
+            </a:r>
+            <a:endParaRPr lang="en-US" sz="2200" dirty="0"/>
           </a:p>
         </p:txBody>
       </p:sp>
@@ -6050,7 +6358,7 @@
           <p:cNvPr id="5" name="Picture 4">
             <a:extLst>
               <a:ext uri="{FF2B5EF4-FFF2-40B4-BE49-F238E27FC236}">
-                <a16:creationId xmlns:a16="http://schemas.microsoft.com/office/drawing/2014/main" xmlns="" id="{668BF638-F52C-4FEE-B217-66970DBFBBD4}"/>
+                <a16:creationId xmlns="" xmlns:a16="http://schemas.microsoft.com/office/drawing/2014/main" id="{668BF638-F52C-4FEE-B217-66970DBFBBD4}"/>
               </a:ext>
             </a:extLst>
           </p:cNvPr>
@@ -6060,7 +6368,7 @@
           <p:nvPr/>
         </p:nvPicPr>
         <p:blipFill>
-          <a:blip r:embed="rId3">
+          <a:blip r:embed="rId4">
             <a:extLst>
               <a:ext uri="{28A0092B-C50C-407E-A947-70E740481C1C}">
                 <a14:useLocalDpi xmlns:a14="http://schemas.microsoft.com/office/drawing/2010/main" val="0"/>
@@ -6073,7 +6381,7 @@
         </p:blipFill>
         <p:spPr>
           <a:xfrm>
-            <a:off x="8227377" y="2826702"/>
+            <a:off x="8484086" y="2813192"/>
             <a:ext cx="2676525" cy="1895475"/>
           </a:xfrm>
           <a:prstGeom prst="rect">
@@ -6086,7 +6394,7 @@
           <p:cNvPr id="9" name="TextBox 8">
             <a:extLst>
               <a:ext uri="{FF2B5EF4-FFF2-40B4-BE49-F238E27FC236}">
-                <a16:creationId xmlns:a16="http://schemas.microsoft.com/office/drawing/2014/main" xmlns="" id="{EF3D1033-0999-46CA-98D2-EA188D7E4913}"/>
+                <a16:creationId xmlns="" xmlns:a16="http://schemas.microsoft.com/office/drawing/2014/main" id="{EF3D1033-0999-46CA-98D2-EA188D7E4913}"/>
               </a:ext>
             </a:extLst>
           </p:cNvPr>
@@ -6095,8 +6403,8 @@
         </p:nvSpPr>
         <p:spPr>
           <a:xfrm>
-            <a:off x="7889241" y="5024120"/>
-            <a:ext cx="4150360" cy="246221"/>
+            <a:off x="8484917" y="5024121"/>
+            <a:ext cx="2675180" cy="246221"/>
           </a:xfrm>
           <a:prstGeom prst="rect">
             <a:avLst/>
@@ -6109,6 +6417,7 @@
           </a:bodyPr>
           <a:lstStyle/>
           <a:p>
+            <a:pPr algn="ctr"/>
             <a:r>
               <a:rPr lang="en-US" sz="1000" dirty="0">
                 <a:hlinkClick r:id="rId2"/>
@@ -6409,7 +6718,7 @@
   <a:extraClrSchemeLst/>
   <a:extLst>
     <a:ext uri="{05A4C25C-085E-4340-85A3-A5531E510DB2}">
-      <thm15:themeFamily xmlns:thm15="http://schemas.microsoft.com/office/thememl/2012/main" xmlns="" name="TWO.pptx" id="{769520F8-BFE5-4C8C-A7AA-375C025A91CE}" vid="{AEAFD717-D3C8-4034-8F7E-D5220B0CCEB8}"/>
+      <thm15:themeFamily xmlns="" xmlns:thm15="http://schemas.microsoft.com/office/thememl/2012/main" name="TWO.pptx" id="{769520F8-BFE5-4C8C-A7AA-375C025A91CE}" vid="{AEAFD717-D3C8-4034-8F7E-D5220B0CCEB8}"/>
     </a:ext>
   </a:extLst>
 </a:theme>

--- a/Group 45 Data Science for Case Law.pptx
+++ b/Group 45 Data Science for Case Law.pptx
@@ -11,11 +11,16 @@
     <p:sldId id="270" r:id="rId5"/>
     <p:sldId id="271" r:id="rId6"/>
     <p:sldId id="261" r:id="rId7"/>
-    <p:sldId id="272" r:id="rId8"/>
-    <p:sldId id="262" r:id="rId9"/>
-    <p:sldId id="263" r:id="rId10"/>
-    <p:sldId id="266" r:id="rId11"/>
-    <p:sldId id="265" r:id="rId12"/>
+    <p:sldId id="262" r:id="rId8"/>
+    <p:sldId id="263" r:id="rId9"/>
+    <p:sldId id="274" r:id="rId10"/>
+    <p:sldId id="279" r:id="rId11"/>
+    <p:sldId id="276" r:id="rId12"/>
+    <p:sldId id="277" r:id="rId13"/>
+    <p:sldId id="278" r:id="rId14"/>
+    <p:sldId id="272" r:id="rId15"/>
+    <p:sldId id="275" r:id="rId16"/>
+    <p:sldId id="265" r:id="rId17"/>
   </p:sldIdLst>
   <p:sldSz cx="12192000" cy="6858000"/>
   <p:notesSz cx="6858000" cy="9144000"/>
@@ -3888,7 +3893,7 @@
         <p:spPr>
           <a:xfrm>
             <a:off x="5305783" y="4672739"/>
-            <a:ext cx="6648199" cy="1021498"/>
+            <a:ext cx="6748633" cy="1021498"/>
           </a:xfrm>
         </p:spPr>
         <p:txBody>
@@ -3952,7 +3957,73 @@
                   </a:schemeClr>
                 </a:solidFill>
               </a:rPr>
-              <a:t>  prerna Aggarwal  Fernando </a:t>
+              <a:t> |</a:t>
+            </a:r>
+            <a:r>
+              <a:rPr lang="en-US" sz="1600" dirty="0" smtClean="0">
+                <a:solidFill>
+                  <a:schemeClr val="tx1">
+                    <a:lumMod val="85000"/>
+                    <a:lumOff val="15000"/>
+                  </a:schemeClr>
+                </a:solidFill>
+              </a:rPr>
+              <a:t> </a:t>
+            </a:r>
+            <a:r>
+              <a:rPr lang="en-US" sz="1600" dirty="0">
+                <a:solidFill>
+                  <a:schemeClr val="tx1">
+                    <a:lumMod val="85000"/>
+                    <a:lumOff val="15000"/>
+                  </a:schemeClr>
+                </a:solidFill>
+              </a:rPr>
+              <a:t>prerna </a:t>
+            </a:r>
+            <a:r>
+              <a:rPr lang="en-US" sz="1600" dirty="0" err="1">
+                <a:solidFill>
+                  <a:schemeClr val="tx1">
+                    <a:lumMod val="85000"/>
+                    <a:lumOff val="15000"/>
+                  </a:schemeClr>
+                </a:solidFill>
+              </a:rPr>
+              <a:t>Aggarwal</a:t>
+            </a:r>
+            <a:r>
+              <a:rPr lang="en-US" sz="1600" dirty="0">
+                <a:solidFill>
+                  <a:schemeClr val="tx1">
+                    <a:lumMod val="85000"/>
+                    <a:lumOff val="15000"/>
+                  </a:schemeClr>
+                </a:solidFill>
+              </a:rPr>
+              <a:t> </a:t>
+            </a:r>
+            <a:r>
+              <a:rPr lang="en-US" sz="1600" dirty="0" smtClean="0">
+                <a:solidFill>
+                  <a:schemeClr val="tx1">
+                    <a:lumMod val="85000"/>
+                    <a:lumOff val="15000"/>
+                  </a:schemeClr>
+                </a:solidFill>
+              </a:rPr>
+              <a:t>| </a:t>
+            </a:r>
+            <a:r>
+              <a:rPr lang="en-US" sz="1600" dirty="0">
+                <a:solidFill>
+                  <a:schemeClr val="tx1">
+                    <a:lumMod val="85000"/>
+                    <a:lumOff val="15000"/>
+                  </a:schemeClr>
+                </a:solidFill>
+              </a:rPr>
+              <a:t>Fernando </a:t>
             </a:r>
             <a:r>
               <a:rPr lang="en-US" sz="1600" dirty="0" err="1">
@@ -4098,13 +4169,7 @@
       </p:grpSpPr>
       <p:sp>
         <p:nvSpPr>
-          <p:cNvPr id="2" name="Title 1">
-            <a:extLst>
-              <a:ext uri="{FF2B5EF4-FFF2-40B4-BE49-F238E27FC236}">
-                <a16:creationId xmlns="" xmlns:a16="http://schemas.microsoft.com/office/drawing/2014/main" id="{CA344CBA-FB2B-44A2-9612-01FA04D41200}"/>
-              </a:ext>
-            </a:extLst>
-          </p:cNvPr>
+          <p:cNvPr id="2" name="Title 1"/>
           <p:cNvSpPr>
             <a:spLocks noGrp="1"/>
           </p:cNvSpPr>
@@ -4112,213 +4177,435 @@
             <p:ph type="title"/>
           </p:nvPr>
         </p:nvSpPr>
-        <p:spPr>
-          <a:xfrm>
-            <a:off x="1097280" y="286603"/>
-            <a:ext cx="10058400" cy="1181517"/>
-          </a:xfrm>
-        </p:spPr>
+        <p:spPr/>
         <p:txBody>
           <a:bodyPr/>
           <a:lstStyle/>
           <a:p>
             <a:r>
-              <a:rPr lang="en-US" dirty="0">
-                <a:solidFill>
-                  <a:srgbClr val="FF0000"/>
-                </a:solidFill>
-              </a:rPr>
+              <a:rPr lang="en-US" dirty="0"/>
               <a:t>Our </a:t>
             </a:r>
             <a:r>
-              <a:rPr lang="en-US" dirty="0" smtClean="0">
-                <a:solidFill>
-                  <a:srgbClr val="FF0000"/>
-                </a:solidFill>
-              </a:rPr>
-              <a:t>Research (DUPLICATE)</a:t>
-            </a:r>
-            <a:endParaRPr lang="en-US" dirty="0">
-              <a:solidFill>
-                <a:srgbClr val="FF0000"/>
-              </a:solidFill>
-            </a:endParaRPr>
-          </a:p>
-        </p:txBody>
-      </p:sp>
-      <p:sp>
-        <p:nvSpPr>
-          <p:cNvPr id="3" name="Content Placeholder 2">
-            <a:extLst>
-              <a:ext uri="{FF2B5EF4-FFF2-40B4-BE49-F238E27FC236}">
-                <a16:creationId xmlns="" xmlns:a16="http://schemas.microsoft.com/office/drawing/2014/main" id="{F66CA81D-1701-4C2D-AE08-277C299D9B85}"/>
-              </a:ext>
-            </a:extLst>
-          </p:cNvPr>
-          <p:cNvSpPr>
-            <a:spLocks noGrp="1"/>
-          </p:cNvSpPr>
+              <a:rPr lang="en-US" dirty="0" smtClean="0"/>
+              <a:t>Research (scores)</a:t>
+            </a:r>
+            <a:endParaRPr lang="en-US" dirty="0"/>
+          </a:p>
+        </p:txBody>
+      </p:sp>
+      <p:graphicFrame>
+        <p:nvGraphicFramePr>
+          <p:cNvPr id="5" name="Content Placeholder 4"/>
+          <p:cNvGraphicFramePr>
+            <a:graphicFrameLocks noGrp="1"/>
+          </p:cNvGraphicFramePr>
           <p:nvPr>
             <p:ph idx="1"/>
-          </p:nvPr>
-        </p:nvSpPr>
-        <p:spPr>
-          <a:xfrm>
-            <a:off x="365760" y="1955800"/>
-            <a:ext cx="7487920" cy="4378959"/>
-          </a:xfrm>
-        </p:spPr>
-        <p:txBody>
-          <a:bodyPr>
-            <a:normAutofit fontScale="62500" lnSpcReduction="20000"/>
-          </a:bodyPr>
-          <a:lstStyle/>
-          <a:p>
-            <a:pPr marL="0" indent="0">
-              <a:buNone/>
-            </a:pPr>
-            <a:r>
-              <a:rPr lang="en-US" sz="2500" dirty="0">
-                <a:hlinkClick r:id="rId2"/>
-              </a:rPr>
-              <a:t>Extractive Summarization as Text Matching</a:t>
-            </a:r>
-            <a:r>
-              <a:rPr lang="en-US" sz="2500" dirty="0"/>
-              <a:t>: Most extractive summarization systems extract sentences one by one from the original text, model the relationship between the sentences , and then select several sentences to form a summary. and may not  consider the semantics of the entire summary. </a:t>
-            </a:r>
-          </a:p>
-          <a:p>
-            <a:pPr marL="0" indent="0">
-              <a:buNone/>
-            </a:pPr>
-            <a:r>
-              <a:rPr lang="en-US" sz="2500" dirty="0"/>
-              <a:t>This method performs Semantic text matching to estimate semantic similarity between a source and a target text fragment. It is trained on the CNN/ Daily Mail dataset and uses a Siamese-BERT(Bidirectional Encoder Representations from Transformers</a:t>
-            </a:r>
-            <a:r>
-              <a:rPr lang="en-US" dirty="0"/>
-              <a:t>) </a:t>
-            </a:r>
-            <a:r>
-              <a:rPr lang="en-US" sz="2500" dirty="0"/>
-              <a:t>architecture to compute the similarity between several candidate summaries to the source document and </a:t>
-            </a:r>
-            <a:r>
-              <a:rPr lang="en-US" sz="2500" dirty="0" err="1"/>
-              <a:t>seledt</a:t>
-            </a:r>
-            <a:r>
-              <a:rPr lang="en-US" sz="2500" dirty="0"/>
-              <a:t> the best candidate summary.  </a:t>
-            </a:r>
-          </a:p>
-          <a:p>
-            <a:pPr marL="0" indent="0">
-              <a:buNone/>
-            </a:pPr>
-            <a:r>
-              <a:rPr lang="en-US" sz="2500" dirty="0"/>
-              <a:t>A </a:t>
-            </a:r>
-            <a:r>
-              <a:rPr lang="en-US" sz="2500" b="1" dirty="0"/>
-              <a:t>Siamese</a:t>
-            </a:r>
-            <a:r>
-              <a:rPr lang="en-US" sz="2500" dirty="0"/>
-              <a:t> networks consists of two identical neural networks, each taking one of the two input inputs. The last layers of the two networks are then fed to a contrastive loss function , which calculates the similarity between the two inputs. </a:t>
-            </a:r>
-          </a:p>
-          <a:p>
-            <a:pPr marL="0" indent="0">
-              <a:buNone/>
-            </a:pPr>
-            <a:r>
-              <a:rPr lang="en-US" sz="2500" dirty="0"/>
-              <a:t>Siamese BERT leverages the pre-trained BERT in a Siamese network structure to derive semantically meaningful text embeddings that can be compared using cosine-similarity. </a:t>
-            </a:r>
-          </a:p>
-        </p:txBody>
-      </p:sp>
-      <p:pic>
-        <p:nvPicPr>
-          <p:cNvPr id="5" name="Picture 4">
-            <a:extLst>
-              <a:ext uri="{FF2B5EF4-FFF2-40B4-BE49-F238E27FC236}">
-                <a16:creationId xmlns="" xmlns:a16="http://schemas.microsoft.com/office/drawing/2014/main" id="{668BF638-F52C-4FEE-B217-66970DBFBBD4}"/>
-              </a:ext>
-            </a:extLst>
-          </p:cNvPr>
-          <p:cNvPicPr>
-            <a:picLocks noChangeAspect="1"/>
-          </p:cNvPicPr>
-          <p:nvPr/>
-        </p:nvPicPr>
-        <p:blipFill>
-          <a:blip r:embed="rId3">
-            <a:extLst>
-              <a:ext uri="{28A0092B-C50C-407E-A947-70E740481C1C}">
-                <a14:useLocalDpi xmlns:a14="http://schemas.microsoft.com/office/drawing/2010/main" val="0"/>
-              </a:ext>
-            </a:extLst>
-          </a:blip>
-          <a:stretch>
-            <a:fillRect/>
-          </a:stretch>
-        </p:blipFill>
-        <p:spPr>
-          <a:xfrm>
-            <a:off x="8227377" y="2826702"/>
-            <a:ext cx="2676525" cy="1895475"/>
-          </a:xfrm>
-          <a:prstGeom prst="rect">
-            <a:avLst/>
-          </a:prstGeom>
-        </p:spPr>
-      </p:pic>
-      <p:sp>
-        <p:nvSpPr>
-          <p:cNvPr id="9" name="TextBox 8">
-            <a:extLst>
-              <a:ext uri="{FF2B5EF4-FFF2-40B4-BE49-F238E27FC236}">
-                <a16:creationId xmlns="" xmlns:a16="http://schemas.microsoft.com/office/drawing/2014/main" id="{EF3D1033-0999-46CA-98D2-EA188D7E4913}"/>
-              </a:ext>
-            </a:extLst>
-          </p:cNvPr>
-          <p:cNvSpPr txBox="1"/>
-          <p:nvPr/>
-        </p:nvSpPr>
-        <p:spPr>
-          <a:xfrm>
-            <a:off x="7889241" y="5024120"/>
-            <a:ext cx="4150360" cy="246221"/>
-          </a:xfrm>
-          <a:prstGeom prst="rect">
-            <a:avLst/>
-          </a:prstGeom>
-          <a:noFill/>
-        </p:spPr>
-        <p:txBody>
-          <a:bodyPr wrap="square" rtlCol="0">
-            <a:spAutoFit/>
-          </a:bodyPr>
-          <a:lstStyle/>
-          <a:p>
-            <a:r>
-              <a:rPr lang="en-US" sz="1000" dirty="0">
-                <a:hlinkClick r:id="rId2"/>
-              </a:rPr>
-              <a:t>Extractive Summarization as Text Matching</a:t>
-            </a:r>
-            <a:endParaRPr lang="en-US" sz="1000" dirty="0"/>
-          </a:p>
-        </p:txBody>
-      </p:sp>
+            <p:extLst>
+              <p:ext uri="{D42A27DB-BD31-4B8C-83A1-F6EECF244321}">
+                <p14:modId xmlns:p14="http://schemas.microsoft.com/office/powerpoint/2010/main" val="251890502"/>
+              </p:ext>
+            </p:extLst>
+          </p:nvPr>
+        </p:nvGraphicFramePr>
+        <p:xfrm>
+          <a:off x="1096963" y="2108200"/>
+          <a:ext cx="10058400" cy="2225040"/>
+        </p:xfrm>
+        <a:graphic>
+          <a:graphicData uri="http://schemas.openxmlformats.org/drawingml/2006/table">
+            <a:tbl>
+              <a:tblPr firstRow="1" bandRow="1">
+                <a:tableStyleId>{5C22544A-7EE6-4342-B048-85BDC9FD1C3A}</a:tableStyleId>
+              </a:tblPr>
+              <a:tblGrid>
+                <a:gridCol w="1798334"/>
+                <a:gridCol w="1711347"/>
+                <a:gridCol w="2525359"/>
+                <a:gridCol w="2011680"/>
+                <a:gridCol w="2011680"/>
+              </a:tblGrid>
+              <a:tr h="370840">
+                <a:tc>
+                  <a:txBody>
+                    <a:bodyPr/>
+                    <a:lstStyle/>
+                    <a:p>
+                      <a:r>
+                        <a:rPr lang="en-US" dirty="0" smtClean="0"/>
+                        <a:t>SOTA</a:t>
+                      </a:r>
+                      <a:endParaRPr lang="en-US" dirty="0"/>
+                    </a:p>
+                  </a:txBody>
+                  <a:tcPr/>
+                </a:tc>
+                <a:tc>
+                  <a:txBody>
+                    <a:bodyPr/>
+                    <a:lstStyle/>
+                    <a:p>
+                      <a:r>
+                        <a:rPr lang="en-US" dirty="0" smtClean="0"/>
+                        <a:t>Type</a:t>
+                      </a:r>
+                      <a:endParaRPr lang="en-US" dirty="0"/>
+                    </a:p>
+                  </a:txBody>
+                  <a:tcPr/>
+                </a:tc>
+                <a:tc>
+                  <a:txBody>
+                    <a:bodyPr/>
+                    <a:lstStyle/>
+                    <a:p>
+                      <a:r>
+                        <a:rPr lang="en-US" dirty="0" smtClean="0"/>
+                        <a:t>Transformer</a:t>
+                      </a:r>
+                      <a:endParaRPr lang="en-US" dirty="0"/>
+                    </a:p>
+                  </a:txBody>
+                  <a:tcPr/>
+                </a:tc>
+                <a:tc>
+                  <a:txBody>
+                    <a:bodyPr/>
+                    <a:lstStyle/>
+                    <a:p>
+                      <a:r>
+                        <a:rPr lang="en-US" dirty="0" smtClean="0"/>
+                        <a:t>Pre-trained</a:t>
+                      </a:r>
+                      <a:endParaRPr lang="en-US" dirty="0"/>
+                    </a:p>
+                  </a:txBody>
+                  <a:tcPr/>
+                </a:tc>
+                <a:tc>
+                  <a:txBody>
+                    <a:bodyPr/>
+                    <a:lstStyle/>
+                    <a:p>
+                      <a:r>
+                        <a:rPr lang="en-US" dirty="0" smtClean="0"/>
+                        <a:t>Trained</a:t>
+                      </a:r>
+                      <a:endParaRPr lang="en-US" dirty="0"/>
+                    </a:p>
+                  </a:txBody>
+                  <a:tcPr/>
+                </a:tc>
+              </a:tr>
+              <a:tr h="370840">
+                <a:tc rowSpan="3">
+                  <a:txBody>
+                    <a:bodyPr/>
+                    <a:lstStyle/>
+                    <a:p>
+                      <a:r>
+                        <a:rPr lang="en-US" dirty="0" err="1" smtClean="0"/>
+                        <a:t>PreSumm</a:t>
+                      </a:r>
+                      <a:endParaRPr lang="en-US" dirty="0"/>
+                    </a:p>
+                  </a:txBody>
+                  <a:tcPr anchor="ctr"/>
+                </a:tc>
+                <a:tc>
+                  <a:txBody>
+                    <a:bodyPr/>
+                    <a:lstStyle/>
+                    <a:p>
+                      <a:r>
+                        <a:rPr lang="en-US" dirty="0" smtClean="0"/>
+                        <a:t>Extractive</a:t>
+                      </a:r>
+                      <a:endParaRPr lang="en-US" dirty="0"/>
+                    </a:p>
+                  </a:txBody>
+                  <a:tcPr/>
+                </a:tc>
+                <a:tc>
+                  <a:txBody>
+                    <a:bodyPr/>
+                    <a:lstStyle/>
+                    <a:p>
+                      <a:r>
+                        <a:rPr lang="en-US" dirty="0" smtClean="0"/>
+                        <a:t>Bert</a:t>
+                      </a:r>
+                      <a:endParaRPr lang="en-US" dirty="0"/>
+                    </a:p>
+                  </a:txBody>
+                  <a:tcPr/>
+                </a:tc>
+                <a:tc>
+                  <a:txBody>
+                    <a:bodyPr/>
+                    <a:lstStyle/>
+                    <a:p>
+                      <a:endParaRPr lang="en-US" dirty="0"/>
+                    </a:p>
+                  </a:txBody>
+                  <a:tcPr/>
+                </a:tc>
+                <a:tc>
+                  <a:txBody>
+                    <a:bodyPr/>
+                    <a:lstStyle/>
+                    <a:p>
+                      <a:endParaRPr lang="en-US"/>
+                    </a:p>
+                  </a:txBody>
+                  <a:tcPr/>
+                </a:tc>
+              </a:tr>
+              <a:tr h="370840">
+                <a:tc vMerge="1">
+                  <a:txBody>
+                    <a:bodyPr/>
+                    <a:lstStyle/>
+                    <a:p>
+                      <a:endParaRPr lang="en-US" dirty="0"/>
+                    </a:p>
+                  </a:txBody>
+                  <a:tcPr/>
+                </a:tc>
+                <a:tc rowSpan="2">
+                  <a:txBody>
+                    <a:bodyPr/>
+                    <a:lstStyle/>
+                    <a:p>
+                      <a:r>
+                        <a:rPr lang="en-US" dirty="0" smtClean="0"/>
+                        <a:t>Abstractive</a:t>
+                      </a:r>
+                      <a:endParaRPr lang="en-US" dirty="0"/>
+                    </a:p>
+                  </a:txBody>
+                  <a:tcPr anchor="ctr"/>
+                </a:tc>
+                <a:tc>
+                  <a:txBody>
+                    <a:bodyPr/>
+                    <a:lstStyle/>
+                    <a:p>
+                      <a:r>
+                        <a:rPr lang="en-US" dirty="0" smtClean="0"/>
+                        <a:t>Baseline Transformer</a:t>
+                      </a:r>
+                      <a:endParaRPr lang="en-US" dirty="0"/>
+                    </a:p>
+                  </a:txBody>
+                  <a:tcPr/>
+                </a:tc>
+                <a:tc>
+                  <a:txBody>
+                    <a:bodyPr/>
+                    <a:lstStyle/>
+                    <a:p>
+                      <a:endParaRPr lang="en-US"/>
+                    </a:p>
+                  </a:txBody>
+                  <a:tcPr/>
+                </a:tc>
+                <a:tc>
+                  <a:txBody>
+                    <a:bodyPr/>
+                    <a:lstStyle/>
+                    <a:p>
+                      <a:endParaRPr lang="en-US" dirty="0"/>
+                    </a:p>
+                  </a:txBody>
+                  <a:tcPr/>
+                </a:tc>
+              </a:tr>
+              <a:tr h="370840">
+                <a:tc vMerge="1">
+                  <a:txBody>
+                    <a:bodyPr/>
+                    <a:lstStyle/>
+                    <a:p>
+                      <a:endParaRPr lang="en-US" dirty="0"/>
+                    </a:p>
+                  </a:txBody>
+                  <a:tcPr/>
+                </a:tc>
+                <a:tc vMerge="1">
+                  <a:txBody>
+                    <a:bodyPr/>
+                    <a:lstStyle/>
+                    <a:p>
+                      <a:endParaRPr lang="en-US" dirty="0"/>
+                    </a:p>
+                  </a:txBody>
+                  <a:tcPr/>
+                </a:tc>
+                <a:tc>
+                  <a:txBody>
+                    <a:bodyPr/>
+                    <a:lstStyle/>
+                    <a:p>
+                      <a:r>
+                        <a:rPr lang="en-US" dirty="0" smtClean="0"/>
+                        <a:t>Bert</a:t>
+                      </a:r>
+                      <a:endParaRPr lang="en-US" dirty="0"/>
+                    </a:p>
+                  </a:txBody>
+                  <a:tcPr/>
+                </a:tc>
+                <a:tc>
+                  <a:txBody>
+                    <a:bodyPr/>
+                    <a:lstStyle/>
+                    <a:p>
+                      <a:endParaRPr lang="en-US"/>
+                    </a:p>
+                  </a:txBody>
+                  <a:tcPr/>
+                </a:tc>
+                <a:tc>
+                  <a:txBody>
+                    <a:bodyPr/>
+                    <a:lstStyle/>
+                    <a:p>
+                      <a:endParaRPr lang="en-US"/>
+                    </a:p>
+                  </a:txBody>
+                  <a:tcPr/>
+                </a:tc>
+              </a:tr>
+              <a:tr h="370840">
+                <a:tc rowSpan="2">
+                  <a:txBody>
+                    <a:bodyPr/>
+                    <a:lstStyle/>
+                    <a:p>
+                      <a:r>
+                        <a:rPr lang="en-US" dirty="0" err="1" smtClean="0"/>
+                        <a:t>MatchSum</a:t>
+                      </a:r>
+                      <a:endParaRPr lang="en-US" dirty="0"/>
+                    </a:p>
+                  </a:txBody>
+                  <a:tcPr anchor="ctr"/>
+                </a:tc>
+                <a:tc rowSpan="2">
+                  <a:txBody>
+                    <a:bodyPr/>
+                    <a:lstStyle/>
+                    <a:p>
+                      <a:r>
+                        <a:rPr lang="en-US" dirty="0" smtClean="0"/>
+                        <a:t>Extractive</a:t>
+                      </a:r>
+                      <a:endParaRPr lang="en-US" dirty="0"/>
+                    </a:p>
+                  </a:txBody>
+                  <a:tcPr anchor="ctr"/>
+                </a:tc>
+                <a:tc>
+                  <a:txBody>
+                    <a:bodyPr/>
+                    <a:lstStyle/>
+                    <a:p>
+                      <a:r>
+                        <a:rPr lang="en-US" dirty="0" smtClean="0"/>
+                        <a:t>Bert</a:t>
+                      </a:r>
+                      <a:endParaRPr lang="en-US" dirty="0"/>
+                    </a:p>
+                  </a:txBody>
+                  <a:tcPr/>
+                </a:tc>
+                <a:tc>
+                  <a:txBody>
+                    <a:bodyPr/>
+                    <a:lstStyle/>
+                    <a:p>
+                      <a:endParaRPr lang="en-US"/>
+                    </a:p>
+                  </a:txBody>
+                  <a:tcPr/>
+                </a:tc>
+                <a:tc>
+                  <a:txBody>
+                    <a:bodyPr/>
+                    <a:lstStyle/>
+                    <a:p>
+                      <a:endParaRPr lang="en-US"/>
+                    </a:p>
+                  </a:txBody>
+                  <a:tcPr/>
+                </a:tc>
+              </a:tr>
+              <a:tr h="370840">
+                <a:tc vMerge="1">
+                  <a:txBody>
+                    <a:bodyPr/>
+                    <a:lstStyle/>
+                    <a:p>
+                      <a:endParaRPr lang="en-US" dirty="0"/>
+                    </a:p>
+                  </a:txBody>
+                  <a:tcPr/>
+                </a:tc>
+                <a:tc vMerge="1">
+                  <a:txBody>
+                    <a:bodyPr/>
+                    <a:lstStyle/>
+                    <a:p>
+                      <a:endParaRPr lang="en-US" dirty="0"/>
+                    </a:p>
+                  </a:txBody>
+                  <a:tcPr/>
+                </a:tc>
+                <a:tc>
+                  <a:txBody>
+                    <a:bodyPr/>
+                    <a:lstStyle/>
+                    <a:p>
+                      <a:r>
+                        <a:rPr lang="en-US" dirty="0" smtClean="0"/>
+                        <a:t>Roberta</a:t>
+                      </a:r>
+                      <a:endParaRPr lang="en-US" dirty="0"/>
+                    </a:p>
+                  </a:txBody>
+                  <a:tcPr/>
+                </a:tc>
+                <a:tc>
+                  <a:txBody>
+                    <a:bodyPr/>
+                    <a:lstStyle/>
+                    <a:p>
+                      <a:endParaRPr lang="en-US"/>
+                    </a:p>
+                  </a:txBody>
+                  <a:tcPr/>
+                </a:tc>
+                <a:tc>
+                  <a:txBody>
+                    <a:bodyPr/>
+                    <a:lstStyle/>
+                    <a:p>
+                      <a:endParaRPr lang="en-US" dirty="0"/>
+                    </a:p>
+                  </a:txBody>
+                  <a:tcPr/>
+                </a:tc>
+              </a:tr>
+            </a:tbl>
+          </a:graphicData>
+        </a:graphic>
+      </p:graphicFrame>
     </p:spTree>
     <p:extLst>
       <p:ext uri="{BB962C8B-B14F-4D97-AF65-F5344CB8AC3E}">
-        <p14:creationId xmlns:p14="http://schemas.microsoft.com/office/powerpoint/2010/main" val="905971681"/>
+        <p14:creationId xmlns:p14="http://schemas.microsoft.com/office/powerpoint/2010/main" val="532003155"/>
       </p:ext>
     </p:extLst>
   </p:cSld>
@@ -4329,6 +4616,1901 @@
 </file>
 
 <file path=ppt/slides/slide11.xml><?xml version="1.0" encoding="utf-8"?>
+<p:sld xmlns:a="http://schemas.openxmlformats.org/drawingml/2006/main" xmlns:r="http://schemas.openxmlformats.org/officeDocument/2006/relationships" xmlns:p="http://schemas.openxmlformats.org/presentationml/2006/main">
+  <p:cSld>
+    <p:spTree>
+      <p:nvGrpSpPr>
+        <p:cNvPr id="1" name=""/>
+        <p:cNvGrpSpPr/>
+        <p:nvPr/>
+      </p:nvGrpSpPr>
+      <p:grpSpPr>
+        <a:xfrm>
+          <a:off x="0" y="0"/>
+          <a:ext cx="0" cy="0"/>
+          <a:chOff x="0" y="0"/>
+          <a:chExt cx="0" cy="0"/>
+        </a:xfrm>
+      </p:grpSpPr>
+      <p:sp>
+        <p:nvSpPr>
+          <p:cNvPr id="2" name="Title 1">
+            <a:extLst>
+              <a:ext uri="{FF2B5EF4-FFF2-40B4-BE49-F238E27FC236}">
+                <a16:creationId xmlns="" xmlns:a16="http://schemas.microsoft.com/office/drawing/2014/main" id="{B15ED5BE-AD40-47E3-AA33-E7B1B63CB7CC}"/>
+              </a:ext>
+            </a:extLst>
+          </p:cNvPr>
+          <p:cNvSpPr>
+            <a:spLocks noGrp="1"/>
+          </p:cNvSpPr>
+          <p:nvPr>
+            <p:ph type="title"/>
+          </p:nvPr>
+        </p:nvSpPr>
+        <p:spPr>
+          <a:xfrm>
+            <a:off x="1097280" y="286604"/>
+            <a:ext cx="10058400" cy="1575534"/>
+          </a:xfrm>
+        </p:spPr>
+        <p:txBody>
+          <a:bodyPr>
+            <a:normAutofit/>
+          </a:bodyPr>
+          <a:lstStyle/>
+          <a:p>
+            <a:r>
+              <a:rPr lang="en-US" dirty="0"/>
+              <a:t>Sample Results (</a:t>
+            </a:r>
+            <a:r>
+              <a:rPr lang="en-US" dirty="0" err="1"/>
+              <a:t>MatchSum</a:t>
+            </a:r>
+            <a:r>
+              <a:rPr lang="en-US" dirty="0" smtClean="0"/>
+              <a:t>)</a:t>
+            </a:r>
+            <a:endParaRPr lang="en-US" dirty="0"/>
+          </a:p>
+        </p:txBody>
+      </p:sp>
+      <p:sp>
+        <p:nvSpPr>
+          <p:cNvPr id="3" name="Content Placeholder 2">
+            <a:extLst>
+              <a:ext uri="{FF2B5EF4-FFF2-40B4-BE49-F238E27FC236}">
+                <a16:creationId xmlns="" xmlns:a16="http://schemas.microsoft.com/office/drawing/2014/main" id="{2F67B85E-7F9D-4104-B6CD-FC83865A7E25}"/>
+              </a:ext>
+            </a:extLst>
+          </p:cNvPr>
+          <p:cNvSpPr>
+            <a:spLocks noGrp="1"/>
+          </p:cNvSpPr>
+          <p:nvPr>
+            <p:ph idx="1"/>
+          </p:nvPr>
+        </p:nvSpPr>
+        <p:spPr>
+          <a:xfrm>
+            <a:off x="1195320" y="1931606"/>
+            <a:ext cx="9960360" cy="4439491"/>
+          </a:xfrm>
+          <a:ln>
+            <a:noFill/>
+          </a:ln>
+        </p:spPr>
+        <p:style>
+          <a:lnRef idx="2">
+            <a:schemeClr val="dk1"/>
+          </a:lnRef>
+          <a:fillRef idx="1">
+            <a:schemeClr val="lt1"/>
+          </a:fillRef>
+          <a:effectRef idx="0">
+            <a:schemeClr val="dk1"/>
+          </a:effectRef>
+          <a:fontRef idx="minor">
+            <a:schemeClr val="dk1"/>
+          </a:fontRef>
+        </p:style>
+        <p:txBody>
+          <a:bodyPr anchor="t">
+            <a:normAutofit/>
+          </a:bodyPr>
+          <a:lstStyle/>
+          <a:p>
+            <a:pPr marL="0" lvl="0" indent="0">
+              <a:lnSpc>
+                <a:spcPct val="107000"/>
+              </a:lnSpc>
+              <a:spcBef>
+                <a:spcPts val="0"/>
+              </a:spcBef>
+              <a:spcAft>
+                <a:spcPts val="800"/>
+              </a:spcAft>
+              <a:buNone/>
+              <a:tabLst>
+                <a:tab pos="457200" algn="l"/>
+              </a:tabLst>
+            </a:pPr>
+            <a:r>
+              <a:rPr lang="en-US" sz="1600" b="1" dirty="0">
+                <a:latin typeface="Calibri" panose="020F0502020204030204" pitchFamily="34" charset="0"/>
+                <a:ea typeface="Calibri" panose="020F0502020204030204" pitchFamily="34" charset="0"/>
+                <a:cs typeface="Times New Roman" panose="02020603050405020304" pitchFamily="18" charset="0"/>
+              </a:rPr>
+              <a:t>Actual Headnote:</a:t>
+            </a:r>
+          </a:p>
+          <a:p>
+            <a:pPr marL="0" lvl="0" indent="0">
+              <a:lnSpc>
+                <a:spcPct val="107000"/>
+              </a:lnSpc>
+              <a:spcBef>
+                <a:spcPts val="0"/>
+              </a:spcBef>
+              <a:spcAft>
+                <a:spcPts val="800"/>
+              </a:spcAft>
+              <a:buNone/>
+              <a:tabLst>
+                <a:tab pos="457200" algn="l"/>
+              </a:tabLst>
+            </a:pPr>
+            <a:r>
+              <a:rPr lang="en-US" sz="1600" dirty="0">
+                <a:latin typeface="Calibri" panose="020F0502020204030204" pitchFamily="34" charset="0"/>
+                <a:ea typeface="Calibri" panose="020F0502020204030204" pitchFamily="34" charset="0"/>
+                <a:cs typeface="Times New Roman" panose="02020603050405020304" pitchFamily="18" charset="0"/>
+              </a:rPr>
+              <a:t>employer and employee -- non-compete agreement -- client-based -- unreasonable the trial court correctly granted defendant 's motion for a dismissal under </a:t>
+            </a:r>
+            <a:r>
+              <a:rPr lang="en-US" sz="1600" dirty="0" err="1">
+                <a:latin typeface="Calibri" panose="020F0502020204030204" pitchFamily="34" charset="0"/>
+                <a:ea typeface="Calibri" panose="020F0502020204030204" pitchFamily="34" charset="0"/>
+                <a:cs typeface="Times New Roman" panose="02020603050405020304" pitchFamily="18" charset="0"/>
+              </a:rPr>
+              <a:t>n.c.g.s.</a:t>
+            </a:r>
+            <a:r>
+              <a:rPr lang="en-US" sz="1600" dirty="0">
+                <a:latin typeface="Calibri" panose="020F0502020204030204" pitchFamily="34" charset="0"/>
+                <a:ea typeface="Calibri" panose="020F0502020204030204" pitchFamily="34" charset="0"/>
+                <a:cs typeface="Times New Roman" panose="02020603050405020304" pitchFamily="18" charset="0"/>
+              </a:rPr>
+              <a:t> § 1a-1 , rule 12 ( b ) ( 6 ) of an action arising from a non-compete agreement where the client-based territorial restriction and the five-year time limitation in the agreement were unreasonable .although a five-year time restriction may be upheld , it must be considered with its geographical scope .here , the physical scope of the territorial restriction is irrelevant , but the substitution of the client base is unreasonable </a:t>
+            </a:r>
+            <a:r>
+              <a:rPr lang="en-US" sz="1600" dirty="0">
+                <a:highlight>
+                  <a:srgbClr val="00FF00"/>
+                </a:highlight>
+                <a:latin typeface="Calibri" panose="020F0502020204030204" pitchFamily="34" charset="0"/>
+                <a:ea typeface="Calibri" panose="020F0502020204030204" pitchFamily="34" charset="0"/>
+                <a:cs typeface="Times New Roman" panose="02020603050405020304" pitchFamily="18" charset="0"/>
+              </a:rPr>
+              <a:t>because it </a:t>
+            </a:r>
+            <a:r>
+              <a:rPr lang="en-US" sz="1600" b="1" dirty="0">
+                <a:solidFill>
+                  <a:srgbClr val="FF0000"/>
+                </a:solidFill>
+                <a:highlight>
+                  <a:srgbClr val="00FF00"/>
+                </a:highlight>
+                <a:latin typeface="Calibri" panose="020F0502020204030204" pitchFamily="34" charset="0"/>
+                <a:ea typeface="Calibri" panose="020F0502020204030204" pitchFamily="34" charset="0"/>
+                <a:cs typeface="Times New Roman" panose="02020603050405020304" pitchFamily="18" charset="0"/>
+              </a:rPr>
+              <a:t>prevents</a:t>
+            </a:r>
+            <a:r>
+              <a:rPr lang="en-US" sz="1600" dirty="0">
+                <a:solidFill>
+                  <a:srgbClr val="FF0000"/>
+                </a:solidFill>
+                <a:highlight>
+                  <a:srgbClr val="00FF00"/>
+                </a:highlight>
+                <a:latin typeface="Calibri" panose="020F0502020204030204" pitchFamily="34" charset="0"/>
+                <a:ea typeface="Calibri" panose="020F0502020204030204" pitchFamily="34" charset="0"/>
+                <a:cs typeface="Times New Roman" panose="02020603050405020304" pitchFamily="18" charset="0"/>
+              </a:rPr>
+              <a:t> defendant </a:t>
+            </a:r>
+            <a:r>
+              <a:rPr lang="en-US" sz="1600" b="1" dirty="0">
+                <a:solidFill>
+                  <a:srgbClr val="FF0000"/>
+                </a:solidFill>
+                <a:highlight>
+                  <a:srgbClr val="00FF00"/>
+                </a:highlight>
+                <a:latin typeface="Calibri" panose="020F0502020204030204" pitchFamily="34" charset="0"/>
+                <a:ea typeface="Calibri" panose="020F0502020204030204" pitchFamily="34" charset="0"/>
+                <a:cs typeface="Times New Roman" panose="02020603050405020304" pitchFamily="18" charset="0"/>
+              </a:rPr>
+              <a:t>from working for all of </a:t>
+            </a:r>
+            <a:r>
+              <a:rPr lang="en-US" sz="1600" dirty="0">
+                <a:solidFill>
+                  <a:srgbClr val="FF0000"/>
+                </a:solidFill>
+                <a:highlight>
+                  <a:srgbClr val="00FF00"/>
+                </a:highlight>
+                <a:latin typeface="Calibri" panose="020F0502020204030204" pitchFamily="34" charset="0"/>
+                <a:ea typeface="Calibri" panose="020F0502020204030204" pitchFamily="34" charset="0"/>
+                <a:cs typeface="Times New Roman" panose="02020603050405020304" pitchFamily="18" charset="0"/>
+              </a:rPr>
+              <a:t>plaintiff 's </a:t>
+            </a:r>
+            <a:r>
+              <a:rPr lang="en-US" sz="1600" b="1" dirty="0">
+                <a:solidFill>
+                  <a:srgbClr val="FF0000"/>
+                </a:solidFill>
+                <a:highlight>
+                  <a:srgbClr val="00FF00"/>
+                </a:highlight>
+                <a:latin typeface="Calibri" panose="020F0502020204030204" pitchFamily="34" charset="0"/>
+                <a:ea typeface="Calibri" panose="020F0502020204030204" pitchFamily="34" charset="0"/>
+                <a:cs typeface="Times New Roman" panose="02020603050405020304" pitchFamily="18" charset="0"/>
+              </a:rPr>
+              <a:t>current or recent clients </a:t>
+            </a:r>
+            <a:r>
+              <a:rPr lang="en-US" sz="1600" dirty="0">
+                <a:highlight>
+                  <a:srgbClr val="00FF00"/>
+                </a:highlight>
+                <a:latin typeface="Calibri" panose="020F0502020204030204" pitchFamily="34" charset="0"/>
+                <a:ea typeface="Calibri" panose="020F0502020204030204" pitchFamily="34" charset="0"/>
+                <a:cs typeface="Times New Roman" panose="02020603050405020304" pitchFamily="18" charset="0"/>
+              </a:rPr>
+              <a:t>, </a:t>
+            </a:r>
+            <a:r>
+              <a:rPr lang="en-US" sz="1600" b="1" dirty="0">
+                <a:solidFill>
+                  <a:srgbClr val="FF0000"/>
+                </a:solidFill>
+                <a:highlight>
+                  <a:srgbClr val="00FF00"/>
+                </a:highlight>
+                <a:latin typeface="Calibri" panose="020F0502020204030204" pitchFamily="34" charset="0"/>
+                <a:ea typeface="Calibri" panose="020F0502020204030204" pitchFamily="34" charset="0"/>
+                <a:cs typeface="Times New Roman" panose="02020603050405020304" pitchFamily="18" charset="0"/>
+              </a:rPr>
+              <a:t>regardless of location </a:t>
+            </a:r>
+            <a:r>
+              <a:rPr lang="en-US" sz="1600" dirty="0">
+                <a:highlight>
+                  <a:srgbClr val="00FF00"/>
+                </a:highlight>
+                <a:latin typeface="Calibri" panose="020F0502020204030204" pitchFamily="34" charset="0"/>
+                <a:ea typeface="Calibri" panose="020F0502020204030204" pitchFamily="34" charset="0"/>
+                <a:cs typeface="Times New Roman" panose="02020603050405020304" pitchFamily="18" charset="0"/>
+              </a:rPr>
+              <a:t>,</a:t>
+            </a:r>
+            <a:r>
+              <a:rPr lang="en-US" sz="1600" dirty="0">
+                <a:latin typeface="Calibri" panose="020F0502020204030204" pitchFamily="34" charset="0"/>
+                <a:ea typeface="Calibri" panose="020F0502020204030204" pitchFamily="34" charset="0"/>
+                <a:cs typeface="Times New Roman" panose="02020603050405020304" pitchFamily="18" charset="0"/>
+              </a:rPr>
+              <a:t> so that he is precluded from working with a number of businesses in a large number of cities throughout the world .</a:t>
+            </a:r>
+            <a:r>
+              <a:rPr lang="en-US" sz="1600" b="1" dirty="0">
+                <a:solidFill>
+                  <a:srgbClr val="FF6600"/>
+                </a:solidFill>
+                <a:highlight>
+                  <a:srgbClr val="FFFF00"/>
+                </a:highlight>
+                <a:latin typeface="Calibri" panose="020F0502020204030204" pitchFamily="34" charset="0"/>
+                <a:ea typeface="Calibri" panose="020F0502020204030204" pitchFamily="34" charset="0"/>
+                <a:cs typeface="Times New Roman" panose="02020603050405020304" pitchFamily="18" charset="0"/>
+              </a:rPr>
+              <a:t>considering</a:t>
+            </a:r>
+            <a:r>
+              <a:rPr lang="en-US" sz="1600" dirty="0">
+                <a:solidFill>
+                  <a:srgbClr val="FF6600"/>
+                </a:solidFill>
+                <a:highlight>
+                  <a:srgbClr val="FFFF00"/>
+                </a:highlight>
+                <a:latin typeface="Calibri" panose="020F0502020204030204" pitchFamily="34" charset="0"/>
+                <a:ea typeface="Calibri" panose="020F0502020204030204" pitchFamily="34" charset="0"/>
+                <a:cs typeface="Times New Roman" panose="02020603050405020304" pitchFamily="18" charset="0"/>
+              </a:rPr>
+              <a:t> the </a:t>
+            </a:r>
+            <a:r>
+              <a:rPr lang="en-US" sz="1600" b="1" dirty="0" smtClean="0">
+                <a:solidFill>
+                  <a:srgbClr val="FF6600"/>
+                </a:solidFill>
+                <a:highlight>
+                  <a:srgbClr val="FFFF00"/>
+                </a:highlight>
+                <a:latin typeface="Calibri" panose="020F0502020204030204" pitchFamily="34" charset="0"/>
+                <a:ea typeface="Calibri" panose="020F0502020204030204" pitchFamily="34" charset="0"/>
+                <a:cs typeface="Times New Roman" panose="02020603050405020304" pitchFamily="18" charset="0"/>
+              </a:rPr>
+              <a:t>relatively small number of</a:t>
+            </a:r>
+            <a:r>
+              <a:rPr lang="en-US" sz="1600" dirty="0" smtClean="0">
+                <a:solidFill>
+                  <a:srgbClr val="FF6600"/>
+                </a:solidFill>
+                <a:highlight>
+                  <a:srgbClr val="FFFF00"/>
+                </a:highlight>
+                <a:latin typeface="Calibri" panose="020F0502020204030204" pitchFamily="34" charset="0"/>
+                <a:ea typeface="Calibri" panose="020F0502020204030204" pitchFamily="34" charset="0"/>
+                <a:cs typeface="Times New Roman" panose="02020603050405020304" pitchFamily="18" charset="0"/>
+              </a:rPr>
+              <a:t> </a:t>
+            </a:r>
+            <a:r>
+              <a:rPr lang="en-US" sz="1600" dirty="0">
+                <a:solidFill>
+                  <a:srgbClr val="FF6600"/>
+                </a:solidFill>
+                <a:highlight>
+                  <a:srgbClr val="FFFF00"/>
+                </a:highlight>
+                <a:latin typeface="Calibri" panose="020F0502020204030204" pitchFamily="34" charset="0"/>
+                <a:ea typeface="Calibri" panose="020F0502020204030204" pitchFamily="34" charset="0"/>
+                <a:cs typeface="Times New Roman" panose="02020603050405020304" pitchFamily="18" charset="0"/>
+              </a:rPr>
+              <a:t>plaintiff 's </a:t>
+            </a:r>
+            <a:r>
+              <a:rPr lang="en-US" sz="1600" b="1" dirty="0">
+                <a:solidFill>
+                  <a:srgbClr val="FF6600"/>
+                </a:solidFill>
+                <a:highlight>
+                  <a:srgbClr val="FFFF00"/>
+                </a:highlight>
+                <a:latin typeface="Calibri" panose="020F0502020204030204" pitchFamily="34" charset="0"/>
+                <a:ea typeface="Calibri" panose="020F0502020204030204" pitchFamily="34" charset="0"/>
+                <a:cs typeface="Times New Roman" panose="02020603050405020304" pitchFamily="18" charset="0"/>
+              </a:rPr>
+              <a:t>clients</a:t>
+            </a:r>
+            <a:r>
+              <a:rPr lang="en-US" sz="1600" dirty="0">
+                <a:solidFill>
+                  <a:srgbClr val="FF6600"/>
+                </a:solidFill>
+                <a:highlight>
+                  <a:srgbClr val="FFFF00"/>
+                </a:highlight>
+                <a:latin typeface="Calibri" panose="020F0502020204030204" pitchFamily="34" charset="0"/>
+                <a:ea typeface="Calibri" panose="020F0502020204030204" pitchFamily="34" charset="0"/>
+                <a:cs typeface="Times New Roman" panose="02020603050405020304" pitchFamily="18" charset="0"/>
+              </a:rPr>
+              <a:t> with whom defendant </a:t>
+            </a:r>
+            <a:r>
+              <a:rPr lang="en-US" sz="1600" b="1" dirty="0">
+                <a:solidFill>
+                  <a:srgbClr val="FF6600"/>
+                </a:solidFill>
+                <a:highlight>
+                  <a:srgbClr val="FFFF00"/>
+                </a:highlight>
+                <a:latin typeface="Calibri" panose="020F0502020204030204" pitchFamily="34" charset="0"/>
+                <a:ea typeface="Calibri" panose="020F0502020204030204" pitchFamily="34" charset="0"/>
+                <a:cs typeface="Times New Roman" panose="02020603050405020304" pitchFamily="18" charset="0"/>
+              </a:rPr>
+              <a:t>worked</a:t>
+            </a:r>
+            <a:r>
+              <a:rPr lang="en-US" sz="1600" dirty="0">
+                <a:solidFill>
+                  <a:srgbClr val="FF6600"/>
+                </a:solidFill>
+                <a:highlight>
+                  <a:srgbClr val="FFFF00"/>
+                </a:highlight>
+                <a:latin typeface="Calibri" panose="020F0502020204030204" pitchFamily="34" charset="0"/>
+                <a:ea typeface="Calibri" panose="020F0502020204030204" pitchFamily="34" charset="0"/>
+                <a:cs typeface="Times New Roman" panose="02020603050405020304" pitchFamily="18" charset="0"/>
+              </a:rPr>
+              <a:t> </a:t>
+            </a:r>
+            <a:r>
+              <a:rPr lang="en-US" sz="1600" dirty="0">
+                <a:highlight>
+                  <a:srgbClr val="FFFF00"/>
+                </a:highlight>
+                <a:latin typeface="Calibri" panose="020F0502020204030204" pitchFamily="34" charset="0"/>
+                <a:ea typeface="Calibri" panose="020F0502020204030204" pitchFamily="34" charset="0"/>
+                <a:cs typeface="Times New Roman" panose="02020603050405020304" pitchFamily="18" charset="0"/>
+              </a:rPr>
+              <a:t>, </a:t>
+            </a:r>
+            <a:r>
+              <a:rPr lang="en-US" sz="1600" b="1" dirty="0">
+                <a:solidFill>
+                  <a:srgbClr val="3366FF"/>
+                </a:solidFill>
+                <a:highlight>
+                  <a:srgbClr val="FFFF00"/>
+                </a:highlight>
+                <a:latin typeface="Calibri" panose="020F0502020204030204" pitchFamily="34" charset="0"/>
+                <a:ea typeface="Calibri" panose="020F0502020204030204" pitchFamily="34" charset="0"/>
+                <a:cs typeface="Times New Roman" panose="02020603050405020304" pitchFamily="18" charset="0"/>
+              </a:rPr>
+              <a:t>the scope is extreme </a:t>
+            </a:r>
+            <a:r>
+              <a:rPr lang="en-US" sz="1600" dirty="0">
+                <a:highlight>
+                  <a:srgbClr val="FFFF00"/>
+                </a:highlight>
+                <a:latin typeface="Calibri" panose="020F0502020204030204" pitchFamily="34" charset="0"/>
+                <a:ea typeface="Calibri" panose="020F0502020204030204" pitchFamily="34" charset="0"/>
+                <a:cs typeface="Times New Roman" panose="02020603050405020304" pitchFamily="18" charset="0"/>
+              </a:rPr>
+              <a:t>.</a:t>
+            </a:r>
+            <a:r>
+              <a:rPr lang="en-US" sz="1600" dirty="0">
+                <a:latin typeface="Calibri" panose="020F0502020204030204" pitchFamily="34" charset="0"/>
+                <a:ea typeface="Calibri" panose="020F0502020204030204" pitchFamily="34" charset="0"/>
+                <a:cs typeface="Times New Roman" panose="02020603050405020304" pitchFamily="18" charset="0"/>
+              </a:rPr>
+              <a:t>furthermore , the restriction is unduly </a:t>
+            </a:r>
+            <a:r>
+              <a:rPr lang="en-US" sz="1600" dirty="0" smtClean="0">
+                <a:latin typeface="Calibri" panose="020F0502020204030204" pitchFamily="34" charset="0"/>
+                <a:ea typeface="Calibri" panose="020F0502020204030204" pitchFamily="34" charset="0"/>
+                <a:cs typeface="Times New Roman" panose="02020603050405020304" pitchFamily="18" charset="0"/>
+              </a:rPr>
+              <a:t>vague. </a:t>
+            </a:r>
+            <a:endParaRPr lang="en-US" sz="1600" dirty="0">
+              <a:latin typeface="Calibri" panose="020F0502020204030204" pitchFamily="34" charset="0"/>
+              <a:ea typeface="Calibri" panose="020F0502020204030204" pitchFamily="34" charset="0"/>
+              <a:cs typeface="Times New Roman" panose="02020603050405020304" pitchFamily="18" charset="0"/>
+            </a:endParaRPr>
+          </a:p>
+          <a:p>
+            <a:pPr marL="0" lvl="0" indent="0">
+              <a:lnSpc>
+                <a:spcPct val="107000"/>
+              </a:lnSpc>
+              <a:spcBef>
+                <a:spcPts val="0"/>
+              </a:spcBef>
+              <a:spcAft>
+                <a:spcPts val="800"/>
+              </a:spcAft>
+              <a:buNone/>
+              <a:tabLst>
+                <a:tab pos="457200" algn="l"/>
+              </a:tabLst>
+            </a:pPr>
+            <a:r>
+              <a:rPr lang="en-US" sz="1600" b="1" dirty="0">
+                <a:latin typeface="Calibri" panose="020F0502020204030204" pitchFamily="34" charset="0"/>
+                <a:ea typeface="Calibri" panose="020F0502020204030204" pitchFamily="34" charset="0"/>
+                <a:cs typeface="Times New Roman" panose="02020603050405020304" pitchFamily="18" charset="0"/>
+              </a:rPr>
+              <a:t>Generated </a:t>
+            </a:r>
+            <a:r>
+              <a:rPr lang="en-US" sz="1600" b="1" dirty="0" smtClean="0">
+                <a:latin typeface="Calibri" panose="020F0502020204030204" pitchFamily="34" charset="0"/>
+                <a:ea typeface="Calibri" panose="020F0502020204030204" pitchFamily="34" charset="0"/>
+                <a:cs typeface="Times New Roman" panose="02020603050405020304" pitchFamily="18" charset="0"/>
+              </a:rPr>
+              <a:t>Headnote:</a:t>
+            </a:r>
+          </a:p>
+          <a:p>
+            <a:pPr marL="0" lvl="0" indent="0">
+              <a:lnSpc>
+                <a:spcPct val="107000"/>
+              </a:lnSpc>
+              <a:spcBef>
+                <a:spcPts val="0"/>
+              </a:spcBef>
+              <a:spcAft>
+                <a:spcPts val="800"/>
+              </a:spcAft>
+              <a:buNone/>
+              <a:tabLst>
+                <a:tab pos="457200" algn="l"/>
+              </a:tabLst>
+            </a:pPr>
+            <a:r>
+              <a:rPr lang="en-US" sz="1600" dirty="0" smtClean="0">
+                <a:highlight>
+                  <a:srgbClr val="00FF00"/>
+                </a:highlight>
+                <a:latin typeface="Calibri" panose="020F0502020204030204" pitchFamily="34" charset="0"/>
+                <a:ea typeface="Calibri" panose="020F0502020204030204" pitchFamily="34" charset="0"/>
+                <a:cs typeface="Times New Roman" panose="02020603050405020304" pitchFamily="18" charset="0"/>
+              </a:rPr>
+              <a:t>the </a:t>
+            </a:r>
+            <a:r>
+              <a:rPr lang="en-US" sz="1600" dirty="0">
+                <a:highlight>
+                  <a:srgbClr val="00FF00"/>
+                </a:highlight>
+                <a:latin typeface="Calibri" panose="020F0502020204030204" pitchFamily="34" charset="0"/>
+                <a:ea typeface="Calibri" panose="020F0502020204030204" pitchFamily="34" charset="0"/>
+                <a:cs typeface="Times New Roman" panose="02020603050405020304" pitchFamily="18" charset="0"/>
+              </a:rPr>
+              <a:t>covenant in question </a:t>
+            </a:r>
+            <a:r>
+              <a:rPr lang="en-US" sz="1600" b="1" dirty="0">
+                <a:solidFill>
+                  <a:srgbClr val="FF0000"/>
+                </a:solidFill>
+                <a:highlight>
+                  <a:srgbClr val="00FF00"/>
+                </a:highlight>
+                <a:latin typeface="Calibri" panose="020F0502020204030204" pitchFamily="34" charset="0"/>
+                <a:ea typeface="Calibri" panose="020F0502020204030204" pitchFamily="34" charset="0"/>
+                <a:cs typeface="Times New Roman" panose="02020603050405020304" pitchFamily="18" charset="0"/>
+              </a:rPr>
+              <a:t>prevents</a:t>
+            </a:r>
+            <a:r>
+              <a:rPr lang="en-US" sz="1600" dirty="0">
+                <a:solidFill>
+                  <a:srgbClr val="FF0000"/>
+                </a:solidFill>
+                <a:highlight>
+                  <a:srgbClr val="00FF00"/>
+                </a:highlight>
+                <a:latin typeface="Calibri" panose="020F0502020204030204" pitchFamily="34" charset="0"/>
+                <a:ea typeface="Calibri" panose="020F0502020204030204" pitchFamily="34" charset="0"/>
+                <a:cs typeface="Times New Roman" panose="02020603050405020304" pitchFamily="18" charset="0"/>
+              </a:rPr>
+              <a:t> </a:t>
+            </a:r>
+            <a:r>
+              <a:rPr lang="en-US" sz="1600" dirty="0" err="1">
+                <a:solidFill>
+                  <a:srgbClr val="FF0000"/>
+                </a:solidFill>
+                <a:highlight>
+                  <a:srgbClr val="00FF00"/>
+                </a:highlight>
+                <a:latin typeface="Calibri" panose="020F0502020204030204" pitchFamily="34" charset="0"/>
+                <a:ea typeface="Calibri" panose="020F0502020204030204" pitchFamily="34" charset="0"/>
+                <a:cs typeface="Times New Roman" panose="02020603050405020304" pitchFamily="18" charset="0"/>
+              </a:rPr>
+              <a:t>mr.</a:t>
+            </a:r>
+            <a:r>
+              <a:rPr lang="en-US" sz="1600" dirty="0">
+                <a:solidFill>
+                  <a:srgbClr val="FF0000"/>
+                </a:solidFill>
+                <a:highlight>
+                  <a:srgbClr val="00FF00"/>
+                </a:highlight>
+                <a:latin typeface="Calibri" panose="020F0502020204030204" pitchFamily="34" charset="0"/>
+                <a:ea typeface="Calibri" panose="020F0502020204030204" pitchFamily="34" charset="0"/>
+                <a:cs typeface="Times New Roman" panose="02020603050405020304" pitchFamily="18" charset="0"/>
+              </a:rPr>
+              <a:t> </a:t>
+            </a:r>
+            <a:r>
+              <a:rPr lang="en-US" sz="1600" dirty="0" err="1">
+                <a:solidFill>
+                  <a:srgbClr val="FF0000"/>
+                </a:solidFill>
+                <a:highlight>
+                  <a:srgbClr val="00FF00"/>
+                </a:highlight>
+                <a:latin typeface="Calibri" panose="020F0502020204030204" pitchFamily="34" charset="0"/>
+                <a:ea typeface="Calibri" panose="020F0502020204030204" pitchFamily="34" charset="0"/>
+                <a:cs typeface="Times New Roman" panose="02020603050405020304" pitchFamily="18" charset="0"/>
+              </a:rPr>
+              <a:t>baskin</a:t>
+            </a:r>
+            <a:r>
+              <a:rPr lang="en-US" sz="1600" dirty="0">
+                <a:solidFill>
+                  <a:srgbClr val="FF0000"/>
+                </a:solidFill>
+                <a:highlight>
+                  <a:srgbClr val="00FF00"/>
+                </a:highlight>
+                <a:latin typeface="Calibri" panose="020F0502020204030204" pitchFamily="34" charset="0"/>
+                <a:ea typeface="Calibri" panose="020F0502020204030204" pitchFamily="34" charset="0"/>
+                <a:cs typeface="Times New Roman" panose="02020603050405020304" pitchFamily="18" charset="0"/>
+              </a:rPr>
+              <a:t> </a:t>
+            </a:r>
+            <a:r>
+              <a:rPr lang="en-US" sz="1600" b="1" dirty="0">
+                <a:solidFill>
+                  <a:srgbClr val="FF0000"/>
+                </a:solidFill>
+                <a:highlight>
+                  <a:srgbClr val="00FF00"/>
+                </a:highlight>
+                <a:latin typeface="Calibri" panose="020F0502020204030204" pitchFamily="34" charset="0"/>
+                <a:ea typeface="Calibri" panose="020F0502020204030204" pitchFamily="34" charset="0"/>
+                <a:cs typeface="Times New Roman" panose="02020603050405020304" pitchFamily="18" charset="0"/>
+              </a:rPr>
+              <a:t>from working for all of </a:t>
+            </a:r>
+            <a:r>
+              <a:rPr lang="en-US" sz="1600" dirty="0" err="1">
+                <a:solidFill>
+                  <a:srgbClr val="FF0000"/>
+                </a:solidFill>
+                <a:highlight>
+                  <a:srgbClr val="00FF00"/>
+                </a:highlight>
+                <a:latin typeface="Calibri" panose="020F0502020204030204" pitchFamily="34" charset="0"/>
+                <a:ea typeface="Calibri" panose="020F0502020204030204" pitchFamily="34" charset="0"/>
+                <a:cs typeface="Times New Roman" panose="02020603050405020304" pitchFamily="18" charset="0"/>
+              </a:rPr>
+              <a:t>farr</a:t>
+            </a:r>
+            <a:r>
+              <a:rPr lang="en-US" sz="1600" dirty="0">
+                <a:solidFill>
+                  <a:srgbClr val="FF0000"/>
+                </a:solidFill>
+                <a:highlight>
+                  <a:srgbClr val="00FF00"/>
+                </a:highlight>
+                <a:latin typeface="Calibri" panose="020F0502020204030204" pitchFamily="34" charset="0"/>
+                <a:ea typeface="Calibri" panose="020F0502020204030204" pitchFamily="34" charset="0"/>
+                <a:cs typeface="Times New Roman" panose="02020603050405020304" pitchFamily="18" charset="0"/>
+              </a:rPr>
+              <a:t> 's </a:t>
+            </a:r>
+            <a:r>
+              <a:rPr lang="en-US" sz="1600" b="1" dirty="0">
+                <a:solidFill>
+                  <a:srgbClr val="FF0000"/>
+                </a:solidFill>
+                <a:highlight>
+                  <a:srgbClr val="00FF00"/>
+                </a:highlight>
+                <a:latin typeface="Calibri" panose="020F0502020204030204" pitchFamily="34" charset="0"/>
+                <a:ea typeface="Calibri" panose="020F0502020204030204" pitchFamily="34" charset="0"/>
+                <a:cs typeface="Times New Roman" panose="02020603050405020304" pitchFamily="18" charset="0"/>
+              </a:rPr>
+              <a:t>current or recent clients </a:t>
+            </a:r>
+            <a:r>
+              <a:rPr lang="en-US" sz="1600" dirty="0">
+                <a:highlight>
+                  <a:srgbClr val="00FF00"/>
+                </a:highlight>
+                <a:latin typeface="Calibri" panose="020F0502020204030204" pitchFamily="34" charset="0"/>
+                <a:ea typeface="Calibri" panose="020F0502020204030204" pitchFamily="34" charset="0"/>
+                <a:cs typeface="Times New Roman" panose="02020603050405020304" pitchFamily="18" charset="0"/>
+              </a:rPr>
+              <a:t>, </a:t>
+            </a:r>
+            <a:r>
+              <a:rPr lang="en-US" sz="1600" b="1" dirty="0">
+                <a:solidFill>
+                  <a:srgbClr val="FF0000"/>
+                </a:solidFill>
+                <a:highlight>
+                  <a:srgbClr val="00FF00"/>
+                </a:highlight>
+                <a:latin typeface="Calibri" panose="020F0502020204030204" pitchFamily="34" charset="0"/>
+                <a:ea typeface="Calibri" panose="020F0502020204030204" pitchFamily="34" charset="0"/>
+                <a:cs typeface="Times New Roman" panose="02020603050405020304" pitchFamily="18" charset="0"/>
+              </a:rPr>
+              <a:t>regardless</a:t>
+            </a:r>
+            <a:r>
+              <a:rPr lang="en-US" sz="1600" dirty="0">
+                <a:solidFill>
+                  <a:srgbClr val="FF0000"/>
+                </a:solidFill>
+                <a:highlight>
+                  <a:srgbClr val="00FF00"/>
+                </a:highlight>
+                <a:latin typeface="Calibri" panose="020F0502020204030204" pitchFamily="34" charset="0"/>
+                <a:ea typeface="Calibri" panose="020F0502020204030204" pitchFamily="34" charset="0"/>
+                <a:cs typeface="Times New Roman" panose="02020603050405020304" pitchFamily="18" charset="0"/>
+              </a:rPr>
+              <a:t> </a:t>
+            </a:r>
+            <a:r>
+              <a:rPr lang="en-US" sz="1600" b="1" dirty="0">
+                <a:solidFill>
+                  <a:srgbClr val="FF0000"/>
+                </a:solidFill>
+                <a:highlight>
+                  <a:srgbClr val="00FF00"/>
+                </a:highlight>
+                <a:latin typeface="Calibri" panose="020F0502020204030204" pitchFamily="34" charset="0"/>
+                <a:ea typeface="Calibri" panose="020F0502020204030204" pitchFamily="34" charset="0"/>
+                <a:cs typeface="Times New Roman" panose="02020603050405020304" pitchFamily="18" charset="0"/>
+              </a:rPr>
+              <a:t>of</a:t>
+            </a:r>
+            <a:r>
+              <a:rPr lang="en-US" sz="1600" dirty="0">
+                <a:solidFill>
+                  <a:srgbClr val="FF0000"/>
+                </a:solidFill>
+                <a:highlight>
+                  <a:srgbClr val="00FF00"/>
+                </a:highlight>
+                <a:latin typeface="Calibri" panose="020F0502020204030204" pitchFamily="34" charset="0"/>
+                <a:ea typeface="Calibri" panose="020F0502020204030204" pitchFamily="34" charset="0"/>
+                <a:cs typeface="Times New Roman" panose="02020603050405020304" pitchFamily="18" charset="0"/>
+              </a:rPr>
+              <a:t> where the client is </a:t>
+            </a:r>
+            <a:r>
+              <a:rPr lang="en-US" sz="1600" b="1" dirty="0">
+                <a:solidFill>
+                  <a:srgbClr val="FF0000"/>
+                </a:solidFill>
+                <a:highlight>
+                  <a:srgbClr val="00FF00"/>
+                </a:highlight>
+                <a:latin typeface="Calibri" panose="020F0502020204030204" pitchFamily="34" charset="0"/>
+                <a:ea typeface="Calibri" panose="020F0502020204030204" pitchFamily="34" charset="0"/>
+                <a:cs typeface="Times New Roman" panose="02020603050405020304" pitchFamily="18" charset="0"/>
+              </a:rPr>
+              <a:t>located</a:t>
+            </a:r>
+            <a:r>
+              <a:rPr lang="en-US" sz="1600" dirty="0">
+                <a:solidFill>
+                  <a:srgbClr val="FF0000"/>
+                </a:solidFill>
+                <a:latin typeface="Calibri" panose="020F0502020204030204" pitchFamily="34" charset="0"/>
+                <a:ea typeface="Calibri" panose="020F0502020204030204" pitchFamily="34" charset="0"/>
+                <a:cs typeface="Times New Roman" panose="02020603050405020304" pitchFamily="18" charset="0"/>
+              </a:rPr>
+              <a:t> </a:t>
+            </a:r>
+            <a:r>
+              <a:rPr lang="en-US" sz="1600" dirty="0">
+                <a:latin typeface="Calibri" panose="020F0502020204030204" pitchFamily="34" charset="0"/>
+                <a:ea typeface="Calibri" panose="020F0502020204030204" pitchFamily="34" charset="0"/>
+                <a:cs typeface="Times New Roman" panose="02020603050405020304" pitchFamily="18" charset="0"/>
+              </a:rPr>
+              <a:t>, whether he had any contact with them , or whether he even knew about them .</a:t>
+            </a:r>
+            <a:r>
+              <a:rPr lang="en-US" sz="1600" b="1" dirty="0">
+                <a:solidFill>
+                  <a:srgbClr val="3366FF"/>
+                </a:solidFill>
+                <a:highlight>
+                  <a:srgbClr val="FFFF00"/>
+                </a:highlight>
+                <a:latin typeface="Calibri" panose="020F0502020204030204" pitchFamily="34" charset="0"/>
+                <a:ea typeface="Calibri" panose="020F0502020204030204" pitchFamily="34" charset="0"/>
+                <a:cs typeface="Times New Roman" panose="02020603050405020304" pitchFamily="18" charset="0"/>
+              </a:rPr>
+              <a:t>the scope </a:t>
+            </a:r>
+            <a:r>
+              <a:rPr lang="en-US" sz="1600" dirty="0">
+                <a:solidFill>
+                  <a:srgbClr val="3366FF"/>
+                </a:solidFill>
+                <a:highlight>
+                  <a:srgbClr val="FFFF00"/>
+                </a:highlight>
+                <a:latin typeface="Calibri" panose="020F0502020204030204" pitchFamily="34" charset="0"/>
+                <a:ea typeface="Calibri" panose="020F0502020204030204" pitchFamily="34" charset="0"/>
+                <a:cs typeface="Times New Roman" panose="02020603050405020304" pitchFamily="18" charset="0"/>
+              </a:rPr>
+              <a:t>of the covenant </a:t>
+            </a:r>
+            <a:r>
+              <a:rPr lang="en-US" sz="1600" b="1" dirty="0">
+                <a:solidFill>
+                  <a:srgbClr val="3366FF"/>
+                </a:solidFill>
+                <a:highlight>
+                  <a:srgbClr val="FFFF00"/>
+                </a:highlight>
+                <a:latin typeface="Calibri" panose="020F0502020204030204" pitchFamily="34" charset="0"/>
+                <a:ea typeface="Calibri" panose="020F0502020204030204" pitchFamily="34" charset="0"/>
+                <a:cs typeface="Times New Roman" panose="02020603050405020304" pitchFamily="18" charset="0"/>
+              </a:rPr>
+              <a:t>is extreme </a:t>
+            </a:r>
+            <a:r>
+              <a:rPr lang="en-US" sz="1600" dirty="0">
+                <a:highlight>
+                  <a:srgbClr val="FFFF00"/>
+                </a:highlight>
+                <a:latin typeface="Calibri" panose="020F0502020204030204" pitchFamily="34" charset="0"/>
+                <a:ea typeface="Calibri" panose="020F0502020204030204" pitchFamily="34" charset="0"/>
+                <a:cs typeface="Times New Roman" panose="02020603050405020304" pitchFamily="18" charset="0"/>
+              </a:rPr>
+              <a:t>, </a:t>
+            </a:r>
+            <a:r>
+              <a:rPr lang="en-US" sz="1600" b="1" dirty="0">
+                <a:solidFill>
+                  <a:srgbClr val="FF6600"/>
+                </a:solidFill>
+                <a:highlight>
+                  <a:srgbClr val="FFFF00"/>
+                </a:highlight>
+                <a:latin typeface="Calibri" panose="020F0502020204030204" pitchFamily="34" charset="0"/>
+                <a:ea typeface="Calibri" panose="020F0502020204030204" pitchFamily="34" charset="0"/>
+                <a:cs typeface="Times New Roman" panose="02020603050405020304" pitchFamily="18" charset="0"/>
+              </a:rPr>
+              <a:t>considering</a:t>
+            </a:r>
+            <a:r>
+              <a:rPr lang="en-US" sz="1600" dirty="0">
+                <a:solidFill>
+                  <a:srgbClr val="FF6600"/>
+                </a:solidFill>
+                <a:highlight>
+                  <a:srgbClr val="FFFF00"/>
+                </a:highlight>
+                <a:latin typeface="Calibri" panose="020F0502020204030204" pitchFamily="34" charset="0"/>
+                <a:ea typeface="Calibri" panose="020F0502020204030204" pitchFamily="34" charset="0"/>
+                <a:cs typeface="Times New Roman" panose="02020603050405020304" pitchFamily="18" charset="0"/>
+              </a:rPr>
+              <a:t> that </a:t>
+            </a:r>
+            <a:r>
+              <a:rPr lang="en-US" sz="1600" dirty="0" err="1">
+                <a:solidFill>
+                  <a:srgbClr val="FF6600"/>
+                </a:solidFill>
+                <a:highlight>
+                  <a:srgbClr val="FFFF00"/>
+                </a:highlight>
+                <a:latin typeface="Calibri" panose="020F0502020204030204" pitchFamily="34" charset="0"/>
+                <a:ea typeface="Calibri" panose="020F0502020204030204" pitchFamily="34" charset="0"/>
+                <a:cs typeface="Times New Roman" panose="02020603050405020304" pitchFamily="18" charset="0"/>
+              </a:rPr>
+              <a:t>mr.</a:t>
+            </a:r>
+            <a:r>
+              <a:rPr lang="en-US" sz="1600" dirty="0">
+                <a:solidFill>
+                  <a:srgbClr val="FF6600"/>
+                </a:solidFill>
+                <a:highlight>
+                  <a:srgbClr val="FFFF00"/>
+                </a:highlight>
+                <a:latin typeface="Calibri" panose="020F0502020204030204" pitchFamily="34" charset="0"/>
+                <a:ea typeface="Calibri" panose="020F0502020204030204" pitchFamily="34" charset="0"/>
+                <a:cs typeface="Times New Roman" panose="02020603050405020304" pitchFamily="18" charset="0"/>
+              </a:rPr>
+              <a:t> </a:t>
+            </a:r>
+            <a:r>
+              <a:rPr lang="en-US" sz="1600" dirty="0" err="1">
+                <a:solidFill>
+                  <a:srgbClr val="FF6600"/>
+                </a:solidFill>
+                <a:highlight>
+                  <a:srgbClr val="FFFF00"/>
+                </a:highlight>
+                <a:latin typeface="Calibri" panose="020F0502020204030204" pitchFamily="34" charset="0"/>
+                <a:ea typeface="Calibri" panose="020F0502020204030204" pitchFamily="34" charset="0"/>
+                <a:cs typeface="Times New Roman" panose="02020603050405020304" pitchFamily="18" charset="0"/>
+              </a:rPr>
+              <a:t>baskin</a:t>
+            </a:r>
+            <a:r>
+              <a:rPr lang="en-US" sz="1600" dirty="0">
+                <a:solidFill>
+                  <a:srgbClr val="FF6600"/>
+                </a:solidFill>
+                <a:highlight>
+                  <a:srgbClr val="FFFF00"/>
+                </a:highlight>
+                <a:latin typeface="Calibri" panose="020F0502020204030204" pitchFamily="34" charset="0"/>
+                <a:ea typeface="Calibri" panose="020F0502020204030204" pitchFamily="34" charset="0"/>
+                <a:cs typeface="Times New Roman" panose="02020603050405020304" pitchFamily="18" charset="0"/>
+              </a:rPr>
+              <a:t> only </a:t>
+            </a:r>
+            <a:r>
+              <a:rPr lang="en-US" sz="1600" b="1" dirty="0">
+                <a:solidFill>
+                  <a:srgbClr val="FF6600"/>
+                </a:solidFill>
+                <a:highlight>
+                  <a:srgbClr val="FFFF00"/>
+                </a:highlight>
+                <a:latin typeface="Calibri" panose="020F0502020204030204" pitchFamily="34" charset="0"/>
+                <a:ea typeface="Calibri" panose="020F0502020204030204" pitchFamily="34" charset="0"/>
+                <a:cs typeface="Times New Roman" panose="02020603050405020304" pitchFamily="18" charset="0"/>
+              </a:rPr>
+              <a:t>worked</a:t>
+            </a:r>
+            <a:r>
+              <a:rPr lang="en-US" sz="1600" dirty="0">
+                <a:solidFill>
+                  <a:srgbClr val="FF6600"/>
+                </a:solidFill>
+                <a:highlight>
+                  <a:srgbClr val="FFFF00"/>
+                </a:highlight>
+                <a:latin typeface="Calibri" panose="020F0502020204030204" pitchFamily="34" charset="0"/>
+                <a:ea typeface="Calibri" panose="020F0502020204030204" pitchFamily="34" charset="0"/>
+                <a:cs typeface="Times New Roman" panose="02020603050405020304" pitchFamily="18" charset="0"/>
+              </a:rPr>
+              <a:t> with a </a:t>
+            </a:r>
+            <a:r>
+              <a:rPr lang="en-US" sz="1600" b="1" dirty="0">
+                <a:solidFill>
+                  <a:srgbClr val="FF6600"/>
+                </a:solidFill>
+                <a:highlight>
+                  <a:srgbClr val="FFFF00"/>
+                </a:highlight>
+                <a:latin typeface="Calibri" panose="020F0502020204030204" pitchFamily="34" charset="0"/>
+                <a:ea typeface="Calibri" panose="020F0502020204030204" pitchFamily="34" charset="0"/>
+                <a:cs typeface="Times New Roman" panose="02020603050405020304" pitchFamily="18" charset="0"/>
+              </a:rPr>
+              <a:t>relatively small number of</a:t>
+            </a:r>
+            <a:r>
+              <a:rPr lang="en-US" sz="1600" dirty="0">
+                <a:solidFill>
+                  <a:srgbClr val="FF6600"/>
+                </a:solidFill>
+                <a:highlight>
+                  <a:srgbClr val="FFFF00"/>
+                </a:highlight>
+                <a:latin typeface="Calibri" panose="020F0502020204030204" pitchFamily="34" charset="0"/>
+                <a:ea typeface="Calibri" panose="020F0502020204030204" pitchFamily="34" charset="0"/>
+                <a:cs typeface="Times New Roman" panose="02020603050405020304" pitchFamily="18" charset="0"/>
+              </a:rPr>
+              <a:t> </a:t>
+            </a:r>
+            <a:r>
+              <a:rPr lang="en-US" sz="1600" dirty="0" err="1">
+                <a:solidFill>
+                  <a:srgbClr val="FF6600"/>
+                </a:solidFill>
+                <a:highlight>
+                  <a:srgbClr val="FFFF00"/>
+                </a:highlight>
+                <a:latin typeface="Calibri" panose="020F0502020204030204" pitchFamily="34" charset="0"/>
+                <a:ea typeface="Calibri" panose="020F0502020204030204" pitchFamily="34" charset="0"/>
+                <a:cs typeface="Times New Roman" panose="02020603050405020304" pitchFamily="18" charset="0"/>
+              </a:rPr>
+              <a:t>farr</a:t>
+            </a:r>
+            <a:r>
+              <a:rPr lang="en-US" sz="1600" dirty="0">
+                <a:solidFill>
+                  <a:srgbClr val="FF6600"/>
+                </a:solidFill>
+                <a:highlight>
+                  <a:srgbClr val="FFFF00"/>
+                </a:highlight>
+                <a:latin typeface="Calibri" panose="020F0502020204030204" pitchFamily="34" charset="0"/>
+                <a:ea typeface="Calibri" panose="020F0502020204030204" pitchFamily="34" charset="0"/>
+                <a:cs typeface="Times New Roman" panose="02020603050405020304" pitchFamily="18" charset="0"/>
+              </a:rPr>
+              <a:t> 's </a:t>
+            </a:r>
+            <a:r>
+              <a:rPr lang="en-US" sz="1600" b="1" dirty="0">
+                <a:solidFill>
+                  <a:srgbClr val="FF6600"/>
+                </a:solidFill>
+                <a:highlight>
+                  <a:srgbClr val="FFFF00"/>
+                </a:highlight>
+                <a:latin typeface="Calibri" panose="020F0502020204030204" pitchFamily="34" charset="0"/>
+                <a:ea typeface="Calibri" panose="020F0502020204030204" pitchFamily="34" charset="0"/>
+                <a:cs typeface="Times New Roman" panose="02020603050405020304" pitchFamily="18" charset="0"/>
+              </a:rPr>
+              <a:t>clients</a:t>
+            </a:r>
+            <a:r>
+              <a:rPr lang="en-US" sz="1600" dirty="0">
+                <a:solidFill>
+                  <a:srgbClr val="FF6600"/>
+                </a:solidFill>
+                <a:highlight>
+                  <a:srgbClr val="FFFF00"/>
+                </a:highlight>
+                <a:latin typeface="Calibri" panose="020F0502020204030204" pitchFamily="34" charset="0"/>
+                <a:ea typeface="Calibri" panose="020F0502020204030204" pitchFamily="34" charset="0"/>
+                <a:cs typeface="Times New Roman" panose="02020603050405020304" pitchFamily="18" charset="0"/>
+              </a:rPr>
+              <a:t> </a:t>
+            </a:r>
+            <a:r>
+              <a:rPr lang="en-US" sz="1600" dirty="0" smtClean="0">
+                <a:highlight>
+                  <a:srgbClr val="FFFF00"/>
+                </a:highlight>
+                <a:latin typeface="Calibri" panose="020F0502020204030204" pitchFamily="34" charset="0"/>
+                <a:ea typeface="Calibri" panose="020F0502020204030204" pitchFamily="34" charset="0"/>
+                <a:cs typeface="Times New Roman" panose="02020603050405020304" pitchFamily="18" charset="0"/>
+              </a:rPr>
+              <a:t>.</a:t>
+            </a:r>
+            <a:endParaRPr lang="en-US" sz="1600" dirty="0">
+              <a:latin typeface="Calibri" panose="020F0502020204030204" pitchFamily="34" charset="0"/>
+              <a:ea typeface="Calibri" panose="020F0502020204030204" pitchFamily="34" charset="0"/>
+              <a:cs typeface="Times New Roman" panose="02020603050405020304" pitchFamily="18" charset="0"/>
+            </a:endParaRPr>
+          </a:p>
+        </p:txBody>
+      </p:sp>
+    </p:spTree>
+    <p:extLst>
+      <p:ext uri="{BB962C8B-B14F-4D97-AF65-F5344CB8AC3E}">
+        <p14:creationId xmlns:p14="http://schemas.microsoft.com/office/powerpoint/2010/main" val="2885800357"/>
+      </p:ext>
+    </p:extLst>
+  </p:cSld>
+  <p:clrMapOvr>
+    <a:masterClrMapping/>
+  </p:clrMapOvr>
+</p:sld>
+</file>
+
+<file path=ppt/slides/slide12.xml><?xml version="1.0" encoding="utf-8"?>
+<p:sld xmlns:a="http://schemas.openxmlformats.org/drawingml/2006/main" xmlns:r="http://schemas.openxmlformats.org/officeDocument/2006/relationships" xmlns:p="http://schemas.openxmlformats.org/presentationml/2006/main">
+  <p:cSld>
+    <p:spTree>
+      <p:nvGrpSpPr>
+        <p:cNvPr id="1" name=""/>
+        <p:cNvGrpSpPr/>
+        <p:nvPr/>
+      </p:nvGrpSpPr>
+      <p:grpSpPr>
+        <a:xfrm>
+          <a:off x="0" y="0"/>
+          <a:ext cx="0" cy="0"/>
+          <a:chOff x="0" y="0"/>
+          <a:chExt cx="0" cy="0"/>
+        </a:xfrm>
+      </p:grpSpPr>
+      <p:sp>
+        <p:nvSpPr>
+          <p:cNvPr id="2" name="Title 1">
+            <a:extLst>
+              <a:ext uri="{FF2B5EF4-FFF2-40B4-BE49-F238E27FC236}">
+                <a16:creationId xmlns="" xmlns:a16="http://schemas.microsoft.com/office/drawing/2014/main" id="{B15ED5BE-AD40-47E3-AA33-E7B1B63CB7CC}"/>
+              </a:ext>
+            </a:extLst>
+          </p:cNvPr>
+          <p:cNvSpPr>
+            <a:spLocks noGrp="1"/>
+          </p:cNvSpPr>
+          <p:nvPr>
+            <p:ph type="title"/>
+          </p:nvPr>
+        </p:nvSpPr>
+        <p:spPr>
+          <a:xfrm>
+            <a:off x="1097280" y="286604"/>
+            <a:ext cx="10058400" cy="1575534"/>
+          </a:xfrm>
+        </p:spPr>
+        <p:txBody>
+          <a:bodyPr>
+            <a:normAutofit/>
+          </a:bodyPr>
+          <a:lstStyle/>
+          <a:p>
+            <a:r>
+              <a:rPr lang="en-US" dirty="0"/>
+              <a:t>Sample Results </a:t>
+            </a:r>
+            <a:r>
+              <a:rPr lang="en-US" dirty="0" smtClean="0"/>
+              <a:t>(</a:t>
+            </a:r>
+            <a:r>
+              <a:rPr lang="en-US" dirty="0" err="1" smtClean="0"/>
+              <a:t>PreSumm</a:t>
+            </a:r>
+            <a:r>
+              <a:rPr lang="en-US" dirty="0" smtClean="0"/>
+              <a:t>)</a:t>
+            </a:r>
+            <a:endParaRPr lang="en-US" dirty="0"/>
+          </a:p>
+        </p:txBody>
+      </p:sp>
+      <p:sp>
+        <p:nvSpPr>
+          <p:cNvPr id="3" name="Content Placeholder 2">
+            <a:extLst>
+              <a:ext uri="{FF2B5EF4-FFF2-40B4-BE49-F238E27FC236}">
+                <a16:creationId xmlns="" xmlns:a16="http://schemas.microsoft.com/office/drawing/2014/main" id="{2F67B85E-7F9D-4104-B6CD-FC83865A7E25}"/>
+              </a:ext>
+            </a:extLst>
+          </p:cNvPr>
+          <p:cNvSpPr>
+            <a:spLocks noGrp="1"/>
+          </p:cNvSpPr>
+          <p:nvPr>
+            <p:ph idx="1"/>
+          </p:nvPr>
+        </p:nvSpPr>
+        <p:spPr>
+          <a:xfrm>
+            <a:off x="1195320" y="1910262"/>
+            <a:ext cx="9960360" cy="4460835"/>
+          </a:xfrm>
+          <a:ln>
+            <a:noFill/>
+          </a:ln>
+        </p:spPr>
+        <p:style>
+          <a:lnRef idx="2">
+            <a:schemeClr val="dk1"/>
+          </a:lnRef>
+          <a:fillRef idx="1">
+            <a:schemeClr val="lt1"/>
+          </a:fillRef>
+          <a:effectRef idx="0">
+            <a:schemeClr val="dk1"/>
+          </a:effectRef>
+          <a:fontRef idx="minor">
+            <a:schemeClr val="dk1"/>
+          </a:fontRef>
+        </p:style>
+        <p:txBody>
+          <a:bodyPr anchor="t">
+            <a:normAutofit/>
+          </a:bodyPr>
+          <a:lstStyle/>
+          <a:p>
+            <a:pPr marL="0" lvl="0" indent="0">
+              <a:lnSpc>
+                <a:spcPct val="107000"/>
+              </a:lnSpc>
+              <a:spcBef>
+                <a:spcPts val="0"/>
+              </a:spcBef>
+              <a:spcAft>
+                <a:spcPts val="800"/>
+              </a:spcAft>
+              <a:buNone/>
+              <a:tabLst>
+                <a:tab pos="457200" algn="l"/>
+              </a:tabLst>
+            </a:pPr>
+            <a:r>
+              <a:rPr lang="en-US" sz="1600" b="1" dirty="0">
+                <a:latin typeface="Calibri" panose="020F0502020204030204" pitchFamily="34" charset="0"/>
+                <a:ea typeface="Calibri" panose="020F0502020204030204" pitchFamily="34" charset="0"/>
+                <a:cs typeface="Times New Roman" panose="02020603050405020304" pitchFamily="18" charset="0"/>
+              </a:rPr>
+              <a:t>Actual Headnote:</a:t>
+            </a:r>
+          </a:p>
+          <a:p>
+            <a:pPr marL="0" lvl="0" indent="0">
+              <a:lnSpc>
+                <a:spcPct val="107000"/>
+              </a:lnSpc>
+              <a:spcBef>
+                <a:spcPts val="0"/>
+              </a:spcBef>
+              <a:spcAft>
+                <a:spcPts val="800"/>
+              </a:spcAft>
+              <a:buNone/>
+              <a:tabLst>
+                <a:tab pos="457200" algn="l"/>
+              </a:tabLst>
+            </a:pPr>
+            <a:r>
+              <a:rPr lang="en-US" sz="1600" b="1" dirty="0">
+                <a:solidFill>
+                  <a:srgbClr val="FF0000"/>
+                </a:solidFill>
+                <a:latin typeface="Calibri" panose="020F0502020204030204" pitchFamily="34" charset="0"/>
+                <a:ea typeface="Calibri" panose="020F0502020204030204" pitchFamily="34" charset="0"/>
+                <a:cs typeface="Times New Roman" panose="02020603050405020304" pitchFamily="18" charset="0"/>
+              </a:rPr>
+              <a:t>the trial court lacked jurisdiction to extend defendants period of probation </a:t>
+            </a:r>
+            <a:r>
+              <a:rPr lang="en-US" sz="1600" dirty="0">
+                <a:latin typeface="Calibri" panose="020F0502020204030204" pitchFamily="34" charset="0"/>
+                <a:ea typeface="Calibri" panose="020F0502020204030204" pitchFamily="34" charset="0"/>
+                <a:cs typeface="Times New Roman" panose="02020603050405020304" pitchFamily="18" charset="0"/>
+              </a:rPr>
+              <a:t>, we </a:t>
+            </a:r>
+            <a:r>
+              <a:rPr lang="en-US" sz="1600" dirty="0">
+                <a:solidFill>
+                  <a:srgbClr val="0000FF"/>
+                </a:solidFill>
+                <a:latin typeface="Calibri" panose="020F0502020204030204" pitchFamily="34" charset="0"/>
+                <a:ea typeface="Calibri" panose="020F0502020204030204" pitchFamily="34" charset="0"/>
+                <a:cs typeface="Times New Roman" panose="02020603050405020304" pitchFamily="18" charset="0"/>
+              </a:rPr>
+              <a:t>arrest judgment and vacate </a:t>
+            </a:r>
+            <a:r>
+              <a:rPr lang="en-US" sz="1600" b="1" dirty="0">
+                <a:solidFill>
+                  <a:srgbClr val="0000FF"/>
+                </a:solidFill>
+                <a:latin typeface="Calibri" panose="020F0502020204030204" pitchFamily="34" charset="0"/>
+                <a:ea typeface="Calibri" panose="020F0502020204030204" pitchFamily="34" charset="0"/>
+                <a:cs typeface="Times New Roman" panose="02020603050405020304" pitchFamily="18" charset="0"/>
+              </a:rPr>
+              <a:t>the order modifying probation and imposing sentence</a:t>
+            </a:r>
+            <a:r>
+              <a:rPr lang="en-US" sz="1600" dirty="0">
+                <a:latin typeface="Calibri" panose="020F0502020204030204" pitchFamily="34" charset="0"/>
+                <a:ea typeface="Calibri" panose="020F0502020204030204" pitchFamily="34" charset="0"/>
+                <a:cs typeface="Times New Roman" panose="02020603050405020304" pitchFamily="18" charset="0"/>
+              </a:rPr>
+              <a:t>&lt;q&gt;on 21 </a:t>
+            </a:r>
+            <a:r>
+              <a:rPr lang="en-US" sz="1600" dirty="0" err="1">
+                <a:latin typeface="Calibri" panose="020F0502020204030204" pitchFamily="34" charset="0"/>
+                <a:ea typeface="Calibri" panose="020F0502020204030204" pitchFamily="34" charset="0"/>
+                <a:cs typeface="Times New Roman" panose="02020603050405020304" pitchFamily="18" charset="0"/>
+              </a:rPr>
+              <a:t>july</a:t>
+            </a:r>
+            <a:r>
+              <a:rPr lang="en-US" sz="1600" dirty="0">
+                <a:latin typeface="Calibri" panose="020F0502020204030204" pitchFamily="34" charset="0"/>
+                <a:ea typeface="Calibri" panose="020F0502020204030204" pitchFamily="34" charset="0"/>
+                <a:cs typeface="Times New Roman" panose="02020603050405020304" pitchFamily="18" charset="0"/>
+              </a:rPr>
+              <a:t> 2008 , defendant pled guilty to six counts of breaking or entering a motor vehicle and , in a combined judgment , was sentenced to two consecutive terms of six to eight months each&lt;q&gt;defendants probation expiration date was 20 </a:t>
+            </a:r>
+            <a:r>
+              <a:rPr lang="en-US" sz="1600" dirty="0" err="1">
+                <a:latin typeface="Calibri" panose="020F0502020204030204" pitchFamily="34" charset="0"/>
+                <a:ea typeface="Calibri" panose="020F0502020204030204" pitchFamily="34" charset="0"/>
+                <a:cs typeface="Times New Roman" panose="02020603050405020304" pitchFamily="18" charset="0"/>
+              </a:rPr>
+              <a:t>july</a:t>
+            </a:r>
+            <a:r>
+              <a:rPr lang="en-US" sz="1600" dirty="0">
+                <a:latin typeface="Calibri" panose="020F0502020204030204" pitchFamily="34" charset="0"/>
+                <a:ea typeface="Calibri" panose="020F0502020204030204" pitchFamily="34" charset="0"/>
+                <a:cs typeface="Times New Roman" panose="02020603050405020304" pitchFamily="18" charset="0"/>
+              </a:rPr>
+              <a:t> 2010 . on 1 march 2010 , defendants probation officer filed two new probation violation reports in the office of the clerk of superior court .</a:t>
+            </a:r>
+          </a:p>
+          <a:p>
+            <a:pPr marL="0" lvl="0" indent="0">
+              <a:lnSpc>
+                <a:spcPct val="107000"/>
+              </a:lnSpc>
+              <a:spcBef>
+                <a:spcPts val="0"/>
+              </a:spcBef>
+              <a:spcAft>
+                <a:spcPts val="800"/>
+              </a:spcAft>
+              <a:buNone/>
+              <a:tabLst>
+                <a:tab pos="457200" algn="l"/>
+              </a:tabLst>
+            </a:pPr>
+            <a:r>
+              <a:rPr lang="en-US" sz="1600" b="1" dirty="0" smtClean="0">
+                <a:latin typeface="Calibri" panose="020F0502020204030204" pitchFamily="34" charset="0"/>
+                <a:ea typeface="Calibri" panose="020F0502020204030204" pitchFamily="34" charset="0"/>
+                <a:cs typeface="Times New Roman" panose="02020603050405020304" pitchFamily="18" charset="0"/>
+              </a:rPr>
+              <a:t>Generated </a:t>
+            </a:r>
+            <a:r>
+              <a:rPr lang="en-US" sz="1600" b="1" dirty="0" smtClean="0">
+                <a:latin typeface="Calibri" panose="020F0502020204030204" pitchFamily="34" charset="0"/>
+                <a:ea typeface="Calibri" panose="020F0502020204030204" pitchFamily="34" charset="0"/>
+                <a:cs typeface="Times New Roman" panose="02020603050405020304" pitchFamily="18" charset="0"/>
+              </a:rPr>
+              <a:t>Headnote:</a:t>
+            </a:r>
+          </a:p>
+          <a:p>
+            <a:pPr marL="0" lvl="0" indent="0">
+              <a:lnSpc>
+                <a:spcPct val="107000"/>
+              </a:lnSpc>
+              <a:spcBef>
+                <a:spcPts val="0"/>
+              </a:spcBef>
+              <a:spcAft>
+                <a:spcPts val="800"/>
+              </a:spcAft>
+              <a:buNone/>
+              <a:tabLst>
+                <a:tab pos="457200" algn="l"/>
+              </a:tabLst>
+            </a:pPr>
+            <a:r>
+              <a:rPr lang="en-US" sz="1600" dirty="0" smtClean="0">
+                <a:highlight>
+                  <a:srgbClr val="00FF00"/>
+                </a:highlight>
+                <a:latin typeface="Calibri" panose="020F0502020204030204" pitchFamily="34" charset="0"/>
+                <a:ea typeface="Calibri" panose="020F0502020204030204" pitchFamily="34" charset="0"/>
+                <a:cs typeface="Times New Roman" panose="02020603050405020304" pitchFamily="18" charset="0"/>
+              </a:rPr>
+              <a:t>probation </a:t>
+            </a:r>
+            <a:r>
+              <a:rPr lang="en-US" sz="1600" dirty="0">
+                <a:highlight>
+                  <a:srgbClr val="00FF00"/>
+                </a:highlight>
+                <a:latin typeface="Calibri" panose="020F0502020204030204" pitchFamily="34" charset="0"/>
+                <a:ea typeface="Calibri" panose="020F0502020204030204" pitchFamily="34" charset="0"/>
+                <a:cs typeface="Times New Roman" panose="02020603050405020304" pitchFamily="18" charset="0"/>
+              </a:rPr>
+              <a:t>and parole lack of jurisdiction judgment arrested order vacated </a:t>
+            </a:r>
+            <a:r>
+              <a:rPr lang="en-US" sz="1600" b="1" dirty="0" smtClean="0">
+                <a:solidFill>
+                  <a:srgbClr val="FF0000"/>
+                </a:solidFill>
+                <a:highlight>
+                  <a:srgbClr val="00FF00"/>
+                </a:highlight>
+                <a:latin typeface="Calibri" panose="020F0502020204030204" pitchFamily="34" charset="0"/>
+                <a:ea typeface="Calibri" panose="020F0502020204030204" pitchFamily="34" charset="0"/>
+                <a:cs typeface="Times New Roman" panose="02020603050405020304" pitchFamily="18" charset="0"/>
+              </a:rPr>
+              <a:t>the </a:t>
+            </a:r>
+            <a:r>
+              <a:rPr lang="en-US" sz="1600" b="1" dirty="0">
+                <a:solidFill>
+                  <a:srgbClr val="FF0000"/>
+                </a:solidFill>
+                <a:highlight>
+                  <a:srgbClr val="00FF00"/>
+                </a:highlight>
+                <a:latin typeface="Calibri" panose="020F0502020204030204" pitchFamily="34" charset="0"/>
+                <a:ea typeface="Calibri" panose="020F0502020204030204" pitchFamily="34" charset="0"/>
+                <a:cs typeface="Times New Roman" panose="02020603050405020304" pitchFamily="18" charset="0"/>
+              </a:rPr>
+              <a:t>trial court lacked jurisdiction to extend defendants period of probation</a:t>
+            </a:r>
+            <a:r>
+              <a:rPr lang="en-US" sz="1600" b="1" dirty="0">
+                <a:highlight>
+                  <a:srgbClr val="00FF00"/>
+                </a:highlight>
+                <a:latin typeface="Calibri" panose="020F0502020204030204" pitchFamily="34" charset="0"/>
+                <a:ea typeface="Calibri" panose="020F0502020204030204" pitchFamily="34" charset="0"/>
+                <a:cs typeface="Times New Roman" panose="02020603050405020304" pitchFamily="18" charset="0"/>
+              </a:rPr>
+              <a:t> </a:t>
+            </a:r>
+            <a:r>
+              <a:rPr lang="en-US" sz="1600" dirty="0">
+                <a:highlight>
+                  <a:srgbClr val="00FF00"/>
+                </a:highlight>
+                <a:latin typeface="Calibri" panose="020F0502020204030204" pitchFamily="34" charset="0"/>
+                <a:ea typeface="Calibri" panose="020F0502020204030204" pitchFamily="34" charset="0"/>
+                <a:cs typeface="Times New Roman" panose="02020603050405020304" pitchFamily="18" charset="0"/>
+              </a:rPr>
+              <a:t>.&lt;q&gt;</a:t>
+            </a:r>
+            <a:r>
+              <a:rPr lang="en-US" sz="1600" dirty="0">
+                <a:solidFill>
+                  <a:srgbClr val="0000FF"/>
+                </a:solidFill>
+                <a:highlight>
+                  <a:srgbClr val="00FF00"/>
+                </a:highlight>
+                <a:latin typeface="Calibri" panose="020F0502020204030204" pitchFamily="34" charset="0"/>
+                <a:ea typeface="Calibri" panose="020F0502020204030204" pitchFamily="34" charset="0"/>
+                <a:cs typeface="Times New Roman" panose="02020603050405020304" pitchFamily="18" charset="0"/>
+              </a:rPr>
+              <a:t>judgment was arrested and </a:t>
+            </a:r>
+            <a:r>
+              <a:rPr lang="en-US" sz="1600" b="1" dirty="0">
+                <a:solidFill>
+                  <a:srgbClr val="0000FF"/>
+                </a:solidFill>
+                <a:highlight>
+                  <a:srgbClr val="00FF00"/>
+                </a:highlight>
+                <a:latin typeface="Calibri" panose="020F0502020204030204" pitchFamily="34" charset="0"/>
+                <a:ea typeface="Calibri" panose="020F0502020204030204" pitchFamily="34" charset="0"/>
+                <a:cs typeface="Times New Roman" panose="02020603050405020304" pitchFamily="18" charset="0"/>
+              </a:rPr>
+              <a:t>the order modifying probation and imposing sentence </a:t>
+            </a:r>
+            <a:r>
+              <a:rPr lang="en-US" sz="1600" dirty="0">
+                <a:solidFill>
+                  <a:srgbClr val="0000FF"/>
+                </a:solidFill>
+                <a:highlight>
+                  <a:srgbClr val="00FF00"/>
+                </a:highlight>
+                <a:latin typeface="Calibri" panose="020F0502020204030204" pitchFamily="34" charset="0"/>
+                <a:ea typeface="Calibri" panose="020F0502020204030204" pitchFamily="34" charset="0"/>
+                <a:cs typeface="Times New Roman" panose="02020603050405020304" pitchFamily="18" charset="0"/>
+              </a:rPr>
+              <a:t>was vacated </a:t>
+            </a:r>
+            <a:r>
+              <a:rPr lang="en-US" sz="1600" dirty="0">
+                <a:highlight>
+                  <a:srgbClr val="00FF00"/>
+                </a:highlight>
+                <a:latin typeface="Calibri" panose="020F0502020204030204" pitchFamily="34" charset="0"/>
+                <a:ea typeface="Calibri" panose="020F0502020204030204" pitchFamily="34" charset="0"/>
+                <a:cs typeface="Times New Roman" panose="02020603050405020304" pitchFamily="18" charset="0"/>
+              </a:rPr>
+              <a:t>.</a:t>
+            </a:r>
+          </a:p>
+        </p:txBody>
+      </p:sp>
+    </p:spTree>
+    <p:extLst>
+      <p:ext uri="{BB962C8B-B14F-4D97-AF65-F5344CB8AC3E}">
+        <p14:creationId xmlns:p14="http://schemas.microsoft.com/office/powerpoint/2010/main" val="1088070688"/>
+      </p:ext>
+    </p:extLst>
+  </p:cSld>
+  <p:clrMapOvr>
+    <a:masterClrMapping/>
+  </p:clrMapOvr>
+</p:sld>
+</file>
+
+<file path=ppt/slides/slide13.xml><?xml version="1.0" encoding="utf-8"?>
+<p:sld xmlns:a="http://schemas.openxmlformats.org/drawingml/2006/main" xmlns:r="http://schemas.openxmlformats.org/officeDocument/2006/relationships" xmlns:p="http://schemas.openxmlformats.org/presentationml/2006/main">
+  <p:cSld>
+    <p:spTree>
+      <p:nvGrpSpPr>
+        <p:cNvPr id="1" name=""/>
+        <p:cNvGrpSpPr/>
+        <p:nvPr/>
+      </p:nvGrpSpPr>
+      <p:grpSpPr>
+        <a:xfrm>
+          <a:off x="0" y="0"/>
+          <a:ext cx="0" cy="0"/>
+          <a:chOff x="0" y="0"/>
+          <a:chExt cx="0" cy="0"/>
+        </a:xfrm>
+      </p:grpSpPr>
+      <p:sp>
+        <p:nvSpPr>
+          <p:cNvPr id="2" name="Title 1"/>
+          <p:cNvSpPr>
+            <a:spLocks noGrp="1"/>
+          </p:cNvSpPr>
+          <p:nvPr>
+            <p:ph type="title"/>
+          </p:nvPr>
+        </p:nvSpPr>
+        <p:spPr/>
+        <p:txBody>
+          <a:bodyPr/>
+          <a:lstStyle/>
+          <a:p>
+            <a:r>
+              <a:rPr lang="en-US" dirty="0" smtClean="0"/>
+              <a:t>Next Steps</a:t>
+            </a:r>
+            <a:endParaRPr lang="en-US" dirty="0"/>
+          </a:p>
+        </p:txBody>
+      </p:sp>
+      <p:sp>
+        <p:nvSpPr>
+          <p:cNvPr id="3" name="Content Placeholder 2"/>
+          <p:cNvSpPr>
+            <a:spLocks noGrp="1"/>
+          </p:cNvSpPr>
+          <p:nvPr>
+            <p:ph idx="1"/>
+          </p:nvPr>
+        </p:nvSpPr>
+        <p:spPr/>
+        <p:txBody>
+          <a:bodyPr>
+            <a:normAutofit/>
+          </a:bodyPr>
+          <a:lstStyle/>
+          <a:p>
+            <a:pPr marL="457200" indent="-457200">
+              <a:buFont typeface="+mj-lt"/>
+              <a:buAutoNum type="arabicPeriod"/>
+            </a:pPr>
+            <a:r>
+              <a:rPr lang="en-US" sz="2000" dirty="0" smtClean="0"/>
+              <a:t>Tuning the different hype parameters</a:t>
+            </a:r>
+          </a:p>
+          <a:p>
+            <a:pPr marL="457200" indent="-457200">
+              <a:buFont typeface="+mj-lt"/>
+              <a:buAutoNum type="arabicPeriod"/>
+            </a:pPr>
+            <a:r>
+              <a:rPr lang="en-US" sz="2000" dirty="0" smtClean="0"/>
+              <a:t>Expanding the sentence length beyond the fixed limit of 512</a:t>
+            </a:r>
+          </a:p>
+          <a:p>
+            <a:pPr marL="457200" indent="-457200">
+              <a:buFont typeface="+mj-lt"/>
+              <a:buAutoNum type="arabicPeriod"/>
+            </a:pPr>
+            <a:r>
+              <a:rPr lang="en-US" sz="2000" dirty="0" smtClean="0"/>
+              <a:t>Using all the cases</a:t>
+            </a:r>
+          </a:p>
+          <a:p>
+            <a:pPr marL="457200" indent="-457200">
+              <a:buFont typeface="+mj-lt"/>
+              <a:buAutoNum type="arabicPeriod"/>
+            </a:pPr>
+            <a:r>
+              <a:rPr lang="en-US" sz="2000" dirty="0" smtClean="0"/>
+              <a:t>Using all the opinions</a:t>
+            </a:r>
+            <a:endParaRPr lang="en-US" sz="2000" dirty="0"/>
+          </a:p>
+        </p:txBody>
+      </p:sp>
+    </p:spTree>
+    <p:extLst>
+      <p:ext uri="{BB962C8B-B14F-4D97-AF65-F5344CB8AC3E}">
+        <p14:creationId xmlns:p14="http://schemas.microsoft.com/office/powerpoint/2010/main" val="847104291"/>
+      </p:ext>
+    </p:extLst>
+  </p:cSld>
+  <p:clrMapOvr>
+    <a:masterClrMapping/>
+  </p:clrMapOvr>
+</p:sld>
+</file>
+
+<file path=ppt/slides/slide14.xml><?xml version="1.0" encoding="utf-8"?>
+<p:sld xmlns:a="http://schemas.openxmlformats.org/drawingml/2006/main" xmlns:r="http://schemas.openxmlformats.org/officeDocument/2006/relationships" xmlns:p="http://schemas.openxmlformats.org/presentationml/2006/main">
+  <p:cSld>
+    <p:spTree>
+      <p:nvGrpSpPr>
+        <p:cNvPr id="1" name=""/>
+        <p:cNvGrpSpPr/>
+        <p:nvPr/>
+      </p:nvGrpSpPr>
+      <p:grpSpPr>
+        <a:xfrm>
+          <a:off x="0" y="0"/>
+          <a:ext cx="0" cy="0"/>
+          <a:chOff x="0" y="0"/>
+          <a:chExt cx="0" cy="0"/>
+        </a:xfrm>
+      </p:grpSpPr>
+      <p:sp>
+        <p:nvSpPr>
+          <p:cNvPr id="2" name="Title 1">
+            <a:extLst>
+              <a:ext uri="{FF2B5EF4-FFF2-40B4-BE49-F238E27FC236}">
+                <a16:creationId xmlns="" xmlns:a16="http://schemas.microsoft.com/office/drawing/2014/main" id="{CA344CBA-FB2B-44A2-9612-01FA04D41200}"/>
+              </a:ext>
+            </a:extLst>
+          </p:cNvPr>
+          <p:cNvSpPr>
+            <a:spLocks noGrp="1"/>
+          </p:cNvSpPr>
+          <p:nvPr>
+            <p:ph type="title"/>
+          </p:nvPr>
+        </p:nvSpPr>
+        <p:spPr/>
+        <p:txBody>
+          <a:bodyPr/>
+          <a:lstStyle/>
+          <a:p>
+            <a:r>
+              <a:rPr lang="en-US" dirty="0"/>
+              <a:t>Our Research</a:t>
+            </a:r>
+          </a:p>
+        </p:txBody>
+      </p:sp>
+      <p:sp>
+        <p:nvSpPr>
+          <p:cNvPr id="3" name="Content Placeholder 2">
+            <a:extLst>
+              <a:ext uri="{FF2B5EF4-FFF2-40B4-BE49-F238E27FC236}">
+                <a16:creationId xmlns="" xmlns:a16="http://schemas.microsoft.com/office/drawing/2014/main" id="{F66CA81D-1701-4C2D-AE08-277C299D9B85}"/>
+              </a:ext>
+            </a:extLst>
+          </p:cNvPr>
+          <p:cNvSpPr>
+            <a:spLocks noGrp="1"/>
+          </p:cNvSpPr>
+          <p:nvPr>
+            <p:ph idx="1"/>
+          </p:nvPr>
+        </p:nvSpPr>
+        <p:spPr>
+          <a:xfrm>
+            <a:off x="1097280" y="1899590"/>
+            <a:ext cx="10058400" cy="4503521"/>
+          </a:xfrm>
+        </p:spPr>
+        <p:txBody>
+          <a:bodyPr>
+            <a:normAutofit/>
+          </a:bodyPr>
+          <a:lstStyle/>
+          <a:p>
+            <a:pPr lvl="0"/>
+            <a:r>
+              <a:rPr lang="en-US" sz="2400" b="1" dirty="0"/>
+              <a:t>Types of Summarizations</a:t>
+            </a:r>
+          </a:p>
+          <a:p>
+            <a:pPr lvl="0"/>
+            <a:r>
+              <a:rPr lang="en-US" b="1" dirty="0"/>
+              <a:t>Extraction-based summarization</a:t>
+            </a:r>
+            <a:r>
+              <a:rPr lang="en-US" dirty="0"/>
+              <a:t>: Content is extracted from original document and is not modified. This method will extract key phrases or sentences to form a summary. The summary generated by this method may not be the same format as a human might express  it and the sentences may appear disjointed</a:t>
+            </a:r>
+          </a:p>
+          <a:p>
+            <a:pPr lvl="0"/>
+            <a:r>
+              <a:rPr lang="en-US" b="1" dirty="0"/>
+              <a:t>Abstraction-based summarization</a:t>
+            </a:r>
+            <a:r>
+              <a:rPr lang="en-US" dirty="0"/>
+              <a:t>: Abstractive methods generate a summary based on internal semantic representation of the original content, closer to what a human might express. Abstraction may transform the extracted content. Such transformation are computationally very challenging  , involving both NLP (natural language processing) and a deep understanding of the document </a:t>
+            </a:r>
+          </a:p>
+          <a:p>
+            <a:pPr marL="457200" indent="-457200">
+              <a:buAutoNum type="arabicParenR"/>
+            </a:pPr>
+            <a:endParaRPr lang="en-US" dirty="0"/>
+          </a:p>
+        </p:txBody>
+      </p:sp>
+    </p:spTree>
+    <p:extLst>
+      <p:ext uri="{BB962C8B-B14F-4D97-AF65-F5344CB8AC3E}">
+        <p14:creationId xmlns:p14="http://schemas.microsoft.com/office/powerpoint/2010/main" val="1897433995"/>
+      </p:ext>
+    </p:extLst>
+  </p:cSld>
+  <p:clrMapOvr>
+    <a:masterClrMapping/>
+  </p:clrMapOvr>
+</p:sld>
+</file>
+
+<file path=ppt/slides/slide15.xml><?xml version="1.0" encoding="utf-8"?>
+<p:sld xmlns:a="http://schemas.openxmlformats.org/drawingml/2006/main" xmlns:r="http://schemas.openxmlformats.org/officeDocument/2006/relationships" xmlns:p="http://schemas.openxmlformats.org/presentationml/2006/main">
+  <p:cSld>
+    <p:spTree>
+      <p:nvGrpSpPr>
+        <p:cNvPr id="1" name=""/>
+        <p:cNvGrpSpPr/>
+        <p:nvPr/>
+      </p:nvGrpSpPr>
+      <p:grpSpPr>
+        <a:xfrm>
+          <a:off x="0" y="0"/>
+          <a:ext cx="0" cy="0"/>
+          <a:chOff x="0" y="0"/>
+          <a:chExt cx="0" cy="0"/>
+        </a:xfrm>
+      </p:grpSpPr>
+      <p:sp>
+        <p:nvSpPr>
+          <p:cNvPr id="2" name="Title 1">
+            <a:extLst>
+              <a:ext uri="{FF2B5EF4-FFF2-40B4-BE49-F238E27FC236}">
+                <a16:creationId xmlns="" xmlns:a16="http://schemas.microsoft.com/office/drawing/2014/main" id="{A89F2B34-DF68-420A-A1A7-69ABD17B850E}"/>
+              </a:ext>
+            </a:extLst>
+          </p:cNvPr>
+          <p:cNvSpPr>
+            <a:spLocks noGrp="1"/>
+          </p:cNvSpPr>
+          <p:nvPr>
+            <p:ph type="title"/>
+          </p:nvPr>
+        </p:nvSpPr>
+        <p:spPr/>
+        <p:txBody>
+          <a:bodyPr/>
+          <a:lstStyle/>
+          <a:p>
+            <a:r>
+              <a:rPr lang="en-US" dirty="0"/>
+              <a:t>Our Research</a:t>
+            </a:r>
+          </a:p>
+        </p:txBody>
+      </p:sp>
+      <p:sp>
+        <p:nvSpPr>
+          <p:cNvPr id="3" name="Content Placeholder 2">
+            <a:extLst>
+              <a:ext uri="{FF2B5EF4-FFF2-40B4-BE49-F238E27FC236}">
+                <a16:creationId xmlns="" xmlns:a16="http://schemas.microsoft.com/office/drawing/2014/main" id="{E1B94245-4F0C-4B7C-9103-E79616CDFF6C}"/>
+              </a:ext>
+            </a:extLst>
+          </p:cNvPr>
+          <p:cNvSpPr>
+            <a:spLocks noGrp="1"/>
+          </p:cNvSpPr>
+          <p:nvPr>
+            <p:ph idx="1"/>
+          </p:nvPr>
+        </p:nvSpPr>
+        <p:spPr/>
+        <p:txBody>
+          <a:bodyPr>
+            <a:normAutofit fontScale="92500" lnSpcReduction="20000"/>
+          </a:bodyPr>
+          <a:lstStyle/>
+          <a:p>
+            <a:r>
+              <a:rPr lang="en-US" sz="2800" b="1" dirty="0"/>
+              <a:t>BERT (</a:t>
+            </a:r>
+            <a:r>
+              <a:rPr lang="en-US" sz="2800" dirty="0"/>
+              <a:t>Bidirectional Encoder Representations from Transformers )</a:t>
+            </a:r>
+            <a:endParaRPr lang="en-US" sz="2800" b="1" dirty="0"/>
+          </a:p>
+          <a:p>
+            <a:r>
+              <a:rPr lang="en-US" dirty="0"/>
+              <a:t>BERT is a NLP technique developed by Google(published in 2018 by Jacob Devlin and his colleagues) which can be used to created pretrained language models.  This </a:t>
+            </a:r>
+            <a:r>
+              <a:rPr lang="en-US" dirty="0" err="1"/>
+              <a:t>technigque</a:t>
+            </a:r>
+            <a:r>
+              <a:rPr lang="en-US" dirty="0"/>
+              <a:t> </a:t>
+            </a:r>
+            <a:r>
+              <a:rPr lang="en-US" dirty="0" err="1"/>
+              <a:t>hae</a:t>
+            </a:r>
+            <a:r>
+              <a:rPr lang="en-US" dirty="0"/>
+              <a:t> </a:t>
+            </a:r>
+            <a:r>
+              <a:rPr lang="en-US" dirty="0" err="1"/>
+              <a:t>reently</a:t>
+            </a:r>
+            <a:r>
+              <a:rPr lang="en-US" dirty="0"/>
+              <a:t> been used to create pretrained models for a wide range of natural language processing tasks.  BERT is a deeply bidirectional, unsupervised language representation and these models are  pre-trained using only a plain text corpus. BERT uses a masking </a:t>
+            </a:r>
+            <a:r>
+              <a:rPr lang="en-US" dirty="0" err="1"/>
+              <a:t>stategy</a:t>
+            </a:r>
+            <a:r>
+              <a:rPr lang="en-US" dirty="0"/>
+              <a:t> and learns to predict masked sections within the text</a:t>
+            </a:r>
+          </a:p>
+          <a:p>
+            <a:r>
+              <a:rPr lang="en-US" sz="2800" b="1" dirty="0" err="1"/>
+              <a:t>RoBERTa</a:t>
+            </a:r>
+            <a:r>
+              <a:rPr lang="en-US" sz="2800" dirty="0"/>
+              <a:t>(</a:t>
+            </a:r>
+            <a:r>
+              <a:rPr lang="en-US" sz="2600" b="1" dirty="0"/>
+              <a:t>Robustly Optimized BERT Pretraining Approach</a:t>
+            </a:r>
+            <a:r>
+              <a:rPr lang="en-US" b="1" dirty="0"/>
+              <a:t>)</a:t>
+            </a:r>
+            <a:endParaRPr lang="en-US" sz="2800" dirty="0"/>
+          </a:p>
+          <a:p>
+            <a:r>
+              <a:rPr lang="en-US" dirty="0" err="1"/>
+              <a:t>RoBERTa</a:t>
+            </a:r>
+            <a:r>
+              <a:rPr lang="en-US" dirty="0"/>
+              <a:t> builds on BERT’s language masking strategy. It modifies key hyperparameters in BERT, removing BERT’s next-sentence pretraining objective, and training with much larger mini-batches and learning rates. This allows </a:t>
+            </a:r>
+            <a:r>
+              <a:rPr lang="en-US" dirty="0" err="1"/>
+              <a:t>RoBERTa</a:t>
+            </a:r>
+            <a:r>
+              <a:rPr lang="en-US" dirty="0"/>
+              <a:t> to improve on the masked language modeling objective compared with BERT and leads to better downstream task performance. </a:t>
+            </a:r>
+          </a:p>
+        </p:txBody>
+      </p:sp>
+    </p:spTree>
+    <p:extLst>
+      <p:ext uri="{BB962C8B-B14F-4D97-AF65-F5344CB8AC3E}">
+        <p14:creationId xmlns:p14="http://schemas.microsoft.com/office/powerpoint/2010/main" val="360813130"/>
+      </p:ext>
+    </p:extLst>
+  </p:cSld>
+  <p:clrMapOvr>
+    <a:masterClrMapping/>
+  </p:clrMapOvr>
+</p:sld>
+</file>
+
+<file path=ppt/slides/slide16.xml><?xml version="1.0" encoding="utf-8"?>
 <p:sld xmlns:a="http://schemas.openxmlformats.org/drawingml/2006/main" xmlns:r="http://schemas.openxmlformats.org/officeDocument/2006/relationships" xmlns:p="http://schemas.openxmlformats.org/presentationml/2006/main">
   <p:cSld>
     <p:spTree>
@@ -4549,41 +6731,58 @@
             <p:ph idx="1"/>
           </p:nvPr>
         </p:nvSpPr>
-        <p:spPr/>
-        <p:txBody>
-          <a:bodyPr>
-            <a:normAutofit/>
+        <p:spPr>
+          <a:xfrm>
+            <a:off x="1097280" y="1910262"/>
+            <a:ext cx="10058400" cy="4503521"/>
+          </a:xfrm>
+        </p:spPr>
+        <p:txBody>
+          <a:bodyPr anchor="ctr">
+            <a:noAutofit/>
           </a:bodyPr>
           <a:lstStyle/>
           <a:p>
             <a:pPr lvl="0"/>
             <a:r>
-              <a:rPr lang="en-US" sz="2000" dirty="0"/>
-              <a:t>Headnotes are brief case summary statements for court cases. They are generated by commercial third parties. They are usually under copyright protection and may not be available or may be subject to usage restrictions.</a:t>
-            </a:r>
-            <a:br>
-              <a:rPr lang="en-US" sz="2000" dirty="0"/>
-            </a:br>
-            <a:r>
-              <a:rPr lang="en-US" sz="2000" dirty="0"/>
-              <a:t>In this project we will use NLP summarized algorithms to reconstruct headnotes using a variety of court cases as our training dataset. </a:t>
-            </a:r>
-            <a:br>
-              <a:rPr lang="en-US" sz="2000" dirty="0"/>
-            </a:br>
-            <a:r>
-              <a:rPr lang="en-US" sz="2000" dirty="0"/>
-              <a:t>We have used for training, the dataset for historical court cases provided by the </a:t>
-            </a:r>
-            <a:r>
-              <a:rPr lang="en-US" sz="2000" dirty="0" err="1"/>
+              <a:rPr lang="en-US" sz="2200" dirty="0"/>
+              <a:t>Headnotes are brief case summary statements for court cases. They are generated by commercial third parties. They are usually under copyright protection and may not be available or may be subject to usage restrictions</a:t>
+            </a:r>
+            <a:r>
+              <a:rPr lang="en-US" sz="2200" dirty="0" smtClean="0"/>
+              <a:t>.</a:t>
+            </a:r>
+          </a:p>
+          <a:p>
+            <a:pPr lvl="0"/>
+            <a:r>
+              <a:rPr lang="en-US" sz="2200" dirty="0" smtClean="0"/>
+              <a:t>In </a:t>
+            </a:r>
+            <a:r>
+              <a:rPr lang="en-US" sz="2200" dirty="0"/>
+              <a:t>this project we will use NLP summarized algorithms to reconstruct headnotes using a variety of court cases as our training dataset. </a:t>
+            </a:r>
+            <a:endParaRPr lang="en-US" sz="2200" dirty="0" smtClean="0"/>
+          </a:p>
+          <a:p>
+            <a:pPr lvl="0"/>
+            <a:r>
+              <a:rPr lang="en-US" sz="2200" dirty="0" smtClean="0"/>
+              <a:t>We </a:t>
+            </a:r>
+            <a:r>
+              <a:rPr lang="en-US" sz="2200" dirty="0"/>
+              <a:t>have used for training, the dataset for historical court cases provided by the </a:t>
+            </a:r>
+            <a:r>
+              <a:rPr lang="en-US" sz="2200" dirty="0" err="1"/>
               <a:t>CaseLaw</a:t>
             </a:r>
             <a:r>
-              <a:rPr lang="en-US" sz="2000" dirty="0"/>
+              <a:rPr lang="en-US" sz="2200" dirty="0"/>
               <a:t> Access Project. We have selected cases for the state of North Carolina from the Harvard Law School Library</a:t>
             </a:r>
-            <a:endParaRPr lang="en-US" dirty="0"/>
           </a:p>
         </p:txBody>
       </p:sp>
@@ -4668,8 +6867,8 @@
         </p:nvSpPr>
         <p:spPr>
           <a:xfrm>
-            <a:off x="365760" y="1955800"/>
-            <a:ext cx="11394440" cy="4378959"/>
+            <a:off x="1162424" y="1955800"/>
+            <a:ext cx="10020527" cy="4378959"/>
           </a:xfrm>
         </p:spPr>
         <p:txBody>
@@ -4682,19 +6881,19 @@
               <a:buNone/>
             </a:pPr>
             <a:r>
-              <a:rPr lang="en-US" sz="2500" dirty="0"/>
+              <a:rPr lang="en-US" sz="2400" dirty="0"/>
               <a:t>Data: We are using the dataset provided by </a:t>
             </a:r>
             <a:r>
-              <a:rPr lang="en-US" sz="2400" dirty="0"/>
+              <a:rPr lang="en-US" sz="2000" dirty="0"/>
               <a:t>the </a:t>
             </a:r>
             <a:r>
-              <a:rPr lang="en-US" sz="2400" dirty="0" err="1"/>
+              <a:rPr lang="en-US" sz="2000" dirty="0" err="1"/>
               <a:t>CaseLaw</a:t>
             </a:r>
             <a:r>
-              <a:rPr lang="en-US" sz="2400" dirty="0"/>
+              <a:rPr lang="en-US" sz="2000" dirty="0"/>
               <a:t> Access Project. We have selected cases for the state of North Carolina from the Harvard Law School Library.</a:t>
             </a:r>
           </a:p>
@@ -4702,20 +6901,20 @@
             <a:pPr marL="0" indent="0">
               <a:buNone/>
             </a:pPr>
-            <a:endParaRPr lang="en-US" sz="2400" dirty="0"/>
+            <a:endParaRPr lang="en-US" sz="2000" dirty="0"/>
           </a:p>
           <a:p>
             <a:pPr marL="0" indent="0">
               <a:buNone/>
             </a:pPr>
-            <a:endParaRPr lang="en-US" sz="2400" dirty="0"/>
+            <a:endParaRPr lang="en-US" sz="2000" dirty="0"/>
           </a:p>
           <a:p>
             <a:pPr marL="0" indent="0">
               <a:buNone/>
             </a:pPr>
             <a:r>
-              <a:rPr lang="en-US" sz="2500" dirty="0"/>
+              <a:rPr lang="en-US" sz="2400" dirty="0"/>
               <a:t> </a:t>
             </a:r>
           </a:p>
@@ -4736,14 +6935,14 @@
           <p:nvPr>
             <p:extLst>
               <p:ext uri="{D42A27DB-BD31-4B8C-83A1-F6EECF244321}">
-                <p14:modId xmlns:p14="http://schemas.microsoft.com/office/powerpoint/2010/main" val="3773412770"/>
+                <p14:modId xmlns:p14="http://schemas.microsoft.com/office/powerpoint/2010/main" val="2176012529"/>
               </p:ext>
             </p:extLst>
           </p:nvPr>
         </p:nvGraphicFramePr>
         <p:xfrm>
-          <a:off x="403050" y="2951626"/>
-          <a:ext cx="6284902" cy="2595880"/>
+          <a:off x="1159221" y="2930333"/>
+          <a:ext cx="5826087" cy="2595880"/>
         </p:xfrm>
         <a:graphic>
           <a:graphicData uri="http://schemas.openxmlformats.org/drawingml/2006/table">
@@ -4752,14 +6951,14 @@
                 <a:tableStyleId>{5C22544A-7EE6-4342-B048-85BDC9FD1C3A}</a:tableStyleId>
               </a:tblPr>
               <a:tblGrid>
-                <a:gridCol w="3147070">
+                <a:gridCol w="2917325">
                   <a:extLst>
                     <a:ext uri="{9D8B030D-6E8A-4147-A177-3AD203B41FA5}">
                       <a16:colId xmlns="" xmlns:a16="http://schemas.microsoft.com/office/drawing/2014/main" val="2919214932"/>
                     </a:ext>
                   </a:extLst>
                 </a:gridCol>
-                <a:gridCol w="3137832">
+                <a:gridCol w="2908762">
                   <a:extLst>
                     <a:ext uri="{9D8B030D-6E8A-4147-A177-3AD203B41FA5}">
                       <a16:colId xmlns="" xmlns:a16="http://schemas.microsoft.com/office/drawing/2014/main" val="3416736214"/>
@@ -4846,15 +7045,32 @@
                     <a:bodyPr/>
                     <a:lstStyle/>
                     <a:p>
+                      <a:pPr marL="0" marR="0" indent="0" algn="l" defTabSz="914400" rtl="0" eaLnBrk="1" fontAlgn="auto" latinLnBrk="0" hangingPunct="1">
+                        <a:lnSpc>
+                          <a:spcPct val="100000"/>
+                        </a:lnSpc>
+                        <a:spcBef>
+                          <a:spcPts val="0"/>
+                        </a:spcBef>
+                        <a:spcAft>
+                          <a:spcPts val="0"/>
+                        </a:spcAft>
+                        <a:buClrTx/>
+                        <a:buSzTx/>
+                        <a:buFontTx/>
+                        <a:buNone/>
+                        <a:tabLst/>
+                        <a:defRPr/>
+                      </a:pPr>
                       <a:r>
                         <a:rPr lang="en-US" dirty="0" smtClean="0"/>
-                        <a:t>97600 (using 3,693</a:t>
+                        <a:t>97,600 (using 3,693</a:t>
                       </a:r>
                       <a:r>
                         <a:rPr lang="en-US" baseline="0" dirty="0" smtClean="0"/>
                         <a:t> cases)</a:t>
                       </a:r>
-                      <a:endParaRPr lang="en-US" dirty="0"/>
+                      <a:endParaRPr lang="en-US" dirty="0" smtClean="0"/>
                     </a:p>
                   </a:txBody>
                   <a:tcPr/>
@@ -4998,8 +7214,13 @@
                     <a:p>
                       <a:r>
                         <a:rPr lang="en-US" dirty="0"/>
-                        <a:t>headnotes and opinion</a:t>
+                        <a:t>headnotes and </a:t>
                       </a:r>
+                      <a:r>
+                        <a:rPr lang="en-US" dirty="0" smtClean="0"/>
+                        <a:t>opinions</a:t>
+                      </a:r>
+                      <a:endParaRPr lang="en-US" dirty="0"/>
                     </a:p>
                   </a:txBody>
                   <a:tcPr/>
@@ -5036,8 +7257,8 @@
         </p:blipFill>
         <p:spPr>
           <a:xfrm>
-            <a:off x="6691528" y="2942229"/>
-            <a:ext cx="5261204" cy="3420968"/>
+            <a:off x="7006835" y="2926268"/>
+            <a:ext cx="4801261" cy="3121902"/>
           </a:xfrm>
           <a:prstGeom prst="rect">
             <a:avLst/>
@@ -5058,7 +7279,7 @@
         </p:nvSpPr>
         <p:spPr>
           <a:xfrm>
-            <a:off x="8474293" y="3060778"/>
+            <a:off x="8720620" y="2979446"/>
             <a:ext cx="1657826" cy="261610"/>
           </a:xfrm>
           <a:prstGeom prst="rect">
@@ -5160,8 +7381,8 @@
         </p:nvSpPr>
         <p:spPr>
           <a:xfrm>
-            <a:off x="365760" y="1955800"/>
-            <a:ext cx="10896600" cy="4378959"/>
+            <a:off x="1195320" y="1955800"/>
+            <a:ext cx="9957445" cy="4378959"/>
           </a:xfrm>
         </p:spPr>
         <p:txBody>
@@ -5174,63 +7395,92 @@
               <a:buNone/>
             </a:pPr>
             <a:r>
-              <a:rPr lang="en-US" sz="2500" dirty="0"/>
+              <a:rPr lang="en-US" sz="2800" dirty="0"/>
               <a:t>The steps to prepare the data for our models:</a:t>
             </a:r>
+          </a:p>
+          <a:p>
+            <a:pPr marL="457200" indent="-457200">
+              <a:buFont typeface="Calibri" panose="020F0502020204030204" pitchFamily="34" charset="0"/>
+              <a:buAutoNum type="arabicParenR"/>
+            </a:pPr>
+            <a:r>
+              <a:rPr lang="en-US" sz="1800" dirty="0"/>
+              <a:t>Selected cases since </a:t>
+            </a:r>
+            <a:r>
+              <a:rPr lang="en-US" sz="1800" dirty="0" smtClean="0"/>
+              <a:t>2008 and extract </a:t>
+            </a:r>
+            <a:r>
+              <a:rPr lang="en-US" sz="1800" dirty="0" smtClean="0"/>
+              <a:t>data from </a:t>
+            </a:r>
+            <a:r>
+              <a:rPr lang="en-US" sz="1800" dirty="0" err="1" smtClean="0"/>
+              <a:t>casebody.data</a:t>
+            </a:r>
+            <a:endParaRPr lang="en-US" sz="1800" dirty="0" smtClean="0"/>
           </a:p>
           <a:p>
             <a:pPr marL="457200" indent="-457200">
               <a:buAutoNum type="arabicParenR"/>
             </a:pPr>
             <a:r>
-              <a:rPr lang="en-US" sz="2000" dirty="0" smtClean="0"/>
-              <a:t>Selected cases since 2008</a:t>
-            </a:r>
-            <a:endParaRPr lang="en-US" sz="2000" dirty="0"/>
+              <a:rPr lang="en-US" sz="1800" dirty="0" smtClean="0"/>
+              <a:t>Extracted </a:t>
+            </a:r>
+            <a:r>
+              <a:rPr lang="en-US" sz="1800" dirty="0"/>
+              <a:t>majority </a:t>
+            </a:r>
+            <a:r>
+              <a:rPr lang="en-US" sz="1800" dirty="0" smtClean="0"/>
+              <a:t>opinions </a:t>
+            </a:r>
+            <a:r>
+              <a:rPr lang="en-US" sz="1800" dirty="0"/>
+              <a:t>and headnotes from </a:t>
+            </a:r>
+            <a:r>
+              <a:rPr lang="en-US" sz="1800" dirty="0" err="1"/>
+              <a:t>casebody.data</a:t>
+            </a:r>
+            <a:endParaRPr lang="en-US" sz="1800" dirty="0"/>
           </a:p>
           <a:p>
             <a:pPr marL="457200" indent="-457200">
               <a:buAutoNum type="arabicParenR"/>
             </a:pPr>
             <a:r>
-              <a:rPr lang="en-US" sz="2000" dirty="0" smtClean="0"/>
-              <a:t>Extract majority </a:t>
-            </a:r>
-            <a:r>
-              <a:rPr lang="en-US" sz="2000" dirty="0"/>
-              <a:t>opinion </a:t>
-            </a:r>
-            <a:r>
-              <a:rPr lang="en-US" sz="2000" dirty="0" smtClean="0"/>
-              <a:t>and headnotes </a:t>
-            </a:r>
-            <a:r>
-              <a:rPr lang="en-US" sz="2000" dirty="0"/>
-              <a:t>from </a:t>
-            </a:r>
-            <a:r>
-              <a:rPr lang="en-US" sz="2000" dirty="0" err="1"/>
-              <a:t>casebody.data</a:t>
-            </a:r>
-            <a:endParaRPr lang="en-US" sz="2000" dirty="0"/>
+              <a:rPr lang="en-US" sz="1800" dirty="0"/>
+              <a:t>Removed ‘\n’ from the opinions</a:t>
+            </a:r>
           </a:p>
           <a:p>
             <a:pPr marL="457200" indent="-457200">
               <a:buAutoNum type="arabicParenR"/>
             </a:pPr>
             <a:r>
-              <a:rPr lang="en-US" sz="2000" dirty="0" smtClean="0"/>
-              <a:t>Removed ‘\n’ from the opinions</a:t>
-            </a:r>
-            <a:endParaRPr lang="en-US" sz="2000" dirty="0"/>
+              <a:rPr lang="en-US" sz="1800" dirty="0" smtClean="0"/>
+              <a:t>Filtered data </a:t>
+            </a:r>
+            <a:r>
+              <a:rPr lang="en-US" sz="1800" dirty="0"/>
+              <a:t>where length of headnotes &gt; 150 and opinion is larger than the headnotes</a:t>
+            </a:r>
           </a:p>
           <a:p>
             <a:pPr marL="457200" indent="-457200">
               <a:buAutoNum type="arabicParenR"/>
             </a:pPr>
             <a:r>
-              <a:rPr lang="en-US" sz="2000" dirty="0"/>
-              <a:t>Save data where length of headnotes &gt; 150 and opinion is larger than the headnotes</a:t>
+              <a:rPr lang="en-US" sz="1800" dirty="0" smtClean="0"/>
+              <a:t>Tokenized </a:t>
+            </a:r>
+            <a:r>
+              <a:rPr lang="en-US" sz="1800" dirty="0"/>
+              <a:t>the headnotes and opinions</a:t>
             </a:r>
           </a:p>
           <a:p>
@@ -5238,8 +7488,12 @@
               <a:buAutoNum type="arabicParenR"/>
             </a:pPr>
             <a:r>
-              <a:rPr lang="en-US" sz="2000" dirty="0"/>
-              <a:t>Tokenize the headnotes and opinions</a:t>
+              <a:rPr lang="en-US" sz="1800" dirty="0" smtClean="0"/>
+              <a:t>Preprocessed </a:t>
+            </a:r>
+            <a:r>
+              <a:rPr lang="en-US" sz="1800" dirty="0"/>
+              <a:t>using Bert preprocessor to label opinions. </a:t>
             </a:r>
           </a:p>
           <a:p>
@@ -5247,17 +7501,16 @@
               <a:buAutoNum type="arabicParenR"/>
             </a:pPr>
             <a:r>
-              <a:rPr lang="en-US" sz="2000" dirty="0"/>
-              <a:t>Preprocess using Bert preprocessor to label opinions. </a:t>
-            </a:r>
-          </a:p>
-          <a:p>
-            <a:pPr marL="457200" indent="-457200">
-              <a:buAutoNum type="arabicParenR"/>
-            </a:pPr>
-            <a:r>
-              <a:rPr lang="en-US" sz="2000" dirty="0"/>
-              <a:t>Split data into training testing and validation sets</a:t>
+              <a:rPr lang="en-US" sz="1800" dirty="0"/>
+              <a:t>Split data into </a:t>
+            </a:r>
+            <a:r>
+              <a:rPr lang="en-US" sz="1800" dirty="0" smtClean="0"/>
+              <a:t>training, testing, </a:t>
+            </a:r>
+            <a:r>
+              <a:rPr lang="en-US" sz="1800" dirty="0"/>
+              <a:t>and validation sets</a:t>
             </a:r>
           </a:p>
         </p:txBody>
@@ -5343,8 +7596,8 @@
         </p:nvSpPr>
         <p:spPr>
           <a:xfrm>
-            <a:off x="365760" y="1955800"/>
-            <a:ext cx="10896600" cy="4378959"/>
+            <a:off x="1097844" y="1955800"/>
+            <a:ext cx="10164515" cy="4378959"/>
           </a:xfrm>
         </p:spPr>
         <p:txBody>
@@ -5358,15 +7611,20 @@
             </a:pPr>
             <a:r>
               <a:rPr lang="en-US" sz="2000" dirty="0"/>
-              <a:t>The steps to prepare the data for our models:</a:t>
-            </a:r>
+              <a:t>The steps to prepare the data for our models</a:t>
+            </a:r>
+            <a:r>
+              <a:rPr lang="en-US" sz="2000" dirty="0" smtClean="0"/>
+              <a:t>:</a:t>
+            </a:r>
+            <a:endParaRPr lang="en-US" sz="2000" dirty="0"/>
           </a:p>
           <a:p>
             <a:pPr marL="457200" indent="-457200">
               <a:buAutoNum type="arabicParenR"/>
             </a:pPr>
             <a:r>
-              <a:rPr lang="en-US" sz="2000" dirty="0"/>
+              <a:rPr lang="en-US" sz="1800" dirty="0"/>
               <a:t>For each sentence in opinion and compare it to the sentences in the headnotes. </a:t>
             </a:r>
           </a:p>
@@ -5375,7 +7633,7 @@
               <a:buAutoNum type="arabicParenR"/>
             </a:pPr>
             <a:r>
-              <a:rPr lang="en-US" sz="2000" dirty="0"/>
+              <a:rPr lang="en-US" sz="1800" dirty="0"/>
               <a:t>If the sentence increases the rouge score, select the sentence for the summary. </a:t>
             </a:r>
           </a:p>
@@ -5384,7 +7642,7 @@
               <a:buAutoNum type="arabicParenR"/>
             </a:pPr>
             <a:r>
-              <a:rPr lang="en-US" sz="2000" dirty="0"/>
+              <a:rPr lang="en-US" sz="1800" dirty="0"/>
               <a:t>Label the tokenized opinion so that the sentences that are selected have a label of 1 and the sentence that is not selected has a label of 0</a:t>
             </a:r>
           </a:p>
@@ -5393,7 +7651,7 @@
               <a:buAutoNum type="arabicParenR"/>
             </a:pPr>
             <a:r>
-              <a:rPr lang="en-US" sz="2000" dirty="0"/>
+              <a:rPr lang="en-US" sz="1800" dirty="0"/>
               <a:t>Additional columns created are for each opinion</a:t>
             </a:r>
           </a:p>
@@ -5414,40 +7672,13 @@
             </a:pPr>
             <a:r>
               <a:rPr lang="en-US" sz="1600" dirty="0"/>
-              <a:t>The rank of each word in an opinion</a:t>
-            </a:r>
-          </a:p>
-          <a:p>
-            <a:pPr marL="749808" lvl="1" indent="-457200">
-              <a:buFont typeface="Arial" panose="020B0604020202020204" pitchFamily="34" charset="0"/>
-              <a:buChar char="•"/>
-            </a:pPr>
-            <a:endParaRPr lang="en-US" sz="1600" dirty="0"/>
-          </a:p>
-          <a:p>
-            <a:pPr marL="749808" lvl="1" indent="-457200">
-              <a:buFont typeface="Arial" panose="020B0604020202020204" pitchFamily="34" charset="0"/>
-              <a:buChar char="•"/>
-            </a:pPr>
-            <a:endParaRPr lang="en-US" sz="1600" dirty="0"/>
-          </a:p>
-          <a:p>
-            <a:pPr marL="457200" indent="-457200">
-              <a:buAutoNum type="arabicParenR"/>
-            </a:pPr>
-            <a:endParaRPr lang="en-US" sz="1800" dirty="0"/>
-          </a:p>
-          <a:p>
-            <a:pPr marL="457200" indent="-457200">
-              <a:buAutoNum type="arabicParenR"/>
-            </a:pPr>
-            <a:endParaRPr lang="en-US" sz="2800" dirty="0"/>
-          </a:p>
-          <a:p>
-            <a:pPr marL="457200" indent="-457200">
-              <a:buAutoNum type="arabicParenR"/>
-            </a:pPr>
-            <a:endParaRPr lang="en-US" sz="2800" dirty="0"/>
+              <a:t>The rank of each word in an </a:t>
+            </a:r>
+            <a:r>
+              <a:rPr lang="en-US" sz="1600" dirty="0" smtClean="0"/>
+              <a:t>opinion</a:t>
+            </a:r>
+            <a:endParaRPr lang="en-US" sz="2400" dirty="0"/>
           </a:p>
         </p:txBody>
       </p:sp>
@@ -5504,8 +7735,13 @@
           <a:p>
             <a:r>
               <a:rPr lang="en-US" dirty="0"/>
-              <a:t>Our Research</a:t>
-            </a:r>
+              <a:t>Our </a:t>
+            </a:r>
+            <a:r>
+              <a:rPr lang="en-US" dirty="0" smtClean="0"/>
+              <a:t>Research (criteria)</a:t>
+            </a:r>
+            <a:endParaRPr lang="en-US" dirty="0"/>
           </a:p>
         </p:txBody>
       </p:sp>
@@ -5525,9 +7761,14 @@
             <p:ph idx="1"/>
           </p:nvPr>
         </p:nvSpPr>
-        <p:spPr/>
-        <p:txBody>
-          <a:bodyPr>
+        <p:spPr>
+          <a:xfrm>
+            <a:off x="1097280" y="1899591"/>
+            <a:ext cx="10058400" cy="4471506"/>
+          </a:xfrm>
+        </p:spPr>
+        <p:txBody>
+          <a:bodyPr anchor="t">
             <a:normAutofit/>
           </a:bodyPr>
           <a:lstStyle/>
@@ -5537,77 +7778,100 @@
             </a:pPr>
             <a:r>
               <a:rPr lang="en-US" sz="2000" dirty="0"/>
-              <a:t>We searched for existing models that generate summaries based on the following criteria</a:t>
-            </a:r>
-          </a:p>
-          <a:p>
-            <a:pPr>
-              <a:buFont typeface="Wingdings" panose="05000000000000000000" pitchFamily="2" charset="2"/>
-              <a:buChar char="§"/>
+              <a:t>We searched for existing models that generate summaries based on the following </a:t>
+            </a:r>
+            <a:r>
+              <a:rPr lang="en-US" sz="2000" dirty="0" smtClean="0"/>
+              <a:t>criteria</a:t>
+            </a:r>
+          </a:p>
+          <a:p>
+            <a:pPr marL="0" indent="0">
+              <a:buNone/>
             </a:pPr>
-            <a:r>
-              <a:rPr lang="en-US" sz="2000" dirty="0"/>
+            <a:endParaRPr lang="en-US" sz="2000" dirty="0"/>
+          </a:p>
+          <a:p>
+            <a:pPr lvl="1">
+              <a:buFont typeface="Arial"/>
+              <a:buChar char="•"/>
+            </a:pPr>
+            <a:r>
+              <a:rPr lang="en-US" sz="1800" dirty="0"/>
               <a:t>Generate Extractive summaries since they can generate semantically and grammatically correct sentences these models need less resources and understanding of the domain.</a:t>
             </a:r>
           </a:p>
           <a:p>
-            <a:pPr>
-              <a:buFont typeface="Wingdings" panose="05000000000000000000" pitchFamily="2" charset="2"/>
-              <a:buChar char="§"/>
+            <a:pPr lvl="1">
+              <a:buFont typeface="Arial"/>
+              <a:buChar char="•"/>
             </a:pPr>
             <a:r>
-              <a:rPr lang="en-US" sz="2000" dirty="0"/>
-              <a:t>Summarize  long documents </a:t>
-            </a:r>
-          </a:p>
-          <a:p>
-            <a:pPr>
-              <a:buFont typeface="Wingdings" panose="05000000000000000000" pitchFamily="2" charset="2"/>
-              <a:buChar char="§"/>
+              <a:rPr lang="en-US" sz="1800" dirty="0"/>
+              <a:t>Summarize </a:t>
+            </a:r>
+            <a:r>
+              <a:rPr lang="en-US" sz="1800" dirty="0" smtClean="0"/>
+              <a:t>long documents</a:t>
+            </a:r>
+            <a:endParaRPr lang="en-US" sz="1800" dirty="0"/>
+          </a:p>
+          <a:p>
+            <a:pPr lvl="1">
+              <a:buFont typeface="Arial"/>
+              <a:buChar char="•"/>
             </a:pPr>
             <a:r>
-              <a:rPr lang="en-US" sz="2000" dirty="0"/>
+              <a:rPr lang="en-US" sz="1800" dirty="0"/>
               <a:t>Perform well as measured by the </a:t>
             </a:r>
             <a:r>
-              <a:rPr lang="en-US" sz="2000" b="1" dirty="0"/>
+              <a:rPr lang="en-US" sz="1800" b="1" dirty="0"/>
               <a:t>ROGUE</a:t>
             </a:r>
             <a:r>
-              <a:rPr lang="en-US" sz="2000" dirty="0"/>
+              <a:rPr lang="en-US" sz="1800" dirty="0"/>
               <a:t> (</a:t>
             </a:r>
             <a:r>
-              <a:rPr lang="en-US" sz="2000" b="1" dirty="0"/>
+              <a:rPr lang="en-US" sz="1800" b="1" dirty="0"/>
               <a:t>Recall-Oriented Understudy for </a:t>
             </a:r>
             <a:r>
-              <a:rPr lang="en-US" sz="2000" b="1" dirty="0" err="1"/>
+              <a:rPr lang="en-US" sz="1800" b="1" dirty="0" err="1"/>
               <a:t>Gisting</a:t>
             </a:r>
             <a:r>
-              <a:rPr lang="en-US" sz="2000" b="1" dirty="0"/>
+              <a:rPr lang="en-US" sz="1800" b="1" dirty="0"/>
               <a:t> Evaluation) Metric</a:t>
             </a:r>
             <a:r>
-              <a:rPr lang="en-US" sz="2000" dirty="0"/>
-              <a:t> Score. </a:t>
-            </a:r>
-          </a:p>
-          <a:p>
-            <a:pPr>
-              <a:buFont typeface="Wingdings" panose="05000000000000000000" pitchFamily="2" charset="2"/>
-              <a:buChar char="§"/>
+              <a:rPr lang="en-US" sz="1800" dirty="0"/>
+              <a:t> Score</a:t>
+            </a:r>
+            <a:r>
+              <a:rPr lang="en-US" sz="1800" dirty="0" smtClean="0"/>
+              <a:t>.</a:t>
+            </a:r>
+          </a:p>
+          <a:p>
+            <a:pPr lvl="1">
+              <a:buFont typeface="Arial"/>
+              <a:buChar char="•"/>
             </a:pPr>
             <a:r>
-              <a:rPr lang="en-US" sz="2000" dirty="0"/>
-              <a:t>Can be implemented in the given time </a:t>
-            </a:r>
-            <a:r>
-              <a:rPr lang="en-US" sz="2000" dirty="0" smtClean="0"/>
+              <a:rPr lang="en-US" sz="1800" dirty="0" smtClean="0"/>
+              <a:t>Can </a:t>
+            </a:r>
+            <a:r>
+              <a:rPr lang="en-US" sz="1800" dirty="0"/>
+              <a:t>be implemented in the given time </a:t>
+            </a:r>
+            <a:r>
+              <a:rPr lang="en-US" sz="1800" dirty="0" smtClean="0"/>
               <a:t>constraint</a:t>
             </a:r>
-            <a:endParaRPr lang="en-US" sz="2000" dirty="0"/>
+            <a:endParaRPr lang="en-US" sz="1800" dirty="0"/>
           </a:p>
         </p:txBody>
       </p:sp>
@@ -5657,15 +7921,33 @@
             <p:ph type="title"/>
           </p:nvPr>
         </p:nvSpPr>
-        <p:spPr/>
+        <p:spPr>
+          <a:xfrm>
+            <a:off x="1097280" y="286603"/>
+            <a:ext cx="10058400" cy="1181517"/>
+          </a:xfrm>
+        </p:spPr>
         <p:txBody>
           <a:bodyPr/>
           <a:lstStyle/>
           <a:p>
             <a:r>
               <a:rPr lang="en-US" dirty="0"/>
-              <a:t>Types of Summarizations</a:t>
-            </a:r>
+              <a:t>Our </a:t>
+            </a:r>
+            <a:r>
+              <a:rPr lang="en-US" dirty="0" smtClean="0"/>
+              <a:t>Research (</a:t>
+            </a:r>
+            <a:r>
+              <a:rPr lang="en-US" dirty="0" err="1" smtClean="0"/>
+              <a:t>PreSumm</a:t>
+            </a:r>
+            <a:r>
+              <a:rPr lang="en-US" dirty="0" smtClean="0"/>
+              <a:t>)</a:t>
+            </a:r>
+            <a:endParaRPr lang="en-US" dirty="0"/>
           </a:p>
         </p:txBody>
       </p:sp>
@@ -5685,46 +7967,141 @@
             <p:ph idx="1"/>
           </p:nvPr>
         </p:nvSpPr>
-        <p:spPr/>
+        <p:spPr>
+          <a:xfrm>
+            <a:off x="1097846" y="1955800"/>
+            <a:ext cx="6145779" cy="4378959"/>
+          </a:xfrm>
+        </p:spPr>
         <p:txBody>
           <a:bodyPr>
-            <a:normAutofit/>
+            <a:normAutofit fontScale="85000" lnSpcReduction="20000"/>
           </a:bodyPr>
           <a:lstStyle/>
           <a:p>
-            <a:pPr lvl="0"/>
-            <a:r>
-              <a:rPr lang="en-US" b="1" dirty="0"/>
-              <a:t>Extraction-based summarization</a:t>
-            </a:r>
-            <a:r>
-              <a:rPr lang="en-US" dirty="0"/>
-              <a:t>: Content is extracted from original document and is not modified. This method will extract key phrases or sentences to form a summary. The summary generated by this method may not be the same format as a human might express  it and the sentences may appear disjointed</a:t>
-            </a:r>
-          </a:p>
-          <a:p>
-            <a:pPr lvl="0"/>
-            <a:r>
-              <a:rPr lang="en-US" b="1" dirty="0"/>
-              <a:t>Abstraction-based summarization</a:t>
-            </a:r>
-            <a:r>
-              <a:rPr lang="en-US" dirty="0"/>
-              <a:t>: Abstractive methods generate a summary based on internal semantic representation of the original content, closer to what a human might express. Abstraction may transform the extracted content. Such transformation are computationally very challenging  , involving both NLP (natural language processing) and a deep understanding of the document </a:t>
-            </a:r>
-          </a:p>
-          <a:p>
-            <a:pPr marL="457200" indent="-457200">
-              <a:buAutoNum type="arabicParenR"/>
+            <a:pPr marL="0" indent="0">
+              <a:buNone/>
             </a:pPr>
-            <a:endParaRPr lang="en-US" dirty="0"/>
-          </a:p>
-        </p:txBody>
-      </p:sp>
+            <a:r>
+              <a:rPr lang="en-US" sz="2400" dirty="0" smtClean="0">
+                <a:hlinkClick r:id="rId2"/>
+              </a:rPr>
+              <a:t>Text </a:t>
+            </a:r>
+            <a:r>
+              <a:rPr lang="en-US" sz="2400" dirty="0">
+                <a:hlinkClick r:id="rId2"/>
+              </a:rPr>
+              <a:t>Summarization with Pretrained </a:t>
+            </a:r>
+            <a:r>
+              <a:rPr lang="en-US" sz="2400" dirty="0" smtClean="0">
+                <a:hlinkClick r:id="rId2"/>
+              </a:rPr>
+              <a:t>Encoders</a:t>
+            </a:r>
+            <a:endParaRPr lang="en-US" sz="2400" dirty="0"/>
+          </a:p>
+          <a:p>
+            <a:pPr marL="0" indent="0">
+              <a:buNone/>
+            </a:pPr>
+            <a:r>
+              <a:rPr lang="en-US" sz="2100" dirty="0" smtClean="0"/>
+              <a:t>by </a:t>
+            </a:r>
+            <a:r>
+              <a:rPr lang="en-US" sz="2100" dirty="0"/>
+              <a:t>Yang Liu and </a:t>
+            </a:r>
+            <a:r>
+              <a:rPr lang="en-US" sz="2100" dirty="0" err="1"/>
+              <a:t>Mirella</a:t>
+            </a:r>
+            <a:r>
+              <a:rPr lang="en-US" sz="2100" dirty="0"/>
+              <a:t> </a:t>
+            </a:r>
+            <a:r>
+              <a:rPr lang="en-US" sz="2100" dirty="0" err="1"/>
+              <a:t>Lapata</a:t>
+            </a:r>
+            <a:endParaRPr lang="en-US" sz="2100" dirty="0"/>
+          </a:p>
+          <a:p>
+            <a:pPr marL="0" indent="0">
+              <a:buNone/>
+            </a:pPr>
+            <a:r>
+              <a:rPr lang="en-US" sz="2000" dirty="0"/>
+              <a:t>This model uses BERT for text summarization and propose a general framework for extractive models. This is a document-level encoder based on BERT which is able to express the semantics of a document and obtain representations for its sentences. Several inter sentence transformer layers are stacked over the BERT encoder. This model produces extraction based summaries</a:t>
+            </a:r>
+          </a:p>
+          <a:p>
+            <a:pPr marL="0" indent="0">
+              <a:buNone/>
+            </a:pPr>
+            <a:r>
+              <a:rPr lang="en-US" sz="2000" dirty="0"/>
+              <a:t>This model can also produce abstraction based summary. This model uses new fine-tuning schedule adopting different optimizers for the encoder and the decoder as a means of alleviating the mismatch between the two (the former is pretrained while the latter is not).  It takes as input the summaries provided by the extraction based </a:t>
+            </a:r>
+            <a:r>
+              <a:rPr lang="en-US" sz="2000" dirty="0" smtClean="0"/>
+              <a:t>model.</a:t>
+            </a:r>
+          </a:p>
+          <a:p>
+            <a:pPr marL="0" indent="0">
+              <a:buNone/>
+            </a:pPr>
+            <a:r>
+              <a:rPr lang="en-US" sz="2000" dirty="0"/>
+              <a:t>code is available at </a:t>
+            </a:r>
+            <a:r>
+              <a:rPr lang="en-US" sz="2000" dirty="0">
+                <a:hlinkClick r:id="rId3"/>
+              </a:rPr>
+              <a:t>https://github.com/nlpyang/</a:t>
+            </a:r>
+            <a:r>
+              <a:rPr lang="en-US" sz="2000" dirty="0" smtClean="0">
+                <a:hlinkClick r:id="rId3"/>
+              </a:rPr>
+              <a:t>PreSumm</a:t>
+            </a:r>
+            <a:endParaRPr lang="en-US" sz="2000" dirty="0"/>
+          </a:p>
+        </p:txBody>
+      </p:sp>
+      <p:pic>
+        <p:nvPicPr>
+          <p:cNvPr id="5" name="Picture 4"/>
+          <p:cNvPicPr>
+            <a:picLocks noChangeAspect="1"/>
+          </p:cNvPicPr>
+          <p:nvPr/>
+        </p:nvPicPr>
+        <p:blipFill>
+          <a:blip r:embed="rId4"/>
+          <a:stretch>
+            <a:fillRect/>
+          </a:stretch>
+        </p:blipFill>
+        <p:spPr>
+          <a:xfrm>
+            <a:off x="7285370" y="2884180"/>
+            <a:ext cx="3998816" cy="2381317"/>
+          </a:xfrm>
+          <a:prstGeom prst="rect">
+            <a:avLst/>
+          </a:prstGeom>
+        </p:spPr>
+      </p:pic>
     </p:spTree>
     <p:extLst>
       <p:ext uri="{BB962C8B-B14F-4D97-AF65-F5344CB8AC3E}">
-        <p14:creationId xmlns:p14="http://schemas.microsoft.com/office/powerpoint/2010/main" val="1897433995"/>
+        <p14:creationId xmlns:p14="http://schemas.microsoft.com/office/powerpoint/2010/main" val="1008779348"/>
       </p:ext>
     </p:extLst>
   </p:cSld>
@@ -5779,8 +8156,21 @@
           <a:p>
             <a:r>
               <a:rPr lang="en-US" dirty="0"/>
-              <a:t>Our Research</a:t>
-            </a:r>
+              <a:t>Our </a:t>
+            </a:r>
+            <a:r>
+              <a:rPr lang="en-US" dirty="0" smtClean="0"/>
+              <a:t>Research (</a:t>
+            </a:r>
+            <a:r>
+              <a:rPr lang="en-US" dirty="0" err="1" smtClean="0"/>
+              <a:t>MatchSum</a:t>
+            </a:r>
+            <a:r>
+              <a:rPr lang="en-US" dirty="0" smtClean="0"/>
+              <a:t>)</a:t>
+            </a:r>
+            <a:endParaRPr lang="en-US" dirty="0"/>
           </a:p>
         </p:txBody>
       </p:sp>
@@ -5802,13 +8192,13 @@
         </p:nvSpPr>
         <p:spPr>
           <a:xfrm>
-            <a:off x="365760" y="1955800"/>
-            <a:ext cx="10789920" cy="4378959"/>
+            <a:off x="1097844" y="1955800"/>
+            <a:ext cx="7340495" cy="4378959"/>
           </a:xfrm>
         </p:spPr>
         <p:txBody>
           <a:bodyPr>
-            <a:normAutofit fontScale="77500" lnSpcReduction="20000"/>
+            <a:normAutofit fontScale="92500" lnSpcReduction="20000"/>
           </a:bodyPr>
           <a:lstStyle/>
           <a:p>
@@ -5816,100 +8206,125 @@
               <a:buNone/>
             </a:pPr>
             <a:r>
-              <a:rPr lang="en-US" sz="2500" dirty="0"/>
-              <a:t>The models we researched are</a:t>
-            </a:r>
+              <a:rPr lang="en-US" dirty="0">
+                <a:hlinkClick r:id="rId2"/>
+              </a:rPr>
+              <a:t>Extractive Summarization as Text </a:t>
+            </a:r>
+            <a:r>
+              <a:rPr lang="en-US" dirty="0" smtClean="0">
+                <a:hlinkClick r:id="rId2"/>
+              </a:rPr>
+              <a:t>Matching</a:t>
+            </a:r>
+            <a:endParaRPr lang="en-US" dirty="0" smtClean="0"/>
           </a:p>
           <a:p>
             <a:pPr marL="0" indent="0">
               <a:buNone/>
             </a:pPr>
             <a:r>
-              <a:rPr lang="en-US" dirty="0">
-                <a:hlinkClick r:id="rId2"/>
-              </a:rPr>
-              <a:t>Text Summarization with Pretrained </a:t>
-            </a:r>
-            <a:r>
-              <a:rPr lang="en-US" dirty="0" smtClean="0">
-                <a:hlinkClick r:id="rId2"/>
-              </a:rPr>
-              <a:t>Encoders</a:t>
-            </a:r>
-            <a:r>
-              <a:rPr lang="en-US" dirty="0" smtClean="0"/>
-              <a:t> (</a:t>
-            </a:r>
-            <a:r>
-              <a:rPr lang="en-US" dirty="0" err="1" smtClean="0"/>
-              <a:t>PreSumm</a:t>
-            </a:r>
-            <a:r>
-              <a:rPr lang="en-US" dirty="0" smtClean="0"/>
-              <a:t>):</a:t>
-            </a:r>
+              <a:rPr lang="en-US" sz="1600" dirty="0" smtClean="0"/>
+              <a:t>by </a:t>
+            </a:r>
+            <a:r>
+              <a:rPr lang="en-US" sz="1600" dirty="0"/>
+              <a:t>By Ming </a:t>
+            </a:r>
+            <a:r>
+              <a:rPr lang="en-US" sz="1600" dirty="0" err="1"/>
+              <a:t>Zhong</a:t>
+            </a:r>
+            <a:r>
+              <a:rPr lang="en-US" sz="1600" dirty="0"/>
+              <a:t>, </a:t>
+            </a:r>
+            <a:r>
+              <a:rPr lang="en-US" sz="1600" dirty="0" err="1"/>
+              <a:t>Pengfei</a:t>
+            </a:r>
+            <a:r>
+              <a:rPr lang="en-US" sz="1600" dirty="0"/>
+              <a:t> Liu, </a:t>
+            </a:r>
+            <a:r>
+              <a:rPr lang="en-US" sz="1600" dirty="0" err="1"/>
+              <a:t>Yiran</a:t>
+            </a:r>
+            <a:r>
+              <a:rPr lang="en-US" sz="1600" dirty="0"/>
+              <a:t> Chen, </a:t>
+            </a:r>
+            <a:r>
+              <a:rPr lang="en-US" sz="1600" dirty="0" err="1"/>
+              <a:t>Danqing</a:t>
+            </a:r>
+            <a:r>
+              <a:rPr lang="en-US" sz="1600" dirty="0"/>
+              <a:t> Wang, </a:t>
+            </a:r>
+            <a:r>
+              <a:rPr lang="en-US" sz="1600" dirty="0" err="1"/>
+              <a:t>Xipeng</a:t>
+            </a:r>
+            <a:r>
+              <a:rPr lang="en-US" sz="1600" dirty="0"/>
+              <a:t> </a:t>
+            </a:r>
+            <a:r>
+              <a:rPr lang="en-US" sz="1600" dirty="0" err="1"/>
+              <a:t>Qiu</a:t>
+            </a:r>
+            <a:r>
+              <a:rPr lang="en-US" sz="1600" dirty="0"/>
+              <a:t>, and </a:t>
+            </a:r>
+            <a:r>
+              <a:rPr lang="en-US" sz="1600" dirty="0" err="1"/>
+              <a:t>Xuanjing</a:t>
+            </a:r>
+            <a:r>
+              <a:rPr lang="en-US" sz="1600" dirty="0"/>
+              <a:t> </a:t>
+            </a:r>
+            <a:r>
+              <a:rPr lang="en-US" sz="1600" dirty="0" smtClean="0"/>
+              <a:t>Huang</a:t>
+            </a:r>
+            <a:endParaRPr lang="en-US" sz="1600" dirty="0"/>
           </a:p>
           <a:p>
             <a:pPr marL="0" indent="0">
               <a:buNone/>
             </a:pPr>
             <a:r>
-              <a:rPr lang="en-US" sz="1800" dirty="0" smtClean="0"/>
-              <a:t>by </a:t>
-            </a:r>
-            <a:r>
-              <a:rPr lang="en-US" sz="1800" dirty="0"/>
-              <a:t>Yang Liu and </a:t>
-            </a:r>
-            <a:r>
-              <a:rPr lang="en-US" sz="1800" dirty="0" err="1"/>
-              <a:t>Mirella</a:t>
-            </a:r>
-            <a:r>
-              <a:rPr lang="en-US" sz="1800" dirty="0"/>
-              <a:t> </a:t>
-            </a:r>
-            <a:r>
-              <a:rPr lang="en-US" sz="1800" dirty="0" err="1" smtClean="0"/>
-              <a:t>Lapata</a:t>
-            </a:r>
-            <a:endParaRPr lang="en-US" sz="1800" dirty="0" smtClean="0"/>
+              <a:rPr lang="en-US" sz="1600" dirty="0"/>
+              <a:t>This method performs Semantic text matching to estimate semantic similarity between a source and a target text fragment. It is trained on the CNN/ Daily Mail dataset and uses a Siamese-BERT(Bidirectional Encoder Representations from Transformers) architecture to compute the similarity between several candidate summaries to the source document and </a:t>
+            </a:r>
+            <a:r>
+              <a:rPr lang="en-US" sz="1600" dirty="0" err="1"/>
+              <a:t>seledt</a:t>
+            </a:r>
+            <a:r>
+              <a:rPr lang="en-US" sz="1600" dirty="0"/>
+              <a:t> the best candidate summary.  </a:t>
+            </a:r>
           </a:p>
           <a:p>
             <a:pPr marL="0" indent="0">
               <a:buNone/>
             </a:pPr>
             <a:r>
-              <a:rPr lang="en-US" sz="2100" dirty="0" smtClean="0"/>
-              <a:t>The </a:t>
-            </a:r>
-            <a:r>
-              <a:rPr lang="en-US" sz="2100" dirty="0" err="1" smtClean="0"/>
-              <a:t>PreSumm</a:t>
-            </a:r>
-            <a:r>
-              <a:rPr lang="en-US" sz="2100" dirty="0" smtClean="0"/>
-              <a:t> </a:t>
-            </a:r>
-            <a:r>
-              <a:rPr lang="en-US" sz="2100" dirty="0"/>
-              <a:t>model uses BERT for text summarization and propose a general framework for extractive models. This is a document-level encoder based on BERT which is able to express the semantics of a document and obtain representations for its sentences. Several inter sentence transformer layers are stacked over </a:t>
-            </a:r>
-            <a:r>
-              <a:rPr lang="en-US" sz="2100" dirty="0"/>
-              <a:t>the </a:t>
-            </a:r>
-            <a:r>
-              <a:rPr lang="en-US" sz="2100" dirty="0"/>
-              <a:t>BERT </a:t>
-            </a:r>
-            <a:r>
-              <a:rPr lang="en-US" sz="2100" dirty="0"/>
-              <a:t>encoder</a:t>
-            </a:r>
-            <a:r>
-              <a:rPr lang="en-US" sz="2100" dirty="0" smtClean="0"/>
-              <a:t>.</a:t>
+              <a:rPr lang="en-US" sz="1600" dirty="0"/>
+              <a:t>A </a:t>
+            </a:r>
+            <a:r>
+              <a:rPr lang="en-US" sz="1600" b="1" dirty="0"/>
+              <a:t>Siamese</a:t>
+            </a:r>
+            <a:r>
+              <a:rPr lang="en-US" sz="1600" dirty="0"/>
+              <a:t> networks consists of two identical neural networks, each taking one of the two input inputs. The last layers of the two networks are then fed to a contrastive loss function , which calculates the similarity between the two inputs. </a:t>
             </a:r>
           </a:p>
           <a:p>
@@ -5917,110 +8332,34 @@
               <a:buNone/>
             </a:pPr>
             <a:r>
-              <a:rPr lang="en-US" sz="2100" dirty="0"/>
-              <a:t>Our extractive model is built on top of this encoder by stacking several inter- sentence Transformer layers to capture document- level features for extracting sentences. Our </a:t>
-            </a:r>
-            <a:r>
-              <a:rPr lang="en-US" sz="2100" dirty="0" smtClean="0"/>
-              <a:t>abstractive </a:t>
-            </a:r>
-            <a:r>
-              <a:rPr lang="en-US" sz="2100" dirty="0"/>
-              <a:t>model adopts an encoder-decoder </a:t>
-            </a:r>
-            <a:r>
-              <a:rPr lang="en-US" sz="2100" dirty="0" smtClean="0"/>
-              <a:t>architecture</a:t>
-            </a:r>
-            <a:r>
-              <a:rPr lang="en-US" sz="2100" dirty="0"/>
-              <a:t>, combining the same </a:t>
-            </a:r>
-            <a:r>
-              <a:rPr lang="en-US" sz="2100" dirty="0" smtClean="0"/>
-              <a:t>pre-trained </a:t>
-            </a:r>
-            <a:r>
-              <a:rPr lang="en-US" sz="2100" dirty="0"/>
-              <a:t>BERT </a:t>
-            </a:r>
-            <a:r>
-              <a:rPr lang="en-US" sz="2100" dirty="0" smtClean="0"/>
-              <a:t>encoder </a:t>
-            </a:r>
-            <a:r>
-              <a:rPr lang="en-US" sz="2100" dirty="0"/>
-              <a:t>with a randomly-initialized Transformer </a:t>
-            </a:r>
-            <a:r>
-              <a:rPr lang="en-US" sz="2100" dirty="0" smtClean="0"/>
-              <a:t>decoder.</a:t>
-            </a:r>
-            <a:endParaRPr lang="en-US" sz="2100" dirty="0" smtClean="0"/>
+              <a:rPr lang="en-US" sz="1600" dirty="0"/>
+              <a:t>Siamese BERT leverages the pre-trained BERT in a Siamese network structure to derive semantically meaningful text embeddings that can be compared using cosine-similarity.</a:t>
+            </a:r>
           </a:p>
           <a:p>
             <a:pPr marL="0" indent="0">
               <a:buNone/>
             </a:pPr>
-            <a:endParaRPr lang="en-US" sz="100" dirty="0" smtClean="0"/>
-          </a:p>
-          <a:p>
-            <a:pPr marL="292608" lvl="1" indent="0">
-              <a:buNone/>
-            </a:pPr>
-            <a:r>
-              <a:rPr lang="en-US" sz="2200" dirty="0" smtClean="0">
-                <a:latin typeface="Arial Black"/>
-                <a:cs typeface="Arial Black"/>
-              </a:rPr>
-              <a:t>B</a:t>
-            </a:r>
-            <a:r>
-              <a:rPr lang="en-US" sz="2200" dirty="0" smtClean="0"/>
-              <a:t>idirectional </a:t>
-            </a:r>
-            <a:r>
-              <a:rPr lang="en-US" sz="2200" dirty="0">
-                <a:latin typeface="Arial Black"/>
-                <a:cs typeface="Arial Black"/>
-              </a:rPr>
-              <a:t>E</a:t>
-            </a:r>
-            <a:r>
-              <a:rPr lang="en-US" sz="2200" dirty="0"/>
-              <a:t>ncoder </a:t>
-            </a:r>
-            <a:r>
-              <a:rPr lang="en-US" sz="2200" dirty="0">
-                <a:latin typeface="Arial Black"/>
-                <a:cs typeface="Arial Black"/>
-              </a:rPr>
-              <a:t>R</a:t>
-            </a:r>
-            <a:r>
-              <a:rPr lang="en-US" sz="2200" dirty="0"/>
-              <a:t>epresentations from </a:t>
-            </a:r>
-            <a:r>
-              <a:rPr lang="en-US" sz="2200" dirty="0">
-                <a:latin typeface="Arial Black"/>
-                <a:cs typeface="Arial Black"/>
-              </a:rPr>
-              <a:t>T</a:t>
-            </a:r>
-            <a:r>
-              <a:rPr lang="en-US" sz="2200" dirty="0"/>
-              <a:t>ransformers (BERT; Devlin et al. 2019) represents a </a:t>
-            </a:r>
-            <a:r>
-              <a:rPr lang="en-US" sz="2200" dirty="0" err="1"/>
-              <a:t>pretrained</a:t>
-            </a:r>
-            <a:r>
-              <a:rPr lang="en-US" sz="2200" dirty="0"/>
-              <a:t> language models which have recently advanced a wide range of natural language processing tasks. </a:t>
-            </a:r>
-            <a:endParaRPr lang="en-US" sz="2200" dirty="0" smtClean="0"/>
+            <a:r>
+              <a:rPr lang="en-US" sz="1600" dirty="0"/>
+              <a:t>The Siamese network is also used in a similar way </a:t>
+            </a:r>
+            <a:r>
+              <a:rPr lang="en-US" sz="1600" dirty="0" err="1"/>
+              <a:t>usinf</a:t>
+            </a:r>
+            <a:r>
+              <a:rPr lang="en-US" sz="1600" dirty="0"/>
+              <a:t> the </a:t>
+            </a:r>
+            <a:r>
+              <a:rPr lang="en-US" sz="1600" dirty="0" err="1"/>
+              <a:t>RoBERTa</a:t>
+            </a:r>
+            <a:r>
+              <a:rPr lang="en-US" sz="1600" dirty="0"/>
+              <a:t> pretrained model </a:t>
+            </a:r>
           </a:p>
           <a:p>
             <a:pPr marL="0" indent="0">
@@ -6028,328 +8367,21 @@
             </a:pPr>
             <a:r>
               <a:rPr lang="en-US" sz="1600" dirty="0"/>
-              <a:t>code is available at </a:t>
+              <a:t>Code from  </a:t>
             </a:r>
             <a:r>
               <a:rPr lang="en-US" sz="1600" dirty="0">
                 <a:hlinkClick r:id="rId3"/>
               </a:rPr>
-              <a:t>https://github.com</a:t>
+              <a:t>https://github.com/maszhongming/</a:t>
             </a:r>
             <a:r>
               <a:rPr lang="en-US" sz="1600" dirty="0" smtClean="0">
                 <a:hlinkClick r:id="rId3"/>
               </a:rPr>
-              <a:t>/nlpyang</a:t>
-            </a:r>
-            <a:r>
-              <a:rPr lang="en-US" sz="1600" dirty="0">
-                <a:hlinkClick r:id="rId3"/>
-              </a:rPr>
-              <a:t>/</a:t>
-            </a:r>
-            <a:r>
-              <a:rPr lang="en-US" sz="1600" dirty="0" smtClean="0">
-                <a:hlinkClick r:id="rId3"/>
-              </a:rPr>
-              <a:t>PreSumm</a:t>
+              <a:t>MatchSum</a:t>
             </a:r>
             <a:endParaRPr lang="en-US" sz="1600" dirty="0"/>
-          </a:p>
-        </p:txBody>
-      </p:sp>
-    </p:spTree>
-    <p:extLst>
-      <p:ext uri="{BB962C8B-B14F-4D97-AF65-F5344CB8AC3E}">
-        <p14:creationId xmlns:p14="http://schemas.microsoft.com/office/powerpoint/2010/main" val="1008779348"/>
-      </p:ext>
-    </p:extLst>
-  </p:cSld>
-  <p:clrMapOvr>
-    <a:masterClrMapping/>
-  </p:clrMapOvr>
-</p:sld>
-</file>
-
-<file path=ppt/slides/slide9.xml><?xml version="1.0" encoding="utf-8"?>
-<p:sld xmlns:a="http://schemas.openxmlformats.org/drawingml/2006/main" xmlns:r="http://schemas.openxmlformats.org/officeDocument/2006/relationships" xmlns:p="http://schemas.openxmlformats.org/presentationml/2006/main">
-  <p:cSld>
-    <p:spTree>
-      <p:nvGrpSpPr>
-        <p:cNvPr id="1" name=""/>
-        <p:cNvGrpSpPr/>
-        <p:nvPr/>
-      </p:nvGrpSpPr>
-      <p:grpSpPr>
-        <a:xfrm>
-          <a:off x="0" y="0"/>
-          <a:ext cx="0" cy="0"/>
-          <a:chOff x="0" y="0"/>
-          <a:chExt cx="0" cy="0"/>
-        </a:xfrm>
-      </p:grpSpPr>
-      <p:sp>
-        <p:nvSpPr>
-          <p:cNvPr id="2" name="Title 1">
-            <a:extLst>
-              <a:ext uri="{FF2B5EF4-FFF2-40B4-BE49-F238E27FC236}">
-                <a16:creationId xmlns="" xmlns:a16="http://schemas.microsoft.com/office/drawing/2014/main" id="{CA344CBA-FB2B-44A2-9612-01FA04D41200}"/>
-              </a:ext>
-            </a:extLst>
-          </p:cNvPr>
-          <p:cNvSpPr>
-            <a:spLocks noGrp="1"/>
-          </p:cNvSpPr>
-          <p:nvPr>
-            <p:ph type="title"/>
-          </p:nvPr>
-        </p:nvSpPr>
-        <p:spPr>
-          <a:xfrm>
-            <a:off x="1097280" y="286603"/>
-            <a:ext cx="10058400" cy="1181517"/>
-          </a:xfrm>
-        </p:spPr>
-        <p:txBody>
-          <a:bodyPr/>
-          <a:lstStyle/>
-          <a:p>
-            <a:r>
-              <a:rPr lang="en-US" dirty="0"/>
-              <a:t>Our Research</a:t>
-            </a:r>
-          </a:p>
-        </p:txBody>
-      </p:sp>
-      <p:sp>
-        <p:nvSpPr>
-          <p:cNvPr id="3" name="Content Placeholder 2">
-            <a:extLst>
-              <a:ext uri="{FF2B5EF4-FFF2-40B4-BE49-F238E27FC236}">
-                <a16:creationId xmlns="" xmlns:a16="http://schemas.microsoft.com/office/drawing/2014/main" id="{F66CA81D-1701-4C2D-AE08-277C299D9B85}"/>
-              </a:ext>
-            </a:extLst>
-          </p:cNvPr>
-          <p:cNvSpPr>
-            <a:spLocks noGrp="1"/>
-          </p:cNvSpPr>
-          <p:nvPr>
-            <p:ph idx="1"/>
-          </p:nvPr>
-        </p:nvSpPr>
-        <p:spPr>
-          <a:xfrm>
-            <a:off x="365759" y="1955800"/>
-            <a:ext cx="8065113" cy="4378959"/>
-          </a:xfrm>
-        </p:spPr>
-        <p:txBody>
-          <a:bodyPr>
-            <a:normAutofit fontScale="47500" lnSpcReduction="20000"/>
-          </a:bodyPr>
-          <a:lstStyle/>
-          <a:p>
-            <a:pPr marL="0" indent="0">
-              <a:buNone/>
-            </a:pPr>
-            <a:r>
-              <a:rPr lang="en-US" sz="2900" dirty="0">
-                <a:hlinkClick r:id="rId2"/>
-              </a:rPr>
-              <a:t>Extractive Summarization as Text Matching</a:t>
-            </a:r>
-            <a:r>
-              <a:rPr lang="en-US" sz="2900" dirty="0" smtClean="0"/>
-              <a:t>:</a:t>
-            </a:r>
-          </a:p>
-          <a:p>
-            <a:pPr marL="0" indent="0">
-              <a:buNone/>
-            </a:pPr>
-            <a:r>
-              <a:rPr lang="en-US" sz="2500" dirty="0"/>
-              <a:t>By Ming </a:t>
-            </a:r>
-            <a:r>
-              <a:rPr lang="en-US" sz="2500" dirty="0" err="1" smtClean="0"/>
-              <a:t>Zhong</a:t>
-            </a:r>
-            <a:r>
-              <a:rPr lang="en-US" sz="2500" dirty="0" smtClean="0"/>
-              <a:t>, </a:t>
-            </a:r>
-            <a:r>
-              <a:rPr lang="en-US" sz="2500" dirty="0" err="1"/>
-              <a:t>Pengfei</a:t>
-            </a:r>
-            <a:r>
-              <a:rPr lang="en-US" sz="2500" dirty="0"/>
-              <a:t> </a:t>
-            </a:r>
-            <a:r>
-              <a:rPr lang="en-US" sz="2500" dirty="0" smtClean="0"/>
-              <a:t>Liu, </a:t>
-            </a:r>
-            <a:r>
-              <a:rPr lang="en-US" sz="2500" dirty="0" err="1"/>
-              <a:t>Yiran</a:t>
-            </a:r>
-            <a:r>
-              <a:rPr lang="en-US" sz="2500" dirty="0"/>
-              <a:t> Chen, </a:t>
-            </a:r>
-            <a:r>
-              <a:rPr lang="en-US" sz="2500" dirty="0" err="1"/>
-              <a:t>Danqing</a:t>
-            </a:r>
-            <a:r>
-              <a:rPr lang="en-US" sz="2500" dirty="0"/>
-              <a:t> Wang, </a:t>
-            </a:r>
-            <a:r>
-              <a:rPr lang="en-US" sz="2500" dirty="0" err="1"/>
-              <a:t>Xipeng</a:t>
-            </a:r>
-            <a:r>
-              <a:rPr lang="en-US" sz="2500" dirty="0"/>
-              <a:t> </a:t>
-            </a:r>
-            <a:r>
-              <a:rPr lang="en-US" sz="2500" dirty="0" err="1" smtClean="0"/>
-              <a:t>Qiu</a:t>
-            </a:r>
-            <a:r>
-              <a:rPr lang="en-US" sz="2500" dirty="0" smtClean="0"/>
-              <a:t>, and </a:t>
-            </a:r>
-            <a:r>
-              <a:rPr lang="en-US" sz="2500" dirty="0" err="1" smtClean="0"/>
-              <a:t>Xuanjing</a:t>
-            </a:r>
-            <a:r>
-              <a:rPr lang="en-US" sz="2500" dirty="0" smtClean="0"/>
-              <a:t> </a:t>
-            </a:r>
-            <a:r>
-              <a:rPr lang="en-US" sz="2500" dirty="0"/>
-              <a:t>Huang</a:t>
-            </a:r>
-            <a:endParaRPr lang="en-US" sz="2500" dirty="0" smtClean="0"/>
-          </a:p>
-          <a:p>
-            <a:pPr marL="0" indent="0">
-              <a:buNone/>
-            </a:pPr>
-            <a:r>
-              <a:rPr lang="en-US" sz="2900" dirty="0" smtClean="0"/>
-              <a:t>Most </a:t>
-            </a:r>
-            <a:r>
-              <a:rPr lang="en-US" sz="2900" dirty="0"/>
-              <a:t>extractive summarization systems extract sentences one by one from the original text, model the relationship between the sentences , and then select several sentences to form a summary. and may not  consider the semantics of the entire summary. </a:t>
-            </a:r>
-          </a:p>
-          <a:p>
-            <a:pPr marL="0" indent="0">
-              <a:buNone/>
-            </a:pPr>
-            <a:r>
-              <a:rPr lang="en-US" sz="2900" dirty="0"/>
-              <a:t>This method performs Semantic text matching to estimate semantic similarity between a source and a target text fragment. It is trained on the CNN/ Daily Mail dataset and uses a Siamese-BERT(Bidirectional Encoder Representations from Transformers</a:t>
-            </a:r>
-            <a:r>
-              <a:rPr lang="en-US" sz="2000" dirty="0"/>
-              <a:t>) </a:t>
-            </a:r>
-            <a:r>
-              <a:rPr lang="en-US" sz="2900" dirty="0"/>
-              <a:t>architecture to compute the similarity between several candidate summaries to the source document and </a:t>
-            </a:r>
-            <a:r>
-              <a:rPr lang="en-US" sz="2900" dirty="0"/>
-              <a:t>select</a:t>
-            </a:r>
-            <a:r>
-              <a:rPr lang="en-US" sz="2900" dirty="0" smtClean="0">
-                <a:solidFill>
-                  <a:srgbClr val="FF0000"/>
-                </a:solidFill>
-              </a:rPr>
-              <a:t> </a:t>
-            </a:r>
-            <a:r>
-              <a:rPr lang="en-US" sz="2900" dirty="0"/>
-              <a:t>the best candidate summary.  </a:t>
-            </a:r>
-          </a:p>
-          <a:p>
-            <a:pPr marL="0" indent="0">
-              <a:buNone/>
-            </a:pPr>
-            <a:r>
-              <a:rPr lang="en-US" sz="2900" dirty="0"/>
-              <a:t>A </a:t>
-            </a:r>
-            <a:r>
-              <a:rPr lang="en-US" sz="2900" b="1" dirty="0"/>
-              <a:t>Siamese</a:t>
-            </a:r>
-            <a:r>
-              <a:rPr lang="en-US" sz="2900" dirty="0"/>
-              <a:t> networks consists of two identical neural networks, each taking one of the two input inputs. The last layers of the two networks are then fed to a contrastive loss function , which calculates the similarity between the two inputs. </a:t>
-            </a:r>
-          </a:p>
-          <a:p>
-            <a:pPr marL="0" indent="0">
-              <a:buNone/>
-            </a:pPr>
-            <a:r>
-              <a:rPr lang="en-US" sz="2900" dirty="0"/>
-              <a:t>Siamese BERT leverages the pre-trained BERT in a Siamese network structure to derive semantically meaningful text embeddings that can be compared using cosine-similarity</a:t>
-            </a:r>
-            <a:r>
-              <a:rPr lang="en-US" sz="2900" dirty="0" smtClean="0"/>
-              <a:t>.</a:t>
-            </a:r>
-          </a:p>
-          <a:p>
-            <a:pPr marL="0" indent="0">
-              <a:buNone/>
-            </a:pPr>
-            <a:r>
-              <a:rPr lang="en-US" sz="2200" dirty="0" smtClean="0"/>
-              <a:t>Code </a:t>
-            </a:r>
-            <a:r>
-              <a:rPr lang="en-US" sz="2200" dirty="0"/>
-              <a:t>from  </a:t>
-            </a:r>
-            <a:r>
-              <a:rPr lang="en-US" sz="2200" dirty="0">
-                <a:hlinkClick r:id="rId3"/>
-              </a:rPr>
-              <a:t>https://</a:t>
-            </a:r>
-            <a:r>
-              <a:rPr lang="en-US" sz="2200" dirty="0" smtClean="0">
-                <a:hlinkClick r:id="rId3"/>
-              </a:rPr>
-              <a:t>github.com</a:t>
-            </a:r>
-            <a:r>
-              <a:rPr lang="en-US" sz="2200" dirty="0">
-                <a:hlinkClick r:id="rId3"/>
-              </a:rPr>
-              <a:t>/maszhongming/</a:t>
-            </a:r>
-            <a:r>
-              <a:rPr lang="en-US" sz="2200" dirty="0" smtClean="0">
-                <a:hlinkClick r:id="rId3"/>
-              </a:rPr>
-              <a:t>MatchSum</a:t>
-            </a:r>
-            <a:endParaRPr lang="en-US" sz="2200" dirty="0"/>
           </a:p>
         </p:txBody>
       </p:sp>
@@ -6381,7 +8413,7 @@
         </p:blipFill>
         <p:spPr>
           <a:xfrm>
-            <a:off x="8484086" y="2813192"/>
+            <a:off x="8474929" y="3052701"/>
             <a:ext cx="2676525" cy="1895475"/>
           </a:xfrm>
           <a:prstGeom prst="rect">
@@ -6403,8 +8435,8 @@
         </p:nvSpPr>
         <p:spPr>
           <a:xfrm>
-            <a:off x="8484917" y="5024121"/>
-            <a:ext cx="2675180" cy="246221"/>
+            <a:off x="8470628" y="5031297"/>
+            <a:ext cx="2680034" cy="246221"/>
           </a:xfrm>
           <a:prstGeom prst="rect">
             <a:avLst/>
@@ -6412,7 +8444,7 @@
           <a:noFill/>
         </p:spPr>
         <p:txBody>
-          <a:bodyPr wrap="square" rtlCol="0">
+          <a:bodyPr wrap="square" rtlCol="0" anchor="ctr">
             <a:spAutoFit/>
           </a:bodyPr>
           <a:lstStyle/>
@@ -6432,6 +8464,559 @@
     <p:extLst>
       <p:ext uri="{BB962C8B-B14F-4D97-AF65-F5344CB8AC3E}">
         <p14:creationId xmlns:p14="http://schemas.microsoft.com/office/powerpoint/2010/main" val="451383658"/>
+      </p:ext>
+    </p:extLst>
+  </p:cSld>
+  <p:clrMapOvr>
+    <a:masterClrMapping/>
+  </p:clrMapOvr>
+</p:sld>
+</file>
+
+<file path=ppt/slides/slide9.xml><?xml version="1.0" encoding="utf-8"?>
+<p:sld xmlns:a="http://schemas.openxmlformats.org/drawingml/2006/main" xmlns:r="http://schemas.openxmlformats.org/officeDocument/2006/relationships" xmlns:p="http://schemas.openxmlformats.org/presentationml/2006/main">
+  <p:cSld>
+    <p:spTree>
+      <p:nvGrpSpPr>
+        <p:cNvPr id="1" name=""/>
+        <p:cNvGrpSpPr/>
+        <p:nvPr/>
+      </p:nvGrpSpPr>
+      <p:grpSpPr>
+        <a:xfrm>
+          <a:off x="0" y="0"/>
+          <a:ext cx="0" cy="0"/>
+          <a:chOff x="0" y="0"/>
+          <a:chExt cx="0" cy="0"/>
+        </a:xfrm>
+      </p:grpSpPr>
+      <p:sp>
+        <p:nvSpPr>
+          <p:cNvPr id="2" name="Title 1">
+            <a:extLst>
+              <a:ext uri="{FF2B5EF4-FFF2-40B4-BE49-F238E27FC236}">
+                <a16:creationId xmlns="" xmlns:a16="http://schemas.microsoft.com/office/drawing/2014/main" id="{CA344CBA-FB2B-44A2-9612-01FA04D41200}"/>
+              </a:ext>
+            </a:extLst>
+          </p:cNvPr>
+          <p:cNvSpPr>
+            <a:spLocks noGrp="1"/>
+          </p:cNvSpPr>
+          <p:nvPr>
+            <p:ph type="title"/>
+          </p:nvPr>
+        </p:nvSpPr>
+        <p:spPr>
+          <a:xfrm>
+            <a:off x="1097280" y="286603"/>
+            <a:ext cx="10058400" cy="1450757"/>
+          </a:xfrm>
+        </p:spPr>
+        <p:txBody>
+          <a:bodyPr/>
+          <a:lstStyle/>
+          <a:p>
+            <a:r>
+              <a:rPr lang="en-US" dirty="0"/>
+              <a:t>Our </a:t>
+            </a:r>
+            <a:r>
+              <a:rPr lang="en-US" dirty="0" smtClean="0"/>
+              <a:t>Research (metrics)</a:t>
+            </a:r>
+            <a:endParaRPr lang="en-US" dirty="0"/>
+          </a:p>
+        </p:txBody>
+      </p:sp>
+      <p:sp>
+        <p:nvSpPr>
+          <p:cNvPr id="3" name="Content Placeholder 2">
+            <a:extLst>
+              <a:ext uri="{FF2B5EF4-FFF2-40B4-BE49-F238E27FC236}">
+                <a16:creationId xmlns="" xmlns:a16="http://schemas.microsoft.com/office/drawing/2014/main" id="{F66CA81D-1701-4C2D-AE08-277C299D9B85}"/>
+              </a:ext>
+            </a:extLst>
+          </p:cNvPr>
+          <p:cNvSpPr>
+            <a:spLocks noGrp="1"/>
+          </p:cNvSpPr>
+          <p:nvPr>
+            <p:ph idx="1"/>
+          </p:nvPr>
+        </p:nvSpPr>
+        <p:spPr>
+          <a:xfrm>
+            <a:off x="1097280" y="1957535"/>
+            <a:ext cx="4305840" cy="4358639"/>
+          </a:xfrm>
+        </p:spPr>
+        <p:txBody>
+          <a:bodyPr>
+            <a:normAutofit/>
+          </a:bodyPr>
+          <a:lstStyle/>
+          <a:p>
+            <a:pPr lvl="0"/>
+            <a:r>
+              <a:rPr lang="en-US" sz="2400" b="1" dirty="0"/>
+              <a:t>ROUGE METRICS</a:t>
+            </a:r>
+          </a:p>
+          <a:p>
+            <a:pPr lvl="0"/>
+            <a:r>
+              <a:rPr lang="en-US" b="1" dirty="0" smtClean="0"/>
+              <a:t>ROUGE (</a:t>
+            </a:r>
+            <a:r>
+              <a:rPr lang="en-US" b="1" dirty="0"/>
+              <a:t>Recall-Oriented Understudy for </a:t>
+            </a:r>
+            <a:r>
+              <a:rPr lang="en-US" b="1" dirty="0" err="1"/>
+              <a:t>Gisting</a:t>
+            </a:r>
+            <a:r>
+              <a:rPr lang="en-US" b="1" dirty="0"/>
+              <a:t> Evaluation</a:t>
+            </a:r>
+            <a:r>
+              <a:rPr lang="en-US" b="1" dirty="0" smtClean="0"/>
+              <a:t>)</a:t>
+            </a:r>
+            <a:r>
+              <a:rPr lang="en-US" dirty="0"/>
+              <a:t> is a set of metrics that can be used by NLP algorithms to evaluate the summaries it generates against a set of references (human-produced summary).</a:t>
+            </a:r>
+          </a:p>
+          <a:p>
+            <a:pPr lvl="0"/>
+            <a:r>
+              <a:rPr lang="en-US" dirty="0" smtClean="0"/>
+              <a:t>T</a:t>
+            </a:r>
+            <a:r>
+              <a:rPr lang="en-US" dirty="0" smtClean="0"/>
+              <a:t>he </a:t>
+            </a:r>
+            <a:r>
+              <a:rPr lang="en-US" dirty="0"/>
+              <a:t>ROUGE </a:t>
+            </a:r>
+            <a:r>
+              <a:rPr lang="en-US" dirty="0" smtClean="0"/>
+              <a:t>SCORES and METRICS are:</a:t>
+            </a:r>
+            <a:endParaRPr lang="en-US" dirty="0"/>
+          </a:p>
+          <a:p>
+            <a:pPr marL="457200" indent="-457200">
+              <a:buAutoNum type="arabicParenR"/>
+            </a:pPr>
+            <a:endParaRPr lang="en-US" dirty="0"/>
+          </a:p>
+        </p:txBody>
+      </p:sp>
+      <p:graphicFrame>
+        <p:nvGraphicFramePr>
+          <p:cNvPr id="4" name="Table 4">
+            <a:extLst>
+              <a:ext uri="{FF2B5EF4-FFF2-40B4-BE49-F238E27FC236}">
+                <a16:creationId xmlns="" xmlns:a16="http://schemas.microsoft.com/office/drawing/2014/main" id="{C374F32C-1746-48B1-8874-B068FDCE0AD3}"/>
+              </a:ext>
+            </a:extLst>
+          </p:cNvPr>
+          <p:cNvGraphicFramePr>
+            <a:graphicFrameLocks noGrp="1"/>
+          </p:cNvGraphicFramePr>
+          <p:nvPr>
+            <p:extLst>
+              <p:ext uri="{D42A27DB-BD31-4B8C-83A1-F6EECF244321}">
+                <p14:modId xmlns:p14="http://schemas.microsoft.com/office/powerpoint/2010/main" val="141682453"/>
+              </p:ext>
+            </p:extLst>
+          </p:nvPr>
+        </p:nvGraphicFramePr>
+        <p:xfrm>
+          <a:off x="5463166" y="1977707"/>
+          <a:ext cx="5612153" cy="3693159"/>
+        </p:xfrm>
+        <a:graphic>
+          <a:graphicData uri="http://schemas.openxmlformats.org/drawingml/2006/table">
+            <a:tbl>
+              <a:tblPr firstRow="1" bandRow="1">
+                <a:tableStyleId>{5C22544A-7EE6-4342-B048-85BDC9FD1C3A}</a:tableStyleId>
+              </a:tblPr>
+              <a:tblGrid>
+                <a:gridCol w="1527191">
+                  <a:extLst>
+                    <a:ext uri="{9D8B030D-6E8A-4147-A177-3AD203B41FA5}">
+                      <a16:colId xmlns="" xmlns:a16="http://schemas.microsoft.com/office/drawing/2014/main" val="4290089180"/>
+                    </a:ext>
+                  </a:extLst>
+                </a:gridCol>
+                <a:gridCol w="4084962">
+                  <a:extLst>
+                    <a:ext uri="{9D8B030D-6E8A-4147-A177-3AD203B41FA5}">
+                      <a16:colId xmlns="" xmlns:a16="http://schemas.microsoft.com/office/drawing/2014/main" val="2233723881"/>
+                    </a:ext>
+                  </a:extLst>
+                </a:gridCol>
+              </a:tblGrid>
+              <a:tr h="370840">
+                <a:tc>
+                  <a:txBody>
+                    <a:bodyPr/>
+                    <a:lstStyle/>
+                    <a:p>
+                      <a:r>
+                        <a:rPr lang="en-US" dirty="0"/>
+                        <a:t>Metrics Name</a:t>
+                      </a:r>
+                    </a:p>
+                  </a:txBody>
+                  <a:tcPr/>
+                </a:tc>
+                <a:tc>
+                  <a:txBody>
+                    <a:bodyPr/>
+                    <a:lstStyle/>
+                    <a:p>
+                      <a:r>
+                        <a:rPr lang="en-US" dirty="0"/>
+                        <a:t>Metrics Definition</a:t>
+                      </a:r>
+                    </a:p>
+                  </a:txBody>
+                  <a:tcPr/>
+                </a:tc>
+                <a:extLst>
+                  <a:ext uri="{0D108BD9-81ED-4DB2-BD59-A6C34878D82A}">
+                    <a16:rowId xmlns="" xmlns:a16="http://schemas.microsoft.com/office/drawing/2014/main" val="3207756757"/>
+                  </a:ext>
+                </a:extLst>
+              </a:tr>
+              <a:tr h="370840">
+                <a:tc>
+                  <a:txBody>
+                    <a:bodyPr/>
+                    <a:lstStyle/>
+                    <a:p>
+                      <a:r>
+                        <a:rPr lang="en-US" sz="1400" dirty="0"/>
+                        <a:t>ROUGE-1</a:t>
+                      </a:r>
+                    </a:p>
+                  </a:txBody>
+                  <a:tcPr/>
+                </a:tc>
+                <a:tc>
+                  <a:txBody>
+                    <a:bodyPr/>
+                    <a:lstStyle/>
+                    <a:p>
+                      <a:r>
+                        <a:rPr lang="en-US" sz="1400" b="0" i="0" kern="1200" dirty="0">
+                          <a:solidFill>
+                            <a:schemeClr val="dk1"/>
+                          </a:solidFill>
+                          <a:effectLst/>
+                          <a:latin typeface="+mn-lt"/>
+                          <a:ea typeface="+mn-ea"/>
+                          <a:cs typeface="+mn-cs"/>
+                        </a:rPr>
+                        <a:t>overlap of unigram (each word) between the system and reference summary</a:t>
+                      </a:r>
+                      <a:endParaRPr lang="en-US" sz="1400" b="0" i="0" dirty="0"/>
+                    </a:p>
+                  </a:txBody>
+                  <a:tcPr/>
+                </a:tc>
+                <a:extLst>
+                  <a:ext uri="{0D108BD9-81ED-4DB2-BD59-A6C34878D82A}">
+                    <a16:rowId xmlns="" xmlns:a16="http://schemas.microsoft.com/office/drawing/2014/main" val="2915805806"/>
+                  </a:ext>
+                </a:extLst>
+              </a:tr>
+              <a:tr h="370840">
+                <a:tc>
+                  <a:txBody>
+                    <a:bodyPr/>
+                    <a:lstStyle/>
+                    <a:p>
+                      <a:r>
+                        <a:rPr lang="en-US" sz="1400" dirty="0"/>
+                        <a:t>ROUGE-2</a:t>
+                      </a:r>
+                    </a:p>
+                  </a:txBody>
+                  <a:tcPr/>
+                </a:tc>
+                <a:tc>
+                  <a:txBody>
+                    <a:bodyPr/>
+                    <a:lstStyle/>
+                    <a:p>
+                      <a:pPr marL="0" marR="0" lvl="0" indent="0" algn="l" defTabSz="914400" rtl="0" eaLnBrk="1" fontAlgn="auto" latinLnBrk="0" hangingPunct="1">
+                        <a:lnSpc>
+                          <a:spcPct val="100000"/>
+                        </a:lnSpc>
+                        <a:spcBef>
+                          <a:spcPts val="0"/>
+                        </a:spcBef>
+                        <a:spcAft>
+                          <a:spcPts val="0"/>
+                        </a:spcAft>
+                        <a:buClrTx/>
+                        <a:buSzTx/>
+                        <a:buFontTx/>
+                        <a:buNone/>
+                        <a:tabLst/>
+                        <a:defRPr/>
+                      </a:pPr>
+                      <a:r>
+                        <a:rPr lang="en-US" sz="1400" b="0" i="0" kern="1200" dirty="0">
+                          <a:solidFill>
+                            <a:schemeClr val="dk1"/>
+                          </a:solidFill>
+                          <a:effectLst/>
+                          <a:latin typeface="+mn-lt"/>
+                          <a:ea typeface="+mn-ea"/>
+                          <a:cs typeface="+mn-cs"/>
+                        </a:rPr>
+                        <a:t>overlap of bigram (two words) between the system and reference summary</a:t>
+                      </a:r>
+                      <a:endParaRPr lang="en-US" sz="1400" b="0" i="0" dirty="0"/>
+                    </a:p>
+                  </a:txBody>
+                  <a:tcPr/>
+                </a:tc>
+                <a:extLst>
+                  <a:ext uri="{0D108BD9-81ED-4DB2-BD59-A6C34878D82A}">
+                    <a16:rowId xmlns="" xmlns:a16="http://schemas.microsoft.com/office/drawing/2014/main" val="4083785283"/>
+                  </a:ext>
+                </a:extLst>
+              </a:tr>
+              <a:tr h="370840">
+                <a:tc>
+                  <a:txBody>
+                    <a:bodyPr/>
+                    <a:lstStyle/>
+                    <a:p>
+                      <a:r>
+                        <a:rPr lang="en-US" sz="1400" dirty="0"/>
+                        <a:t>ROUGE -L</a:t>
+                      </a:r>
+                    </a:p>
+                  </a:txBody>
+                  <a:tcPr/>
+                </a:tc>
+                <a:tc>
+                  <a:txBody>
+                    <a:bodyPr/>
+                    <a:lstStyle/>
+                    <a:p>
+                      <a:r>
+                        <a:rPr lang="en-US" sz="1400" b="0" i="0" kern="1200" dirty="0">
+                          <a:solidFill>
+                            <a:schemeClr val="dk1"/>
+                          </a:solidFill>
+                          <a:effectLst/>
+                          <a:latin typeface="+mn-lt"/>
+                          <a:ea typeface="+mn-ea"/>
+                          <a:cs typeface="+mn-cs"/>
+                        </a:rPr>
+                        <a:t>Longest Common Subsequence (LCS). identifies longest co-occurring in sequence n-grams automatically to measure sentence level </a:t>
+                      </a:r>
+                      <a:r>
+                        <a:rPr lang="en-US" sz="1400" b="0" i="0" kern="1200" dirty="0" smtClean="0">
+                          <a:solidFill>
+                            <a:schemeClr val="dk1"/>
+                          </a:solidFill>
+                          <a:effectLst/>
+                          <a:latin typeface="+mn-lt"/>
+                          <a:ea typeface="+mn-ea"/>
+                          <a:cs typeface="+mn-cs"/>
+                        </a:rPr>
+                        <a:t>similarity</a:t>
+                      </a:r>
+                    </a:p>
+                  </a:txBody>
+                  <a:tcPr/>
+                </a:tc>
+                <a:extLst>
+                  <a:ext uri="{0D108BD9-81ED-4DB2-BD59-A6C34878D82A}">
+                    <a16:rowId xmlns="" xmlns:a16="http://schemas.microsoft.com/office/drawing/2014/main" val="1011393144"/>
+                  </a:ext>
+                </a:extLst>
+              </a:tr>
+              <a:tr h="370840">
+                <a:tc>
+                  <a:txBody>
+                    <a:bodyPr/>
+                    <a:lstStyle/>
+                    <a:p>
+                      <a:r>
+                        <a:rPr lang="en-US" sz="1400" dirty="0" smtClean="0"/>
+                        <a:t>Recall</a:t>
+                      </a:r>
+                      <a:endParaRPr lang="en-US" sz="1400" dirty="0"/>
+                    </a:p>
+                  </a:txBody>
+                  <a:tcPr/>
+                </a:tc>
+                <a:tc>
+                  <a:txBody>
+                    <a:bodyPr/>
+                    <a:lstStyle/>
+                    <a:p>
+                      <a:r>
+                        <a:rPr lang="en-US" sz="1400" b="0" i="0" kern="1200" dirty="0" smtClean="0">
+                          <a:solidFill>
+                            <a:schemeClr val="dk1"/>
+                          </a:solidFill>
+                          <a:effectLst/>
+                          <a:latin typeface="+mn-lt"/>
+                          <a:ea typeface="+mn-ea"/>
+                          <a:cs typeface="+mn-cs"/>
+                        </a:rPr>
+                        <a:t>the number of overlapping words divided by the total words in the </a:t>
+                      </a:r>
+                      <a:r>
+                        <a:rPr lang="en-US" sz="1400" b="0" i="1" kern="1200" dirty="0" smtClean="0">
+                          <a:solidFill>
+                            <a:schemeClr val="dk1"/>
+                          </a:solidFill>
+                          <a:effectLst/>
+                          <a:latin typeface="+mn-lt"/>
+                          <a:ea typeface="+mn-ea"/>
+                          <a:cs typeface="+mn-cs"/>
+                        </a:rPr>
+                        <a:t>reference</a:t>
+                      </a:r>
+                      <a:r>
+                        <a:rPr lang="en-US" sz="1400" b="0" i="0" kern="1200" dirty="0" smtClean="0">
+                          <a:solidFill>
+                            <a:schemeClr val="dk1"/>
+                          </a:solidFill>
+                          <a:effectLst/>
+                          <a:latin typeface="+mn-lt"/>
+                          <a:ea typeface="+mn-ea"/>
+                          <a:cs typeface="+mn-cs"/>
+                        </a:rPr>
+                        <a:t> summary</a:t>
+                      </a:r>
+                    </a:p>
+                  </a:txBody>
+                  <a:tcPr/>
+                </a:tc>
+              </a:tr>
+              <a:tr h="370840">
+                <a:tc>
+                  <a:txBody>
+                    <a:bodyPr/>
+                    <a:lstStyle/>
+                    <a:p>
+                      <a:r>
+                        <a:rPr lang="en-US" sz="1400" dirty="0" smtClean="0"/>
+                        <a:t>Precision</a:t>
+                      </a:r>
+                      <a:endParaRPr lang="en-US" sz="1400" dirty="0"/>
+                    </a:p>
+                  </a:txBody>
+                  <a:tcPr/>
+                </a:tc>
+                <a:tc>
+                  <a:txBody>
+                    <a:bodyPr/>
+                    <a:lstStyle/>
+                    <a:p>
+                      <a:r>
+                        <a:rPr lang="en-US" sz="1400" b="0" i="0" kern="1200" dirty="0" smtClean="0">
+                          <a:solidFill>
+                            <a:schemeClr val="dk1"/>
+                          </a:solidFill>
+                          <a:effectLst/>
+                          <a:latin typeface="+mn-lt"/>
+                          <a:ea typeface="+mn-ea"/>
+                          <a:cs typeface="+mn-cs"/>
+                        </a:rPr>
+                        <a:t>the number of overlapping words divided by the total number of words in the </a:t>
+                      </a:r>
+                      <a:r>
+                        <a:rPr lang="en-US" sz="1400" b="0" i="1" kern="1200" dirty="0" smtClean="0">
+                          <a:solidFill>
+                            <a:schemeClr val="dk1"/>
+                          </a:solidFill>
+                          <a:effectLst/>
+                          <a:latin typeface="+mn-lt"/>
+                          <a:ea typeface="+mn-ea"/>
+                          <a:cs typeface="+mn-cs"/>
+                        </a:rPr>
+                        <a:t>generated</a:t>
+                      </a:r>
+                      <a:r>
+                        <a:rPr lang="en-US" sz="1400" b="0" i="0" kern="1200" dirty="0" smtClean="0">
+                          <a:solidFill>
+                            <a:schemeClr val="dk1"/>
+                          </a:solidFill>
+                          <a:effectLst/>
+                          <a:latin typeface="+mn-lt"/>
+                          <a:ea typeface="+mn-ea"/>
+                          <a:cs typeface="+mn-cs"/>
+                        </a:rPr>
+                        <a:t> summary</a:t>
+                      </a:r>
+                    </a:p>
+                  </a:txBody>
+                  <a:tcPr/>
+                </a:tc>
+              </a:tr>
+              <a:tr h="370840">
+                <a:tc>
+                  <a:txBody>
+                    <a:bodyPr/>
+                    <a:lstStyle/>
+                    <a:p>
+                      <a:r>
+                        <a:rPr lang="en-US" sz="1400" dirty="0" smtClean="0"/>
+                        <a:t>F-Measure</a:t>
+                      </a:r>
+                      <a:endParaRPr lang="en-US" sz="1400" dirty="0"/>
+                    </a:p>
+                  </a:txBody>
+                  <a:tcPr/>
+                </a:tc>
+                <a:tc>
+                  <a:txBody>
+                    <a:bodyPr/>
+                    <a:lstStyle/>
+                    <a:p>
+                      <a:r>
+                        <a:rPr lang="en-US" sz="1400" b="0" i="0" kern="1200" dirty="0" smtClean="0">
+                          <a:solidFill>
+                            <a:schemeClr val="dk1"/>
+                          </a:solidFill>
+                          <a:effectLst/>
+                          <a:latin typeface="+mn-lt"/>
+                          <a:ea typeface="+mn-ea"/>
+                          <a:cs typeface="+mn-cs"/>
+                        </a:rPr>
+                        <a:t>Assigned by equal importance of recall and precision, i.e. alpha=0.5</a:t>
+                      </a:r>
+                    </a:p>
+                  </a:txBody>
+                  <a:tcPr/>
+                </a:tc>
+              </a:tr>
+            </a:tbl>
+          </a:graphicData>
+        </a:graphic>
+      </p:graphicFrame>
+    </p:spTree>
+    <p:extLst>
+      <p:ext uri="{BB962C8B-B14F-4D97-AF65-F5344CB8AC3E}">
+        <p14:creationId xmlns:p14="http://schemas.microsoft.com/office/powerpoint/2010/main" val="2071036378"/>
       </p:ext>
     </p:extLst>
   </p:cSld>

--- a/Group 45 Data Science for Case Law.pptx
+++ b/Group 45 Data Science for Case Law.pptx
@@ -14,13 +14,15 @@
     <p:sldId id="262" r:id="rId8"/>
     <p:sldId id="263" r:id="rId9"/>
     <p:sldId id="274" r:id="rId10"/>
-    <p:sldId id="279" r:id="rId11"/>
-    <p:sldId id="276" r:id="rId12"/>
-    <p:sldId id="277" r:id="rId13"/>
-    <p:sldId id="278" r:id="rId14"/>
-    <p:sldId id="272" r:id="rId15"/>
-    <p:sldId id="275" r:id="rId16"/>
-    <p:sldId id="265" r:id="rId17"/>
+    <p:sldId id="281" r:id="rId11"/>
+    <p:sldId id="279" r:id="rId12"/>
+    <p:sldId id="276" r:id="rId13"/>
+    <p:sldId id="277" r:id="rId14"/>
+    <p:sldId id="278" r:id="rId15"/>
+    <p:sldId id="282" r:id="rId16"/>
+    <p:sldId id="272" r:id="rId17"/>
+    <p:sldId id="275" r:id="rId18"/>
+    <p:sldId id="265" r:id="rId19"/>
   </p:sldIdLst>
   <p:sldSz cx="12192000" cy="6858000"/>
   <p:notesSz cx="6858000" cy="9144000"/>
@@ -121,7 +123,18 @@
   </p:defaultTextStyle>
   <p:extLst>
     <p:ext uri="{EFAFB233-063F-42B5-8137-9DF3F51BA10A}">
-      <p15:sldGuideLst xmlns="" xmlns:p15="http://schemas.microsoft.com/office/powerpoint/2012/main"/>
+      <p15:sldGuideLst xmlns:p15="http://schemas.microsoft.com/office/powerpoint/2012/main">
+        <p15:guide id="1" orient="horz" pos="2160">
+          <p15:clr>
+            <a:srgbClr val="A4A3A4"/>
+          </p15:clr>
+        </p15:guide>
+        <p15:guide id="2" pos="3840">
+          <p15:clr>
+            <a:srgbClr val="A4A3A4"/>
+          </p15:clr>
+        </p15:guide>
+      </p15:sldGuideLst>
     </p:ext>
   </p:extLst>
 </p:presentation>
@@ -149,7 +162,7 @@
           <p:cNvPr id="10" name="Rectangle 9">
             <a:extLst>
               <a:ext uri="{FF2B5EF4-FFF2-40B4-BE49-F238E27FC236}">
-                <a16:creationId xmlns="" xmlns:a16="http://schemas.microsoft.com/office/drawing/2014/main" id="{39E3965E-AC41-4711-9D10-E25ABB132D86}"/>
+                <a16:creationId xmlns:a16="http://schemas.microsoft.com/office/drawing/2014/main" id="{39E3965E-AC41-4711-9D10-E25ABB132D86}"/>
               </a:ext>
             </a:extLst>
           </p:cNvPr>
@@ -309,7 +322,7 @@
           <p:cNvPr id="9" name="Straight Connector 8">
             <a:extLst>
               <a:ext uri="{FF2B5EF4-FFF2-40B4-BE49-F238E27FC236}">
-                <a16:creationId xmlns="" xmlns:a16="http://schemas.microsoft.com/office/drawing/2014/main" id="{1F5DC8C3-BA5F-4EED-BB9A-A14272BD82A1}"/>
+                <a16:creationId xmlns:a16="http://schemas.microsoft.com/office/drawing/2014/main" id="{1F5DC8C3-BA5F-4EED-BB9A-A14272BD82A1}"/>
               </a:ext>
             </a:extLst>
           </p:cNvPr>
@@ -353,7 +366,7 @@
           <p:cNvPr id="4" name="Date Placeholder 3">
             <a:extLst>
               <a:ext uri="{FF2B5EF4-FFF2-40B4-BE49-F238E27FC236}">
-                <a16:creationId xmlns="" xmlns:a16="http://schemas.microsoft.com/office/drawing/2014/main" id="{9925CCF1-92C0-4AF3-BFAF-4921631915AB}"/>
+                <a16:creationId xmlns:a16="http://schemas.microsoft.com/office/drawing/2014/main" id="{9925CCF1-92C0-4AF3-BFAF-4921631915AB}"/>
               </a:ext>
             </a:extLst>
           </p:cNvPr>
@@ -371,7 +384,7 @@
           <a:p>
             <a:fld id="{9184DA70-C731-4C70-880D-CCD4705E623C}" type="datetime1">
               <a:rPr lang="en-US" smtClean="0"/>
-              <a:t>5/9/20</a:t>
+              <a:t>5/9/2020</a:t>
             </a:fld>
             <a:endParaRPr lang="en-US" dirty="0"/>
           </a:p>
@@ -382,7 +395,7 @@
           <p:cNvPr id="5" name="Footer Placeholder 4">
             <a:extLst>
               <a:ext uri="{FF2B5EF4-FFF2-40B4-BE49-F238E27FC236}">
-                <a16:creationId xmlns="" xmlns:a16="http://schemas.microsoft.com/office/drawing/2014/main" id="{051A78A9-3DFF-4937-A9F2-5D8CF495F367}"/>
+                <a16:creationId xmlns:a16="http://schemas.microsoft.com/office/drawing/2014/main" id="{051A78A9-3DFF-4937-A9F2-5D8CF495F367}"/>
               </a:ext>
             </a:extLst>
           </p:cNvPr>
@@ -407,7 +420,7 @@
           <p:cNvPr id="6" name="Slide Number Placeholder 5">
             <a:extLst>
               <a:ext uri="{FF2B5EF4-FFF2-40B4-BE49-F238E27FC236}">
-                <a16:creationId xmlns="" xmlns:a16="http://schemas.microsoft.com/office/drawing/2014/main" id="{5FAEB271-5CC0-4759-BC6E-8BE53AB227C0}"/>
+                <a16:creationId xmlns:a16="http://schemas.microsoft.com/office/drawing/2014/main" id="{5FAEB271-5CC0-4759-BC6E-8BE53AB227C0}"/>
               </a:ext>
             </a:extLst>
           </p:cNvPr>
@@ -541,7 +554,7 @@
           <p:cNvPr id="7" name="Date Placeholder 6">
             <a:extLst>
               <a:ext uri="{FF2B5EF4-FFF2-40B4-BE49-F238E27FC236}">
-                <a16:creationId xmlns="" xmlns:a16="http://schemas.microsoft.com/office/drawing/2014/main" id="{7D5506EE-1026-4F35-9ACC-BD05BE0F9B36}"/>
+                <a16:creationId xmlns:a16="http://schemas.microsoft.com/office/drawing/2014/main" id="{7D5506EE-1026-4F35-9ACC-BD05BE0F9B36}"/>
               </a:ext>
             </a:extLst>
           </p:cNvPr>
@@ -559,7 +572,7 @@
           <a:p>
             <a:fld id="{B612A279-0833-481D-8C56-F67FD0AC6C50}" type="datetime1">
               <a:rPr lang="en-US" smtClean="0"/>
-              <a:t>5/9/20</a:t>
+              <a:t>5/9/2020</a:t>
             </a:fld>
             <a:endParaRPr lang="en-US" dirty="0"/>
           </a:p>
@@ -570,7 +583,7 @@
           <p:cNvPr id="8" name="Footer Placeholder 7">
             <a:extLst>
               <a:ext uri="{FF2B5EF4-FFF2-40B4-BE49-F238E27FC236}">
-                <a16:creationId xmlns="" xmlns:a16="http://schemas.microsoft.com/office/drawing/2014/main" id="{B7696E5F-8D95-4450-AE52-5438E6EDE2BF}"/>
+                <a16:creationId xmlns:a16="http://schemas.microsoft.com/office/drawing/2014/main" id="{B7696E5F-8D95-4450-AE52-5438E6EDE2BF}"/>
               </a:ext>
             </a:extLst>
           </p:cNvPr>
@@ -595,7 +608,7 @@
           <p:cNvPr id="9" name="Slide Number Placeholder 8">
             <a:extLst>
               <a:ext uri="{FF2B5EF4-FFF2-40B4-BE49-F238E27FC236}">
-                <a16:creationId xmlns="" xmlns:a16="http://schemas.microsoft.com/office/drawing/2014/main" id="{999B2253-74CC-409E-BEB0-F8EFCFCB5629}"/>
+                <a16:creationId xmlns:a16="http://schemas.microsoft.com/office/drawing/2014/main" id="{999B2253-74CC-409E-BEB0-F8EFCFCB5629}"/>
               </a:ext>
             </a:extLst>
           </p:cNvPr>
@@ -654,7 +667,7 @@
           <p:cNvPr id="9" name="Rectangle 8">
             <a:extLst>
               <a:ext uri="{FF2B5EF4-FFF2-40B4-BE49-F238E27FC236}">
-                <a16:creationId xmlns="" xmlns:a16="http://schemas.microsoft.com/office/drawing/2014/main" id="{E1B68A5B-D9FA-424B-A4EB-30E7223836B3}"/>
+                <a16:creationId xmlns:a16="http://schemas.microsoft.com/office/drawing/2014/main" id="{E1B68A5B-D9FA-424B-A4EB-30E7223836B3}"/>
               </a:ext>
             </a:extLst>
           </p:cNvPr>
@@ -783,7 +796,7 @@
           <p:cNvPr id="7" name="Date Placeholder 6">
             <a:extLst>
               <a:ext uri="{FF2B5EF4-FFF2-40B4-BE49-F238E27FC236}">
-                <a16:creationId xmlns="" xmlns:a16="http://schemas.microsoft.com/office/drawing/2014/main" id="{AF33D6B0-F070-45C4-A472-19F432BE3932}"/>
+                <a16:creationId xmlns:a16="http://schemas.microsoft.com/office/drawing/2014/main" id="{AF33D6B0-F070-45C4-A472-19F432BE3932}"/>
               </a:ext>
             </a:extLst>
           </p:cNvPr>
@@ -801,7 +814,7 @@
           <a:p>
             <a:fld id="{6587DA83-5663-4C9C-B9AA-0B40A3DAFF81}" type="datetime1">
               <a:rPr lang="en-US" smtClean="0"/>
-              <a:t>5/9/20</a:t>
+              <a:t>5/9/2020</a:t>
             </a:fld>
             <a:endParaRPr lang="en-US" dirty="0"/>
           </a:p>
@@ -812,7 +825,7 @@
           <p:cNvPr id="8" name="Footer Placeholder 7">
             <a:extLst>
               <a:ext uri="{FF2B5EF4-FFF2-40B4-BE49-F238E27FC236}">
-                <a16:creationId xmlns="" xmlns:a16="http://schemas.microsoft.com/office/drawing/2014/main" id="{9975399F-DAB2-410D-967F-ED17E6F796E7}"/>
+                <a16:creationId xmlns:a16="http://schemas.microsoft.com/office/drawing/2014/main" id="{9975399F-DAB2-410D-967F-ED17E6F796E7}"/>
               </a:ext>
             </a:extLst>
           </p:cNvPr>
@@ -837,7 +850,7 @@
           <p:cNvPr id="10" name="Slide Number Placeholder 9">
             <a:extLst>
               <a:ext uri="{FF2B5EF4-FFF2-40B4-BE49-F238E27FC236}">
-                <a16:creationId xmlns="" xmlns:a16="http://schemas.microsoft.com/office/drawing/2014/main" id="{F762A46F-6BE5-4D12-9412-5CA7672EA8EC}"/>
+                <a16:creationId xmlns:a16="http://schemas.microsoft.com/office/drawing/2014/main" id="{F762A46F-6BE5-4D12-9412-5CA7672EA8EC}"/>
               </a:ext>
             </a:extLst>
           </p:cNvPr>
@@ -971,7 +984,7 @@
           <p:cNvPr id="7" name="Date Placeholder 6">
             <a:extLst>
               <a:ext uri="{FF2B5EF4-FFF2-40B4-BE49-F238E27FC236}">
-                <a16:creationId xmlns="" xmlns:a16="http://schemas.microsoft.com/office/drawing/2014/main" id="{354D8B55-9EA8-4B81-8E84-9B93B0A27559}"/>
+                <a16:creationId xmlns:a16="http://schemas.microsoft.com/office/drawing/2014/main" id="{354D8B55-9EA8-4B81-8E84-9B93B0A27559}"/>
               </a:ext>
             </a:extLst>
           </p:cNvPr>
@@ -989,7 +1002,7 @@
           <a:p>
             <a:fld id="{4BE1D723-8F53-4F53-90B0-1982A396982E}" type="datetime1">
               <a:rPr lang="en-US" smtClean="0"/>
-              <a:t>5/9/20</a:t>
+              <a:t>5/9/2020</a:t>
             </a:fld>
             <a:endParaRPr lang="en-US" dirty="0"/>
           </a:p>
@@ -1000,7 +1013,7 @@
           <p:cNvPr id="8" name="Footer Placeholder 7">
             <a:extLst>
               <a:ext uri="{FF2B5EF4-FFF2-40B4-BE49-F238E27FC236}">
-                <a16:creationId xmlns="" xmlns:a16="http://schemas.microsoft.com/office/drawing/2014/main" id="{062CA021-2578-47CB-822C-BDDFF7223B28}"/>
+                <a16:creationId xmlns:a16="http://schemas.microsoft.com/office/drawing/2014/main" id="{062CA021-2578-47CB-822C-BDDFF7223B28}"/>
               </a:ext>
             </a:extLst>
           </p:cNvPr>
@@ -1025,7 +1038,7 @@
           <p:cNvPr id="9" name="Slide Number Placeholder 8">
             <a:extLst>
               <a:ext uri="{FF2B5EF4-FFF2-40B4-BE49-F238E27FC236}">
-                <a16:creationId xmlns="" xmlns:a16="http://schemas.microsoft.com/office/drawing/2014/main" id="{C4AAB51D-4141-4682-9375-DAFD5FB9DD10}"/>
+                <a16:creationId xmlns:a16="http://schemas.microsoft.com/office/drawing/2014/main" id="{C4AAB51D-4141-4682-9375-DAFD5FB9DD10}"/>
               </a:ext>
             </a:extLst>
           </p:cNvPr>
@@ -1092,7 +1105,7 @@
           <p:cNvPr id="10" name="Rectangle 9">
             <a:extLst>
               <a:ext uri="{FF2B5EF4-FFF2-40B4-BE49-F238E27FC236}">
-                <a16:creationId xmlns="" xmlns:a16="http://schemas.microsoft.com/office/drawing/2014/main" id="{A585C21A-8B93-4657-B5DF-7EAEAD3BE127}"/>
+                <a16:creationId xmlns:a16="http://schemas.microsoft.com/office/drawing/2014/main" id="{A585C21A-8B93-4657-B5DF-7EAEAD3BE127}"/>
               </a:ext>
             </a:extLst>
           </p:cNvPr>
@@ -1300,7 +1313,7 @@
           <p:cNvPr id="9" name="Straight Connector 8">
             <a:extLst>
               <a:ext uri="{FF2B5EF4-FFF2-40B4-BE49-F238E27FC236}">
-                <a16:creationId xmlns="" xmlns:a16="http://schemas.microsoft.com/office/drawing/2014/main" id="{459DE2C1-4C52-40A3-8959-27B2C1BEBFF6}"/>
+                <a16:creationId xmlns:a16="http://schemas.microsoft.com/office/drawing/2014/main" id="{459DE2C1-4C52-40A3-8959-27B2C1BEBFF6}"/>
               </a:ext>
             </a:extLst>
           </p:cNvPr>
@@ -1344,7 +1357,7 @@
           <p:cNvPr id="7" name="Date Placeholder 6">
             <a:extLst>
               <a:ext uri="{FF2B5EF4-FFF2-40B4-BE49-F238E27FC236}">
-                <a16:creationId xmlns="" xmlns:a16="http://schemas.microsoft.com/office/drawing/2014/main" id="{AAF2E137-EC28-48F8-9198-1F02539029B6}"/>
+                <a16:creationId xmlns:a16="http://schemas.microsoft.com/office/drawing/2014/main" id="{AAF2E137-EC28-48F8-9198-1F02539029B6}"/>
               </a:ext>
             </a:extLst>
           </p:cNvPr>
@@ -1362,7 +1375,7 @@
           <a:p>
             <a:fld id="{97669AF7-7BEB-44E4-9852-375E34362B5B}" type="datetime1">
               <a:rPr lang="en-US" smtClean="0"/>
-              <a:t>5/9/20</a:t>
+              <a:t>5/9/2020</a:t>
             </a:fld>
             <a:endParaRPr lang="en-US" dirty="0"/>
           </a:p>
@@ -1373,7 +1386,7 @@
           <p:cNvPr id="8" name="Footer Placeholder 7">
             <a:extLst>
               <a:ext uri="{FF2B5EF4-FFF2-40B4-BE49-F238E27FC236}">
-                <a16:creationId xmlns="" xmlns:a16="http://schemas.microsoft.com/office/drawing/2014/main" id="{189422CD-6F62-4DD6-89EF-07A60B42D219}"/>
+                <a16:creationId xmlns:a16="http://schemas.microsoft.com/office/drawing/2014/main" id="{189422CD-6F62-4DD6-89EF-07A60B42D219}"/>
               </a:ext>
             </a:extLst>
           </p:cNvPr>
@@ -1398,7 +1411,7 @@
           <p:cNvPr id="11" name="Slide Number Placeholder 10">
             <a:extLst>
               <a:ext uri="{FF2B5EF4-FFF2-40B4-BE49-F238E27FC236}">
-                <a16:creationId xmlns="" xmlns:a16="http://schemas.microsoft.com/office/drawing/2014/main" id="{69C6AFF8-42B4-4D05-969B-9F5FB3355555}"/>
+                <a16:creationId xmlns:a16="http://schemas.microsoft.com/office/drawing/2014/main" id="{69C6AFF8-42B4-4D05-969B-9F5FB3355555}"/>
               </a:ext>
             </a:extLst>
           </p:cNvPr>
@@ -1599,7 +1612,7 @@
           <p:cNvPr id="2" name="Date Placeholder 1">
             <a:extLst>
               <a:ext uri="{FF2B5EF4-FFF2-40B4-BE49-F238E27FC236}">
-                <a16:creationId xmlns="" xmlns:a16="http://schemas.microsoft.com/office/drawing/2014/main" id="{5782D47D-B0DC-4C40-BCC6-BBBA32584A38}"/>
+                <a16:creationId xmlns:a16="http://schemas.microsoft.com/office/drawing/2014/main" id="{5782D47D-B0DC-4C40-BCC6-BBBA32584A38}"/>
               </a:ext>
             </a:extLst>
           </p:cNvPr>
@@ -1617,7 +1630,7 @@
           <a:p>
             <a:fld id="{BAAAC38D-0552-4C82-B593-E6124DFADBE2}" type="datetime1">
               <a:rPr lang="en-US" smtClean="0"/>
-              <a:t>5/9/20</a:t>
+              <a:t>5/9/2020</a:t>
             </a:fld>
             <a:endParaRPr lang="en-US" dirty="0"/>
           </a:p>
@@ -1628,7 +1641,7 @@
           <p:cNvPr id="9" name="Footer Placeholder 8">
             <a:extLst>
               <a:ext uri="{FF2B5EF4-FFF2-40B4-BE49-F238E27FC236}">
-                <a16:creationId xmlns="" xmlns:a16="http://schemas.microsoft.com/office/drawing/2014/main" id="{4690D34E-7EBD-44B2-83CA-4C126A18D7EF}"/>
+                <a16:creationId xmlns:a16="http://schemas.microsoft.com/office/drawing/2014/main" id="{4690D34E-7EBD-44B2-83CA-4C126A18D7EF}"/>
               </a:ext>
             </a:extLst>
           </p:cNvPr>
@@ -1653,7 +1666,7 @@
           <p:cNvPr id="10" name="Slide Number Placeholder 9">
             <a:extLst>
               <a:ext uri="{FF2B5EF4-FFF2-40B4-BE49-F238E27FC236}">
-                <a16:creationId xmlns="" xmlns:a16="http://schemas.microsoft.com/office/drawing/2014/main" id="{2AC511A1-9BBD-42DE-92FB-2AF44F8E97A9}"/>
+                <a16:creationId xmlns:a16="http://schemas.microsoft.com/office/drawing/2014/main" id="{2AC511A1-9BBD-42DE-92FB-2AF44F8E97A9}"/>
               </a:ext>
             </a:extLst>
           </p:cNvPr>
@@ -1996,7 +2009,7 @@
           <p:cNvPr id="2" name="Date Placeholder 1">
             <a:extLst>
               <a:ext uri="{FF2B5EF4-FFF2-40B4-BE49-F238E27FC236}">
-                <a16:creationId xmlns="" xmlns:a16="http://schemas.microsoft.com/office/drawing/2014/main" id="{8AF8A515-AA94-45D1-9223-5C2272618D85}"/>
+                <a16:creationId xmlns:a16="http://schemas.microsoft.com/office/drawing/2014/main" id="{8AF8A515-AA94-45D1-9223-5C2272618D85}"/>
               </a:ext>
             </a:extLst>
           </p:cNvPr>
@@ -2014,7 +2027,7 @@
           <a:p>
             <a:fld id="{D9DF0F1C-5577-4ACB-BB62-DF8F3C494C7E}" type="datetime1">
               <a:rPr lang="en-US" smtClean="0"/>
-              <a:t>5/9/20</a:t>
+              <a:t>5/9/2020</a:t>
             </a:fld>
             <a:endParaRPr lang="en-US" dirty="0"/>
           </a:p>
@@ -2025,7 +2038,7 @@
           <p:cNvPr id="11" name="Footer Placeholder 10">
             <a:extLst>
               <a:ext uri="{FF2B5EF4-FFF2-40B4-BE49-F238E27FC236}">
-                <a16:creationId xmlns="" xmlns:a16="http://schemas.microsoft.com/office/drawing/2014/main" id="{D052F5BC-98E0-4D60-AD67-9547738B7DD4}"/>
+                <a16:creationId xmlns:a16="http://schemas.microsoft.com/office/drawing/2014/main" id="{D052F5BC-98E0-4D60-AD67-9547738B7DD4}"/>
               </a:ext>
             </a:extLst>
           </p:cNvPr>
@@ -2050,7 +2063,7 @@
           <p:cNvPr id="12" name="Slide Number Placeholder 11">
             <a:extLst>
               <a:ext uri="{FF2B5EF4-FFF2-40B4-BE49-F238E27FC236}">
-                <a16:creationId xmlns="" xmlns:a16="http://schemas.microsoft.com/office/drawing/2014/main" id="{A38552DC-952E-41EA-AAAF-C2187523C0B0}"/>
+                <a16:creationId xmlns:a16="http://schemas.microsoft.com/office/drawing/2014/main" id="{A38552DC-952E-41EA-AAAF-C2187523C0B0}"/>
               </a:ext>
             </a:extLst>
           </p:cNvPr>
@@ -2132,7 +2145,7 @@
           <p:cNvPr id="6" name="Date Placeholder 5">
             <a:extLst>
               <a:ext uri="{FF2B5EF4-FFF2-40B4-BE49-F238E27FC236}">
-                <a16:creationId xmlns="" xmlns:a16="http://schemas.microsoft.com/office/drawing/2014/main" id="{7392073F-158F-44A3-8913-917AFFC1BC20}"/>
+                <a16:creationId xmlns:a16="http://schemas.microsoft.com/office/drawing/2014/main" id="{7392073F-158F-44A3-8913-917AFFC1BC20}"/>
               </a:ext>
             </a:extLst>
           </p:cNvPr>
@@ -2150,7 +2163,7 @@
           <a:p>
             <a:fld id="{1775B394-D9F9-4F0C-B15D-605F45CB9E9F}" type="datetime1">
               <a:rPr lang="en-US" smtClean="0"/>
-              <a:t>5/9/20</a:t>
+              <a:t>5/9/2020</a:t>
             </a:fld>
             <a:endParaRPr lang="en-US" dirty="0"/>
           </a:p>
@@ -2161,7 +2174,7 @@
           <p:cNvPr id="7" name="Footer Placeholder 6">
             <a:extLst>
               <a:ext uri="{FF2B5EF4-FFF2-40B4-BE49-F238E27FC236}">
-                <a16:creationId xmlns="" xmlns:a16="http://schemas.microsoft.com/office/drawing/2014/main" id="{EED72207-24CA-42B7-A975-2F8E41CBA904}"/>
+                <a16:creationId xmlns:a16="http://schemas.microsoft.com/office/drawing/2014/main" id="{EED72207-24CA-42B7-A975-2F8E41CBA904}"/>
               </a:ext>
             </a:extLst>
           </p:cNvPr>
@@ -2186,7 +2199,7 @@
           <p:cNvPr id="8" name="Slide Number Placeholder 7">
             <a:extLst>
               <a:ext uri="{FF2B5EF4-FFF2-40B4-BE49-F238E27FC236}">
-                <a16:creationId xmlns="" xmlns:a16="http://schemas.microsoft.com/office/drawing/2014/main" id="{D01080F2-251A-4B88-9A62-16F46D724F83}"/>
+                <a16:creationId xmlns:a16="http://schemas.microsoft.com/office/drawing/2014/main" id="{D01080F2-251A-4B88-9A62-16F46D724F83}"/>
               </a:ext>
             </a:extLst>
           </p:cNvPr>
@@ -2245,7 +2258,7 @@
           <p:cNvPr id="10" name="Rectangle 9">
             <a:extLst>
               <a:ext uri="{FF2B5EF4-FFF2-40B4-BE49-F238E27FC236}">
-                <a16:creationId xmlns="" xmlns:a16="http://schemas.microsoft.com/office/drawing/2014/main" id="{A8E9C91B-7EAD-4562-AB0E-DFB9663AECE3}"/>
+                <a16:creationId xmlns:a16="http://schemas.microsoft.com/office/drawing/2014/main" id="{A8E9C91B-7EAD-4562-AB0E-DFB9663AECE3}"/>
               </a:ext>
             </a:extLst>
           </p:cNvPr>
@@ -2289,7 +2302,7 @@
           <p:cNvPr id="2" name="Date Placeholder 1">
             <a:extLst>
               <a:ext uri="{FF2B5EF4-FFF2-40B4-BE49-F238E27FC236}">
-                <a16:creationId xmlns="" xmlns:a16="http://schemas.microsoft.com/office/drawing/2014/main" id="{94E9223F-721F-47BF-9FD5-0F8D12FF0DE1}"/>
+                <a16:creationId xmlns:a16="http://schemas.microsoft.com/office/drawing/2014/main" id="{94E9223F-721F-47BF-9FD5-0F8D12FF0DE1}"/>
               </a:ext>
             </a:extLst>
           </p:cNvPr>
@@ -2307,7 +2320,7 @@
           <a:p>
             <a:fld id="{39667345-2558-425A-8533-9BFDBCE15005}" type="datetime1">
               <a:rPr lang="en-US" smtClean="0"/>
-              <a:t>5/9/20</a:t>
+              <a:t>5/9/2020</a:t>
             </a:fld>
             <a:endParaRPr lang="en-US" dirty="0"/>
           </a:p>
@@ -2318,7 +2331,7 @@
           <p:cNvPr id="3" name="Footer Placeholder 2">
             <a:extLst>
               <a:ext uri="{FF2B5EF4-FFF2-40B4-BE49-F238E27FC236}">
-                <a16:creationId xmlns="" xmlns:a16="http://schemas.microsoft.com/office/drawing/2014/main" id="{05915714-6BBA-4593-8591-4E26F7D58D9F}"/>
+                <a16:creationId xmlns:a16="http://schemas.microsoft.com/office/drawing/2014/main" id="{05915714-6BBA-4593-8591-4E26F7D58D9F}"/>
               </a:ext>
             </a:extLst>
           </p:cNvPr>
@@ -2343,7 +2356,7 @@
           <p:cNvPr id="4" name="Slide Number Placeholder 3">
             <a:extLst>
               <a:ext uri="{FF2B5EF4-FFF2-40B4-BE49-F238E27FC236}">
-                <a16:creationId xmlns="" xmlns:a16="http://schemas.microsoft.com/office/drawing/2014/main" id="{BE06F857-D2E1-44DD-ABDD-EBB739645B67}"/>
+                <a16:creationId xmlns:a16="http://schemas.microsoft.com/office/drawing/2014/main" id="{BE06F857-D2E1-44DD-ABDD-EBB739645B67}"/>
               </a:ext>
             </a:extLst>
           </p:cNvPr>
@@ -2402,7 +2415,7 @@
           <p:cNvPr id="8" name="Rectangle 7">
             <a:extLst>
               <a:ext uri="{FF2B5EF4-FFF2-40B4-BE49-F238E27FC236}">
-                <a16:creationId xmlns="" xmlns:a16="http://schemas.microsoft.com/office/drawing/2014/main" id="{16D90D66-BCB9-4229-A829-628874352AC0}"/>
+                <a16:creationId xmlns:a16="http://schemas.microsoft.com/office/drawing/2014/main" id="{16D90D66-BCB9-4229-A829-628874352AC0}"/>
               </a:ext>
             </a:extLst>
           </p:cNvPr>
@@ -2636,7 +2649,7 @@
           <a:p>
             <a:fld id="{92BEA474-078D-4E9B-9B14-09A87B19DC46}" type="datetime1">
               <a:rPr lang="en-US" smtClean="0"/>
-              <a:t>5/9/20</a:t>
+              <a:t>5/9/2020</a:t>
             </a:fld>
             <a:endParaRPr lang="en-US" dirty="0"/>
           </a:p>
@@ -2741,7 +2754,7 @@
           <p:cNvPr id="8" name="Rectangle 7">
             <a:extLst>
               <a:ext uri="{FF2B5EF4-FFF2-40B4-BE49-F238E27FC236}">
-                <a16:creationId xmlns="" xmlns:a16="http://schemas.microsoft.com/office/drawing/2014/main" id="{DA134939-39C0-4522-A125-A13DFDA66490}"/>
+                <a16:creationId xmlns:a16="http://schemas.microsoft.com/office/drawing/2014/main" id="{DA134939-39C0-4522-A125-A13DFDA66490}"/>
               </a:ext>
             </a:extLst>
           </p:cNvPr>
@@ -2986,7 +2999,7 @@
           <a:p>
             <a:fld id="{4907D986-8816-4272-A432-0437A28A9828}" type="datetime1">
               <a:rPr lang="en-US" smtClean="0"/>
-              <a:t>5/9/20</a:t>
+              <a:t>5/9/2020</a:t>
             </a:fld>
             <a:endParaRPr lang="en-US" dirty="0"/>
           </a:p>
@@ -3080,7 +3093,7 @@
           <p:cNvPr id="7" name="Rectangle 6">
             <a:extLst>
               <a:ext uri="{FF2B5EF4-FFF2-40B4-BE49-F238E27FC236}">
-                <a16:creationId xmlns="" xmlns:a16="http://schemas.microsoft.com/office/drawing/2014/main" id="{416A0E3C-60E6-4F39-BC55-5F7C224E1F7C}"/>
+                <a16:creationId xmlns:a16="http://schemas.microsoft.com/office/drawing/2014/main" id="{416A0E3C-60E6-4F39-BC55-5F7C224E1F7C}"/>
               </a:ext>
             </a:extLst>
           </p:cNvPr>
@@ -3247,7 +3260,7 @@
           <a:p>
             <a:fld id="{62D6E202-B606-4609-B914-27C9371A1F6D}" type="datetime1">
               <a:rPr lang="en-US" smtClean="0"/>
-              <a:t>5/9/20</a:t>
+              <a:t>5/9/2020</a:t>
             </a:fld>
             <a:endParaRPr lang="en-US" dirty="0"/>
           </a:p>
@@ -3332,7 +3345,7 @@
           <p:cNvPr id="10" name="Straight Connector 9">
             <a:extLst>
               <a:ext uri="{FF2B5EF4-FFF2-40B4-BE49-F238E27FC236}">
-                <a16:creationId xmlns="" xmlns:a16="http://schemas.microsoft.com/office/drawing/2014/main" id="{C5025DAC-8B93-4160-B017-3A274A5828C0}"/>
+                <a16:creationId xmlns:a16="http://schemas.microsoft.com/office/drawing/2014/main" id="{C5025DAC-8B93-4160-B017-3A274A5828C0}"/>
               </a:ext>
             </a:extLst>
           </p:cNvPr>
@@ -3783,10 +3796,10 @@
           <p:cNvPr id="22" name="Rectangle 21">
             <a:extLst>
               <a:ext uri="{FF2B5EF4-FFF2-40B4-BE49-F238E27FC236}">
-                <a16:creationId xmlns="" xmlns:a16="http://schemas.microsoft.com/office/drawing/2014/main" id="{A9286AD2-18A9-4868-A4E3-7A2097A20810}"/>
+                <a16:creationId xmlns:a16="http://schemas.microsoft.com/office/drawing/2014/main" id="{A9286AD2-18A9-4868-A4E3-7A2097A20810}"/>
               </a:ext>
               <a:ext uri="{C183D7F6-B498-43B3-948B-1728B52AA6E4}">
-                <adec:decorative xmlns="" xmlns:adec="http://schemas.microsoft.com/office/drawing/2017/decorative" val="1"/>
+                <adec:decorative xmlns:adec="http://schemas.microsoft.com/office/drawing/2017/decorative" val="1"/>
               </a:ext>
             </a:extLst>
           </p:cNvPr>
@@ -3796,7 +3809,7 @@
           <p:nvPr>
             <p:extLst>
               <p:ext uri="{386F3935-93C4-4BCD-93E2-E3B085C9AB24}">
-                <p16:designElem xmlns="" xmlns:p16="http://schemas.microsoft.com/office/powerpoint/2015/main" val="1"/>
+                <p16:designElem xmlns:p16="http://schemas.microsoft.com/office/powerpoint/2015/main" val="1"/>
               </p:ext>
             </p:extLst>
           </p:nvPr>
@@ -3843,7 +3856,7 @@
           <p:cNvPr id="2" name="Title 1">
             <a:extLst>
               <a:ext uri="{FF2B5EF4-FFF2-40B4-BE49-F238E27FC236}">
-                <a16:creationId xmlns="" xmlns:a16="http://schemas.microsoft.com/office/drawing/2014/main" id="{78FD68DA-43BA-4508-8DE2-BA9BB7B2FA5B}"/>
+                <a16:creationId xmlns:a16="http://schemas.microsoft.com/office/drawing/2014/main" id="{78FD68DA-43BA-4508-8DE2-BA9BB7B2FA5B}"/>
               </a:ext>
             </a:extLst>
           </p:cNvPr>
@@ -3879,7 +3892,7 @@
           <p:cNvPr id="3" name="Subtitle 2">
             <a:extLst>
               <a:ext uri="{FF2B5EF4-FFF2-40B4-BE49-F238E27FC236}">
-                <a16:creationId xmlns="" xmlns:a16="http://schemas.microsoft.com/office/drawing/2014/main" id="{A8E9CFF2-3777-4FF4-A759-8491175B0B7C}"/>
+                <a16:creationId xmlns:a16="http://schemas.microsoft.com/office/drawing/2014/main" id="{A8E9CFF2-3777-4FF4-A759-8491175B0B7C}"/>
               </a:ext>
             </a:extLst>
           </p:cNvPr>
@@ -3957,29 +3970,7 @@
                   </a:schemeClr>
                 </a:solidFill>
               </a:rPr>
-              <a:t> |</a:t>
-            </a:r>
-            <a:r>
-              <a:rPr lang="en-US" sz="1600" dirty="0" smtClean="0">
-                <a:solidFill>
-                  <a:schemeClr val="tx1">
-                    <a:lumMod val="85000"/>
-                    <a:lumOff val="15000"/>
-                  </a:schemeClr>
-                </a:solidFill>
-              </a:rPr>
-              <a:t> </a:t>
-            </a:r>
-            <a:r>
-              <a:rPr lang="en-US" sz="1600" dirty="0">
-                <a:solidFill>
-                  <a:schemeClr val="tx1">
-                    <a:lumMod val="85000"/>
-                    <a:lumOff val="15000"/>
-                  </a:schemeClr>
-                </a:solidFill>
-              </a:rPr>
-              <a:t>prerna </a:t>
+              <a:t> | prerna </a:t>
             </a:r>
             <a:r>
               <a:rPr lang="en-US" sz="1600" dirty="0" err="1">
@@ -4001,29 +3992,7 @@
                   </a:schemeClr>
                 </a:solidFill>
               </a:rPr>
-              <a:t> </a:t>
-            </a:r>
-            <a:r>
-              <a:rPr lang="en-US" sz="1600" dirty="0" smtClean="0">
-                <a:solidFill>
-                  <a:schemeClr val="tx1">
-                    <a:lumMod val="85000"/>
-                    <a:lumOff val="15000"/>
-                  </a:schemeClr>
-                </a:solidFill>
-              </a:rPr>
-              <a:t>| </a:t>
-            </a:r>
-            <a:r>
-              <a:rPr lang="en-US" sz="1600" dirty="0">
-                <a:solidFill>
-                  <a:schemeClr val="tx1">
-                    <a:lumMod val="85000"/>
-                    <a:lumOff val="15000"/>
-                  </a:schemeClr>
-                </a:solidFill>
-              </a:rPr>
-              <a:t>Fernando </a:t>
+              <a:t> | Fernando </a:t>
             </a:r>
             <a:r>
               <a:rPr lang="en-US" sz="1600" dirty="0" err="1">
@@ -4052,7 +4021,7 @@
           <p:cNvPr id="5" name="Picture 4" descr="A picture containing building, sitting, bench, side&#10;&#10;Description automatically generated">
             <a:extLst>
               <a:ext uri="{FF2B5EF4-FFF2-40B4-BE49-F238E27FC236}">
-                <a16:creationId xmlns="" xmlns:a16="http://schemas.microsoft.com/office/drawing/2014/main" id="{282CF6DD-7FE8-4063-9551-1B7BBCE92ABE}"/>
+                <a16:creationId xmlns:a16="http://schemas.microsoft.com/office/drawing/2014/main" id="{282CF6DD-7FE8-4063-9551-1B7BBCE92ABE}"/>
               </a:ext>
             </a:extLst>
           </p:cNvPr>
@@ -4087,10 +4056,10 @@
           <p:cNvPr id="24" name="Straight Connector 23">
             <a:extLst>
               <a:ext uri="{FF2B5EF4-FFF2-40B4-BE49-F238E27FC236}">
-                <a16:creationId xmlns="" xmlns:a16="http://schemas.microsoft.com/office/drawing/2014/main" id="{E7A7CD63-7EC3-44F3-95D0-595C4019FF24}"/>
+                <a16:creationId xmlns:a16="http://schemas.microsoft.com/office/drawing/2014/main" id="{E7A7CD63-7EC3-44F3-95D0-595C4019FF24}"/>
               </a:ext>
               <a:ext uri="{C183D7F6-B498-43B3-948B-1728B52AA6E4}">
-                <adec:decorative xmlns="" xmlns:adec="http://schemas.microsoft.com/office/drawing/2017/decorative" val="1"/>
+                <adec:decorative xmlns:adec="http://schemas.microsoft.com/office/drawing/2017/decorative" val="1"/>
               </a:ext>
             </a:extLst>
           </p:cNvPr>
@@ -4100,7 +4069,7 @@
           <p:nvPr>
             <p:extLst>
               <p:ext uri="{386F3935-93C4-4BCD-93E2-E3B085C9AB24}">
-                <p16:designElem xmlns="" xmlns:p16="http://schemas.microsoft.com/office/powerpoint/2015/main" val="1"/>
+                <p16:designElem xmlns:p16="http://schemas.microsoft.com/office/powerpoint/2015/main" val="1"/>
               </p:ext>
             </p:extLst>
           </p:nvPr>
@@ -4177,20 +4146,20 @@
             <p:ph type="title"/>
           </p:nvPr>
         </p:nvSpPr>
-        <p:spPr/>
+        <p:spPr>
+          <a:xfrm>
+            <a:off x="1097280" y="286603"/>
+            <a:ext cx="10058400" cy="856397"/>
+          </a:xfrm>
+        </p:spPr>
         <p:txBody>
           <a:bodyPr/>
           <a:lstStyle/>
           <a:p>
             <a:r>
               <a:rPr lang="en-US" dirty="0"/>
-              <a:t>Our </a:t>
-            </a:r>
-            <a:r>
-              <a:rPr lang="en-US" dirty="0" smtClean="0"/>
-              <a:t>Research (scores)</a:t>
-            </a:r>
-            <a:endParaRPr lang="en-US" dirty="0"/>
+              <a:t>Our Results (scores)</a:t>
+            </a:r>
           </a:p>
         </p:txBody>
       </p:sp>
@@ -4204,14 +4173,14 @@
             <p:ph idx="1"/>
             <p:extLst>
               <p:ext uri="{D42A27DB-BD31-4B8C-83A1-F6EECF244321}">
-                <p14:modId xmlns:p14="http://schemas.microsoft.com/office/powerpoint/2010/main" val="251890502"/>
+                <p14:modId xmlns:p14="http://schemas.microsoft.com/office/powerpoint/2010/main" val="2007036793"/>
               </p:ext>
             </p:extLst>
           </p:nvPr>
         </p:nvGraphicFramePr>
         <p:xfrm>
-          <a:off x="1096963" y="2108200"/>
-          <a:ext cx="10058400" cy="2225040"/>
+          <a:off x="955040" y="1991360"/>
+          <a:ext cx="10246360" cy="4543723"/>
         </p:xfrm>
         <a:graphic>
           <a:graphicData uri="http://schemas.openxmlformats.org/drawingml/2006/table">
@@ -4220,65 +4189,456 @@
                 <a:tableStyleId>{5C22544A-7EE6-4342-B048-85BDC9FD1C3A}</a:tableStyleId>
               </a:tblPr>
               <a:tblGrid>
-                <a:gridCol w="1798334"/>
-                <a:gridCol w="1711347"/>
-                <a:gridCol w="2525359"/>
-                <a:gridCol w="2011680"/>
-                <a:gridCol w="2011680"/>
+                <a:gridCol w="2210244">
+                  <a:extLst>
+                    <a:ext uri="{9D8B030D-6E8A-4147-A177-3AD203B41FA5}">
+                      <a16:colId xmlns:a16="http://schemas.microsoft.com/office/drawing/2014/main" val="20000"/>
+                    </a:ext>
+                  </a:extLst>
+                </a:gridCol>
+                <a:gridCol w="1142556">
+                  <a:extLst>
+                    <a:ext uri="{9D8B030D-6E8A-4147-A177-3AD203B41FA5}">
+                      <a16:colId xmlns:a16="http://schemas.microsoft.com/office/drawing/2014/main" val="20001"/>
+                    </a:ext>
+                  </a:extLst>
+                </a:gridCol>
+                <a:gridCol w="1818640">
+                  <a:extLst>
+                    <a:ext uri="{9D8B030D-6E8A-4147-A177-3AD203B41FA5}">
+                      <a16:colId xmlns:a16="http://schemas.microsoft.com/office/drawing/2014/main" val="20002"/>
+                    </a:ext>
+                  </a:extLst>
+                </a:gridCol>
+                <a:gridCol w="5074920">
+                  <a:extLst>
+                    <a:ext uri="{9D8B030D-6E8A-4147-A177-3AD203B41FA5}">
+                      <a16:colId xmlns:a16="http://schemas.microsoft.com/office/drawing/2014/main" val="2436690740"/>
+                    </a:ext>
+                  </a:extLst>
+                </a:gridCol>
               </a:tblGrid>
-              <a:tr h="370840">
+              <a:tr h="569245">
                 <a:tc>
                   <a:txBody>
                     <a:bodyPr/>
                     <a:lstStyle/>
                     <a:p>
                       <a:r>
-                        <a:rPr lang="en-US" dirty="0" smtClean="0"/>
+                        <a:rPr lang="en-US" dirty="0"/>
                         <a:t>SOTA</a:t>
                       </a:r>
+                    </a:p>
+                  </a:txBody>
+                  <a:tcPr/>
+                </a:tc>
+                <a:tc>
+                  <a:txBody>
+                    <a:bodyPr/>
+                    <a:lstStyle/>
+                    <a:p>
+                      <a:r>
+                        <a:rPr lang="en-US" dirty="0"/>
+                        <a:t>Type</a:t>
+                      </a:r>
+                    </a:p>
+                  </a:txBody>
+                  <a:tcPr/>
+                </a:tc>
+                <a:tc>
+                  <a:txBody>
+                    <a:bodyPr/>
+                    <a:lstStyle/>
+                    <a:p>
+                      <a:r>
+                        <a:rPr lang="en-US" dirty="0"/>
+                        <a:t>Transformer</a:t>
+                      </a:r>
+                    </a:p>
+                  </a:txBody>
+                  <a:tcPr/>
+                </a:tc>
+                <a:tc>
+                  <a:txBody>
+                    <a:bodyPr/>
+                    <a:lstStyle/>
+                    <a:p>
+                      <a:r>
+                        <a:rPr lang="en-US" dirty="0"/>
+                        <a:t>Steps</a:t>
+                      </a:r>
+                    </a:p>
+                  </a:txBody>
+                  <a:tcPr/>
+                </a:tc>
+                <a:extLst>
+                  <a:ext uri="{0D108BD9-81ED-4DB2-BD59-A6C34878D82A}">
+                    <a16:rowId xmlns:a16="http://schemas.microsoft.com/office/drawing/2014/main" val="10000"/>
+                  </a:ext>
+                </a:extLst>
+              </a:tr>
+              <a:tr h="752799">
+                <a:tc rowSpan="3">
+                  <a:txBody>
+                    <a:bodyPr/>
+                    <a:lstStyle/>
+                    <a:p>
+                      <a:r>
+                        <a:rPr lang="en-US" sz="1200" dirty="0" err="1"/>
+                        <a:t>PreSumm</a:t>
+                      </a:r>
+                      <a:endParaRPr lang="en-US" sz="1200" dirty="0"/>
+                    </a:p>
+                  </a:txBody>
+                  <a:tcPr anchor="ctr"/>
+                </a:tc>
+                <a:tc>
+                  <a:txBody>
+                    <a:bodyPr/>
+                    <a:lstStyle/>
+                    <a:p>
+                      <a:r>
+                        <a:rPr lang="en-US" sz="1200" dirty="0"/>
+                        <a:t>Extractive</a:t>
+                      </a:r>
+                    </a:p>
+                  </a:txBody>
+                  <a:tcPr/>
+                </a:tc>
+                <a:tc>
+                  <a:txBody>
+                    <a:bodyPr/>
+                    <a:lstStyle/>
+                    <a:p>
+                      <a:r>
+                        <a:rPr lang="en-US" sz="1200" dirty="0"/>
+                        <a:t>BERT</a:t>
+                      </a:r>
+                    </a:p>
+                  </a:txBody>
+                  <a:tcPr/>
+                </a:tc>
+                <a:tc>
+                  <a:txBody>
+                    <a:bodyPr/>
+                    <a:lstStyle/>
+                    <a:p>
+                      <a:pPr marL="228600" indent="-228600">
+                        <a:buAutoNum type="arabicParenR"/>
+                      </a:pPr>
+                      <a:r>
+                        <a:rPr lang="en-US" sz="1200" dirty="0"/>
+                        <a:t>Use the pretrained model with our dataset and get the ROUGE metrics</a:t>
+                      </a:r>
+                    </a:p>
+                    <a:p>
+                      <a:pPr marL="228600" indent="-228600">
+                        <a:buAutoNum type="arabicParenR"/>
+                      </a:pPr>
+                      <a:r>
+                        <a:rPr lang="en-US" sz="1200" dirty="0"/>
+                        <a:t>Train the model with our dataset </a:t>
+                      </a:r>
+                    </a:p>
+                    <a:p>
+                      <a:pPr marL="228600" indent="-228600">
+                        <a:buAutoNum type="arabicParenR"/>
+                      </a:pPr>
+                      <a:r>
+                        <a:rPr lang="en-US" sz="1200" dirty="0"/>
+                        <a:t>Use the trained model to get the ROUGE metrics</a:t>
+                      </a:r>
+                    </a:p>
+                    <a:p>
+                      <a:pPr marL="228600" indent="-228600">
+                        <a:buAutoNum type="arabicParenR"/>
+                      </a:pPr>
+                      <a:r>
+                        <a:rPr lang="en-US" sz="1200" dirty="0"/>
+                        <a:t>Compare the two outputs</a:t>
+                      </a:r>
+                    </a:p>
+                  </a:txBody>
+                  <a:tcPr/>
+                </a:tc>
+                <a:extLst>
+                  <a:ext uri="{0D108BD9-81ED-4DB2-BD59-A6C34878D82A}">
+                    <a16:rowId xmlns:a16="http://schemas.microsoft.com/office/drawing/2014/main" val="10001"/>
+                  </a:ext>
+                </a:extLst>
+              </a:tr>
+              <a:tr h="752799">
+                <a:tc vMerge="1">
+                  <a:txBody>
+                    <a:bodyPr/>
+                    <a:lstStyle/>
+                    <a:p>
                       <a:endParaRPr lang="en-US" dirty="0"/>
                     </a:p>
                   </a:txBody>
                   <a:tcPr/>
                 </a:tc>
+                <a:tc rowSpan="2">
+                  <a:txBody>
+                    <a:bodyPr/>
+                    <a:lstStyle/>
+                    <a:p>
+                      <a:r>
+                        <a:rPr lang="en-US" sz="1200" dirty="0"/>
+                        <a:t>Abstractive</a:t>
+                      </a:r>
+                    </a:p>
+                  </a:txBody>
+                  <a:tcPr anchor="ctr"/>
+                </a:tc>
                 <a:tc>
                   <a:txBody>
                     <a:bodyPr/>
                     <a:lstStyle/>
                     <a:p>
                       <a:r>
-                        <a:rPr lang="en-US" dirty="0" smtClean="0"/>
-                        <a:t>Type</a:t>
-                      </a:r>
+                        <a:rPr lang="en-US" sz="1200" dirty="0"/>
+                        <a:t>Baseline Transformer</a:t>
+                      </a:r>
+                    </a:p>
+                  </a:txBody>
+                  <a:tcPr/>
+                </a:tc>
+                <a:tc>
+                  <a:txBody>
+                    <a:bodyPr/>
+                    <a:lstStyle/>
+                    <a:p>
+                      <a:pPr marL="228600" indent="-228600">
+                        <a:buAutoNum type="arabicParenR"/>
+                      </a:pPr>
+                      <a:r>
+                        <a:rPr lang="en-US" sz="1200" dirty="0"/>
+                        <a:t>Use the pretrained model with our dataset and get the ROUGE metrics</a:t>
+                      </a:r>
+                    </a:p>
+                    <a:p>
+                      <a:pPr marL="228600" indent="-228600">
+                        <a:buAutoNum type="arabicParenR"/>
+                      </a:pPr>
+                      <a:r>
+                        <a:rPr lang="en-US" sz="1200" dirty="0"/>
+                        <a:t>Train the model with our dataset </a:t>
+                      </a:r>
+                    </a:p>
+                    <a:p>
+                      <a:pPr marL="228600" indent="-228600">
+                        <a:buAutoNum type="arabicParenR"/>
+                      </a:pPr>
+                      <a:r>
+                        <a:rPr lang="en-US" sz="1200" dirty="0"/>
+                        <a:t>Use the trained model to get the ROUGE metrics</a:t>
+                      </a:r>
+                    </a:p>
+                    <a:p>
+                      <a:pPr marL="228600" indent="-228600">
+                        <a:buAutoNum type="arabicParenR"/>
+                      </a:pPr>
+                      <a:r>
+                        <a:rPr lang="en-US" sz="1200" dirty="0"/>
+                        <a:t>Compare the two outputs</a:t>
+                      </a:r>
+                    </a:p>
+                  </a:txBody>
+                  <a:tcPr/>
+                </a:tc>
+                <a:extLst>
+                  <a:ext uri="{0D108BD9-81ED-4DB2-BD59-A6C34878D82A}">
+                    <a16:rowId xmlns:a16="http://schemas.microsoft.com/office/drawing/2014/main" val="10002"/>
+                  </a:ext>
+                </a:extLst>
+              </a:tr>
+              <a:tr h="752799">
+                <a:tc vMerge="1">
+                  <a:txBody>
+                    <a:bodyPr/>
+                    <a:lstStyle/>
+                    <a:p>
                       <a:endParaRPr lang="en-US" dirty="0"/>
                     </a:p>
                   </a:txBody>
                   <a:tcPr/>
                 </a:tc>
+                <a:tc vMerge="1">
+                  <a:txBody>
+                    <a:bodyPr/>
+                    <a:lstStyle/>
+                    <a:p>
+                      <a:endParaRPr lang="en-US" dirty="0"/>
+                    </a:p>
+                  </a:txBody>
+                  <a:tcPr/>
+                </a:tc>
                 <a:tc>
                   <a:txBody>
                     <a:bodyPr/>
                     <a:lstStyle/>
                     <a:p>
                       <a:r>
-                        <a:rPr lang="en-US" dirty="0" smtClean="0"/>
-                        <a:t>Transformer</a:t>
-                      </a:r>
+                        <a:rPr lang="en-US" sz="1200" dirty="0"/>
+                        <a:t>BERT</a:t>
+                      </a:r>
+                    </a:p>
+                  </a:txBody>
+                  <a:tcPr/>
+                </a:tc>
+                <a:tc>
+                  <a:txBody>
+                    <a:bodyPr/>
+                    <a:lstStyle/>
+                    <a:p>
+                      <a:pPr marL="228600" indent="-228600">
+                        <a:buAutoNum type="arabicParenR"/>
+                      </a:pPr>
+                      <a:r>
+                        <a:rPr lang="en-US" sz="1200" dirty="0"/>
+                        <a:t>Use the pretrained model with our dataset and get the ROUGE metrics</a:t>
+                      </a:r>
+                    </a:p>
+                    <a:p>
+                      <a:pPr marL="228600" indent="-228600">
+                        <a:buAutoNum type="arabicParenR"/>
+                      </a:pPr>
+                      <a:r>
+                        <a:rPr lang="en-US" sz="1200" dirty="0"/>
+                        <a:t>Train the model with our dataset </a:t>
+                      </a:r>
+                    </a:p>
+                    <a:p>
+                      <a:pPr marL="228600" indent="-228600">
+                        <a:buAutoNum type="arabicParenR"/>
+                      </a:pPr>
+                      <a:r>
+                        <a:rPr lang="en-US" sz="1200" dirty="0"/>
+                        <a:t>Use the trained model to get the ROUGE metrics</a:t>
+                      </a:r>
+                    </a:p>
+                    <a:p>
+                      <a:pPr marL="228600" indent="-228600">
+                        <a:buAutoNum type="arabicParenR"/>
+                      </a:pPr>
+                      <a:r>
+                        <a:rPr lang="en-US" sz="1200" dirty="0"/>
+                        <a:t>Compare the two outputs</a:t>
+                      </a:r>
+                    </a:p>
+                  </a:txBody>
+                  <a:tcPr/>
+                </a:tc>
+                <a:extLst>
+                  <a:ext uri="{0D108BD9-81ED-4DB2-BD59-A6C34878D82A}">
+                    <a16:rowId xmlns:a16="http://schemas.microsoft.com/office/drawing/2014/main" val="10003"/>
+                  </a:ext>
+                </a:extLst>
+              </a:tr>
+              <a:tr h="752799">
+                <a:tc rowSpan="2">
+                  <a:txBody>
+                    <a:bodyPr/>
+                    <a:lstStyle/>
+                    <a:p>
+                      <a:r>
+                        <a:rPr lang="en-US" sz="1200" dirty="0" err="1"/>
+                        <a:t>MatchSum</a:t>
+                      </a:r>
+                      <a:endParaRPr lang="en-US" sz="1200" dirty="0"/>
+                    </a:p>
+                  </a:txBody>
+                  <a:tcPr anchor="ctr"/>
+                </a:tc>
+                <a:tc rowSpan="2">
+                  <a:txBody>
+                    <a:bodyPr/>
+                    <a:lstStyle/>
+                    <a:p>
+                      <a:r>
+                        <a:rPr lang="en-US" sz="1200" dirty="0"/>
+                        <a:t>Extractive</a:t>
+                      </a:r>
+                    </a:p>
+                  </a:txBody>
+                  <a:tcPr anchor="ctr"/>
+                </a:tc>
+                <a:tc>
+                  <a:txBody>
+                    <a:bodyPr/>
+                    <a:lstStyle/>
+                    <a:p>
+                      <a:r>
+                        <a:rPr lang="en-US" sz="1200" dirty="0"/>
+                        <a:t>BERT</a:t>
+                      </a:r>
+                    </a:p>
+                  </a:txBody>
+                  <a:tcPr/>
+                </a:tc>
+                <a:tc>
+                  <a:txBody>
+                    <a:bodyPr/>
+                    <a:lstStyle/>
+                    <a:p>
+                      <a:pPr marL="228600" indent="-228600">
+                        <a:buAutoNum type="arabicParenR"/>
+                      </a:pPr>
+                      <a:r>
+                        <a:rPr lang="en-US" sz="1200" dirty="0"/>
+                        <a:t>Train the model with our dataset </a:t>
+                      </a:r>
+                    </a:p>
+                    <a:p>
+                      <a:pPr marL="228600" indent="-228600">
+                        <a:buAutoNum type="arabicParenR"/>
+                      </a:pPr>
+                      <a:r>
+                        <a:rPr lang="en-US" sz="1200" dirty="0"/>
+                        <a:t>Use the trained model to get the ROUGE metrics</a:t>
+                      </a:r>
+                    </a:p>
+                  </a:txBody>
+                  <a:tcPr/>
+                </a:tc>
+                <a:extLst>
+                  <a:ext uri="{0D108BD9-81ED-4DB2-BD59-A6C34878D82A}">
+                    <a16:rowId xmlns:a16="http://schemas.microsoft.com/office/drawing/2014/main" val="10004"/>
+                  </a:ext>
+                </a:extLst>
+              </a:tr>
+              <a:tr h="752799">
+                <a:tc vMerge="1">
+                  <a:txBody>
+                    <a:bodyPr/>
+                    <a:lstStyle/>
+                    <a:p>
                       <a:endParaRPr lang="en-US" dirty="0"/>
                     </a:p>
                   </a:txBody>
                   <a:tcPr/>
                 </a:tc>
+                <a:tc vMerge="1">
+                  <a:txBody>
+                    <a:bodyPr/>
+                    <a:lstStyle/>
+                    <a:p>
+                      <a:endParaRPr lang="en-US" dirty="0"/>
+                    </a:p>
+                  </a:txBody>
+                  <a:tcPr/>
+                </a:tc>
                 <a:tc>
                   <a:txBody>
                     <a:bodyPr/>
                     <a:lstStyle/>
                     <a:p>
                       <a:r>
-                        <a:rPr lang="en-US" dirty="0" smtClean="0"/>
-                        <a:t>Pre-trained</a:t>
-                      </a:r>
-                      <a:endParaRPr lang="en-US" dirty="0"/>
+                        <a:rPr lang="en-US" sz="1200" dirty="0" err="1"/>
+                        <a:t>RoBERTa</a:t>
+                      </a:r>
+                      <a:endParaRPr lang="en-US" sz="1200" dirty="0"/>
                     </a:p>
                   </a:txBody>
                   <a:tcPr/>
@@ -4288,315 +4648,34 @@
                     <a:bodyPr/>
                     <a:lstStyle/>
                     <a:p>
-                      <a:r>
-                        <a:rPr lang="en-US" dirty="0" smtClean="0"/>
-                        <a:t>Trained</a:t>
-                      </a:r>
-                      <a:endParaRPr lang="en-US" dirty="0"/>
-                    </a:p>
-                  </a:txBody>
-                  <a:tcPr/>
-                </a:tc>
-              </a:tr>
-              <a:tr h="370840">
-                <a:tc rowSpan="3">
-                  <a:txBody>
-                    <a:bodyPr/>
-                    <a:lstStyle/>
-                    <a:p>
-                      <a:r>
-                        <a:rPr lang="en-US" dirty="0" err="1" smtClean="0"/>
-                        <a:t>PreSumm</a:t>
-                      </a:r>
-                      <a:endParaRPr lang="en-US" dirty="0"/>
-                    </a:p>
-                  </a:txBody>
-                  <a:tcPr anchor="ctr"/>
-                </a:tc>
-                <a:tc>
-                  <a:txBody>
-                    <a:bodyPr/>
-                    <a:lstStyle/>
-                    <a:p>
-                      <a:r>
-                        <a:rPr lang="en-US" dirty="0" smtClean="0"/>
-                        <a:t>Extractive</a:t>
-                      </a:r>
-                      <a:endParaRPr lang="en-US" dirty="0"/>
-                    </a:p>
-                  </a:txBody>
-                  <a:tcPr/>
-                </a:tc>
-                <a:tc>
-                  <a:txBody>
-                    <a:bodyPr/>
-                    <a:lstStyle/>
-                    <a:p>
-                      <a:r>
-                        <a:rPr lang="en-US" dirty="0" smtClean="0"/>
-                        <a:t>Bert</a:t>
-                      </a:r>
-                      <a:endParaRPr lang="en-US" dirty="0"/>
-                    </a:p>
-                  </a:txBody>
-                  <a:tcPr/>
-                </a:tc>
-                <a:tc>
-                  <a:txBody>
-                    <a:bodyPr/>
-                    <a:lstStyle/>
-                    <a:p>
-                      <a:endParaRPr lang="en-US" dirty="0"/>
-                    </a:p>
-                  </a:txBody>
-                  <a:tcPr/>
-                </a:tc>
-                <a:tc>
-                  <a:txBody>
-                    <a:bodyPr/>
-                    <a:lstStyle/>
-                    <a:p>
-                      <a:endParaRPr lang="en-US"/>
-                    </a:p>
-                  </a:txBody>
-                  <a:tcPr/>
-                </a:tc>
-              </a:tr>
-              <a:tr h="370840">
-                <a:tc vMerge="1">
-                  <a:txBody>
-                    <a:bodyPr/>
-                    <a:lstStyle/>
-                    <a:p>
-                      <a:endParaRPr lang="en-US" dirty="0"/>
-                    </a:p>
-                  </a:txBody>
-                  <a:tcPr/>
-                </a:tc>
-                <a:tc rowSpan="2">
-                  <a:txBody>
-                    <a:bodyPr/>
-                    <a:lstStyle/>
-                    <a:p>
-                      <a:r>
-                        <a:rPr lang="en-US" dirty="0" smtClean="0"/>
-                        <a:t>Abstractive</a:t>
-                      </a:r>
-                      <a:endParaRPr lang="en-US" dirty="0"/>
-                    </a:p>
-                  </a:txBody>
-                  <a:tcPr anchor="ctr"/>
-                </a:tc>
-                <a:tc>
-                  <a:txBody>
-                    <a:bodyPr/>
-                    <a:lstStyle/>
-                    <a:p>
-                      <a:r>
-                        <a:rPr lang="en-US" dirty="0" smtClean="0"/>
-                        <a:t>Baseline Transformer</a:t>
-                      </a:r>
-                      <a:endParaRPr lang="en-US" dirty="0"/>
-                    </a:p>
-                  </a:txBody>
-                  <a:tcPr/>
-                </a:tc>
-                <a:tc>
-                  <a:txBody>
-                    <a:bodyPr/>
-                    <a:lstStyle/>
-                    <a:p>
-                      <a:endParaRPr lang="en-US"/>
-                    </a:p>
-                  </a:txBody>
-                  <a:tcPr/>
-                </a:tc>
-                <a:tc>
-                  <a:txBody>
-                    <a:bodyPr/>
-                    <a:lstStyle/>
-                    <a:p>
-                      <a:endParaRPr lang="en-US" dirty="0"/>
-                    </a:p>
-                  </a:txBody>
-                  <a:tcPr/>
-                </a:tc>
-              </a:tr>
-              <a:tr h="370840">
-                <a:tc vMerge="1">
-                  <a:txBody>
-                    <a:bodyPr/>
-                    <a:lstStyle/>
-                    <a:p>
-                      <a:endParaRPr lang="en-US" dirty="0"/>
-                    </a:p>
-                  </a:txBody>
-                  <a:tcPr/>
-                </a:tc>
-                <a:tc vMerge="1">
-                  <a:txBody>
-                    <a:bodyPr/>
-                    <a:lstStyle/>
-                    <a:p>
-                      <a:endParaRPr lang="en-US" dirty="0"/>
-                    </a:p>
-                  </a:txBody>
-                  <a:tcPr/>
-                </a:tc>
-                <a:tc>
-                  <a:txBody>
-                    <a:bodyPr/>
-                    <a:lstStyle/>
-                    <a:p>
-                      <a:r>
-                        <a:rPr lang="en-US" dirty="0" smtClean="0"/>
-                        <a:t>Bert</a:t>
-                      </a:r>
-                      <a:endParaRPr lang="en-US" dirty="0"/>
-                    </a:p>
-                  </a:txBody>
-                  <a:tcPr/>
-                </a:tc>
-                <a:tc>
-                  <a:txBody>
-                    <a:bodyPr/>
-                    <a:lstStyle/>
-                    <a:p>
-                      <a:endParaRPr lang="en-US"/>
-                    </a:p>
-                  </a:txBody>
-                  <a:tcPr/>
-                </a:tc>
-                <a:tc>
-                  <a:txBody>
-                    <a:bodyPr/>
-                    <a:lstStyle/>
-                    <a:p>
-                      <a:endParaRPr lang="en-US"/>
-                    </a:p>
-                  </a:txBody>
-                  <a:tcPr/>
-                </a:tc>
-              </a:tr>
-              <a:tr h="370840">
-                <a:tc rowSpan="2">
-                  <a:txBody>
-                    <a:bodyPr/>
-                    <a:lstStyle/>
-                    <a:p>
-                      <a:r>
-                        <a:rPr lang="en-US" dirty="0" err="1" smtClean="0"/>
-                        <a:t>MatchSum</a:t>
-                      </a:r>
-                      <a:endParaRPr lang="en-US" dirty="0"/>
-                    </a:p>
-                  </a:txBody>
-                  <a:tcPr anchor="ctr"/>
-                </a:tc>
-                <a:tc rowSpan="2">
-                  <a:txBody>
-                    <a:bodyPr/>
-                    <a:lstStyle/>
-                    <a:p>
-                      <a:r>
-                        <a:rPr lang="en-US" dirty="0" smtClean="0"/>
-                        <a:t>Extractive</a:t>
-                      </a:r>
-                      <a:endParaRPr lang="en-US" dirty="0"/>
-                    </a:p>
-                  </a:txBody>
-                  <a:tcPr anchor="ctr"/>
-                </a:tc>
-                <a:tc>
-                  <a:txBody>
-                    <a:bodyPr/>
-                    <a:lstStyle/>
-                    <a:p>
-                      <a:r>
-                        <a:rPr lang="en-US" dirty="0" smtClean="0"/>
-                        <a:t>Bert</a:t>
-                      </a:r>
-                      <a:endParaRPr lang="en-US" dirty="0"/>
-                    </a:p>
-                  </a:txBody>
-                  <a:tcPr/>
-                </a:tc>
-                <a:tc>
-                  <a:txBody>
-                    <a:bodyPr/>
-                    <a:lstStyle/>
-                    <a:p>
-                      <a:endParaRPr lang="en-US"/>
-                    </a:p>
-                  </a:txBody>
-                  <a:tcPr/>
-                </a:tc>
-                <a:tc>
-                  <a:txBody>
-                    <a:bodyPr/>
-                    <a:lstStyle/>
-                    <a:p>
-                      <a:endParaRPr lang="en-US"/>
-                    </a:p>
-                  </a:txBody>
-                  <a:tcPr/>
-                </a:tc>
-              </a:tr>
-              <a:tr h="370840">
-                <a:tc vMerge="1">
-                  <a:txBody>
-                    <a:bodyPr/>
-                    <a:lstStyle/>
-                    <a:p>
-                      <a:endParaRPr lang="en-US" dirty="0"/>
-                    </a:p>
-                  </a:txBody>
-                  <a:tcPr/>
-                </a:tc>
-                <a:tc vMerge="1">
-                  <a:txBody>
-                    <a:bodyPr/>
-                    <a:lstStyle/>
-                    <a:p>
-                      <a:endParaRPr lang="en-US" dirty="0"/>
-                    </a:p>
-                  </a:txBody>
-                  <a:tcPr/>
-                </a:tc>
-                <a:tc>
-                  <a:txBody>
-                    <a:bodyPr/>
-                    <a:lstStyle/>
-                    <a:p>
-                      <a:r>
-                        <a:rPr lang="en-US" dirty="0" smtClean="0"/>
-                        <a:t>Roberta</a:t>
-                      </a:r>
-                      <a:endParaRPr lang="en-US" dirty="0"/>
-                    </a:p>
-                  </a:txBody>
-                  <a:tcPr/>
-                </a:tc>
-                <a:tc>
-                  <a:txBody>
-                    <a:bodyPr/>
-                    <a:lstStyle/>
-                    <a:p>
-                      <a:endParaRPr lang="en-US"/>
-                    </a:p>
-                  </a:txBody>
-                  <a:tcPr/>
-                </a:tc>
-                <a:tc>
-                  <a:txBody>
-                    <a:bodyPr/>
-                    <a:lstStyle/>
-                    <a:p>
-                      <a:endParaRPr lang="en-US" dirty="0"/>
-                    </a:p>
-                  </a:txBody>
-                  <a:tcPr/>
-                </a:tc>
+                      <a:pPr marL="228600" indent="-228600">
+                        <a:buAutoNum type="arabicParenR"/>
+                      </a:pPr>
+                      <a:r>
+                        <a:rPr lang="en-US" sz="1200" dirty="0"/>
+                        <a:t>Train the model with our dataset </a:t>
+                      </a:r>
+                    </a:p>
+                    <a:p>
+                      <a:pPr marL="228600" indent="-228600">
+                        <a:buAutoNum type="arabicParenR"/>
+                      </a:pPr>
+                      <a:r>
+                        <a:rPr lang="en-US" sz="1200" dirty="0"/>
+                        <a:t>Use the trained model to get the ROUGE metrics</a:t>
+                      </a:r>
+                    </a:p>
+                    <a:p>
+                      <a:endParaRPr lang="en-US" sz="1200" dirty="0"/>
+                    </a:p>
+                  </a:txBody>
+                  <a:tcPr/>
+                </a:tc>
+                <a:extLst>
+                  <a:ext uri="{0D108BD9-81ED-4DB2-BD59-A6C34878D82A}">
+                    <a16:rowId xmlns:a16="http://schemas.microsoft.com/office/drawing/2014/main" val="10005"/>
+                  </a:ext>
+                </a:extLst>
               </a:tr>
             </a:tbl>
           </a:graphicData>
@@ -4605,7 +4684,7 @@
     </p:spTree>
     <p:extLst>
       <p:ext uri="{BB962C8B-B14F-4D97-AF65-F5344CB8AC3E}">
-        <p14:creationId xmlns:p14="http://schemas.microsoft.com/office/powerpoint/2010/main" val="532003155"/>
+        <p14:creationId xmlns:p14="http://schemas.microsoft.com/office/powerpoint/2010/main" val="2558821770"/>
       </p:ext>
     </p:extLst>
   </p:cSld>
@@ -4634,10 +4713,1550 @@
       </p:grpSpPr>
       <p:sp>
         <p:nvSpPr>
+          <p:cNvPr id="2" name="Title 1"/>
+          <p:cNvSpPr>
+            <a:spLocks noGrp="1"/>
+          </p:cNvSpPr>
+          <p:nvPr>
+            <p:ph type="title"/>
+          </p:nvPr>
+        </p:nvSpPr>
+        <p:spPr>
+          <a:xfrm>
+            <a:off x="1097280" y="286603"/>
+            <a:ext cx="10058400" cy="856397"/>
+          </a:xfrm>
+        </p:spPr>
+        <p:txBody>
+          <a:bodyPr/>
+          <a:lstStyle/>
+          <a:p>
+            <a:r>
+              <a:rPr lang="en-US" dirty="0"/>
+              <a:t>Our Results (scores)</a:t>
+            </a:r>
+          </a:p>
+        </p:txBody>
+      </p:sp>
+      <p:graphicFrame>
+        <p:nvGraphicFramePr>
+          <p:cNvPr id="5" name="Content Placeholder 4"/>
+          <p:cNvGraphicFramePr>
+            <a:graphicFrameLocks noGrp="1"/>
+          </p:cNvGraphicFramePr>
+          <p:nvPr>
+            <p:ph idx="1"/>
+            <p:extLst>
+              <p:ext uri="{D42A27DB-BD31-4B8C-83A1-F6EECF244321}">
+                <p14:modId xmlns:p14="http://schemas.microsoft.com/office/powerpoint/2010/main" val="960531789"/>
+              </p:ext>
+            </p:extLst>
+          </p:nvPr>
+        </p:nvGraphicFramePr>
+        <p:xfrm>
+          <a:off x="955040" y="1336041"/>
+          <a:ext cx="10108883" cy="4988563"/>
+        </p:xfrm>
+        <a:graphic>
+          <a:graphicData uri="http://schemas.openxmlformats.org/drawingml/2006/table">
+            <a:tbl>
+              <a:tblPr firstRow="1" bandRow="1">
+                <a:tableStyleId>{5C22544A-7EE6-4342-B048-85BDC9FD1C3A}</a:tableStyleId>
+              </a:tblPr>
+              <a:tblGrid>
+                <a:gridCol w="1487920">
+                  <a:extLst>
+                    <a:ext uri="{9D8B030D-6E8A-4147-A177-3AD203B41FA5}">
+                      <a16:colId xmlns:a16="http://schemas.microsoft.com/office/drawing/2014/main" val="20000"/>
+                    </a:ext>
+                  </a:extLst>
+                </a:gridCol>
+                <a:gridCol w="1367907">
+                  <a:extLst>
+                    <a:ext uri="{9D8B030D-6E8A-4147-A177-3AD203B41FA5}">
+                      <a16:colId xmlns:a16="http://schemas.microsoft.com/office/drawing/2014/main" val="20001"/>
+                    </a:ext>
+                  </a:extLst>
+                </a:gridCol>
+                <a:gridCol w="2020973">
+                  <a:extLst>
+                    <a:ext uri="{9D8B030D-6E8A-4147-A177-3AD203B41FA5}">
+                      <a16:colId xmlns:a16="http://schemas.microsoft.com/office/drawing/2014/main" val="20002"/>
+                    </a:ext>
+                  </a:extLst>
+                </a:gridCol>
+                <a:gridCol w="2016147">
+                  <a:extLst>
+                    <a:ext uri="{9D8B030D-6E8A-4147-A177-3AD203B41FA5}">
+                      <a16:colId xmlns:a16="http://schemas.microsoft.com/office/drawing/2014/main" val="2350898160"/>
+                    </a:ext>
+                  </a:extLst>
+                </a:gridCol>
+                <a:gridCol w="1607968">
+                  <a:extLst>
+                    <a:ext uri="{9D8B030D-6E8A-4147-A177-3AD203B41FA5}">
+                      <a16:colId xmlns:a16="http://schemas.microsoft.com/office/drawing/2014/main" val="20003"/>
+                    </a:ext>
+                  </a:extLst>
+                </a:gridCol>
+                <a:gridCol w="1607968">
+                  <a:extLst>
+                    <a:ext uri="{9D8B030D-6E8A-4147-A177-3AD203B41FA5}">
+                      <a16:colId xmlns:a16="http://schemas.microsoft.com/office/drawing/2014/main" val="20004"/>
+                    </a:ext>
+                  </a:extLst>
+                </a:gridCol>
+              </a:tblGrid>
+              <a:tr h="655333">
+                <a:tc>
+                  <a:txBody>
+                    <a:bodyPr/>
+                    <a:lstStyle/>
+                    <a:p>
+                      <a:r>
+                        <a:rPr lang="en-US" dirty="0"/>
+                        <a:t>SOTA</a:t>
+                      </a:r>
+                    </a:p>
+                  </a:txBody>
+                  <a:tcPr/>
+                </a:tc>
+                <a:tc>
+                  <a:txBody>
+                    <a:bodyPr/>
+                    <a:lstStyle/>
+                    <a:p>
+                      <a:r>
+                        <a:rPr lang="en-US" dirty="0"/>
+                        <a:t>Type</a:t>
+                      </a:r>
+                    </a:p>
+                  </a:txBody>
+                  <a:tcPr/>
+                </a:tc>
+                <a:tc>
+                  <a:txBody>
+                    <a:bodyPr/>
+                    <a:lstStyle/>
+                    <a:p>
+                      <a:r>
+                        <a:rPr lang="en-US" dirty="0"/>
+                        <a:t>Transformer</a:t>
+                      </a:r>
+                    </a:p>
+                  </a:txBody>
+                  <a:tcPr/>
+                </a:tc>
+                <a:tc>
+                  <a:txBody>
+                    <a:bodyPr/>
+                    <a:lstStyle/>
+                    <a:p>
+                      <a:r>
+                        <a:rPr lang="en-US" dirty="0"/>
+                        <a:t>ROUGE MRTRICS</a:t>
+                      </a:r>
+                    </a:p>
+                  </a:txBody>
+                  <a:tcPr/>
+                </a:tc>
+                <a:tc>
+                  <a:txBody>
+                    <a:bodyPr/>
+                    <a:lstStyle/>
+                    <a:p>
+                      <a:r>
+                        <a:rPr lang="en-US" dirty="0"/>
+                        <a:t>Pre-trained</a:t>
+                      </a:r>
+                    </a:p>
+                  </a:txBody>
+                  <a:tcPr/>
+                </a:tc>
+                <a:tc>
+                  <a:txBody>
+                    <a:bodyPr/>
+                    <a:lstStyle/>
+                    <a:p>
+                      <a:r>
+                        <a:rPr lang="en-US" dirty="0"/>
+                        <a:t>Trained</a:t>
+                      </a:r>
+                    </a:p>
+                  </a:txBody>
+                  <a:tcPr/>
+                </a:tc>
+                <a:extLst>
+                  <a:ext uri="{0D108BD9-81ED-4DB2-BD59-A6C34878D82A}">
+                    <a16:rowId xmlns:a16="http://schemas.microsoft.com/office/drawing/2014/main" val="10000"/>
+                  </a:ext>
+                </a:extLst>
+              </a:tr>
+              <a:tr h="288882">
+                <a:tc rowSpan="9">
+                  <a:txBody>
+                    <a:bodyPr/>
+                    <a:lstStyle/>
+                    <a:p>
+                      <a:r>
+                        <a:rPr lang="en-US" sz="1200" dirty="0" err="1"/>
+                        <a:t>PreSumm</a:t>
+                      </a:r>
+                      <a:endParaRPr lang="en-US" sz="1200" dirty="0"/>
+                    </a:p>
+                  </a:txBody>
+                  <a:tcPr anchor="ctr"/>
+                </a:tc>
+                <a:tc rowSpan="3">
+                  <a:txBody>
+                    <a:bodyPr/>
+                    <a:lstStyle/>
+                    <a:p>
+                      <a:r>
+                        <a:rPr lang="en-US" sz="1200" dirty="0"/>
+                        <a:t>Extractive</a:t>
+                      </a:r>
+                    </a:p>
+                  </a:txBody>
+                  <a:tcPr/>
+                </a:tc>
+                <a:tc rowSpan="3">
+                  <a:txBody>
+                    <a:bodyPr/>
+                    <a:lstStyle/>
+                    <a:p>
+                      <a:r>
+                        <a:rPr lang="en-US" sz="1200" dirty="0"/>
+                        <a:t>BERT</a:t>
+                      </a:r>
+                    </a:p>
+                  </a:txBody>
+                  <a:tcPr/>
+                </a:tc>
+                <a:tc>
+                  <a:txBody>
+                    <a:bodyPr/>
+                    <a:lstStyle/>
+                    <a:p>
+                      <a:r>
+                        <a:rPr lang="en-US" sz="1200" dirty="0"/>
+                        <a:t>ROUGE-1</a:t>
+                      </a:r>
+                    </a:p>
+                  </a:txBody>
+                  <a:tcPr/>
+                </a:tc>
+                <a:tc>
+                  <a:txBody>
+                    <a:bodyPr/>
+                    <a:lstStyle/>
+                    <a:p>
+                      <a:r>
+                        <a:rPr lang="en-US" sz="1200" dirty="0"/>
+                        <a:t>0.29475</a:t>
+                      </a:r>
+                    </a:p>
+                  </a:txBody>
+                  <a:tcPr/>
+                </a:tc>
+                <a:tc>
+                  <a:txBody>
+                    <a:bodyPr/>
+                    <a:lstStyle/>
+                    <a:p>
+                      <a:r>
+                        <a:rPr lang="en-US" sz="1200" dirty="0"/>
+                        <a:t>0.30204</a:t>
+                      </a:r>
+                    </a:p>
+                  </a:txBody>
+                  <a:tcPr/>
+                </a:tc>
+                <a:extLst>
+                  <a:ext uri="{0D108BD9-81ED-4DB2-BD59-A6C34878D82A}">
+                    <a16:rowId xmlns:a16="http://schemas.microsoft.com/office/drawing/2014/main" val="10001"/>
+                  </a:ext>
+                </a:extLst>
+              </a:tr>
+              <a:tr h="288882">
+                <a:tc vMerge="1">
+                  <a:txBody>
+                    <a:bodyPr/>
+                    <a:lstStyle/>
+                    <a:p>
+                      <a:endParaRPr lang="en-US"/>
+                    </a:p>
+                  </a:txBody>
+                  <a:tcPr/>
+                </a:tc>
+                <a:tc vMerge="1">
+                  <a:txBody>
+                    <a:bodyPr/>
+                    <a:lstStyle/>
+                    <a:p>
+                      <a:endParaRPr lang="en-US"/>
+                    </a:p>
+                  </a:txBody>
+                  <a:tcPr/>
+                </a:tc>
+                <a:tc vMerge="1">
+                  <a:txBody>
+                    <a:bodyPr/>
+                    <a:lstStyle/>
+                    <a:p>
+                      <a:endParaRPr lang="en-US"/>
+                    </a:p>
+                  </a:txBody>
+                  <a:tcPr/>
+                </a:tc>
+                <a:tc>
+                  <a:txBody>
+                    <a:bodyPr/>
+                    <a:lstStyle/>
+                    <a:p>
+                      <a:pPr marL="0" marR="0" lvl="0" indent="0" algn="l" defTabSz="914400" rtl="0" eaLnBrk="1" fontAlgn="auto" latinLnBrk="0" hangingPunct="1">
+                        <a:lnSpc>
+                          <a:spcPct val="100000"/>
+                        </a:lnSpc>
+                        <a:spcBef>
+                          <a:spcPts val="0"/>
+                        </a:spcBef>
+                        <a:spcAft>
+                          <a:spcPts val="0"/>
+                        </a:spcAft>
+                        <a:buClrTx/>
+                        <a:buSzTx/>
+                        <a:buFontTx/>
+                        <a:buNone/>
+                        <a:tabLst/>
+                        <a:defRPr/>
+                      </a:pPr>
+                      <a:r>
+                        <a:rPr lang="en-US" sz="1200" dirty="0"/>
+                        <a:t>ROUGE-2</a:t>
+                      </a:r>
+                    </a:p>
+                  </a:txBody>
+                  <a:tcPr/>
+                </a:tc>
+                <a:tc>
+                  <a:txBody>
+                    <a:bodyPr/>
+                    <a:lstStyle/>
+                    <a:p>
+                      <a:r>
+                        <a:rPr lang="en-US" sz="1200" dirty="0"/>
+                        <a:t>0.11580 </a:t>
+                      </a:r>
+                    </a:p>
+                  </a:txBody>
+                  <a:tcPr/>
+                </a:tc>
+                <a:tc>
+                  <a:txBody>
+                    <a:bodyPr/>
+                    <a:lstStyle/>
+                    <a:p>
+                      <a:r>
+                        <a:rPr lang="en-US" sz="1200" dirty="0"/>
+                        <a:t>0.12198</a:t>
+                      </a:r>
+                    </a:p>
+                  </a:txBody>
+                  <a:tcPr/>
+                </a:tc>
+                <a:extLst>
+                  <a:ext uri="{0D108BD9-81ED-4DB2-BD59-A6C34878D82A}">
+                    <a16:rowId xmlns:a16="http://schemas.microsoft.com/office/drawing/2014/main" val="4128231166"/>
+                  </a:ext>
+                </a:extLst>
+              </a:tr>
+              <a:tr h="288882">
+                <a:tc vMerge="1">
+                  <a:txBody>
+                    <a:bodyPr/>
+                    <a:lstStyle/>
+                    <a:p>
+                      <a:endParaRPr lang="en-US"/>
+                    </a:p>
+                  </a:txBody>
+                  <a:tcPr/>
+                </a:tc>
+                <a:tc vMerge="1">
+                  <a:txBody>
+                    <a:bodyPr/>
+                    <a:lstStyle/>
+                    <a:p>
+                      <a:endParaRPr lang="en-US"/>
+                    </a:p>
+                  </a:txBody>
+                  <a:tcPr/>
+                </a:tc>
+                <a:tc vMerge="1">
+                  <a:txBody>
+                    <a:bodyPr/>
+                    <a:lstStyle/>
+                    <a:p>
+                      <a:endParaRPr lang="en-US"/>
+                    </a:p>
+                  </a:txBody>
+                  <a:tcPr/>
+                </a:tc>
+                <a:tc>
+                  <a:txBody>
+                    <a:bodyPr/>
+                    <a:lstStyle/>
+                    <a:p>
+                      <a:pPr marL="0" marR="0" lvl="0" indent="0" algn="l" defTabSz="914400" rtl="0" eaLnBrk="1" fontAlgn="auto" latinLnBrk="0" hangingPunct="1">
+                        <a:lnSpc>
+                          <a:spcPct val="100000"/>
+                        </a:lnSpc>
+                        <a:spcBef>
+                          <a:spcPts val="0"/>
+                        </a:spcBef>
+                        <a:spcAft>
+                          <a:spcPts val="0"/>
+                        </a:spcAft>
+                        <a:buClrTx/>
+                        <a:buSzTx/>
+                        <a:buFontTx/>
+                        <a:buNone/>
+                        <a:tabLst/>
+                        <a:defRPr/>
+                      </a:pPr>
+                      <a:r>
+                        <a:rPr lang="en-US" sz="1200" dirty="0"/>
+                        <a:t>ROUGE-3</a:t>
+                      </a:r>
+                    </a:p>
+                  </a:txBody>
+                  <a:tcPr/>
+                </a:tc>
+                <a:tc>
+                  <a:txBody>
+                    <a:bodyPr/>
+                    <a:lstStyle/>
+                    <a:p>
+                      <a:r>
+                        <a:rPr lang="en-US" sz="1200" dirty="0"/>
+                        <a:t>0.25311</a:t>
+                      </a:r>
+                    </a:p>
+                  </a:txBody>
+                  <a:tcPr/>
+                </a:tc>
+                <a:tc>
+                  <a:txBody>
+                    <a:bodyPr/>
+                    <a:lstStyle/>
+                    <a:p>
+                      <a:r>
+                        <a:rPr lang="en-US" sz="1200" dirty="0"/>
+                        <a:t>0.26038</a:t>
+                      </a:r>
+                    </a:p>
+                  </a:txBody>
+                  <a:tcPr/>
+                </a:tc>
+                <a:extLst>
+                  <a:ext uri="{0D108BD9-81ED-4DB2-BD59-A6C34878D82A}">
+                    <a16:rowId xmlns:a16="http://schemas.microsoft.com/office/drawing/2014/main" val="2829579394"/>
+                  </a:ext>
+                </a:extLst>
+              </a:tr>
+              <a:tr h="288882">
+                <a:tc vMerge="1">
+                  <a:txBody>
+                    <a:bodyPr/>
+                    <a:lstStyle/>
+                    <a:p>
+                      <a:endParaRPr lang="en-US" dirty="0"/>
+                    </a:p>
+                  </a:txBody>
+                  <a:tcPr/>
+                </a:tc>
+                <a:tc rowSpan="6">
+                  <a:txBody>
+                    <a:bodyPr/>
+                    <a:lstStyle/>
+                    <a:p>
+                      <a:r>
+                        <a:rPr lang="en-US" sz="1200" dirty="0"/>
+                        <a:t>Abstractive</a:t>
+                      </a:r>
+                    </a:p>
+                  </a:txBody>
+                  <a:tcPr anchor="ctr"/>
+                </a:tc>
+                <a:tc rowSpan="3">
+                  <a:txBody>
+                    <a:bodyPr/>
+                    <a:lstStyle/>
+                    <a:p>
+                      <a:r>
+                        <a:rPr lang="en-US" sz="1200" dirty="0"/>
+                        <a:t>Baseline Transformer</a:t>
+                      </a:r>
+                    </a:p>
+                  </a:txBody>
+                  <a:tcPr/>
+                </a:tc>
+                <a:tc>
+                  <a:txBody>
+                    <a:bodyPr/>
+                    <a:lstStyle/>
+                    <a:p>
+                      <a:r>
+                        <a:rPr lang="en-US" sz="1200" dirty="0"/>
+                        <a:t>ROUGE-1</a:t>
+                      </a:r>
+                    </a:p>
+                  </a:txBody>
+                  <a:tcPr/>
+                </a:tc>
+                <a:tc>
+                  <a:txBody>
+                    <a:bodyPr/>
+                    <a:lstStyle/>
+                    <a:p>
+                      <a:r>
+                        <a:rPr lang="en-US" sz="1200" dirty="0"/>
+                        <a:t>0.24971</a:t>
+                      </a:r>
+                    </a:p>
+                  </a:txBody>
+                  <a:tcPr/>
+                </a:tc>
+                <a:tc>
+                  <a:txBody>
+                    <a:bodyPr/>
+                    <a:lstStyle/>
+                    <a:p>
+                      <a:r>
+                        <a:rPr lang="en-US" sz="1200" dirty="0"/>
+                        <a:t>0.27616</a:t>
+                      </a:r>
+                    </a:p>
+                  </a:txBody>
+                  <a:tcPr/>
+                </a:tc>
+                <a:extLst>
+                  <a:ext uri="{0D108BD9-81ED-4DB2-BD59-A6C34878D82A}">
+                    <a16:rowId xmlns:a16="http://schemas.microsoft.com/office/drawing/2014/main" val="10002"/>
+                  </a:ext>
+                </a:extLst>
+              </a:tr>
+              <a:tr h="288882">
+                <a:tc vMerge="1">
+                  <a:txBody>
+                    <a:bodyPr/>
+                    <a:lstStyle/>
+                    <a:p>
+                      <a:endParaRPr lang="en-US"/>
+                    </a:p>
+                  </a:txBody>
+                  <a:tcPr/>
+                </a:tc>
+                <a:tc vMerge="1">
+                  <a:txBody>
+                    <a:bodyPr/>
+                    <a:lstStyle/>
+                    <a:p>
+                      <a:endParaRPr lang="en-US"/>
+                    </a:p>
+                  </a:txBody>
+                  <a:tcPr/>
+                </a:tc>
+                <a:tc vMerge="1">
+                  <a:txBody>
+                    <a:bodyPr/>
+                    <a:lstStyle/>
+                    <a:p>
+                      <a:endParaRPr lang="en-US"/>
+                    </a:p>
+                  </a:txBody>
+                  <a:tcPr/>
+                </a:tc>
+                <a:tc>
+                  <a:txBody>
+                    <a:bodyPr/>
+                    <a:lstStyle/>
+                    <a:p>
+                      <a:pPr marL="0" marR="0" lvl="0" indent="0" algn="l" defTabSz="914400" rtl="0" eaLnBrk="1" fontAlgn="auto" latinLnBrk="0" hangingPunct="1">
+                        <a:lnSpc>
+                          <a:spcPct val="100000"/>
+                        </a:lnSpc>
+                        <a:spcBef>
+                          <a:spcPts val="0"/>
+                        </a:spcBef>
+                        <a:spcAft>
+                          <a:spcPts val="0"/>
+                        </a:spcAft>
+                        <a:buClrTx/>
+                        <a:buSzTx/>
+                        <a:buFontTx/>
+                        <a:buNone/>
+                        <a:tabLst/>
+                        <a:defRPr/>
+                      </a:pPr>
+                      <a:r>
+                        <a:rPr lang="en-US" sz="1200" dirty="0"/>
+                        <a:t>ROUGE-2</a:t>
+                      </a:r>
+                    </a:p>
+                  </a:txBody>
+                  <a:tcPr/>
+                </a:tc>
+                <a:tc>
+                  <a:txBody>
+                    <a:bodyPr/>
+                    <a:lstStyle/>
+                    <a:p>
+                      <a:r>
+                        <a:rPr lang="en-US" sz="1200" dirty="0"/>
+                        <a:t>0.07703</a:t>
+                      </a:r>
+                    </a:p>
+                  </a:txBody>
+                  <a:tcPr/>
+                </a:tc>
+                <a:tc>
+                  <a:txBody>
+                    <a:bodyPr/>
+                    <a:lstStyle/>
+                    <a:p>
+                      <a:r>
+                        <a:rPr lang="en-US" sz="1200" dirty="0"/>
+                        <a:t>0.11064</a:t>
+                      </a:r>
+                    </a:p>
+                  </a:txBody>
+                  <a:tcPr/>
+                </a:tc>
+                <a:extLst>
+                  <a:ext uri="{0D108BD9-81ED-4DB2-BD59-A6C34878D82A}">
+                    <a16:rowId xmlns:a16="http://schemas.microsoft.com/office/drawing/2014/main" val="3704147890"/>
+                  </a:ext>
+                </a:extLst>
+              </a:tr>
+              <a:tr h="288882">
+                <a:tc vMerge="1">
+                  <a:txBody>
+                    <a:bodyPr/>
+                    <a:lstStyle/>
+                    <a:p>
+                      <a:endParaRPr lang="en-US"/>
+                    </a:p>
+                  </a:txBody>
+                  <a:tcPr/>
+                </a:tc>
+                <a:tc vMerge="1">
+                  <a:txBody>
+                    <a:bodyPr/>
+                    <a:lstStyle/>
+                    <a:p>
+                      <a:endParaRPr lang="en-US"/>
+                    </a:p>
+                  </a:txBody>
+                  <a:tcPr/>
+                </a:tc>
+                <a:tc vMerge="1">
+                  <a:txBody>
+                    <a:bodyPr/>
+                    <a:lstStyle/>
+                    <a:p>
+                      <a:endParaRPr lang="en-US"/>
+                    </a:p>
+                  </a:txBody>
+                  <a:tcPr/>
+                </a:tc>
+                <a:tc>
+                  <a:txBody>
+                    <a:bodyPr/>
+                    <a:lstStyle/>
+                    <a:p>
+                      <a:pPr marL="0" marR="0" lvl="0" indent="0" algn="l" defTabSz="914400" rtl="0" eaLnBrk="1" fontAlgn="auto" latinLnBrk="0" hangingPunct="1">
+                        <a:lnSpc>
+                          <a:spcPct val="100000"/>
+                        </a:lnSpc>
+                        <a:spcBef>
+                          <a:spcPts val="0"/>
+                        </a:spcBef>
+                        <a:spcAft>
+                          <a:spcPts val="0"/>
+                        </a:spcAft>
+                        <a:buClrTx/>
+                        <a:buSzTx/>
+                        <a:buFontTx/>
+                        <a:buNone/>
+                        <a:tabLst/>
+                        <a:defRPr/>
+                      </a:pPr>
+                      <a:r>
+                        <a:rPr lang="en-US" sz="1200" dirty="0"/>
+                        <a:t>ROUGE-3</a:t>
+                      </a:r>
+                    </a:p>
+                  </a:txBody>
+                  <a:tcPr/>
+                </a:tc>
+                <a:tc>
+                  <a:txBody>
+                    <a:bodyPr/>
+                    <a:lstStyle/>
+                    <a:p>
+                      <a:r>
+                        <a:rPr lang="en-US" sz="1200" dirty="0"/>
+                        <a:t>0.21326</a:t>
+                      </a:r>
+                    </a:p>
+                  </a:txBody>
+                  <a:tcPr/>
+                </a:tc>
+                <a:tc>
+                  <a:txBody>
+                    <a:bodyPr/>
+                    <a:lstStyle/>
+                    <a:p>
+                      <a:r>
+                        <a:rPr lang="en-US" sz="1200" dirty="0"/>
+                        <a:t>0.23477</a:t>
+                      </a:r>
+                    </a:p>
+                  </a:txBody>
+                  <a:tcPr/>
+                </a:tc>
+                <a:extLst>
+                  <a:ext uri="{0D108BD9-81ED-4DB2-BD59-A6C34878D82A}">
+                    <a16:rowId xmlns:a16="http://schemas.microsoft.com/office/drawing/2014/main" val="2706349690"/>
+                  </a:ext>
+                </a:extLst>
+              </a:tr>
+              <a:tr h="288882">
+                <a:tc vMerge="1">
+                  <a:txBody>
+                    <a:bodyPr/>
+                    <a:lstStyle/>
+                    <a:p>
+                      <a:endParaRPr lang="en-US" dirty="0"/>
+                    </a:p>
+                  </a:txBody>
+                  <a:tcPr/>
+                </a:tc>
+                <a:tc vMerge="1">
+                  <a:txBody>
+                    <a:bodyPr/>
+                    <a:lstStyle/>
+                    <a:p>
+                      <a:endParaRPr lang="en-US" dirty="0"/>
+                    </a:p>
+                  </a:txBody>
+                  <a:tcPr/>
+                </a:tc>
+                <a:tc rowSpan="3">
+                  <a:txBody>
+                    <a:bodyPr/>
+                    <a:lstStyle/>
+                    <a:p>
+                      <a:r>
+                        <a:rPr lang="en-US" sz="1200" dirty="0"/>
+                        <a:t>BERT</a:t>
+                      </a:r>
+                    </a:p>
+                  </a:txBody>
+                  <a:tcPr/>
+                </a:tc>
+                <a:tc>
+                  <a:txBody>
+                    <a:bodyPr/>
+                    <a:lstStyle/>
+                    <a:p>
+                      <a:r>
+                        <a:rPr lang="en-US" sz="1200" dirty="0"/>
+                        <a:t>ROUGE-1</a:t>
+                      </a:r>
+                    </a:p>
+                  </a:txBody>
+                  <a:tcPr/>
+                </a:tc>
+                <a:tc>
+                  <a:txBody>
+                    <a:bodyPr/>
+                    <a:lstStyle/>
+                    <a:p>
+                      <a:r>
+                        <a:rPr lang="en-US" sz="1200" dirty="0"/>
+                        <a:t>0.24623</a:t>
+                      </a:r>
+                    </a:p>
+                  </a:txBody>
+                  <a:tcPr/>
+                </a:tc>
+                <a:tc>
+                  <a:txBody>
+                    <a:bodyPr/>
+                    <a:lstStyle/>
+                    <a:p>
+                      <a:r>
+                        <a:rPr lang="en-US" sz="1200" dirty="0"/>
+                        <a:t>0.29275</a:t>
+                      </a:r>
+                    </a:p>
+                  </a:txBody>
+                  <a:tcPr/>
+                </a:tc>
+                <a:extLst>
+                  <a:ext uri="{0D108BD9-81ED-4DB2-BD59-A6C34878D82A}">
+                    <a16:rowId xmlns:a16="http://schemas.microsoft.com/office/drawing/2014/main" val="10003"/>
+                  </a:ext>
+                </a:extLst>
+              </a:tr>
+              <a:tr h="288882">
+                <a:tc vMerge="1">
+                  <a:txBody>
+                    <a:bodyPr/>
+                    <a:lstStyle/>
+                    <a:p>
+                      <a:endParaRPr lang="en-US"/>
+                    </a:p>
+                  </a:txBody>
+                  <a:tcPr/>
+                </a:tc>
+                <a:tc vMerge="1">
+                  <a:txBody>
+                    <a:bodyPr/>
+                    <a:lstStyle/>
+                    <a:p>
+                      <a:endParaRPr lang="en-US"/>
+                    </a:p>
+                  </a:txBody>
+                  <a:tcPr/>
+                </a:tc>
+                <a:tc vMerge="1">
+                  <a:txBody>
+                    <a:bodyPr/>
+                    <a:lstStyle/>
+                    <a:p>
+                      <a:endParaRPr lang="en-US"/>
+                    </a:p>
+                  </a:txBody>
+                  <a:tcPr/>
+                </a:tc>
+                <a:tc>
+                  <a:txBody>
+                    <a:bodyPr/>
+                    <a:lstStyle/>
+                    <a:p>
+                      <a:pPr marL="0" marR="0" lvl="0" indent="0" algn="l" defTabSz="914400" rtl="0" eaLnBrk="1" fontAlgn="auto" latinLnBrk="0" hangingPunct="1">
+                        <a:lnSpc>
+                          <a:spcPct val="100000"/>
+                        </a:lnSpc>
+                        <a:spcBef>
+                          <a:spcPts val="0"/>
+                        </a:spcBef>
+                        <a:spcAft>
+                          <a:spcPts val="0"/>
+                        </a:spcAft>
+                        <a:buClrTx/>
+                        <a:buSzTx/>
+                        <a:buFontTx/>
+                        <a:buNone/>
+                        <a:tabLst/>
+                        <a:defRPr/>
+                      </a:pPr>
+                      <a:r>
+                        <a:rPr lang="en-US" sz="1200" dirty="0"/>
+                        <a:t>ROUGE-2</a:t>
+                      </a:r>
+                    </a:p>
+                  </a:txBody>
+                  <a:tcPr/>
+                </a:tc>
+                <a:tc>
+                  <a:txBody>
+                    <a:bodyPr/>
+                    <a:lstStyle/>
+                    <a:p>
+                      <a:r>
+                        <a:rPr lang="en-US" sz="1200" dirty="0"/>
+                        <a:t>0.07836</a:t>
+                      </a:r>
+                    </a:p>
+                  </a:txBody>
+                  <a:tcPr/>
+                </a:tc>
+                <a:tc>
+                  <a:txBody>
+                    <a:bodyPr/>
+                    <a:lstStyle/>
+                    <a:p>
+                      <a:r>
+                        <a:rPr lang="en-US" sz="1200" dirty="0"/>
+                        <a:t>0.10662</a:t>
+                      </a:r>
+                    </a:p>
+                  </a:txBody>
+                  <a:tcPr/>
+                </a:tc>
+                <a:extLst>
+                  <a:ext uri="{0D108BD9-81ED-4DB2-BD59-A6C34878D82A}">
+                    <a16:rowId xmlns:a16="http://schemas.microsoft.com/office/drawing/2014/main" val="3755947542"/>
+                  </a:ext>
+                </a:extLst>
+              </a:tr>
+              <a:tr h="288882">
+                <a:tc vMerge="1">
+                  <a:txBody>
+                    <a:bodyPr/>
+                    <a:lstStyle/>
+                    <a:p>
+                      <a:endParaRPr lang="en-US"/>
+                    </a:p>
+                  </a:txBody>
+                  <a:tcPr/>
+                </a:tc>
+                <a:tc vMerge="1">
+                  <a:txBody>
+                    <a:bodyPr/>
+                    <a:lstStyle/>
+                    <a:p>
+                      <a:endParaRPr lang="en-US"/>
+                    </a:p>
+                  </a:txBody>
+                  <a:tcPr/>
+                </a:tc>
+                <a:tc vMerge="1">
+                  <a:txBody>
+                    <a:bodyPr/>
+                    <a:lstStyle/>
+                    <a:p>
+                      <a:endParaRPr lang="en-US"/>
+                    </a:p>
+                  </a:txBody>
+                  <a:tcPr/>
+                </a:tc>
+                <a:tc>
+                  <a:txBody>
+                    <a:bodyPr/>
+                    <a:lstStyle/>
+                    <a:p>
+                      <a:pPr marL="0" marR="0" lvl="0" indent="0" algn="l" defTabSz="914400" rtl="0" eaLnBrk="1" fontAlgn="auto" latinLnBrk="0" hangingPunct="1">
+                        <a:lnSpc>
+                          <a:spcPct val="100000"/>
+                        </a:lnSpc>
+                        <a:spcBef>
+                          <a:spcPts val="0"/>
+                        </a:spcBef>
+                        <a:spcAft>
+                          <a:spcPts val="0"/>
+                        </a:spcAft>
+                        <a:buClrTx/>
+                        <a:buSzTx/>
+                        <a:buFontTx/>
+                        <a:buNone/>
+                        <a:tabLst/>
+                        <a:defRPr/>
+                      </a:pPr>
+                      <a:r>
+                        <a:rPr lang="en-US" sz="1200" dirty="0"/>
+                        <a:t>ROUGE-3</a:t>
+                      </a:r>
+                    </a:p>
+                  </a:txBody>
+                  <a:tcPr/>
+                </a:tc>
+                <a:tc>
+                  <a:txBody>
+                    <a:bodyPr/>
+                    <a:lstStyle/>
+                    <a:p>
+                      <a:r>
+                        <a:rPr lang="en-US" sz="1200" dirty="0"/>
+                        <a:t>0.21218</a:t>
+                      </a:r>
+                    </a:p>
+                  </a:txBody>
+                  <a:tcPr/>
+                </a:tc>
+                <a:tc>
+                  <a:txBody>
+                    <a:bodyPr/>
+                    <a:lstStyle/>
+                    <a:p>
+                      <a:r>
+                        <a:rPr lang="en-US" sz="1200" dirty="0"/>
+                        <a:t>0.24970</a:t>
+                      </a:r>
+                    </a:p>
+                  </a:txBody>
+                  <a:tcPr/>
+                </a:tc>
+                <a:extLst>
+                  <a:ext uri="{0D108BD9-81ED-4DB2-BD59-A6C34878D82A}">
+                    <a16:rowId xmlns:a16="http://schemas.microsoft.com/office/drawing/2014/main" val="2805972517"/>
+                  </a:ext>
+                </a:extLst>
+              </a:tr>
+              <a:tr h="288882">
+                <a:tc rowSpan="6">
+                  <a:txBody>
+                    <a:bodyPr/>
+                    <a:lstStyle/>
+                    <a:p>
+                      <a:r>
+                        <a:rPr lang="en-US" sz="1200" dirty="0" err="1"/>
+                        <a:t>MatchSum</a:t>
+                      </a:r>
+                      <a:endParaRPr lang="en-US" sz="1200" dirty="0"/>
+                    </a:p>
+                  </a:txBody>
+                  <a:tcPr anchor="ctr"/>
+                </a:tc>
+                <a:tc rowSpan="6">
+                  <a:txBody>
+                    <a:bodyPr/>
+                    <a:lstStyle/>
+                    <a:p>
+                      <a:r>
+                        <a:rPr lang="en-US" sz="1200" dirty="0"/>
+                        <a:t>Extractive</a:t>
+                      </a:r>
+                    </a:p>
+                  </a:txBody>
+                  <a:tcPr anchor="ctr"/>
+                </a:tc>
+                <a:tc rowSpan="3">
+                  <a:txBody>
+                    <a:bodyPr/>
+                    <a:lstStyle/>
+                    <a:p>
+                      <a:r>
+                        <a:rPr lang="en-US" sz="1200" dirty="0"/>
+                        <a:t>BERT</a:t>
+                      </a:r>
+                    </a:p>
+                  </a:txBody>
+                  <a:tcPr/>
+                </a:tc>
+                <a:tc>
+                  <a:txBody>
+                    <a:bodyPr/>
+                    <a:lstStyle/>
+                    <a:p>
+                      <a:r>
+                        <a:rPr lang="en-US" sz="1200" dirty="0"/>
+                        <a:t>ROUGE-1</a:t>
+                      </a:r>
+                    </a:p>
+                  </a:txBody>
+                  <a:tcPr/>
+                </a:tc>
+                <a:tc>
+                  <a:txBody>
+                    <a:bodyPr/>
+                    <a:lstStyle/>
+                    <a:p>
+                      <a:endParaRPr lang="en-US" sz="1200" dirty="0"/>
+                    </a:p>
+                  </a:txBody>
+                  <a:tcPr/>
+                </a:tc>
+                <a:tc>
+                  <a:txBody>
+                    <a:bodyPr/>
+                    <a:lstStyle/>
+                    <a:p>
+                      <a:r>
+                        <a:rPr lang="en-US" sz="1200" dirty="0"/>
+                        <a:t>0.44129</a:t>
+                      </a:r>
+                    </a:p>
+                  </a:txBody>
+                  <a:tcPr/>
+                </a:tc>
+                <a:extLst>
+                  <a:ext uri="{0D108BD9-81ED-4DB2-BD59-A6C34878D82A}">
+                    <a16:rowId xmlns:a16="http://schemas.microsoft.com/office/drawing/2014/main" val="10004"/>
+                  </a:ext>
+                </a:extLst>
+              </a:tr>
+              <a:tr h="288882">
+                <a:tc vMerge="1">
+                  <a:txBody>
+                    <a:bodyPr/>
+                    <a:lstStyle/>
+                    <a:p>
+                      <a:endParaRPr lang="en-US"/>
+                    </a:p>
+                  </a:txBody>
+                  <a:tcPr/>
+                </a:tc>
+                <a:tc vMerge="1">
+                  <a:txBody>
+                    <a:bodyPr/>
+                    <a:lstStyle/>
+                    <a:p>
+                      <a:endParaRPr lang="en-US"/>
+                    </a:p>
+                  </a:txBody>
+                  <a:tcPr/>
+                </a:tc>
+                <a:tc vMerge="1">
+                  <a:txBody>
+                    <a:bodyPr/>
+                    <a:lstStyle/>
+                    <a:p>
+                      <a:endParaRPr lang="en-US"/>
+                    </a:p>
+                  </a:txBody>
+                  <a:tcPr/>
+                </a:tc>
+                <a:tc>
+                  <a:txBody>
+                    <a:bodyPr/>
+                    <a:lstStyle/>
+                    <a:p>
+                      <a:pPr marL="0" marR="0" lvl="0" indent="0" algn="l" defTabSz="914400" rtl="0" eaLnBrk="1" fontAlgn="auto" latinLnBrk="0" hangingPunct="1">
+                        <a:lnSpc>
+                          <a:spcPct val="100000"/>
+                        </a:lnSpc>
+                        <a:spcBef>
+                          <a:spcPts val="0"/>
+                        </a:spcBef>
+                        <a:spcAft>
+                          <a:spcPts val="0"/>
+                        </a:spcAft>
+                        <a:buClrTx/>
+                        <a:buSzTx/>
+                        <a:buFontTx/>
+                        <a:buNone/>
+                        <a:tabLst/>
+                        <a:defRPr/>
+                      </a:pPr>
+                      <a:r>
+                        <a:rPr lang="en-US" sz="1200" dirty="0"/>
+                        <a:t>ROUGE-2</a:t>
+                      </a:r>
+                    </a:p>
+                  </a:txBody>
+                  <a:tcPr/>
+                </a:tc>
+                <a:tc>
+                  <a:txBody>
+                    <a:bodyPr/>
+                    <a:lstStyle/>
+                    <a:p>
+                      <a:endParaRPr lang="en-US" sz="1200"/>
+                    </a:p>
+                  </a:txBody>
+                  <a:tcPr/>
+                </a:tc>
+                <a:tc>
+                  <a:txBody>
+                    <a:bodyPr/>
+                    <a:lstStyle/>
+                    <a:p>
+                      <a:r>
+                        <a:rPr lang="en-US" sz="1200" dirty="0"/>
+                        <a:t>0.31916</a:t>
+                      </a:r>
+                    </a:p>
+                  </a:txBody>
+                  <a:tcPr/>
+                </a:tc>
+                <a:extLst>
+                  <a:ext uri="{0D108BD9-81ED-4DB2-BD59-A6C34878D82A}">
+                    <a16:rowId xmlns:a16="http://schemas.microsoft.com/office/drawing/2014/main" val="3327643105"/>
+                  </a:ext>
+                </a:extLst>
+              </a:tr>
+              <a:tr h="288882">
+                <a:tc vMerge="1">
+                  <a:txBody>
+                    <a:bodyPr/>
+                    <a:lstStyle/>
+                    <a:p>
+                      <a:endParaRPr lang="en-US"/>
+                    </a:p>
+                  </a:txBody>
+                  <a:tcPr/>
+                </a:tc>
+                <a:tc vMerge="1">
+                  <a:txBody>
+                    <a:bodyPr/>
+                    <a:lstStyle/>
+                    <a:p>
+                      <a:endParaRPr lang="en-US"/>
+                    </a:p>
+                  </a:txBody>
+                  <a:tcPr/>
+                </a:tc>
+                <a:tc vMerge="1">
+                  <a:txBody>
+                    <a:bodyPr/>
+                    <a:lstStyle/>
+                    <a:p>
+                      <a:endParaRPr lang="en-US"/>
+                    </a:p>
+                  </a:txBody>
+                  <a:tcPr/>
+                </a:tc>
+                <a:tc>
+                  <a:txBody>
+                    <a:bodyPr/>
+                    <a:lstStyle/>
+                    <a:p>
+                      <a:pPr marL="0" marR="0" lvl="0" indent="0" algn="l" defTabSz="914400" rtl="0" eaLnBrk="1" fontAlgn="auto" latinLnBrk="0" hangingPunct="1">
+                        <a:lnSpc>
+                          <a:spcPct val="100000"/>
+                        </a:lnSpc>
+                        <a:spcBef>
+                          <a:spcPts val="0"/>
+                        </a:spcBef>
+                        <a:spcAft>
+                          <a:spcPts val="0"/>
+                        </a:spcAft>
+                        <a:buClrTx/>
+                        <a:buSzTx/>
+                        <a:buFontTx/>
+                        <a:buNone/>
+                        <a:tabLst/>
+                        <a:defRPr/>
+                      </a:pPr>
+                      <a:r>
+                        <a:rPr lang="en-US" sz="1200" dirty="0"/>
+                        <a:t>ROUGE-3</a:t>
+                      </a:r>
+                    </a:p>
+                  </a:txBody>
+                  <a:tcPr/>
+                </a:tc>
+                <a:tc>
+                  <a:txBody>
+                    <a:bodyPr/>
+                    <a:lstStyle/>
+                    <a:p>
+                      <a:endParaRPr lang="en-US" sz="1200" dirty="0"/>
+                    </a:p>
+                  </a:txBody>
+                  <a:tcPr/>
+                </a:tc>
+                <a:tc>
+                  <a:txBody>
+                    <a:bodyPr/>
+                    <a:lstStyle/>
+                    <a:p>
+                      <a:r>
+                        <a:rPr lang="en-US" sz="1200" dirty="0"/>
+                        <a:t>0.40957</a:t>
+                      </a:r>
+                    </a:p>
+                  </a:txBody>
+                  <a:tcPr/>
+                </a:tc>
+                <a:extLst>
+                  <a:ext uri="{0D108BD9-81ED-4DB2-BD59-A6C34878D82A}">
+                    <a16:rowId xmlns:a16="http://schemas.microsoft.com/office/drawing/2014/main" val="340115773"/>
+                  </a:ext>
+                </a:extLst>
+              </a:tr>
+              <a:tr h="288882">
+                <a:tc vMerge="1">
+                  <a:txBody>
+                    <a:bodyPr/>
+                    <a:lstStyle/>
+                    <a:p>
+                      <a:endParaRPr lang="en-US" dirty="0"/>
+                    </a:p>
+                  </a:txBody>
+                  <a:tcPr/>
+                </a:tc>
+                <a:tc vMerge="1">
+                  <a:txBody>
+                    <a:bodyPr/>
+                    <a:lstStyle/>
+                    <a:p>
+                      <a:endParaRPr lang="en-US" dirty="0"/>
+                    </a:p>
+                  </a:txBody>
+                  <a:tcPr/>
+                </a:tc>
+                <a:tc rowSpan="3">
+                  <a:txBody>
+                    <a:bodyPr/>
+                    <a:lstStyle/>
+                    <a:p>
+                      <a:r>
+                        <a:rPr lang="en-US" sz="1200" dirty="0" err="1"/>
+                        <a:t>RoBERTa</a:t>
+                      </a:r>
+                      <a:endParaRPr lang="en-US" sz="1200" dirty="0"/>
+                    </a:p>
+                  </a:txBody>
+                  <a:tcPr/>
+                </a:tc>
+                <a:tc>
+                  <a:txBody>
+                    <a:bodyPr/>
+                    <a:lstStyle/>
+                    <a:p>
+                      <a:r>
+                        <a:rPr lang="en-US" sz="1200" dirty="0"/>
+                        <a:t>ROUGE-1</a:t>
+                      </a:r>
+                    </a:p>
+                  </a:txBody>
+                  <a:tcPr/>
+                </a:tc>
+                <a:tc>
+                  <a:txBody>
+                    <a:bodyPr/>
+                    <a:lstStyle/>
+                    <a:p>
+                      <a:endParaRPr lang="en-US" sz="1200" dirty="0"/>
+                    </a:p>
+                  </a:txBody>
+                  <a:tcPr/>
+                </a:tc>
+                <a:tc>
+                  <a:txBody>
+                    <a:bodyPr/>
+                    <a:lstStyle/>
+                    <a:p>
+                      <a:r>
+                        <a:rPr lang="en-US" sz="1200" dirty="0"/>
+                        <a:t>0.52943</a:t>
+                      </a:r>
+                    </a:p>
+                  </a:txBody>
+                  <a:tcPr/>
+                </a:tc>
+                <a:extLst>
+                  <a:ext uri="{0D108BD9-81ED-4DB2-BD59-A6C34878D82A}">
+                    <a16:rowId xmlns:a16="http://schemas.microsoft.com/office/drawing/2014/main" val="10005"/>
+                  </a:ext>
+                </a:extLst>
+              </a:tr>
+              <a:tr h="288882">
+                <a:tc vMerge="1">
+                  <a:txBody>
+                    <a:bodyPr/>
+                    <a:lstStyle/>
+                    <a:p>
+                      <a:endParaRPr lang="en-US"/>
+                    </a:p>
+                  </a:txBody>
+                  <a:tcPr/>
+                </a:tc>
+                <a:tc vMerge="1">
+                  <a:txBody>
+                    <a:bodyPr/>
+                    <a:lstStyle/>
+                    <a:p>
+                      <a:endParaRPr lang="en-US"/>
+                    </a:p>
+                  </a:txBody>
+                  <a:tcPr/>
+                </a:tc>
+                <a:tc vMerge="1">
+                  <a:txBody>
+                    <a:bodyPr/>
+                    <a:lstStyle/>
+                    <a:p>
+                      <a:endParaRPr lang="en-US"/>
+                    </a:p>
+                  </a:txBody>
+                  <a:tcPr/>
+                </a:tc>
+                <a:tc>
+                  <a:txBody>
+                    <a:bodyPr/>
+                    <a:lstStyle/>
+                    <a:p>
+                      <a:pPr marL="0" marR="0" lvl="0" indent="0" algn="l" defTabSz="914400" rtl="0" eaLnBrk="1" fontAlgn="auto" latinLnBrk="0" hangingPunct="1">
+                        <a:lnSpc>
+                          <a:spcPct val="100000"/>
+                        </a:lnSpc>
+                        <a:spcBef>
+                          <a:spcPts val="0"/>
+                        </a:spcBef>
+                        <a:spcAft>
+                          <a:spcPts val="0"/>
+                        </a:spcAft>
+                        <a:buClrTx/>
+                        <a:buSzTx/>
+                        <a:buFontTx/>
+                        <a:buNone/>
+                        <a:tabLst/>
+                        <a:defRPr/>
+                      </a:pPr>
+                      <a:r>
+                        <a:rPr lang="en-US" sz="1200" dirty="0"/>
+                        <a:t>ROUGE-2</a:t>
+                      </a:r>
+                    </a:p>
+                  </a:txBody>
+                  <a:tcPr/>
+                </a:tc>
+                <a:tc>
+                  <a:txBody>
+                    <a:bodyPr/>
+                    <a:lstStyle/>
+                    <a:p>
+                      <a:endParaRPr lang="en-US" sz="1200" dirty="0"/>
+                    </a:p>
+                  </a:txBody>
+                  <a:tcPr/>
+                </a:tc>
+                <a:tc>
+                  <a:txBody>
+                    <a:bodyPr/>
+                    <a:lstStyle/>
+                    <a:p>
+                      <a:r>
+                        <a:rPr lang="en-US" sz="1200" dirty="0"/>
+                        <a:t>0.39246</a:t>
+                      </a:r>
+                    </a:p>
+                  </a:txBody>
+                  <a:tcPr/>
+                </a:tc>
+                <a:extLst>
+                  <a:ext uri="{0D108BD9-81ED-4DB2-BD59-A6C34878D82A}">
+                    <a16:rowId xmlns:a16="http://schemas.microsoft.com/office/drawing/2014/main" val="2784735359"/>
+                  </a:ext>
+                </a:extLst>
+              </a:tr>
+              <a:tr h="288882">
+                <a:tc vMerge="1">
+                  <a:txBody>
+                    <a:bodyPr/>
+                    <a:lstStyle/>
+                    <a:p>
+                      <a:endParaRPr lang="en-US"/>
+                    </a:p>
+                  </a:txBody>
+                  <a:tcPr/>
+                </a:tc>
+                <a:tc vMerge="1">
+                  <a:txBody>
+                    <a:bodyPr/>
+                    <a:lstStyle/>
+                    <a:p>
+                      <a:endParaRPr lang="en-US"/>
+                    </a:p>
+                  </a:txBody>
+                  <a:tcPr/>
+                </a:tc>
+                <a:tc vMerge="1">
+                  <a:txBody>
+                    <a:bodyPr/>
+                    <a:lstStyle/>
+                    <a:p>
+                      <a:endParaRPr lang="en-US"/>
+                    </a:p>
+                  </a:txBody>
+                  <a:tcPr/>
+                </a:tc>
+                <a:tc>
+                  <a:txBody>
+                    <a:bodyPr/>
+                    <a:lstStyle/>
+                    <a:p>
+                      <a:pPr marL="0" marR="0" lvl="0" indent="0" algn="l" defTabSz="914400" rtl="0" eaLnBrk="1" fontAlgn="auto" latinLnBrk="0" hangingPunct="1">
+                        <a:lnSpc>
+                          <a:spcPct val="100000"/>
+                        </a:lnSpc>
+                        <a:spcBef>
+                          <a:spcPts val="0"/>
+                        </a:spcBef>
+                        <a:spcAft>
+                          <a:spcPts val="0"/>
+                        </a:spcAft>
+                        <a:buClrTx/>
+                        <a:buSzTx/>
+                        <a:buFontTx/>
+                        <a:buNone/>
+                        <a:tabLst/>
+                        <a:defRPr/>
+                      </a:pPr>
+                      <a:r>
+                        <a:rPr lang="en-US" sz="1200" dirty="0"/>
+                        <a:t>ROUGE-3</a:t>
+                      </a:r>
+                    </a:p>
+                  </a:txBody>
+                  <a:tcPr/>
+                </a:tc>
+                <a:tc>
+                  <a:txBody>
+                    <a:bodyPr/>
+                    <a:lstStyle/>
+                    <a:p>
+                      <a:endParaRPr lang="en-US" sz="1200" dirty="0"/>
+                    </a:p>
+                  </a:txBody>
+                  <a:tcPr/>
+                </a:tc>
+                <a:tc>
+                  <a:txBody>
+                    <a:bodyPr/>
+                    <a:lstStyle/>
+                    <a:p>
+                      <a:r>
+                        <a:rPr lang="en-US" sz="1200" dirty="0"/>
+                        <a:t>0.49484</a:t>
+                      </a:r>
+                    </a:p>
+                  </a:txBody>
+                  <a:tcPr/>
+                </a:tc>
+                <a:extLst>
+                  <a:ext uri="{0D108BD9-81ED-4DB2-BD59-A6C34878D82A}">
+                    <a16:rowId xmlns:a16="http://schemas.microsoft.com/office/drawing/2014/main" val="3529163793"/>
+                  </a:ext>
+                </a:extLst>
+              </a:tr>
+            </a:tbl>
+          </a:graphicData>
+        </a:graphic>
+      </p:graphicFrame>
+    </p:spTree>
+    <p:extLst>
+      <p:ext uri="{BB962C8B-B14F-4D97-AF65-F5344CB8AC3E}">
+        <p14:creationId xmlns:p14="http://schemas.microsoft.com/office/powerpoint/2010/main" val="532003155"/>
+      </p:ext>
+    </p:extLst>
+  </p:cSld>
+  <p:clrMapOvr>
+    <a:masterClrMapping/>
+  </p:clrMapOvr>
+</p:sld>
+</file>
+
+<file path=ppt/slides/slide12.xml><?xml version="1.0" encoding="utf-8"?>
+<p:sld xmlns:a="http://schemas.openxmlformats.org/drawingml/2006/main" xmlns:r="http://schemas.openxmlformats.org/officeDocument/2006/relationships" xmlns:p="http://schemas.openxmlformats.org/presentationml/2006/main">
+  <p:cSld>
+    <p:spTree>
+      <p:nvGrpSpPr>
+        <p:cNvPr id="1" name=""/>
+        <p:cNvGrpSpPr/>
+        <p:nvPr/>
+      </p:nvGrpSpPr>
+      <p:grpSpPr>
+        <a:xfrm>
+          <a:off x="0" y="0"/>
+          <a:ext cx="0" cy="0"/>
+          <a:chOff x="0" y="0"/>
+          <a:chExt cx="0" cy="0"/>
+        </a:xfrm>
+      </p:grpSpPr>
+      <p:sp>
+        <p:nvSpPr>
           <p:cNvPr id="2" name="Title 1">
             <a:extLst>
               <a:ext uri="{FF2B5EF4-FFF2-40B4-BE49-F238E27FC236}">
-                <a16:creationId xmlns="" xmlns:a16="http://schemas.microsoft.com/office/drawing/2014/main" id="{B15ED5BE-AD40-47E3-AA33-E7B1B63CB7CC}"/>
+                <a16:creationId xmlns:a16="http://schemas.microsoft.com/office/drawing/2014/main" id="{B15ED5BE-AD40-47E3-AA33-E7B1B63CB7CC}"/>
               </a:ext>
             </a:extLst>
           </p:cNvPr>
@@ -4669,10 +6288,9 @@
               <a:t>MatchSum</a:t>
             </a:r>
             <a:r>
-              <a:rPr lang="en-US" dirty="0" smtClean="0"/>
+              <a:rPr lang="en-US" dirty="0"/>
               <a:t>)</a:t>
             </a:r>
-            <a:endParaRPr lang="en-US" dirty="0"/>
           </a:p>
         </p:txBody>
       </p:sp>
@@ -4681,7 +6299,7 @@
           <p:cNvPr id="3" name="Content Placeholder 2">
             <a:extLst>
               <a:ext uri="{FF2B5EF4-FFF2-40B4-BE49-F238E27FC236}">
-                <a16:creationId xmlns="" xmlns:a16="http://schemas.microsoft.com/office/drawing/2014/main" id="{2F67B85E-7F9D-4104-B6CD-FC83865A7E25}"/>
+                <a16:creationId xmlns:a16="http://schemas.microsoft.com/office/drawing/2014/main" id="{2F67B85E-7F9D-4104-B6CD-FC83865A7E25}"/>
               </a:ext>
             </a:extLst>
           </p:cNvPr>
@@ -4939,7 +6557,7 @@
               <a:t> the </a:t>
             </a:r>
             <a:r>
-              <a:rPr lang="en-US" sz="1600" b="1" dirty="0" smtClean="0">
+              <a:rPr lang="en-US" sz="1600" b="1" dirty="0">
                 <a:solidFill>
                   <a:srgbClr val="FF6600"/>
                 </a:solidFill>
@@ -4953,20 +6571,6 @@
               <a:t>relatively small number of</a:t>
             </a:r>
             <a:r>
-              <a:rPr lang="en-US" sz="1600" dirty="0" smtClean="0">
-                <a:solidFill>
-                  <a:srgbClr val="FF6600"/>
-                </a:solidFill>
-                <a:highlight>
-                  <a:srgbClr val="FFFF00"/>
-                </a:highlight>
-                <a:latin typeface="Calibri" panose="020F0502020204030204" pitchFamily="34" charset="0"/>
-                <a:ea typeface="Calibri" panose="020F0502020204030204" pitchFamily="34" charset="0"/>
-                <a:cs typeface="Times New Roman" panose="02020603050405020304" pitchFamily="18" charset="0"/>
-              </a:rPr>
-              <a:t> </a:t>
-            </a:r>
-            <a:r>
               <a:rPr lang="en-US" sz="1600" dirty="0">
                 <a:solidFill>
                   <a:srgbClr val="FF6600"/>
@@ -4978,7 +6582,7 @@
                 <a:ea typeface="Calibri" panose="020F0502020204030204" pitchFamily="34" charset="0"/>
                 <a:cs typeface="Times New Roman" panose="02020603050405020304" pitchFamily="18" charset="0"/>
               </a:rPr>
-              <a:t>plaintiff 's </a:t>
+              <a:t> plaintiff 's </a:t>
             </a:r>
             <a:r>
               <a:rPr lang="en-US" sz="1600" b="1" dirty="0">
@@ -5078,21 +6682,8 @@
                 <a:ea typeface="Calibri" panose="020F0502020204030204" pitchFamily="34" charset="0"/>
                 <a:cs typeface="Times New Roman" panose="02020603050405020304" pitchFamily="18" charset="0"/>
               </a:rPr>
-              <a:t>furthermore , the restriction is unduly </a:t>
-            </a:r>
-            <a:r>
-              <a:rPr lang="en-US" sz="1600" dirty="0" smtClean="0">
-                <a:latin typeface="Calibri" panose="020F0502020204030204" pitchFamily="34" charset="0"/>
-                <a:ea typeface="Calibri" panose="020F0502020204030204" pitchFamily="34" charset="0"/>
-                <a:cs typeface="Times New Roman" panose="02020603050405020304" pitchFamily="18" charset="0"/>
-              </a:rPr>
-              <a:t>vague. </a:t>
-            </a:r>
-            <a:endParaRPr lang="en-US" sz="1600" dirty="0">
-              <a:latin typeface="Calibri" panose="020F0502020204030204" pitchFamily="34" charset="0"/>
-              <a:ea typeface="Calibri" panose="020F0502020204030204" pitchFamily="34" charset="0"/>
-              <a:cs typeface="Times New Roman" panose="02020603050405020304" pitchFamily="18" charset="0"/>
-            </a:endParaRPr>
+              <a:t>furthermore , the restriction is unduly vague. </a:t>
+            </a:r>
           </a:p>
           <a:p>
             <a:pPr marL="0" lvl="0" indent="0">
@@ -5116,15 +6707,7 @@
                 <a:ea typeface="Calibri" panose="020F0502020204030204" pitchFamily="34" charset="0"/>
                 <a:cs typeface="Times New Roman" panose="02020603050405020304" pitchFamily="18" charset="0"/>
               </a:rPr>
-              <a:t>Generated </a:t>
-            </a:r>
-            <a:r>
-              <a:rPr lang="en-US" sz="1600" b="1" dirty="0" smtClean="0">
-                <a:latin typeface="Calibri" panose="020F0502020204030204" pitchFamily="34" charset="0"/>
-                <a:ea typeface="Calibri" panose="020F0502020204030204" pitchFamily="34" charset="0"/>
-                <a:cs typeface="Times New Roman" panose="02020603050405020304" pitchFamily="18" charset="0"/>
-              </a:rPr>
-              <a:t>Headnote:</a:t>
+              <a:t>Generated Headnote:</a:t>
             </a:r>
           </a:p>
           <a:p>
@@ -5144,17 +6727,6 @@
               </a:tabLst>
             </a:pPr>
             <a:r>
-              <a:rPr lang="en-US" sz="1600" dirty="0" smtClean="0">
-                <a:highlight>
-                  <a:srgbClr val="00FF00"/>
-                </a:highlight>
-                <a:latin typeface="Calibri" panose="020F0502020204030204" pitchFamily="34" charset="0"/>
-                <a:ea typeface="Calibri" panose="020F0502020204030204" pitchFamily="34" charset="0"/>
-                <a:cs typeface="Times New Roman" panose="02020603050405020304" pitchFamily="18" charset="0"/>
-              </a:rPr>
-              <a:t>the </a:t>
-            </a:r>
-            <a:r>
               <a:rPr lang="en-US" sz="1600" dirty="0">
                 <a:highlight>
                   <a:srgbClr val="00FF00"/>
@@ -5163,7 +6735,7 @@
                 <a:ea typeface="Calibri" panose="020F0502020204030204" pitchFamily="34" charset="0"/>
                 <a:cs typeface="Times New Roman" panose="02020603050405020304" pitchFamily="18" charset="0"/>
               </a:rPr>
-              <a:t>covenant in question </a:t>
+              <a:t>the covenant in question </a:t>
             </a:r>
             <a:r>
               <a:rPr lang="en-US" sz="1600" b="1" dirty="0">
@@ -5655,7 +7227,7 @@
               <a:t> </a:t>
             </a:r>
             <a:r>
-              <a:rPr lang="en-US" sz="1600" dirty="0" smtClean="0">
+              <a:rPr lang="en-US" sz="1600" dirty="0">
                 <a:highlight>
                   <a:srgbClr val="FFFF00"/>
                 </a:highlight>
@@ -5686,7 +7258,7 @@
 </p:sld>
 </file>
 
-<file path=ppt/slides/slide12.xml><?xml version="1.0" encoding="utf-8"?>
+<file path=ppt/slides/slide13.xml><?xml version="1.0" encoding="utf-8"?>
 <p:sld xmlns:a="http://schemas.openxmlformats.org/drawingml/2006/main" xmlns:r="http://schemas.openxmlformats.org/officeDocument/2006/relationships" xmlns:p="http://schemas.openxmlformats.org/presentationml/2006/main">
   <p:cSld>
     <p:spTree>
@@ -5708,7 +7280,7 @@
           <p:cNvPr id="2" name="Title 1">
             <a:extLst>
               <a:ext uri="{FF2B5EF4-FFF2-40B4-BE49-F238E27FC236}">
-                <a16:creationId xmlns="" xmlns:a16="http://schemas.microsoft.com/office/drawing/2014/main" id="{B15ED5BE-AD40-47E3-AA33-E7B1B63CB7CC}"/>
+                <a16:creationId xmlns:a16="http://schemas.microsoft.com/office/drawing/2014/main" id="{B15ED5BE-AD40-47E3-AA33-E7B1B63CB7CC}"/>
               </a:ext>
             </a:extLst>
           </p:cNvPr>
@@ -5733,21 +7305,16 @@
           <a:p>
             <a:r>
               <a:rPr lang="en-US" dirty="0"/>
-              <a:t>Sample Results </a:t>
-            </a:r>
-            <a:r>
-              <a:rPr lang="en-US" dirty="0" smtClean="0"/>
-              <a:t>(</a:t>
-            </a:r>
-            <a:r>
-              <a:rPr lang="en-US" dirty="0" err="1" smtClean="0"/>
+              <a:t>Sample Results (</a:t>
+            </a:r>
+            <a:r>
+              <a:rPr lang="en-US" dirty="0" err="1"/>
               <a:t>PreSumm</a:t>
             </a:r>
             <a:r>
-              <a:rPr lang="en-US" dirty="0" smtClean="0"/>
+              <a:rPr lang="en-US" dirty="0"/>
               <a:t>)</a:t>
             </a:r>
-            <a:endParaRPr lang="en-US" dirty="0"/>
           </a:p>
         </p:txBody>
       </p:sp>
@@ -5756,7 +7323,7 @@
           <p:cNvPr id="3" name="Content Placeholder 2">
             <a:extLst>
               <a:ext uri="{FF2B5EF4-FFF2-40B4-BE49-F238E27FC236}">
-                <a16:creationId xmlns="" xmlns:a16="http://schemas.microsoft.com/office/drawing/2014/main" id="{2F67B85E-7F9D-4104-B6CD-FC83865A7E25}"/>
+                <a16:creationId xmlns:a16="http://schemas.microsoft.com/office/drawing/2014/main" id="{2F67B85E-7F9D-4104-B6CD-FC83865A7E25}"/>
               </a:ext>
             </a:extLst>
           </p:cNvPr>
@@ -5935,20 +7502,12 @@
               </a:tabLst>
             </a:pPr>
             <a:r>
-              <a:rPr lang="en-US" sz="1600" b="1" dirty="0" smtClean="0">
+              <a:rPr lang="en-US" sz="1600" b="1" dirty="0">
                 <a:latin typeface="Calibri" panose="020F0502020204030204" pitchFamily="34" charset="0"/>
                 <a:ea typeface="Calibri" panose="020F0502020204030204" pitchFamily="34" charset="0"/>
                 <a:cs typeface="Times New Roman" panose="02020603050405020304" pitchFamily="18" charset="0"/>
               </a:rPr>
-              <a:t>Generated </a:t>
-            </a:r>
-            <a:r>
-              <a:rPr lang="en-US" sz="1600" b="1" dirty="0" smtClean="0">
-                <a:latin typeface="Calibri" panose="020F0502020204030204" pitchFamily="34" charset="0"/>
-                <a:ea typeface="Calibri" panose="020F0502020204030204" pitchFamily="34" charset="0"/>
-                <a:cs typeface="Times New Roman" panose="02020603050405020304" pitchFamily="18" charset="0"/>
-              </a:rPr>
-              <a:t>Headnote:</a:t>
+              <a:t>Generated Headnote:</a:t>
             </a:r>
           </a:p>
           <a:p>
@@ -5968,17 +7527,6 @@
               </a:tabLst>
             </a:pPr>
             <a:r>
-              <a:rPr lang="en-US" sz="1600" dirty="0" smtClean="0">
-                <a:highlight>
-                  <a:srgbClr val="00FF00"/>
-                </a:highlight>
-                <a:latin typeface="Calibri" panose="020F0502020204030204" pitchFamily="34" charset="0"/>
-                <a:ea typeface="Calibri" panose="020F0502020204030204" pitchFamily="34" charset="0"/>
-                <a:cs typeface="Times New Roman" panose="02020603050405020304" pitchFamily="18" charset="0"/>
-              </a:rPr>
-              <a:t>probation </a:t>
-            </a:r>
-            <a:r>
               <a:rPr lang="en-US" sz="1600" dirty="0">
                 <a:highlight>
                   <a:srgbClr val="00FF00"/>
@@ -5987,21 +7535,7 @@
                 <a:ea typeface="Calibri" panose="020F0502020204030204" pitchFamily="34" charset="0"/>
                 <a:cs typeface="Times New Roman" panose="02020603050405020304" pitchFamily="18" charset="0"/>
               </a:rPr>
-              <a:t>and parole lack of jurisdiction judgment arrested order vacated </a:t>
-            </a:r>
-            <a:r>
-              <a:rPr lang="en-US" sz="1600" b="1" dirty="0" smtClean="0">
-                <a:solidFill>
-                  <a:srgbClr val="FF0000"/>
-                </a:solidFill>
-                <a:highlight>
-                  <a:srgbClr val="00FF00"/>
-                </a:highlight>
-                <a:latin typeface="Calibri" panose="020F0502020204030204" pitchFamily="34" charset="0"/>
-                <a:ea typeface="Calibri" panose="020F0502020204030204" pitchFamily="34" charset="0"/>
-                <a:cs typeface="Times New Roman" panose="02020603050405020304" pitchFamily="18" charset="0"/>
-              </a:rPr>
-              <a:t>the </a:t>
+              <a:t>probation and parole lack of jurisdiction judgment arrested order vacated </a:t>
             </a:r>
             <a:r>
               <a:rPr lang="en-US" sz="1600" b="1" dirty="0">
@@ -6015,7 +7549,7 @@
                 <a:ea typeface="Calibri" panose="020F0502020204030204" pitchFamily="34" charset="0"/>
                 <a:cs typeface="Times New Roman" panose="02020603050405020304" pitchFamily="18" charset="0"/>
               </a:rPr>
-              <a:t>trial court lacked jurisdiction to extend defendants period of probation</a:t>
+              <a:t>the trial court lacked jurisdiction to extend defendants period of probation</a:t>
             </a:r>
             <a:r>
               <a:rPr lang="en-US" sz="1600" b="1" dirty="0">
@@ -6108,7 +7642,7 @@
 </p:sld>
 </file>
 
-<file path=ppt/slides/slide13.xml><?xml version="1.0" encoding="utf-8"?>
+<file path=ppt/slides/slide14.xml><?xml version="1.0" encoding="utf-8"?>
 <p:sld xmlns:a="http://schemas.openxmlformats.org/drawingml/2006/main" xmlns:r="http://schemas.openxmlformats.org/officeDocument/2006/relationships" xmlns:p="http://schemas.openxmlformats.org/presentationml/2006/main">
   <p:cSld>
     <p:spTree>
@@ -6141,10 +7675,9 @@
           <a:lstStyle/>
           <a:p>
             <a:r>
-              <a:rPr lang="en-US" dirty="0" smtClean="0"/>
-              <a:t>Next Steps</a:t>
-            </a:r>
-            <a:endParaRPr lang="en-US" dirty="0"/>
+              <a:rPr lang="en-US" dirty="0"/>
+              <a:t>Conclusion</a:t>
+            </a:r>
           </a:p>
         </p:txBody>
       </p:sp>
@@ -6161,7 +7694,7 @@
         <p:spPr/>
         <p:txBody>
           <a:bodyPr>
-            <a:normAutofit/>
+            <a:normAutofit fontScale="92500" lnSpcReduction="10000"/>
           </a:bodyPr>
           <a:lstStyle/>
           <a:p>
@@ -6170,8 +7703,30 @@
               <a:buAutoNum type="arabicPeriod"/>
             </a:pPr>
             <a:r>
-              <a:rPr lang="en-US" sz="2000" dirty="0" smtClean="0"/>
-              <a:t>Tuning the different hype parameters</a:t>
+              <a:rPr lang="en-US" sz="2000" dirty="0"/>
+              <a:t>For the </a:t>
+            </a:r>
+            <a:r>
+              <a:rPr lang="en-US" sz="2000" dirty="0" err="1"/>
+              <a:t>PreSumm</a:t>
+            </a:r>
+            <a:r>
+              <a:rPr lang="en-US" sz="2000" dirty="0"/>
+              <a:t> model, based on the ROUGE score we observe</a:t>
+            </a:r>
+          </a:p>
+          <a:p>
+            <a:pPr marL="749808" lvl="1" indent="-457200"/>
+            <a:r>
+              <a:rPr lang="en-US" sz="1800" dirty="0"/>
+              <a:t>The extractive model performs better than the abstractive based model</a:t>
+            </a:r>
+          </a:p>
+          <a:p>
+            <a:pPr marL="749808" lvl="1" indent="-457200"/>
+            <a:r>
+              <a:rPr lang="en-US" sz="1800" dirty="0"/>
+              <a:t>The trained model performs slightly better than the pretrained model</a:t>
             </a:r>
           </a:p>
           <a:p>
@@ -6180,8 +7735,27 @@
               <a:buAutoNum type="arabicPeriod"/>
             </a:pPr>
             <a:r>
-              <a:rPr lang="en-US" sz="2000" dirty="0" smtClean="0"/>
-              <a:t>Expanding the sentence length beyond the fixed limit of 512</a:t>
+              <a:rPr lang="en-US" sz="2000" dirty="0"/>
+              <a:t>For the </a:t>
+            </a:r>
+            <a:r>
+              <a:rPr lang="en-US" sz="2000" dirty="0" err="1"/>
+              <a:t>MathSum</a:t>
+            </a:r>
+            <a:r>
+              <a:rPr lang="en-US" sz="2000" dirty="0"/>
+              <a:t> model , based on the ROUGE score we observe</a:t>
+            </a:r>
+          </a:p>
+          <a:p>
+            <a:pPr lvl="3"/>
+            <a:r>
+              <a:rPr lang="en-US" sz="1400" dirty="0" err="1"/>
+              <a:t>RoBERTa</a:t>
+            </a:r>
+            <a:r>
+              <a:rPr lang="en-US" sz="1400" dirty="0"/>
+              <a:t> model performs better than the BERT model</a:t>
             </a:r>
           </a:p>
           <a:p>
@@ -6190,8 +7764,24 @@
               <a:buAutoNum type="arabicPeriod"/>
             </a:pPr>
             <a:r>
-              <a:rPr lang="en-US" sz="2000" dirty="0" smtClean="0"/>
-              <a:t>Using all the cases</a:t>
+              <a:rPr lang="en-US" sz="2000" dirty="0"/>
+              <a:t>Over all the </a:t>
+            </a:r>
+            <a:r>
+              <a:rPr lang="en-US" sz="2000" dirty="0" err="1"/>
+              <a:t>MathSum</a:t>
+            </a:r>
+            <a:r>
+              <a:rPr lang="en-US" sz="2000" dirty="0"/>
+              <a:t> model performed better than the </a:t>
+            </a:r>
+            <a:r>
+              <a:rPr lang="en-US" sz="2000" dirty="0" err="1"/>
+              <a:t>PreSumm</a:t>
+            </a:r>
+            <a:r>
+              <a:rPr lang="en-US" sz="2000" dirty="0"/>
+              <a:t> model</a:t>
             </a:r>
           </a:p>
           <a:p>
@@ -6200,10 +7790,48 @@
               <a:buAutoNum type="arabicPeriod"/>
             </a:pPr>
             <a:r>
-              <a:rPr lang="en-US" sz="2000" dirty="0" smtClean="0"/>
-              <a:t>Using all the opinions</a:t>
+              <a:rPr lang="en-US" sz="2000" dirty="0"/>
+              <a:t>This is also evident from samples of headnotes that we saw where we can find more sentences match the headnotes when we use the </a:t>
+            </a:r>
+            <a:r>
+              <a:rPr lang="en-US" sz="2000" dirty="0" err="1"/>
+              <a:t>MathSum</a:t>
+            </a:r>
+            <a:r>
+              <a:rPr lang="en-US" sz="2000" dirty="0"/>
+              <a:t> model than when we use the </a:t>
+            </a:r>
+            <a:r>
+              <a:rPr lang="en-US" sz="2000"/>
+              <a:t>PreSumm model</a:t>
             </a:r>
             <a:endParaRPr lang="en-US" sz="2000" dirty="0"/>
+          </a:p>
+          <a:p>
+            <a:pPr marL="457200" indent="-457200">
+              <a:buFont typeface="+mj-lt"/>
+              <a:buAutoNum type="arabicPeriod"/>
+            </a:pPr>
+            <a:r>
+              <a:rPr lang="en-US" sz="2000" dirty="0"/>
+              <a:t>The </a:t>
+            </a:r>
+            <a:r>
+              <a:rPr lang="en-US" sz="2000" dirty="0" err="1"/>
+              <a:t>MathSum</a:t>
+            </a:r>
+            <a:r>
+              <a:rPr lang="en-US" sz="2000" dirty="0"/>
+              <a:t> </a:t>
+            </a:r>
+            <a:r>
+              <a:rPr lang="en-US" sz="2000" dirty="0" err="1"/>
+              <a:t>RoBERTa</a:t>
+            </a:r>
+            <a:r>
+              <a:rPr lang="en-US" sz="2000" dirty="0"/>
+              <a:t> model performed the best</a:t>
+            </a:r>
           </a:p>
         </p:txBody>
       </p:sp>
@@ -6211,128 +7839,6 @@
     <p:extLst>
       <p:ext uri="{BB962C8B-B14F-4D97-AF65-F5344CB8AC3E}">
         <p14:creationId xmlns:p14="http://schemas.microsoft.com/office/powerpoint/2010/main" val="847104291"/>
-      </p:ext>
-    </p:extLst>
-  </p:cSld>
-  <p:clrMapOvr>
-    <a:masterClrMapping/>
-  </p:clrMapOvr>
-</p:sld>
-</file>
-
-<file path=ppt/slides/slide14.xml><?xml version="1.0" encoding="utf-8"?>
-<p:sld xmlns:a="http://schemas.openxmlformats.org/drawingml/2006/main" xmlns:r="http://schemas.openxmlformats.org/officeDocument/2006/relationships" xmlns:p="http://schemas.openxmlformats.org/presentationml/2006/main">
-  <p:cSld>
-    <p:spTree>
-      <p:nvGrpSpPr>
-        <p:cNvPr id="1" name=""/>
-        <p:cNvGrpSpPr/>
-        <p:nvPr/>
-      </p:nvGrpSpPr>
-      <p:grpSpPr>
-        <a:xfrm>
-          <a:off x="0" y="0"/>
-          <a:ext cx="0" cy="0"/>
-          <a:chOff x="0" y="0"/>
-          <a:chExt cx="0" cy="0"/>
-        </a:xfrm>
-      </p:grpSpPr>
-      <p:sp>
-        <p:nvSpPr>
-          <p:cNvPr id="2" name="Title 1">
-            <a:extLst>
-              <a:ext uri="{FF2B5EF4-FFF2-40B4-BE49-F238E27FC236}">
-                <a16:creationId xmlns="" xmlns:a16="http://schemas.microsoft.com/office/drawing/2014/main" id="{CA344CBA-FB2B-44A2-9612-01FA04D41200}"/>
-              </a:ext>
-            </a:extLst>
-          </p:cNvPr>
-          <p:cNvSpPr>
-            <a:spLocks noGrp="1"/>
-          </p:cNvSpPr>
-          <p:nvPr>
-            <p:ph type="title"/>
-          </p:nvPr>
-        </p:nvSpPr>
-        <p:spPr/>
-        <p:txBody>
-          <a:bodyPr/>
-          <a:lstStyle/>
-          <a:p>
-            <a:r>
-              <a:rPr lang="en-US" dirty="0"/>
-              <a:t>Our Research</a:t>
-            </a:r>
-          </a:p>
-        </p:txBody>
-      </p:sp>
-      <p:sp>
-        <p:nvSpPr>
-          <p:cNvPr id="3" name="Content Placeholder 2">
-            <a:extLst>
-              <a:ext uri="{FF2B5EF4-FFF2-40B4-BE49-F238E27FC236}">
-                <a16:creationId xmlns="" xmlns:a16="http://schemas.microsoft.com/office/drawing/2014/main" id="{F66CA81D-1701-4C2D-AE08-277C299D9B85}"/>
-              </a:ext>
-            </a:extLst>
-          </p:cNvPr>
-          <p:cNvSpPr>
-            <a:spLocks noGrp="1"/>
-          </p:cNvSpPr>
-          <p:nvPr>
-            <p:ph idx="1"/>
-          </p:nvPr>
-        </p:nvSpPr>
-        <p:spPr>
-          <a:xfrm>
-            <a:off x="1097280" y="1899590"/>
-            <a:ext cx="10058400" cy="4503521"/>
-          </a:xfrm>
-        </p:spPr>
-        <p:txBody>
-          <a:bodyPr>
-            <a:normAutofit/>
-          </a:bodyPr>
-          <a:lstStyle/>
-          <a:p>
-            <a:pPr lvl="0"/>
-            <a:r>
-              <a:rPr lang="en-US" sz="2400" b="1" dirty="0"/>
-              <a:t>Types of Summarizations</a:t>
-            </a:r>
-          </a:p>
-          <a:p>
-            <a:pPr lvl="0"/>
-            <a:r>
-              <a:rPr lang="en-US" b="1" dirty="0"/>
-              <a:t>Extraction-based summarization</a:t>
-            </a:r>
-            <a:r>
-              <a:rPr lang="en-US" dirty="0"/>
-              <a:t>: Content is extracted from original document and is not modified. This method will extract key phrases or sentences to form a summary. The summary generated by this method may not be the same format as a human might express  it and the sentences may appear disjointed</a:t>
-            </a:r>
-          </a:p>
-          <a:p>
-            <a:pPr lvl="0"/>
-            <a:r>
-              <a:rPr lang="en-US" b="1" dirty="0"/>
-              <a:t>Abstraction-based summarization</a:t>
-            </a:r>
-            <a:r>
-              <a:rPr lang="en-US" dirty="0"/>
-              <a:t>: Abstractive methods generate a summary based on internal semantic representation of the original content, closer to what a human might express. Abstraction may transform the extracted content. Such transformation are computationally very challenging  , involving both NLP (natural language processing) and a deep understanding of the document </a:t>
-            </a:r>
-          </a:p>
-          <a:p>
-            <a:pPr marL="457200" indent="-457200">
-              <a:buAutoNum type="arabicParenR"/>
-            </a:pPr>
-            <a:endParaRPr lang="en-US" dirty="0"/>
-          </a:p>
-        </p:txBody>
-      </p:sp>
-    </p:spTree>
-    <p:extLst>
-      <p:ext uri="{BB962C8B-B14F-4D97-AF65-F5344CB8AC3E}">
-        <p14:creationId xmlns:p14="http://schemas.microsoft.com/office/powerpoint/2010/main" val="1897433995"/>
       </p:ext>
     </p:extLst>
   </p:cSld>
@@ -6361,13 +7867,7 @@
       </p:grpSpPr>
       <p:sp>
         <p:nvSpPr>
-          <p:cNvPr id="2" name="Title 1">
-            <a:extLst>
-              <a:ext uri="{FF2B5EF4-FFF2-40B4-BE49-F238E27FC236}">
-                <a16:creationId xmlns="" xmlns:a16="http://schemas.microsoft.com/office/drawing/2014/main" id="{A89F2B34-DF68-420A-A1A7-69ABD17B850E}"/>
-              </a:ext>
-            </a:extLst>
-          </p:cNvPr>
+          <p:cNvPr id="2" name="Title 1"/>
           <p:cNvSpPr>
             <a:spLocks noGrp="1"/>
           </p:cNvSpPr>
@@ -6382,20 +7882,14 @@
           <a:p>
             <a:r>
               <a:rPr lang="en-US" dirty="0"/>
-              <a:t>Our Research</a:t>
+              <a:t>Next Steps</a:t>
             </a:r>
           </a:p>
         </p:txBody>
       </p:sp>
       <p:sp>
         <p:nvSpPr>
-          <p:cNvPr id="3" name="Content Placeholder 2">
-            <a:extLst>
-              <a:ext uri="{FF2B5EF4-FFF2-40B4-BE49-F238E27FC236}">
-                <a16:creationId xmlns="" xmlns:a16="http://schemas.microsoft.com/office/drawing/2014/main" id="{E1B94245-4F0C-4B7C-9103-E79616CDFF6C}"/>
-              </a:ext>
-            </a:extLst>
-          </p:cNvPr>
+          <p:cNvPr id="3" name="Content Placeholder 2"/>
           <p:cNvSpPr>
             <a:spLocks noGrp="1"/>
           </p:cNvSpPr>
@@ -6406,93 +7900,47 @@
         <p:spPr/>
         <p:txBody>
           <a:bodyPr>
-            <a:normAutofit fontScale="92500" lnSpcReduction="20000"/>
+            <a:normAutofit/>
           </a:bodyPr>
           <a:lstStyle/>
           <a:p>
-            <a:r>
-              <a:rPr lang="en-US" sz="2800" b="1" dirty="0"/>
-              <a:t>BERT (</a:t>
-            </a:r>
-            <a:r>
-              <a:rPr lang="en-US" sz="2800" dirty="0"/>
-              <a:t>Bidirectional Encoder Representations from Transformers )</a:t>
-            </a:r>
-            <a:endParaRPr lang="en-US" sz="2800" b="1" dirty="0"/>
-          </a:p>
-          <a:p>
-            <a:r>
-              <a:rPr lang="en-US" dirty="0"/>
-              <a:t>BERT is a NLP technique developed by Google(published in 2018 by Jacob Devlin and his colleagues) which can be used to created pretrained language models.  This </a:t>
-            </a:r>
-            <a:r>
-              <a:rPr lang="en-US" dirty="0" err="1"/>
-              <a:t>technigque</a:t>
-            </a:r>
-            <a:r>
-              <a:rPr lang="en-US" dirty="0"/>
-              <a:t> </a:t>
-            </a:r>
-            <a:r>
-              <a:rPr lang="en-US" dirty="0" err="1"/>
-              <a:t>hae</a:t>
-            </a:r>
-            <a:r>
-              <a:rPr lang="en-US" dirty="0"/>
-              <a:t> </a:t>
-            </a:r>
-            <a:r>
-              <a:rPr lang="en-US" dirty="0" err="1"/>
-              <a:t>reently</a:t>
-            </a:r>
-            <a:r>
-              <a:rPr lang="en-US" dirty="0"/>
-              <a:t> been used to create pretrained models for a wide range of natural language processing tasks.  BERT is a deeply bidirectional, unsupervised language representation and these models are  pre-trained using only a plain text corpus. BERT uses a masking </a:t>
-            </a:r>
-            <a:r>
-              <a:rPr lang="en-US" dirty="0" err="1"/>
-              <a:t>stategy</a:t>
-            </a:r>
-            <a:r>
-              <a:rPr lang="en-US" dirty="0"/>
-              <a:t> and learns to predict masked sections within the text</a:t>
-            </a:r>
-          </a:p>
-          <a:p>
-            <a:r>
-              <a:rPr lang="en-US" sz="2800" b="1" dirty="0" err="1"/>
-              <a:t>RoBERTa</a:t>
-            </a:r>
-            <a:r>
-              <a:rPr lang="en-US" sz="2800" dirty="0"/>
-              <a:t>(</a:t>
-            </a:r>
-            <a:r>
-              <a:rPr lang="en-US" sz="2600" b="1" dirty="0"/>
-              <a:t>Robustly Optimized BERT Pretraining Approach</a:t>
-            </a:r>
-            <a:r>
-              <a:rPr lang="en-US" b="1" dirty="0"/>
-              <a:t>)</a:t>
-            </a:r>
-            <a:endParaRPr lang="en-US" sz="2800" dirty="0"/>
-          </a:p>
-          <a:p>
-            <a:r>
-              <a:rPr lang="en-US" dirty="0" err="1"/>
-              <a:t>RoBERTa</a:t>
-            </a:r>
-            <a:r>
-              <a:rPr lang="en-US" dirty="0"/>
-              <a:t> builds on BERT’s language masking strategy. It modifies key hyperparameters in BERT, removing BERT’s next-sentence pretraining objective, and training with much larger mini-batches and learning rates. This allows </a:t>
-            </a:r>
-            <a:r>
-              <a:rPr lang="en-US" dirty="0" err="1"/>
-              <a:t>RoBERTa</a:t>
-            </a:r>
-            <a:r>
-              <a:rPr lang="en-US" dirty="0"/>
-              <a:t> to improve on the masked language modeling objective compared with BERT and leads to better downstream task performance. </a:t>
+            <a:pPr marL="457200" indent="-457200">
+              <a:buFont typeface="+mj-lt"/>
+              <a:buAutoNum type="arabicPeriod"/>
+            </a:pPr>
+            <a:r>
+              <a:rPr lang="en-US" sz="2000" dirty="0"/>
+              <a:t>Tuning the different hype parameters</a:t>
+            </a:r>
+          </a:p>
+          <a:p>
+            <a:pPr marL="457200" indent="-457200">
+              <a:buFont typeface="+mj-lt"/>
+              <a:buAutoNum type="arabicPeriod"/>
+            </a:pPr>
+            <a:r>
+              <a:rPr lang="en-US" sz="2000" dirty="0"/>
+              <a:t>Expanding the sentence length beyond the fixed limit of 512</a:t>
+            </a:r>
+          </a:p>
+          <a:p>
+            <a:pPr marL="457200" indent="-457200">
+              <a:buFont typeface="+mj-lt"/>
+              <a:buAutoNum type="arabicPeriod"/>
+            </a:pPr>
+            <a:r>
+              <a:rPr lang="en-US" sz="2000" dirty="0"/>
+              <a:t>Using all the cases</a:t>
+            </a:r>
+          </a:p>
+          <a:p>
+            <a:pPr marL="457200" indent="-457200">
+              <a:buFont typeface="+mj-lt"/>
+              <a:buAutoNum type="arabicPeriod"/>
+            </a:pPr>
+            <a:r>
+              <a:rPr lang="en-US" sz="2000" dirty="0"/>
+              <a:t>Using all the opinions</a:t>
             </a:r>
           </a:p>
         </p:txBody>
@@ -6500,7 +7948,7 @@
     </p:spTree>
     <p:extLst>
       <p:ext uri="{BB962C8B-B14F-4D97-AF65-F5344CB8AC3E}">
-        <p14:creationId xmlns:p14="http://schemas.microsoft.com/office/powerpoint/2010/main" val="360813130"/>
+        <p14:creationId xmlns:p14="http://schemas.microsoft.com/office/powerpoint/2010/main" val="1658042769"/>
       </p:ext>
     </p:extLst>
   </p:cSld>
@@ -6532,7 +7980,297 @@
           <p:cNvPr id="2" name="Title 1">
             <a:extLst>
               <a:ext uri="{FF2B5EF4-FFF2-40B4-BE49-F238E27FC236}">
-                <a16:creationId xmlns="" xmlns:a16="http://schemas.microsoft.com/office/drawing/2014/main" id="{CA344CBA-FB2B-44A2-9612-01FA04D41200}"/>
+                <a16:creationId xmlns:a16="http://schemas.microsoft.com/office/drawing/2014/main" id="{CA344CBA-FB2B-44A2-9612-01FA04D41200}"/>
+              </a:ext>
+            </a:extLst>
+          </p:cNvPr>
+          <p:cNvSpPr>
+            <a:spLocks noGrp="1"/>
+          </p:cNvSpPr>
+          <p:nvPr>
+            <p:ph type="title"/>
+          </p:nvPr>
+        </p:nvSpPr>
+        <p:spPr/>
+        <p:txBody>
+          <a:bodyPr/>
+          <a:lstStyle/>
+          <a:p>
+            <a:r>
+              <a:rPr lang="en-US" dirty="0"/>
+              <a:t>Our Research</a:t>
+            </a:r>
+          </a:p>
+        </p:txBody>
+      </p:sp>
+      <p:sp>
+        <p:nvSpPr>
+          <p:cNvPr id="3" name="Content Placeholder 2">
+            <a:extLst>
+              <a:ext uri="{FF2B5EF4-FFF2-40B4-BE49-F238E27FC236}">
+                <a16:creationId xmlns:a16="http://schemas.microsoft.com/office/drawing/2014/main" id="{F66CA81D-1701-4C2D-AE08-277C299D9B85}"/>
+              </a:ext>
+            </a:extLst>
+          </p:cNvPr>
+          <p:cNvSpPr>
+            <a:spLocks noGrp="1"/>
+          </p:cNvSpPr>
+          <p:nvPr>
+            <p:ph idx="1"/>
+          </p:nvPr>
+        </p:nvSpPr>
+        <p:spPr>
+          <a:xfrm>
+            <a:off x="1097280" y="1899590"/>
+            <a:ext cx="10058400" cy="4503521"/>
+          </a:xfrm>
+        </p:spPr>
+        <p:txBody>
+          <a:bodyPr>
+            <a:normAutofit/>
+          </a:bodyPr>
+          <a:lstStyle/>
+          <a:p>
+            <a:pPr lvl="0"/>
+            <a:r>
+              <a:rPr lang="en-US" sz="2400" b="1" dirty="0"/>
+              <a:t>Types of Summarizations</a:t>
+            </a:r>
+          </a:p>
+          <a:p>
+            <a:pPr lvl="0"/>
+            <a:r>
+              <a:rPr lang="en-US" b="1" dirty="0"/>
+              <a:t>Extraction-based summarization</a:t>
+            </a:r>
+            <a:r>
+              <a:rPr lang="en-US" dirty="0"/>
+              <a:t>: Content is extracted from original document and is not modified. This method will extract key phrases or sentences to form a summary. The summary generated by this method may not be the same format as a human might express  it and the sentences may appear disjointed</a:t>
+            </a:r>
+          </a:p>
+          <a:p>
+            <a:pPr lvl="0"/>
+            <a:r>
+              <a:rPr lang="en-US" b="1" dirty="0"/>
+              <a:t>Abstraction-based summarization</a:t>
+            </a:r>
+            <a:r>
+              <a:rPr lang="en-US" dirty="0"/>
+              <a:t>: Abstractive methods generate a summary based on internal semantic representation of the original content, closer to what a human might express. Abstraction may transform the extracted content. Such transformation are computationally very challenging  , involving both NLP (natural language processing) and a deep understanding of the document </a:t>
+            </a:r>
+          </a:p>
+          <a:p>
+            <a:pPr marL="457200" indent="-457200">
+              <a:buAutoNum type="arabicParenR"/>
+            </a:pPr>
+            <a:endParaRPr lang="en-US" dirty="0"/>
+          </a:p>
+        </p:txBody>
+      </p:sp>
+    </p:spTree>
+    <p:extLst>
+      <p:ext uri="{BB962C8B-B14F-4D97-AF65-F5344CB8AC3E}">
+        <p14:creationId xmlns:p14="http://schemas.microsoft.com/office/powerpoint/2010/main" val="1897433995"/>
+      </p:ext>
+    </p:extLst>
+  </p:cSld>
+  <p:clrMapOvr>
+    <a:masterClrMapping/>
+  </p:clrMapOvr>
+</p:sld>
+</file>
+
+<file path=ppt/slides/slide17.xml><?xml version="1.0" encoding="utf-8"?>
+<p:sld xmlns:a="http://schemas.openxmlformats.org/drawingml/2006/main" xmlns:r="http://schemas.openxmlformats.org/officeDocument/2006/relationships" xmlns:p="http://schemas.openxmlformats.org/presentationml/2006/main">
+  <p:cSld>
+    <p:spTree>
+      <p:nvGrpSpPr>
+        <p:cNvPr id="1" name=""/>
+        <p:cNvGrpSpPr/>
+        <p:nvPr/>
+      </p:nvGrpSpPr>
+      <p:grpSpPr>
+        <a:xfrm>
+          <a:off x="0" y="0"/>
+          <a:ext cx="0" cy="0"/>
+          <a:chOff x="0" y="0"/>
+          <a:chExt cx="0" cy="0"/>
+        </a:xfrm>
+      </p:grpSpPr>
+      <p:sp>
+        <p:nvSpPr>
+          <p:cNvPr id="2" name="Title 1">
+            <a:extLst>
+              <a:ext uri="{FF2B5EF4-FFF2-40B4-BE49-F238E27FC236}">
+                <a16:creationId xmlns:a16="http://schemas.microsoft.com/office/drawing/2014/main" id="{A89F2B34-DF68-420A-A1A7-69ABD17B850E}"/>
+              </a:ext>
+            </a:extLst>
+          </p:cNvPr>
+          <p:cNvSpPr>
+            <a:spLocks noGrp="1"/>
+          </p:cNvSpPr>
+          <p:nvPr>
+            <p:ph type="title"/>
+          </p:nvPr>
+        </p:nvSpPr>
+        <p:spPr/>
+        <p:txBody>
+          <a:bodyPr/>
+          <a:lstStyle/>
+          <a:p>
+            <a:r>
+              <a:rPr lang="en-US" dirty="0"/>
+              <a:t>Our Research</a:t>
+            </a:r>
+          </a:p>
+        </p:txBody>
+      </p:sp>
+      <p:sp>
+        <p:nvSpPr>
+          <p:cNvPr id="3" name="Content Placeholder 2">
+            <a:extLst>
+              <a:ext uri="{FF2B5EF4-FFF2-40B4-BE49-F238E27FC236}">
+                <a16:creationId xmlns:a16="http://schemas.microsoft.com/office/drawing/2014/main" id="{E1B94245-4F0C-4B7C-9103-E79616CDFF6C}"/>
+              </a:ext>
+            </a:extLst>
+          </p:cNvPr>
+          <p:cNvSpPr>
+            <a:spLocks noGrp="1"/>
+          </p:cNvSpPr>
+          <p:nvPr>
+            <p:ph idx="1"/>
+          </p:nvPr>
+        </p:nvSpPr>
+        <p:spPr/>
+        <p:txBody>
+          <a:bodyPr>
+            <a:normAutofit fontScale="92500" lnSpcReduction="20000"/>
+          </a:bodyPr>
+          <a:lstStyle/>
+          <a:p>
+            <a:r>
+              <a:rPr lang="en-US" sz="2800" b="1" dirty="0"/>
+              <a:t>BERT (</a:t>
+            </a:r>
+            <a:r>
+              <a:rPr lang="en-US" sz="2800" dirty="0"/>
+              <a:t>Bidirectional Encoder Representations from Transformers )</a:t>
+            </a:r>
+            <a:endParaRPr lang="en-US" sz="2800" b="1" dirty="0"/>
+          </a:p>
+          <a:p>
+            <a:r>
+              <a:rPr lang="en-US" dirty="0"/>
+              <a:t>BERT is a NLP technique developed by Google(published in 2018 by Jacob Devlin and his colleagues) which can be used to created pretrained language models.  This </a:t>
+            </a:r>
+            <a:r>
+              <a:rPr lang="en-US" dirty="0" err="1"/>
+              <a:t>technigque</a:t>
+            </a:r>
+            <a:r>
+              <a:rPr lang="en-US" dirty="0"/>
+              <a:t> </a:t>
+            </a:r>
+            <a:r>
+              <a:rPr lang="en-US" dirty="0" err="1"/>
+              <a:t>hae</a:t>
+            </a:r>
+            <a:r>
+              <a:rPr lang="en-US" dirty="0"/>
+              <a:t> </a:t>
+            </a:r>
+            <a:r>
+              <a:rPr lang="en-US" dirty="0" err="1"/>
+              <a:t>reently</a:t>
+            </a:r>
+            <a:r>
+              <a:rPr lang="en-US" dirty="0"/>
+              <a:t> been used to create pretrained models for a wide range of natural language processing tasks.  BERT is a deeply bidirectional, unsupervised language representation and these models are  pre-trained using only a plain text corpus. BERT uses a masking </a:t>
+            </a:r>
+            <a:r>
+              <a:rPr lang="en-US" dirty="0" err="1"/>
+              <a:t>stategy</a:t>
+            </a:r>
+            <a:r>
+              <a:rPr lang="en-US" dirty="0"/>
+              <a:t> and learns to predict masked sections within the text</a:t>
+            </a:r>
+          </a:p>
+          <a:p>
+            <a:r>
+              <a:rPr lang="en-US" sz="2800" b="1" dirty="0" err="1"/>
+              <a:t>RoBERTa</a:t>
+            </a:r>
+            <a:r>
+              <a:rPr lang="en-US" sz="2800" dirty="0"/>
+              <a:t>(</a:t>
+            </a:r>
+            <a:r>
+              <a:rPr lang="en-US" sz="2600" b="1" dirty="0"/>
+              <a:t>Robustly Optimized BERT Pretraining Approach</a:t>
+            </a:r>
+            <a:r>
+              <a:rPr lang="en-US" b="1" dirty="0"/>
+              <a:t>)</a:t>
+            </a:r>
+            <a:endParaRPr lang="en-US" sz="2800" dirty="0"/>
+          </a:p>
+          <a:p>
+            <a:r>
+              <a:rPr lang="en-US" dirty="0" err="1"/>
+              <a:t>RoBERTa</a:t>
+            </a:r>
+            <a:r>
+              <a:rPr lang="en-US" dirty="0"/>
+              <a:t> builds on BERT’s language masking strategy. It modifies key hyperparameters in BERT, removing BERT’s next-sentence pretraining objective, and training with much larger mini-batches and learning rates. This allows </a:t>
+            </a:r>
+            <a:r>
+              <a:rPr lang="en-US" dirty="0" err="1"/>
+              <a:t>RoBERTa</a:t>
+            </a:r>
+            <a:r>
+              <a:rPr lang="en-US" dirty="0"/>
+              <a:t> to improve on the masked language modeling objective compared with BERT and leads to better downstream task performance. </a:t>
+            </a:r>
+          </a:p>
+        </p:txBody>
+      </p:sp>
+    </p:spTree>
+    <p:extLst>
+      <p:ext uri="{BB962C8B-B14F-4D97-AF65-F5344CB8AC3E}">
+        <p14:creationId xmlns:p14="http://schemas.microsoft.com/office/powerpoint/2010/main" val="360813130"/>
+      </p:ext>
+    </p:extLst>
+  </p:cSld>
+  <p:clrMapOvr>
+    <a:masterClrMapping/>
+  </p:clrMapOvr>
+</p:sld>
+</file>
+
+<file path=ppt/slides/slide18.xml><?xml version="1.0" encoding="utf-8"?>
+<p:sld xmlns:a="http://schemas.openxmlformats.org/drawingml/2006/main" xmlns:r="http://schemas.openxmlformats.org/officeDocument/2006/relationships" xmlns:p="http://schemas.openxmlformats.org/presentationml/2006/main">
+  <p:cSld>
+    <p:spTree>
+      <p:nvGrpSpPr>
+        <p:cNvPr id="1" name=""/>
+        <p:cNvGrpSpPr/>
+        <p:nvPr/>
+      </p:nvGrpSpPr>
+      <p:grpSpPr>
+        <a:xfrm>
+          <a:off x="0" y="0"/>
+          <a:ext cx="0" cy="0"/>
+          <a:chOff x="0" y="0"/>
+          <a:chExt cx="0" cy="0"/>
+        </a:xfrm>
+      </p:grpSpPr>
+      <p:sp>
+        <p:nvSpPr>
+          <p:cNvPr id="2" name="Title 1">
+            <a:extLst>
+              <a:ext uri="{FF2B5EF4-FFF2-40B4-BE49-F238E27FC236}">
+                <a16:creationId xmlns:a16="http://schemas.microsoft.com/office/drawing/2014/main" id="{CA344CBA-FB2B-44A2-9612-01FA04D41200}"/>
               </a:ext>
             </a:extLst>
           </p:cNvPr>
@@ -6565,7 +8303,7 @@
           <p:cNvPr id="3" name="Content Placeholder 2">
             <a:extLst>
               <a:ext uri="{FF2B5EF4-FFF2-40B4-BE49-F238E27FC236}">
-                <a16:creationId xmlns="" xmlns:a16="http://schemas.microsoft.com/office/drawing/2014/main" id="{F66CA81D-1701-4C2D-AE08-277C299D9B85}"/>
+                <a16:creationId xmlns:a16="http://schemas.microsoft.com/office/drawing/2014/main" id="{F66CA81D-1701-4C2D-AE08-277C299D9B85}"/>
               </a:ext>
             </a:extLst>
           </p:cNvPr>
@@ -6692,7 +8430,7 @@
           <p:cNvPr id="2" name="Title 1">
             <a:extLst>
               <a:ext uri="{FF2B5EF4-FFF2-40B4-BE49-F238E27FC236}">
-                <a16:creationId xmlns="" xmlns:a16="http://schemas.microsoft.com/office/drawing/2014/main" id="{CA344CBA-FB2B-44A2-9612-01FA04D41200}"/>
+                <a16:creationId xmlns:a16="http://schemas.microsoft.com/office/drawing/2014/main" id="{CA344CBA-FB2B-44A2-9612-01FA04D41200}"/>
               </a:ext>
             </a:extLst>
           </p:cNvPr>
@@ -6720,7 +8458,7 @@
           <p:cNvPr id="3" name="Content Placeholder 2">
             <a:extLst>
               <a:ext uri="{FF2B5EF4-FFF2-40B4-BE49-F238E27FC236}">
-                <a16:creationId xmlns="" xmlns:a16="http://schemas.microsoft.com/office/drawing/2014/main" id="{F66CA81D-1701-4C2D-AE08-277C299D9B85}"/>
+                <a16:creationId xmlns:a16="http://schemas.microsoft.com/office/drawing/2014/main" id="{F66CA81D-1701-4C2D-AE08-277C299D9B85}"/>
               </a:ext>
             </a:extLst>
           </p:cNvPr>
@@ -6746,34 +8484,21 @@
             <a:pPr lvl="0"/>
             <a:r>
               <a:rPr lang="en-US" sz="2200" dirty="0"/>
-              <a:t>Headnotes are brief case summary statements for court cases. They are generated by commercial third parties. They are usually under copyright protection and may not be available or may be subject to usage restrictions</a:t>
-            </a:r>
-            <a:r>
-              <a:rPr lang="en-US" sz="2200" dirty="0" smtClean="0"/>
-              <a:t>.</a:t>
+              <a:t>Headnotes are brief case summary statements for court cases. They are generated by commercial third parties. They are usually under copyright protection and may not be available or may be subject to usage restrictions.</a:t>
             </a:r>
           </a:p>
           <a:p>
             <a:pPr lvl="0"/>
             <a:r>
-              <a:rPr lang="en-US" sz="2200" dirty="0" smtClean="0"/>
-              <a:t>In </a:t>
-            </a:r>
-            <a:r>
               <a:rPr lang="en-US" sz="2200" dirty="0"/>
-              <a:t>this project we will use NLP summarized algorithms to reconstruct headnotes using a variety of court cases as our training dataset. </a:t>
-            </a:r>
-            <a:endParaRPr lang="en-US" sz="2200" dirty="0" smtClean="0"/>
+              <a:t>In this project we will use NLP summarized algorithms to reconstruct headnotes using a variety of court cases as our training dataset. </a:t>
+            </a:r>
           </a:p>
           <a:p>
             <a:pPr lvl="0"/>
             <a:r>
-              <a:rPr lang="en-US" sz="2200" dirty="0" smtClean="0"/>
-              <a:t>We </a:t>
-            </a:r>
-            <a:r>
               <a:rPr lang="en-US" sz="2200" dirty="0"/>
-              <a:t>have used for training, the dataset for historical court cases provided by the </a:t>
+              <a:t>We have used for training, the dataset for historical court cases provided by the </a:t>
             </a:r>
             <a:r>
               <a:rPr lang="en-US" sz="2200" dirty="0" err="1"/>
@@ -6821,7 +8546,7 @@
           <p:cNvPr id="2" name="Title 1">
             <a:extLst>
               <a:ext uri="{FF2B5EF4-FFF2-40B4-BE49-F238E27FC236}">
-                <a16:creationId xmlns="" xmlns:a16="http://schemas.microsoft.com/office/drawing/2014/main" id="{CA344CBA-FB2B-44A2-9612-01FA04D41200}"/>
+                <a16:creationId xmlns:a16="http://schemas.microsoft.com/office/drawing/2014/main" id="{CA344CBA-FB2B-44A2-9612-01FA04D41200}"/>
               </a:ext>
             </a:extLst>
           </p:cNvPr>
@@ -6854,7 +8579,7 @@
           <p:cNvPr id="3" name="Content Placeholder 2">
             <a:extLst>
               <a:ext uri="{FF2B5EF4-FFF2-40B4-BE49-F238E27FC236}">
-                <a16:creationId xmlns="" xmlns:a16="http://schemas.microsoft.com/office/drawing/2014/main" id="{F66CA81D-1701-4C2D-AE08-277C299D9B85}"/>
+                <a16:creationId xmlns:a16="http://schemas.microsoft.com/office/drawing/2014/main" id="{F66CA81D-1701-4C2D-AE08-277C299D9B85}"/>
               </a:ext>
             </a:extLst>
           </p:cNvPr>
@@ -6925,7 +8650,7 @@
           <p:cNvPr id="4" name="Table 5">
             <a:extLst>
               <a:ext uri="{FF2B5EF4-FFF2-40B4-BE49-F238E27FC236}">
-                <a16:creationId xmlns="" xmlns:a16="http://schemas.microsoft.com/office/drawing/2014/main" id="{CDC58BF9-8AD2-4729-BE3A-21FCD6C8C86A}"/>
+                <a16:creationId xmlns:a16="http://schemas.microsoft.com/office/drawing/2014/main" id="{CDC58BF9-8AD2-4729-BE3A-21FCD6C8C86A}"/>
               </a:ext>
             </a:extLst>
           </p:cNvPr>
@@ -6954,14 +8679,14 @@
                 <a:gridCol w="2917325">
                   <a:extLst>
                     <a:ext uri="{9D8B030D-6E8A-4147-A177-3AD203B41FA5}">
-                      <a16:colId xmlns="" xmlns:a16="http://schemas.microsoft.com/office/drawing/2014/main" val="2919214932"/>
+                      <a16:colId xmlns:a16="http://schemas.microsoft.com/office/drawing/2014/main" val="2919214932"/>
                     </a:ext>
                   </a:extLst>
                 </a:gridCol>
                 <a:gridCol w="2908762">
                   <a:extLst>
                     <a:ext uri="{9D8B030D-6E8A-4147-A177-3AD203B41FA5}">
-                      <a16:colId xmlns="" xmlns:a16="http://schemas.microsoft.com/office/drawing/2014/main" val="3416736214"/>
+                      <a16:colId xmlns:a16="http://schemas.microsoft.com/office/drawing/2014/main" val="3416736214"/>
                     </a:ext>
                   </a:extLst>
                 </a:gridCol>
@@ -6989,7 +8714,7 @@
                 </a:tc>
                 <a:extLst>
                   <a:ext uri="{0D108BD9-81ED-4DB2-BD59-A6C34878D82A}">
-                    <a16:rowId xmlns="" xmlns:a16="http://schemas.microsoft.com/office/drawing/2014/main" val="986129061"/>
+                    <a16:rowId xmlns:a16="http://schemas.microsoft.com/office/drawing/2014/main" val="986129061"/>
                   </a:ext>
                 </a:extLst>
               </a:tr>
@@ -7022,7 +8747,7 @@
                 </a:tc>
                 <a:extLst>
                   <a:ext uri="{0D108BD9-81ED-4DB2-BD59-A6C34878D82A}">
-                    <a16:rowId xmlns="" xmlns:a16="http://schemas.microsoft.com/office/drawing/2014/main" val="2923158457"/>
+                    <a16:rowId xmlns:a16="http://schemas.microsoft.com/office/drawing/2014/main" val="2923158457"/>
                   </a:ext>
                 </a:extLst>
               </a:tr>
@@ -7063,21 +8788,21 @@
                         <a:defRPr/>
                       </a:pPr>
                       <a:r>
-                        <a:rPr lang="en-US" dirty="0" smtClean="0"/>
+                        <a:rPr lang="en-US" dirty="0"/>
                         <a:t>97,600 (using 3,693</a:t>
                       </a:r>
                       <a:r>
-                        <a:rPr lang="en-US" baseline="0" dirty="0" smtClean="0"/>
+                        <a:rPr lang="en-US" baseline="0" dirty="0"/>
                         <a:t> cases)</a:t>
                       </a:r>
-                      <a:endParaRPr lang="en-US" dirty="0" smtClean="0"/>
+                      <a:endParaRPr lang="en-US" dirty="0"/>
                     </a:p>
                   </a:txBody>
                   <a:tcPr/>
                 </a:tc>
                 <a:extLst>
                   <a:ext uri="{0D108BD9-81ED-4DB2-BD59-A6C34878D82A}">
-                    <a16:rowId xmlns="" xmlns:a16="http://schemas.microsoft.com/office/drawing/2014/main" val="2759870889"/>
+                    <a16:rowId xmlns:a16="http://schemas.microsoft.com/office/drawing/2014/main" val="2759870889"/>
                   </a:ext>
                 </a:extLst>
               </a:tr>
@@ -7110,7 +8835,7 @@
                 </a:tc>
                 <a:extLst>
                   <a:ext uri="{0D108BD9-81ED-4DB2-BD59-A6C34878D82A}">
-                    <a16:rowId xmlns="" xmlns:a16="http://schemas.microsoft.com/office/drawing/2014/main" val="1675287206"/>
+                    <a16:rowId xmlns:a16="http://schemas.microsoft.com/office/drawing/2014/main" val="1675287206"/>
                   </a:ext>
                 </a:extLst>
               </a:tr>
@@ -7144,7 +8869,7 @@
                 </a:tc>
                 <a:extLst>
                   <a:ext uri="{0D108BD9-81ED-4DB2-BD59-A6C34878D82A}">
-                    <a16:rowId xmlns="" xmlns:a16="http://schemas.microsoft.com/office/drawing/2014/main" val="2602628322"/>
+                    <a16:rowId xmlns:a16="http://schemas.microsoft.com/office/drawing/2014/main" val="2602628322"/>
                   </a:ext>
                 </a:extLst>
               </a:tr>
@@ -7181,7 +8906,7 @@
                 </a:tc>
                 <a:extLst>
                   <a:ext uri="{0D108BD9-81ED-4DB2-BD59-A6C34878D82A}">
-                    <a16:rowId xmlns="" xmlns:a16="http://schemas.microsoft.com/office/drawing/2014/main" val="1328877814"/>
+                    <a16:rowId xmlns:a16="http://schemas.microsoft.com/office/drawing/2014/main" val="1328877814"/>
                   </a:ext>
                 </a:extLst>
               </a:tr>
@@ -7214,20 +8939,15 @@
                     <a:p>
                       <a:r>
                         <a:rPr lang="en-US" dirty="0"/>
-                        <a:t>headnotes and </a:t>
-                      </a:r>
-                      <a:r>
-                        <a:rPr lang="en-US" dirty="0" smtClean="0"/>
-                        <a:t>opinions</a:t>
-                      </a:r>
-                      <a:endParaRPr lang="en-US" dirty="0"/>
+                        <a:t>headnotes and opinions</a:t>
+                      </a:r>
                     </a:p>
                   </a:txBody>
                   <a:tcPr/>
                 </a:tc>
                 <a:extLst>
                   <a:ext uri="{0D108BD9-81ED-4DB2-BD59-A6C34878D82A}">
-                    <a16:rowId xmlns="" xmlns:a16="http://schemas.microsoft.com/office/drawing/2014/main" val="3507887961"/>
+                    <a16:rowId xmlns:a16="http://schemas.microsoft.com/office/drawing/2014/main" val="3507887961"/>
                   </a:ext>
                 </a:extLst>
               </a:tr>
@@ -7240,7 +8960,7 @@
           <p:cNvPr id="5" name="Picture 4">
             <a:extLst>
               <a:ext uri="{FF2B5EF4-FFF2-40B4-BE49-F238E27FC236}">
-                <a16:creationId xmlns="" xmlns:a16="http://schemas.microsoft.com/office/drawing/2014/main" id="{EC9799C3-2B3D-4E11-B8E0-90B04A451CE9}"/>
+                <a16:creationId xmlns:a16="http://schemas.microsoft.com/office/drawing/2014/main" id="{EC9799C3-2B3D-4E11-B8E0-90B04A451CE9}"/>
               </a:ext>
             </a:extLst>
           </p:cNvPr>
@@ -7270,7 +8990,7 @@
           <p:cNvPr id="6" name="TextBox 5">
             <a:extLst>
               <a:ext uri="{FF2B5EF4-FFF2-40B4-BE49-F238E27FC236}">
-                <a16:creationId xmlns="" xmlns:a16="http://schemas.microsoft.com/office/drawing/2014/main" id="{D18CB254-BC4E-464E-8235-486086BBF8F6}"/>
+                <a16:creationId xmlns:a16="http://schemas.microsoft.com/office/drawing/2014/main" id="{D18CB254-BC4E-464E-8235-486086BBF8F6}"/>
               </a:ext>
             </a:extLst>
           </p:cNvPr>
@@ -7335,7 +9055,7 @@
           <p:cNvPr id="2" name="Title 1">
             <a:extLst>
               <a:ext uri="{FF2B5EF4-FFF2-40B4-BE49-F238E27FC236}">
-                <a16:creationId xmlns="" xmlns:a16="http://schemas.microsoft.com/office/drawing/2014/main" id="{CA344CBA-FB2B-44A2-9612-01FA04D41200}"/>
+                <a16:creationId xmlns:a16="http://schemas.microsoft.com/office/drawing/2014/main" id="{CA344CBA-FB2B-44A2-9612-01FA04D41200}"/>
               </a:ext>
             </a:extLst>
           </p:cNvPr>
@@ -7368,7 +9088,7 @@
           <p:cNvPr id="3" name="Content Placeholder 2">
             <a:extLst>
               <a:ext uri="{FF2B5EF4-FFF2-40B4-BE49-F238E27FC236}">
-                <a16:creationId xmlns="" xmlns:a16="http://schemas.microsoft.com/office/drawing/2014/main" id="{F66CA81D-1701-4C2D-AE08-277C299D9B85}"/>
+                <a16:creationId xmlns:a16="http://schemas.microsoft.com/office/drawing/2014/main" id="{F66CA81D-1701-4C2D-AE08-277C299D9B85}"/>
               </a:ext>
             </a:extLst>
           </p:cNvPr>
@@ -7406,41 +9126,21 @@
             </a:pPr>
             <a:r>
               <a:rPr lang="en-US" sz="1800" dirty="0"/>
-              <a:t>Selected cases since </a:t>
-            </a:r>
-            <a:r>
-              <a:rPr lang="en-US" sz="1800" dirty="0" smtClean="0"/>
-              <a:t>2008 and extract </a:t>
-            </a:r>
-            <a:r>
-              <a:rPr lang="en-US" sz="1800" dirty="0" smtClean="0"/>
-              <a:t>data from </a:t>
-            </a:r>
-            <a:r>
-              <a:rPr lang="en-US" sz="1800" dirty="0" err="1" smtClean="0"/>
+              <a:t>Selected cases since 2008 and extract data from </a:t>
+            </a:r>
+            <a:r>
+              <a:rPr lang="en-US" sz="1800" dirty="0" err="1"/>
               <a:t>casebody.data</a:t>
             </a:r>
-            <a:endParaRPr lang="en-US" sz="1800" dirty="0" smtClean="0"/>
+            <a:endParaRPr lang="en-US" sz="1800" dirty="0"/>
           </a:p>
           <a:p>
             <a:pPr marL="457200" indent="-457200">
               <a:buAutoNum type="arabicParenR"/>
             </a:pPr>
             <a:r>
-              <a:rPr lang="en-US" sz="1800" dirty="0" smtClean="0"/>
-              <a:t>Extracted </a:t>
-            </a:r>
-            <a:r>
               <a:rPr lang="en-US" sz="1800" dirty="0"/>
-              <a:t>majority </a:t>
-            </a:r>
-            <a:r>
-              <a:rPr lang="en-US" sz="1800" dirty="0" smtClean="0"/>
-              <a:t>opinions </a:t>
-            </a:r>
-            <a:r>
-              <a:rPr lang="en-US" sz="1800" dirty="0"/>
-              <a:t>and headnotes from </a:t>
+              <a:t>Extracted majority opinions and headnotes from </a:t>
             </a:r>
             <a:r>
               <a:rPr lang="en-US" sz="1800" dirty="0" err="1"/>
@@ -7462,12 +9162,8 @@
               <a:buAutoNum type="arabicParenR"/>
             </a:pPr>
             <a:r>
-              <a:rPr lang="en-US" sz="1800" dirty="0" smtClean="0"/>
-              <a:t>Filtered data </a:t>
-            </a:r>
-            <a:r>
               <a:rPr lang="en-US" sz="1800" dirty="0"/>
-              <a:t>where length of headnotes &gt; 150 and opinion is larger than the headnotes</a:t>
+              <a:t>Filtered data where length of headnotes &gt; 150 and opinion is larger than the headnotes</a:t>
             </a:r>
           </a:p>
           <a:p>
@@ -7475,12 +9171,8 @@
               <a:buAutoNum type="arabicParenR"/>
             </a:pPr>
             <a:r>
-              <a:rPr lang="en-US" sz="1800" dirty="0" smtClean="0"/>
-              <a:t>Tokenized </a:t>
-            </a:r>
-            <a:r>
               <a:rPr lang="en-US" sz="1800" dirty="0"/>
-              <a:t>the headnotes and opinions</a:t>
+              <a:t>Tokenized the headnotes and opinions</a:t>
             </a:r>
           </a:p>
           <a:p>
@@ -7488,12 +9180,8 @@
               <a:buAutoNum type="arabicParenR"/>
             </a:pPr>
             <a:r>
-              <a:rPr lang="en-US" sz="1800" dirty="0" smtClean="0"/>
-              <a:t>Preprocessed </a:t>
-            </a:r>
-            <a:r>
               <a:rPr lang="en-US" sz="1800" dirty="0"/>
-              <a:t>using Bert preprocessor to label opinions. </a:t>
+              <a:t>Preprocessed using Bert preprocessor to label opinions. </a:t>
             </a:r>
           </a:p>
           <a:p>
@@ -7502,15 +9190,7 @@
             </a:pPr>
             <a:r>
               <a:rPr lang="en-US" sz="1800" dirty="0"/>
-              <a:t>Split data into </a:t>
-            </a:r>
-            <a:r>
-              <a:rPr lang="en-US" sz="1800" dirty="0" smtClean="0"/>
-              <a:t>training, testing, </a:t>
-            </a:r>
-            <a:r>
-              <a:rPr lang="en-US" sz="1800" dirty="0"/>
-              <a:t>and validation sets</a:t>
+              <a:t>Split data into training, testing, and validation sets</a:t>
             </a:r>
           </a:p>
         </p:txBody>
@@ -7550,7 +9230,7 @@
           <p:cNvPr id="2" name="Title 1">
             <a:extLst>
               <a:ext uri="{FF2B5EF4-FFF2-40B4-BE49-F238E27FC236}">
-                <a16:creationId xmlns="" xmlns:a16="http://schemas.microsoft.com/office/drawing/2014/main" id="{CA344CBA-FB2B-44A2-9612-01FA04D41200}"/>
+                <a16:creationId xmlns:a16="http://schemas.microsoft.com/office/drawing/2014/main" id="{CA344CBA-FB2B-44A2-9612-01FA04D41200}"/>
               </a:ext>
             </a:extLst>
           </p:cNvPr>
@@ -7583,7 +9263,7 @@
           <p:cNvPr id="3" name="Content Placeholder 2">
             <a:extLst>
               <a:ext uri="{FF2B5EF4-FFF2-40B4-BE49-F238E27FC236}">
-                <a16:creationId xmlns="" xmlns:a16="http://schemas.microsoft.com/office/drawing/2014/main" id="{F66CA81D-1701-4C2D-AE08-277C299D9B85}"/>
+                <a16:creationId xmlns:a16="http://schemas.microsoft.com/office/drawing/2014/main" id="{F66CA81D-1701-4C2D-AE08-277C299D9B85}"/>
               </a:ext>
             </a:extLst>
           </p:cNvPr>
@@ -7611,13 +9291,8 @@
             </a:pPr>
             <a:r>
               <a:rPr lang="en-US" sz="2000" dirty="0"/>
-              <a:t>The steps to prepare the data for our models</a:t>
-            </a:r>
-            <a:r>
-              <a:rPr lang="en-US" sz="2000" dirty="0" smtClean="0"/>
-              <a:t>:</a:t>
-            </a:r>
-            <a:endParaRPr lang="en-US" sz="2000" dirty="0"/>
+              <a:t>The steps to prepare the data for our models:</a:t>
+            </a:r>
           </a:p>
           <a:p>
             <a:pPr marL="457200" indent="-457200">
@@ -7672,11 +9347,7 @@
             </a:pPr>
             <a:r>
               <a:rPr lang="en-US" sz="1600" dirty="0"/>
-              <a:t>The rank of each word in an </a:t>
-            </a:r>
-            <a:r>
-              <a:rPr lang="en-US" sz="1600" dirty="0" smtClean="0"/>
-              <a:t>opinion</a:t>
+              <a:t>The rank of each word in an opinion</a:t>
             </a:r>
             <a:endParaRPr lang="en-US" sz="2400" dirty="0"/>
           </a:p>
@@ -7717,7 +9388,7 @@
           <p:cNvPr id="2" name="Title 1">
             <a:extLst>
               <a:ext uri="{FF2B5EF4-FFF2-40B4-BE49-F238E27FC236}">
-                <a16:creationId xmlns="" xmlns:a16="http://schemas.microsoft.com/office/drawing/2014/main" id="{CA344CBA-FB2B-44A2-9612-01FA04D41200}"/>
+                <a16:creationId xmlns:a16="http://schemas.microsoft.com/office/drawing/2014/main" id="{CA344CBA-FB2B-44A2-9612-01FA04D41200}"/>
               </a:ext>
             </a:extLst>
           </p:cNvPr>
@@ -7735,13 +9406,8 @@
           <a:p>
             <a:r>
               <a:rPr lang="en-US" dirty="0"/>
-              <a:t>Our </a:t>
-            </a:r>
-            <a:r>
-              <a:rPr lang="en-US" dirty="0" smtClean="0"/>
-              <a:t>Research (criteria)</a:t>
-            </a:r>
-            <a:endParaRPr lang="en-US" dirty="0"/>
+              <a:t>Our Research (criteria)</a:t>
+            </a:r>
           </a:p>
         </p:txBody>
       </p:sp>
@@ -7750,7 +9416,7 @@
           <p:cNvPr id="3" name="Content Placeholder 2">
             <a:extLst>
               <a:ext uri="{FF2B5EF4-FFF2-40B4-BE49-F238E27FC236}">
-                <a16:creationId xmlns="" xmlns:a16="http://schemas.microsoft.com/office/drawing/2014/main" id="{F66CA81D-1701-4C2D-AE08-277C299D9B85}"/>
+                <a16:creationId xmlns:a16="http://schemas.microsoft.com/office/drawing/2014/main" id="{F66CA81D-1701-4C2D-AE08-277C299D9B85}"/>
               </a:ext>
             </a:extLst>
           </p:cNvPr>
@@ -7778,11 +9444,7 @@
             </a:pPr>
             <a:r>
               <a:rPr lang="en-US" sz="2000" dirty="0"/>
-              <a:t>We searched for existing models that generate summaries based on the following </a:t>
-            </a:r>
-            <a:r>
-              <a:rPr lang="en-US" sz="2000" dirty="0" smtClean="0"/>
-              <a:t>criteria</a:t>
+              <a:t>We searched for existing models that generate summaries based on the following criteria</a:t>
             </a:r>
           </a:p>
           <a:p>
@@ -7808,13 +9470,8 @@
             </a:pPr>
             <a:r>
               <a:rPr lang="en-US" sz="1800" dirty="0"/>
-              <a:t>Summarize </a:t>
-            </a:r>
-            <a:r>
-              <a:rPr lang="en-US" sz="1800" dirty="0" smtClean="0"/>
-              <a:t>long documents</a:t>
-            </a:r>
-            <a:endParaRPr lang="en-US" sz="1800" dirty="0"/>
+              <a:t>Summarize long documents</a:t>
+            </a:r>
           </a:p>
           <a:p>
             <a:pPr lvl="1">
@@ -7847,11 +9504,7 @@
             </a:r>
             <a:r>
               <a:rPr lang="en-US" sz="1800" dirty="0"/>
-              <a:t> Score</a:t>
-            </a:r>
-            <a:r>
-              <a:rPr lang="en-US" sz="1800" dirty="0" smtClean="0"/>
-              <a:t>.</a:t>
+              <a:t> Score.</a:t>
             </a:r>
           </a:p>
           <a:p>
@@ -7860,18 +9513,9 @@
               <a:buChar char="•"/>
             </a:pPr>
             <a:r>
-              <a:rPr lang="en-US" sz="1800" dirty="0" smtClean="0"/>
-              <a:t>Can </a:t>
-            </a:r>
-            <a:r>
               <a:rPr lang="en-US" sz="1800" dirty="0"/>
-              <a:t>be implemented in the given time </a:t>
-            </a:r>
-            <a:r>
-              <a:rPr lang="en-US" sz="1800" dirty="0" smtClean="0"/>
-              <a:t>constraint</a:t>
-            </a:r>
-            <a:endParaRPr lang="en-US" sz="1800" dirty="0"/>
+              <a:t>Can be implemented in the given time constraint</a:t>
+            </a:r>
           </a:p>
         </p:txBody>
       </p:sp>
@@ -7910,7 +9554,7 @@
           <p:cNvPr id="2" name="Title 1">
             <a:extLst>
               <a:ext uri="{FF2B5EF4-FFF2-40B4-BE49-F238E27FC236}">
-                <a16:creationId xmlns="" xmlns:a16="http://schemas.microsoft.com/office/drawing/2014/main" id="{CA344CBA-FB2B-44A2-9612-01FA04D41200}"/>
+                <a16:creationId xmlns:a16="http://schemas.microsoft.com/office/drawing/2014/main" id="{CA344CBA-FB2B-44A2-9612-01FA04D41200}"/>
               </a:ext>
             </a:extLst>
           </p:cNvPr>
@@ -7933,21 +9577,16 @@
           <a:p>
             <a:r>
               <a:rPr lang="en-US" dirty="0"/>
-              <a:t>Our </a:t>
-            </a:r>
-            <a:r>
-              <a:rPr lang="en-US" dirty="0" smtClean="0"/>
-              <a:t>Research (</a:t>
-            </a:r>
-            <a:r>
-              <a:rPr lang="en-US" dirty="0" err="1" smtClean="0"/>
+              <a:t>Our Research (</a:t>
+            </a:r>
+            <a:r>
+              <a:rPr lang="en-US" dirty="0" err="1"/>
               <a:t>PreSumm</a:t>
             </a:r>
             <a:r>
-              <a:rPr lang="en-US" dirty="0" smtClean="0"/>
+              <a:rPr lang="en-US" dirty="0"/>
               <a:t>)</a:t>
             </a:r>
-            <a:endParaRPr lang="en-US" dirty="0"/>
           </a:p>
         </p:txBody>
       </p:sp>
@@ -7956,7 +9595,7 @@
           <p:cNvPr id="3" name="Content Placeholder 2">
             <a:extLst>
               <a:ext uri="{FF2B5EF4-FFF2-40B4-BE49-F238E27FC236}">
-                <a16:creationId xmlns="" xmlns:a16="http://schemas.microsoft.com/office/drawing/2014/main" id="{F66CA81D-1701-4C2D-AE08-277C299D9B85}"/>
+                <a16:creationId xmlns:a16="http://schemas.microsoft.com/office/drawing/2014/main" id="{F66CA81D-1701-4C2D-AE08-277C299D9B85}"/>
               </a:ext>
             </a:extLst>
           </p:cNvPr>
@@ -7983,22 +9622,10 @@
               <a:buNone/>
             </a:pPr>
             <a:r>
-              <a:rPr lang="en-US" sz="2400" dirty="0" smtClean="0">
-                <a:hlinkClick r:id="rId2"/>
-              </a:rPr>
-              <a:t>Text </a:t>
-            </a:r>
-            <a:r>
               <a:rPr lang="en-US" sz="2400" dirty="0">
                 <a:hlinkClick r:id="rId2"/>
               </a:rPr>
-              <a:t>Summarization with Pretrained </a:t>
-            </a:r>
-            <a:r>
-              <a:rPr lang="en-US" sz="2400" dirty="0" smtClean="0">
-                <a:hlinkClick r:id="rId2"/>
-              </a:rPr>
-              <a:t>Encoders</a:t>
+              <a:t>Text Summarization with Pretrained Encoders</a:t>
             </a:r>
             <a:endParaRPr lang="en-US" sz="2400" dirty="0"/>
           </a:p>
@@ -8007,12 +9634,8 @@
               <a:buNone/>
             </a:pPr>
             <a:r>
-              <a:rPr lang="en-US" sz="2100" dirty="0" smtClean="0"/>
-              <a:t>by </a:t>
-            </a:r>
-            <a:r>
               <a:rPr lang="en-US" sz="2100" dirty="0"/>
-              <a:t>Yang Liu and </a:t>
+              <a:t>by Yang Liu and </a:t>
             </a:r>
             <a:r>
               <a:rPr lang="en-US" sz="2100" dirty="0" err="1"/>
@@ -8043,11 +9666,7 @@
             </a:pPr>
             <a:r>
               <a:rPr lang="en-US" sz="2000" dirty="0"/>
-              <a:t>This model can also produce abstraction based summary. This model uses new fine-tuning schedule adopting different optimizers for the encoder and the decoder as a means of alleviating the mismatch between the two (the former is pretrained while the latter is not).  It takes as input the summaries provided by the extraction based </a:t>
-            </a:r>
-            <a:r>
-              <a:rPr lang="en-US" sz="2000" dirty="0" smtClean="0"/>
-              <a:t>model.</a:t>
+              <a:t>This model can also produce abstraction based summary. This model uses new fine-tuning schedule adopting different optimizers for the encoder and the decoder as a means of alleviating the mismatch between the two (the former is pretrained while the latter is not).  It takes as input the summaries provided by the extraction based model.</a:t>
             </a:r>
           </a:p>
           <a:p>
@@ -8062,13 +9681,7 @@
               <a:rPr lang="en-US" sz="2000" dirty="0">
                 <a:hlinkClick r:id="rId3"/>
               </a:rPr>
-              <a:t>https://github.com/nlpyang/</a:t>
-            </a:r>
-            <a:r>
-              <a:rPr lang="en-US" sz="2000" dirty="0" smtClean="0">
-                <a:hlinkClick r:id="rId3"/>
-              </a:rPr>
-              <a:t>PreSumm</a:t>
+              <a:t>https://github.com/nlpyang/PreSumm</a:t>
             </a:r>
             <a:endParaRPr lang="en-US" sz="2000" dirty="0"/>
           </a:p>
@@ -8133,7 +9746,7 @@
           <p:cNvPr id="2" name="Title 1">
             <a:extLst>
               <a:ext uri="{FF2B5EF4-FFF2-40B4-BE49-F238E27FC236}">
-                <a16:creationId xmlns="" xmlns:a16="http://schemas.microsoft.com/office/drawing/2014/main" id="{CA344CBA-FB2B-44A2-9612-01FA04D41200}"/>
+                <a16:creationId xmlns:a16="http://schemas.microsoft.com/office/drawing/2014/main" id="{CA344CBA-FB2B-44A2-9612-01FA04D41200}"/>
               </a:ext>
             </a:extLst>
           </p:cNvPr>
@@ -8156,21 +9769,16 @@
           <a:p>
             <a:r>
               <a:rPr lang="en-US" dirty="0"/>
-              <a:t>Our </a:t>
-            </a:r>
-            <a:r>
-              <a:rPr lang="en-US" dirty="0" smtClean="0"/>
-              <a:t>Research (</a:t>
-            </a:r>
-            <a:r>
-              <a:rPr lang="en-US" dirty="0" err="1" smtClean="0"/>
+              <a:t>Our Research (</a:t>
+            </a:r>
+            <a:r>
+              <a:rPr lang="en-US" dirty="0" err="1"/>
               <a:t>MatchSum</a:t>
             </a:r>
             <a:r>
-              <a:rPr lang="en-US" dirty="0" smtClean="0"/>
+              <a:rPr lang="en-US" dirty="0"/>
               <a:t>)</a:t>
             </a:r>
-            <a:endParaRPr lang="en-US" dirty="0"/>
           </a:p>
         </p:txBody>
       </p:sp>
@@ -8179,7 +9787,7 @@
           <p:cNvPr id="3" name="Content Placeholder 2">
             <a:extLst>
               <a:ext uri="{FF2B5EF4-FFF2-40B4-BE49-F238E27FC236}">
-                <a16:creationId xmlns="" xmlns:a16="http://schemas.microsoft.com/office/drawing/2014/main" id="{F66CA81D-1701-4C2D-AE08-277C299D9B85}"/>
+                <a16:creationId xmlns:a16="http://schemas.microsoft.com/office/drawing/2014/main" id="{F66CA81D-1701-4C2D-AE08-277C299D9B85}"/>
               </a:ext>
             </a:extLst>
           </p:cNvPr>
@@ -8209,27 +9817,17 @@
               <a:rPr lang="en-US" dirty="0">
                 <a:hlinkClick r:id="rId2"/>
               </a:rPr>
-              <a:t>Extractive Summarization as Text </a:t>
-            </a:r>
-            <a:r>
-              <a:rPr lang="en-US" dirty="0" smtClean="0">
-                <a:hlinkClick r:id="rId2"/>
-              </a:rPr>
-              <a:t>Matching</a:t>
-            </a:r>
-            <a:endParaRPr lang="en-US" dirty="0" smtClean="0"/>
+              <a:t>Extractive Summarization as Text Matching</a:t>
+            </a:r>
+            <a:endParaRPr lang="en-US" dirty="0"/>
           </a:p>
           <a:p>
             <a:pPr marL="0" indent="0">
               <a:buNone/>
             </a:pPr>
             <a:r>
-              <a:rPr lang="en-US" sz="1600" dirty="0" smtClean="0"/>
-              <a:t>by </a:t>
-            </a:r>
-            <a:r>
               <a:rPr lang="en-US" sz="1600" dirty="0"/>
-              <a:t>By Ming </a:t>
+              <a:t>by By Ming </a:t>
             </a:r>
             <a:r>
               <a:rPr lang="en-US" sz="1600" dirty="0" err="1"/>
@@ -8285,13 +9883,8 @@
             </a:r>
             <a:r>
               <a:rPr lang="en-US" sz="1600" dirty="0"/>
-              <a:t> </a:t>
-            </a:r>
-            <a:r>
-              <a:rPr lang="en-US" sz="1600" dirty="0" smtClean="0"/>
-              <a:t>Huang</a:t>
-            </a:r>
-            <a:endParaRPr lang="en-US" sz="1600" dirty="0"/>
+              <a:t> Huang</a:t>
+            </a:r>
           </a:p>
           <a:p>
             <a:pPr marL="0" indent="0">
@@ -8373,13 +9966,7 @@
               <a:rPr lang="en-US" sz="1600" dirty="0">
                 <a:hlinkClick r:id="rId3"/>
               </a:rPr>
-              <a:t>https://github.com/maszhongming/</a:t>
-            </a:r>
-            <a:r>
-              <a:rPr lang="en-US" sz="1600" dirty="0" smtClean="0">
-                <a:hlinkClick r:id="rId3"/>
-              </a:rPr>
-              <a:t>MatchSum</a:t>
+              <a:t>https://github.com/maszhongming/MatchSum</a:t>
             </a:r>
             <a:endParaRPr lang="en-US" sz="1600" dirty="0"/>
           </a:p>
@@ -8390,7 +9977,7 @@
           <p:cNvPr id="5" name="Picture 4">
             <a:extLst>
               <a:ext uri="{FF2B5EF4-FFF2-40B4-BE49-F238E27FC236}">
-                <a16:creationId xmlns="" xmlns:a16="http://schemas.microsoft.com/office/drawing/2014/main" id="{668BF638-F52C-4FEE-B217-66970DBFBBD4}"/>
+                <a16:creationId xmlns:a16="http://schemas.microsoft.com/office/drawing/2014/main" id="{668BF638-F52C-4FEE-B217-66970DBFBBD4}"/>
               </a:ext>
             </a:extLst>
           </p:cNvPr>
@@ -8426,7 +10013,7 @@
           <p:cNvPr id="9" name="TextBox 8">
             <a:extLst>
               <a:ext uri="{FF2B5EF4-FFF2-40B4-BE49-F238E27FC236}">
-                <a16:creationId xmlns="" xmlns:a16="http://schemas.microsoft.com/office/drawing/2014/main" id="{EF3D1033-0999-46CA-98D2-EA188D7E4913}"/>
+                <a16:creationId xmlns:a16="http://schemas.microsoft.com/office/drawing/2014/main" id="{EF3D1033-0999-46CA-98D2-EA188D7E4913}"/>
               </a:ext>
             </a:extLst>
           </p:cNvPr>
@@ -8495,7 +10082,7 @@
           <p:cNvPr id="2" name="Title 1">
             <a:extLst>
               <a:ext uri="{FF2B5EF4-FFF2-40B4-BE49-F238E27FC236}">
-                <a16:creationId xmlns="" xmlns:a16="http://schemas.microsoft.com/office/drawing/2014/main" id="{CA344CBA-FB2B-44A2-9612-01FA04D41200}"/>
+                <a16:creationId xmlns:a16="http://schemas.microsoft.com/office/drawing/2014/main" id="{CA344CBA-FB2B-44A2-9612-01FA04D41200}"/>
               </a:ext>
             </a:extLst>
           </p:cNvPr>
@@ -8518,13 +10105,8 @@
           <a:p>
             <a:r>
               <a:rPr lang="en-US" dirty="0"/>
-              <a:t>Our </a:t>
-            </a:r>
-            <a:r>
-              <a:rPr lang="en-US" dirty="0" smtClean="0"/>
-              <a:t>Research (metrics)</a:t>
-            </a:r>
-            <a:endParaRPr lang="en-US" dirty="0"/>
+              <a:t>Our Research (metrics)</a:t>
+            </a:r>
           </a:p>
         </p:txBody>
       </p:sp>
@@ -8533,7 +10115,7 @@
           <p:cNvPr id="3" name="Content Placeholder 2">
             <a:extLst>
               <a:ext uri="{FF2B5EF4-FFF2-40B4-BE49-F238E27FC236}">
-                <a16:creationId xmlns="" xmlns:a16="http://schemas.microsoft.com/office/drawing/2014/main" id="{F66CA81D-1701-4C2D-AE08-277C299D9B85}"/>
+                <a16:creationId xmlns:a16="http://schemas.microsoft.com/office/drawing/2014/main" id="{F66CA81D-1701-4C2D-AE08-277C299D9B85}"/>
               </a:ext>
             </a:extLst>
           </p:cNvPr>
@@ -8565,12 +10147,8 @@
           <a:p>
             <a:pPr lvl="0"/>
             <a:r>
-              <a:rPr lang="en-US" b="1" dirty="0" smtClean="0"/>
-              <a:t>ROUGE (</a:t>
-            </a:r>
-            <a:r>
               <a:rPr lang="en-US" b="1" dirty="0"/>
-              <a:t>Recall-Oriented Understudy for </a:t>
+              <a:t>ROUGE (Recall-Oriented Understudy for </a:t>
             </a:r>
             <a:r>
               <a:rPr lang="en-US" b="1" dirty="0" err="1"/>
@@ -8578,11 +10156,7 @@
             </a:r>
             <a:r>
               <a:rPr lang="en-US" b="1" dirty="0"/>
-              <a:t> Evaluation</a:t>
-            </a:r>
-            <a:r>
-              <a:rPr lang="en-US" b="1" dirty="0" smtClean="0"/>
-              <a:t>)</a:t>
+              <a:t> Evaluation)</a:t>
             </a:r>
             <a:r>
               <a:rPr lang="en-US" dirty="0"/>
@@ -8592,22 +10166,9 @@
           <a:p>
             <a:pPr lvl="0"/>
             <a:r>
-              <a:rPr lang="en-US" dirty="0" smtClean="0"/>
-              <a:t>T</a:t>
-            </a:r>
-            <a:r>
-              <a:rPr lang="en-US" dirty="0" smtClean="0"/>
-              <a:t>he </a:t>
-            </a:r>
-            <a:r>
               <a:rPr lang="en-US" dirty="0"/>
-              <a:t>ROUGE </a:t>
-            </a:r>
-            <a:r>
-              <a:rPr lang="en-US" dirty="0" smtClean="0"/>
-              <a:t>SCORES and METRICS are:</a:t>
-            </a:r>
-            <a:endParaRPr lang="en-US" dirty="0"/>
+              <a:t>The ROUGE SCORES and METRICS are:</a:t>
+            </a:r>
           </a:p>
           <a:p>
             <a:pPr marL="457200" indent="-457200">
@@ -8622,7 +10183,7 @@
           <p:cNvPr id="4" name="Table 4">
             <a:extLst>
               <a:ext uri="{FF2B5EF4-FFF2-40B4-BE49-F238E27FC236}">
-                <a16:creationId xmlns="" xmlns:a16="http://schemas.microsoft.com/office/drawing/2014/main" id="{C374F32C-1746-48B1-8874-B068FDCE0AD3}"/>
+                <a16:creationId xmlns:a16="http://schemas.microsoft.com/office/drawing/2014/main" id="{C374F32C-1746-48B1-8874-B068FDCE0AD3}"/>
               </a:ext>
             </a:extLst>
           </p:cNvPr>
@@ -8639,7 +10200,7 @@
         </p:nvGraphicFramePr>
         <p:xfrm>
           <a:off x="5463166" y="1977707"/>
-          <a:ext cx="5612153" cy="3693159"/>
+          <a:ext cx="5612153" cy="3962400"/>
         </p:xfrm>
         <a:graphic>
           <a:graphicData uri="http://schemas.openxmlformats.org/drawingml/2006/table">
@@ -8651,14 +10212,14 @@
                 <a:gridCol w="1527191">
                   <a:extLst>
                     <a:ext uri="{9D8B030D-6E8A-4147-A177-3AD203B41FA5}">
-                      <a16:colId xmlns="" xmlns:a16="http://schemas.microsoft.com/office/drawing/2014/main" val="4290089180"/>
+                      <a16:colId xmlns:a16="http://schemas.microsoft.com/office/drawing/2014/main" val="4290089180"/>
                     </a:ext>
                   </a:extLst>
                 </a:gridCol>
                 <a:gridCol w="4084962">
                   <a:extLst>
                     <a:ext uri="{9D8B030D-6E8A-4147-A177-3AD203B41FA5}">
-                      <a16:colId xmlns="" xmlns:a16="http://schemas.microsoft.com/office/drawing/2014/main" val="2233723881"/>
+                      <a16:colId xmlns:a16="http://schemas.microsoft.com/office/drawing/2014/main" val="2233723881"/>
                     </a:ext>
                   </a:extLst>
                 </a:gridCol>
@@ -8692,7 +10253,7 @@
                 </a:tc>
                 <a:extLst>
                   <a:ext uri="{0D108BD9-81ED-4DB2-BD59-A6C34878D82A}">
-                    <a16:rowId xmlns="" xmlns:a16="http://schemas.microsoft.com/office/drawing/2014/main" val="3207756757"/>
+                    <a16:rowId xmlns:a16="http://schemas.microsoft.com/office/drawing/2014/main" val="3207756757"/>
                   </a:ext>
                 </a:extLst>
               </a:tr>
@@ -8734,7 +10295,7 @@
                 </a:tc>
                 <a:extLst>
                   <a:ext uri="{0D108BD9-81ED-4DB2-BD59-A6C34878D82A}">
-                    <a16:rowId xmlns="" xmlns:a16="http://schemas.microsoft.com/office/drawing/2014/main" val="2915805806"/>
+                    <a16:rowId xmlns:a16="http://schemas.microsoft.com/office/drawing/2014/main" val="2915805806"/>
                   </a:ext>
                 </a:extLst>
               </a:tr>
@@ -8793,7 +10354,7 @@
                 </a:tc>
                 <a:extLst>
                   <a:ext uri="{0D108BD9-81ED-4DB2-BD59-A6C34878D82A}">
-                    <a16:rowId xmlns="" xmlns:a16="http://schemas.microsoft.com/office/drawing/2014/main" val="4083785283"/>
+                    <a16:rowId xmlns:a16="http://schemas.microsoft.com/office/drawing/2014/main" val="4083785283"/>
                   </a:ext>
                 </a:extLst>
               </a:tr>
@@ -8826,19 +10387,7 @@
                           <a:ea typeface="+mn-ea"/>
                           <a:cs typeface="+mn-cs"/>
                         </a:rPr>
-                        <a:t>Longest Common Subsequence (LCS). identifies longest co-occurring in sequence n-grams automatically to measure sentence level </a:t>
-                      </a:r>
-                      <a:r>
-                        <a:rPr lang="en-US" sz="1400" b="0" i="0" kern="1200" dirty="0" smtClean="0">
-                          <a:solidFill>
-                            <a:schemeClr val="dk1"/>
-                          </a:solidFill>
-                          <a:effectLst/>
-                          <a:latin typeface="+mn-lt"/>
-                          <a:ea typeface="+mn-ea"/>
-                          <a:cs typeface="+mn-cs"/>
-                        </a:rPr>
-                        <a:t>similarity</a:t>
+                        <a:t>Longest Common Subsequence (LCS). identifies longest co-occurring in sequence n-grams automatically to measure sentence level similarity</a:t>
                       </a:r>
                     </a:p>
                   </a:txBody>
@@ -8846,7 +10395,7 @@
                 </a:tc>
                 <a:extLst>
                   <a:ext uri="{0D108BD9-81ED-4DB2-BD59-A6C34878D82A}">
-                    <a16:rowId xmlns="" xmlns:a16="http://schemas.microsoft.com/office/drawing/2014/main" val="1011393144"/>
+                    <a16:rowId xmlns:a16="http://schemas.microsoft.com/office/drawing/2014/main" val="1011393144"/>
                   </a:ext>
                 </a:extLst>
               </a:tr>
@@ -8857,10 +10406,9 @@
                     <a:lstStyle/>
                     <a:p>
                       <a:r>
-                        <a:rPr lang="en-US" sz="1400" dirty="0" smtClean="0"/>
+                        <a:rPr lang="en-US" sz="1400" dirty="0"/>
                         <a:t>Recall</a:t>
                       </a:r>
-                      <a:endParaRPr lang="en-US" sz="1400" dirty="0"/>
                     </a:p>
                   </a:txBody>
                   <a:tcPr/>
@@ -8871,7 +10419,7 @@
                     <a:lstStyle/>
                     <a:p>
                       <a:r>
-                        <a:rPr lang="en-US" sz="1400" b="0" i="0" kern="1200" dirty="0" smtClean="0">
+                        <a:rPr lang="en-US" sz="1400" b="0" i="0" kern="1200" dirty="0">
                           <a:solidFill>
                             <a:schemeClr val="dk1"/>
                           </a:solidFill>
@@ -8883,7 +10431,7 @@
                         <a:t>the number of overlapping words divided by the total words in the </a:t>
                       </a:r>
                       <a:r>
-                        <a:rPr lang="en-US" sz="1400" b="0" i="1" kern="1200" dirty="0" smtClean="0">
+                        <a:rPr lang="en-US" sz="1400" b="0" i="1" kern="1200" dirty="0">
                           <a:solidFill>
                             <a:schemeClr val="dk1"/>
                           </a:solidFill>
@@ -8895,7 +10443,7 @@
                         <a:t>reference</a:t>
                       </a:r>
                       <a:r>
-                        <a:rPr lang="en-US" sz="1400" b="0" i="0" kern="1200" dirty="0" smtClean="0">
+                        <a:rPr lang="en-US" sz="1400" b="0" i="0" kern="1200" dirty="0">
                           <a:solidFill>
                             <a:schemeClr val="dk1"/>
                           </a:solidFill>
@@ -8910,6 +10458,11 @@
                   </a:txBody>
                   <a:tcPr/>
                 </a:tc>
+                <a:extLst>
+                  <a:ext uri="{0D108BD9-81ED-4DB2-BD59-A6C34878D82A}">
+                    <a16:rowId xmlns:a16="http://schemas.microsoft.com/office/drawing/2014/main" val="10004"/>
+                  </a:ext>
+                </a:extLst>
               </a:tr>
               <a:tr h="370840">
                 <a:tc>
@@ -8918,10 +10471,9 @@
                     <a:lstStyle/>
                     <a:p>
                       <a:r>
-                        <a:rPr lang="en-US" sz="1400" dirty="0" smtClean="0"/>
+                        <a:rPr lang="en-US" sz="1400" dirty="0"/>
                         <a:t>Precision</a:t>
                       </a:r>
-                      <a:endParaRPr lang="en-US" sz="1400" dirty="0"/>
                     </a:p>
                   </a:txBody>
                   <a:tcPr/>
@@ -8932,7 +10484,7 @@
                     <a:lstStyle/>
                     <a:p>
                       <a:r>
-                        <a:rPr lang="en-US" sz="1400" b="0" i="0" kern="1200" dirty="0" smtClean="0">
+                        <a:rPr lang="en-US" sz="1400" b="0" i="0" kern="1200" dirty="0">
                           <a:solidFill>
                             <a:schemeClr val="dk1"/>
                           </a:solidFill>
@@ -8944,7 +10496,7 @@
                         <a:t>the number of overlapping words divided by the total number of words in the </a:t>
                       </a:r>
                       <a:r>
-                        <a:rPr lang="en-US" sz="1400" b="0" i="1" kern="1200" dirty="0" smtClean="0">
+                        <a:rPr lang="en-US" sz="1400" b="0" i="1" kern="1200" dirty="0">
                           <a:solidFill>
                             <a:schemeClr val="dk1"/>
                           </a:solidFill>
@@ -8956,7 +10508,7 @@
                         <a:t>generated</a:t>
                       </a:r>
                       <a:r>
-                        <a:rPr lang="en-US" sz="1400" b="0" i="0" kern="1200" dirty="0" smtClean="0">
+                        <a:rPr lang="en-US" sz="1400" b="0" i="0" kern="1200" dirty="0">
                           <a:solidFill>
                             <a:schemeClr val="dk1"/>
                           </a:solidFill>
@@ -8971,6 +10523,11 @@
                   </a:txBody>
                   <a:tcPr/>
                 </a:tc>
+                <a:extLst>
+                  <a:ext uri="{0D108BD9-81ED-4DB2-BD59-A6C34878D82A}">
+                    <a16:rowId xmlns:a16="http://schemas.microsoft.com/office/drawing/2014/main" val="10005"/>
+                  </a:ext>
+                </a:extLst>
               </a:tr>
               <a:tr h="370840">
                 <a:tc>
@@ -8979,10 +10536,9 @@
                     <a:lstStyle/>
                     <a:p>
                       <a:r>
-                        <a:rPr lang="en-US" sz="1400" dirty="0" smtClean="0"/>
+                        <a:rPr lang="en-US" sz="1400" dirty="0"/>
                         <a:t>F-Measure</a:t>
                       </a:r>
-                      <a:endParaRPr lang="en-US" sz="1400" dirty="0"/>
                     </a:p>
                   </a:txBody>
                   <a:tcPr/>
@@ -8993,7 +10549,7 @@
                     <a:lstStyle/>
                     <a:p>
                       <a:r>
-                        <a:rPr lang="en-US" sz="1400" b="0" i="0" kern="1200" dirty="0" smtClean="0">
+                        <a:rPr lang="en-US" sz="1400" b="0" i="0" kern="1200" dirty="0">
                           <a:solidFill>
                             <a:schemeClr val="dk1"/>
                           </a:solidFill>
@@ -9008,6 +10564,11 @@
                   </a:txBody>
                   <a:tcPr/>
                 </a:tc>
+                <a:extLst>
+                  <a:ext uri="{0D108BD9-81ED-4DB2-BD59-A6C34878D82A}">
+                    <a16:rowId xmlns:a16="http://schemas.microsoft.com/office/drawing/2014/main" val="10006"/>
+                  </a:ext>
+                </a:extLst>
               </a:tr>
             </a:tbl>
           </a:graphicData>
@@ -9303,7 +10864,7 @@
   <a:extraClrSchemeLst/>
   <a:extLst>
     <a:ext uri="{05A4C25C-085E-4340-85A3-A5531E510DB2}">
-      <thm15:themeFamily xmlns="" xmlns:thm15="http://schemas.microsoft.com/office/thememl/2012/main" name="TWO.pptx" id="{769520F8-BFE5-4C8C-A7AA-375C025A91CE}" vid="{AEAFD717-D3C8-4034-8F7E-D5220B0CCEB8}"/>
+      <thm15:themeFamily xmlns:thm15="http://schemas.microsoft.com/office/thememl/2012/main" name="TWO.pptx" id="{769520F8-BFE5-4C8C-A7AA-375C025A91CE}" vid="{AEAFD717-D3C8-4034-8F7E-D5220B0CCEB8}"/>
     </a:ext>
   </a:extLst>
 </a:theme>

--- a/Group 45 Data Science for Case Law.pptx
+++ b/Group 45 Data Science for Case Law.pptx
@@ -123,7 +123,7 @@
   </p:defaultTextStyle>
   <p:extLst>
     <p:ext uri="{EFAFB233-063F-42B5-8137-9DF3F51BA10A}">
-      <p15:sldGuideLst xmlns:p15="http://schemas.microsoft.com/office/powerpoint/2012/main">
+      <p15:sldGuideLst xmlns:p15="http://schemas.microsoft.com/office/powerpoint/2012/main" xmlns="">
         <p15:guide id="1" orient="horz" pos="2160">
           <p15:clr>
             <a:srgbClr val="A4A3A4"/>
@@ -162,7 +162,7 @@
           <p:cNvPr id="10" name="Rectangle 9">
             <a:extLst>
               <a:ext uri="{FF2B5EF4-FFF2-40B4-BE49-F238E27FC236}">
-                <a16:creationId xmlns:a16="http://schemas.microsoft.com/office/drawing/2014/main" id="{39E3965E-AC41-4711-9D10-E25ABB132D86}"/>
+                <a16:creationId xmlns:a16="http://schemas.microsoft.com/office/drawing/2014/main" xmlns="" id="{39E3965E-AC41-4711-9D10-E25ABB132D86}"/>
               </a:ext>
             </a:extLst>
           </p:cNvPr>
@@ -322,7 +322,7 @@
           <p:cNvPr id="9" name="Straight Connector 8">
             <a:extLst>
               <a:ext uri="{FF2B5EF4-FFF2-40B4-BE49-F238E27FC236}">
-                <a16:creationId xmlns:a16="http://schemas.microsoft.com/office/drawing/2014/main" id="{1F5DC8C3-BA5F-4EED-BB9A-A14272BD82A1}"/>
+                <a16:creationId xmlns:a16="http://schemas.microsoft.com/office/drawing/2014/main" xmlns="" id="{1F5DC8C3-BA5F-4EED-BB9A-A14272BD82A1}"/>
               </a:ext>
             </a:extLst>
           </p:cNvPr>
@@ -366,7 +366,7 @@
           <p:cNvPr id="4" name="Date Placeholder 3">
             <a:extLst>
               <a:ext uri="{FF2B5EF4-FFF2-40B4-BE49-F238E27FC236}">
-                <a16:creationId xmlns:a16="http://schemas.microsoft.com/office/drawing/2014/main" id="{9925CCF1-92C0-4AF3-BFAF-4921631915AB}"/>
+                <a16:creationId xmlns:a16="http://schemas.microsoft.com/office/drawing/2014/main" xmlns="" id="{9925CCF1-92C0-4AF3-BFAF-4921631915AB}"/>
               </a:ext>
             </a:extLst>
           </p:cNvPr>
@@ -384,7 +384,7 @@
           <a:p>
             <a:fld id="{9184DA70-C731-4C70-880D-CCD4705E623C}" type="datetime1">
               <a:rPr lang="en-US" smtClean="0"/>
-              <a:t>5/9/2020</a:t>
+              <a:t>5/10/20</a:t>
             </a:fld>
             <a:endParaRPr lang="en-US" dirty="0"/>
           </a:p>
@@ -395,7 +395,7 @@
           <p:cNvPr id="5" name="Footer Placeholder 4">
             <a:extLst>
               <a:ext uri="{FF2B5EF4-FFF2-40B4-BE49-F238E27FC236}">
-                <a16:creationId xmlns:a16="http://schemas.microsoft.com/office/drawing/2014/main" id="{051A78A9-3DFF-4937-A9F2-5D8CF495F367}"/>
+                <a16:creationId xmlns:a16="http://schemas.microsoft.com/office/drawing/2014/main" xmlns="" id="{051A78A9-3DFF-4937-A9F2-5D8CF495F367}"/>
               </a:ext>
             </a:extLst>
           </p:cNvPr>
@@ -420,7 +420,7 @@
           <p:cNvPr id="6" name="Slide Number Placeholder 5">
             <a:extLst>
               <a:ext uri="{FF2B5EF4-FFF2-40B4-BE49-F238E27FC236}">
-                <a16:creationId xmlns:a16="http://schemas.microsoft.com/office/drawing/2014/main" id="{5FAEB271-5CC0-4759-BC6E-8BE53AB227C0}"/>
+                <a16:creationId xmlns:a16="http://schemas.microsoft.com/office/drawing/2014/main" xmlns="" id="{5FAEB271-5CC0-4759-BC6E-8BE53AB227C0}"/>
               </a:ext>
             </a:extLst>
           </p:cNvPr>
@@ -554,7 +554,7 @@
           <p:cNvPr id="7" name="Date Placeholder 6">
             <a:extLst>
               <a:ext uri="{FF2B5EF4-FFF2-40B4-BE49-F238E27FC236}">
-                <a16:creationId xmlns:a16="http://schemas.microsoft.com/office/drawing/2014/main" id="{7D5506EE-1026-4F35-9ACC-BD05BE0F9B36}"/>
+                <a16:creationId xmlns:a16="http://schemas.microsoft.com/office/drawing/2014/main" xmlns="" id="{7D5506EE-1026-4F35-9ACC-BD05BE0F9B36}"/>
               </a:ext>
             </a:extLst>
           </p:cNvPr>
@@ -572,7 +572,7 @@
           <a:p>
             <a:fld id="{B612A279-0833-481D-8C56-F67FD0AC6C50}" type="datetime1">
               <a:rPr lang="en-US" smtClean="0"/>
-              <a:t>5/9/2020</a:t>
+              <a:t>5/10/20</a:t>
             </a:fld>
             <a:endParaRPr lang="en-US" dirty="0"/>
           </a:p>
@@ -583,7 +583,7 @@
           <p:cNvPr id="8" name="Footer Placeholder 7">
             <a:extLst>
               <a:ext uri="{FF2B5EF4-FFF2-40B4-BE49-F238E27FC236}">
-                <a16:creationId xmlns:a16="http://schemas.microsoft.com/office/drawing/2014/main" id="{B7696E5F-8D95-4450-AE52-5438E6EDE2BF}"/>
+                <a16:creationId xmlns:a16="http://schemas.microsoft.com/office/drawing/2014/main" xmlns="" id="{B7696E5F-8D95-4450-AE52-5438E6EDE2BF}"/>
               </a:ext>
             </a:extLst>
           </p:cNvPr>
@@ -608,7 +608,7 @@
           <p:cNvPr id="9" name="Slide Number Placeholder 8">
             <a:extLst>
               <a:ext uri="{FF2B5EF4-FFF2-40B4-BE49-F238E27FC236}">
-                <a16:creationId xmlns:a16="http://schemas.microsoft.com/office/drawing/2014/main" id="{999B2253-74CC-409E-BEB0-F8EFCFCB5629}"/>
+                <a16:creationId xmlns:a16="http://schemas.microsoft.com/office/drawing/2014/main" xmlns="" id="{999B2253-74CC-409E-BEB0-F8EFCFCB5629}"/>
               </a:ext>
             </a:extLst>
           </p:cNvPr>
@@ -667,7 +667,7 @@
           <p:cNvPr id="9" name="Rectangle 8">
             <a:extLst>
               <a:ext uri="{FF2B5EF4-FFF2-40B4-BE49-F238E27FC236}">
-                <a16:creationId xmlns:a16="http://schemas.microsoft.com/office/drawing/2014/main" id="{E1B68A5B-D9FA-424B-A4EB-30E7223836B3}"/>
+                <a16:creationId xmlns:a16="http://schemas.microsoft.com/office/drawing/2014/main" xmlns="" id="{E1B68A5B-D9FA-424B-A4EB-30E7223836B3}"/>
               </a:ext>
             </a:extLst>
           </p:cNvPr>
@@ -796,7 +796,7 @@
           <p:cNvPr id="7" name="Date Placeholder 6">
             <a:extLst>
               <a:ext uri="{FF2B5EF4-FFF2-40B4-BE49-F238E27FC236}">
-                <a16:creationId xmlns:a16="http://schemas.microsoft.com/office/drawing/2014/main" id="{AF33D6B0-F070-45C4-A472-19F432BE3932}"/>
+                <a16:creationId xmlns:a16="http://schemas.microsoft.com/office/drawing/2014/main" xmlns="" id="{AF33D6B0-F070-45C4-A472-19F432BE3932}"/>
               </a:ext>
             </a:extLst>
           </p:cNvPr>
@@ -814,7 +814,7 @@
           <a:p>
             <a:fld id="{6587DA83-5663-4C9C-B9AA-0B40A3DAFF81}" type="datetime1">
               <a:rPr lang="en-US" smtClean="0"/>
-              <a:t>5/9/2020</a:t>
+              <a:t>5/10/20</a:t>
             </a:fld>
             <a:endParaRPr lang="en-US" dirty="0"/>
           </a:p>
@@ -825,7 +825,7 @@
           <p:cNvPr id="8" name="Footer Placeholder 7">
             <a:extLst>
               <a:ext uri="{FF2B5EF4-FFF2-40B4-BE49-F238E27FC236}">
-                <a16:creationId xmlns:a16="http://schemas.microsoft.com/office/drawing/2014/main" id="{9975399F-DAB2-410D-967F-ED17E6F796E7}"/>
+                <a16:creationId xmlns:a16="http://schemas.microsoft.com/office/drawing/2014/main" xmlns="" id="{9975399F-DAB2-410D-967F-ED17E6F796E7}"/>
               </a:ext>
             </a:extLst>
           </p:cNvPr>
@@ -850,7 +850,7 @@
           <p:cNvPr id="10" name="Slide Number Placeholder 9">
             <a:extLst>
               <a:ext uri="{FF2B5EF4-FFF2-40B4-BE49-F238E27FC236}">
-                <a16:creationId xmlns:a16="http://schemas.microsoft.com/office/drawing/2014/main" id="{F762A46F-6BE5-4D12-9412-5CA7672EA8EC}"/>
+                <a16:creationId xmlns:a16="http://schemas.microsoft.com/office/drawing/2014/main" xmlns="" id="{F762A46F-6BE5-4D12-9412-5CA7672EA8EC}"/>
               </a:ext>
             </a:extLst>
           </p:cNvPr>
@@ -984,7 +984,7 @@
           <p:cNvPr id="7" name="Date Placeholder 6">
             <a:extLst>
               <a:ext uri="{FF2B5EF4-FFF2-40B4-BE49-F238E27FC236}">
-                <a16:creationId xmlns:a16="http://schemas.microsoft.com/office/drawing/2014/main" id="{354D8B55-9EA8-4B81-8E84-9B93B0A27559}"/>
+                <a16:creationId xmlns:a16="http://schemas.microsoft.com/office/drawing/2014/main" xmlns="" id="{354D8B55-9EA8-4B81-8E84-9B93B0A27559}"/>
               </a:ext>
             </a:extLst>
           </p:cNvPr>
@@ -1002,7 +1002,7 @@
           <a:p>
             <a:fld id="{4BE1D723-8F53-4F53-90B0-1982A396982E}" type="datetime1">
               <a:rPr lang="en-US" smtClean="0"/>
-              <a:t>5/9/2020</a:t>
+              <a:t>5/10/20</a:t>
             </a:fld>
             <a:endParaRPr lang="en-US" dirty="0"/>
           </a:p>
@@ -1013,7 +1013,7 @@
           <p:cNvPr id="8" name="Footer Placeholder 7">
             <a:extLst>
               <a:ext uri="{FF2B5EF4-FFF2-40B4-BE49-F238E27FC236}">
-                <a16:creationId xmlns:a16="http://schemas.microsoft.com/office/drawing/2014/main" id="{062CA021-2578-47CB-822C-BDDFF7223B28}"/>
+                <a16:creationId xmlns:a16="http://schemas.microsoft.com/office/drawing/2014/main" xmlns="" id="{062CA021-2578-47CB-822C-BDDFF7223B28}"/>
               </a:ext>
             </a:extLst>
           </p:cNvPr>
@@ -1038,7 +1038,7 @@
           <p:cNvPr id="9" name="Slide Number Placeholder 8">
             <a:extLst>
               <a:ext uri="{FF2B5EF4-FFF2-40B4-BE49-F238E27FC236}">
-                <a16:creationId xmlns:a16="http://schemas.microsoft.com/office/drawing/2014/main" id="{C4AAB51D-4141-4682-9375-DAFD5FB9DD10}"/>
+                <a16:creationId xmlns:a16="http://schemas.microsoft.com/office/drawing/2014/main" xmlns="" id="{C4AAB51D-4141-4682-9375-DAFD5FB9DD10}"/>
               </a:ext>
             </a:extLst>
           </p:cNvPr>
@@ -1105,7 +1105,7 @@
           <p:cNvPr id="10" name="Rectangle 9">
             <a:extLst>
               <a:ext uri="{FF2B5EF4-FFF2-40B4-BE49-F238E27FC236}">
-                <a16:creationId xmlns:a16="http://schemas.microsoft.com/office/drawing/2014/main" id="{A585C21A-8B93-4657-B5DF-7EAEAD3BE127}"/>
+                <a16:creationId xmlns:a16="http://schemas.microsoft.com/office/drawing/2014/main" xmlns="" id="{A585C21A-8B93-4657-B5DF-7EAEAD3BE127}"/>
               </a:ext>
             </a:extLst>
           </p:cNvPr>
@@ -1313,7 +1313,7 @@
           <p:cNvPr id="9" name="Straight Connector 8">
             <a:extLst>
               <a:ext uri="{FF2B5EF4-FFF2-40B4-BE49-F238E27FC236}">
-                <a16:creationId xmlns:a16="http://schemas.microsoft.com/office/drawing/2014/main" id="{459DE2C1-4C52-40A3-8959-27B2C1BEBFF6}"/>
+                <a16:creationId xmlns:a16="http://schemas.microsoft.com/office/drawing/2014/main" xmlns="" id="{459DE2C1-4C52-40A3-8959-27B2C1BEBFF6}"/>
               </a:ext>
             </a:extLst>
           </p:cNvPr>
@@ -1357,7 +1357,7 @@
           <p:cNvPr id="7" name="Date Placeholder 6">
             <a:extLst>
               <a:ext uri="{FF2B5EF4-FFF2-40B4-BE49-F238E27FC236}">
-                <a16:creationId xmlns:a16="http://schemas.microsoft.com/office/drawing/2014/main" id="{AAF2E137-EC28-48F8-9198-1F02539029B6}"/>
+                <a16:creationId xmlns:a16="http://schemas.microsoft.com/office/drawing/2014/main" xmlns="" id="{AAF2E137-EC28-48F8-9198-1F02539029B6}"/>
               </a:ext>
             </a:extLst>
           </p:cNvPr>
@@ -1375,7 +1375,7 @@
           <a:p>
             <a:fld id="{97669AF7-7BEB-44E4-9852-375E34362B5B}" type="datetime1">
               <a:rPr lang="en-US" smtClean="0"/>
-              <a:t>5/9/2020</a:t>
+              <a:t>5/10/20</a:t>
             </a:fld>
             <a:endParaRPr lang="en-US" dirty="0"/>
           </a:p>
@@ -1386,7 +1386,7 @@
           <p:cNvPr id="8" name="Footer Placeholder 7">
             <a:extLst>
               <a:ext uri="{FF2B5EF4-FFF2-40B4-BE49-F238E27FC236}">
-                <a16:creationId xmlns:a16="http://schemas.microsoft.com/office/drawing/2014/main" id="{189422CD-6F62-4DD6-89EF-07A60B42D219}"/>
+                <a16:creationId xmlns:a16="http://schemas.microsoft.com/office/drawing/2014/main" xmlns="" id="{189422CD-6F62-4DD6-89EF-07A60B42D219}"/>
               </a:ext>
             </a:extLst>
           </p:cNvPr>
@@ -1411,7 +1411,7 @@
           <p:cNvPr id="11" name="Slide Number Placeholder 10">
             <a:extLst>
               <a:ext uri="{FF2B5EF4-FFF2-40B4-BE49-F238E27FC236}">
-                <a16:creationId xmlns:a16="http://schemas.microsoft.com/office/drawing/2014/main" id="{69C6AFF8-42B4-4D05-969B-9F5FB3355555}"/>
+                <a16:creationId xmlns:a16="http://schemas.microsoft.com/office/drawing/2014/main" xmlns="" id="{69C6AFF8-42B4-4D05-969B-9F5FB3355555}"/>
               </a:ext>
             </a:extLst>
           </p:cNvPr>
@@ -1612,7 +1612,7 @@
           <p:cNvPr id="2" name="Date Placeholder 1">
             <a:extLst>
               <a:ext uri="{FF2B5EF4-FFF2-40B4-BE49-F238E27FC236}">
-                <a16:creationId xmlns:a16="http://schemas.microsoft.com/office/drawing/2014/main" id="{5782D47D-B0DC-4C40-BCC6-BBBA32584A38}"/>
+                <a16:creationId xmlns:a16="http://schemas.microsoft.com/office/drawing/2014/main" xmlns="" id="{5782D47D-B0DC-4C40-BCC6-BBBA32584A38}"/>
               </a:ext>
             </a:extLst>
           </p:cNvPr>
@@ -1630,7 +1630,7 @@
           <a:p>
             <a:fld id="{BAAAC38D-0552-4C82-B593-E6124DFADBE2}" type="datetime1">
               <a:rPr lang="en-US" smtClean="0"/>
-              <a:t>5/9/2020</a:t>
+              <a:t>5/10/20</a:t>
             </a:fld>
             <a:endParaRPr lang="en-US" dirty="0"/>
           </a:p>
@@ -1641,7 +1641,7 @@
           <p:cNvPr id="9" name="Footer Placeholder 8">
             <a:extLst>
               <a:ext uri="{FF2B5EF4-FFF2-40B4-BE49-F238E27FC236}">
-                <a16:creationId xmlns:a16="http://schemas.microsoft.com/office/drawing/2014/main" id="{4690D34E-7EBD-44B2-83CA-4C126A18D7EF}"/>
+                <a16:creationId xmlns:a16="http://schemas.microsoft.com/office/drawing/2014/main" xmlns="" id="{4690D34E-7EBD-44B2-83CA-4C126A18D7EF}"/>
               </a:ext>
             </a:extLst>
           </p:cNvPr>
@@ -1666,7 +1666,7 @@
           <p:cNvPr id="10" name="Slide Number Placeholder 9">
             <a:extLst>
               <a:ext uri="{FF2B5EF4-FFF2-40B4-BE49-F238E27FC236}">
-                <a16:creationId xmlns:a16="http://schemas.microsoft.com/office/drawing/2014/main" id="{2AC511A1-9BBD-42DE-92FB-2AF44F8E97A9}"/>
+                <a16:creationId xmlns:a16="http://schemas.microsoft.com/office/drawing/2014/main" xmlns="" id="{2AC511A1-9BBD-42DE-92FB-2AF44F8E97A9}"/>
               </a:ext>
             </a:extLst>
           </p:cNvPr>
@@ -2009,7 +2009,7 @@
           <p:cNvPr id="2" name="Date Placeholder 1">
             <a:extLst>
               <a:ext uri="{FF2B5EF4-FFF2-40B4-BE49-F238E27FC236}">
-                <a16:creationId xmlns:a16="http://schemas.microsoft.com/office/drawing/2014/main" id="{8AF8A515-AA94-45D1-9223-5C2272618D85}"/>
+                <a16:creationId xmlns:a16="http://schemas.microsoft.com/office/drawing/2014/main" xmlns="" id="{8AF8A515-AA94-45D1-9223-5C2272618D85}"/>
               </a:ext>
             </a:extLst>
           </p:cNvPr>
@@ -2027,7 +2027,7 @@
           <a:p>
             <a:fld id="{D9DF0F1C-5577-4ACB-BB62-DF8F3C494C7E}" type="datetime1">
               <a:rPr lang="en-US" smtClean="0"/>
-              <a:t>5/9/2020</a:t>
+              <a:t>5/10/20</a:t>
             </a:fld>
             <a:endParaRPr lang="en-US" dirty="0"/>
           </a:p>
@@ -2038,7 +2038,7 @@
           <p:cNvPr id="11" name="Footer Placeholder 10">
             <a:extLst>
               <a:ext uri="{FF2B5EF4-FFF2-40B4-BE49-F238E27FC236}">
-                <a16:creationId xmlns:a16="http://schemas.microsoft.com/office/drawing/2014/main" id="{D052F5BC-98E0-4D60-AD67-9547738B7DD4}"/>
+                <a16:creationId xmlns:a16="http://schemas.microsoft.com/office/drawing/2014/main" xmlns="" id="{D052F5BC-98E0-4D60-AD67-9547738B7DD4}"/>
               </a:ext>
             </a:extLst>
           </p:cNvPr>
@@ -2063,7 +2063,7 @@
           <p:cNvPr id="12" name="Slide Number Placeholder 11">
             <a:extLst>
               <a:ext uri="{FF2B5EF4-FFF2-40B4-BE49-F238E27FC236}">
-                <a16:creationId xmlns:a16="http://schemas.microsoft.com/office/drawing/2014/main" id="{A38552DC-952E-41EA-AAAF-C2187523C0B0}"/>
+                <a16:creationId xmlns:a16="http://schemas.microsoft.com/office/drawing/2014/main" xmlns="" id="{A38552DC-952E-41EA-AAAF-C2187523C0B0}"/>
               </a:ext>
             </a:extLst>
           </p:cNvPr>
@@ -2145,7 +2145,7 @@
           <p:cNvPr id="6" name="Date Placeholder 5">
             <a:extLst>
               <a:ext uri="{FF2B5EF4-FFF2-40B4-BE49-F238E27FC236}">
-                <a16:creationId xmlns:a16="http://schemas.microsoft.com/office/drawing/2014/main" id="{7392073F-158F-44A3-8913-917AFFC1BC20}"/>
+                <a16:creationId xmlns:a16="http://schemas.microsoft.com/office/drawing/2014/main" xmlns="" id="{7392073F-158F-44A3-8913-917AFFC1BC20}"/>
               </a:ext>
             </a:extLst>
           </p:cNvPr>
@@ -2163,7 +2163,7 @@
           <a:p>
             <a:fld id="{1775B394-D9F9-4F0C-B15D-605F45CB9E9F}" type="datetime1">
               <a:rPr lang="en-US" smtClean="0"/>
-              <a:t>5/9/2020</a:t>
+              <a:t>5/10/20</a:t>
             </a:fld>
             <a:endParaRPr lang="en-US" dirty="0"/>
           </a:p>
@@ -2174,7 +2174,7 @@
           <p:cNvPr id="7" name="Footer Placeholder 6">
             <a:extLst>
               <a:ext uri="{FF2B5EF4-FFF2-40B4-BE49-F238E27FC236}">
-                <a16:creationId xmlns:a16="http://schemas.microsoft.com/office/drawing/2014/main" id="{EED72207-24CA-42B7-A975-2F8E41CBA904}"/>
+                <a16:creationId xmlns:a16="http://schemas.microsoft.com/office/drawing/2014/main" xmlns="" id="{EED72207-24CA-42B7-A975-2F8E41CBA904}"/>
               </a:ext>
             </a:extLst>
           </p:cNvPr>
@@ -2199,7 +2199,7 @@
           <p:cNvPr id="8" name="Slide Number Placeholder 7">
             <a:extLst>
               <a:ext uri="{FF2B5EF4-FFF2-40B4-BE49-F238E27FC236}">
-                <a16:creationId xmlns:a16="http://schemas.microsoft.com/office/drawing/2014/main" id="{D01080F2-251A-4B88-9A62-16F46D724F83}"/>
+                <a16:creationId xmlns:a16="http://schemas.microsoft.com/office/drawing/2014/main" xmlns="" id="{D01080F2-251A-4B88-9A62-16F46D724F83}"/>
               </a:ext>
             </a:extLst>
           </p:cNvPr>
@@ -2258,7 +2258,7 @@
           <p:cNvPr id="10" name="Rectangle 9">
             <a:extLst>
               <a:ext uri="{FF2B5EF4-FFF2-40B4-BE49-F238E27FC236}">
-                <a16:creationId xmlns:a16="http://schemas.microsoft.com/office/drawing/2014/main" id="{A8E9C91B-7EAD-4562-AB0E-DFB9663AECE3}"/>
+                <a16:creationId xmlns:a16="http://schemas.microsoft.com/office/drawing/2014/main" xmlns="" id="{A8E9C91B-7EAD-4562-AB0E-DFB9663AECE3}"/>
               </a:ext>
             </a:extLst>
           </p:cNvPr>
@@ -2302,7 +2302,7 @@
           <p:cNvPr id="2" name="Date Placeholder 1">
             <a:extLst>
               <a:ext uri="{FF2B5EF4-FFF2-40B4-BE49-F238E27FC236}">
-                <a16:creationId xmlns:a16="http://schemas.microsoft.com/office/drawing/2014/main" id="{94E9223F-721F-47BF-9FD5-0F8D12FF0DE1}"/>
+                <a16:creationId xmlns:a16="http://schemas.microsoft.com/office/drawing/2014/main" xmlns="" id="{94E9223F-721F-47BF-9FD5-0F8D12FF0DE1}"/>
               </a:ext>
             </a:extLst>
           </p:cNvPr>
@@ -2320,7 +2320,7 @@
           <a:p>
             <a:fld id="{39667345-2558-425A-8533-9BFDBCE15005}" type="datetime1">
               <a:rPr lang="en-US" smtClean="0"/>
-              <a:t>5/9/2020</a:t>
+              <a:t>5/10/20</a:t>
             </a:fld>
             <a:endParaRPr lang="en-US" dirty="0"/>
           </a:p>
@@ -2331,7 +2331,7 @@
           <p:cNvPr id="3" name="Footer Placeholder 2">
             <a:extLst>
               <a:ext uri="{FF2B5EF4-FFF2-40B4-BE49-F238E27FC236}">
-                <a16:creationId xmlns:a16="http://schemas.microsoft.com/office/drawing/2014/main" id="{05915714-6BBA-4593-8591-4E26F7D58D9F}"/>
+                <a16:creationId xmlns:a16="http://schemas.microsoft.com/office/drawing/2014/main" xmlns="" id="{05915714-6BBA-4593-8591-4E26F7D58D9F}"/>
               </a:ext>
             </a:extLst>
           </p:cNvPr>
@@ -2356,7 +2356,7 @@
           <p:cNvPr id="4" name="Slide Number Placeholder 3">
             <a:extLst>
               <a:ext uri="{FF2B5EF4-FFF2-40B4-BE49-F238E27FC236}">
-                <a16:creationId xmlns:a16="http://schemas.microsoft.com/office/drawing/2014/main" id="{BE06F857-D2E1-44DD-ABDD-EBB739645B67}"/>
+                <a16:creationId xmlns:a16="http://schemas.microsoft.com/office/drawing/2014/main" xmlns="" id="{BE06F857-D2E1-44DD-ABDD-EBB739645B67}"/>
               </a:ext>
             </a:extLst>
           </p:cNvPr>
@@ -2415,7 +2415,7 @@
           <p:cNvPr id="8" name="Rectangle 7">
             <a:extLst>
               <a:ext uri="{FF2B5EF4-FFF2-40B4-BE49-F238E27FC236}">
-                <a16:creationId xmlns:a16="http://schemas.microsoft.com/office/drawing/2014/main" id="{16D90D66-BCB9-4229-A829-628874352AC0}"/>
+                <a16:creationId xmlns:a16="http://schemas.microsoft.com/office/drawing/2014/main" xmlns="" id="{16D90D66-BCB9-4229-A829-628874352AC0}"/>
               </a:ext>
             </a:extLst>
           </p:cNvPr>
@@ -2649,7 +2649,7 @@
           <a:p>
             <a:fld id="{92BEA474-078D-4E9B-9B14-09A87B19DC46}" type="datetime1">
               <a:rPr lang="en-US" smtClean="0"/>
-              <a:t>5/9/2020</a:t>
+              <a:t>5/10/20</a:t>
             </a:fld>
             <a:endParaRPr lang="en-US" dirty="0"/>
           </a:p>
@@ -2754,7 +2754,7 @@
           <p:cNvPr id="8" name="Rectangle 7">
             <a:extLst>
               <a:ext uri="{FF2B5EF4-FFF2-40B4-BE49-F238E27FC236}">
-                <a16:creationId xmlns:a16="http://schemas.microsoft.com/office/drawing/2014/main" id="{DA134939-39C0-4522-A125-A13DFDA66490}"/>
+                <a16:creationId xmlns:a16="http://schemas.microsoft.com/office/drawing/2014/main" xmlns="" id="{DA134939-39C0-4522-A125-A13DFDA66490}"/>
               </a:ext>
             </a:extLst>
           </p:cNvPr>
@@ -2999,7 +2999,7 @@
           <a:p>
             <a:fld id="{4907D986-8816-4272-A432-0437A28A9828}" type="datetime1">
               <a:rPr lang="en-US" smtClean="0"/>
-              <a:t>5/9/2020</a:t>
+              <a:t>5/10/20</a:t>
             </a:fld>
             <a:endParaRPr lang="en-US" dirty="0"/>
           </a:p>
@@ -3093,7 +3093,7 @@
           <p:cNvPr id="7" name="Rectangle 6">
             <a:extLst>
               <a:ext uri="{FF2B5EF4-FFF2-40B4-BE49-F238E27FC236}">
-                <a16:creationId xmlns:a16="http://schemas.microsoft.com/office/drawing/2014/main" id="{416A0E3C-60E6-4F39-BC55-5F7C224E1F7C}"/>
+                <a16:creationId xmlns:a16="http://schemas.microsoft.com/office/drawing/2014/main" xmlns="" id="{416A0E3C-60E6-4F39-BC55-5F7C224E1F7C}"/>
               </a:ext>
             </a:extLst>
           </p:cNvPr>
@@ -3260,7 +3260,7 @@
           <a:p>
             <a:fld id="{62D6E202-B606-4609-B914-27C9371A1F6D}" type="datetime1">
               <a:rPr lang="en-US" smtClean="0"/>
-              <a:t>5/9/2020</a:t>
+              <a:t>5/10/20</a:t>
             </a:fld>
             <a:endParaRPr lang="en-US" dirty="0"/>
           </a:p>
@@ -3345,7 +3345,7 @@
           <p:cNvPr id="10" name="Straight Connector 9">
             <a:extLst>
               <a:ext uri="{FF2B5EF4-FFF2-40B4-BE49-F238E27FC236}">
-                <a16:creationId xmlns:a16="http://schemas.microsoft.com/office/drawing/2014/main" id="{C5025DAC-8B93-4160-B017-3A274A5828C0}"/>
+                <a16:creationId xmlns:a16="http://schemas.microsoft.com/office/drawing/2014/main" xmlns="" id="{C5025DAC-8B93-4160-B017-3A274A5828C0}"/>
               </a:ext>
             </a:extLst>
           </p:cNvPr>
@@ -3796,10 +3796,10 @@
           <p:cNvPr id="22" name="Rectangle 21">
             <a:extLst>
               <a:ext uri="{FF2B5EF4-FFF2-40B4-BE49-F238E27FC236}">
-                <a16:creationId xmlns:a16="http://schemas.microsoft.com/office/drawing/2014/main" id="{A9286AD2-18A9-4868-A4E3-7A2097A20810}"/>
+                <a16:creationId xmlns:a16="http://schemas.microsoft.com/office/drawing/2014/main" xmlns="" id="{A9286AD2-18A9-4868-A4E3-7A2097A20810}"/>
               </a:ext>
               <a:ext uri="{C183D7F6-B498-43B3-948B-1728B52AA6E4}">
-                <adec:decorative xmlns:adec="http://schemas.microsoft.com/office/drawing/2017/decorative" val="1"/>
+                <adec:decorative xmlns:adec="http://schemas.microsoft.com/office/drawing/2017/decorative" xmlns="" val="1"/>
               </a:ext>
             </a:extLst>
           </p:cNvPr>
@@ -3809,7 +3809,7 @@
           <p:nvPr>
             <p:extLst>
               <p:ext uri="{386F3935-93C4-4BCD-93E2-E3B085C9AB24}">
-                <p16:designElem xmlns:p16="http://schemas.microsoft.com/office/powerpoint/2015/main" val="1"/>
+                <p16:designElem xmlns:p16="http://schemas.microsoft.com/office/powerpoint/2015/main" xmlns="" val="1"/>
               </p:ext>
             </p:extLst>
           </p:nvPr>
@@ -3856,7 +3856,7 @@
           <p:cNvPr id="2" name="Title 1">
             <a:extLst>
               <a:ext uri="{FF2B5EF4-FFF2-40B4-BE49-F238E27FC236}">
-                <a16:creationId xmlns:a16="http://schemas.microsoft.com/office/drawing/2014/main" id="{78FD68DA-43BA-4508-8DE2-BA9BB7B2FA5B}"/>
+                <a16:creationId xmlns:a16="http://schemas.microsoft.com/office/drawing/2014/main" xmlns="" id="{78FD68DA-43BA-4508-8DE2-BA9BB7B2FA5B}"/>
               </a:ext>
             </a:extLst>
           </p:cNvPr>
@@ -3892,7 +3892,7 @@
           <p:cNvPr id="3" name="Subtitle 2">
             <a:extLst>
               <a:ext uri="{FF2B5EF4-FFF2-40B4-BE49-F238E27FC236}">
-                <a16:creationId xmlns:a16="http://schemas.microsoft.com/office/drawing/2014/main" id="{A8E9CFF2-3777-4FF4-A759-8491175B0B7C}"/>
+                <a16:creationId xmlns:a16="http://schemas.microsoft.com/office/drawing/2014/main" xmlns="" id="{A8E9CFF2-3777-4FF4-A759-8491175B0B7C}"/>
               </a:ext>
             </a:extLst>
           </p:cNvPr>
@@ -4021,7 +4021,7 @@
           <p:cNvPr id="5" name="Picture 4" descr="A picture containing building, sitting, bench, side&#10;&#10;Description automatically generated">
             <a:extLst>
               <a:ext uri="{FF2B5EF4-FFF2-40B4-BE49-F238E27FC236}">
-                <a16:creationId xmlns:a16="http://schemas.microsoft.com/office/drawing/2014/main" id="{282CF6DD-7FE8-4063-9551-1B7BBCE92ABE}"/>
+                <a16:creationId xmlns:a16="http://schemas.microsoft.com/office/drawing/2014/main" xmlns="" id="{282CF6DD-7FE8-4063-9551-1B7BBCE92ABE}"/>
               </a:ext>
             </a:extLst>
           </p:cNvPr>
@@ -4056,10 +4056,10 @@
           <p:cNvPr id="24" name="Straight Connector 23">
             <a:extLst>
               <a:ext uri="{FF2B5EF4-FFF2-40B4-BE49-F238E27FC236}">
-                <a16:creationId xmlns:a16="http://schemas.microsoft.com/office/drawing/2014/main" id="{E7A7CD63-7EC3-44F3-95D0-595C4019FF24}"/>
+                <a16:creationId xmlns:a16="http://schemas.microsoft.com/office/drawing/2014/main" xmlns="" id="{E7A7CD63-7EC3-44F3-95D0-595C4019FF24}"/>
               </a:ext>
               <a:ext uri="{C183D7F6-B498-43B3-948B-1728B52AA6E4}">
-                <adec:decorative xmlns:adec="http://schemas.microsoft.com/office/drawing/2017/decorative" val="1"/>
+                <adec:decorative xmlns:adec="http://schemas.microsoft.com/office/drawing/2017/decorative" xmlns="" val="1"/>
               </a:ext>
             </a:extLst>
           </p:cNvPr>
@@ -4069,7 +4069,7 @@
           <p:nvPr>
             <p:extLst>
               <p:ext uri="{386F3935-93C4-4BCD-93E2-E3B085C9AB24}">
-                <p16:designElem xmlns:p16="http://schemas.microsoft.com/office/powerpoint/2015/main" val="1"/>
+                <p16:designElem xmlns:p16="http://schemas.microsoft.com/office/powerpoint/2015/main" xmlns="" val="1"/>
               </p:ext>
             </p:extLst>
           </p:nvPr>
@@ -4173,14 +4173,14 @@
             <p:ph idx="1"/>
             <p:extLst>
               <p:ext uri="{D42A27DB-BD31-4B8C-83A1-F6EECF244321}">
-                <p14:modId xmlns:p14="http://schemas.microsoft.com/office/powerpoint/2010/main" val="2007036793"/>
+                <p14:modId xmlns:p14="http://schemas.microsoft.com/office/powerpoint/2010/main" val="3018182776"/>
               </p:ext>
             </p:extLst>
           </p:nvPr>
         </p:nvGraphicFramePr>
         <p:xfrm>
-          <a:off x="955040" y="1991360"/>
-          <a:ext cx="10246360" cy="4543723"/>
+          <a:off x="965712" y="2011584"/>
+          <a:ext cx="10246360" cy="3952525"/>
         </p:xfrm>
         <a:graphic>
           <a:graphicData uri="http://schemas.openxmlformats.org/drawingml/2006/table">
@@ -4192,28 +4192,28 @@
                 <a:gridCol w="2210244">
                   <a:extLst>
                     <a:ext uri="{9D8B030D-6E8A-4147-A177-3AD203B41FA5}">
-                      <a16:colId xmlns:a16="http://schemas.microsoft.com/office/drawing/2014/main" val="20000"/>
+                      <a16:colId xmlns:a16="http://schemas.microsoft.com/office/drawing/2014/main" xmlns="" val="20000"/>
                     </a:ext>
                   </a:extLst>
                 </a:gridCol>
                 <a:gridCol w="1142556">
                   <a:extLst>
                     <a:ext uri="{9D8B030D-6E8A-4147-A177-3AD203B41FA5}">
-                      <a16:colId xmlns:a16="http://schemas.microsoft.com/office/drawing/2014/main" val="20001"/>
+                      <a16:colId xmlns:a16="http://schemas.microsoft.com/office/drawing/2014/main" xmlns="" val="20001"/>
                     </a:ext>
                   </a:extLst>
                 </a:gridCol>
                 <a:gridCol w="1818640">
                   <a:extLst>
                     <a:ext uri="{9D8B030D-6E8A-4147-A177-3AD203B41FA5}">
-                      <a16:colId xmlns:a16="http://schemas.microsoft.com/office/drawing/2014/main" val="20002"/>
+                      <a16:colId xmlns:a16="http://schemas.microsoft.com/office/drawing/2014/main" xmlns="" val="20002"/>
                     </a:ext>
                   </a:extLst>
                 </a:gridCol>
                 <a:gridCol w="5074920">
                   <a:extLst>
                     <a:ext uri="{9D8B030D-6E8A-4147-A177-3AD203B41FA5}">
-                      <a16:colId xmlns:a16="http://schemas.microsoft.com/office/drawing/2014/main" val="2436690740"/>
+                      <a16:colId xmlns:a16="http://schemas.microsoft.com/office/drawing/2014/main" xmlns="" val="2436690740"/>
                     </a:ext>
                   </a:extLst>
                 </a:gridCol>
@@ -4273,7 +4273,7 @@
                 </a:tc>
                 <a:extLst>
                   <a:ext uri="{0D108BD9-81ED-4DB2-BD59-A6C34878D82A}">
-                    <a16:rowId xmlns:a16="http://schemas.microsoft.com/office/drawing/2014/main" val="10000"/>
+                    <a16:rowId xmlns:a16="http://schemas.microsoft.com/office/drawing/2014/main" xmlns="" val="10000"/>
                   </a:ext>
                 </a:extLst>
               </a:tr>
@@ -4363,7 +4363,7 @@
                 </a:tc>
                 <a:extLst>
                   <a:ext uri="{0D108BD9-81ED-4DB2-BD59-A6C34878D82A}">
-                    <a16:rowId xmlns:a16="http://schemas.microsoft.com/office/drawing/2014/main" val="10001"/>
+                    <a16:rowId xmlns:a16="http://schemas.microsoft.com/office/drawing/2014/main" xmlns="" val="10001"/>
                   </a:ext>
                 </a:extLst>
               </a:tr>
@@ -4449,7 +4449,7 @@
                 </a:tc>
                 <a:extLst>
                   <a:ext uri="{0D108BD9-81ED-4DB2-BD59-A6C34878D82A}">
-                    <a16:rowId xmlns:a16="http://schemas.microsoft.com/office/drawing/2014/main" val="10002"/>
+                    <a16:rowId xmlns:a16="http://schemas.microsoft.com/office/drawing/2014/main" xmlns="" val="10002"/>
                   </a:ext>
                 </a:extLst>
               </a:tr>
@@ -4532,11 +4532,11 @@
                 </a:tc>
                 <a:extLst>
                   <a:ext uri="{0D108BD9-81ED-4DB2-BD59-A6C34878D82A}">
-                    <a16:rowId xmlns:a16="http://schemas.microsoft.com/office/drawing/2014/main" val="10003"/>
+                    <a16:rowId xmlns:a16="http://schemas.microsoft.com/office/drawing/2014/main" xmlns="" val="10003"/>
                   </a:ext>
                 </a:extLst>
               </a:tr>
-              <a:tr h="752799">
+              <a:tr h="423832">
                 <a:tc rowSpan="2">
                   <a:txBody>
                     <a:bodyPr/>
@@ -4604,11 +4604,11 @@
                 </a:tc>
                 <a:extLst>
                   <a:ext uri="{0D108BD9-81ED-4DB2-BD59-A6C34878D82A}">
-                    <a16:rowId xmlns:a16="http://schemas.microsoft.com/office/drawing/2014/main" val="10004"/>
+                    <a16:rowId xmlns:a16="http://schemas.microsoft.com/office/drawing/2014/main" xmlns="" val="10004"/>
                   </a:ext>
                 </a:extLst>
               </a:tr>
-              <a:tr h="752799">
+              <a:tr h="383954">
                 <a:tc vMerge="1">
                   <a:txBody>
                     <a:bodyPr/>
@@ -4662,10 +4662,12 @@
                       </a:pPr>
                       <a:r>
                         <a:rPr lang="en-US" sz="1200" dirty="0"/>
-                        <a:t>Use the trained model to get the ROUGE metrics</a:t>
-                      </a:r>
-                    </a:p>
-                    <a:p>
+                        <a:t>Use the trained model to get the ROUGE </a:t>
+                      </a:r>
+                      <a:r>
+                        <a:rPr lang="en-US" sz="1200" dirty="0" smtClean="0"/>
+                        <a:t>metrics</a:t>
+                      </a:r>
                       <a:endParaRPr lang="en-US" sz="1200" dirty="0"/>
                     </a:p>
                   </a:txBody>
@@ -4673,7 +4675,7 @@
                 </a:tc>
                 <a:extLst>
                   <a:ext uri="{0D108BD9-81ED-4DB2-BD59-A6C34878D82A}">
-                    <a16:rowId xmlns:a16="http://schemas.microsoft.com/office/drawing/2014/main" val="10005"/>
+                    <a16:rowId xmlns:a16="http://schemas.microsoft.com/office/drawing/2014/main" xmlns="" val="10005"/>
                   </a:ext>
                 </a:extLst>
               </a:tr>
@@ -4748,14 +4750,14 @@
             <p:ph idx="1"/>
             <p:extLst>
               <p:ext uri="{D42A27DB-BD31-4B8C-83A1-F6EECF244321}">
-                <p14:modId xmlns:p14="http://schemas.microsoft.com/office/powerpoint/2010/main" val="960531789"/>
+                <p14:modId xmlns:p14="http://schemas.microsoft.com/office/powerpoint/2010/main" val="505803309"/>
               </p:ext>
             </p:extLst>
           </p:nvPr>
         </p:nvGraphicFramePr>
         <p:xfrm>
-          <a:off x="955040" y="1336041"/>
-          <a:ext cx="10108883" cy="4988563"/>
+          <a:off x="1152631" y="2040384"/>
+          <a:ext cx="10058778" cy="2468880"/>
         </p:xfrm>
         <a:graphic>
           <a:graphicData uri="http://schemas.openxmlformats.org/drawingml/2006/table">
@@ -4764,169 +4766,389 @@
                 <a:tableStyleId>{5C22544A-7EE6-4342-B048-85BDC9FD1C3A}</a:tableStyleId>
               </a:tblPr>
               <a:tblGrid>
-                <a:gridCol w="1487920">
+                <a:gridCol w="1112957">
                   <a:extLst>
                     <a:ext uri="{9D8B030D-6E8A-4147-A177-3AD203B41FA5}">
-                      <a16:colId xmlns:a16="http://schemas.microsoft.com/office/drawing/2014/main" val="20000"/>
+                      <a16:colId xmlns:a16="http://schemas.microsoft.com/office/drawing/2014/main" xmlns="" val="20000"/>
                     </a:ext>
                   </a:extLst>
                 </a:gridCol>
-                <a:gridCol w="1367907">
+                <a:gridCol w="1141135">
                   <a:extLst>
                     <a:ext uri="{9D8B030D-6E8A-4147-A177-3AD203B41FA5}">
-                      <a16:colId xmlns:a16="http://schemas.microsoft.com/office/drawing/2014/main" val="20001"/>
+                      <a16:colId xmlns:a16="http://schemas.microsoft.com/office/drawing/2014/main" xmlns="" val="20001"/>
                     </a:ext>
                   </a:extLst>
                 </a:gridCol>
-                <a:gridCol w="2020973">
+                <a:gridCol w="2004040">
                   <a:extLst>
                     <a:ext uri="{9D8B030D-6E8A-4147-A177-3AD203B41FA5}">
-                      <a16:colId xmlns:a16="http://schemas.microsoft.com/office/drawing/2014/main" val="20002"/>
+                      <a16:colId xmlns:a16="http://schemas.microsoft.com/office/drawing/2014/main" xmlns="" val="20002"/>
                     </a:ext>
                   </a:extLst>
                 </a:gridCol>
-                <a:gridCol w="2016147">
+                <a:gridCol w="970280">
                   <a:extLst>
                     <a:ext uri="{9D8B030D-6E8A-4147-A177-3AD203B41FA5}">
-                      <a16:colId xmlns:a16="http://schemas.microsoft.com/office/drawing/2014/main" val="2350898160"/>
+                      <a16:colId xmlns:a16="http://schemas.microsoft.com/office/drawing/2014/main" xmlns="" val="20003"/>
                     </a:ext>
                   </a:extLst>
                 </a:gridCol>
-                <a:gridCol w="1607968">
+                <a:gridCol w="970280"/>
+                <a:gridCol w="957580"/>
+                <a:gridCol w="970280">
                   <a:extLst>
                     <a:ext uri="{9D8B030D-6E8A-4147-A177-3AD203B41FA5}">
-                      <a16:colId xmlns:a16="http://schemas.microsoft.com/office/drawing/2014/main" val="20003"/>
+                      <a16:colId xmlns:a16="http://schemas.microsoft.com/office/drawing/2014/main" xmlns="" val="20004"/>
                     </a:ext>
                   </a:extLst>
                 </a:gridCol>
-                <a:gridCol w="1607968">
-                  <a:extLst>
-                    <a:ext uri="{9D8B030D-6E8A-4147-A177-3AD203B41FA5}">
-                      <a16:colId xmlns:a16="http://schemas.microsoft.com/office/drawing/2014/main" val="20004"/>
-                    </a:ext>
-                  </a:extLst>
-                </a:gridCol>
+                <a:gridCol w="970280"/>
+                <a:gridCol w="961946"/>
               </a:tblGrid>
-              <a:tr h="655333">
-                <a:tc>
-                  <a:txBody>
-                    <a:bodyPr/>
-                    <a:lstStyle/>
-                    <a:p>
-                      <a:r>
-                        <a:rPr lang="en-US" dirty="0"/>
+              <a:tr h="339440">
+                <a:tc rowSpan="2">
+                  <a:txBody>
+                    <a:bodyPr/>
+                    <a:lstStyle/>
+                    <a:p>
+                      <a:r>
+                        <a:rPr lang="en-US" sz="2400" dirty="0"/>
                         <a:t>SOTA</a:t>
                       </a:r>
                     </a:p>
                   </a:txBody>
+                  <a:tcPr anchor="b"/>
+                </a:tc>
+                <a:tc rowSpan="2">
+                  <a:txBody>
+                    <a:bodyPr/>
+                    <a:lstStyle/>
+                    <a:p>
+                      <a:r>
+                        <a:rPr lang="en-US" sz="2400" dirty="0"/>
+                        <a:t>Type</a:t>
+                      </a:r>
+                    </a:p>
+                  </a:txBody>
+                  <a:tcPr anchor="b"/>
+                </a:tc>
+                <a:tc rowSpan="2">
+                  <a:txBody>
+                    <a:bodyPr/>
+                    <a:lstStyle/>
+                    <a:p>
+                      <a:r>
+                        <a:rPr lang="en-US" sz="2400" dirty="0"/>
+                        <a:t>Transformer</a:t>
+                      </a:r>
+                    </a:p>
+                  </a:txBody>
+                  <a:tcPr anchor="b"/>
+                </a:tc>
+                <a:tc gridSpan="3">
+                  <a:txBody>
+                    <a:bodyPr/>
+                    <a:lstStyle/>
+                    <a:p>
+                      <a:pPr algn="ctr"/>
+                      <a:r>
+                        <a:rPr lang="en-US" sz="2400" dirty="0"/>
+                        <a:t>Pre-trained</a:t>
+                      </a:r>
+                    </a:p>
+                  </a:txBody>
+                  <a:tcPr anchor="b"/>
+                </a:tc>
+                <a:tc hMerge="1">
+                  <a:txBody>
+                    <a:bodyPr/>
+                    <a:lstStyle/>
+                    <a:p>
+                      <a:endParaRPr lang="en-US" dirty="0"/>
+                    </a:p>
+                  </a:txBody>
                   <a:tcPr/>
                 </a:tc>
-                <a:tc>
-                  <a:txBody>
-                    <a:bodyPr/>
-                    <a:lstStyle/>
-                    <a:p>
-                      <a:r>
-                        <a:rPr lang="en-US" dirty="0"/>
-                        <a:t>Type</a:t>
-                      </a:r>
+                <a:tc hMerge="1">
+                  <a:txBody>
+                    <a:bodyPr/>
+                    <a:lstStyle/>
+                    <a:p>
+                      <a:endParaRPr lang="en-US" dirty="0"/>
                     </a:p>
                   </a:txBody>
                   <a:tcPr/>
                 </a:tc>
-                <a:tc>
-                  <a:txBody>
-                    <a:bodyPr/>
-                    <a:lstStyle/>
-                    <a:p>
-                      <a:r>
-                        <a:rPr lang="en-US" dirty="0"/>
-                        <a:t>Transformer</a:t>
-                      </a:r>
+                <a:tc gridSpan="3">
+                  <a:txBody>
+                    <a:bodyPr/>
+                    <a:lstStyle/>
+                    <a:p>
+                      <a:pPr algn="ctr"/>
+                      <a:r>
+                        <a:rPr lang="en-US" sz="2400" dirty="0"/>
+                        <a:t>Trained</a:t>
+                      </a:r>
+                    </a:p>
+                  </a:txBody>
+                  <a:tcPr anchor="b"/>
+                </a:tc>
+                <a:tc hMerge="1">
+                  <a:txBody>
+                    <a:bodyPr/>
+                    <a:lstStyle/>
+                    <a:p>
+                      <a:endParaRPr lang="en-US" dirty="0"/>
                     </a:p>
                   </a:txBody>
                   <a:tcPr/>
                 </a:tc>
-                <a:tc>
-                  <a:txBody>
-                    <a:bodyPr/>
-                    <a:lstStyle/>
-                    <a:p>
-                      <a:r>
-                        <a:rPr lang="en-US" dirty="0"/>
-                        <a:t>ROUGE MRTRICS</a:t>
-                      </a:r>
-                    </a:p>
-                  </a:txBody>
-                  <a:tcPr/>
-                </a:tc>
-                <a:tc>
-                  <a:txBody>
-                    <a:bodyPr/>
-                    <a:lstStyle/>
-                    <a:p>
-                      <a:r>
-                        <a:rPr lang="en-US" dirty="0"/>
-                        <a:t>Pre-trained</a:t>
-                      </a:r>
-                    </a:p>
-                  </a:txBody>
-                  <a:tcPr/>
-                </a:tc>
-                <a:tc>
-                  <a:txBody>
-                    <a:bodyPr/>
-                    <a:lstStyle/>
-                    <a:p>
-                      <a:r>
-                        <a:rPr lang="en-US" dirty="0"/>
-                        <a:t>Trained</a:t>
-                      </a:r>
+                <a:tc hMerge="1">
+                  <a:txBody>
+                    <a:bodyPr/>
+                    <a:lstStyle/>
+                    <a:p>
+                      <a:endParaRPr lang="en-US" dirty="0"/>
                     </a:p>
                   </a:txBody>
                   <a:tcPr/>
                 </a:tc>
                 <a:extLst>
                   <a:ext uri="{0D108BD9-81ED-4DB2-BD59-A6C34878D82A}">
-                    <a16:rowId xmlns:a16="http://schemas.microsoft.com/office/drawing/2014/main" val="10000"/>
+                    <a16:rowId xmlns:a16="http://schemas.microsoft.com/office/drawing/2014/main" xmlns="" val="10000"/>
                   </a:ext>
                 </a:extLst>
               </a:tr>
+              <a:tr h="136906">
+                <a:tc vMerge="1">
+                  <a:txBody>
+                    <a:bodyPr/>
+                    <a:lstStyle/>
+                    <a:p>
+                      <a:endParaRPr lang="en-US" dirty="0"/>
+                    </a:p>
+                  </a:txBody>
+                  <a:tcPr/>
+                </a:tc>
+                <a:tc vMerge="1">
+                  <a:txBody>
+                    <a:bodyPr/>
+                    <a:lstStyle/>
+                    <a:p>
+                      <a:endParaRPr lang="en-US" dirty="0"/>
+                    </a:p>
+                  </a:txBody>
+                  <a:tcPr/>
+                </a:tc>
+                <a:tc vMerge="1">
+                  <a:txBody>
+                    <a:bodyPr/>
+                    <a:lstStyle/>
+                    <a:p>
+                      <a:endParaRPr lang="en-US" dirty="0"/>
+                    </a:p>
+                  </a:txBody>
+                  <a:tcPr/>
+                </a:tc>
+                <a:tc>
+                  <a:txBody>
+                    <a:bodyPr/>
+                    <a:lstStyle/>
+                    <a:p>
+                      <a:pPr algn="l"/>
+                      <a:r>
+                        <a:rPr lang="en-US" sz="1600" b="1" dirty="0" smtClean="0">
+                          <a:solidFill>
+                            <a:schemeClr val="bg1"/>
+                          </a:solidFill>
+                        </a:rPr>
+                        <a:t>ROUGE-1</a:t>
+                      </a:r>
+                      <a:endParaRPr lang="en-US" sz="1600" b="1" dirty="0">
+                        <a:solidFill>
+                          <a:schemeClr val="bg1"/>
+                        </a:solidFill>
+                      </a:endParaRPr>
+                    </a:p>
+                  </a:txBody>
+                  <a:tcPr>
+                    <a:solidFill>
+                      <a:schemeClr val="accent1"/>
+                    </a:solidFill>
+                  </a:tcPr>
+                </a:tc>
+                <a:tc>
+                  <a:txBody>
+                    <a:bodyPr/>
+                    <a:lstStyle/>
+                    <a:p>
+                      <a:pPr algn="l"/>
+                      <a:r>
+                        <a:rPr lang="en-US" sz="1600" b="1" dirty="0" smtClean="0">
+                          <a:solidFill>
+                            <a:schemeClr val="bg1"/>
+                          </a:solidFill>
+                        </a:rPr>
+                        <a:t>ROUGE-2</a:t>
+                      </a:r>
+                      <a:endParaRPr lang="en-US" sz="1600" b="1" dirty="0">
+                        <a:solidFill>
+                          <a:schemeClr val="bg1"/>
+                        </a:solidFill>
+                      </a:endParaRPr>
+                    </a:p>
+                  </a:txBody>
+                  <a:tcPr>
+                    <a:solidFill>
+                      <a:schemeClr val="accent1"/>
+                    </a:solidFill>
+                  </a:tcPr>
+                </a:tc>
+                <a:tc>
+                  <a:txBody>
+                    <a:bodyPr/>
+                    <a:lstStyle/>
+                    <a:p>
+                      <a:pPr algn="l"/>
+                      <a:r>
+                        <a:rPr lang="en-US" sz="1600" dirty="0" smtClean="0">
+                          <a:solidFill>
+                            <a:schemeClr val="bg1"/>
+                          </a:solidFill>
+                        </a:rPr>
+                        <a:t>ROUGE-L</a:t>
+                      </a:r>
+                      <a:endParaRPr lang="en-US" sz="1600" dirty="0">
+                        <a:solidFill>
+                          <a:schemeClr val="bg1"/>
+                        </a:solidFill>
+                      </a:endParaRPr>
+                    </a:p>
+                  </a:txBody>
+                  <a:tcPr>
+                    <a:solidFill>
+                      <a:schemeClr val="accent1"/>
+                    </a:solidFill>
+                  </a:tcPr>
+                </a:tc>
+                <a:tc>
+                  <a:txBody>
+                    <a:bodyPr/>
+                    <a:lstStyle/>
+                    <a:p>
+                      <a:pPr algn="l"/>
+                      <a:r>
+                        <a:rPr lang="en-US" sz="1600" b="1" dirty="0" smtClean="0">
+                          <a:solidFill>
+                            <a:schemeClr val="bg1"/>
+                          </a:solidFill>
+                        </a:rPr>
+                        <a:t>ROUGE-1</a:t>
+                      </a:r>
+                      <a:endParaRPr lang="en-US" sz="1600" b="1" dirty="0">
+                        <a:solidFill>
+                          <a:schemeClr val="bg1"/>
+                        </a:solidFill>
+                      </a:endParaRPr>
+                    </a:p>
+                  </a:txBody>
+                  <a:tcPr>
+                    <a:solidFill>
+                      <a:schemeClr val="accent1"/>
+                    </a:solidFill>
+                  </a:tcPr>
+                </a:tc>
+                <a:tc>
+                  <a:txBody>
+                    <a:bodyPr/>
+                    <a:lstStyle/>
+                    <a:p>
+                      <a:pPr algn="l"/>
+                      <a:r>
+                        <a:rPr lang="en-US" sz="1600" b="1" dirty="0" smtClean="0">
+                          <a:solidFill>
+                            <a:schemeClr val="bg1"/>
+                          </a:solidFill>
+                        </a:rPr>
+                        <a:t>ROUGE-2</a:t>
+                      </a:r>
+                      <a:endParaRPr lang="en-US" sz="1600" b="1" dirty="0">
+                        <a:solidFill>
+                          <a:schemeClr val="bg1"/>
+                        </a:solidFill>
+                      </a:endParaRPr>
+                    </a:p>
+                  </a:txBody>
+                  <a:tcPr>
+                    <a:solidFill>
+                      <a:schemeClr val="accent1"/>
+                    </a:solidFill>
+                  </a:tcPr>
+                </a:tc>
+                <a:tc>
+                  <a:txBody>
+                    <a:bodyPr/>
+                    <a:lstStyle/>
+                    <a:p>
+                      <a:pPr algn="l"/>
+                      <a:r>
+                        <a:rPr lang="en-US" sz="1600" dirty="0" smtClean="0">
+                          <a:solidFill>
+                            <a:schemeClr val="bg1"/>
+                          </a:solidFill>
+                        </a:rPr>
+                        <a:t>ROUGE-L</a:t>
+                      </a:r>
+                      <a:endParaRPr lang="en-US" sz="1600" dirty="0">
+                        <a:solidFill>
+                          <a:schemeClr val="bg1"/>
+                        </a:solidFill>
+                      </a:endParaRPr>
+                    </a:p>
+                  </a:txBody>
+                  <a:tcPr>
+                    <a:solidFill>
+                      <a:schemeClr val="accent1"/>
+                    </a:solidFill>
+                  </a:tcPr>
+                </a:tc>
+              </a:tr>
               <a:tr h="288882">
-                <a:tc rowSpan="9">
-                  <a:txBody>
-                    <a:bodyPr/>
-                    <a:lstStyle/>
-                    <a:p>
-                      <a:r>
-                        <a:rPr lang="en-US" sz="1200" dirty="0" err="1"/>
+                <a:tc rowSpan="3">
+                  <a:txBody>
+                    <a:bodyPr/>
+                    <a:lstStyle/>
+                    <a:p>
+                      <a:r>
+                        <a:rPr lang="en-US" sz="1600" dirty="0" err="1"/>
                         <a:t>PreSumm</a:t>
                       </a:r>
-                      <a:endParaRPr lang="en-US" sz="1200" dirty="0"/>
+                      <a:endParaRPr lang="en-US" sz="1600" dirty="0"/>
                     </a:p>
                   </a:txBody>
                   <a:tcPr anchor="ctr"/>
                 </a:tc>
-                <a:tc rowSpan="3">
-                  <a:txBody>
-                    <a:bodyPr/>
-                    <a:lstStyle/>
-                    <a:p>
-                      <a:r>
-                        <a:rPr lang="en-US" sz="1200" dirty="0"/>
+                <a:tc>
+                  <a:txBody>
+                    <a:bodyPr/>
+                    <a:lstStyle/>
+                    <a:p>
+                      <a:r>
+                        <a:rPr lang="en-US" sz="1600" dirty="0"/>
                         <a:t>Extractive</a:t>
                       </a:r>
                     </a:p>
                   </a:txBody>
                   <a:tcPr/>
                 </a:tc>
-                <a:tc rowSpan="3">
-                  <a:txBody>
-                    <a:bodyPr/>
-                    <a:lstStyle/>
-                    <a:p>
-                      <a:r>
-                        <a:rPr lang="en-US" sz="1200" dirty="0"/>
+                <a:tc>
+                  <a:txBody>
+                    <a:bodyPr/>
+                    <a:lstStyle/>
+                    <a:p>
+                      <a:r>
+                        <a:rPr lang="en-US" sz="1600" dirty="0"/>
                         <a:t>BERT</a:t>
                       </a:r>
                     </a:p>
@@ -4939,8 +5161,12 @@
                     <a:lstStyle/>
                     <a:p>
                       <a:r>
-                        <a:rPr lang="en-US" sz="1200" dirty="0"/>
-                        <a:t>ROUGE-1</a:t>
+                        <a:rPr lang="en-US" sz="1600" b="1" dirty="0">
+                          <a:solidFill>
+                            <a:srgbClr val="800000"/>
+                          </a:solidFill>
+                        </a:rPr>
+                        <a:t>0.29475</a:t>
                       </a:r>
                     </a:p>
                   </a:txBody>
@@ -4952,9 +5178,18 @@
                     <a:lstStyle/>
                     <a:p>
                       <a:r>
-                        <a:rPr lang="en-US" sz="1200" dirty="0"/>
-                        <a:t>0.29475</a:t>
-                      </a:r>
+                        <a:rPr lang="en-US" sz="1600" b="1" dirty="0" smtClean="0">
+                          <a:solidFill>
+                            <a:srgbClr val="000090"/>
+                          </a:solidFill>
+                        </a:rPr>
+                        <a:t>0.11580 </a:t>
+                      </a:r>
+                      <a:endParaRPr lang="en-US" sz="1600" b="1" dirty="0">
+                        <a:solidFill>
+                          <a:srgbClr val="000090"/>
+                        </a:solidFill>
+                      </a:endParaRPr>
                     </a:p>
                   </a:txBody>
                   <a:tcPr/>
@@ -4965,16 +5200,70 @@
                     <a:lstStyle/>
                     <a:p>
                       <a:r>
-                        <a:rPr lang="en-US" sz="1200" dirty="0"/>
+                        <a:rPr lang="en-US" sz="1600" dirty="0" smtClean="0"/>
+                        <a:t>0.25311</a:t>
+                      </a:r>
+                      <a:endParaRPr lang="en-US" sz="1600" dirty="0"/>
+                    </a:p>
+                  </a:txBody>
+                  <a:tcPr/>
+                </a:tc>
+                <a:tc>
+                  <a:txBody>
+                    <a:bodyPr/>
+                    <a:lstStyle/>
+                    <a:p>
+                      <a:r>
+                        <a:rPr lang="en-US" sz="1600" b="1" dirty="0">
+                          <a:solidFill>
+                            <a:srgbClr val="800000"/>
+                          </a:solidFill>
+                        </a:rPr>
                         <a:t>0.30204</a:t>
                       </a:r>
+                    </a:p>
+                  </a:txBody>
+                  <a:tcPr/>
+                </a:tc>
+                <a:tc>
+                  <a:txBody>
+                    <a:bodyPr/>
+                    <a:lstStyle/>
+                    <a:p>
+                      <a:r>
+                        <a:rPr lang="en-US" sz="1600" b="1" dirty="0" smtClean="0">
+                          <a:solidFill>
+                            <a:srgbClr val="000090"/>
+                          </a:solidFill>
+                        </a:rPr>
+                        <a:t>0.12198</a:t>
+                      </a:r>
+                      <a:endParaRPr lang="en-US" sz="1600" b="1" dirty="0">
+                        <a:solidFill>
+                          <a:srgbClr val="000090"/>
+                        </a:solidFill>
+                      </a:endParaRPr>
+                    </a:p>
+                  </a:txBody>
+                  <a:tcPr/>
+                </a:tc>
+                <a:tc>
+                  <a:txBody>
+                    <a:bodyPr/>
+                    <a:lstStyle/>
+                    <a:p>
+                      <a:r>
+                        <a:rPr lang="en-US" sz="1600" dirty="0" smtClean="0"/>
+                        <a:t>0.26038</a:t>
+                      </a:r>
+                      <a:endParaRPr lang="en-US" sz="1600" dirty="0"/>
                     </a:p>
                   </a:txBody>
                   <a:tcPr/>
                 </a:tc>
                 <a:extLst>
                   <a:ext uri="{0D108BD9-81ED-4DB2-BD59-A6C34878D82A}">
-                    <a16:rowId xmlns:a16="http://schemas.microsoft.com/office/drawing/2014/main" val="10001"/>
+                    <a16:rowId xmlns:a16="http://schemas.microsoft.com/office/drawing/2014/main" xmlns="" val="10001"/>
                   </a:ext>
                 </a:extLst>
               </a:tr>
@@ -4984,27 +5273,50 @@
                     <a:bodyPr/>
                     <a:lstStyle/>
                     <a:p>
-                      <a:endParaRPr lang="en-US"/>
+                      <a:endParaRPr lang="en-US" dirty="0"/>
                     </a:p>
                   </a:txBody>
                   <a:tcPr/>
                 </a:tc>
-                <a:tc vMerge="1">
-                  <a:txBody>
-                    <a:bodyPr/>
-                    <a:lstStyle/>
-                    <a:p>
-                      <a:endParaRPr lang="en-US"/>
+                <a:tc rowSpan="2">
+                  <a:txBody>
+                    <a:bodyPr/>
+                    <a:lstStyle/>
+                    <a:p>
+                      <a:r>
+                        <a:rPr lang="en-US" sz="1600" dirty="0"/>
+                        <a:t>Abstractive</a:t>
+                      </a:r>
+                    </a:p>
+                  </a:txBody>
+                  <a:tcPr anchor="ctr"/>
+                </a:tc>
+                <a:tc>
+                  <a:txBody>
+                    <a:bodyPr/>
+                    <a:lstStyle/>
+                    <a:p>
+                      <a:r>
+                        <a:rPr lang="en-US" sz="1600" dirty="0"/>
+                        <a:t>Baseline Transformer</a:t>
+                      </a:r>
                     </a:p>
                   </a:txBody>
                   <a:tcPr/>
                 </a:tc>
-                <a:tc vMerge="1">
-                  <a:txBody>
-                    <a:bodyPr/>
-                    <a:lstStyle/>
-                    <a:p>
-                      <a:endParaRPr lang="en-US"/>
+                <a:tc>
+                  <a:txBody>
+                    <a:bodyPr/>
+                    <a:lstStyle/>
+                    <a:p>
+                      <a:r>
+                        <a:rPr lang="en-US" sz="1600" b="1" dirty="0">
+                          <a:solidFill>
+                            <a:srgbClr val="800000"/>
+                          </a:solidFill>
+                        </a:rPr>
+                        <a:t>0.24971</a:t>
+                      </a:r>
                     </a:p>
                   </a:txBody>
                   <a:tcPr/>
@@ -5014,27 +5326,19 @@
                     <a:bodyPr/>
                     <a:lstStyle/>
                     <a:p>
-                      <a:pPr marL="0" marR="0" lvl="0" indent="0" algn="l" defTabSz="914400" rtl="0" eaLnBrk="1" fontAlgn="auto" latinLnBrk="0" hangingPunct="1">
-                        <a:lnSpc>
-                          <a:spcPct val="100000"/>
-                        </a:lnSpc>
-                        <a:spcBef>
-                          <a:spcPts val="0"/>
-                        </a:spcBef>
-                        <a:spcAft>
-                          <a:spcPts val="0"/>
-                        </a:spcAft>
-                        <a:buClrTx/>
-                        <a:buSzTx/>
-                        <a:buFontTx/>
-                        <a:buNone/>
-                        <a:tabLst/>
-                        <a:defRPr/>
-                      </a:pPr>
-                      <a:r>
-                        <a:rPr lang="en-US" sz="1200" dirty="0"/>
-                        <a:t>ROUGE-2</a:t>
-                      </a:r>
+                      <a:r>
+                        <a:rPr lang="en-US" sz="1600" b="1" dirty="0" smtClean="0">
+                          <a:solidFill>
+                            <a:srgbClr val="000090"/>
+                          </a:solidFill>
+                        </a:rPr>
+                        <a:t>0.07703</a:t>
+                      </a:r>
+                      <a:endParaRPr lang="en-US" sz="1600" b="1" dirty="0">
+                        <a:solidFill>
+                          <a:srgbClr val="000090"/>
+                        </a:solidFill>
+                      </a:endParaRPr>
                     </a:p>
                   </a:txBody>
                   <a:tcPr/>
@@ -5045,9 +5349,10 @@
                     <a:lstStyle/>
                     <a:p>
                       <a:r>
-                        <a:rPr lang="en-US" sz="1200" dirty="0"/>
-                        <a:t>0.11580 </a:t>
-                      </a:r>
+                        <a:rPr lang="en-US" sz="1600" dirty="0" smtClean="0"/>
+                        <a:t>0.21326</a:t>
+                      </a:r>
+                      <a:endParaRPr lang="en-US" sz="1600" dirty="0"/>
                     </a:p>
                   </a:txBody>
                   <a:tcPr/>
@@ -5058,16 +5363,56 @@
                     <a:lstStyle/>
                     <a:p>
                       <a:r>
-                        <a:rPr lang="en-US" sz="1200" dirty="0"/>
-                        <a:t>0.12198</a:t>
-                      </a:r>
+                        <a:rPr lang="en-US" sz="1600" b="1" dirty="0">
+                          <a:solidFill>
+                            <a:srgbClr val="800000"/>
+                          </a:solidFill>
+                        </a:rPr>
+                        <a:t>0.27616</a:t>
+                      </a:r>
+                    </a:p>
+                  </a:txBody>
+                  <a:tcPr/>
+                </a:tc>
+                <a:tc>
+                  <a:txBody>
+                    <a:bodyPr/>
+                    <a:lstStyle/>
+                    <a:p>
+                      <a:r>
+                        <a:rPr lang="en-US" sz="1600" b="1" dirty="0" smtClean="0">
+                          <a:solidFill>
+                            <a:srgbClr val="000090"/>
+                          </a:solidFill>
+                        </a:rPr>
+                        <a:t>0.11064</a:t>
+                      </a:r>
+                      <a:endParaRPr lang="en-US" sz="1600" b="1" dirty="0">
+                        <a:solidFill>
+                          <a:srgbClr val="000090"/>
+                        </a:solidFill>
+                      </a:endParaRPr>
+                    </a:p>
+                  </a:txBody>
+                  <a:tcPr/>
+                </a:tc>
+                <a:tc>
+                  <a:txBody>
+                    <a:bodyPr/>
+                    <a:lstStyle/>
+                    <a:p>
+                      <a:r>
+                        <a:rPr lang="en-US" sz="1600" dirty="0" smtClean="0"/>
+                        <a:t>0.23477</a:t>
+                      </a:r>
+                      <a:endParaRPr lang="en-US" sz="1600" dirty="0"/>
                     </a:p>
                   </a:txBody>
                   <a:tcPr/>
                 </a:tc>
                 <a:extLst>
                   <a:ext uri="{0D108BD9-81ED-4DB2-BD59-A6C34878D82A}">
-                    <a16:rowId xmlns:a16="http://schemas.microsoft.com/office/drawing/2014/main" val="4128231166"/>
+                    <a16:rowId xmlns:a16="http://schemas.microsoft.com/office/drawing/2014/main" xmlns="" val="10002"/>
                   </a:ext>
                 </a:extLst>
               </a:tr>
@@ -5077,7 +5422,7 @@
                     <a:bodyPr/>
                     <a:lstStyle/>
                     <a:p>
-                      <a:endParaRPr lang="en-US"/>
+                      <a:endParaRPr lang="en-US" dirty="0"/>
                     </a:p>
                   </a:txBody>
                   <a:tcPr/>
@@ -5087,17 +5432,20 @@
                     <a:bodyPr/>
                     <a:lstStyle/>
                     <a:p>
-                      <a:endParaRPr lang="en-US"/>
+                      <a:endParaRPr lang="en-US" dirty="0"/>
                     </a:p>
                   </a:txBody>
                   <a:tcPr/>
                 </a:tc>
-                <a:tc vMerge="1">
-                  <a:txBody>
-                    <a:bodyPr/>
-                    <a:lstStyle/>
-                    <a:p>
-                      <a:endParaRPr lang="en-US"/>
+                <a:tc>
+                  <a:txBody>
+                    <a:bodyPr/>
+                    <a:lstStyle/>
+                    <a:p>
+                      <a:r>
+                        <a:rPr lang="en-US" sz="1600" dirty="0"/>
+                        <a:t>BERT</a:t>
+                      </a:r>
                     </a:p>
                   </a:txBody>
                   <a:tcPr/>
@@ -5107,26 +5455,13 @@
                     <a:bodyPr/>
                     <a:lstStyle/>
                     <a:p>
-                      <a:pPr marL="0" marR="0" lvl="0" indent="0" algn="l" defTabSz="914400" rtl="0" eaLnBrk="1" fontAlgn="auto" latinLnBrk="0" hangingPunct="1">
-                        <a:lnSpc>
-                          <a:spcPct val="100000"/>
-                        </a:lnSpc>
-                        <a:spcBef>
-                          <a:spcPts val="0"/>
-                        </a:spcBef>
-                        <a:spcAft>
-                          <a:spcPts val="0"/>
-                        </a:spcAft>
-                        <a:buClrTx/>
-                        <a:buSzTx/>
-                        <a:buFontTx/>
-                        <a:buNone/>
-                        <a:tabLst/>
-                        <a:defRPr/>
-                      </a:pPr>
-                      <a:r>
-                        <a:rPr lang="en-US" sz="1200" dirty="0"/>
-                        <a:t>ROUGE-3</a:t>
+                      <a:r>
+                        <a:rPr lang="en-US" sz="1600" b="1" dirty="0">
+                          <a:solidFill>
+                            <a:srgbClr val="800000"/>
+                          </a:solidFill>
+                        </a:rPr>
+                        <a:t>0.24623</a:t>
                       </a:r>
                     </a:p>
                   </a:txBody>
@@ -5138,9 +5473,18 @@
                     <a:lstStyle/>
                     <a:p>
                       <a:r>
-                        <a:rPr lang="en-US" sz="1200" dirty="0"/>
-                        <a:t>0.25311</a:t>
-                      </a:r>
+                        <a:rPr lang="en-US" sz="1600" b="1" dirty="0" smtClean="0">
+                          <a:solidFill>
+                            <a:srgbClr val="000090"/>
+                          </a:solidFill>
+                        </a:rPr>
+                        <a:t>0.07836</a:t>
+                      </a:r>
+                      <a:endParaRPr lang="en-US" sz="1600" b="1" dirty="0">
+                        <a:solidFill>
+                          <a:srgbClr val="000090"/>
+                        </a:solidFill>
+                      </a:endParaRPr>
                     </a:p>
                   </a:txBody>
                   <a:tcPr/>
@@ -5151,16 +5495,208 @@
                     <a:lstStyle/>
                     <a:p>
                       <a:r>
-                        <a:rPr lang="en-US" sz="1200" dirty="0"/>
-                        <a:t>0.26038</a:t>
-                      </a:r>
+                        <a:rPr lang="en-US" sz="1600" dirty="0" smtClean="0"/>
+                        <a:t>0.21218</a:t>
+                      </a:r>
+                      <a:endParaRPr lang="en-US" sz="1600" dirty="0"/>
+                    </a:p>
+                  </a:txBody>
+                  <a:tcPr/>
+                </a:tc>
+                <a:tc>
+                  <a:txBody>
+                    <a:bodyPr/>
+                    <a:lstStyle/>
+                    <a:p>
+                      <a:r>
+                        <a:rPr lang="en-US" sz="1600" b="1" dirty="0">
+                          <a:solidFill>
+                            <a:srgbClr val="800000"/>
+                          </a:solidFill>
+                        </a:rPr>
+                        <a:t>0.29275</a:t>
+                      </a:r>
+                    </a:p>
+                  </a:txBody>
+                  <a:tcPr/>
+                </a:tc>
+                <a:tc>
+                  <a:txBody>
+                    <a:bodyPr/>
+                    <a:lstStyle/>
+                    <a:p>
+                      <a:r>
+                        <a:rPr lang="en-US" sz="1600" b="1" dirty="0" smtClean="0">
+                          <a:solidFill>
+                            <a:srgbClr val="000090"/>
+                          </a:solidFill>
+                        </a:rPr>
+                        <a:t>0.10662</a:t>
+                      </a:r>
+                      <a:endParaRPr lang="en-US" sz="1600" b="1" dirty="0">
+                        <a:solidFill>
+                          <a:srgbClr val="000090"/>
+                        </a:solidFill>
+                      </a:endParaRPr>
+                    </a:p>
+                  </a:txBody>
+                  <a:tcPr/>
+                </a:tc>
+                <a:tc>
+                  <a:txBody>
+                    <a:bodyPr/>
+                    <a:lstStyle/>
+                    <a:p>
+                      <a:r>
+                        <a:rPr lang="en-US" sz="1600" dirty="0" smtClean="0"/>
+                        <a:t>0.24970</a:t>
+                      </a:r>
+                      <a:endParaRPr lang="en-US" sz="1600" dirty="0"/>
                     </a:p>
                   </a:txBody>
                   <a:tcPr/>
                 </a:tc>
                 <a:extLst>
                   <a:ext uri="{0D108BD9-81ED-4DB2-BD59-A6C34878D82A}">
-                    <a16:rowId xmlns:a16="http://schemas.microsoft.com/office/drawing/2014/main" val="2829579394"/>
+                    <a16:rowId xmlns:a16="http://schemas.microsoft.com/office/drawing/2014/main" xmlns="" val="10003"/>
+                  </a:ext>
+                </a:extLst>
+              </a:tr>
+              <a:tr h="288882">
+                <a:tc rowSpan="2">
+                  <a:txBody>
+                    <a:bodyPr/>
+                    <a:lstStyle/>
+                    <a:p>
+                      <a:r>
+                        <a:rPr lang="en-US" sz="1600" dirty="0" err="1"/>
+                        <a:t>MatchSum</a:t>
+                      </a:r>
+                      <a:endParaRPr lang="en-US" sz="1600" dirty="0"/>
+                    </a:p>
+                  </a:txBody>
+                  <a:tcPr anchor="ctr"/>
+                </a:tc>
+                <a:tc rowSpan="2">
+                  <a:txBody>
+                    <a:bodyPr/>
+                    <a:lstStyle/>
+                    <a:p>
+                      <a:r>
+                        <a:rPr lang="en-US" sz="1600" dirty="0"/>
+                        <a:t>Extractive</a:t>
+                      </a:r>
+                    </a:p>
+                  </a:txBody>
+                  <a:tcPr anchor="ctr"/>
+                </a:tc>
+                <a:tc>
+                  <a:txBody>
+                    <a:bodyPr/>
+                    <a:lstStyle/>
+                    <a:p>
+                      <a:r>
+                        <a:rPr lang="en-US" sz="1600" dirty="0"/>
+                        <a:t>BERT</a:t>
+                      </a:r>
+                    </a:p>
+                  </a:txBody>
+                  <a:tcPr/>
+                </a:tc>
+                <a:tc>
+                  <a:txBody>
+                    <a:bodyPr/>
+                    <a:lstStyle/>
+                    <a:p>
+                      <a:endParaRPr lang="en-US" sz="1600" dirty="0">
+                        <a:solidFill>
+                          <a:srgbClr val="800000"/>
+                        </a:solidFill>
+                      </a:endParaRPr>
+                    </a:p>
+                  </a:txBody>
+                  <a:tcPr/>
+                </a:tc>
+                <a:tc>
+                  <a:txBody>
+                    <a:bodyPr/>
+                    <a:lstStyle/>
+                    <a:p>
+                      <a:endParaRPr lang="en-US" sz="1600" b="1" dirty="0">
+                        <a:solidFill>
+                          <a:srgbClr val="000090"/>
+                        </a:solidFill>
+                      </a:endParaRPr>
+                    </a:p>
+                  </a:txBody>
+                  <a:tcPr/>
+                </a:tc>
+                <a:tc>
+                  <a:txBody>
+                    <a:bodyPr/>
+                    <a:lstStyle/>
+                    <a:p>
+                      <a:endParaRPr lang="en-US" sz="1600" dirty="0"/>
+                    </a:p>
+                  </a:txBody>
+                  <a:tcPr/>
+                </a:tc>
+                <a:tc>
+                  <a:txBody>
+                    <a:bodyPr/>
+                    <a:lstStyle/>
+                    <a:p>
+                      <a:r>
+                        <a:rPr lang="en-US" sz="1600" b="1" dirty="0">
+                          <a:solidFill>
+                            <a:srgbClr val="800000"/>
+                          </a:solidFill>
+                        </a:rPr>
+                        <a:t>0.44129</a:t>
+                      </a:r>
+                    </a:p>
+                  </a:txBody>
+                  <a:tcPr/>
+                </a:tc>
+                <a:tc>
+                  <a:txBody>
+                    <a:bodyPr/>
+                    <a:lstStyle/>
+                    <a:p>
+                      <a:r>
+                        <a:rPr lang="en-US" sz="1600" b="1" dirty="0" smtClean="0">
+                          <a:solidFill>
+                            <a:srgbClr val="000090"/>
+                          </a:solidFill>
+                        </a:rPr>
+                        <a:t>0.31916</a:t>
+                      </a:r>
+                      <a:endParaRPr lang="en-US" sz="1600" b="1" dirty="0">
+                        <a:solidFill>
+                          <a:srgbClr val="000090"/>
+                        </a:solidFill>
+                      </a:endParaRPr>
+                    </a:p>
+                  </a:txBody>
+                  <a:tcPr/>
+                </a:tc>
+                <a:tc>
+                  <a:txBody>
+                    <a:bodyPr/>
+                    <a:lstStyle/>
+                    <a:p>
+                      <a:r>
+                        <a:rPr lang="en-US" sz="1600" dirty="0" smtClean="0"/>
+                        <a:t>0.40957</a:t>
+                      </a:r>
+                      <a:endParaRPr lang="en-US" sz="1600" dirty="0"/>
+                    </a:p>
+                  </a:txBody>
+                  <a:tcPr/>
+                </a:tc>
+                <a:extLst>
+                  <a:ext uri="{0D108BD9-81ED-4DB2-BD59-A6C34878D82A}">
+                    <a16:rowId xmlns:a16="http://schemas.microsoft.com/office/drawing/2014/main" xmlns="" val="10004"/>
                   </a:ext>
                 </a:extLst>
               </a:tr>
@@ -5175,28 +5711,12 @@
                   </a:txBody>
                   <a:tcPr/>
                 </a:tc>
-                <a:tc rowSpan="6">
-                  <a:txBody>
-                    <a:bodyPr/>
-                    <a:lstStyle/>
-                    <a:p>
-                      <a:r>
-                        <a:rPr lang="en-US" sz="1200" dirty="0"/>
-                        <a:t>Abstractive</a:t>
-                      </a:r>
-                    </a:p>
-                  </a:txBody>
-                  <a:tcPr anchor="ctr"/>
-                </a:tc>
-                <a:tc rowSpan="3">
-                  <a:txBody>
-                    <a:bodyPr/>
-                    <a:lstStyle/>
-                    <a:p>
-                      <a:r>
-                        <a:rPr lang="en-US" sz="1200" dirty="0"/>
-                        <a:t>Baseline Transformer</a:t>
-                      </a:r>
+                <a:tc vMerge="1">
+                  <a:txBody>
+                    <a:bodyPr/>
+                    <a:lstStyle/>
+                    <a:p>
+                      <a:endParaRPr lang="en-US" dirty="0"/>
                     </a:p>
                   </a:txBody>
                   <a:tcPr/>
@@ -5207,9 +5727,10 @@
                     <a:lstStyle/>
                     <a:p>
                       <a:r>
-                        <a:rPr lang="en-US" sz="1200" dirty="0"/>
-                        <a:t>ROUGE-1</a:t>
-                      </a:r>
+                        <a:rPr lang="en-US" sz="1600" dirty="0" err="1"/>
+                        <a:t>RoBERTa</a:t>
+                      </a:r>
+                      <a:endParaRPr lang="en-US" sz="1600" dirty="0"/>
                     </a:p>
                   </a:txBody>
                   <a:tcPr/>
@@ -5219,10 +5740,11 @@
                     <a:bodyPr/>
                     <a:lstStyle/>
                     <a:p>
-                      <a:r>
-                        <a:rPr lang="en-US" sz="1200" dirty="0"/>
-                        <a:t>0.24971</a:t>
-                      </a:r>
+                      <a:endParaRPr lang="en-US" sz="1600" dirty="0">
+                        <a:solidFill>
+                          <a:srgbClr val="800000"/>
+                        </a:solidFill>
+                      </a:endParaRPr>
                     </a:p>
                   </a:txBody>
                   <a:tcPr/>
@@ -5232,988 +5754,86 @@
                     <a:bodyPr/>
                     <a:lstStyle/>
                     <a:p>
-                      <a:r>
-                        <a:rPr lang="en-US" sz="1200" dirty="0"/>
-                        <a:t>0.27616</a:t>
-                      </a:r>
+                      <a:endParaRPr lang="en-US" sz="1600" b="1" dirty="0">
+                        <a:solidFill>
+                          <a:srgbClr val="000090"/>
+                        </a:solidFill>
+                      </a:endParaRPr>
+                    </a:p>
+                  </a:txBody>
+                  <a:tcPr/>
+                </a:tc>
+                <a:tc>
+                  <a:txBody>
+                    <a:bodyPr/>
+                    <a:lstStyle/>
+                    <a:p>
+                      <a:endParaRPr lang="en-US" sz="1600" dirty="0"/>
+                    </a:p>
+                  </a:txBody>
+                  <a:tcPr/>
+                </a:tc>
+                <a:tc>
+                  <a:txBody>
+                    <a:bodyPr/>
+                    <a:lstStyle/>
+                    <a:p>
+                      <a:r>
+                        <a:rPr lang="en-US" sz="1600" b="1" dirty="0" smtClean="0">
+                          <a:solidFill>
+                            <a:srgbClr val="800000"/>
+                          </a:solidFill>
+                        </a:rPr>
+                        <a:t>0.52943</a:t>
+                      </a:r>
+                      <a:endParaRPr lang="en-US" sz="1600" b="1" dirty="0">
+                        <a:solidFill>
+                          <a:srgbClr val="800000"/>
+                        </a:solidFill>
+                      </a:endParaRPr>
+                    </a:p>
+                  </a:txBody>
+                  <a:tcPr/>
+                </a:tc>
+                <a:tc>
+                  <a:txBody>
+                    <a:bodyPr/>
+                    <a:lstStyle/>
+                    <a:p>
+                      <a:r>
+                        <a:rPr lang="en-US" sz="1600" b="1" dirty="0" smtClean="0">
+                          <a:solidFill>
+                            <a:srgbClr val="000090"/>
+                          </a:solidFill>
+                        </a:rPr>
+                        <a:t>0.39246</a:t>
+                      </a:r>
+                      <a:endParaRPr lang="en-US" sz="1600" b="1" dirty="0">
+                        <a:solidFill>
+                          <a:srgbClr val="000090"/>
+                        </a:solidFill>
+                      </a:endParaRPr>
+                    </a:p>
+                  </a:txBody>
+                  <a:tcPr/>
+                </a:tc>
+                <a:tc>
+                  <a:txBody>
+                    <a:bodyPr/>
+                    <a:lstStyle/>
+                    <a:p>
+                      <a:r>
+                        <a:rPr lang="en-US" sz="1600" dirty="0" smtClean="0"/>
+                        <a:t>0.49484</a:t>
+                      </a:r>
+                      <a:endParaRPr lang="en-US" sz="1600" dirty="0"/>
                     </a:p>
                   </a:txBody>
                   <a:tcPr/>
                 </a:tc>
                 <a:extLst>
                   <a:ext uri="{0D108BD9-81ED-4DB2-BD59-A6C34878D82A}">
-                    <a16:rowId xmlns:a16="http://schemas.microsoft.com/office/drawing/2014/main" val="10002"/>
-                  </a:ext>
-                </a:extLst>
-              </a:tr>
-              <a:tr h="288882">
-                <a:tc vMerge="1">
-                  <a:txBody>
-                    <a:bodyPr/>
-                    <a:lstStyle/>
-                    <a:p>
-                      <a:endParaRPr lang="en-US"/>
-                    </a:p>
-                  </a:txBody>
-                  <a:tcPr/>
-                </a:tc>
-                <a:tc vMerge="1">
-                  <a:txBody>
-                    <a:bodyPr/>
-                    <a:lstStyle/>
-                    <a:p>
-                      <a:endParaRPr lang="en-US"/>
-                    </a:p>
-                  </a:txBody>
-                  <a:tcPr/>
-                </a:tc>
-                <a:tc vMerge="1">
-                  <a:txBody>
-                    <a:bodyPr/>
-                    <a:lstStyle/>
-                    <a:p>
-                      <a:endParaRPr lang="en-US"/>
-                    </a:p>
-                  </a:txBody>
-                  <a:tcPr/>
-                </a:tc>
-                <a:tc>
-                  <a:txBody>
-                    <a:bodyPr/>
-                    <a:lstStyle/>
-                    <a:p>
-                      <a:pPr marL="0" marR="0" lvl="0" indent="0" algn="l" defTabSz="914400" rtl="0" eaLnBrk="1" fontAlgn="auto" latinLnBrk="0" hangingPunct="1">
-                        <a:lnSpc>
-                          <a:spcPct val="100000"/>
-                        </a:lnSpc>
-                        <a:spcBef>
-                          <a:spcPts val="0"/>
-                        </a:spcBef>
-                        <a:spcAft>
-                          <a:spcPts val="0"/>
-                        </a:spcAft>
-                        <a:buClrTx/>
-                        <a:buSzTx/>
-                        <a:buFontTx/>
-                        <a:buNone/>
-                        <a:tabLst/>
-                        <a:defRPr/>
-                      </a:pPr>
-                      <a:r>
-                        <a:rPr lang="en-US" sz="1200" dirty="0"/>
-                        <a:t>ROUGE-2</a:t>
-                      </a:r>
-                    </a:p>
-                  </a:txBody>
-                  <a:tcPr/>
-                </a:tc>
-                <a:tc>
-                  <a:txBody>
-                    <a:bodyPr/>
-                    <a:lstStyle/>
-                    <a:p>
-                      <a:r>
-                        <a:rPr lang="en-US" sz="1200" dirty="0"/>
-                        <a:t>0.07703</a:t>
-                      </a:r>
-                    </a:p>
-                  </a:txBody>
-                  <a:tcPr/>
-                </a:tc>
-                <a:tc>
-                  <a:txBody>
-                    <a:bodyPr/>
-                    <a:lstStyle/>
-                    <a:p>
-                      <a:r>
-                        <a:rPr lang="en-US" sz="1200" dirty="0"/>
-                        <a:t>0.11064</a:t>
-                      </a:r>
-                    </a:p>
-                  </a:txBody>
-                  <a:tcPr/>
-                </a:tc>
-                <a:extLst>
-                  <a:ext uri="{0D108BD9-81ED-4DB2-BD59-A6C34878D82A}">
-                    <a16:rowId xmlns:a16="http://schemas.microsoft.com/office/drawing/2014/main" val="3704147890"/>
-                  </a:ext>
-                </a:extLst>
-              </a:tr>
-              <a:tr h="288882">
-                <a:tc vMerge="1">
-                  <a:txBody>
-                    <a:bodyPr/>
-                    <a:lstStyle/>
-                    <a:p>
-                      <a:endParaRPr lang="en-US"/>
-                    </a:p>
-                  </a:txBody>
-                  <a:tcPr/>
-                </a:tc>
-                <a:tc vMerge="1">
-                  <a:txBody>
-                    <a:bodyPr/>
-                    <a:lstStyle/>
-                    <a:p>
-                      <a:endParaRPr lang="en-US"/>
-                    </a:p>
-                  </a:txBody>
-                  <a:tcPr/>
-                </a:tc>
-                <a:tc vMerge="1">
-                  <a:txBody>
-                    <a:bodyPr/>
-                    <a:lstStyle/>
-                    <a:p>
-                      <a:endParaRPr lang="en-US"/>
-                    </a:p>
-                  </a:txBody>
-                  <a:tcPr/>
-                </a:tc>
-                <a:tc>
-                  <a:txBody>
-                    <a:bodyPr/>
-                    <a:lstStyle/>
-                    <a:p>
-                      <a:pPr marL="0" marR="0" lvl="0" indent="0" algn="l" defTabSz="914400" rtl="0" eaLnBrk="1" fontAlgn="auto" latinLnBrk="0" hangingPunct="1">
-                        <a:lnSpc>
-                          <a:spcPct val="100000"/>
-                        </a:lnSpc>
-                        <a:spcBef>
-                          <a:spcPts val="0"/>
-                        </a:spcBef>
-                        <a:spcAft>
-                          <a:spcPts val="0"/>
-                        </a:spcAft>
-                        <a:buClrTx/>
-                        <a:buSzTx/>
-                        <a:buFontTx/>
-                        <a:buNone/>
-                        <a:tabLst/>
-                        <a:defRPr/>
-                      </a:pPr>
-                      <a:r>
-                        <a:rPr lang="en-US" sz="1200" dirty="0"/>
-                        <a:t>ROUGE-3</a:t>
-                      </a:r>
-                    </a:p>
-                  </a:txBody>
-                  <a:tcPr/>
-                </a:tc>
-                <a:tc>
-                  <a:txBody>
-                    <a:bodyPr/>
-                    <a:lstStyle/>
-                    <a:p>
-                      <a:r>
-                        <a:rPr lang="en-US" sz="1200" dirty="0"/>
-                        <a:t>0.21326</a:t>
-                      </a:r>
-                    </a:p>
-                  </a:txBody>
-                  <a:tcPr/>
-                </a:tc>
-                <a:tc>
-                  <a:txBody>
-                    <a:bodyPr/>
-                    <a:lstStyle/>
-                    <a:p>
-                      <a:r>
-                        <a:rPr lang="en-US" sz="1200" dirty="0"/>
-                        <a:t>0.23477</a:t>
-                      </a:r>
-                    </a:p>
-                  </a:txBody>
-                  <a:tcPr/>
-                </a:tc>
-                <a:extLst>
-                  <a:ext uri="{0D108BD9-81ED-4DB2-BD59-A6C34878D82A}">
-                    <a16:rowId xmlns:a16="http://schemas.microsoft.com/office/drawing/2014/main" val="2706349690"/>
-                  </a:ext>
-                </a:extLst>
-              </a:tr>
-              <a:tr h="288882">
-                <a:tc vMerge="1">
-                  <a:txBody>
-                    <a:bodyPr/>
-                    <a:lstStyle/>
-                    <a:p>
-                      <a:endParaRPr lang="en-US" dirty="0"/>
-                    </a:p>
-                  </a:txBody>
-                  <a:tcPr/>
-                </a:tc>
-                <a:tc vMerge="1">
-                  <a:txBody>
-                    <a:bodyPr/>
-                    <a:lstStyle/>
-                    <a:p>
-                      <a:endParaRPr lang="en-US" dirty="0"/>
-                    </a:p>
-                  </a:txBody>
-                  <a:tcPr/>
-                </a:tc>
-                <a:tc rowSpan="3">
-                  <a:txBody>
-                    <a:bodyPr/>
-                    <a:lstStyle/>
-                    <a:p>
-                      <a:r>
-                        <a:rPr lang="en-US" sz="1200" dirty="0"/>
-                        <a:t>BERT</a:t>
-                      </a:r>
-                    </a:p>
-                  </a:txBody>
-                  <a:tcPr/>
-                </a:tc>
-                <a:tc>
-                  <a:txBody>
-                    <a:bodyPr/>
-                    <a:lstStyle/>
-                    <a:p>
-                      <a:r>
-                        <a:rPr lang="en-US" sz="1200" dirty="0"/>
-                        <a:t>ROUGE-1</a:t>
-                      </a:r>
-                    </a:p>
-                  </a:txBody>
-                  <a:tcPr/>
-                </a:tc>
-                <a:tc>
-                  <a:txBody>
-                    <a:bodyPr/>
-                    <a:lstStyle/>
-                    <a:p>
-                      <a:r>
-                        <a:rPr lang="en-US" sz="1200" dirty="0"/>
-                        <a:t>0.24623</a:t>
-                      </a:r>
-                    </a:p>
-                  </a:txBody>
-                  <a:tcPr/>
-                </a:tc>
-                <a:tc>
-                  <a:txBody>
-                    <a:bodyPr/>
-                    <a:lstStyle/>
-                    <a:p>
-                      <a:r>
-                        <a:rPr lang="en-US" sz="1200" dirty="0"/>
-                        <a:t>0.29275</a:t>
-                      </a:r>
-                    </a:p>
-                  </a:txBody>
-                  <a:tcPr/>
-                </a:tc>
-                <a:extLst>
-                  <a:ext uri="{0D108BD9-81ED-4DB2-BD59-A6C34878D82A}">
-                    <a16:rowId xmlns:a16="http://schemas.microsoft.com/office/drawing/2014/main" val="10003"/>
-                  </a:ext>
-                </a:extLst>
-              </a:tr>
-              <a:tr h="288882">
-                <a:tc vMerge="1">
-                  <a:txBody>
-                    <a:bodyPr/>
-                    <a:lstStyle/>
-                    <a:p>
-                      <a:endParaRPr lang="en-US"/>
-                    </a:p>
-                  </a:txBody>
-                  <a:tcPr/>
-                </a:tc>
-                <a:tc vMerge="1">
-                  <a:txBody>
-                    <a:bodyPr/>
-                    <a:lstStyle/>
-                    <a:p>
-                      <a:endParaRPr lang="en-US"/>
-                    </a:p>
-                  </a:txBody>
-                  <a:tcPr/>
-                </a:tc>
-                <a:tc vMerge="1">
-                  <a:txBody>
-                    <a:bodyPr/>
-                    <a:lstStyle/>
-                    <a:p>
-                      <a:endParaRPr lang="en-US"/>
-                    </a:p>
-                  </a:txBody>
-                  <a:tcPr/>
-                </a:tc>
-                <a:tc>
-                  <a:txBody>
-                    <a:bodyPr/>
-                    <a:lstStyle/>
-                    <a:p>
-                      <a:pPr marL="0" marR="0" lvl="0" indent="0" algn="l" defTabSz="914400" rtl="0" eaLnBrk="1" fontAlgn="auto" latinLnBrk="0" hangingPunct="1">
-                        <a:lnSpc>
-                          <a:spcPct val="100000"/>
-                        </a:lnSpc>
-                        <a:spcBef>
-                          <a:spcPts val="0"/>
-                        </a:spcBef>
-                        <a:spcAft>
-                          <a:spcPts val="0"/>
-                        </a:spcAft>
-                        <a:buClrTx/>
-                        <a:buSzTx/>
-                        <a:buFontTx/>
-                        <a:buNone/>
-                        <a:tabLst/>
-                        <a:defRPr/>
-                      </a:pPr>
-                      <a:r>
-                        <a:rPr lang="en-US" sz="1200" dirty="0"/>
-                        <a:t>ROUGE-2</a:t>
-                      </a:r>
-                    </a:p>
-                  </a:txBody>
-                  <a:tcPr/>
-                </a:tc>
-                <a:tc>
-                  <a:txBody>
-                    <a:bodyPr/>
-                    <a:lstStyle/>
-                    <a:p>
-                      <a:r>
-                        <a:rPr lang="en-US" sz="1200" dirty="0"/>
-                        <a:t>0.07836</a:t>
-                      </a:r>
-                    </a:p>
-                  </a:txBody>
-                  <a:tcPr/>
-                </a:tc>
-                <a:tc>
-                  <a:txBody>
-                    <a:bodyPr/>
-                    <a:lstStyle/>
-                    <a:p>
-                      <a:r>
-                        <a:rPr lang="en-US" sz="1200" dirty="0"/>
-                        <a:t>0.10662</a:t>
-                      </a:r>
-                    </a:p>
-                  </a:txBody>
-                  <a:tcPr/>
-                </a:tc>
-                <a:extLst>
-                  <a:ext uri="{0D108BD9-81ED-4DB2-BD59-A6C34878D82A}">
-                    <a16:rowId xmlns:a16="http://schemas.microsoft.com/office/drawing/2014/main" val="3755947542"/>
-                  </a:ext>
-                </a:extLst>
-              </a:tr>
-              <a:tr h="288882">
-                <a:tc vMerge="1">
-                  <a:txBody>
-                    <a:bodyPr/>
-                    <a:lstStyle/>
-                    <a:p>
-                      <a:endParaRPr lang="en-US"/>
-                    </a:p>
-                  </a:txBody>
-                  <a:tcPr/>
-                </a:tc>
-                <a:tc vMerge="1">
-                  <a:txBody>
-                    <a:bodyPr/>
-                    <a:lstStyle/>
-                    <a:p>
-                      <a:endParaRPr lang="en-US"/>
-                    </a:p>
-                  </a:txBody>
-                  <a:tcPr/>
-                </a:tc>
-                <a:tc vMerge="1">
-                  <a:txBody>
-                    <a:bodyPr/>
-                    <a:lstStyle/>
-                    <a:p>
-                      <a:endParaRPr lang="en-US"/>
-                    </a:p>
-                  </a:txBody>
-                  <a:tcPr/>
-                </a:tc>
-                <a:tc>
-                  <a:txBody>
-                    <a:bodyPr/>
-                    <a:lstStyle/>
-                    <a:p>
-                      <a:pPr marL="0" marR="0" lvl="0" indent="0" algn="l" defTabSz="914400" rtl="0" eaLnBrk="1" fontAlgn="auto" latinLnBrk="0" hangingPunct="1">
-                        <a:lnSpc>
-                          <a:spcPct val="100000"/>
-                        </a:lnSpc>
-                        <a:spcBef>
-                          <a:spcPts val="0"/>
-                        </a:spcBef>
-                        <a:spcAft>
-                          <a:spcPts val="0"/>
-                        </a:spcAft>
-                        <a:buClrTx/>
-                        <a:buSzTx/>
-                        <a:buFontTx/>
-                        <a:buNone/>
-                        <a:tabLst/>
-                        <a:defRPr/>
-                      </a:pPr>
-                      <a:r>
-                        <a:rPr lang="en-US" sz="1200" dirty="0"/>
-                        <a:t>ROUGE-3</a:t>
-                      </a:r>
-                    </a:p>
-                  </a:txBody>
-                  <a:tcPr/>
-                </a:tc>
-                <a:tc>
-                  <a:txBody>
-                    <a:bodyPr/>
-                    <a:lstStyle/>
-                    <a:p>
-                      <a:r>
-                        <a:rPr lang="en-US" sz="1200" dirty="0"/>
-                        <a:t>0.21218</a:t>
-                      </a:r>
-                    </a:p>
-                  </a:txBody>
-                  <a:tcPr/>
-                </a:tc>
-                <a:tc>
-                  <a:txBody>
-                    <a:bodyPr/>
-                    <a:lstStyle/>
-                    <a:p>
-                      <a:r>
-                        <a:rPr lang="en-US" sz="1200" dirty="0"/>
-                        <a:t>0.24970</a:t>
-                      </a:r>
-                    </a:p>
-                  </a:txBody>
-                  <a:tcPr/>
-                </a:tc>
-                <a:extLst>
-                  <a:ext uri="{0D108BD9-81ED-4DB2-BD59-A6C34878D82A}">
-                    <a16:rowId xmlns:a16="http://schemas.microsoft.com/office/drawing/2014/main" val="2805972517"/>
-                  </a:ext>
-                </a:extLst>
-              </a:tr>
-              <a:tr h="288882">
-                <a:tc rowSpan="6">
-                  <a:txBody>
-                    <a:bodyPr/>
-                    <a:lstStyle/>
-                    <a:p>
-                      <a:r>
-                        <a:rPr lang="en-US" sz="1200" dirty="0" err="1"/>
-                        <a:t>MatchSum</a:t>
-                      </a:r>
-                      <a:endParaRPr lang="en-US" sz="1200" dirty="0"/>
-                    </a:p>
-                  </a:txBody>
-                  <a:tcPr anchor="ctr"/>
-                </a:tc>
-                <a:tc rowSpan="6">
-                  <a:txBody>
-                    <a:bodyPr/>
-                    <a:lstStyle/>
-                    <a:p>
-                      <a:r>
-                        <a:rPr lang="en-US" sz="1200" dirty="0"/>
-                        <a:t>Extractive</a:t>
-                      </a:r>
-                    </a:p>
-                  </a:txBody>
-                  <a:tcPr anchor="ctr"/>
-                </a:tc>
-                <a:tc rowSpan="3">
-                  <a:txBody>
-                    <a:bodyPr/>
-                    <a:lstStyle/>
-                    <a:p>
-                      <a:r>
-                        <a:rPr lang="en-US" sz="1200" dirty="0"/>
-                        <a:t>BERT</a:t>
-                      </a:r>
-                    </a:p>
-                  </a:txBody>
-                  <a:tcPr/>
-                </a:tc>
-                <a:tc>
-                  <a:txBody>
-                    <a:bodyPr/>
-                    <a:lstStyle/>
-                    <a:p>
-                      <a:r>
-                        <a:rPr lang="en-US" sz="1200" dirty="0"/>
-                        <a:t>ROUGE-1</a:t>
-                      </a:r>
-                    </a:p>
-                  </a:txBody>
-                  <a:tcPr/>
-                </a:tc>
-                <a:tc>
-                  <a:txBody>
-                    <a:bodyPr/>
-                    <a:lstStyle/>
-                    <a:p>
-                      <a:endParaRPr lang="en-US" sz="1200" dirty="0"/>
-                    </a:p>
-                  </a:txBody>
-                  <a:tcPr/>
-                </a:tc>
-                <a:tc>
-                  <a:txBody>
-                    <a:bodyPr/>
-                    <a:lstStyle/>
-                    <a:p>
-                      <a:r>
-                        <a:rPr lang="en-US" sz="1200" dirty="0"/>
-                        <a:t>0.44129</a:t>
-                      </a:r>
-                    </a:p>
-                  </a:txBody>
-                  <a:tcPr/>
-                </a:tc>
-                <a:extLst>
-                  <a:ext uri="{0D108BD9-81ED-4DB2-BD59-A6C34878D82A}">
-                    <a16:rowId xmlns:a16="http://schemas.microsoft.com/office/drawing/2014/main" val="10004"/>
-                  </a:ext>
-                </a:extLst>
-              </a:tr>
-              <a:tr h="288882">
-                <a:tc vMerge="1">
-                  <a:txBody>
-                    <a:bodyPr/>
-                    <a:lstStyle/>
-                    <a:p>
-                      <a:endParaRPr lang="en-US"/>
-                    </a:p>
-                  </a:txBody>
-                  <a:tcPr/>
-                </a:tc>
-                <a:tc vMerge="1">
-                  <a:txBody>
-                    <a:bodyPr/>
-                    <a:lstStyle/>
-                    <a:p>
-                      <a:endParaRPr lang="en-US"/>
-                    </a:p>
-                  </a:txBody>
-                  <a:tcPr/>
-                </a:tc>
-                <a:tc vMerge="1">
-                  <a:txBody>
-                    <a:bodyPr/>
-                    <a:lstStyle/>
-                    <a:p>
-                      <a:endParaRPr lang="en-US"/>
-                    </a:p>
-                  </a:txBody>
-                  <a:tcPr/>
-                </a:tc>
-                <a:tc>
-                  <a:txBody>
-                    <a:bodyPr/>
-                    <a:lstStyle/>
-                    <a:p>
-                      <a:pPr marL="0" marR="0" lvl="0" indent="0" algn="l" defTabSz="914400" rtl="0" eaLnBrk="1" fontAlgn="auto" latinLnBrk="0" hangingPunct="1">
-                        <a:lnSpc>
-                          <a:spcPct val="100000"/>
-                        </a:lnSpc>
-                        <a:spcBef>
-                          <a:spcPts val="0"/>
-                        </a:spcBef>
-                        <a:spcAft>
-                          <a:spcPts val="0"/>
-                        </a:spcAft>
-                        <a:buClrTx/>
-                        <a:buSzTx/>
-                        <a:buFontTx/>
-                        <a:buNone/>
-                        <a:tabLst/>
-                        <a:defRPr/>
-                      </a:pPr>
-                      <a:r>
-                        <a:rPr lang="en-US" sz="1200" dirty="0"/>
-                        <a:t>ROUGE-2</a:t>
-                      </a:r>
-                    </a:p>
-                  </a:txBody>
-                  <a:tcPr/>
-                </a:tc>
-                <a:tc>
-                  <a:txBody>
-                    <a:bodyPr/>
-                    <a:lstStyle/>
-                    <a:p>
-                      <a:endParaRPr lang="en-US" sz="1200"/>
-                    </a:p>
-                  </a:txBody>
-                  <a:tcPr/>
-                </a:tc>
-                <a:tc>
-                  <a:txBody>
-                    <a:bodyPr/>
-                    <a:lstStyle/>
-                    <a:p>
-                      <a:r>
-                        <a:rPr lang="en-US" sz="1200" dirty="0"/>
-                        <a:t>0.31916</a:t>
-                      </a:r>
-                    </a:p>
-                  </a:txBody>
-                  <a:tcPr/>
-                </a:tc>
-                <a:extLst>
-                  <a:ext uri="{0D108BD9-81ED-4DB2-BD59-A6C34878D82A}">
-                    <a16:rowId xmlns:a16="http://schemas.microsoft.com/office/drawing/2014/main" val="3327643105"/>
-                  </a:ext>
-                </a:extLst>
-              </a:tr>
-              <a:tr h="288882">
-                <a:tc vMerge="1">
-                  <a:txBody>
-                    <a:bodyPr/>
-                    <a:lstStyle/>
-                    <a:p>
-                      <a:endParaRPr lang="en-US"/>
-                    </a:p>
-                  </a:txBody>
-                  <a:tcPr/>
-                </a:tc>
-                <a:tc vMerge="1">
-                  <a:txBody>
-                    <a:bodyPr/>
-                    <a:lstStyle/>
-                    <a:p>
-                      <a:endParaRPr lang="en-US"/>
-                    </a:p>
-                  </a:txBody>
-                  <a:tcPr/>
-                </a:tc>
-                <a:tc vMerge="1">
-                  <a:txBody>
-                    <a:bodyPr/>
-                    <a:lstStyle/>
-                    <a:p>
-                      <a:endParaRPr lang="en-US"/>
-                    </a:p>
-                  </a:txBody>
-                  <a:tcPr/>
-                </a:tc>
-                <a:tc>
-                  <a:txBody>
-                    <a:bodyPr/>
-                    <a:lstStyle/>
-                    <a:p>
-                      <a:pPr marL="0" marR="0" lvl="0" indent="0" algn="l" defTabSz="914400" rtl="0" eaLnBrk="1" fontAlgn="auto" latinLnBrk="0" hangingPunct="1">
-                        <a:lnSpc>
-                          <a:spcPct val="100000"/>
-                        </a:lnSpc>
-                        <a:spcBef>
-                          <a:spcPts val="0"/>
-                        </a:spcBef>
-                        <a:spcAft>
-                          <a:spcPts val="0"/>
-                        </a:spcAft>
-                        <a:buClrTx/>
-                        <a:buSzTx/>
-                        <a:buFontTx/>
-                        <a:buNone/>
-                        <a:tabLst/>
-                        <a:defRPr/>
-                      </a:pPr>
-                      <a:r>
-                        <a:rPr lang="en-US" sz="1200" dirty="0"/>
-                        <a:t>ROUGE-3</a:t>
-                      </a:r>
-                    </a:p>
-                  </a:txBody>
-                  <a:tcPr/>
-                </a:tc>
-                <a:tc>
-                  <a:txBody>
-                    <a:bodyPr/>
-                    <a:lstStyle/>
-                    <a:p>
-                      <a:endParaRPr lang="en-US" sz="1200" dirty="0"/>
-                    </a:p>
-                  </a:txBody>
-                  <a:tcPr/>
-                </a:tc>
-                <a:tc>
-                  <a:txBody>
-                    <a:bodyPr/>
-                    <a:lstStyle/>
-                    <a:p>
-                      <a:r>
-                        <a:rPr lang="en-US" sz="1200" dirty="0"/>
-                        <a:t>0.40957</a:t>
-                      </a:r>
-                    </a:p>
-                  </a:txBody>
-                  <a:tcPr/>
-                </a:tc>
-                <a:extLst>
-                  <a:ext uri="{0D108BD9-81ED-4DB2-BD59-A6C34878D82A}">
-                    <a16:rowId xmlns:a16="http://schemas.microsoft.com/office/drawing/2014/main" val="340115773"/>
-                  </a:ext>
-                </a:extLst>
-              </a:tr>
-              <a:tr h="288882">
-                <a:tc vMerge="1">
-                  <a:txBody>
-                    <a:bodyPr/>
-                    <a:lstStyle/>
-                    <a:p>
-                      <a:endParaRPr lang="en-US" dirty="0"/>
-                    </a:p>
-                  </a:txBody>
-                  <a:tcPr/>
-                </a:tc>
-                <a:tc vMerge="1">
-                  <a:txBody>
-                    <a:bodyPr/>
-                    <a:lstStyle/>
-                    <a:p>
-                      <a:endParaRPr lang="en-US" dirty="0"/>
-                    </a:p>
-                  </a:txBody>
-                  <a:tcPr/>
-                </a:tc>
-                <a:tc rowSpan="3">
-                  <a:txBody>
-                    <a:bodyPr/>
-                    <a:lstStyle/>
-                    <a:p>
-                      <a:r>
-                        <a:rPr lang="en-US" sz="1200" dirty="0" err="1"/>
-                        <a:t>RoBERTa</a:t>
-                      </a:r>
-                      <a:endParaRPr lang="en-US" sz="1200" dirty="0"/>
-                    </a:p>
-                  </a:txBody>
-                  <a:tcPr/>
-                </a:tc>
-                <a:tc>
-                  <a:txBody>
-                    <a:bodyPr/>
-                    <a:lstStyle/>
-                    <a:p>
-                      <a:r>
-                        <a:rPr lang="en-US" sz="1200" dirty="0"/>
-                        <a:t>ROUGE-1</a:t>
-                      </a:r>
-                    </a:p>
-                  </a:txBody>
-                  <a:tcPr/>
-                </a:tc>
-                <a:tc>
-                  <a:txBody>
-                    <a:bodyPr/>
-                    <a:lstStyle/>
-                    <a:p>
-                      <a:endParaRPr lang="en-US" sz="1200" dirty="0"/>
-                    </a:p>
-                  </a:txBody>
-                  <a:tcPr/>
-                </a:tc>
-                <a:tc>
-                  <a:txBody>
-                    <a:bodyPr/>
-                    <a:lstStyle/>
-                    <a:p>
-                      <a:r>
-                        <a:rPr lang="en-US" sz="1200" dirty="0"/>
-                        <a:t>0.52943</a:t>
-                      </a:r>
-                    </a:p>
-                  </a:txBody>
-                  <a:tcPr/>
-                </a:tc>
-                <a:extLst>
-                  <a:ext uri="{0D108BD9-81ED-4DB2-BD59-A6C34878D82A}">
-                    <a16:rowId xmlns:a16="http://schemas.microsoft.com/office/drawing/2014/main" val="10005"/>
-                  </a:ext>
-                </a:extLst>
-              </a:tr>
-              <a:tr h="288882">
-                <a:tc vMerge="1">
-                  <a:txBody>
-                    <a:bodyPr/>
-                    <a:lstStyle/>
-                    <a:p>
-                      <a:endParaRPr lang="en-US"/>
-                    </a:p>
-                  </a:txBody>
-                  <a:tcPr/>
-                </a:tc>
-                <a:tc vMerge="1">
-                  <a:txBody>
-                    <a:bodyPr/>
-                    <a:lstStyle/>
-                    <a:p>
-                      <a:endParaRPr lang="en-US"/>
-                    </a:p>
-                  </a:txBody>
-                  <a:tcPr/>
-                </a:tc>
-                <a:tc vMerge="1">
-                  <a:txBody>
-                    <a:bodyPr/>
-                    <a:lstStyle/>
-                    <a:p>
-                      <a:endParaRPr lang="en-US"/>
-                    </a:p>
-                  </a:txBody>
-                  <a:tcPr/>
-                </a:tc>
-                <a:tc>
-                  <a:txBody>
-                    <a:bodyPr/>
-                    <a:lstStyle/>
-                    <a:p>
-                      <a:pPr marL="0" marR="0" lvl="0" indent="0" algn="l" defTabSz="914400" rtl="0" eaLnBrk="1" fontAlgn="auto" latinLnBrk="0" hangingPunct="1">
-                        <a:lnSpc>
-                          <a:spcPct val="100000"/>
-                        </a:lnSpc>
-                        <a:spcBef>
-                          <a:spcPts val="0"/>
-                        </a:spcBef>
-                        <a:spcAft>
-                          <a:spcPts val="0"/>
-                        </a:spcAft>
-                        <a:buClrTx/>
-                        <a:buSzTx/>
-                        <a:buFontTx/>
-                        <a:buNone/>
-                        <a:tabLst/>
-                        <a:defRPr/>
-                      </a:pPr>
-                      <a:r>
-                        <a:rPr lang="en-US" sz="1200" dirty="0"/>
-                        <a:t>ROUGE-2</a:t>
-                      </a:r>
-                    </a:p>
-                  </a:txBody>
-                  <a:tcPr/>
-                </a:tc>
-                <a:tc>
-                  <a:txBody>
-                    <a:bodyPr/>
-                    <a:lstStyle/>
-                    <a:p>
-                      <a:endParaRPr lang="en-US" sz="1200" dirty="0"/>
-                    </a:p>
-                  </a:txBody>
-                  <a:tcPr/>
-                </a:tc>
-                <a:tc>
-                  <a:txBody>
-                    <a:bodyPr/>
-                    <a:lstStyle/>
-                    <a:p>
-                      <a:r>
-                        <a:rPr lang="en-US" sz="1200" dirty="0"/>
-                        <a:t>0.39246</a:t>
-                      </a:r>
-                    </a:p>
-                  </a:txBody>
-                  <a:tcPr/>
-                </a:tc>
-                <a:extLst>
-                  <a:ext uri="{0D108BD9-81ED-4DB2-BD59-A6C34878D82A}">
-                    <a16:rowId xmlns:a16="http://schemas.microsoft.com/office/drawing/2014/main" val="2784735359"/>
-                  </a:ext>
-                </a:extLst>
-              </a:tr>
-              <a:tr h="288882">
-                <a:tc vMerge="1">
-                  <a:txBody>
-                    <a:bodyPr/>
-                    <a:lstStyle/>
-                    <a:p>
-                      <a:endParaRPr lang="en-US"/>
-                    </a:p>
-                  </a:txBody>
-                  <a:tcPr/>
-                </a:tc>
-                <a:tc vMerge="1">
-                  <a:txBody>
-                    <a:bodyPr/>
-                    <a:lstStyle/>
-                    <a:p>
-                      <a:endParaRPr lang="en-US"/>
-                    </a:p>
-                  </a:txBody>
-                  <a:tcPr/>
-                </a:tc>
-                <a:tc vMerge="1">
-                  <a:txBody>
-                    <a:bodyPr/>
-                    <a:lstStyle/>
-                    <a:p>
-                      <a:endParaRPr lang="en-US"/>
-                    </a:p>
-                  </a:txBody>
-                  <a:tcPr/>
-                </a:tc>
-                <a:tc>
-                  <a:txBody>
-                    <a:bodyPr/>
-                    <a:lstStyle/>
-                    <a:p>
-                      <a:pPr marL="0" marR="0" lvl="0" indent="0" algn="l" defTabSz="914400" rtl="0" eaLnBrk="1" fontAlgn="auto" latinLnBrk="0" hangingPunct="1">
-                        <a:lnSpc>
-                          <a:spcPct val="100000"/>
-                        </a:lnSpc>
-                        <a:spcBef>
-                          <a:spcPts val="0"/>
-                        </a:spcBef>
-                        <a:spcAft>
-                          <a:spcPts val="0"/>
-                        </a:spcAft>
-                        <a:buClrTx/>
-                        <a:buSzTx/>
-                        <a:buFontTx/>
-                        <a:buNone/>
-                        <a:tabLst/>
-                        <a:defRPr/>
-                      </a:pPr>
-                      <a:r>
-                        <a:rPr lang="en-US" sz="1200" dirty="0"/>
-                        <a:t>ROUGE-3</a:t>
-                      </a:r>
-                    </a:p>
-                  </a:txBody>
-                  <a:tcPr/>
-                </a:tc>
-                <a:tc>
-                  <a:txBody>
-                    <a:bodyPr/>
-                    <a:lstStyle/>
-                    <a:p>
-                      <a:endParaRPr lang="en-US" sz="1200" dirty="0"/>
-                    </a:p>
-                  </a:txBody>
-                  <a:tcPr/>
-                </a:tc>
-                <a:tc>
-                  <a:txBody>
-                    <a:bodyPr/>
-                    <a:lstStyle/>
-                    <a:p>
-                      <a:r>
-                        <a:rPr lang="en-US" sz="1200" dirty="0"/>
-                        <a:t>0.49484</a:t>
-                      </a:r>
-                    </a:p>
-                  </a:txBody>
-                  <a:tcPr/>
-                </a:tc>
-                <a:extLst>
-                  <a:ext uri="{0D108BD9-81ED-4DB2-BD59-A6C34878D82A}">
-                    <a16:rowId xmlns:a16="http://schemas.microsoft.com/office/drawing/2014/main" val="3529163793"/>
+                    <a16:rowId xmlns:a16="http://schemas.microsoft.com/office/drawing/2014/main" xmlns="" val="10005"/>
                   </a:ext>
                 </a:extLst>
               </a:tr>
@@ -6256,7 +5876,7 @@
           <p:cNvPr id="2" name="Title 1">
             <a:extLst>
               <a:ext uri="{FF2B5EF4-FFF2-40B4-BE49-F238E27FC236}">
-                <a16:creationId xmlns:a16="http://schemas.microsoft.com/office/drawing/2014/main" id="{B15ED5BE-AD40-47E3-AA33-E7B1B63CB7CC}"/>
+                <a16:creationId xmlns:a16="http://schemas.microsoft.com/office/drawing/2014/main" xmlns="" id="{B15ED5BE-AD40-47E3-AA33-E7B1B63CB7CC}"/>
               </a:ext>
             </a:extLst>
           </p:cNvPr>
@@ -6299,7 +5919,7 @@
           <p:cNvPr id="3" name="Content Placeholder 2">
             <a:extLst>
               <a:ext uri="{FF2B5EF4-FFF2-40B4-BE49-F238E27FC236}">
-                <a16:creationId xmlns:a16="http://schemas.microsoft.com/office/drawing/2014/main" id="{2F67B85E-7F9D-4104-B6CD-FC83865A7E25}"/>
+                <a16:creationId xmlns:a16="http://schemas.microsoft.com/office/drawing/2014/main" xmlns="" id="{2F67B85E-7F9D-4104-B6CD-FC83865A7E25}"/>
               </a:ext>
             </a:extLst>
           </p:cNvPr>
@@ -7280,7 +6900,7 @@
           <p:cNvPr id="2" name="Title 1">
             <a:extLst>
               <a:ext uri="{FF2B5EF4-FFF2-40B4-BE49-F238E27FC236}">
-                <a16:creationId xmlns:a16="http://schemas.microsoft.com/office/drawing/2014/main" id="{B15ED5BE-AD40-47E3-AA33-E7B1B63CB7CC}"/>
+                <a16:creationId xmlns:a16="http://schemas.microsoft.com/office/drawing/2014/main" xmlns="" id="{B15ED5BE-AD40-47E3-AA33-E7B1B63CB7CC}"/>
               </a:ext>
             </a:extLst>
           </p:cNvPr>
@@ -7323,7 +6943,7 @@
           <p:cNvPr id="3" name="Content Placeholder 2">
             <a:extLst>
               <a:ext uri="{FF2B5EF4-FFF2-40B4-BE49-F238E27FC236}">
-                <a16:creationId xmlns:a16="http://schemas.microsoft.com/office/drawing/2014/main" id="{2F67B85E-7F9D-4104-B6CD-FC83865A7E25}"/>
+                <a16:creationId xmlns:a16="http://schemas.microsoft.com/office/drawing/2014/main" xmlns="" id="{2F67B85E-7F9D-4104-B6CD-FC83865A7E25}"/>
               </a:ext>
             </a:extLst>
           </p:cNvPr>
@@ -7980,7 +7600,7 @@
           <p:cNvPr id="2" name="Title 1">
             <a:extLst>
               <a:ext uri="{FF2B5EF4-FFF2-40B4-BE49-F238E27FC236}">
-                <a16:creationId xmlns:a16="http://schemas.microsoft.com/office/drawing/2014/main" id="{CA344CBA-FB2B-44A2-9612-01FA04D41200}"/>
+                <a16:creationId xmlns:a16="http://schemas.microsoft.com/office/drawing/2014/main" xmlns="" id="{CA344CBA-FB2B-44A2-9612-01FA04D41200}"/>
               </a:ext>
             </a:extLst>
           </p:cNvPr>
@@ -8008,7 +7628,7 @@
           <p:cNvPr id="3" name="Content Placeholder 2">
             <a:extLst>
               <a:ext uri="{FF2B5EF4-FFF2-40B4-BE49-F238E27FC236}">
-                <a16:creationId xmlns:a16="http://schemas.microsoft.com/office/drawing/2014/main" id="{F66CA81D-1701-4C2D-AE08-277C299D9B85}"/>
+                <a16:creationId xmlns:a16="http://schemas.microsoft.com/office/drawing/2014/main" xmlns="" id="{F66CA81D-1701-4C2D-AE08-277C299D9B85}"/>
               </a:ext>
             </a:extLst>
           </p:cNvPr>
@@ -8102,7 +7722,7 @@
           <p:cNvPr id="2" name="Title 1">
             <a:extLst>
               <a:ext uri="{FF2B5EF4-FFF2-40B4-BE49-F238E27FC236}">
-                <a16:creationId xmlns:a16="http://schemas.microsoft.com/office/drawing/2014/main" id="{A89F2B34-DF68-420A-A1A7-69ABD17B850E}"/>
+                <a16:creationId xmlns:a16="http://schemas.microsoft.com/office/drawing/2014/main" xmlns="" id="{A89F2B34-DF68-420A-A1A7-69ABD17B850E}"/>
               </a:ext>
             </a:extLst>
           </p:cNvPr>
@@ -8130,7 +7750,7 @@
           <p:cNvPr id="3" name="Content Placeholder 2">
             <a:extLst>
               <a:ext uri="{FF2B5EF4-FFF2-40B4-BE49-F238E27FC236}">
-                <a16:creationId xmlns:a16="http://schemas.microsoft.com/office/drawing/2014/main" id="{E1B94245-4F0C-4B7C-9103-E79616CDFF6C}"/>
+                <a16:creationId xmlns:a16="http://schemas.microsoft.com/office/drawing/2014/main" xmlns="" id="{E1B94245-4F0C-4B7C-9103-E79616CDFF6C}"/>
               </a:ext>
             </a:extLst>
           </p:cNvPr>
@@ -8270,7 +7890,7 @@
           <p:cNvPr id="2" name="Title 1">
             <a:extLst>
               <a:ext uri="{FF2B5EF4-FFF2-40B4-BE49-F238E27FC236}">
-                <a16:creationId xmlns:a16="http://schemas.microsoft.com/office/drawing/2014/main" id="{CA344CBA-FB2B-44A2-9612-01FA04D41200}"/>
+                <a16:creationId xmlns:a16="http://schemas.microsoft.com/office/drawing/2014/main" xmlns="" id="{CA344CBA-FB2B-44A2-9612-01FA04D41200}"/>
               </a:ext>
             </a:extLst>
           </p:cNvPr>
@@ -8303,7 +7923,7 @@
           <p:cNvPr id="3" name="Content Placeholder 2">
             <a:extLst>
               <a:ext uri="{FF2B5EF4-FFF2-40B4-BE49-F238E27FC236}">
-                <a16:creationId xmlns:a16="http://schemas.microsoft.com/office/drawing/2014/main" id="{F66CA81D-1701-4C2D-AE08-277C299D9B85}"/>
+                <a16:creationId xmlns:a16="http://schemas.microsoft.com/office/drawing/2014/main" xmlns="" id="{F66CA81D-1701-4C2D-AE08-277C299D9B85}"/>
               </a:ext>
             </a:extLst>
           </p:cNvPr>
@@ -8430,7 +8050,7 @@
           <p:cNvPr id="2" name="Title 1">
             <a:extLst>
               <a:ext uri="{FF2B5EF4-FFF2-40B4-BE49-F238E27FC236}">
-                <a16:creationId xmlns:a16="http://schemas.microsoft.com/office/drawing/2014/main" id="{CA344CBA-FB2B-44A2-9612-01FA04D41200}"/>
+                <a16:creationId xmlns:a16="http://schemas.microsoft.com/office/drawing/2014/main" xmlns="" id="{CA344CBA-FB2B-44A2-9612-01FA04D41200}"/>
               </a:ext>
             </a:extLst>
           </p:cNvPr>
@@ -8458,7 +8078,7 @@
           <p:cNvPr id="3" name="Content Placeholder 2">
             <a:extLst>
               <a:ext uri="{FF2B5EF4-FFF2-40B4-BE49-F238E27FC236}">
-                <a16:creationId xmlns:a16="http://schemas.microsoft.com/office/drawing/2014/main" id="{F66CA81D-1701-4C2D-AE08-277C299D9B85}"/>
+                <a16:creationId xmlns:a16="http://schemas.microsoft.com/office/drawing/2014/main" xmlns="" id="{F66CA81D-1701-4C2D-AE08-277C299D9B85}"/>
               </a:ext>
             </a:extLst>
           </p:cNvPr>
@@ -8546,7 +8166,7 @@
           <p:cNvPr id="2" name="Title 1">
             <a:extLst>
               <a:ext uri="{FF2B5EF4-FFF2-40B4-BE49-F238E27FC236}">
-                <a16:creationId xmlns:a16="http://schemas.microsoft.com/office/drawing/2014/main" id="{CA344CBA-FB2B-44A2-9612-01FA04D41200}"/>
+                <a16:creationId xmlns:a16="http://schemas.microsoft.com/office/drawing/2014/main" xmlns="" id="{CA344CBA-FB2B-44A2-9612-01FA04D41200}"/>
               </a:ext>
             </a:extLst>
           </p:cNvPr>
@@ -8579,7 +8199,7 @@
           <p:cNvPr id="3" name="Content Placeholder 2">
             <a:extLst>
               <a:ext uri="{FF2B5EF4-FFF2-40B4-BE49-F238E27FC236}">
-                <a16:creationId xmlns:a16="http://schemas.microsoft.com/office/drawing/2014/main" id="{F66CA81D-1701-4C2D-AE08-277C299D9B85}"/>
+                <a16:creationId xmlns:a16="http://schemas.microsoft.com/office/drawing/2014/main" xmlns="" id="{F66CA81D-1701-4C2D-AE08-277C299D9B85}"/>
               </a:ext>
             </a:extLst>
           </p:cNvPr>
@@ -8650,7 +8270,7 @@
           <p:cNvPr id="4" name="Table 5">
             <a:extLst>
               <a:ext uri="{FF2B5EF4-FFF2-40B4-BE49-F238E27FC236}">
-                <a16:creationId xmlns:a16="http://schemas.microsoft.com/office/drawing/2014/main" id="{CDC58BF9-8AD2-4729-BE3A-21FCD6C8C86A}"/>
+                <a16:creationId xmlns:a16="http://schemas.microsoft.com/office/drawing/2014/main" xmlns="" id="{CDC58BF9-8AD2-4729-BE3A-21FCD6C8C86A}"/>
               </a:ext>
             </a:extLst>
           </p:cNvPr>
@@ -8679,14 +8299,14 @@
                 <a:gridCol w="2917325">
                   <a:extLst>
                     <a:ext uri="{9D8B030D-6E8A-4147-A177-3AD203B41FA5}">
-                      <a16:colId xmlns:a16="http://schemas.microsoft.com/office/drawing/2014/main" val="2919214932"/>
+                      <a16:colId xmlns:a16="http://schemas.microsoft.com/office/drawing/2014/main" xmlns="" val="2919214932"/>
                     </a:ext>
                   </a:extLst>
                 </a:gridCol>
                 <a:gridCol w="2908762">
                   <a:extLst>
                     <a:ext uri="{9D8B030D-6E8A-4147-A177-3AD203B41FA5}">
-                      <a16:colId xmlns:a16="http://schemas.microsoft.com/office/drawing/2014/main" val="3416736214"/>
+                      <a16:colId xmlns:a16="http://schemas.microsoft.com/office/drawing/2014/main" xmlns="" val="3416736214"/>
                     </a:ext>
                   </a:extLst>
                 </a:gridCol>
@@ -8714,7 +8334,7 @@
                 </a:tc>
                 <a:extLst>
                   <a:ext uri="{0D108BD9-81ED-4DB2-BD59-A6C34878D82A}">
-                    <a16:rowId xmlns:a16="http://schemas.microsoft.com/office/drawing/2014/main" val="986129061"/>
+                    <a16:rowId xmlns:a16="http://schemas.microsoft.com/office/drawing/2014/main" xmlns="" val="986129061"/>
                   </a:ext>
                 </a:extLst>
               </a:tr>
@@ -8747,7 +8367,7 @@
                 </a:tc>
                 <a:extLst>
                   <a:ext uri="{0D108BD9-81ED-4DB2-BD59-A6C34878D82A}">
-                    <a16:rowId xmlns:a16="http://schemas.microsoft.com/office/drawing/2014/main" val="2923158457"/>
+                    <a16:rowId xmlns:a16="http://schemas.microsoft.com/office/drawing/2014/main" xmlns="" val="2923158457"/>
                   </a:ext>
                 </a:extLst>
               </a:tr>
@@ -8802,7 +8422,7 @@
                 </a:tc>
                 <a:extLst>
                   <a:ext uri="{0D108BD9-81ED-4DB2-BD59-A6C34878D82A}">
-                    <a16:rowId xmlns:a16="http://schemas.microsoft.com/office/drawing/2014/main" val="2759870889"/>
+                    <a16:rowId xmlns:a16="http://schemas.microsoft.com/office/drawing/2014/main" xmlns="" val="2759870889"/>
                   </a:ext>
                 </a:extLst>
               </a:tr>
@@ -8835,7 +8455,7 @@
                 </a:tc>
                 <a:extLst>
                   <a:ext uri="{0D108BD9-81ED-4DB2-BD59-A6C34878D82A}">
-                    <a16:rowId xmlns:a16="http://schemas.microsoft.com/office/drawing/2014/main" val="1675287206"/>
+                    <a16:rowId xmlns:a16="http://schemas.microsoft.com/office/drawing/2014/main" xmlns="" val="1675287206"/>
                   </a:ext>
                 </a:extLst>
               </a:tr>
@@ -8869,7 +8489,7 @@
                 </a:tc>
                 <a:extLst>
                   <a:ext uri="{0D108BD9-81ED-4DB2-BD59-A6C34878D82A}">
-                    <a16:rowId xmlns:a16="http://schemas.microsoft.com/office/drawing/2014/main" val="2602628322"/>
+                    <a16:rowId xmlns:a16="http://schemas.microsoft.com/office/drawing/2014/main" xmlns="" val="2602628322"/>
                   </a:ext>
                 </a:extLst>
               </a:tr>
@@ -8906,7 +8526,7 @@
                 </a:tc>
                 <a:extLst>
                   <a:ext uri="{0D108BD9-81ED-4DB2-BD59-A6C34878D82A}">
-                    <a16:rowId xmlns:a16="http://schemas.microsoft.com/office/drawing/2014/main" val="1328877814"/>
+                    <a16:rowId xmlns:a16="http://schemas.microsoft.com/office/drawing/2014/main" xmlns="" val="1328877814"/>
                   </a:ext>
                 </a:extLst>
               </a:tr>
@@ -8947,7 +8567,7 @@
                 </a:tc>
                 <a:extLst>
                   <a:ext uri="{0D108BD9-81ED-4DB2-BD59-A6C34878D82A}">
-                    <a16:rowId xmlns:a16="http://schemas.microsoft.com/office/drawing/2014/main" val="3507887961"/>
+                    <a16:rowId xmlns:a16="http://schemas.microsoft.com/office/drawing/2014/main" xmlns="" val="3507887961"/>
                   </a:ext>
                 </a:extLst>
               </a:tr>
@@ -8960,7 +8580,7 @@
           <p:cNvPr id="5" name="Picture 4">
             <a:extLst>
               <a:ext uri="{FF2B5EF4-FFF2-40B4-BE49-F238E27FC236}">
-                <a16:creationId xmlns:a16="http://schemas.microsoft.com/office/drawing/2014/main" id="{EC9799C3-2B3D-4E11-B8E0-90B04A451CE9}"/>
+                <a16:creationId xmlns:a16="http://schemas.microsoft.com/office/drawing/2014/main" xmlns="" id="{EC9799C3-2B3D-4E11-B8E0-90B04A451CE9}"/>
               </a:ext>
             </a:extLst>
           </p:cNvPr>
@@ -8990,7 +8610,7 @@
           <p:cNvPr id="6" name="TextBox 5">
             <a:extLst>
               <a:ext uri="{FF2B5EF4-FFF2-40B4-BE49-F238E27FC236}">
-                <a16:creationId xmlns:a16="http://schemas.microsoft.com/office/drawing/2014/main" id="{D18CB254-BC4E-464E-8235-486086BBF8F6}"/>
+                <a16:creationId xmlns:a16="http://schemas.microsoft.com/office/drawing/2014/main" xmlns="" id="{D18CB254-BC4E-464E-8235-486086BBF8F6}"/>
               </a:ext>
             </a:extLst>
           </p:cNvPr>
@@ -9055,7 +8675,7 @@
           <p:cNvPr id="2" name="Title 1">
             <a:extLst>
               <a:ext uri="{FF2B5EF4-FFF2-40B4-BE49-F238E27FC236}">
-                <a16:creationId xmlns:a16="http://schemas.microsoft.com/office/drawing/2014/main" id="{CA344CBA-FB2B-44A2-9612-01FA04D41200}"/>
+                <a16:creationId xmlns:a16="http://schemas.microsoft.com/office/drawing/2014/main" xmlns="" id="{CA344CBA-FB2B-44A2-9612-01FA04D41200}"/>
               </a:ext>
             </a:extLst>
           </p:cNvPr>
@@ -9088,7 +8708,7 @@
           <p:cNvPr id="3" name="Content Placeholder 2">
             <a:extLst>
               <a:ext uri="{FF2B5EF4-FFF2-40B4-BE49-F238E27FC236}">
-                <a16:creationId xmlns:a16="http://schemas.microsoft.com/office/drawing/2014/main" id="{F66CA81D-1701-4C2D-AE08-277C299D9B85}"/>
+                <a16:creationId xmlns:a16="http://schemas.microsoft.com/office/drawing/2014/main" xmlns="" id="{F66CA81D-1701-4C2D-AE08-277C299D9B85}"/>
               </a:ext>
             </a:extLst>
           </p:cNvPr>
@@ -9230,7 +8850,7 @@
           <p:cNvPr id="2" name="Title 1">
             <a:extLst>
               <a:ext uri="{FF2B5EF4-FFF2-40B4-BE49-F238E27FC236}">
-                <a16:creationId xmlns:a16="http://schemas.microsoft.com/office/drawing/2014/main" id="{CA344CBA-FB2B-44A2-9612-01FA04D41200}"/>
+                <a16:creationId xmlns:a16="http://schemas.microsoft.com/office/drawing/2014/main" xmlns="" id="{CA344CBA-FB2B-44A2-9612-01FA04D41200}"/>
               </a:ext>
             </a:extLst>
           </p:cNvPr>
@@ -9263,7 +8883,7 @@
           <p:cNvPr id="3" name="Content Placeholder 2">
             <a:extLst>
               <a:ext uri="{FF2B5EF4-FFF2-40B4-BE49-F238E27FC236}">
-                <a16:creationId xmlns:a16="http://schemas.microsoft.com/office/drawing/2014/main" id="{F66CA81D-1701-4C2D-AE08-277C299D9B85}"/>
+                <a16:creationId xmlns:a16="http://schemas.microsoft.com/office/drawing/2014/main" xmlns="" id="{F66CA81D-1701-4C2D-AE08-277C299D9B85}"/>
               </a:ext>
             </a:extLst>
           </p:cNvPr>
@@ -9388,7 +9008,7 @@
           <p:cNvPr id="2" name="Title 1">
             <a:extLst>
               <a:ext uri="{FF2B5EF4-FFF2-40B4-BE49-F238E27FC236}">
-                <a16:creationId xmlns:a16="http://schemas.microsoft.com/office/drawing/2014/main" id="{CA344CBA-FB2B-44A2-9612-01FA04D41200}"/>
+                <a16:creationId xmlns:a16="http://schemas.microsoft.com/office/drawing/2014/main" xmlns="" id="{CA344CBA-FB2B-44A2-9612-01FA04D41200}"/>
               </a:ext>
             </a:extLst>
           </p:cNvPr>
@@ -9416,7 +9036,7 @@
           <p:cNvPr id="3" name="Content Placeholder 2">
             <a:extLst>
               <a:ext uri="{FF2B5EF4-FFF2-40B4-BE49-F238E27FC236}">
-                <a16:creationId xmlns:a16="http://schemas.microsoft.com/office/drawing/2014/main" id="{F66CA81D-1701-4C2D-AE08-277C299D9B85}"/>
+                <a16:creationId xmlns:a16="http://schemas.microsoft.com/office/drawing/2014/main" xmlns="" id="{F66CA81D-1701-4C2D-AE08-277C299D9B85}"/>
               </a:ext>
             </a:extLst>
           </p:cNvPr>
@@ -9554,7 +9174,7 @@
           <p:cNvPr id="2" name="Title 1">
             <a:extLst>
               <a:ext uri="{FF2B5EF4-FFF2-40B4-BE49-F238E27FC236}">
-                <a16:creationId xmlns:a16="http://schemas.microsoft.com/office/drawing/2014/main" id="{CA344CBA-FB2B-44A2-9612-01FA04D41200}"/>
+                <a16:creationId xmlns:a16="http://schemas.microsoft.com/office/drawing/2014/main" xmlns="" id="{CA344CBA-FB2B-44A2-9612-01FA04D41200}"/>
               </a:ext>
             </a:extLst>
           </p:cNvPr>
@@ -9595,7 +9215,7 @@
           <p:cNvPr id="3" name="Content Placeholder 2">
             <a:extLst>
               <a:ext uri="{FF2B5EF4-FFF2-40B4-BE49-F238E27FC236}">
-                <a16:creationId xmlns:a16="http://schemas.microsoft.com/office/drawing/2014/main" id="{F66CA81D-1701-4C2D-AE08-277C299D9B85}"/>
+                <a16:creationId xmlns:a16="http://schemas.microsoft.com/office/drawing/2014/main" xmlns="" id="{F66CA81D-1701-4C2D-AE08-277C299D9B85}"/>
               </a:ext>
             </a:extLst>
           </p:cNvPr>
@@ -9746,7 +9366,7 @@
           <p:cNvPr id="2" name="Title 1">
             <a:extLst>
               <a:ext uri="{FF2B5EF4-FFF2-40B4-BE49-F238E27FC236}">
-                <a16:creationId xmlns:a16="http://schemas.microsoft.com/office/drawing/2014/main" id="{CA344CBA-FB2B-44A2-9612-01FA04D41200}"/>
+                <a16:creationId xmlns:a16="http://schemas.microsoft.com/office/drawing/2014/main" xmlns="" id="{CA344CBA-FB2B-44A2-9612-01FA04D41200}"/>
               </a:ext>
             </a:extLst>
           </p:cNvPr>
@@ -9787,7 +9407,7 @@
           <p:cNvPr id="3" name="Content Placeholder 2">
             <a:extLst>
               <a:ext uri="{FF2B5EF4-FFF2-40B4-BE49-F238E27FC236}">
-                <a16:creationId xmlns:a16="http://schemas.microsoft.com/office/drawing/2014/main" id="{F66CA81D-1701-4C2D-AE08-277C299D9B85}"/>
+                <a16:creationId xmlns:a16="http://schemas.microsoft.com/office/drawing/2014/main" xmlns="" id="{F66CA81D-1701-4C2D-AE08-277C299D9B85}"/>
               </a:ext>
             </a:extLst>
           </p:cNvPr>
@@ -9977,7 +9597,7 @@
           <p:cNvPr id="5" name="Picture 4">
             <a:extLst>
               <a:ext uri="{FF2B5EF4-FFF2-40B4-BE49-F238E27FC236}">
-                <a16:creationId xmlns:a16="http://schemas.microsoft.com/office/drawing/2014/main" id="{668BF638-F52C-4FEE-B217-66970DBFBBD4}"/>
+                <a16:creationId xmlns:a16="http://schemas.microsoft.com/office/drawing/2014/main" xmlns="" id="{668BF638-F52C-4FEE-B217-66970DBFBBD4}"/>
               </a:ext>
             </a:extLst>
           </p:cNvPr>
@@ -10013,7 +9633,7 @@
           <p:cNvPr id="9" name="TextBox 8">
             <a:extLst>
               <a:ext uri="{FF2B5EF4-FFF2-40B4-BE49-F238E27FC236}">
-                <a16:creationId xmlns:a16="http://schemas.microsoft.com/office/drawing/2014/main" id="{EF3D1033-0999-46CA-98D2-EA188D7E4913}"/>
+                <a16:creationId xmlns:a16="http://schemas.microsoft.com/office/drawing/2014/main" xmlns="" id="{EF3D1033-0999-46CA-98D2-EA188D7E4913}"/>
               </a:ext>
             </a:extLst>
           </p:cNvPr>
@@ -10082,7 +9702,7 @@
           <p:cNvPr id="2" name="Title 1">
             <a:extLst>
               <a:ext uri="{FF2B5EF4-FFF2-40B4-BE49-F238E27FC236}">
-                <a16:creationId xmlns:a16="http://schemas.microsoft.com/office/drawing/2014/main" id="{CA344CBA-FB2B-44A2-9612-01FA04D41200}"/>
+                <a16:creationId xmlns:a16="http://schemas.microsoft.com/office/drawing/2014/main" xmlns="" id="{CA344CBA-FB2B-44A2-9612-01FA04D41200}"/>
               </a:ext>
             </a:extLst>
           </p:cNvPr>
@@ -10115,7 +9735,7 @@
           <p:cNvPr id="3" name="Content Placeholder 2">
             <a:extLst>
               <a:ext uri="{FF2B5EF4-FFF2-40B4-BE49-F238E27FC236}">
-                <a16:creationId xmlns:a16="http://schemas.microsoft.com/office/drawing/2014/main" id="{F66CA81D-1701-4C2D-AE08-277C299D9B85}"/>
+                <a16:creationId xmlns:a16="http://schemas.microsoft.com/office/drawing/2014/main" xmlns="" id="{F66CA81D-1701-4C2D-AE08-277C299D9B85}"/>
               </a:ext>
             </a:extLst>
           </p:cNvPr>
@@ -10183,7 +9803,7 @@
           <p:cNvPr id="4" name="Table 4">
             <a:extLst>
               <a:ext uri="{FF2B5EF4-FFF2-40B4-BE49-F238E27FC236}">
-                <a16:creationId xmlns:a16="http://schemas.microsoft.com/office/drawing/2014/main" id="{C374F32C-1746-48B1-8874-B068FDCE0AD3}"/>
+                <a16:creationId xmlns:a16="http://schemas.microsoft.com/office/drawing/2014/main" xmlns="" id="{C374F32C-1746-48B1-8874-B068FDCE0AD3}"/>
               </a:ext>
             </a:extLst>
           </p:cNvPr>
@@ -10200,7 +9820,7 @@
         </p:nvGraphicFramePr>
         <p:xfrm>
           <a:off x="5463166" y="1977707"/>
-          <a:ext cx="5612153" cy="3962400"/>
+          <a:ext cx="5612153" cy="3693159"/>
         </p:xfrm>
         <a:graphic>
           <a:graphicData uri="http://schemas.openxmlformats.org/drawingml/2006/table">
@@ -10212,14 +9832,14 @@
                 <a:gridCol w="1527191">
                   <a:extLst>
                     <a:ext uri="{9D8B030D-6E8A-4147-A177-3AD203B41FA5}">
-                      <a16:colId xmlns:a16="http://schemas.microsoft.com/office/drawing/2014/main" val="4290089180"/>
+                      <a16:colId xmlns:a16="http://schemas.microsoft.com/office/drawing/2014/main" xmlns="" val="4290089180"/>
                     </a:ext>
                   </a:extLst>
                 </a:gridCol>
                 <a:gridCol w="4084962">
                   <a:extLst>
                     <a:ext uri="{9D8B030D-6E8A-4147-A177-3AD203B41FA5}">
-                      <a16:colId xmlns:a16="http://schemas.microsoft.com/office/drawing/2014/main" val="2233723881"/>
+                      <a16:colId xmlns:a16="http://schemas.microsoft.com/office/drawing/2014/main" xmlns="" val="2233723881"/>
                     </a:ext>
                   </a:extLst>
                 </a:gridCol>
@@ -10253,7 +9873,7 @@
                 </a:tc>
                 <a:extLst>
                   <a:ext uri="{0D108BD9-81ED-4DB2-BD59-A6C34878D82A}">
-                    <a16:rowId xmlns:a16="http://schemas.microsoft.com/office/drawing/2014/main" val="3207756757"/>
+                    <a16:rowId xmlns:a16="http://schemas.microsoft.com/office/drawing/2014/main" xmlns="" val="3207756757"/>
                   </a:ext>
                 </a:extLst>
               </a:tr>
@@ -10295,7 +9915,7 @@
                 </a:tc>
                 <a:extLst>
                   <a:ext uri="{0D108BD9-81ED-4DB2-BD59-A6C34878D82A}">
-                    <a16:rowId xmlns:a16="http://schemas.microsoft.com/office/drawing/2014/main" val="2915805806"/>
+                    <a16:rowId xmlns:a16="http://schemas.microsoft.com/office/drawing/2014/main" xmlns="" val="2915805806"/>
                   </a:ext>
                 </a:extLst>
               </a:tr>
@@ -10354,7 +9974,7 @@
                 </a:tc>
                 <a:extLst>
                   <a:ext uri="{0D108BD9-81ED-4DB2-BD59-A6C34878D82A}">
-                    <a16:rowId xmlns:a16="http://schemas.microsoft.com/office/drawing/2014/main" val="4083785283"/>
+                    <a16:rowId xmlns:a16="http://schemas.microsoft.com/office/drawing/2014/main" xmlns="" val="4083785283"/>
                   </a:ext>
                 </a:extLst>
               </a:tr>
@@ -10395,7 +10015,7 @@
                 </a:tc>
                 <a:extLst>
                   <a:ext uri="{0D108BD9-81ED-4DB2-BD59-A6C34878D82A}">
-                    <a16:rowId xmlns:a16="http://schemas.microsoft.com/office/drawing/2014/main" val="1011393144"/>
+                    <a16:rowId xmlns:a16="http://schemas.microsoft.com/office/drawing/2014/main" xmlns="" val="1011393144"/>
                   </a:ext>
                 </a:extLst>
               </a:tr>
@@ -10460,7 +10080,7 @@
                 </a:tc>
                 <a:extLst>
                   <a:ext uri="{0D108BD9-81ED-4DB2-BD59-A6C34878D82A}">
-                    <a16:rowId xmlns:a16="http://schemas.microsoft.com/office/drawing/2014/main" val="10004"/>
+                    <a16:rowId xmlns:a16="http://schemas.microsoft.com/office/drawing/2014/main" xmlns="" val="10004"/>
                   </a:ext>
                 </a:extLst>
               </a:tr>
@@ -10525,7 +10145,7 @@
                 </a:tc>
                 <a:extLst>
                   <a:ext uri="{0D108BD9-81ED-4DB2-BD59-A6C34878D82A}">
-                    <a16:rowId xmlns:a16="http://schemas.microsoft.com/office/drawing/2014/main" val="10005"/>
+                    <a16:rowId xmlns:a16="http://schemas.microsoft.com/office/drawing/2014/main" xmlns="" val="10005"/>
                   </a:ext>
                 </a:extLst>
               </a:tr>
@@ -10566,7 +10186,7 @@
                 </a:tc>
                 <a:extLst>
                   <a:ext uri="{0D108BD9-81ED-4DB2-BD59-A6C34878D82A}">
-                    <a16:rowId xmlns:a16="http://schemas.microsoft.com/office/drawing/2014/main" val="10006"/>
+                    <a16:rowId xmlns:a16="http://schemas.microsoft.com/office/drawing/2014/main" xmlns="" val="10006"/>
                   </a:ext>
                 </a:extLst>
               </a:tr>
@@ -10864,7 +10484,7 @@
   <a:extraClrSchemeLst/>
   <a:extLst>
     <a:ext uri="{05A4C25C-085E-4340-85A3-A5531E510DB2}">
-      <thm15:themeFamily xmlns:thm15="http://schemas.microsoft.com/office/thememl/2012/main" name="TWO.pptx" id="{769520F8-BFE5-4C8C-A7AA-375C025A91CE}" vid="{AEAFD717-D3C8-4034-8F7E-D5220B0CCEB8}"/>
+      <thm15:themeFamily xmlns:thm15="http://schemas.microsoft.com/office/thememl/2012/main" xmlns="" name="TWO.pptx" id="{769520F8-BFE5-4C8C-A7AA-375C025A91CE}" vid="{AEAFD717-D3C8-4034-8F7E-D5220B0CCEB8}"/>
     </a:ext>
   </a:extLst>
 </a:theme>

--- a/Group 45 Data Science for Case Law.pptx
+++ b/Group 45 Data Science for Case Law.pptx
@@ -14,14 +14,14 @@
     <p:sldId id="262" r:id="rId8"/>
     <p:sldId id="263" r:id="rId9"/>
     <p:sldId id="274" r:id="rId10"/>
-    <p:sldId id="281" r:id="rId11"/>
-    <p:sldId id="279" r:id="rId12"/>
-    <p:sldId id="276" r:id="rId13"/>
-    <p:sldId id="277" r:id="rId14"/>
+    <p:sldId id="279" r:id="rId11"/>
+    <p:sldId id="276" r:id="rId12"/>
+    <p:sldId id="277" r:id="rId13"/>
+    <p:sldId id="282" r:id="rId14"/>
     <p:sldId id="278" r:id="rId15"/>
-    <p:sldId id="282" r:id="rId16"/>
-    <p:sldId id="272" r:id="rId17"/>
-    <p:sldId id="275" r:id="rId18"/>
+    <p:sldId id="272" r:id="rId16"/>
+    <p:sldId id="275" r:id="rId17"/>
+    <p:sldId id="281" r:id="rId18"/>
     <p:sldId id="265" r:id="rId19"/>
   </p:sldIdLst>
   <p:sldSz cx="12192000" cy="6858000"/>
@@ -4173,583 +4173,6 @@
             <p:ph idx="1"/>
             <p:extLst>
               <p:ext uri="{D42A27DB-BD31-4B8C-83A1-F6EECF244321}">
-                <p14:modId xmlns:p14="http://schemas.microsoft.com/office/powerpoint/2010/main" val="3018182776"/>
-              </p:ext>
-            </p:extLst>
-          </p:nvPr>
-        </p:nvGraphicFramePr>
-        <p:xfrm>
-          <a:off x="965712" y="2011584"/>
-          <a:ext cx="10246360" cy="3952525"/>
-        </p:xfrm>
-        <a:graphic>
-          <a:graphicData uri="http://schemas.openxmlformats.org/drawingml/2006/table">
-            <a:tbl>
-              <a:tblPr firstRow="1" bandRow="1">
-                <a:tableStyleId>{5C22544A-7EE6-4342-B048-85BDC9FD1C3A}</a:tableStyleId>
-              </a:tblPr>
-              <a:tblGrid>
-                <a:gridCol w="2210244">
-                  <a:extLst>
-                    <a:ext uri="{9D8B030D-6E8A-4147-A177-3AD203B41FA5}">
-                      <a16:colId xmlns:a16="http://schemas.microsoft.com/office/drawing/2014/main" xmlns="" val="20000"/>
-                    </a:ext>
-                  </a:extLst>
-                </a:gridCol>
-                <a:gridCol w="1142556">
-                  <a:extLst>
-                    <a:ext uri="{9D8B030D-6E8A-4147-A177-3AD203B41FA5}">
-                      <a16:colId xmlns:a16="http://schemas.microsoft.com/office/drawing/2014/main" xmlns="" val="20001"/>
-                    </a:ext>
-                  </a:extLst>
-                </a:gridCol>
-                <a:gridCol w="1818640">
-                  <a:extLst>
-                    <a:ext uri="{9D8B030D-6E8A-4147-A177-3AD203B41FA5}">
-                      <a16:colId xmlns:a16="http://schemas.microsoft.com/office/drawing/2014/main" xmlns="" val="20002"/>
-                    </a:ext>
-                  </a:extLst>
-                </a:gridCol>
-                <a:gridCol w="5074920">
-                  <a:extLst>
-                    <a:ext uri="{9D8B030D-6E8A-4147-A177-3AD203B41FA5}">
-                      <a16:colId xmlns:a16="http://schemas.microsoft.com/office/drawing/2014/main" xmlns="" val="2436690740"/>
-                    </a:ext>
-                  </a:extLst>
-                </a:gridCol>
-              </a:tblGrid>
-              <a:tr h="569245">
-                <a:tc>
-                  <a:txBody>
-                    <a:bodyPr/>
-                    <a:lstStyle/>
-                    <a:p>
-                      <a:r>
-                        <a:rPr lang="en-US" dirty="0"/>
-                        <a:t>SOTA</a:t>
-                      </a:r>
-                    </a:p>
-                  </a:txBody>
-                  <a:tcPr/>
-                </a:tc>
-                <a:tc>
-                  <a:txBody>
-                    <a:bodyPr/>
-                    <a:lstStyle/>
-                    <a:p>
-                      <a:r>
-                        <a:rPr lang="en-US" dirty="0"/>
-                        <a:t>Type</a:t>
-                      </a:r>
-                    </a:p>
-                  </a:txBody>
-                  <a:tcPr/>
-                </a:tc>
-                <a:tc>
-                  <a:txBody>
-                    <a:bodyPr/>
-                    <a:lstStyle/>
-                    <a:p>
-                      <a:r>
-                        <a:rPr lang="en-US" dirty="0"/>
-                        <a:t>Transformer</a:t>
-                      </a:r>
-                    </a:p>
-                  </a:txBody>
-                  <a:tcPr/>
-                </a:tc>
-                <a:tc>
-                  <a:txBody>
-                    <a:bodyPr/>
-                    <a:lstStyle/>
-                    <a:p>
-                      <a:r>
-                        <a:rPr lang="en-US" dirty="0"/>
-                        <a:t>Steps</a:t>
-                      </a:r>
-                    </a:p>
-                  </a:txBody>
-                  <a:tcPr/>
-                </a:tc>
-                <a:extLst>
-                  <a:ext uri="{0D108BD9-81ED-4DB2-BD59-A6C34878D82A}">
-                    <a16:rowId xmlns:a16="http://schemas.microsoft.com/office/drawing/2014/main" xmlns="" val="10000"/>
-                  </a:ext>
-                </a:extLst>
-              </a:tr>
-              <a:tr h="752799">
-                <a:tc rowSpan="3">
-                  <a:txBody>
-                    <a:bodyPr/>
-                    <a:lstStyle/>
-                    <a:p>
-                      <a:r>
-                        <a:rPr lang="en-US" sz="1200" dirty="0" err="1"/>
-                        <a:t>PreSumm</a:t>
-                      </a:r>
-                      <a:endParaRPr lang="en-US" sz="1200" dirty="0"/>
-                    </a:p>
-                  </a:txBody>
-                  <a:tcPr anchor="ctr"/>
-                </a:tc>
-                <a:tc>
-                  <a:txBody>
-                    <a:bodyPr/>
-                    <a:lstStyle/>
-                    <a:p>
-                      <a:r>
-                        <a:rPr lang="en-US" sz="1200" dirty="0"/>
-                        <a:t>Extractive</a:t>
-                      </a:r>
-                    </a:p>
-                  </a:txBody>
-                  <a:tcPr/>
-                </a:tc>
-                <a:tc>
-                  <a:txBody>
-                    <a:bodyPr/>
-                    <a:lstStyle/>
-                    <a:p>
-                      <a:r>
-                        <a:rPr lang="en-US" sz="1200" dirty="0"/>
-                        <a:t>BERT</a:t>
-                      </a:r>
-                    </a:p>
-                  </a:txBody>
-                  <a:tcPr/>
-                </a:tc>
-                <a:tc>
-                  <a:txBody>
-                    <a:bodyPr/>
-                    <a:lstStyle/>
-                    <a:p>
-                      <a:pPr marL="228600" indent="-228600">
-                        <a:buAutoNum type="arabicParenR"/>
-                      </a:pPr>
-                      <a:r>
-                        <a:rPr lang="en-US" sz="1200" dirty="0"/>
-                        <a:t>Use the pretrained model with our dataset and get the ROUGE metrics</a:t>
-                      </a:r>
-                    </a:p>
-                    <a:p>
-                      <a:pPr marL="228600" indent="-228600">
-                        <a:buAutoNum type="arabicParenR"/>
-                      </a:pPr>
-                      <a:r>
-                        <a:rPr lang="en-US" sz="1200" dirty="0"/>
-                        <a:t>Train the model with our dataset </a:t>
-                      </a:r>
-                    </a:p>
-                    <a:p>
-                      <a:pPr marL="228600" indent="-228600">
-                        <a:buAutoNum type="arabicParenR"/>
-                      </a:pPr>
-                      <a:r>
-                        <a:rPr lang="en-US" sz="1200" dirty="0"/>
-                        <a:t>Use the trained model to get the ROUGE metrics</a:t>
-                      </a:r>
-                    </a:p>
-                    <a:p>
-                      <a:pPr marL="228600" indent="-228600">
-                        <a:buAutoNum type="arabicParenR"/>
-                      </a:pPr>
-                      <a:r>
-                        <a:rPr lang="en-US" sz="1200" dirty="0"/>
-                        <a:t>Compare the two outputs</a:t>
-                      </a:r>
-                    </a:p>
-                  </a:txBody>
-                  <a:tcPr/>
-                </a:tc>
-                <a:extLst>
-                  <a:ext uri="{0D108BD9-81ED-4DB2-BD59-A6C34878D82A}">
-                    <a16:rowId xmlns:a16="http://schemas.microsoft.com/office/drawing/2014/main" xmlns="" val="10001"/>
-                  </a:ext>
-                </a:extLst>
-              </a:tr>
-              <a:tr h="752799">
-                <a:tc vMerge="1">
-                  <a:txBody>
-                    <a:bodyPr/>
-                    <a:lstStyle/>
-                    <a:p>
-                      <a:endParaRPr lang="en-US" dirty="0"/>
-                    </a:p>
-                  </a:txBody>
-                  <a:tcPr/>
-                </a:tc>
-                <a:tc rowSpan="2">
-                  <a:txBody>
-                    <a:bodyPr/>
-                    <a:lstStyle/>
-                    <a:p>
-                      <a:r>
-                        <a:rPr lang="en-US" sz="1200" dirty="0"/>
-                        <a:t>Abstractive</a:t>
-                      </a:r>
-                    </a:p>
-                  </a:txBody>
-                  <a:tcPr anchor="ctr"/>
-                </a:tc>
-                <a:tc>
-                  <a:txBody>
-                    <a:bodyPr/>
-                    <a:lstStyle/>
-                    <a:p>
-                      <a:r>
-                        <a:rPr lang="en-US" sz="1200" dirty="0"/>
-                        <a:t>Baseline Transformer</a:t>
-                      </a:r>
-                    </a:p>
-                  </a:txBody>
-                  <a:tcPr/>
-                </a:tc>
-                <a:tc>
-                  <a:txBody>
-                    <a:bodyPr/>
-                    <a:lstStyle/>
-                    <a:p>
-                      <a:pPr marL="228600" indent="-228600">
-                        <a:buAutoNum type="arabicParenR"/>
-                      </a:pPr>
-                      <a:r>
-                        <a:rPr lang="en-US" sz="1200" dirty="0"/>
-                        <a:t>Use the pretrained model with our dataset and get the ROUGE metrics</a:t>
-                      </a:r>
-                    </a:p>
-                    <a:p>
-                      <a:pPr marL="228600" indent="-228600">
-                        <a:buAutoNum type="arabicParenR"/>
-                      </a:pPr>
-                      <a:r>
-                        <a:rPr lang="en-US" sz="1200" dirty="0"/>
-                        <a:t>Train the model with our dataset </a:t>
-                      </a:r>
-                    </a:p>
-                    <a:p>
-                      <a:pPr marL="228600" indent="-228600">
-                        <a:buAutoNum type="arabicParenR"/>
-                      </a:pPr>
-                      <a:r>
-                        <a:rPr lang="en-US" sz="1200" dirty="0"/>
-                        <a:t>Use the trained model to get the ROUGE metrics</a:t>
-                      </a:r>
-                    </a:p>
-                    <a:p>
-                      <a:pPr marL="228600" indent="-228600">
-                        <a:buAutoNum type="arabicParenR"/>
-                      </a:pPr>
-                      <a:r>
-                        <a:rPr lang="en-US" sz="1200" dirty="0"/>
-                        <a:t>Compare the two outputs</a:t>
-                      </a:r>
-                    </a:p>
-                  </a:txBody>
-                  <a:tcPr/>
-                </a:tc>
-                <a:extLst>
-                  <a:ext uri="{0D108BD9-81ED-4DB2-BD59-A6C34878D82A}">
-                    <a16:rowId xmlns:a16="http://schemas.microsoft.com/office/drawing/2014/main" xmlns="" val="10002"/>
-                  </a:ext>
-                </a:extLst>
-              </a:tr>
-              <a:tr h="752799">
-                <a:tc vMerge="1">
-                  <a:txBody>
-                    <a:bodyPr/>
-                    <a:lstStyle/>
-                    <a:p>
-                      <a:endParaRPr lang="en-US" dirty="0"/>
-                    </a:p>
-                  </a:txBody>
-                  <a:tcPr/>
-                </a:tc>
-                <a:tc vMerge="1">
-                  <a:txBody>
-                    <a:bodyPr/>
-                    <a:lstStyle/>
-                    <a:p>
-                      <a:endParaRPr lang="en-US" dirty="0"/>
-                    </a:p>
-                  </a:txBody>
-                  <a:tcPr/>
-                </a:tc>
-                <a:tc>
-                  <a:txBody>
-                    <a:bodyPr/>
-                    <a:lstStyle/>
-                    <a:p>
-                      <a:r>
-                        <a:rPr lang="en-US" sz="1200" dirty="0"/>
-                        <a:t>BERT</a:t>
-                      </a:r>
-                    </a:p>
-                  </a:txBody>
-                  <a:tcPr/>
-                </a:tc>
-                <a:tc>
-                  <a:txBody>
-                    <a:bodyPr/>
-                    <a:lstStyle/>
-                    <a:p>
-                      <a:pPr marL="228600" indent="-228600">
-                        <a:buAutoNum type="arabicParenR"/>
-                      </a:pPr>
-                      <a:r>
-                        <a:rPr lang="en-US" sz="1200" dirty="0"/>
-                        <a:t>Use the pretrained model with our dataset and get the ROUGE metrics</a:t>
-                      </a:r>
-                    </a:p>
-                    <a:p>
-                      <a:pPr marL="228600" indent="-228600">
-                        <a:buAutoNum type="arabicParenR"/>
-                      </a:pPr>
-                      <a:r>
-                        <a:rPr lang="en-US" sz="1200" dirty="0"/>
-                        <a:t>Train the model with our dataset </a:t>
-                      </a:r>
-                    </a:p>
-                    <a:p>
-                      <a:pPr marL="228600" indent="-228600">
-                        <a:buAutoNum type="arabicParenR"/>
-                      </a:pPr>
-                      <a:r>
-                        <a:rPr lang="en-US" sz="1200" dirty="0"/>
-                        <a:t>Use the trained model to get the ROUGE metrics</a:t>
-                      </a:r>
-                    </a:p>
-                    <a:p>
-                      <a:pPr marL="228600" indent="-228600">
-                        <a:buAutoNum type="arabicParenR"/>
-                      </a:pPr>
-                      <a:r>
-                        <a:rPr lang="en-US" sz="1200" dirty="0"/>
-                        <a:t>Compare the two outputs</a:t>
-                      </a:r>
-                    </a:p>
-                  </a:txBody>
-                  <a:tcPr/>
-                </a:tc>
-                <a:extLst>
-                  <a:ext uri="{0D108BD9-81ED-4DB2-BD59-A6C34878D82A}">
-                    <a16:rowId xmlns:a16="http://schemas.microsoft.com/office/drawing/2014/main" xmlns="" val="10003"/>
-                  </a:ext>
-                </a:extLst>
-              </a:tr>
-              <a:tr h="423832">
-                <a:tc rowSpan="2">
-                  <a:txBody>
-                    <a:bodyPr/>
-                    <a:lstStyle/>
-                    <a:p>
-                      <a:r>
-                        <a:rPr lang="en-US" sz="1200" dirty="0" err="1"/>
-                        <a:t>MatchSum</a:t>
-                      </a:r>
-                      <a:endParaRPr lang="en-US" sz="1200" dirty="0"/>
-                    </a:p>
-                  </a:txBody>
-                  <a:tcPr anchor="ctr"/>
-                </a:tc>
-                <a:tc rowSpan="2">
-                  <a:txBody>
-                    <a:bodyPr/>
-                    <a:lstStyle/>
-                    <a:p>
-                      <a:r>
-                        <a:rPr lang="en-US" sz="1200" dirty="0"/>
-                        <a:t>Extractive</a:t>
-                      </a:r>
-                    </a:p>
-                  </a:txBody>
-                  <a:tcPr anchor="ctr"/>
-                </a:tc>
-                <a:tc>
-                  <a:txBody>
-                    <a:bodyPr/>
-                    <a:lstStyle/>
-                    <a:p>
-                      <a:r>
-                        <a:rPr lang="en-US" sz="1200" dirty="0"/>
-                        <a:t>BERT</a:t>
-                      </a:r>
-                    </a:p>
-                  </a:txBody>
-                  <a:tcPr/>
-                </a:tc>
-                <a:tc>
-                  <a:txBody>
-                    <a:bodyPr/>
-                    <a:lstStyle/>
-                    <a:p>
-                      <a:pPr marL="228600" indent="-228600">
-                        <a:buAutoNum type="arabicParenR"/>
-                      </a:pPr>
-                      <a:r>
-                        <a:rPr lang="en-US" sz="1200" dirty="0"/>
-                        <a:t>Train the model with our dataset </a:t>
-                      </a:r>
-                    </a:p>
-                    <a:p>
-                      <a:pPr marL="228600" indent="-228600">
-                        <a:buAutoNum type="arabicParenR"/>
-                      </a:pPr>
-                      <a:r>
-                        <a:rPr lang="en-US" sz="1200" dirty="0"/>
-                        <a:t>Use the trained model to get the ROUGE metrics</a:t>
-                      </a:r>
-                    </a:p>
-                  </a:txBody>
-                  <a:tcPr/>
-                </a:tc>
-                <a:extLst>
-                  <a:ext uri="{0D108BD9-81ED-4DB2-BD59-A6C34878D82A}">
-                    <a16:rowId xmlns:a16="http://schemas.microsoft.com/office/drawing/2014/main" xmlns="" val="10004"/>
-                  </a:ext>
-                </a:extLst>
-              </a:tr>
-              <a:tr h="383954">
-                <a:tc vMerge="1">
-                  <a:txBody>
-                    <a:bodyPr/>
-                    <a:lstStyle/>
-                    <a:p>
-                      <a:endParaRPr lang="en-US" dirty="0"/>
-                    </a:p>
-                  </a:txBody>
-                  <a:tcPr/>
-                </a:tc>
-                <a:tc vMerge="1">
-                  <a:txBody>
-                    <a:bodyPr/>
-                    <a:lstStyle/>
-                    <a:p>
-                      <a:endParaRPr lang="en-US" dirty="0"/>
-                    </a:p>
-                  </a:txBody>
-                  <a:tcPr/>
-                </a:tc>
-                <a:tc>
-                  <a:txBody>
-                    <a:bodyPr/>
-                    <a:lstStyle/>
-                    <a:p>
-                      <a:r>
-                        <a:rPr lang="en-US" sz="1200" dirty="0" err="1"/>
-                        <a:t>RoBERTa</a:t>
-                      </a:r>
-                      <a:endParaRPr lang="en-US" sz="1200" dirty="0"/>
-                    </a:p>
-                  </a:txBody>
-                  <a:tcPr/>
-                </a:tc>
-                <a:tc>
-                  <a:txBody>
-                    <a:bodyPr/>
-                    <a:lstStyle/>
-                    <a:p>
-                      <a:pPr marL="228600" indent="-228600">
-                        <a:buAutoNum type="arabicParenR"/>
-                      </a:pPr>
-                      <a:r>
-                        <a:rPr lang="en-US" sz="1200" dirty="0"/>
-                        <a:t>Train the model with our dataset </a:t>
-                      </a:r>
-                    </a:p>
-                    <a:p>
-                      <a:pPr marL="228600" indent="-228600">
-                        <a:buAutoNum type="arabicParenR"/>
-                      </a:pPr>
-                      <a:r>
-                        <a:rPr lang="en-US" sz="1200" dirty="0"/>
-                        <a:t>Use the trained model to get the ROUGE </a:t>
-                      </a:r>
-                      <a:r>
-                        <a:rPr lang="en-US" sz="1200" dirty="0" smtClean="0"/>
-                        <a:t>metrics</a:t>
-                      </a:r>
-                      <a:endParaRPr lang="en-US" sz="1200" dirty="0"/>
-                    </a:p>
-                  </a:txBody>
-                  <a:tcPr/>
-                </a:tc>
-                <a:extLst>
-                  <a:ext uri="{0D108BD9-81ED-4DB2-BD59-A6C34878D82A}">
-                    <a16:rowId xmlns:a16="http://schemas.microsoft.com/office/drawing/2014/main" xmlns="" val="10005"/>
-                  </a:ext>
-                </a:extLst>
-              </a:tr>
-            </a:tbl>
-          </a:graphicData>
-        </a:graphic>
-      </p:graphicFrame>
-    </p:spTree>
-    <p:extLst>
-      <p:ext uri="{BB962C8B-B14F-4D97-AF65-F5344CB8AC3E}">
-        <p14:creationId xmlns:p14="http://schemas.microsoft.com/office/powerpoint/2010/main" val="2558821770"/>
-      </p:ext>
-    </p:extLst>
-  </p:cSld>
-  <p:clrMapOvr>
-    <a:masterClrMapping/>
-  </p:clrMapOvr>
-</p:sld>
-</file>
-
-<file path=ppt/slides/slide11.xml><?xml version="1.0" encoding="utf-8"?>
-<p:sld xmlns:a="http://schemas.openxmlformats.org/drawingml/2006/main" xmlns:r="http://schemas.openxmlformats.org/officeDocument/2006/relationships" xmlns:p="http://schemas.openxmlformats.org/presentationml/2006/main">
-  <p:cSld>
-    <p:spTree>
-      <p:nvGrpSpPr>
-        <p:cNvPr id="1" name=""/>
-        <p:cNvGrpSpPr/>
-        <p:nvPr/>
-      </p:nvGrpSpPr>
-      <p:grpSpPr>
-        <a:xfrm>
-          <a:off x="0" y="0"/>
-          <a:ext cx="0" cy="0"/>
-          <a:chOff x="0" y="0"/>
-          <a:chExt cx="0" cy="0"/>
-        </a:xfrm>
-      </p:grpSpPr>
-      <p:sp>
-        <p:nvSpPr>
-          <p:cNvPr id="2" name="Title 1"/>
-          <p:cNvSpPr>
-            <a:spLocks noGrp="1"/>
-          </p:cNvSpPr>
-          <p:nvPr>
-            <p:ph type="title"/>
-          </p:nvPr>
-        </p:nvSpPr>
-        <p:spPr>
-          <a:xfrm>
-            <a:off x="1097280" y="286603"/>
-            <a:ext cx="10058400" cy="856397"/>
-          </a:xfrm>
-        </p:spPr>
-        <p:txBody>
-          <a:bodyPr/>
-          <a:lstStyle/>
-          <a:p>
-            <a:r>
-              <a:rPr lang="en-US" dirty="0"/>
-              <a:t>Our Results (scores)</a:t>
-            </a:r>
-          </a:p>
-        </p:txBody>
-      </p:sp>
-      <p:graphicFrame>
-        <p:nvGraphicFramePr>
-          <p:cNvPr id="5" name="Content Placeholder 4"/>
-          <p:cNvGraphicFramePr>
-            <a:graphicFrameLocks noGrp="1"/>
-          </p:cNvGraphicFramePr>
-          <p:nvPr>
-            <p:ph idx="1"/>
-            <p:extLst>
-              <p:ext uri="{D42A27DB-BD31-4B8C-83A1-F6EECF244321}">
                 <p14:modId xmlns:p14="http://schemas.microsoft.com/office/powerpoint/2010/main" val="505803309"/>
               </p:ext>
             </p:extLst>
@@ -5854,7 +5277,7 @@
 </p:sld>
 </file>
 
-<file path=ppt/slides/slide12.xml><?xml version="1.0" encoding="utf-8"?>
+<file path=ppt/slides/slide11.xml><?xml version="1.0" encoding="utf-8"?>
 <p:sld xmlns:a="http://schemas.openxmlformats.org/drawingml/2006/main" xmlns:r="http://schemas.openxmlformats.org/officeDocument/2006/relationships" xmlns:p="http://schemas.openxmlformats.org/presentationml/2006/main">
   <p:cSld>
     <p:spTree>
@@ -6878,7 +6301,7 @@
 </p:sld>
 </file>
 
-<file path=ppt/slides/slide13.xml><?xml version="1.0" encoding="utf-8"?>
+<file path=ppt/slides/slide12.xml><?xml version="1.0" encoding="utf-8"?>
 <p:sld xmlns:a="http://schemas.openxmlformats.org/drawingml/2006/main" xmlns:r="http://schemas.openxmlformats.org/officeDocument/2006/relationships" xmlns:p="http://schemas.openxmlformats.org/presentationml/2006/main">
   <p:cSld>
     <p:spTree>
@@ -7253,6 +6676,116 @@
     <p:extLst>
       <p:ext uri="{BB962C8B-B14F-4D97-AF65-F5344CB8AC3E}">
         <p14:creationId xmlns:p14="http://schemas.microsoft.com/office/powerpoint/2010/main" val="1088070688"/>
+      </p:ext>
+    </p:extLst>
+  </p:cSld>
+  <p:clrMapOvr>
+    <a:masterClrMapping/>
+  </p:clrMapOvr>
+</p:sld>
+</file>
+
+<file path=ppt/slides/slide13.xml><?xml version="1.0" encoding="utf-8"?>
+<p:sld xmlns:a="http://schemas.openxmlformats.org/drawingml/2006/main" xmlns:r="http://schemas.openxmlformats.org/officeDocument/2006/relationships" xmlns:p="http://schemas.openxmlformats.org/presentationml/2006/main">
+  <p:cSld>
+    <p:spTree>
+      <p:nvGrpSpPr>
+        <p:cNvPr id="1" name=""/>
+        <p:cNvGrpSpPr/>
+        <p:nvPr/>
+      </p:nvGrpSpPr>
+      <p:grpSpPr>
+        <a:xfrm>
+          <a:off x="0" y="0"/>
+          <a:ext cx="0" cy="0"/>
+          <a:chOff x="0" y="0"/>
+          <a:chExt cx="0" cy="0"/>
+        </a:xfrm>
+      </p:grpSpPr>
+      <p:sp>
+        <p:nvSpPr>
+          <p:cNvPr id="2" name="Title 1"/>
+          <p:cNvSpPr>
+            <a:spLocks noGrp="1"/>
+          </p:cNvSpPr>
+          <p:nvPr>
+            <p:ph type="title"/>
+          </p:nvPr>
+        </p:nvSpPr>
+        <p:spPr/>
+        <p:txBody>
+          <a:bodyPr/>
+          <a:lstStyle/>
+          <a:p>
+            <a:r>
+              <a:rPr lang="en-US" dirty="0"/>
+              <a:t>Next Steps</a:t>
+            </a:r>
+          </a:p>
+        </p:txBody>
+      </p:sp>
+      <p:sp>
+        <p:nvSpPr>
+          <p:cNvPr id="3" name="Content Placeholder 2"/>
+          <p:cNvSpPr>
+            <a:spLocks noGrp="1"/>
+          </p:cNvSpPr>
+          <p:nvPr>
+            <p:ph idx="1"/>
+          </p:nvPr>
+        </p:nvSpPr>
+        <p:spPr/>
+        <p:txBody>
+          <a:bodyPr>
+            <a:normAutofit/>
+          </a:bodyPr>
+          <a:lstStyle/>
+          <a:p>
+            <a:pPr marL="457200" indent="-457200">
+              <a:buFont typeface="+mj-lt"/>
+              <a:buAutoNum type="arabicPeriod"/>
+            </a:pPr>
+            <a:r>
+              <a:rPr lang="en-US" sz="2000" dirty="0"/>
+              <a:t>Tuning the different hype parameters</a:t>
+            </a:r>
+          </a:p>
+          <a:p>
+            <a:pPr marL="457200" indent="-457200">
+              <a:buFont typeface="+mj-lt"/>
+              <a:buAutoNum type="arabicPeriod"/>
+            </a:pPr>
+            <a:r>
+              <a:rPr lang="en-US" sz="2000" dirty="0"/>
+              <a:t>Expanding the sentence length beyond the fixed limit of 512</a:t>
+            </a:r>
+          </a:p>
+          <a:p>
+            <a:pPr marL="457200" indent="-457200">
+              <a:buFont typeface="+mj-lt"/>
+              <a:buAutoNum type="arabicPeriod"/>
+            </a:pPr>
+            <a:r>
+              <a:rPr lang="en-US" sz="2000" dirty="0"/>
+              <a:t>Using all the cases</a:t>
+            </a:r>
+          </a:p>
+          <a:p>
+            <a:pPr marL="457200" indent="-457200">
+              <a:buFont typeface="+mj-lt"/>
+              <a:buAutoNum type="arabicPeriod"/>
+            </a:pPr>
+            <a:r>
+              <a:rPr lang="en-US" sz="2000" dirty="0"/>
+              <a:t>Using all the opinions</a:t>
+            </a:r>
+          </a:p>
+        </p:txBody>
+      </p:sp>
+    </p:spTree>
+    <p:extLst>
+      <p:ext uri="{BB962C8B-B14F-4D97-AF65-F5344CB8AC3E}">
+        <p14:creationId xmlns:p14="http://schemas.microsoft.com/office/powerpoint/2010/main" val="1658042769"/>
       </p:ext>
     </p:extLst>
   </p:cSld>
@@ -7487,7 +7020,13 @@
       </p:grpSpPr>
       <p:sp>
         <p:nvSpPr>
-          <p:cNvPr id="2" name="Title 1"/>
+          <p:cNvPr id="2" name="Title 1">
+            <a:extLst>
+              <a:ext uri="{FF2B5EF4-FFF2-40B4-BE49-F238E27FC236}">
+                <a16:creationId xmlns:a16="http://schemas.microsoft.com/office/drawing/2014/main" xmlns="" id="{CA344CBA-FB2B-44A2-9612-01FA04D41200}"/>
+              </a:ext>
+            </a:extLst>
+          </p:cNvPr>
           <p:cNvSpPr>
             <a:spLocks noGrp="1"/>
           </p:cNvSpPr>
@@ -7502,14 +7041,20 @@
           <a:p>
             <a:r>
               <a:rPr lang="en-US" dirty="0"/>
-              <a:t>Next Steps</a:t>
+              <a:t>Our Research</a:t>
             </a:r>
           </a:p>
         </p:txBody>
       </p:sp>
       <p:sp>
         <p:nvSpPr>
-          <p:cNvPr id="3" name="Content Placeholder 2"/>
+          <p:cNvPr id="3" name="Content Placeholder 2">
+            <a:extLst>
+              <a:ext uri="{FF2B5EF4-FFF2-40B4-BE49-F238E27FC236}">
+                <a16:creationId xmlns:a16="http://schemas.microsoft.com/office/drawing/2014/main" xmlns="" id="{F66CA81D-1701-4C2D-AE08-277C299D9B85}"/>
+              </a:ext>
+            </a:extLst>
+          </p:cNvPr>
           <p:cNvSpPr>
             <a:spLocks noGrp="1"/>
           </p:cNvSpPr>
@@ -7517,58 +7062,58 @@
             <p:ph idx="1"/>
           </p:nvPr>
         </p:nvSpPr>
-        <p:spPr/>
+        <p:spPr>
+          <a:xfrm>
+            <a:off x="1097280" y="1899590"/>
+            <a:ext cx="10058400" cy="4503521"/>
+          </a:xfrm>
+        </p:spPr>
         <p:txBody>
           <a:bodyPr>
             <a:normAutofit/>
           </a:bodyPr>
           <a:lstStyle/>
           <a:p>
+            <a:pPr lvl="0"/>
+            <a:r>
+              <a:rPr lang="en-US" sz="2400" b="1" dirty="0"/>
+              <a:t>Types of Summarizations</a:t>
+            </a:r>
+          </a:p>
+          <a:p>
+            <a:pPr lvl="0"/>
+            <a:r>
+              <a:rPr lang="en-US" b="1" dirty="0"/>
+              <a:t>Extraction-based summarization</a:t>
+            </a:r>
+            <a:r>
+              <a:rPr lang="en-US" dirty="0"/>
+              <a:t>: Content is extracted from original document and is not modified. This method will extract key phrases or sentences to form a summary. The summary generated by this method may not be the same format as a human might express  it and the sentences may appear disjointed</a:t>
+            </a:r>
+          </a:p>
+          <a:p>
+            <a:pPr lvl="0"/>
+            <a:r>
+              <a:rPr lang="en-US" b="1" dirty="0"/>
+              <a:t>Abstraction-based summarization</a:t>
+            </a:r>
+            <a:r>
+              <a:rPr lang="en-US" dirty="0"/>
+              <a:t>: Abstractive methods generate a summary based on internal semantic representation of the original content, closer to what a human might express. Abstraction may transform the extracted content. Such transformation are computationally very challenging  , involving both NLP (natural language processing) and a deep understanding of the document </a:t>
+            </a:r>
+          </a:p>
+          <a:p>
             <a:pPr marL="457200" indent="-457200">
-              <a:buFont typeface="+mj-lt"/>
-              <a:buAutoNum type="arabicPeriod"/>
+              <a:buAutoNum type="arabicParenR"/>
             </a:pPr>
-            <a:r>
-              <a:rPr lang="en-US" sz="2000" dirty="0"/>
-              <a:t>Tuning the different hype parameters</a:t>
-            </a:r>
-          </a:p>
-          <a:p>
-            <a:pPr marL="457200" indent="-457200">
-              <a:buFont typeface="+mj-lt"/>
-              <a:buAutoNum type="arabicPeriod"/>
-            </a:pPr>
-            <a:r>
-              <a:rPr lang="en-US" sz="2000" dirty="0"/>
-              <a:t>Expanding the sentence length beyond the fixed limit of 512</a:t>
-            </a:r>
-          </a:p>
-          <a:p>
-            <a:pPr marL="457200" indent="-457200">
-              <a:buFont typeface="+mj-lt"/>
-              <a:buAutoNum type="arabicPeriod"/>
-            </a:pPr>
-            <a:r>
-              <a:rPr lang="en-US" sz="2000" dirty="0"/>
-              <a:t>Using all the cases</a:t>
-            </a:r>
-          </a:p>
-          <a:p>
-            <a:pPr marL="457200" indent="-457200">
-              <a:buFont typeface="+mj-lt"/>
-              <a:buAutoNum type="arabicPeriod"/>
-            </a:pPr>
-            <a:r>
-              <a:rPr lang="en-US" sz="2000" dirty="0"/>
-              <a:t>Using all the opinions</a:t>
-            </a:r>
+            <a:endParaRPr lang="en-US" dirty="0"/>
           </a:p>
         </p:txBody>
       </p:sp>
     </p:spTree>
     <p:extLst>
       <p:ext uri="{BB962C8B-B14F-4D97-AF65-F5344CB8AC3E}">
-        <p14:creationId xmlns:p14="http://schemas.microsoft.com/office/powerpoint/2010/main" val="1658042769"/>
+        <p14:creationId xmlns:p14="http://schemas.microsoft.com/office/powerpoint/2010/main" val="1897433995"/>
       </p:ext>
     </p:extLst>
   </p:cSld>
@@ -7600,7 +7145,7 @@
           <p:cNvPr id="2" name="Title 1">
             <a:extLst>
               <a:ext uri="{FF2B5EF4-FFF2-40B4-BE49-F238E27FC236}">
-                <a16:creationId xmlns:a16="http://schemas.microsoft.com/office/drawing/2014/main" xmlns="" id="{CA344CBA-FB2B-44A2-9612-01FA04D41200}"/>
+                <a16:creationId xmlns:a16="http://schemas.microsoft.com/office/drawing/2014/main" xmlns="" id="{A89F2B34-DF68-420A-A1A7-69ABD17B850E}"/>
               </a:ext>
             </a:extLst>
           </p:cNvPr>
@@ -7628,7 +7173,7 @@
           <p:cNvPr id="3" name="Content Placeholder 2">
             <a:extLst>
               <a:ext uri="{FF2B5EF4-FFF2-40B4-BE49-F238E27FC236}">
-                <a16:creationId xmlns:a16="http://schemas.microsoft.com/office/drawing/2014/main" xmlns="" id="{F66CA81D-1701-4C2D-AE08-277C299D9B85}"/>
+                <a16:creationId xmlns:a16="http://schemas.microsoft.com/office/drawing/2014/main" xmlns="" id="{E1B94245-4F0C-4B7C-9103-E79616CDFF6C}"/>
               </a:ext>
             </a:extLst>
           </p:cNvPr>
@@ -7639,58 +7184,104 @@
             <p:ph idx="1"/>
           </p:nvPr>
         </p:nvSpPr>
-        <p:spPr>
-          <a:xfrm>
-            <a:off x="1097280" y="1899590"/>
-            <a:ext cx="10058400" cy="4503521"/>
-          </a:xfrm>
-        </p:spPr>
+        <p:spPr/>
         <p:txBody>
           <a:bodyPr>
-            <a:normAutofit/>
+            <a:normAutofit fontScale="92500" lnSpcReduction="20000"/>
           </a:bodyPr>
           <a:lstStyle/>
           <a:p>
-            <a:pPr lvl="0"/>
-            <a:r>
-              <a:rPr lang="en-US" sz="2400" b="1" dirty="0"/>
-              <a:t>Types of Summarizations</a:t>
-            </a:r>
-          </a:p>
-          <a:p>
-            <a:pPr lvl="0"/>
+            <a:r>
+              <a:rPr lang="en-US" sz="2800" b="1" dirty="0"/>
+              <a:t>BERT (</a:t>
+            </a:r>
+            <a:r>
+              <a:rPr lang="en-US" sz="2800" dirty="0"/>
+              <a:t>Bidirectional Encoder Representations from Transformers )</a:t>
+            </a:r>
+            <a:endParaRPr lang="en-US" sz="2800" b="1" dirty="0"/>
+          </a:p>
+          <a:p>
+            <a:r>
+              <a:rPr lang="en-US" dirty="0"/>
+              <a:t>BERT is a NLP technique developed by Google(published in 2018 by Jacob Devlin and his colleagues) which can be used to created pretrained language models.  This </a:t>
+            </a:r>
+            <a:r>
+              <a:rPr lang="en-US" dirty="0" err="1"/>
+              <a:t>technigque</a:t>
+            </a:r>
+            <a:r>
+              <a:rPr lang="en-US" dirty="0"/>
+              <a:t> </a:t>
+            </a:r>
+            <a:r>
+              <a:rPr lang="en-US" dirty="0" err="1"/>
+              <a:t>hae</a:t>
+            </a:r>
+            <a:r>
+              <a:rPr lang="en-US" dirty="0"/>
+              <a:t> </a:t>
+            </a:r>
+            <a:r>
+              <a:rPr lang="en-US" dirty="0" err="1"/>
+              <a:t>reently</a:t>
+            </a:r>
+            <a:r>
+              <a:rPr lang="en-US" dirty="0"/>
+              <a:t> been used to create pretrained models for a wide range of natural language processing tasks.  BERT is a deeply bidirectional, unsupervised language representation and these models are  pre-trained using only a plain text corpus. BERT uses a masking </a:t>
+            </a:r>
+            <a:r>
+              <a:rPr lang="en-US" dirty="0" err="1"/>
+              <a:t>stategy</a:t>
+            </a:r>
+            <a:r>
+              <a:rPr lang="en-US" dirty="0"/>
+              <a:t> and learns to predict masked sections within the text</a:t>
+            </a:r>
+          </a:p>
+          <a:p>
+            <a:r>
+              <a:rPr lang="en-US" sz="2800" b="1" dirty="0" err="1"/>
+              <a:t>RoBERTa</a:t>
+            </a:r>
+            <a:r>
+              <a:rPr lang="en-US" sz="2800" dirty="0"/>
+              <a:t>(</a:t>
+            </a:r>
+            <a:r>
+              <a:rPr lang="en-US" sz="2600" b="1" dirty="0"/>
+              <a:t>Robustly Optimized BERT Pretraining Approach</a:t>
+            </a:r>
             <a:r>
               <a:rPr lang="en-US" b="1" dirty="0"/>
-              <a:t>Extraction-based summarization</a:t>
+              <a:t>)</a:t>
+            </a:r>
+            <a:endParaRPr lang="en-US" sz="2800" dirty="0"/>
+          </a:p>
+          <a:p>
+            <a:r>
+              <a:rPr lang="en-US" dirty="0" err="1"/>
+              <a:t>RoBERTa</a:t>
             </a:r>
             <a:r>
               <a:rPr lang="en-US" dirty="0"/>
-              <a:t>: Content is extracted from original document and is not modified. This method will extract key phrases or sentences to form a summary. The summary generated by this method may not be the same format as a human might express  it and the sentences may appear disjointed</a:t>
-            </a:r>
-          </a:p>
-          <a:p>
-            <a:pPr lvl="0"/>
-            <a:r>
-              <a:rPr lang="en-US" b="1" dirty="0"/>
-              <a:t>Abstraction-based summarization</a:t>
+              <a:t> builds on BERT’s language masking strategy. It modifies key hyperparameters in BERT, removing BERT’s next-sentence pretraining objective, and training with much larger mini-batches and learning rates. This allows </a:t>
+            </a:r>
+            <a:r>
+              <a:rPr lang="en-US" dirty="0" err="1"/>
+              <a:t>RoBERTa</a:t>
             </a:r>
             <a:r>
               <a:rPr lang="en-US" dirty="0"/>
-              <a:t>: Abstractive methods generate a summary based on internal semantic representation of the original content, closer to what a human might express. Abstraction may transform the extracted content. Such transformation are computationally very challenging  , involving both NLP (natural language processing) and a deep understanding of the document </a:t>
-            </a:r>
-          </a:p>
-          <a:p>
-            <a:pPr marL="457200" indent="-457200">
-              <a:buAutoNum type="arabicParenR"/>
-            </a:pPr>
-            <a:endParaRPr lang="en-US" dirty="0"/>
+              <a:t> to improve on the masked language modeling objective compared with BERT and leads to better downstream task performance. </a:t>
+            </a:r>
           </a:p>
         </p:txBody>
       </p:sp>
     </p:spTree>
     <p:extLst>
       <p:ext uri="{BB962C8B-B14F-4D97-AF65-F5344CB8AC3E}">
-        <p14:creationId xmlns:p14="http://schemas.microsoft.com/office/powerpoint/2010/main" val="1897433995"/>
+        <p14:creationId xmlns:p14="http://schemas.microsoft.com/office/powerpoint/2010/main" val="360813130"/>
       </p:ext>
     </p:extLst>
   </p:cSld>
@@ -7719,13 +7310,7 @@
       </p:grpSpPr>
       <p:sp>
         <p:nvSpPr>
-          <p:cNvPr id="2" name="Title 1">
-            <a:extLst>
-              <a:ext uri="{FF2B5EF4-FFF2-40B4-BE49-F238E27FC236}">
-                <a16:creationId xmlns:a16="http://schemas.microsoft.com/office/drawing/2014/main" xmlns="" id="{A89F2B34-DF68-420A-A1A7-69ABD17B850E}"/>
-              </a:ext>
-            </a:extLst>
-          </p:cNvPr>
+          <p:cNvPr id="2" name="Title 1"/>
           <p:cNvSpPr>
             <a:spLocks noGrp="1"/>
           </p:cNvSpPr>
@@ -7733,132 +7318,547 @@
             <p:ph type="title"/>
           </p:nvPr>
         </p:nvSpPr>
-        <p:spPr/>
+        <p:spPr>
+          <a:xfrm>
+            <a:off x="1097280" y="286603"/>
+            <a:ext cx="10058400" cy="856397"/>
+          </a:xfrm>
+        </p:spPr>
         <p:txBody>
           <a:bodyPr/>
           <a:lstStyle/>
           <a:p>
             <a:r>
               <a:rPr lang="en-US" dirty="0"/>
-              <a:t>Our Research</a:t>
+              <a:t>Our Results (scores)</a:t>
             </a:r>
           </a:p>
         </p:txBody>
       </p:sp>
-      <p:sp>
-        <p:nvSpPr>
-          <p:cNvPr id="3" name="Content Placeholder 2">
-            <a:extLst>
-              <a:ext uri="{FF2B5EF4-FFF2-40B4-BE49-F238E27FC236}">
-                <a16:creationId xmlns:a16="http://schemas.microsoft.com/office/drawing/2014/main" xmlns="" id="{E1B94245-4F0C-4B7C-9103-E79616CDFF6C}"/>
-              </a:ext>
-            </a:extLst>
-          </p:cNvPr>
-          <p:cNvSpPr>
-            <a:spLocks noGrp="1"/>
-          </p:cNvSpPr>
+      <p:graphicFrame>
+        <p:nvGraphicFramePr>
+          <p:cNvPr id="5" name="Content Placeholder 4"/>
+          <p:cNvGraphicFramePr>
+            <a:graphicFrameLocks noGrp="1"/>
+          </p:cNvGraphicFramePr>
           <p:nvPr>
             <p:ph idx="1"/>
+            <p:extLst>
+              <p:ext uri="{D42A27DB-BD31-4B8C-83A1-F6EECF244321}">
+                <p14:modId xmlns:p14="http://schemas.microsoft.com/office/powerpoint/2010/main" val="3018182776"/>
+              </p:ext>
+            </p:extLst>
           </p:nvPr>
-        </p:nvSpPr>
-        <p:spPr/>
-        <p:txBody>
-          <a:bodyPr>
-            <a:normAutofit fontScale="92500" lnSpcReduction="20000"/>
-          </a:bodyPr>
-          <a:lstStyle/>
-          <a:p>
-            <a:r>
-              <a:rPr lang="en-US" sz="2800" b="1" dirty="0"/>
-              <a:t>BERT (</a:t>
-            </a:r>
-            <a:r>
-              <a:rPr lang="en-US" sz="2800" dirty="0"/>
-              <a:t>Bidirectional Encoder Representations from Transformers )</a:t>
-            </a:r>
-            <a:endParaRPr lang="en-US" sz="2800" b="1" dirty="0"/>
-          </a:p>
-          <a:p>
-            <a:r>
-              <a:rPr lang="en-US" dirty="0"/>
-              <a:t>BERT is a NLP technique developed by Google(published in 2018 by Jacob Devlin and his colleagues) which can be used to created pretrained language models.  This </a:t>
-            </a:r>
-            <a:r>
-              <a:rPr lang="en-US" dirty="0" err="1"/>
-              <a:t>technigque</a:t>
-            </a:r>
-            <a:r>
-              <a:rPr lang="en-US" dirty="0"/>
-              <a:t> </a:t>
-            </a:r>
-            <a:r>
-              <a:rPr lang="en-US" dirty="0" err="1"/>
-              <a:t>hae</a:t>
-            </a:r>
-            <a:r>
-              <a:rPr lang="en-US" dirty="0"/>
-              <a:t> </a:t>
-            </a:r>
-            <a:r>
-              <a:rPr lang="en-US" dirty="0" err="1"/>
-              <a:t>reently</a:t>
-            </a:r>
-            <a:r>
-              <a:rPr lang="en-US" dirty="0"/>
-              <a:t> been used to create pretrained models for a wide range of natural language processing tasks.  BERT is a deeply bidirectional, unsupervised language representation and these models are  pre-trained using only a plain text corpus. BERT uses a masking </a:t>
-            </a:r>
-            <a:r>
-              <a:rPr lang="en-US" dirty="0" err="1"/>
-              <a:t>stategy</a:t>
-            </a:r>
-            <a:r>
-              <a:rPr lang="en-US" dirty="0"/>
-              <a:t> and learns to predict masked sections within the text</a:t>
-            </a:r>
-          </a:p>
-          <a:p>
-            <a:r>
-              <a:rPr lang="en-US" sz="2800" b="1" dirty="0" err="1"/>
-              <a:t>RoBERTa</a:t>
-            </a:r>
-            <a:r>
-              <a:rPr lang="en-US" sz="2800" dirty="0"/>
-              <a:t>(</a:t>
-            </a:r>
-            <a:r>
-              <a:rPr lang="en-US" sz="2600" b="1" dirty="0"/>
-              <a:t>Robustly Optimized BERT Pretraining Approach</a:t>
-            </a:r>
-            <a:r>
-              <a:rPr lang="en-US" b="1" dirty="0"/>
-              <a:t>)</a:t>
-            </a:r>
-            <a:endParaRPr lang="en-US" sz="2800" dirty="0"/>
-          </a:p>
-          <a:p>
-            <a:r>
-              <a:rPr lang="en-US" dirty="0" err="1"/>
-              <a:t>RoBERTa</a:t>
-            </a:r>
-            <a:r>
-              <a:rPr lang="en-US" dirty="0"/>
-              <a:t> builds on BERT’s language masking strategy. It modifies key hyperparameters in BERT, removing BERT’s next-sentence pretraining objective, and training with much larger mini-batches and learning rates. This allows </a:t>
-            </a:r>
-            <a:r>
-              <a:rPr lang="en-US" dirty="0" err="1"/>
-              <a:t>RoBERTa</a:t>
-            </a:r>
-            <a:r>
-              <a:rPr lang="en-US" dirty="0"/>
-              <a:t> to improve on the masked language modeling objective compared with BERT and leads to better downstream task performance. </a:t>
-            </a:r>
-          </a:p>
-        </p:txBody>
-      </p:sp>
+        </p:nvGraphicFramePr>
+        <p:xfrm>
+          <a:off x="965712" y="2011584"/>
+          <a:ext cx="10246360" cy="3952525"/>
+        </p:xfrm>
+        <a:graphic>
+          <a:graphicData uri="http://schemas.openxmlformats.org/drawingml/2006/table">
+            <a:tbl>
+              <a:tblPr firstRow="1" bandRow="1">
+                <a:tableStyleId>{5C22544A-7EE6-4342-B048-85BDC9FD1C3A}</a:tableStyleId>
+              </a:tblPr>
+              <a:tblGrid>
+                <a:gridCol w="2210244">
+                  <a:extLst>
+                    <a:ext uri="{9D8B030D-6E8A-4147-A177-3AD203B41FA5}">
+                      <a16:colId xmlns:a16="http://schemas.microsoft.com/office/drawing/2014/main" xmlns="" val="20000"/>
+                    </a:ext>
+                  </a:extLst>
+                </a:gridCol>
+                <a:gridCol w="1142556">
+                  <a:extLst>
+                    <a:ext uri="{9D8B030D-6E8A-4147-A177-3AD203B41FA5}">
+                      <a16:colId xmlns:a16="http://schemas.microsoft.com/office/drawing/2014/main" xmlns="" val="20001"/>
+                    </a:ext>
+                  </a:extLst>
+                </a:gridCol>
+                <a:gridCol w="1818640">
+                  <a:extLst>
+                    <a:ext uri="{9D8B030D-6E8A-4147-A177-3AD203B41FA5}">
+                      <a16:colId xmlns:a16="http://schemas.microsoft.com/office/drawing/2014/main" xmlns="" val="20002"/>
+                    </a:ext>
+                  </a:extLst>
+                </a:gridCol>
+                <a:gridCol w="5074920">
+                  <a:extLst>
+                    <a:ext uri="{9D8B030D-6E8A-4147-A177-3AD203B41FA5}">
+                      <a16:colId xmlns:a16="http://schemas.microsoft.com/office/drawing/2014/main" xmlns="" val="2436690740"/>
+                    </a:ext>
+                  </a:extLst>
+                </a:gridCol>
+              </a:tblGrid>
+              <a:tr h="569245">
+                <a:tc>
+                  <a:txBody>
+                    <a:bodyPr/>
+                    <a:lstStyle/>
+                    <a:p>
+                      <a:r>
+                        <a:rPr lang="en-US" dirty="0"/>
+                        <a:t>SOTA</a:t>
+                      </a:r>
+                    </a:p>
+                  </a:txBody>
+                  <a:tcPr/>
+                </a:tc>
+                <a:tc>
+                  <a:txBody>
+                    <a:bodyPr/>
+                    <a:lstStyle/>
+                    <a:p>
+                      <a:r>
+                        <a:rPr lang="en-US" dirty="0"/>
+                        <a:t>Type</a:t>
+                      </a:r>
+                    </a:p>
+                  </a:txBody>
+                  <a:tcPr/>
+                </a:tc>
+                <a:tc>
+                  <a:txBody>
+                    <a:bodyPr/>
+                    <a:lstStyle/>
+                    <a:p>
+                      <a:r>
+                        <a:rPr lang="en-US" dirty="0"/>
+                        <a:t>Transformer</a:t>
+                      </a:r>
+                    </a:p>
+                  </a:txBody>
+                  <a:tcPr/>
+                </a:tc>
+                <a:tc>
+                  <a:txBody>
+                    <a:bodyPr/>
+                    <a:lstStyle/>
+                    <a:p>
+                      <a:r>
+                        <a:rPr lang="en-US" dirty="0"/>
+                        <a:t>Steps</a:t>
+                      </a:r>
+                    </a:p>
+                  </a:txBody>
+                  <a:tcPr/>
+                </a:tc>
+                <a:extLst>
+                  <a:ext uri="{0D108BD9-81ED-4DB2-BD59-A6C34878D82A}">
+                    <a16:rowId xmlns:a16="http://schemas.microsoft.com/office/drawing/2014/main" xmlns="" val="10000"/>
+                  </a:ext>
+                </a:extLst>
+              </a:tr>
+              <a:tr h="752799">
+                <a:tc rowSpan="3">
+                  <a:txBody>
+                    <a:bodyPr/>
+                    <a:lstStyle/>
+                    <a:p>
+                      <a:r>
+                        <a:rPr lang="en-US" sz="1200" dirty="0" err="1"/>
+                        <a:t>PreSumm</a:t>
+                      </a:r>
+                      <a:endParaRPr lang="en-US" sz="1200" dirty="0"/>
+                    </a:p>
+                  </a:txBody>
+                  <a:tcPr anchor="ctr"/>
+                </a:tc>
+                <a:tc>
+                  <a:txBody>
+                    <a:bodyPr/>
+                    <a:lstStyle/>
+                    <a:p>
+                      <a:r>
+                        <a:rPr lang="en-US" sz="1200" dirty="0"/>
+                        <a:t>Extractive</a:t>
+                      </a:r>
+                    </a:p>
+                  </a:txBody>
+                  <a:tcPr/>
+                </a:tc>
+                <a:tc>
+                  <a:txBody>
+                    <a:bodyPr/>
+                    <a:lstStyle/>
+                    <a:p>
+                      <a:r>
+                        <a:rPr lang="en-US" sz="1200" dirty="0"/>
+                        <a:t>BERT</a:t>
+                      </a:r>
+                    </a:p>
+                  </a:txBody>
+                  <a:tcPr/>
+                </a:tc>
+                <a:tc>
+                  <a:txBody>
+                    <a:bodyPr/>
+                    <a:lstStyle/>
+                    <a:p>
+                      <a:pPr marL="228600" indent="-228600">
+                        <a:buAutoNum type="arabicParenR"/>
+                      </a:pPr>
+                      <a:r>
+                        <a:rPr lang="en-US" sz="1200" dirty="0"/>
+                        <a:t>Use the pretrained model with our dataset and get the ROUGE metrics</a:t>
+                      </a:r>
+                    </a:p>
+                    <a:p>
+                      <a:pPr marL="228600" indent="-228600">
+                        <a:buAutoNum type="arabicParenR"/>
+                      </a:pPr>
+                      <a:r>
+                        <a:rPr lang="en-US" sz="1200" dirty="0"/>
+                        <a:t>Train the model with our dataset </a:t>
+                      </a:r>
+                    </a:p>
+                    <a:p>
+                      <a:pPr marL="228600" indent="-228600">
+                        <a:buAutoNum type="arabicParenR"/>
+                      </a:pPr>
+                      <a:r>
+                        <a:rPr lang="en-US" sz="1200" dirty="0"/>
+                        <a:t>Use the trained model to get the ROUGE metrics</a:t>
+                      </a:r>
+                    </a:p>
+                    <a:p>
+                      <a:pPr marL="228600" indent="-228600">
+                        <a:buAutoNum type="arabicParenR"/>
+                      </a:pPr>
+                      <a:r>
+                        <a:rPr lang="en-US" sz="1200" dirty="0"/>
+                        <a:t>Compare the two outputs</a:t>
+                      </a:r>
+                    </a:p>
+                  </a:txBody>
+                  <a:tcPr/>
+                </a:tc>
+                <a:extLst>
+                  <a:ext uri="{0D108BD9-81ED-4DB2-BD59-A6C34878D82A}">
+                    <a16:rowId xmlns:a16="http://schemas.microsoft.com/office/drawing/2014/main" xmlns="" val="10001"/>
+                  </a:ext>
+                </a:extLst>
+              </a:tr>
+              <a:tr h="752799">
+                <a:tc vMerge="1">
+                  <a:txBody>
+                    <a:bodyPr/>
+                    <a:lstStyle/>
+                    <a:p>
+                      <a:endParaRPr lang="en-US" dirty="0"/>
+                    </a:p>
+                  </a:txBody>
+                  <a:tcPr/>
+                </a:tc>
+                <a:tc rowSpan="2">
+                  <a:txBody>
+                    <a:bodyPr/>
+                    <a:lstStyle/>
+                    <a:p>
+                      <a:r>
+                        <a:rPr lang="en-US" sz="1200" dirty="0"/>
+                        <a:t>Abstractive</a:t>
+                      </a:r>
+                    </a:p>
+                  </a:txBody>
+                  <a:tcPr anchor="ctr"/>
+                </a:tc>
+                <a:tc>
+                  <a:txBody>
+                    <a:bodyPr/>
+                    <a:lstStyle/>
+                    <a:p>
+                      <a:r>
+                        <a:rPr lang="en-US" sz="1200" dirty="0"/>
+                        <a:t>Baseline Transformer</a:t>
+                      </a:r>
+                    </a:p>
+                  </a:txBody>
+                  <a:tcPr/>
+                </a:tc>
+                <a:tc>
+                  <a:txBody>
+                    <a:bodyPr/>
+                    <a:lstStyle/>
+                    <a:p>
+                      <a:pPr marL="228600" indent="-228600">
+                        <a:buAutoNum type="arabicParenR"/>
+                      </a:pPr>
+                      <a:r>
+                        <a:rPr lang="en-US" sz="1200" dirty="0"/>
+                        <a:t>Use the pretrained model with our dataset and get the ROUGE metrics</a:t>
+                      </a:r>
+                    </a:p>
+                    <a:p>
+                      <a:pPr marL="228600" indent="-228600">
+                        <a:buAutoNum type="arabicParenR"/>
+                      </a:pPr>
+                      <a:r>
+                        <a:rPr lang="en-US" sz="1200" dirty="0"/>
+                        <a:t>Train the model with our dataset </a:t>
+                      </a:r>
+                    </a:p>
+                    <a:p>
+                      <a:pPr marL="228600" indent="-228600">
+                        <a:buAutoNum type="arabicParenR"/>
+                      </a:pPr>
+                      <a:r>
+                        <a:rPr lang="en-US" sz="1200" dirty="0"/>
+                        <a:t>Use the trained model to get the ROUGE metrics</a:t>
+                      </a:r>
+                    </a:p>
+                    <a:p>
+                      <a:pPr marL="228600" indent="-228600">
+                        <a:buAutoNum type="arabicParenR"/>
+                      </a:pPr>
+                      <a:r>
+                        <a:rPr lang="en-US" sz="1200" dirty="0"/>
+                        <a:t>Compare the two outputs</a:t>
+                      </a:r>
+                    </a:p>
+                  </a:txBody>
+                  <a:tcPr/>
+                </a:tc>
+                <a:extLst>
+                  <a:ext uri="{0D108BD9-81ED-4DB2-BD59-A6C34878D82A}">
+                    <a16:rowId xmlns:a16="http://schemas.microsoft.com/office/drawing/2014/main" xmlns="" val="10002"/>
+                  </a:ext>
+                </a:extLst>
+              </a:tr>
+              <a:tr h="752799">
+                <a:tc vMerge="1">
+                  <a:txBody>
+                    <a:bodyPr/>
+                    <a:lstStyle/>
+                    <a:p>
+                      <a:endParaRPr lang="en-US" dirty="0"/>
+                    </a:p>
+                  </a:txBody>
+                  <a:tcPr/>
+                </a:tc>
+                <a:tc vMerge="1">
+                  <a:txBody>
+                    <a:bodyPr/>
+                    <a:lstStyle/>
+                    <a:p>
+                      <a:endParaRPr lang="en-US" dirty="0"/>
+                    </a:p>
+                  </a:txBody>
+                  <a:tcPr/>
+                </a:tc>
+                <a:tc>
+                  <a:txBody>
+                    <a:bodyPr/>
+                    <a:lstStyle/>
+                    <a:p>
+                      <a:r>
+                        <a:rPr lang="en-US" sz="1200" dirty="0"/>
+                        <a:t>BERT</a:t>
+                      </a:r>
+                    </a:p>
+                  </a:txBody>
+                  <a:tcPr/>
+                </a:tc>
+                <a:tc>
+                  <a:txBody>
+                    <a:bodyPr/>
+                    <a:lstStyle/>
+                    <a:p>
+                      <a:pPr marL="228600" indent="-228600">
+                        <a:buAutoNum type="arabicParenR"/>
+                      </a:pPr>
+                      <a:r>
+                        <a:rPr lang="en-US" sz="1200" dirty="0"/>
+                        <a:t>Use the pretrained model with our dataset and get the ROUGE metrics</a:t>
+                      </a:r>
+                    </a:p>
+                    <a:p>
+                      <a:pPr marL="228600" indent="-228600">
+                        <a:buAutoNum type="arabicParenR"/>
+                      </a:pPr>
+                      <a:r>
+                        <a:rPr lang="en-US" sz="1200" dirty="0"/>
+                        <a:t>Train the model with our dataset </a:t>
+                      </a:r>
+                    </a:p>
+                    <a:p>
+                      <a:pPr marL="228600" indent="-228600">
+                        <a:buAutoNum type="arabicParenR"/>
+                      </a:pPr>
+                      <a:r>
+                        <a:rPr lang="en-US" sz="1200" dirty="0"/>
+                        <a:t>Use the trained model to get the ROUGE metrics</a:t>
+                      </a:r>
+                    </a:p>
+                    <a:p>
+                      <a:pPr marL="228600" indent="-228600">
+                        <a:buAutoNum type="arabicParenR"/>
+                      </a:pPr>
+                      <a:r>
+                        <a:rPr lang="en-US" sz="1200" dirty="0"/>
+                        <a:t>Compare the two outputs</a:t>
+                      </a:r>
+                    </a:p>
+                  </a:txBody>
+                  <a:tcPr/>
+                </a:tc>
+                <a:extLst>
+                  <a:ext uri="{0D108BD9-81ED-4DB2-BD59-A6C34878D82A}">
+                    <a16:rowId xmlns:a16="http://schemas.microsoft.com/office/drawing/2014/main" xmlns="" val="10003"/>
+                  </a:ext>
+                </a:extLst>
+              </a:tr>
+              <a:tr h="423832">
+                <a:tc rowSpan="2">
+                  <a:txBody>
+                    <a:bodyPr/>
+                    <a:lstStyle/>
+                    <a:p>
+                      <a:r>
+                        <a:rPr lang="en-US" sz="1200" dirty="0" err="1"/>
+                        <a:t>MatchSum</a:t>
+                      </a:r>
+                      <a:endParaRPr lang="en-US" sz="1200" dirty="0"/>
+                    </a:p>
+                  </a:txBody>
+                  <a:tcPr anchor="ctr"/>
+                </a:tc>
+                <a:tc rowSpan="2">
+                  <a:txBody>
+                    <a:bodyPr/>
+                    <a:lstStyle/>
+                    <a:p>
+                      <a:r>
+                        <a:rPr lang="en-US" sz="1200" dirty="0"/>
+                        <a:t>Extractive</a:t>
+                      </a:r>
+                    </a:p>
+                  </a:txBody>
+                  <a:tcPr anchor="ctr"/>
+                </a:tc>
+                <a:tc>
+                  <a:txBody>
+                    <a:bodyPr/>
+                    <a:lstStyle/>
+                    <a:p>
+                      <a:r>
+                        <a:rPr lang="en-US" sz="1200" dirty="0"/>
+                        <a:t>BERT</a:t>
+                      </a:r>
+                    </a:p>
+                  </a:txBody>
+                  <a:tcPr/>
+                </a:tc>
+                <a:tc>
+                  <a:txBody>
+                    <a:bodyPr/>
+                    <a:lstStyle/>
+                    <a:p>
+                      <a:pPr marL="228600" indent="-228600">
+                        <a:buAutoNum type="arabicParenR"/>
+                      </a:pPr>
+                      <a:r>
+                        <a:rPr lang="en-US" sz="1200" dirty="0"/>
+                        <a:t>Train the model with our dataset </a:t>
+                      </a:r>
+                    </a:p>
+                    <a:p>
+                      <a:pPr marL="228600" indent="-228600">
+                        <a:buAutoNum type="arabicParenR"/>
+                      </a:pPr>
+                      <a:r>
+                        <a:rPr lang="en-US" sz="1200" dirty="0"/>
+                        <a:t>Use the trained model to get the ROUGE metrics</a:t>
+                      </a:r>
+                    </a:p>
+                  </a:txBody>
+                  <a:tcPr/>
+                </a:tc>
+                <a:extLst>
+                  <a:ext uri="{0D108BD9-81ED-4DB2-BD59-A6C34878D82A}">
+                    <a16:rowId xmlns:a16="http://schemas.microsoft.com/office/drawing/2014/main" xmlns="" val="10004"/>
+                  </a:ext>
+                </a:extLst>
+              </a:tr>
+              <a:tr h="383954">
+                <a:tc vMerge="1">
+                  <a:txBody>
+                    <a:bodyPr/>
+                    <a:lstStyle/>
+                    <a:p>
+                      <a:endParaRPr lang="en-US" dirty="0"/>
+                    </a:p>
+                  </a:txBody>
+                  <a:tcPr/>
+                </a:tc>
+                <a:tc vMerge="1">
+                  <a:txBody>
+                    <a:bodyPr/>
+                    <a:lstStyle/>
+                    <a:p>
+                      <a:endParaRPr lang="en-US" dirty="0"/>
+                    </a:p>
+                  </a:txBody>
+                  <a:tcPr/>
+                </a:tc>
+                <a:tc>
+                  <a:txBody>
+                    <a:bodyPr/>
+                    <a:lstStyle/>
+                    <a:p>
+                      <a:r>
+                        <a:rPr lang="en-US" sz="1200" dirty="0" err="1"/>
+                        <a:t>RoBERTa</a:t>
+                      </a:r>
+                      <a:endParaRPr lang="en-US" sz="1200" dirty="0"/>
+                    </a:p>
+                  </a:txBody>
+                  <a:tcPr/>
+                </a:tc>
+                <a:tc>
+                  <a:txBody>
+                    <a:bodyPr/>
+                    <a:lstStyle/>
+                    <a:p>
+                      <a:pPr marL="228600" indent="-228600">
+                        <a:buAutoNum type="arabicParenR"/>
+                      </a:pPr>
+                      <a:r>
+                        <a:rPr lang="en-US" sz="1200" dirty="0"/>
+                        <a:t>Train the model with our dataset </a:t>
+                      </a:r>
+                    </a:p>
+                    <a:p>
+                      <a:pPr marL="228600" indent="-228600">
+                        <a:buAutoNum type="arabicParenR"/>
+                      </a:pPr>
+                      <a:r>
+                        <a:rPr lang="en-US" sz="1200" dirty="0"/>
+                        <a:t>Use the trained model to get the ROUGE </a:t>
+                      </a:r>
+                      <a:r>
+                        <a:rPr lang="en-US" sz="1200" dirty="0" smtClean="0"/>
+                        <a:t>metrics</a:t>
+                      </a:r>
+                      <a:endParaRPr lang="en-US" sz="1200" dirty="0"/>
+                    </a:p>
+                  </a:txBody>
+                  <a:tcPr/>
+                </a:tc>
+                <a:extLst>
+                  <a:ext uri="{0D108BD9-81ED-4DB2-BD59-A6C34878D82A}">
+                    <a16:rowId xmlns:a16="http://schemas.microsoft.com/office/drawing/2014/main" xmlns="" val="10005"/>
+                  </a:ext>
+                </a:extLst>
+              </a:tr>
+            </a:tbl>
+          </a:graphicData>
+        </a:graphic>
+      </p:graphicFrame>
     </p:spTree>
     <p:extLst>
       <p:ext uri="{BB962C8B-B14F-4D97-AF65-F5344CB8AC3E}">
-        <p14:creationId xmlns:p14="http://schemas.microsoft.com/office/powerpoint/2010/main" val="360813130"/>
+        <p14:creationId xmlns:p14="http://schemas.microsoft.com/office/powerpoint/2010/main" val="2558821770"/>
       </p:ext>
     </p:extLst>
   </p:cSld>

--- a/Group 45 Data Science for Case Law.pptx
+++ b/Group 45 Data Science for Case Law.pptx
@@ -14,15 +14,16 @@
     <p:sldId id="262" r:id="rId8"/>
     <p:sldId id="263" r:id="rId9"/>
     <p:sldId id="274" r:id="rId10"/>
-    <p:sldId id="279" r:id="rId11"/>
-    <p:sldId id="276" r:id="rId12"/>
-    <p:sldId id="277" r:id="rId13"/>
-    <p:sldId id="282" r:id="rId14"/>
-    <p:sldId id="278" r:id="rId15"/>
-    <p:sldId id="272" r:id="rId16"/>
-    <p:sldId id="275" r:id="rId17"/>
-    <p:sldId id="281" r:id="rId18"/>
-    <p:sldId id="265" r:id="rId19"/>
+    <p:sldId id="281" r:id="rId11"/>
+    <p:sldId id="283" r:id="rId12"/>
+    <p:sldId id="279" r:id="rId13"/>
+    <p:sldId id="276" r:id="rId14"/>
+    <p:sldId id="277" r:id="rId15"/>
+    <p:sldId id="282" r:id="rId16"/>
+    <p:sldId id="278" r:id="rId17"/>
+    <p:sldId id="272" r:id="rId18"/>
+    <p:sldId id="275" r:id="rId19"/>
+    <p:sldId id="265" r:id="rId20"/>
   </p:sldIdLst>
   <p:sldSz cx="12192000" cy="6858000"/>
   <p:notesSz cx="6858000" cy="9144000"/>
@@ -123,7 +124,7 @@
   </p:defaultTextStyle>
   <p:extLst>
     <p:ext uri="{EFAFB233-063F-42B5-8137-9DF3F51BA10A}">
-      <p15:sldGuideLst xmlns:p15="http://schemas.microsoft.com/office/powerpoint/2012/main" xmlns="">
+      <p15:sldGuideLst xmlns:p15="http://schemas.microsoft.com/office/powerpoint/2012/main">
         <p15:guide id="1" orient="horz" pos="2160">
           <p15:clr>
             <a:srgbClr val="A4A3A4"/>
@@ -162,7 +163,7 @@
           <p:cNvPr id="10" name="Rectangle 9">
             <a:extLst>
               <a:ext uri="{FF2B5EF4-FFF2-40B4-BE49-F238E27FC236}">
-                <a16:creationId xmlns:a16="http://schemas.microsoft.com/office/drawing/2014/main" xmlns="" id="{39E3965E-AC41-4711-9D10-E25ABB132D86}"/>
+                <a16:creationId xmlns:a16="http://schemas.microsoft.com/office/drawing/2014/main" id="{39E3965E-AC41-4711-9D10-E25ABB132D86}"/>
               </a:ext>
             </a:extLst>
           </p:cNvPr>
@@ -322,7 +323,7 @@
           <p:cNvPr id="9" name="Straight Connector 8">
             <a:extLst>
               <a:ext uri="{FF2B5EF4-FFF2-40B4-BE49-F238E27FC236}">
-                <a16:creationId xmlns:a16="http://schemas.microsoft.com/office/drawing/2014/main" xmlns="" id="{1F5DC8C3-BA5F-4EED-BB9A-A14272BD82A1}"/>
+                <a16:creationId xmlns:a16="http://schemas.microsoft.com/office/drawing/2014/main" id="{1F5DC8C3-BA5F-4EED-BB9A-A14272BD82A1}"/>
               </a:ext>
             </a:extLst>
           </p:cNvPr>
@@ -366,7 +367,7 @@
           <p:cNvPr id="4" name="Date Placeholder 3">
             <a:extLst>
               <a:ext uri="{FF2B5EF4-FFF2-40B4-BE49-F238E27FC236}">
-                <a16:creationId xmlns:a16="http://schemas.microsoft.com/office/drawing/2014/main" xmlns="" id="{9925CCF1-92C0-4AF3-BFAF-4921631915AB}"/>
+                <a16:creationId xmlns:a16="http://schemas.microsoft.com/office/drawing/2014/main" id="{9925CCF1-92C0-4AF3-BFAF-4921631915AB}"/>
               </a:ext>
             </a:extLst>
           </p:cNvPr>
@@ -384,7 +385,7 @@
           <a:p>
             <a:fld id="{9184DA70-C731-4C70-880D-CCD4705E623C}" type="datetime1">
               <a:rPr lang="en-US" smtClean="0"/>
-              <a:t>5/10/20</a:t>
+              <a:t>5/10/2020</a:t>
             </a:fld>
             <a:endParaRPr lang="en-US" dirty="0"/>
           </a:p>
@@ -395,7 +396,7 @@
           <p:cNvPr id="5" name="Footer Placeholder 4">
             <a:extLst>
               <a:ext uri="{FF2B5EF4-FFF2-40B4-BE49-F238E27FC236}">
-                <a16:creationId xmlns:a16="http://schemas.microsoft.com/office/drawing/2014/main" xmlns="" id="{051A78A9-3DFF-4937-A9F2-5D8CF495F367}"/>
+                <a16:creationId xmlns:a16="http://schemas.microsoft.com/office/drawing/2014/main" id="{051A78A9-3DFF-4937-A9F2-5D8CF495F367}"/>
               </a:ext>
             </a:extLst>
           </p:cNvPr>
@@ -420,7 +421,7 @@
           <p:cNvPr id="6" name="Slide Number Placeholder 5">
             <a:extLst>
               <a:ext uri="{FF2B5EF4-FFF2-40B4-BE49-F238E27FC236}">
-                <a16:creationId xmlns:a16="http://schemas.microsoft.com/office/drawing/2014/main" xmlns="" id="{5FAEB271-5CC0-4759-BC6E-8BE53AB227C0}"/>
+                <a16:creationId xmlns:a16="http://schemas.microsoft.com/office/drawing/2014/main" id="{5FAEB271-5CC0-4759-BC6E-8BE53AB227C0}"/>
               </a:ext>
             </a:extLst>
           </p:cNvPr>
@@ -554,7 +555,7 @@
           <p:cNvPr id="7" name="Date Placeholder 6">
             <a:extLst>
               <a:ext uri="{FF2B5EF4-FFF2-40B4-BE49-F238E27FC236}">
-                <a16:creationId xmlns:a16="http://schemas.microsoft.com/office/drawing/2014/main" xmlns="" id="{7D5506EE-1026-4F35-9ACC-BD05BE0F9B36}"/>
+                <a16:creationId xmlns:a16="http://schemas.microsoft.com/office/drawing/2014/main" id="{7D5506EE-1026-4F35-9ACC-BD05BE0F9B36}"/>
               </a:ext>
             </a:extLst>
           </p:cNvPr>
@@ -572,7 +573,7 @@
           <a:p>
             <a:fld id="{B612A279-0833-481D-8C56-F67FD0AC6C50}" type="datetime1">
               <a:rPr lang="en-US" smtClean="0"/>
-              <a:t>5/10/20</a:t>
+              <a:t>5/10/2020</a:t>
             </a:fld>
             <a:endParaRPr lang="en-US" dirty="0"/>
           </a:p>
@@ -583,7 +584,7 @@
           <p:cNvPr id="8" name="Footer Placeholder 7">
             <a:extLst>
               <a:ext uri="{FF2B5EF4-FFF2-40B4-BE49-F238E27FC236}">
-                <a16:creationId xmlns:a16="http://schemas.microsoft.com/office/drawing/2014/main" xmlns="" id="{B7696E5F-8D95-4450-AE52-5438E6EDE2BF}"/>
+                <a16:creationId xmlns:a16="http://schemas.microsoft.com/office/drawing/2014/main" id="{B7696E5F-8D95-4450-AE52-5438E6EDE2BF}"/>
               </a:ext>
             </a:extLst>
           </p:cNvPr>
@@ -608,7 +609,7 @@
           <p:cNvPr id="9" name="Slide Number Placeholder 8">
             <a:extLst>
               <a:ext uri="{FF2B5EF4-FFF2-40B4-BE49-F238E27FC236}">
-                <a16:creationId xmlns:a16="http://schemas.microsoft.com/office/drawing/2014/main" xmlns="" id="{999B2253-74CC-409E-BEB0-F8EFCFCB5629}"/>
+                <a16:creationId xmlns:a16="http://schemas.microsoft.com/office/drawing/2014/main" id="{999B2253-74CC-409E-BEB0-F8EFCFCB5629}"/>
               </a:ext>
             </a:extLst>
           </p:cNvPr>
@@ -667,7 +668,7 @@
           <p:cNvPr id="9" name="Rectangle 8">
             <a:extLst>
               <a:ext uri="{FF2B5EF4-FFF2-40B4-BE49-F238E27FC236}">
-                <a16:creationId xmlns:a16="http://schemas.microsoft.com/office/drawing/2014/main" xmlns="" id="{E1B68A5B-D9FA-424B-A4EB-30E7223836B3}"/>
+                <a16:creationId xmlns:a16="http://schemas.microsoft.com/office/drawing/2014/main" id="{E1B68A5B-D9FA-424B-A4EB-30E7223836B3}"/>
               </a:ext>
             </a:extLst>
           </p:cNvPr>
@@ -796,7 +797,7 @@
           <p:cNvPr id="7" name="Date Placeholder 6">
             <a:extLst>
               <a:ext uri="{FF2B5EF4-FFF2-40B4-BE49-F238E27FC236}">
-                <a16:creationId xmlns:a16="http://schemas.microsoft.com/office/drawing/2014/main" xmlns="" id="{AF33D6B0-F070-45C4-A472-19F432BE3932}"/>
+                <a16:creationId xmlns:a16="http://schemas.microsoft.com/office/drawing/2014/main" id="{AF33D6B0-F070-45C4-A472-19F432BE3932}"/>
               </a:ext>
             </a:extLst>
           </p:cNvPr>
@@ -814,7 +815,7 @@
           <a:p>
             <a:fld id="{6587DA83-5663-4C9C-B9AA-0B40A3DAFF81}" type="datetime1">
               <a:rPr lang="en-US" smtClean="0"/>
-              <a:t>5/10/20</a:t>
+              <a:t>5/10/2020</a:t>
             </a:fld>
             <a:endParaRPr lang="en-US" dirty="0"/>
           </a:p>
@@ -825,7 +826,7 @@
           <p:cNvPr id="8" name="Footer Placeholder 7">
             <a:extLst>
               <a:ext uri="{FF2B5EF4-FFF2-40B4-BE49-F238E27FC236}">
-                <a16:creationId xmlns:a16="http://schemas.microsoft.com/office/drawing/2014/main" xmlns="" id="{9975399F-DAB2-410D-967F-ED17E6F796E7}"/>
+                <a16:creationId xmlns:a16="http://schemas.microsoft.com/office/drawing/2014/main" id="{9975399F-DAB2-410D-967F-ED17E6F796E7}"/>
               </a:ext>
             </a:extLst>
           </p:cNvPr>
@@ -850,7 +851,7 @@
           <p:cNvPr id="10" name="Slide Number Placeholder 9">
             <a:extLst>
               <a:ext uri="{FF2B5EF4-FFF2-40B4-BE49-F238E27FC236}">
-                <a16:creationId xmlns:a16="http://schemas.microsoft.com/office/drawing/2014/main" xmlns="" id="{F762A46F-6BE5-4D12-9412-5CA7672EA8EC}"/>
+                <a16:creationId xmlns:a16="http://schemas.microsoft.com/office/drawing/2014/main" id="{F762A46F-6BE5-4D12-9412-5CA7672EA8EC}"/>
               </a:ext>
             </a:extLst>
           </p:cNvPr>
@@ -984,7 +985,7 @@
           <p:cNvPr id="7" name="Date Placeholder 6">
             <a:extLst>
               <a:ext uri="{FF2B5EF4-FFF2-40B4-BE49-F238E27FC236}">
-                <a16:creationId xmlns:a16="http://schemas.microsoft.com/office/drawing/2014/main" xmlns="" id="{354D8B55-9EA8-4B81-8E84-9B93B0A27559}"/>
+                <a16:creationId xmlns:a16="http://schemas.microsoft.com/office/drawing/2014/main" id="{354D8B55-9EA8-4B81-8E84-9B93B0A27559}"/>
               </a:ext>
             </a:extLst>
           </p:cNvPr>
@@ -1002,7 +1003,7 @@
           <a:p>
             <a:fld id="{4BE1D723-8F53-4F53-90B0-1982A396982E}" type="datetime1">
               <a:rPr lang="en-US" smtClean="0"/>
-              <a:t>5/10/20</a:t>
+              <a:t>5/10/2020</a:t>
             </a:fld>
             <a:endParaRPr lang="en-US" dirty="0"/>
           </a:p>
@@ -1013,7 +1014,7 @@
           <p:cNvPr id="8" name="Footer Placeholder 7">
             <a:extLst>
               <a:ext uri="{FF2B5EF4-FFF2-40B4-BE49-F238E27FC236}">
-                <a16:creationId xmlns:a16="http://schemas.microsoft.com/office/drawing/2014/main" xmlns="" id="{062CA021-2578-47CB-822C-BDDFF7223B28}"/>
+                <a16:creationId xmlns:a16="http://schemas.microsoft.com/office/drawing/2014/main" id="{062CA021-2578-47CB-822C-BDDFF7223B28}"/>
               </a:ext>
             </a:extLst>
           </p:cNvPr>
@@ -1038,7 +1039,7 @@
           <p:cNvPr id="9" name="Slide Number Placeholder 8">
             <a:extLst>
               <a:ext uri="{FF2B5EF4-FFF2-40B4-BE49-F238E27FC236}">
-                <a16:creationId xmlns:a16="http://schemas.microsoft.com/office/drawing/2014/main" xmlns="" id="{C4AAB51D-4141-4682-9375-DAFD5FB9DD10}"/>
+                <a16:creationId xmlns:a16="http://schemas.microsoft.com/office/drawing/2014/main" id="{C4AAB51D-4141-4682-9375-DAFD5FB9DD10}"/>
               </a:ext>
             </a:extLst>
           </p:cNvPr>
@@ -1105,7 +1106,7 @@
           <p:cNvPr id="10" name="Rectangle 9">
             <a:extLst>
               <a:ext uri="{FF2B5EF4-FFF2-40B4-BE49-F238E27FC236}">
-                <a16:creationId xmlns:a16="http://schemas.microsoft.com/office/drawing/2014/main" xmlns="" id="{A585C21A-8B93-4657-B5DF-7EAEAD3BE127}"/>
+                <a16:creationId xmlns:a16="http://schemas.microsoft.com/office/drawing/2014/main" id="{A585C21A-8B93-4657-B5DF-7EAEAD3BE127}"/>
               </a:ext>
             </a:extLst>
           </p:cNvPr>
@@ -1313,7 +1314,7 @@
           <p:cNvPr id="9" name="Straight Connector 8">
             <a:extLst>
               <a:ext uri="{FF2B5EF4-FFF2-40B4-BE49-F238E27FC236}">
-                <a16:creationId xmlns:a16="http://schemas.microsoft.com/office/drawing/2014/main" xmlns="" id="{459DE2C1-4C52-40A3-8959-27B2C1BEBFF6}"/>
+                <a16:creationId xmlns:a16="http://schemas.microsoft.com/office/drawing/2014/main" id="{459DE2C1-4C52-40A3-8959-27B2C1BEBFF6}"/>
               </a:ext>
             </a:extLst>
           </p:cNvPr>
@@ -1357,7 +1358,7 @@
           <p:cNvPr id="7" name="Date Placeholder 6">
             <a:extLst>
               <a:ext uri="{FF2B5EF4-FFF2-40B4-BE49-F238E27FC236}">
-                <a16:creationId xmlns:a16="http://schemas.microsoft.com/office/drawing/2014/main" xmlns="" id="{AAF2E137-EC28-48F8-9198-1F02539029B6}"/>
+                <a16:creationId xmlns:a16="http://schemas.microsoft.com/office/drawing/2014/main" id="{AAF2E137-EC28-48F8-9198-1F02539029B6}"/>
               </a:ext>
             </a:extLst>
           </p:cNvPr>
@@ -1375,7 +1376,7 @@
           <a:p>
             <a:fld id="{97669AF7-7BEB-44E4-9852-375E34362B5B}" type="datetime1">
               <a:rPr lang="en-US" smtClean="0"/>
-              <a:t>5/10/20</a:t>
+              <a:t>5/10/2020</a:t>
             </a:fld>
             <a:endParaRPr lang="en-US" dirty="0"/>
           </a:p>
@@ -1386,7 +1387,7 @@
           <p:cNvPr id="8" name="Footer Placeholder 7">
             <a:extLst>
               <a:ext uri="{FF2B5EF4-FFF2-40B4-BE49-F238E27FC236}">
-                <a16:creationId xmlns:a16="http://schemas.microsoft.com/office/drawing/2014/main" xmlns="" id="{189422CD-6F62-4DD6-89EF-07A60B42D219}"/>
+                <a16:creationId xmlns:a16="http://schemas.microsoft.com/office/drawing/2014/main" id="{189422CD-6F62-4DD6-89EF-07A60B42D219}"/>
               </a:ext>
             </a:extLst>
           </p:cNvPr>
@@ -1411,7 +1412,7 @@
           <p:cNvPr id="11" name="Slide Number Placeholder 10">
             <a:extLst>
               <a:ext uri="{FF2B5EF4-FFF2-40B4-BE49-F238E27FC236}">
-                <a16:creationId xmlns:a16="http://schemas.microsoft.com/office/drawing/2014/main" xmlns="" id="{69C6AFF8-42B4-4D05-969B-9F5FB3355555}"/>
+                <a16:creationId xmlns:a16="http://schemas.microsoft.com/office/drawing/2014/main" id="{69C6AFF8-42B4-4D05-969B-9F5FB3355555}"/>
               </a:ext>
             </a:extLst>
           </p:cNvPr>
@@ -1612,7 +1613,7 @@
           <p:cNvPr id="2" name="Date Placeholder 1">
             <a:extLst>
               <a:ext uri="{FF2B5EF4-FFF2-40B4-BE49-F238E27FC236}">
-                <a16:creationId xmlns:a16="http://schemas.microsoft.com/office/drawing/2014/main" xmlns="" id="{5782D47D-B0DC-4C40-BCC6-BBBA32584A38}"/>
+                <a16:creationId xmlns:a16="http://schemas.microsoft.com/office/drawing/2014/main" id="{5782D47D-B0DC-4C40-BCC6-BBBA32584A38}"/>
               </a:ext>
             </a:extLst>
           </p:cNvPr>
@@ -1630,7 +1631,7 @@
           <a:p>
             <a:fld id="{BAAAC38D-0552-4C82-B593-E6124DFADBE2}" type="datetime1">
               <a:rPr lang="en-US" smtClean="0"/>
-              <a:t>5/10/20</a:t>
+              <a:t>5/10/2020</a:t>
             </a:fld>
             <a:endParaRPr lang="en-US" dirty="0"/>
           </a:p>
@@ -1641,7 +1642,7 @@
           <p:cNvPr id="9" name="Footer Placeholder 8">
             <a:extLst>
               <a:ext uri="{FF2B5EF4-FFF2-40B4-BE49-F238E27FC236}">
-                <a16:creationId xmlns:a16="http://schemas.microsoft.com/office/drawing/2014/main" xmlns="" id="{4690D34E-7EBD-44B2-83CA-4C126A18D7EF}"/>
+                <a16:creationId xmlns:a16="http://schemas.microsoft.com/office/drawing/2014/main" id="{4690D34E-7EBD-44B2-83CA-4C126A18D7EF}"/>
               </a:ext>
             </a:extLst>
           </p:cNvPr>
@@ -1666,7 +1667,7 @@
           <p:cNvPr id="10" name="Slide Number Placeholder 9">
             <a:extLst>
               <a:ext uri="{FF2B5EF4-FFF2-40B4-BE49-F238E27FC236}">
-                <a16:creationId xmlns:a16="http://schemas.microsoft.com/office/drawing/2014/main" xmlns="" id="{2AC511A1-9BBD-42DE-92FB-2AF44F8E97A9}"/>
+                <a16:creationId xmlns:a16="http://schemas.microsoft.com/office/drawing/2014/main" id="{2AC511A1-9BBD-42DE-92FB-2AF44F8E97A9}"/>
               </a:ext>
             </a:extLst>
           </p:cNvPr>
@@ -2009,7 +2010,7 @@
           <p:cNvPr id="2" name="Date Placeholder 1">
             <a:extLst>
               <a:ext uri="{FF2B5EF4-FFF2-40B4-BE49-F238E27FC236}">
-                <a16:creationId xmlns:a16="http://schemas.microsoft.com/office/drawing/2014/main" xmlns="" id="{8AF8A515-AA94-45D1-9223-5C2272618D85}"/>
+                <a16:creationId xmlns:a16="http://schemas.microsoft.com/office/drawing/2014/main" id="{8AF8A515-AA94-45D1-9223-5C2272618D85}"/>
               </a:ext>
             </a:extLst>
           </p:cNvPr>
@@ -2027,7 +2028,7 @@
           <a:p>
             <a:fld id="{D9DF0F1C-5577-4ACB-BB62-DF8F3C494C7E}" type="datetime1">
               <a:rPr lang="en-US" smtClean="0"/>
-              <a:t>5/10/20</a:t>
+              <a:t>5/10/2020</a:t>
             </a:fld>
             <a:endParaRPr lang="en-US" dirty="0"/>
           </a:p>
@@ -2038,7 +2039,7 @@
           <p:cNvPr id="11" name="Footer Placeholder 10">
             <a:extLst>
               <a:ext uri="{FF2B5EF4-FFF2-40B4-BE49-F238E27FC236}">
-                <a16:creationId xmlns:a16="http://schemas.microsoft.com/office/drawing/2014/main" xmlns="" id="{D052F5BC-98E0-4D60-AD67-9547738B7DD4}"/>
+                <a16:creationId xmlns:a16="http://schemas.microsoft.com/office/drawing/2014/main" id="{D052F5BC-98E0-4D60-AD67-9547738B7DD4}"/>
               </a:ext>
             </a:extLst>
           </p:cNvPr>
@@ -2063,7 +2064,7 @@
           <p:cNvPr id="12" name="Slide Number Placeholder 11">
             <a:extLst>
               <a:ext uri="{FF2B5EF4-FFF2-40B4-BE49-F238E27FC236}">
-                <a16:creationId xmlns:a16="http://schemas.microsoft.com/office/drawing/2014/main" xmlns="" id="{A38552DC-952E-41EA-AAAF-C2187523C0B0}"/>
+                <a16:creationId xmlns:a16="http://schemas.microsoft.com/office/drawing/2014/main" id="{A38552DC-952E-41EA-AAAF-C2187523C0B0}"/>
               </a:ext>
             </a:extLst>
           </p:cNvPr>
@@ -2145,7 +2146,7 @@
           <p:cNvPr id="6" name="Date Placeholder 5">
             <a:extLst>
               <a:ext uri="{FF2B5EF4-FFF2-40B4-BE49-F238E27FC236}">
-                <a16:creationId xmlns:a16="http://schemas.microsoft.com/office/drawing/2014/main" xmlns="" id="{7392073F-158F-44A3-8913-917AFFC1BC20}"/>
+                <a16:creationId xmlns:a16="http://schemas.microsoft.com/office/drawing/2014/main" id="{7392073F-158F-44A3-8913-917AFFC1BC20}"/>
               </a:ext>
             </a:extLst>
           </p:cNvPr>
@@ -2163,7 +2164,7 @@
           <a:p>
             <a:fld id="{1775B394-D9F9-4F0C-B15D-605F45CB9E9F}" type="datetime1">
               <a:rPr lang="en-US" smtClean="0"/>
-              <a:t>5/10/20</a:t>
+              <a:t>5/10/2020</a:t>
             </a:fld>
             <a:endParaRPr lang="en-US" dirty="0"/>
           </a:p>
@@ -2174,7 +2175,7 @@
           <p:cNvPr id="7" name="Footer Placeholder 6">
             <a:extLst>
               <a:ext uri="{FF2B5EF4-FFF2-40B4-BE49-F238E27FC236}">
-                <a16:creationId xmlns:a16="http://schemas.microsoft.com/office/drawing/2014/main" xmlns="" id="{EED72207-24CA-42B7-A975-2F8E41CBA904}"/>
+                <a16:creationId xmlns:a16="http://schemas.microsoft.com/office/drawing/2014/main" id="{EED72207-24CA-42B7-A975-2F8E41CBA904}"/>
               </a:ext>
             </a:extLst>
           </p:cNvPr>
@@ -2199,7 +2200,7 @@
           <p:cNvPr id="8" name="Slide Number Placeholder 7">
             <a:extLst>
               <a:ext uri="{FF2B5EF4-FFF2-40B4-BE49-F238E27FC236}">
-                <a16:creationId xmlns:a16="http://schemas.microsoft.com/office/drawing/2014/main" xmlns="" id="{D01080F2-251A-4B88-9A62-16F46D724F83}"/>
+                <a16:creationId xmlns:a16="http://schemas.microsoft.com/office/drawing/2014/main" id="{D01080F2-251A-4B88-9A62-16F46D724F83}"/>
               </a:ext>
             </a:extLst>
           </p:cNvPr>
@@ -2258,7 +2259,7 @@
           <p:cNvPr id="10" name="Rectangle 9">
             <a:extLst>
               <a:ext uri="{FF2B5EF4-FFF2-40B4-BE49-F238E27FC236}">
-                <a16:creationId xmlns:a16="http://schemas.microsoft.com/office/drawing/2014/main" xmlns="" id="{A8E9C91B-7EAD-4562-AB0E-DFB9663AECE3}"/>
+                <a16:creationId xmlns:a16="http://schemas.microsoft.com/office/drawing/2014/main" id="{A8E9C91B-7EAD-4562-AB0E-DFB9663AECE3}"/>
               </a:ext>
             </a:extLst>
           </p:cNvPr>
@@ -2302,7 +2303,7 @@
           <p:cNvPr id="2" name="Date Placeholder 1">
             <a:extLst>
               <a:ext uri="{FF2B5EF4-FFF2-40B4-BE49-F238E27FC236}">
-                <a16:creationId xmlns:a16="http://schemas.microsoft.com/office/drawing/2014/main" xmlns="" id="{94E9223F-721F-47BF-9FD5-0F8D12FF0DE1}"/>
+                <a16:creationId xmlns:a16="http://schemas.microsoft.com/office/drawing/2014/main" id="{94E9223F-721F-47BF-9FD5-0F8D12FF0DE1}"/>
               </a:ext>
             </a:extLst>
           </p:cNvPr>
@@ -2320,7 +2321,7 @@
           <a:p>
             <a:fld id="{39667345-2558-425A-8533-9BFDBCE15005}" type="datetime1">
               <a:rPr lang="en-US" smtClean="0"/>
-              <a:t>5/10/20</a:t>
+              <a:t>5/10/2020</a:t>
             </a:fld>
             <a:endParaRPr lang="en-US" dirty="0"/>
           </a:p>
@@ -2331,7 +2332,7 @@
           <p:cNvPr id="3" name="Footer Placeholder 2">
             <a:extLst>
               <a:ext uri="{FF2B5EF4-FFF2-40B4-BE49-F238E27FC236}">
-                <a16:creationId xmlns:a16="http://schemas.microsoft.com/office/drawing/2014/main" xmlns="" id="{05915714-6BBA-4593-8591-4E26F7D58D9F}"/>
+                <a16:creationId xmlns:a16="http://schemas.microsoft.com/office/drawing/2014/main" id="{05915714-6BBA-4593-8591-4E26F7D58D9F}"/>
               </a:ext>
             </a:extLst>
           </p:cNvPr>
@@ -2356,7 +2357,7 @@
           <p:cNvPr id="4" name="Slide Number Placeholder 3">
             <a:extLst>
               <a:ext uri="{FF2B5EF4-FFF2-40B4-BE49-F238E27FC236}">
-                <a16:creationId xmlns:a16="http://schemas.microsoft.com/office/drawing/2014/main" xmlns="" id="{BE06F857-D2E1-44DD-ABDD-EBB739645B67}"/>
+                <a16:creationId xmlns:a16="http://schemas.microsoft.com/office/drawing/2014/main" id="{BE06F857-D2E1-44DD-ABDD-EBB739645B67}"/>
               </a:ext>
             </a:extLst>
           </p:cNvPr>
@@ -2415,7 +2416,7 @@
           <p:cNvPr id="8" name="Rectangle 7">
             <a:extLst>
               <a:ext uri="{FF2B5EF4-FFF2-40B4-BE49-F238E27FC236}">
-                <a16:creationId xmlns:a16="http://schemas.microsoft.com/office/drawing/2014/main" xmlns="" id="{16D90D66-BCB9-4229-A829-628874352AC0}"/>
+                <a16:creationId xmlns:a16="http://schemas.microsoft.com/office/drawing/2014/main" id="{16D90D66-BCB9-4229-A829-628874352AC0}"/>
               </a:ext>
             </a:extLst>
           </p:cNvPr>
@@ -2649,7 +2650,7 @@
           <a:p>
             <a:fld id="{92BEA474-078D-4E9B-9B14-09A87B19DC46}" type="datetime1">
               <a:rPr lang="en-US" smtClean="0"/>
-              <a:t>5/10/20</a:t>
+              <a:t>5/10/2020</a:t>
             </a:fld>
             <a:endParaRPr lang="en-US" dirty="0"/>
           </a:p>
@@ -2754,7 +2755,7 @@
           <p:cNvPr id="8" name="Rectangle 7">
             <a:extLst>
               <a:ext uri="{FF2B5EF4-FFF2-40B4-BE49-F238E27FC236}">
-                <a16:creationId xmlns:a16="http://schemas.microsoft.com/office/drawing/2014/main" xmlns="" id="{DA134939-39C0-4522-A125-A13DFDA66490}"/>
+                <a16:creationId xmlns:a16="http://schemas.microsoft.com/office/drawing/2014/main" id="{DA134939-39C0-4522-A125-A13DFDA66490}"/>
               </a:ext>
             </a:extLst>
           </p:cNvPr>
@@ -2999,7 +3000,7 @@
           <a:p>
             <a:fld id="{4907D986-8816-4272-A432-0437A28A9828}" type="datetime1">
               <a:rPr lang="en-US" smtClean="0"/>
-              <a:t>5/10/20</a:t>
+              <a:t>5/10/2020</a:t>
             </a:fld>
             <a:endParaRPr lang="en-US" dirty="0"/>
           </a:p>
@@ -3093,7 +3094,7 @@
           <p:cNvPr id="7" name="Rectangle 6">
             <a:extLst>
               <a:ext uri="{FF2B5EF4-FFF2-40B4-BE49-F238E27FC236}">
-                <a16:creationId xmlns:a16="http://schemas.microsoft.com/office/drawing/2014/main" xmlns="" id="{416A0E3C-60E6-4F39-BC55-5F7C224E1F7C}"/>
+                <a16:creationId xmlns:a16="http://schemas.microsoft.com/office/drawing/2014/main" id="{416A0E3C-60E6-4F39-BC55-5F7C224E1F7C}"/>
               </a:ext>
             </a:extLst>
           </p:cNvPr>
@@ -3260,7 +3261,7 @@
           <a:p>
             <a:fld id="{62D6E202-B606-4609-B914-27C9371A1F6D}" type="datetime1">
               <a:rPr lang="en-US" smtClean="0"/>
-              <a:t>5/10/20</a:t>
+              <a:t>5/10/2020</a:t>
             </a:fld>
             <a:endParaRPr lang="en-US" dirty="0"/>
           </a:p>
@@ -3345,7 +3346,7 @@
           <p:cNvPr id="10" name="Straight Connector 9">
             <a:extLst>
               <a:ext uri="{FF2B5EF4-FFF2-40B4-BE49-F238E27FC236}">
-                <a16:creationId xmlns:a16="http://schemas.microsoft.com/office/drawing/2014/main" xmlns="" id="{C5025DAC-8B93-4160-B017-3A274A5828C0}"/>
+                <a16:creationId xmlns:a16="http://schemas.microsoft.com/office/drawing/2014/main" id="{C5025DAC-8B93-4160-B017-3A274A5828C0}"/>
               </a:ext>
             </a:extLst>
           </p:cNvPr>
@@ -3796,10 +3797,10 @@
           <p:cNvPr id="22" name="Rectangle 21">
             <a:extLst>
               <a:ext uri="{FF2B5EF4-FFF2-40B4-BE49-F238E27FC236}">
-                <a16:creationId xmlns:a16="http://schemas.microsoft.com/office/drawing/2014/main" xmlns="" id="{A9286AD2-18A9-4868-A4E3-7A2097A20810}"/>
+                <a16:creationId xmlns:a16="http://schemas.microsoft.com/office/drawing/2014/main" id="{A9286AD2-18A9-4868-A4E3-7A2097A20810}"/>
               </a:ext>
               <a:ext uri="{C183D7F6-B498-43B3-948B-1728B52AA6E4}">
-                <adec:decorative xmlns:adec="http://schemas.microsoft.com/office/drawing/2017/decorative" xmlns="" val="1"/>
+                <adec:decorative xmlns:adec="http://schemas.microsoft.com/office/drawing/2017/decorative" val="1"/>
               </a:ext>
             </a:extLst>
           </p:cNvPr>
@@ -3809,7 +3810,7 @@
           <p:nvPr>
             <p:extLst>
               <p:ext uri="{386F3935-93C4-4BCD-93E2-E3B085C9AB24}">
-                <p16:designElem xmlns:p16="http://schemas.microsoft.com/office/powerpoint/2015/main" xmlns="" val="1"/>
+                <p16:designElem xmlns:p16="http://schemas.microsoft.com/office/powerpoint/2015/main" val="1"/>
               </p:ext>
             </p:extLst>
           </p:nvPr>
@@ -3856,7 +3857,7 @@
           <p:cNvPr id="2" name="Title 1">
             <a:extLst>
               <a:ext uri="{FF2B5EF4-FFF2-40B4-BE49-F238E27FC236}">
-                <a16:creationId xmlns:a16="http://schemas.microsoft.com/office/drawing/2014/main" xmlns="" id="{78FD68DA-43BA-4508-8DE2-BA9BB7B2FA5B}"/>
+                <a16:creationId xmlns:a16="http://schemas.microsoft.com/office/drawing/2014/main" id="{78FD68DA-43BA-4508-8DE2-BA9BB7B2FA5B}"/>
               </a:ext>
             </a:extLst>
           </p:cNvPr>
@@ -3892,7 +3893,7 @@
           <p:cNvPr id="3" name="Subtitle 2">
             <a:extLst>
               <a:ext uri="{FF2B5EF4-FFF2-40B4-BE49-F238E27FC236}">
-                <a16:creationId xmlns:a16="http://schemas.microsoft.com/office/drawing/2014/main" xmlns="" id="{A8E9CFF2-3777-4FF4-A759-8491175B0B7C}"/>
+                <a16:creationId xmlns:a16="http://schemas.microsoft.com/office/drawing/2014/main" id="{A8E9CFF2-3777-4FF4-A759-8491175B0B7C}"/>
               </a:ext>
             </a:extLst>
           </p:cNvPr>
@@ -4021,7 +4022,7 @@
           <p:cNvPr id="5" name="Picture 4" descr="A picture containing building, sitting, bench, side&#10;&#10;Description automatically generated">
             <a:extLst>
               <a:ext uri="{FF2B5EF4-FFF2-40B4-BE49-F238E27FC236}">
-                <a16:creationId xmlns:a16="http://schemas.microsoft.com/office/drawing/2014/main" xmlns="" id="{282CF6DD-7FE8-4063-9551-1B7BBCE92ABE}"/>
+                <a16:creationId xmlns:a16="http://schemas.microsoft.com/office/drawing/2014/main" id="{282CF6DD-7FE8-4063-9551-1B7BBCE92ABE}"/>
               </a:ext>
             </a:extLst>
           </p:cNvPr>
@@ -4056,10 +4057,10 @@
           <p:cNvPr id="24" name="Straight Connector 23">
             <a:extLst>
               <a:ext uri="{FF2B5EF4-FFF2-40B4-BE49-F238E27FC236}">
-                <a16:creationId xmlns:a16="http://schemas.microsoft.com/office/drawing/2014/main" xmlns="" id="{E7A7CD63-7EC3-44F3-95D0-595C4019FF24}"/>
+                <a16:creationId xmlns:a16="http://schemas.microsoft.com/office/drawing/2014/main" id="{E7A7CD63-7EC3-44F3-95D0-595C4019FF24}"/>
               </a:ext>
               <a:ext uri="{C183D7F6-B498-43B3-948B-1728B52AA6E4}">
-                <adec:decorative xmlns:adec="http://schemas.microsoft.com/office/drawing/2017/decorative" xmlns="" val="1"/>
+                <adec:decorative xmlns:adec="http://schemas.microsoft.com/office/drawing/2017/decorative" val="1"/>
               </a:ext>
             </a:extLst>
           </p:cNvPr>
@@ -4069,7 +4070,7 @@
           <p:nvPr>
             <p:extLst>
               <p:ext uri="{386F3935-93C4-4BCD-93E2-E3B085C9AB24}">
-                <p16:designElem xmlns:p16="http://schemas.microsoft.com/office/powerpoint/2015/main" xmlns="" val="1"/>
+                <p16:designElem xmlns:p16="http://schemas.microsoft.com/office/powerpoint/2015/main" val="1"/>
               </p:ext>
             </p:extLst>
           </p:nvPr>
@@ -4158,7 +4159,7 @@
           <a:p>
             <a:r>
               <a:rPr lang="en-US" dirty="0"/>
-              <a:t>Our Results (scores)</a:t>
+              <a:t>Implementation</a:t>
             </a:r>
           </a:p>
         </p:txBody>
@@ -4173,14 +4174,14 @@
             <p:ph idx="1"/>
             <p:extLst>
               <p:ext uri="{D42A27DB-BD31-4B8C-83A1-F6EECF244321}">
-                <p14:modId xmlns:p14="http://schemas.microsoft.com/office/powerpoint/2010/main" val="505803309"/>
+                <p14:modId xmlns:p14="http://schemas.microsoft.com/office/powerpoint/2010/main" val="3018182776"/>
               </p:ext>
             </p:extLst>
           </p:nvPr>
         </p:nvGraphicFramePr>
         <p:xfrm>
-          <a:off x="1152631" y="2040384"/>
-          <a:ext cx="10058778" cy="2468880"/>
+          <a:off x="965712" y="2011584"/>
+          <a:ext cx="10246360" cy="3952525"/>
         </p:xfrm>
         <a:graphic>
           <a:graphicData uri="http://schemas.openxmlformats.org/drawingml/2006/table">
@@ -4189,45 +4190,816 @@
                 <a:tableStyleId>{5C22544A-7EE6-4342-B048-85BDC9FD1C3A}</a:tableStyleId>
               </a:tblPr>
               <a:tblGrid>
-                <a:gridCol w="1112957">
+                <a:gridCol w="2210244">
                   <a:extLst>
                     <a:ext uri="{9D8B030D-6E8A-4147-A177-3AD203B41FA5}">
-                      <a16:colId xmlns:a16="http://schemas.microsoft.com/office/drawing/2014/main" xmlns="" val="20000"/>
+                      <a16:colId xmlns:a16="http://schemas.microsoft.com/office/drawing/2014/main" val="20000"/>
                     </a:ext>
                   </a:extLst>
                 </a:gridCol>
-                <a:gridCol w="1141135">
+                <a:gridCol w="1142556">
                   <a:extLst>
                     <a:ext uri="{9D8B030D-6E8A-4147-A177-3AD203B41FA5}">
-                      <a16:colId xmlns:a16="http://schemas.microsoft.com/office/drawing/2014/main" xmlns="" val="20001"/>
+                      <a16:colId xmlns:a16="http://schemas.microsoft.com/office/drawing/2014/main" val="20001"/>
                     </a:ext>
                   </a:extLst>
                 </a:gridCol>
-                <a:gridCol w="2004040">
+                <a:gridCol w="1818640">
                   <a:extLst>
                     <a:ext uri="{9D8B030D-6E8A-4147-A177-3AD203B41FA5}">
-                      <a16:colId xmlns:a16="http://schemas.microsoft.com/office/drawing/2014/main" xmlns="" val="20002"/>
+                      <a16:colId xmlns:a16="http://schemas.microsoft.com/office/drawing/2014/main" val="20002"/>
                     </a:ext>
                   </a:extLst>
                 </a:gridCol>
-                <a:gridCol w="970280">
+                <a:gridCol w="5074920">
                   <a:extLst>
                     <a:ext uri="{9D8B030D-6E8A-4147-A177-3AD203B41FA5}">
-                      <a16:colId xmlns:a16="http://schemas.microsoft.com/office/drawing/2014/main" xmlns="" val="20003"/>
+                      <a16:colId xmlns:a16="http://schemas.microsoft.com/office/drawing/2014/main" val="2436690740"/>
                     </a:ext>
                   </a:extLst>
                 </a:gridCol>
-                <a:gridCol w="970280"/>
-                <a:gridCol w="957580"/>
-                <a:gridCol w="970280">
+              </a:tblGrid>
+              <a:tr h="569245">
+                <a:tc>
+                  <a:txBody>
+                    <a:bodyPr/>
+                    <a:lstStyle/>
+                    <a:p>
+                      <a:r>
+                        <a:rPr lang="en-US" dirty="0"/>
+                        <a:t>SOTA</a:t>
+                      </a:r>
+                    </a:p>
+                  </a:txBody>
+                  <a:tcPr/>
+                </a:tc>
+                <a:tc>
+                  <a:txBody>
+                    <a:bodyPr/>
+                    <a:lstStyle/>
+                    <a:p>
+                      <a:r>
+                        <a:rPr lang="en-US" dirty="0"/>
+                        <a:t>Type</a:t>
+                      </a:r>
+                    </a:p>
+                  </a:txBody>
+                  <a:tcPr/>
+                </a:tc>
+                <a:tc>
+                  <a:txBody>
+                    <a:bodyPr/>
+                    <a:lstStyle/>
+                    <a:p>
+                      <a:r>
+                        <a:rPr lang="en-US" dirty="0"/>
+                        <a:t>Transformer</a:t>
+                      </a:r>
+                    </a:p>
+                  </a:txBody>
+                  <a:tcPr/>
+                </a:tc>
+                <a:tc>
+                  <a:txBody>
+                    <a:bodyPr/>
+                    <a:lstStyle/>
+                    <a:p>
+                      <a:r>
+                        <a:rPr lang="en-US" dirty="0"/>
+                        <a:t>Steps</a:t>
+                      </a:r>
+                    </a:p>
+                  </a:txBody>
+                  <a:tcPr/>
+                </a:tc>
+                <a:extLst>
+                  <a:ext uri="{0D108BD9-81ED-4DB2-BD59-A6C34878D82A}">
+                    <a16:rowId xmlns:a16="http://schemas.microsoft.com/office/drawing/2014/main" val="10000"/>
+                  </a:ext>
+                </a:extLst>
+              </a:tr>
+              <a:tr h="752799">
+                <a:tc rowSpan="3">
+                  <a:txBody>
+                    <a:bodyPr/>
+                    <a:lstStyle/>
+                    <a:p>
+                      <a:r>
+                        <a:rPr lang="en-US" sz="1200" dirty="0" err="1"/>
+                        <a:t>PreSumm</a:t>
+                      </a:r>
+                      <a:endParaRPr lang="en-US" sz="1200" dirty="0"/>
+                    </a:p>
+                  </a:txBody>
+                  <a:tcPr anchor="ctr"/>
+                </a:tc>
+                <a:tc>
+                  <a:txBody>
+                    <a:bodyPr/>
+                    <a:lstStyle/>
+                    <a:p>
+                      <a:r>
+                        <a:rPr lang="en-US" sz="1200" dirty="0"/>
+                        <a:t>Extractive</a:t>
+                      </a:r>
+                    </a:p>
+                  </a:txBody>
+                  <a:tcPr/>
+                </a:tc>
+                <a:tc>
+                  <a:txBody>
+                    <a:bodyPr/>
+                    <a:lstStyle/>
+                    <a:p>
+                      <a:r>
+                        <a:rPr lang="en-US" sz="1200" dirty="0"/>
+                        <a:t>BERT</a:t>
+                      </a:r>
+                    </a:p>
+                  </a:txBody>
+                  <a:tcPr/>
+                </a:tc>
+                <a:tc>
+                  <a:txBody>
+                    <a:bodyPr/>
+                    <a:lstStyle/>
+                    <a:p>
+                      <a:pPr marL="228600" indent="-228600">
+                        <a:buAutoNum type="arabicParenR"/>
+                      </a:pPr>
+                      <a:r>
+                        <a:rPr lang="en-US" sz="1200" dirty="0"/>
+                        <a:t>Use the pretrained model with our dataset and get the ROUGE metrics</a:t>
+                      </a:r>
+                    </a:p>
+                    <a:p>
+                      <a:pPr marL="228600" indent="-228600">
+                        <a:buAutoNum type="arabicParenR"/>
+                      </a:pPr>
+                      <a:r>
+                        <a:rPr lang="en-US" sz="1200" dirty="0"/>
+                        <a:t>Train the model with our dataset </a:t>
+                      </a:r>
+                    </a:p>
+                    <a:p>
+                      <a:pPr marL="228600" indent="-228600">
+                        <a:buAutoNum type="arabicParenR"/>
+                      </a:pPr>
+                      <a:r>
+                        <a:rPr lang="en-US" sz="1200" dirty="0"/>
+                        <a:t>Use the trained model to get the ROUGE metrics</a:t>
+                      </a:r>
+                    </a:p>
+                    <a:p>
+                      <a:pPr marL="228600" indent="-228600">
+                        <a:buAutoNum type="arabicParenR"/>
+                      </a:pPr>
+                      <a:r>
+                        <a:rPr lang="en-US" sz="1200" dirty="0"/>
+                        <a:t>Compare the two outputs</a:t>
+                      </a:r>
+                    </a:p>
+                  </a:txBody>
+                  <a:tcPr/>
+                </a:tc>
+                <a:extLst>
+                  <a:ext uri="{0D108BD9-81ED-4DB2-BD59-A6C34878D82A}">
+                    <a16:rowId xmlns:a16="http://schemas.microsoft.com/office/drawing/2014/main" val="10001"/>
+                  </a:ext>
+                </a:extLst>
+              </a:tr>
+              <a:tr h="752799">
+                <a:tc vMerge="1">
+                  <a:txBody>
+                    <a:bodyPr/>
+                    <a:lstStyle/>
+                    <a:p>
+                      <a:endParaRPr lang="en-US" dirty="0"/>
+                    </a:p>
+                  </a:txBody>
+                  <a:tcPr/>
+                </a:tc>
+                <a:tc rowSpan="2">
+                  <a:txBody>
+                    <a:bodyPr/>
+                    <a:lstStyle/>
+                    <a:p>
+                      <a:r>
+                        <a:rPr lang="en-US" sz="1200" dirty="0"/>
+                        <a:t>Abstractive</a:t>
+                      </a:r>
+                    </a:p>
+                  </a:txBody>
+                  <a:tcPr anchor="ctr"/>
+                </a:tc>
+                <a:tc>
+                  <a:txBody>
+                    <a:bodyPr/>
+                    <a:lstStyle/>
+                    <a:p>
+                      <a:r>
+                        <a:rPr lang="en-US" sz="1200" dirty="0"/>
+                        <a:t>Baseline Transformer</a:t>
+                      </a:r>
+                    </a:p>
+                  </a:txBody>
+                  <a:tcPr/>
+                </a:tc>
+                <a:tc>
+                  <a:txBody>
+                    <a:bodyPr/>
+                    <a:lstStyle/>
+                    <a:p>
+                      <a:pPr marL="228600" indent="-228600">
+                        <a:buAutoNum type="arabicParenR"/>
+                      </a:pPr>
+                      <a:r>
+                        <a:rPr lang="en-US" sz="1200" dirty="0"/>
+                        <a:t>Use the pretrained model with our dataset and get the ROUGE metrics</a:t>
+                      </a:r>
+                    </a:p>
+                    <a:p>
+                      <a:pPr marL="228600" indent="-228600">
+                        <a:buAutoNum type="arabicParenR"/>
+                      </a:pPr>
+                      <a:r>
+                        <a:rPr lang="en-US" sz="1200" dirty="0"/>
+                        <a:t>Train the model with our dataset </a:t>
+                      </a:r>
+                    </a:p>
+                    <a:p>
+                      <a:pPr marL="228600" indent="-228600">
+                        <a:buAutoNum type="arabicParenR"/>
+                      </a:pPr>
+                      <a:r>
+                        <a:rPr lang="en-US" sz="1200" dirty="0"/>
+                        <a:t>Use the trained model to get the ROUGE metrics</a:t>
+                      </a:r>
+                    </a:p>
+                    <a:p>
+                      <a:pPr marL="228600" indent="-228600">
+                        <a:buAutoNum type="arabicParenR"/>
+                      </a:pPr>
+                      <a:r>
+                        <a:rPr lang="en-US" sz="1200" dirty="0"/>
+                        <a:t>Compare the two outputs</a:t>
+                      </a:r>
+                    </a:p>
+                  </a:txBody>
+                  <a:tcPr/>
+                </a:tc>
+                <a:extLst>
+                  <a:ext uri="{0D108BD9-81ED-4DB2-BD59-A6C34878D82A}">
+                    <a16:rowId xmlns:a16="http://schemas.microsoft.com/office/drawing/2014/main" val="10002"/>
+                  </a:ext>
+                </a:extLst>
+              </a:tr>
+              <a:tr h="752799">
+                <a:tc vMerge="1">
+                  <a:txBody>
+                    <a:bodyPr/>
+                    <a:lstStyle/>
+                    <a:p>
+                      <a:endParaRPr lang="en-US" dirty="0"/>
+                    </a:p>
+                  </a:txBody>
+                  <a:tcPr/>
+                </a:tc>
+                <a:tc vMerge="1">
+                  <a:txBody>
+                    <a:bodyPr/>
+                    <a:lstStyle/>
+                    <a:p>
+                      <a:endParaRPr lang="en-US" dirty="0"/>
+                    </a:p>
+                  </a:txBody>
+                  <a:tcPr/>
+                </a:tc>
+                <a:tc>
+                  <a:txBody>
+                    <a:bodyPr/>
+                    <a:lstStyle/>
+                    <a:p>
+                      <a:r>
+                        <a:rPr lang="en-US" sz="1200" dirty="0"/>
+                        <a:t>BERT</a:t>
+                      </a:r>
+                    </a:p>
+                  </a:txBody>
+                  <a:tcPr/>
+                </a:tc>
+                <a:tc>
+                  <a:txBody>
+                    <a:bodyPr/>
+                    <a:lstStyle/>
+                    <a:p>
+                      <a:pPr marL="228600" indent="-228600">
+                        <a:buAutoNum type="arabicParenR"/>
+                      </a:pPr>
+                      <a:r>
+                        <a:rPr lang="en-US" sz="1200" dirty="0"/>
+                        <a:t>Use the pretrained model with our dataset and get the ROUGE metrics</a:t>
+                      </a:r>
+                    </a:p>
+                    <a:p>
+                      <a:pPr marL="228600" indent="-228600">
+                        <a:buAutoNum type="arabicParenR"/>
+                      </a:pPr>
+                      <a:r>
+                        <a:rPr lang="en-US" sz="1200" dirty="0"/>
+                        <a:t>Train the model with our dataset </a:t>
+                      </a:r>
+                    </a:p>
+                    <a:p>
+                      <a:pPr marL="228600" indent="-228600">
+                        <a:buAutoNum type="arabicParenR"/>
+                      </a:pPr>
+                      <a:r>
+                        <a:rPr lang="en-US" sz="1200" dirty="0"/>
+                        <a:t>Use the trained model to get the ROUGE metrics</a:t>
+                      </a:r>
+                    </a:p>
+                    <a:p>
+                      <a:pPr marL="228600" indent="-228600">
+                        <a:buAutoNum type="arabicParenR"/>
+                      </a:pPr>
+                      <a:r>
+                        <a:rPr lang="en-US" sz="1200" dirty="0"/>
+                        <a:t>Compare the two outputs</a:t>
+                      </a:r>
+                    </a:p>
+                  </a:txBody>
+                  <a:tcPr/>
+                </a:tc>
+                <a:extLst>
+                  <a:ext uri="{0D108BD9-81ED-4DB2-BD59-A6C34878D82A}">
+                    <a16:rowId xmlns:a16="http://schemas.microsoft.com/office/drawing/2014/main" val="10003"/>
+                  </a:ext>
+                </a:extLst>
+              </a:tr>
+              <a:tr h="423832">
+                <a:tc rowSpan="2">
+                  <a:txBody>
+                    <a:bodyPr/>
+                    <a:lstStyle/>
+                    <a:p>
+                      <a:r>
+                        <a:rPr lang="en-US" sz="1200" dirty="0" err="1"/>
+                        <a:t>MatchSum</a:t>
+                      </a:r>
+                      <a:endParaRPr lang="en-US" sz="1200" dirty="0"/>
+                    </a:p>
+                  </a:txBody>
+                  <a:tcPr anchor="ctr"/>
+                </a:tc>
+                <a:tc rowSpan="2">
+                  <a:txBody>
+                    <a:bodyPr/>
+                    <a:lstStyle/>
+                    <a:p>
+                      <a:r>
+                        <a:rPr lang="en-US" sz="1200" dirty="0"/>
+                        <a:t>Extractive</a:t>
+                      </a:r>
+                    </a:p>
+                  </a:txBody>
+                  <a:tcPr anchor="ctr"/>
+                </a:tc>
+                <a:tc>
+                  <a:txBody>
+                    <a:bodyPr/>
+                    <a:lstStyle/>
+                    <a:p>
+                      <a:r>
+                        <a:rPr lang="en-US" sz="1200" dirty="0"/>
+                        <a:t>BERT</a:t>
+                      </a:r>
+                    </a:p>
+                  </a:txBody>
+                  <a:tcPr/>
+                </a:tc>
+                <a:tc>
+                  <a:txBody>
+                    <a:bodyPr/>
+                    <a:lstStyle/>
+                    <a:p>
+                      <a:pPr marL="228600" indent="-228600">
+                        <a:buAutoNum type="arabicParenR"/>
+                      </a:pPr>
+                      <a:r>
+                        <a:rPr lang="en-US" sz="1200" dirty="0"/>
+                        <a:t>Train the model with our dataset </a:t>
+                      </a:r>
+                    </a:p>
+                    <a:p>
+                      <a:pPr marL="228600" indent="-228600">
+                        <a:buAutoNum type="arabicParenR"/>
+                      </a:pPr>
+                      <a:r>
+                        <a:rPr lang="en-US" sz="1200" dirty="0"/>
+                        <a:t>Use the trained model to get the ROUGE metrics</a:t>
+                      </a:r>
+                    </a:p>
+                  </a:txBody>
+                  <a:tcPr/>
+                </a:tc>
+                <a:extLst>
+                  <a:ext uri="{0D108BD9-81ED-4DB2-BD59-A6C34878D82A}">
+                    <a16:rowId xmlns:a16="http://schemas.microsoft.com/office/drawing/2014/main" val="10004"/>
+                  </a:ext>
+                </a:extLst>
+              </a:tr>
+              <a:tr h="383954">
+                <a:tc vMerge="1">
+                  <a:txBody>
+                    <a:bodyPr/>
+                    <a:lstStyle/>
+                    <a:p>
+                      <a:endParaRPr lang="en-US" dirty="0"/>
+                    </a:p>
+                  </a:txBody>
+                  <a:tcPr/>
+                </a:tc>
+                <a:tc vMerge="1">
+                  <a:txBody>
+                    <a:bodyPr/>
+                    <a:lstStyle/>
+                    <a:p>
+                      <a:endParaRPr lang="en-US" dirty="0"/>
+                    </a:p>
+                  </a:txBody>
+                  <a:tcPr/>
+                </a:tc>
+                <a:tc>
+                  <a:txBody>
+                    <a:bodyPr/>
+                    <a:lstStyle/>
+                    <a:p>
+                      <a:r>
+                        <a:rPr lang="en-US" sz="1200" dirty="0" err="1"/>
+                        <a:t>RoBERTa</a:t>
+                      </a:r>
+                      <a:endParaRPr lang="en-US" sz="1200" dirty="0"/>
+                    </a:p>
+                  </a:txBody>
+                  <a:tcPr/>
+                </a:tc>
+                <a:tc>
+                  <a:txBody>
+                    <a:bodyPr/>
+                    <a:lstStyle/>
+                    <a:p>
+                      <a:pPr marL="228600" indent="-228600">
+                        <a:buAutoNum type="arabicParenR"/>
+                      </a:pPr>
+                      <a:r>
+                        <a:rPr lang="en-US" sz="1200" dirty="0"/>
+                        <a:t>Train the model with our dataset </a:t>
+                      </a:r>
+                    </a:p>
+                    <a:p>
+                      <a:pPr marL="228600" indent="-228600">
+                        <a:buAutoNum type="arabicParenR"/>
+                      </a:pPr>
+                      <a:r>
+                        <a:rPr lang="en-US" sz="1200" dirty="0"/>
+                        <a:t>Use the trained model to get the ROUGE metrics</a:t>
+                      </a:r>
+                    </a:p>
+                  </a:txBody>
+                  <a:tcPr/>
+                </a:tc>
+                <a:extLst>
+                  <a:ext uri="{0D108BD9-81ED-4DB2-BD59-A6C34878D82A}">
+                    <a16:rowId xmlns:a16="http://schemas.microsoft.com/office/drawing/2014/main" val="10005"/>
+                  </a:ext>
+                </a:extLst>
+              </a:tr>
+            </a:tbl>
+          </a:graphicData>
+        </a:graphic>
+      </p:graphicFrame>
+    </p:spTree>
+    <p:extLst>
+      <p:ext uri="{BB962C8B-B14F-4D97-AF65-F5344CB8AC3E}">
+        <p14:creationId xmlns:p14="http://schemas.microsoft.com/office/powerpoint/2010/main" val="2558821770"/>
+      </p:ext>
+    </p:extLst>
+  </p:cSld>
+  <p:clrMapOvr>
+    <a:masterClrMapping/>
+  </p:clrMapOvr>
+  <p:timing>
+    <p:tnLst>
+      <p:par>
+        <p:cTn id="1" dur="indefinite" restart="never" nodeType="tmRoot">
+          <p:childTnLst>
+            <p:seq concurrent="1" nextAc="seek">
+              <p:cTn id="2" dur="indefinite" nodeType="mainSeq">
+                <p:childTnLst>
+                  <p:par>
+                    <p:cTn id="3" fill="hold">
+                      <p:stCondLst>
+                        <p:cond delay="indefinite"/>
+                      </p:stCondLst>
+                      <p:childTnLst>
+                        <p:par>
+                          <p:cTn id="4" fill="hold">
+                            <p:stCondLst>
+                              <p:cond delay="0"/>
+                            </p:stCondLst>
+                            <p:childTnLst>
+                              <p:par>
+                                <p:cTn id="5" presetID="1" presetClass="entr" presetSubtype="0" fill="hold" nodeType="clickEffect">
+                                  <p:stCondLst>
+                                    <p:cond delay="0"/>
+                                  </p:stCondLst>
+                                  <p:childTnLst>
+                                    <p:set>
+                                      <p:cBhvr>
+                                        <p:cTn id="6" dur="1" fill="hold">
+                                          <p:stCondLst>
+                                            <p:cond delay="0"/>
+                                          </p:stCondLst>
+                                        </p:cTn>
+                                        <p:tgtEl>
+                                          <p:spTgt spid="5"/>
+                                        </p:tgtEl>
+                                        <p:attrNameLst>
+                                          <p:attrName>style.visibility</p:attrName>
+                                        </p:attrNameLst>
+                                      </p:cBhvr>
+                                      <p:to>
+                                        <p:strVal val="visible"/>
+                                      </p:to>
+                                    </p:set>
+                                  </p:childTnLst>
+                                </p:cTn>
+                              </p:par>
+                            </p:childTnLst>
+                          </p:cTn>
+                        </p:par>
+                      </p:childTnLst>
+                    </p:cTn>
+                  </p:par>
+                </p:childTnLst>
+              </p:cTn>
+              <p:prevCondLst>
+                <p:cond evt="onPrev" delay="0">
+                  <p:tgtEl>
+                    <p:sldTgt/>
+                  </p:tgtEl>
+                </p:cond>
+              </p:prevCondLst>
+              <p:nextCondLst>
+                <p:cond evt="onNext" delay="0">
+                  <p:tgtEl>
+                    <p:sldTgt/>
+                  </p:tgtEl>
+                </p:cond>
+              </p:nextCondLst>
+            </p:seq>
+          </p:childTnLst>
+        </p:cTn>
+      </p:par>
+    </p:tnLst>
+  </p:timing>
+</p:sld>
+</file>
+
+<file path=ppt/slides/slide11.xml><?xml version="1.0" encoding="utf-8"?>
+<p:sld xmlns:a="http://schemas.openxmlformats.org/drawingml/2006/main" xmlns:r="http://schemas.openxmlformats.org/officeDocument/2006/relationships" xmlns:p="http://schemas.openxmlformats.org/presentationml/2006/main">
+  <p:cSld>
+    <p:spTree>
+      <p:nvGrpSpPr>
+        <p:cNvPr id="1" name=""/>
+        <p:cNvGrpSpPr/>
+        <p:nvPr/>
+      </p:nvGrpSpPr>
+      <p:grpSpPr>
+        <a:xfrm>
+          <a:off x="0" y="0"/>
+          <a:ext cx="0" cy="0"/>
+          <a:chOff x="0" y="0"/>
+          <a:chExt cx="0" cy="0"/>
+        </a:xfrm>
+      </p:grpSpPr>
+      <p:sp>
+        <p:nvSpPr>
+          <p:cNvPr id="3" name="Content Placeholder 2">
+            <a:extLst>
+              <a:ext uri="{FF2B5EF4-FFF2-40B4-BE49-F238E27FC236}">
+                <a16:creationId xmlns:a16="http://schemas.microsoft.com/office/drawing/2014/main" id="{84B763AF-1306-4B26-A332-770E4349B34B}"/>
+              </a:ext>
+            </a:extLst>
+          </p:cNvPr>
+          <p:cNvSpPr>
+            <a:spLocks noGrp="1"/>
+          </p:cNvSpPr>
+          <p:nvPr>
+            <p:ph idx="1"/>
+          </p:nvPr>
+        </p:nvSpPr>
+        <p:spPr>
+          <a:xfrm>
+            <a:off x="558165" y="702253"/>
+            <a:ext cx="10058400" cy="727537"/>
+          </a:xfrm>
+        </p:spPr>
+        <p:txBody>
+          <a:bodyPr>
+            <a:normAutofit/>
+          </a:bodyPr>
+          <a:lstStyle/>
+          <a:p>
+            <a:pPr algn="ctr"/>
+            <a:r>
+              <a:rPr lang="en-US" sz="4000" dirty="0" err="1"/>
+              <a:t>train.py’s</a:t>
+            </a:r>
+            <a:r>
+              <a:rPr lang="en-US" sz="4000" dirty="0"/>
+              <a:t> contribution to global warming!</a:t>
+            </a:r>
+          </a:p>
+        </p:txBody>
+      </p:sp>
+      <p:pic>
+        <p:nvPicPr>
+          <p:cNvPr id="4" name="Picture 3">
+            <a:extLst>
+              <a:ext uri="{FF2B5EF4-FFF2-40B4-BE49-F238E27FC236}">
+                <a16:creationId xmlns:a16="http://schemas.microsoft.com/office/drawing/2014/main" id="{B9D1D01D-92D9-4467-855E-4FC1D7150402}"/>
+              </a:ext>
+            </a:extLst>
+          </p:cNvPr>
+          <p:cNvPicPr>
+            <a:picLocks noChangeAspect="1"/>
+          </p:cNvPicPr>
+          <p:nvPr/>
+        </p:nvPicPr>
+        <p:blipFill>
+          <a:blip r:embed="rId2"/>
+          <a:stretch>
+            <a:fillRect/>
+          </a:stretch>
+        </p:blipFill>
+        <p:spPr>
+          <a:xfrm>
+            <a:off x="0" y="1769012"/>
+            <a:ext cx="12192000" cy="3319975"/>
+          </a:xfrm>
+          <a:prstGeom prst="rect">
+            <a:avLst/>
+          </a:prstGeom>
+        </p:spPr>
+      </p:pic>
+    </p:spTree>
+    <p:extLst>
+      <p:ext uri="{BB962C8B-B14F-4D97-AF65-F5344CB8AC3E}">
+        <p14:creationId xmlns:p14="http://schemas.microsoft.com/office/powerpoint/2010/main" val="1674286547"/>
+      </p:ext>
+    </p:extLst>
+  </p:cSld>
+  <p:clrMapOvr>
+    <a:masterClrMapping/>
+  </p:clrMapOvr>
+</p:sld>
+</file>
+
+<file path=ppt/slides/slide12.xml><?xml version="1.0" encoding="utf-8"?>
+<p:sld xmlns:a="http://schemas.openxmlformats.org/drawingml/2006/main" xmlns:r="http://schemas.openxmlformats.org/officeDocument/2006/relationships" xmlns:p="http://schemas.openxmlformats.org/presentationml/2006/main">
+  <p:cSld>
+    <p:spTree>
+      <p:nvGrpSpPr>
+        <p:cNvPr id="1" name=""/>
+        <p:cNvGrpSpPr/>
+        <p:nvPr/>
+      </p:nvGrpSpPr>
+      <p:grpSpPr>
+        <a:xfrm>
+          <a:off x="0" y="0"/>
+          <a:ext cx="0" cy="0"/>
+          <a:chOff x="0" y="0"/>
+          <a:chExt cx="0" cy="0"/>
+        </a:xfrm>
+      </p:grpSpPr>
+      <p:sp>
+        <p:nvSpPr>
+          <p:cNvPr id="2" name="Title 1"/>
+          <p:cNvSpPr>
+            <a:spLocks noGrp="1"/>
+          </p:cNvSpPr>
+          <p:nvPr>
+            <p:ph type="title"/>
+          </p:nvPr>
+        </p:nvSpPr>
+        <p:spPr>
+          <a:xfrm>
+            <a:off x="1097280" y="286603"/>
+            <a:ext cx="10058400" cy="856397"/>
+          </a:xfrm>
+        </p:spPr>
+        <p:txBody>
+          <a:bodyPr/>
+          <a:lstStyle/>
+          <a:p>
+            <a:r>
+              <a:rPr lang="en-US" dirty="0"/>
+              <a:t>Our Results (F-Scores)</a:t>
+            </a:r>
+          </a:p>
+        </p:txBody>
+      </p:sp>
+      <p:graphicFrame>
+        <p:nvGraphicFramePr>
+          <p:cNvPr id="5" name="Content Placeholder 4"/>
+          <p:cNvGraphicFramePr>
+            <a:graphicFrameLocks noGrp="1"/>
+          </p:cNvGraphicFramePr>
+          <p:nvPr>
+            <p:ph idx="1"/>
+            <p:extLst>
+              <p:ext uri="{D42A27DB-BD31-4B8C-83A1-F6EECF244321}">
+                <p14:modId xmlns:p14="http://schemas.microsoft.com/office/powerpoint/2010/main" val="1482730564"/>
+              </p:ext>
+            </p:extLst>
+          </p:nvPr>
+        </p:nvGraphicFramePr>
+        <p:xfrm>
+          <a:off x="779978" y="2081947"/>
+          <a:ext cx="10693004" cy="2468880"/>
+        </p:xfrm>
+        <a:graphic>
+          <a:graphicData uri="http://schemas.openxmlformats.org/drawingml/2006/table">
+            <a:tbl>
+              <a:tblPr firstRow="1" bandRow="1">
+                <a:tableStyleId>{5C22544A-7EE6-4342-B048-85BDC9FD1C3A}</a:tableStyleId>
+              </a:tblPr>
+              <a:tblGrid>
+                <a:gridCol w="1183131">
                   <a:extLst>
                     <a:ext uri="{9D8B030D-6E8A-4147-A177-3AD203B41FA5}">
-                      <a16:colId xmlns:a16="http://schemas.microsoft.com/office/drawing/2014/main" xmlns="" val="20004"/>
+                      <a16:colId xmlns:a16="http://schemas.microsoft.com/office/drawing/2014/main" val="20000"/>
                     </a:ext>
                   </a:extLst>
                 </a:gridCol>
-                <a:gridCol w="970280"/>
-                <a:gridCol w="961946"/>
+                <a:gridCol w="1213086">
+                  <a:extLst>
+                    <a:ext uri="{9D8B030D-6E8A-4147-A177-3AD203B41FA5}">
+                      <a16:colId xmlns:a16="http://schemas.microsoft.com/office/drawing/2014/main" val="20001"/>
+                    </a:ext>
+                  </a:extLst>
+                </a:gridCol>
+                <a:gridCol w="2130399">
+                  <a:extLst>
+                    <a:ext uri="{9D8B030D-6E8A-4147-A177-3AD203B41FA5}">
+                      <a16:colId xmlns:a16="http://schemas.microsoft.com/office/drawing/2014/main" val="20002"/>
+                    </a:ext>
+                  </a:extLst>
+                </a:gridCol>
+                <a:gridCol w="1031458">
+                  <a:extLst>
+                    <a:ext uri="{9D8B030D-6E8A-4147-A177-3AD203B41FA5}">
+                      <a16:colId xmlns:a16="http://schemas.microsoft.com/office/drawing/2014/main" val="20003"/>
+                    </a:ext>
+                  </a:extLst>
+                </a:gridCol>
+                <a:gridCol w="1031458">
+                  <a:extLst>
+                    <a:ext uri="{9D8B030D-6E8A-4147-A177-3AD203B41FA5}">
+                      <a16:colId xmlns:a16="http://schemas.microsoft.com/office/drawing/2014/main" val="20005"/>
+                    </a:ext>
+                  </a:extLst>
+                </a:gridCol>
+                <a:gridCol w="1017957">
+                  <a:extLst>
+                    <a:ext uri="{9D8B030D-6E8A-4147-A177-3AD203B41FA5}">
+                      <a16:colId xmlns:a16="http://schemas.microsoft.com/office/drawing/2014/main" val="20006"/>
+                    </a:ext>
+                  </a:extLst>
+                </a:gridCol>
+                <a:gridCol w="1031458">
+                  <a:extLst>
+                    <a:ext uri="{9D8B030D-6E8A-4147-A177-3AD203B41FA5}">
+                      <a16:colId xmlns:a16="http://schemas.microsoft.com/office/drawing/2014/main" val="20004"/>
+                    </a:ext>
+                  </a:extLst>
+                </a:gridCol>
+                <a:gridCol w="1031458">
+                  <a:extLst>
+                    <a:ext uri="{9D8B030D-6E8A-4147-A177-3AD203B41FA5}">
+                      <a16:colId xmlns:a16="http://schemas.microsoft.com/office/drawing/2014/main" val="20007"/>
+                    </a:ext>
+                  </a:extLst>
+                </a:gridCol>
+                <a:gridCol w="1022599">
+                  <a:extLst>
+                    <a:ext uri="{9D8B030D-6E8A-4147-A177-3AD203B41FA5}">
+                      <a16:colId xmlns:a16="http://schemas.microsoft.com/office/drawing/2014/main" val="20008"/>
+                    </a:ext>
+                  </a:extLst>
+                </a:gridCol>
               </a:tblGrid>
               <a:tr h="339440">
                 <a:tc rowSpan="2">
@@ -4339,7 +5111,7 @@
                 </a:tc>
                 <a:extLst>
                   <a:ext uri="{0D108BD9-81ED-4DB2-BD59-A6C34878D82A}">
-                    <a16:rowId xmlns:a16="http://schemas.microsoft.com/office/drawing/2014/main" xmlns="" val="10000"/>
+                    <a16:rowId xmlns:a16="http://schemas.microsoft.com/office/drawing/2014/main" val="10000"/>
                   </a:ext>
                 </a:extLst>
               </a:tr>
@@ -4381,18 +5153,13 @@
                     <a:p>
                       <a:pPr algn="l"/>
                       <a:r>
-                        <a:rPr lang="en-US" sz="1600" b="1" dirty="0" smtClean="0">
+                        <a:rPr lang="en-US" sz="1600" b="1" dirty="0">
                           <a:solidFill>
                             <a:schemeClr val="bg1"/>
                           </a:solidFill>
                         </a:rPr>
                         <a:t>ROUGE-1</a:t>
                       </a:r>
-                      <a:endParaRPr lang="en-US" sz="1600" b="1" dirty="0">
-                        <a:solidFill>
-                          <a:schemeClr val="bg1"/>
-                        </a:solidFill>
-                      </a:endParaRPr>
                     </a:p>
                   </a:txBody>
                   <a:tcPr>
@@ -4408,18 +5175,13 @@
                     <a:p>
                       <a:pPr algn="l"/>
                       <a:r>
-                        <a:rPr lang="en-US" sz="1600" b="1" dirty="0" smtClean="0">
+                        <a:rPr lang="en-US" sz="1600" b="1" dirty="0">
                           <a:solidFill>
                             <a:schemeClr val="bg1"/>
                           </a:solidFill>
                         </a:rPr>
                         <a:t>ROUGE-2</a:t>
                       </a:r>
-                      <a:endParaRPr lang="en-US" sz="1600" b="1" dirty="0">
-                        <a:solidFill>
-                          <a:schemeClr val="bg1"/>
-                        </a:solidFill>
-                      </a:endParaRPr>
                     </a:p>
                   </a:txBody>
                   <a:tcPr>
@@ -4435,18 +5197,13 @@
                     <a:p>
                       <a:pPr algn="l"/>
                       <a:r>
-                        <a:rPr lang="en-US" sz="1600" dirty="0" smtClean="0">
+                        <a:rPr lang="en-US" sz="1600" dirty="0">
                           <a:solidFill>
                             <a:schemeClr val="bg1"/>
                           </a:solidFill>
                         </a:rPr>
                         <a:t>ROUGE-L</a:t>
                       </a:r>
-                      <a:endParaRPr lang="en-US" sz="1600" dirty="0">
-                        <a:solidFill>
-                          <a:schemeClr val="bg1"/>
-                        </a:solidFill>
-                      </a:endParaRPr>
                     </a:p>
                   </a:txBody>
                   <a:tcPr>
@@ -4462,18 +5219,13 @@
                     <a:p>
                       <a:pPr algn="l"/>
                       <a:r>
-                        <a:rPr lang="en-US" sz="1600" b="1" dirty="0" smtClean="0">
+                        <a:rPr lang="en-US" sz="1600" b="1" dirty="0">
                           <a:solidFill>
                             <a:schemeClr val="bg1"/>
                           </a:solidFill>
                         </a:rPr>
                         <a:t>ROUGE-1</a:t>
                       </a:r>
-                      <a:endParaRPr lang="en-US" sz="1600" b="1" dirty="0">
-                        <a:solidFill>
-                          <a:schemeClr val="bg1"/>
-                        </a:solidFill>
-                      </a:endParaRPr>
                     </a:p>
                   </a:txBody>
                   <a:tcPr>
@@ -4489,18 +5241,13 @@
                     <a:p>
                       <a:pPr algn="l"/>
                       <a:r>
-                        <a:rPr lang="en-US" sz="1600" b="1" dirty="0" smtClean="0">
+                        <a:rPr lang="en-US" sz="1600" b="1" dirty="0">
                           <a:solidFill>
                             <a:schemeClr val="bg1"/>
                           </a:solidFill>
                         </a:rPr>
                         <a:t>ROUGE-2</a:t>
                       </a:r>
-                      <a:endParaRPr lang="en-US" sz="1600" b="1" dirty="0">
-                        <a:solidFill>
-                          <a:schemeClr val="bg1"/>
-                        </a:solidFill>
-                      </a:endParaRPr>
                     </a:p>
                   </a:txBody>
                   <a:tcPr>
@@ -4516,18 +5263,13 @@
                     <a:p>
                       <a:pPr algn="l"/>
                       <a:r>
-                        <a:rPr lang="en-US" sz="1600" dirty="0" smtClean="0">
+                        <a:rPr lang="en-US" sz="1600" dirty="0">
                           <a:solidFill>
                             <a:schemeClr val="bg1"/>
                           </a:solidFill>
                         </a:rPr>
                         <a:t>ROUGE-L</a:t>
                       </a:r>
-                      <a:endParaRPr lang="en-US" sz="1600" dirty="0">
-                        <a:solidFill>
-                          <a:schemeClr val="bg1"/>
-                        </a:solidFill>
-                      </a:endParaRPr>
                     </a:p>
                   </a:txBody>
                   <a:tcPr>
@@ -4536,6 +5278,11 @@
                     </a:solidFill>
                   </a:tcPr>
                 </a:tc>
+                <a:extLst>
+                  <a:ext uri="{0D108BD9-81ED-4DB2-BD59-A6C34878D82A}">
+                    <a16:rowId xmlns:a16="http://schemas.microsoft.com/office/drawing/2014/main" val="10006"/>
+                  </a:ext>
+                </a:extLst>
               </a:tr>
               <a:tr h="288882">
                 <a:tc rowSpan="3">
@@ -4601,18 +5348,13 @@
                     <a:lstStyle/>
                     <a:p>
                       <a:r>
-                        <a:rPr lang="en-US" sz="1600" b="1" dirty="0" smtClean="0">
+                        <a:rPr lang="en-US" sz="1600" b="1" dirty="0">
                           <a:solidFill>
                             <a:srgbClr val="000090"/>
                           </a:solidFill>
                         </a:rPr>
                         <a:t>0.11580 </a:t>
                       </a:r>
-                      <a:endParaRPr lang="en-US" sz="1600" b="1" dirty="0">
-                        <a:solidFill>
-                          <a:srgbClr val="000090"/>
-                        </a:solidFill>
-                      </a:endParaRPr>
                     </a:p>
                   </a:txBody>
                   <a:tcPr/>
@@ -4623,10 +5365,9 @@
                     <a:lstStyle/>
                     <a:p>
                       <a:r>
-                        <a:rPr lang="en-US" sz="1600" dirty="0" smtClean="0"/>
+                        <a:rPr lang="en-US" sz="1600" dirty="0"/>
                         <a:t>0.25311</a:t>
                       </a:r>
-                      <a:endParaRPr lang="en-US" sz="1600" dirty="0"/>
                     </a:p>
                   </a:txBody>
                   <a:tcPr/>
@@ -4654,18 +5395,13 @@
                     <a:lstStyle/>
                     <a:p>
                       <a:r>
-                        <a:rPr lang="en-US" sz="1600" b="1" dirty="0" smtClean="0">
+                        <a:rPr lang="en-US" sz="1600" b="1" dirty="0">
                           <a:solidFill>
                             <a:srgbClr val="000090"/>
                           </a:solidFill>
                         </a:rPr>
                         <a:t>0.12198</a:t>
                       </a:r>
-                      <a:endParaRPr lang="en-US" sz="1600" b="1" dirty="0">
-                        <a:solidFill>
-                          <a:srgbClr val="000090"/>
-                        </a:solidFill>
-                      </a:endParaRPr>
                     </a:p>
                   </a:txBody>
                   <a:tcPr/>
@@ -4676,17 +5412,16 @@
                     <a:lstStyle/>
                     <a:p>
                       <a:r>
-                        <a:rPr lang="en-US" sz="1600" dirty="0" smtClean="0"/>
+                        <a:rPr lang="en-US" sz="1600" dirty="0"/>
                         <a:t>0.26038</a:t>
                       </a:r>
-                      <a:endParaRPr lang="en-US" sz="1600" dirty="0"/>
                     </a:p>
                   </a:txBody>
                   <a:tcPr/>
                 </a:tc>
                 <a:extLst>
                   <a:ext uri="{0D108BD9-81ED-4DB2-BD59-A6C34878D82A}">
-                    <a16:rowId xmlns:a16="http://schemas.microsoft.com/office/drawing/2014/main" xmlns="" val="10001"/>
+                    <a16:rowId xmlns:a16="http://schemas.microsoft.com/office/drawing/2014/main" val="10001"/>
                   </a:ext>
                 </a:extLst>
               </a:tr>
@@ -4750,18 +5485,13 @@
                     <a:lstStyle/>
                     <a:p>
                       <a:r>
-                        <a:rPr lang="en-US" sz="1600" b="1" dirty="0" smtClean="0">
+                        <a:rPr lang="en-US" sz="1600" b="1" dirty="0">
                           <a:solidFill>
                             <a:srgbClr val="000090"/>
                           </a:solidFill>
                         </a:rPr>
                         <a:t>0.07703</a:t>
                       </a:r>
-                      <a:endParaRPr lang="en-US" sz="1600" b="1" dirty="0">
-                        <a:solidFill>
-                          <a:srgbClr val="000090"/>
-                        </a:solidFill>
-                      </a:endParaRPr>
                     </a:p>
                   </a:txBody>
                   <a:tcPr/>
@@ -4772,10 +5502,9 @@
                     <a:lstStyle/>
                     <a:p>
                       <a:r>
-                        <a:rPr lang="en-US" sz="1600" dirty="0" smtClean="0"/>
+                        <a:rPr lang="en-US" sz="1600" dirty="0"/>
                         <a:t>0.21326</a:t>
                       </a:r>
-                      <a:endParaRPr lang="en-US" sz="1600" dirty="0"/>
                     </a:p>
                   </a:txBody>
                   <a:tcPr/>
@@ -4803,18 +5532,13 @@
                     <a:lstStyle/>
                     <a:p>
                       <a:r>
-                        <a:rPr lang="en-US" sz="1600" b="1" dirty="0" smtClean="0">
+                        <a:rPr lang="en-US" sz="1600" b="1" dirty="0">
                           <a:solidFill>
                             <a:srgbClr val="000090"/>
                           </a:solidFill>
                         </a:rPr>
                         <a:t>0.11064</a:t>
                       </a:r>
-                      <a:endParaRPr lang="en-US" sz="1600" b="1" dirty="0">
-                        <a:solidFill>
-                          <a:srgbClr val="000090"/>
-                        </a:solidFill>
-                      </a:endParaRPr>
                     </a:p>
                   </a:txBody>
                   <a:tcPr/>
@@ -4825,17 +5549,16 @@
                     <a:lstStyle/>
                     <a:p>
                       <a:r>
-                        <a:rPr lang="en-US" sz="1600" dirty="0" smtClean="0"/>
+                        <a:rPr lang="en-US" sz="1600" dirty="0"/>
                         <a:t>0.23477</a:t>
                       </a:r>
-                      <a:endParaRPr lang="en-US" sz="1600" dirty="0"/>
                     </a:p>
                   </a:txBody>
                   <a:tcPr/>
                 </a:tc>
                 <a:extLst>
                   <a:ext uri="{0D108BD9-81ED-4DB2-BD59-A6C34878D82A}">
-                    <a16:rowId xmlns:a16="http://schemas.microsoft.com/office/drawing/2014/main" xmlns="" val="10002"/>
+                    <a16:rowId xmlns:a16="http://schemas.microsoft.com/office/drawing/2014/main" val="10002"/>
                   </a:ext>
                 </a:extLst>
               </a:tr>
@@ -4896,18 +5619,13 @@
                     <a:lstStyle/>
                     <a:p>
                       <a:r>
-                        <a:rPr lang="en-US" sz="1600" b="1" dirty="0" smtClean="0">
+                        <a:rPr lang="en-US" sz="1600" b="1" dirty="0">
                           <a:solidFill>
                             <a:srgbClr val="000090"/>
                           </a:solidFill>
                         </a:rPr>
                         <a:t>0.07836</a:t>
                       </a:r>
-                      <a:endParaRPr lang="en-US" sz="1600" b="1" dirty="0">
-                        <a:solidFill>
-                          <a:srgbClr val="000090"/>
-                        </a:solidFill>
-                      </a:endParaRPr>
                     </a:p>
                   </a:txBody>
                   <a:tcPr/>
@@ -4918,10 +5636,9 @@
                     <a:lstStyle/>
                     <a:p>
                       <a:r>
-                        <a:rPr lang="en-US" sz="1600" dirty="0" smtClean="0"/>
+                        <a:rPr lang="en-US" sz="1600" dirty="0"/>
                         <a:t>0.21218</a:t>
                       </a:r>
-                      <a:endParaRPr lang="en-US" sz="1600" dirty="0"/>
                     </a:p>
                   </a:txBody>
                   <a:tcPr/>
@@ -4949,18 +5666,13 @@
                     <a:lstStyle/>
                     <a:p>
                       <a:r>
-                        <a:rPr lang="en-US" sz="1600" b="1" dirty="0" smtClean="0">
+                        <a:rPr lang="en-US" sz="1600" b="1" dirty="0">
                           <a:solidFill>
                             <a:srgbClr val="000090"/>
                           </a:solidFill>
                         </a:rPr>
                         <a:t>0.10662</a:t>
                       </a:r>
-                      <a:endParaRPr lang="en-US" sz="1600" b="1" dirty="0">
-                        <a:solidFill>
-                          <a:srgbClr val="000090"/>
-                        </a:solidFill>
-                      </a:endParaRPr>
                     </a:p>
                   </a:txBody>
                   <a:tcPr/>
@@ -4971,17 +5683,16 @@
                     <a:lstStyle/>
                     <a:p>
                       <a:r>
-                        <a:rPr lang="en-US" sz="1600" dirty="0" smtClean="0"/>
+                        <a:rPr lang="en-US" sz="1600" dirty="0"/>
                         <a:t>0.24970</a:t>
                       </a:r>
-                      <a:endParaRPr lang="en-US" sz="1600" dirty="0"/>
                     </a:p>
                   </a:txBody>
                   <a:tcPr/>
                 </a:tc>
                 <a:extLst>
                   <a:ext uri="{0D108BD9-81ED-4DB2-BD59-A6C34878D82A}">
-                    <a16:rowId xmlns:a16="http://schemas.microsoft.com/office/drawing/2014/main" xmlns="" val="10003"/>
+                    <a16:rowId xmlns:a16="http://schemas.microsoft.com/office/drawing/2014/main" val="10003"/>
                   </a:ext>
                 </a:extLst>
               </a:tr>
@@ -5031,44 +5742,6 @@
                     <a:bodyPr/>
                     <a:lstStyle/>
                     <a:p>
-                      <a:endParaRPr lang="en-US" sz="1600" dirty="0">
-                        <a:solidFill>
-                          <a:srgbClr val="800000"/>
-                        </a:solidFill>
-                      </a:endParaRPr>
-                    </a:p>
-                  </a:txBody>
-                  <a:tcPr/>
-                </a:tc>
-                <a:tc>
-                  <a:txBody>
-                    <a:bodyPr/>
-                    <a:lstStyle/>
-                    <a:p>
-                      <a:endParaRPr lang="en-US" sz="1600" b="1" dirty="0">
-                        <a:solidFill>
-                          <a:srgbClr val="000090"/>
-                        </a:solidFill>
-                      </a:endParaRPr>
-                    </a:p>
-                  </a:txBody>
-                  <a:tcPr/>
-                </a:tc>
-                <a:tc>
-                  <a:txBody>
-                    <a:bodyPr/>
-                    <a:lstStyle/>
-                    <a:p>
-                      <a:endParaRPr lang="en-US" sz="1600" dirty="0"/>
-                    </a:p>
-                  </a:txBody>
-                  <a:tcPr/>
-                </a:tc>
-                <a:tc>
-                  <a:txBody>
-                    <a:bodyPr/>
-                    <a:lstStyle/>
-                    <a:p>
                       <a:r>
                         <a:rPr lang="en-US" sz="1600" b="1" dirty="0">
                           <a:solidFill>
@@ -5087,17 +5760,82 @@
                     <a:lstStyle/>
                     <a:p>
                       <a:r>
-                        <a:rPr lang="en-US" sz="1600" b="1" dirty="0" smtClean="0">
+                        <a:rPr lang="en-US" sz="1600" b="1" dirty="0">
                           <a:solidFill>
                             <a:srgbClr val="000090"/>
                           </a:solidFill>
                         </a:rPr>
                         <a:t>0.31916</a:t>
                       </a:r>
-                      <a:endParaRPr lang="en-US" sz="1600" b="1" dirty="0">
+                    </a:p>
+                  </a:txBody>
+                  <a:tcPr/>
+                </a:tc>
+                <a:tc>
+                  <a:txBody>
+                    <a:bodyPr/>
+                    <a:lstStyle/>
+                    <a:p>
+                      <a:r>
+                        <a:rPr lang="en-US" sz="1600" dirty="0"/>
+                        <a:t>0.40957</a:t>
+                      </a:r>
+                    </a:p>
+                  </a:txBody>
+                  <a:tcPr/>
+                </a:tc>
+                <a:tc>
+                  <a:txBody>
+                    <a:bodyPr/>
+                    <a:lstStyle/>
+                    <a:p>
+                      <a:pPr marL="0" marR="0" lvl="0" indent="0" algn="ctr" defTabSz="914400" rtl="0" eaLnBrk="1" fontAlgn="auto" latinLnBrk="0" hangingPunct="1">
+                        <a:lnSpc>
+                          <a:spcPct val="100000"/>
+                        </a:lnSpc>
+                        <a:spcBef>
+                          <a:spcPts val="0"/>
+                        </a:spcBef>
+                        <a:spcAft>
+                          <a:spcPts val="0"/>
+                        </a:spcAft>
+                        <a:buClrTx/>
+                        <a:buSzTx/>
+                        <a:buFontTx/>
+                        <a:buNone/>
+                        <a:tabLst/>
+                        <a:defRPr/>
+                      </a:pPr>
+                      <a:r>
+                        <a:rPr kumimoji="0" lang="en-US" sz="1600" b="1" i="0" u="none" strike="noStrike" kern="1200" cap="none" spc="0" normalizeH="0" baseline="0" noProof="0">
+                          <a:ln>
+                            <a:noFill/>
+                          </a:ln>
+                          <a:solidFill>
+                            <a:srgbClr val="800000"/>
+                          </a:solidFill>
+                          <a:effectLst/>
+                          <a:uLnTx/>
+                          <a:uFillTx/>
+                          <a:latin typeface="Franklin Gothic Book"/>
+                          <a:ea typeface="+mn-ea"/>
+                          <a:cs typeface="+mn-cs"/>
+                        </a:rPr>
+                        <a:t>-</a:t>
+                      </a:r>
+                      <a:endParaRPr kumimoji="0" lang="en-US" sz="1600" b="1" i="0" u="none" strike="noStrike" kern="1200" cap="none" spc="0" normalizeH="0" baseline="0" noProof="0" dirty="0">
+                        <a:ln>
+                          <a:noFill/>
+                        </a:ln>
                         <a:solidFill>
-                          <a:srgbClr val="000090"/>
+                          <a:srgbClr val="800000"/>
                         </a:solidFill>
+                        <a:effectLst/>
+                        <a:uLnTx/>
+                        <a:uFillTx/>
+                        <a:latin typeface="Franklin Gothic Book"/>
+                        <a:ea typeface="+mn-ea"/>
+                        <a:cs typeface="+mn-cs"/>
                       </a:endParaRPr>
                     </a:p>
                   </a:txBody>
@@ -5108,18 +5846,118 @@
                     <a:bodyPr/>
                     <a:lstStyle/>
                     <a:p>
+                      <a:pPr marL="0" marR="0" lvl="0" indent="0" algn="ctr" defTabSz="914400" rtl="0" eaLnBrk="1" fontAlgn="auto" latinLnBrk="0" hangingPunct="1">
+                        <a:lnSpc>
+                          <a:spcPct val="100000"/>
+                        </a:lnSpc>
+                        <a:spcBef>
+                          <a:spcPts val="0"/>
+                        </a:spcBef>
+                        <a:spcAft>
+                          <a:spcPts val="0"/>
+                        </a:spcAft>
+                        <a:buClrTx/>
+                        <a:buSzTx/>
+                        <a:buFontTx/>
+                        <a:buNone/>
+                        <a:tabLst/>
+                        <a:defRPr/>
+                      </a:pPr>
                       <a:r>
-                        <a:rPr lang="en-US" sz="1600" dirty="0" smtClean="0"/>
-                        <a:t>0.40957</a:t>
+                        <a:rPr kumimoji="0" lang="en-US" sz="1600" b="1" i="0" u="none" strike="noStrike" kern="1200" cap="none" spc="0" normalizeH="0" baseline="0" noProof="0">
+                          <a:ln>
+                            <a:noFill/>
+                          </a:ln>
+                          <a:solidFill>
+                            <a:srgbClr val="800000"/>
+                          </a:solidFill>
+                          <a:effectLst/>
+                          <a:uLnTx/>
+                          <a:uFillTx/>
+                          <a:latin typeface="Franklin Gothic Book"/>
+                          <a:ea typeface="+mn-ea"/>
+                          <a:cs typeface="+mn-cs"/>
+                        </a:rPr>
+                        <a:t>-</a:t>
                       </a:r>
-                      <a:endParaRPr lang="en-US" sz="1600" dirty="0"/>
+                      <a:endParaRPr kumimoji="0" lang="en-US" sz="1600" b="1" i="0" u="none" strike="noStrike" kern="1200" cap="none" spc="0" normalizeH="0" baseline="0" noProof="0" dirty="0">
+                        <a:ln>
+                          <a:noFill/>
+                        </a:ln>
+                        <a:solidFill>
+                          <a:srgbClr val="800000"/>
+                        </a:solidFill>
+                        <a:effectLst/>
+                        <a:uLnTx/>
+                        <a:uFillTx/>
+                        <a:latin typeface="Franklin Gothic Book"/>
+                        <a:ea typeface="+mn-ea"/>
+                        <a:cs typeface="+mn-cs"/>
+                      </a:endParaRPr>
+                    </a:p>
+                  </a:txBody>
+                  <a:tcPr/>
+                </a:tc>
+                <a:tc>
+                  <a:txBody>
+                    <a:bodyPr/>
+                    <a:lstStyle/>
+                    <a:p>
+                      <a:pPr marL="0" marR="0" lvl="0" indent="0" algn="ctr" defTabSz="914400" rtl="0" eaLnBrk="1" fontAlgn="auto" latinLnBrk="0" hangingPunct="1">
+                        <a:lnSpc>
+                          <a:spcPct val="100000"/>
+                        </a:lnSpc>
+                        <a:spcBef>
+                          <a:spcPts val="0"/>
+                        </a:spcBef>
+                        <a:spcAft>
+                          <a:spcPts val="0"/>
+                        </a:spcAft>
+                        <a:buClrTx/>
+                        <a:buSzTx/>
+                        <a:buFontTx/>
+                        <a:buNone/>
+                        <a:tabLst/>
+                        <a:defRPr/>
+                      </a:pPr>
+                      <a:r>
+                        <a:rPr kumimoji="0" lang="en-US" sz="1600" b="1" i="0" u="none" strike="noStrike" kern="1200" cap="none" spc="0" normalizeH="0" baseline="0" noProof="0">
+                          <a:ln>
+                            <a:noFill/>
+                          </a:ln>
+                          <a:solidFill>
+                            <a:srgbClr val="800000"/>
+                          </a:solidFill>
+                          <a:effectLst/>
+                          <a:uLnTx/>
+                          <a:uFillTx/>
+                          <a:latin typeface="Franklin Gothic Book"/>
+                          <a:ea typeface="+mn-ea"/>
+                          <a:cs typeface="+mn-cs"/>
+                        </a:rPr>
+                        <a:t>-</a:t>
+                      </a:r>
+                      <a:endParaRPr kumimoji="0" lang="en-US" sz="1600" b="1" i="0" u="none" strike="noStrike" kern="1200" cap="none" spc="0" normalizeH="0" baseline="0" noProof="0" dirty="0">
+                        <a:ln>
+                          <a:noFill/>
+                        </a:ln>
+                        <a:solidFill>
+                          <a:srgbClr val="800000"/>
+                        </a:solidFill>
+                        <a:effectLst/>
+                        <a:uLnTx/>
+                        <a:uFillTx/>
+                        <a:latin typeface="Franklin Gothic Book"/>
+                        <a:ea typeface="+mn-ea"/>
+                        <a:cs typeface="+mn-cs"/>
+                      </a:endParaRPr>
                     </a:p>
                   </a:txBody>
                   <a:tcPr/>
                 </a:tc>
                 <a:extLst>
                   <a:ext uri="{0D108BD9-81ED-4DB2-BD59-A6C34878D82A}">
-                    <a16:rowId xmlns:a16="http://schemas.microsoft.com/office/drawing/2014/main" xmlns="" val="10004"/>
+                    <a16:rowId xmlns:a16="http://schemas.microsoft.com/office/drawing/2014/main" val="10004"/>
                   </a:ext>
                 </a:extLst>
               </a:tr>
@@ -5163,10 +6001,100 @@
                     <a:bodyPr/>
                     <a:lstStyle/>
                     <a:p>
-                      <a:endParaRPr lang="en-US" sz="1600" dirty="0">
+                      <a:r>
+                        <a:rPr lang="en-US" sz="1600" b="1" dirty="0">
+                          <a:solidFill>
+                            <a:srgbClr val="800000"/>
+                          </a:solidFill>
+                        </a:rPr>
+                        <a:t>0.52943</a:t>
+                      </a:r>
+                    </a:p>
+                  </a:txBody>
+                  <a:tcPr/>
+                </a:tc>
+                <a:tc>
+                  <a:txBody>
+                    <a:bodyPr/>
+                    <a:lstStyle/>
+                    <a:p>
+                      <a:r>
+                        <a:rPr lang="en-US" sz="1600" b="1" dirty="0">
+                          <a:solidFill>
+                            <a:srgbClr val="000090"/>
+                          </a:solidFill>
+                        </a:rPr>
+                        <a:t>0.39246</a:t>
+                      </a:r>
+                    </a:p>
+                  </a:txBody>
+                  <a:tcPr/>
+                </a:tc>
+                <a:tc>
+                  <a:txBody>
+                    <a:bodyPr/>
+                    <a:lstStyle/>
+                    <a:p>
+                      <a:r>
+                        <a:rPr lang="en-US" sz="1600" dirty="0"/>
+                        <a:t>0.49484</a:t>
+                      </a:r>
+                    </a:p>
+                  </a:txBody>
+                  <a:tcPr/>
+                </a:tc>
+                <a:tc>
+                  <a:txBody>
+                    <a:bodyPr/>
+                    <a:lstStyle/>
+                    <a:p>
+                      <a:pPr marL="0" marR="0" lvl="0" indent="0" algn="ctr" defTabSz="914400" rtl="0" eaLnBrk="1" fontAlgn="auto" latinLnBrk="0" hangingPunct="1">
+                        <a:lnSpc>
+                          <a:spcPct val="100000"/>
+                        </a:lnSpc>
+                        <a:spcBef>
+                          <a:spcPts val="0"/>
+                        </a:spcBef>
+                        <a:spcAft>
+                          <a:spcPts val="0"/>
+                        </a:spcAft>
+                        <a:buClrTx/>
+                        <a:buSzTx/>
+                        <a:buFontTx/>
+                        <a:buNone/>
+                        <a:tabLst/>
+                        <a:defRPr/>
+                      </a:pPr>
+                      <a:r>
+                        <a:rPr kumimoji="0" lang="en-US" sz="1600" b="1" i="0" u="none" strike="noStrike" kern="1200" cap="none" spc="0" normalizeH="0" baseline="0" noProof="0">
+                          <a:ln>
+                            <a:noFill/>
+                          </a:ln>
+                          <a:solidFill>
+                            <a:srgbClr val="800000"/>
+                          </a:solidFill>
+                          <a:effectLst/>
+                          <a:uLnTx/>
+                          <a:uFillTx/>
+                          <a:latin typeface="Franklin Gothic Book"/>
+                          <a:ea typeface="+mn-ea"/>
+                          <a:cs typeface="+mn-cs"/>
+                        </a:rPr>
+                        <a:t>-</a:t>
+                      </a:r>
+                      <a:endParaRPr kumimoji="0" lang="en-US" sz="1600" b="1" i="0" u="none" strike="noStrike" kern="1200" cap="none" spc="0" normalizeH="0" baseline="0" noProof="0" dirty="0">
+                        <a:ln>
+                          <a:noFill/>
+                        </a:ln>
                         <a:solidFill>
                           <a:srgbClr val="800000"/>
                         </a:solidFill>
+                        <a:effectLst/>
+                        <a:uLnTx/>
+                        <a:uFillTx/>
+                        <a:latin typeface="Franklin Gothic Book"/>
+                        <a:ea typeface="+mn-ea"/>
+                        <a:cs typeface="+mn-cs"/>
                       </a:endParaRPr>
                     </a:p>
                   </a:txBody>
@@ -5177,10 +6105,53 @@
                     <a:bodyPr/>
                     <a:lstStyle/>
                     <a:p>
-                      <a:endParaRPr lang="en-US" sz="1600" b="1" dirty="0">
+                      <a:pPr marL="0" marR="0" lvl="0" indent="0" algn="ctr" defTabSz="914400" rtl="0" eaLnBrk="1" fontAlgn="auto" latinLnBrk="0" hangingPunct="1">
+                        <a:lnSpc>
+                          <a:spcPct val="100000"/>
+                        </a:lnSpc>
+                        <a:spcBef>
+                          <a:spcPts val="0"/>
+                        </a:spcBef>
+                        <a:spcAft>
+                          <a:spcPts val="0"/>
+                        </a:spcAft>
+                        <a:buClrTx/>
+                        <a:buSzTx/>
+                        <a:buFontTx/>
+                        <a:buNone/>
+                        <a:tabLst/>
+                        <a:defRPr/>
+                      </a:pPr>
+                      <a:r>
+                        <a:rPr kumimoji="0" lang="en-US" sz="1600" b="1" i="0" u="none" strike="noStrike" kern="1200" cap="none" spc="0" normalizeH="0" baseline="0" noProof="0">
+                          <a:ln>
+                            <a:noFill/>
+                          </a:ln>
+                          <a:solidFill>
+                            <a:srgbClr val="800000"/>
+                          </a:solidFill>
+                          <a:effectLst/>
+                          <a:uLnTx/>
+                          <a:uFillTx/>
+                          <a:latin typeface="Franklin Gothic Book"/>
+                          <a:ea typeface="+mn-ea"/>
+                          <a:cs typeface="+mn-cs"/>
+                        </a:rPr>
+                        <a:t>-</a:t>
+                      </a:r>
+                      <a:endParaRPr kumimoji="0" lang="en-US" sz="1600" b="1" i="0" u="none" strike="noStrike" kern="1200" cap="none" spc="0" normalizeH="0" baseline="0" noProof="0" dirty="0">
+                        <a:ln>
+                          <a:noFill/>
+                        </a:ln>
                         <a:solidFill>
-                          <a:srgbClr val="000090"/>
+                          <a:srgbClr val="800000"/>
                         </a:solidFill>
+                        <a:effectLst/>
+                        <a:uLnTx/>
+                        <a:uFillTx/>
+                        <a:latin typeface="Franklin Gothic Book"/>
+                        <a:ea typeface="+mn-ea"/>
+                        <a:cs typeface="+mn-cs"/>
                       </a:endParaRPr>
                     </a:p>
                   </a:txBody>
@@ -5191,72 +6162,47 @@
                     <a:bodyPr/>
                     <a:lstStyle/>
                     <a:p>
-                      <a:endParaRPr lang="en-US" sz="1600" dirty="0"/>
-                    </a:p>
-                  </a:txBody>
-                  <a:tcPr/>
-                </a:tc>
-                <a:tc>
-                  <a:txBody>
-                    <a:bodyPr/>
-                    <a:lstStyle/>
-                    <a:p>
+                      <a:pPr marL="0" marR="0" lvl="0" indent="0" algn="ctr" defTabSz="914400" rtl="0" eaLnBrk="1" fontAlgn="auto" latinLnBrk="0" hangingPunct="1">
+                        <a:lnSpc>
+                          <a:spcPct val="100000"/>
+                        </a:lnSpc>
+                        <a:spcBef>
+                          <a:spcPts val="0"/>
+                        </a:spcBef>
+                        <a:spcAft>
+                          <a:spcPts val="0"/>
+                        </a:spcAft>
+                        <a:buClrTx/>
+                        <a:buSzTx/>
+                        <a:buFontTx/>
+                        <a:buNone/>
+                        <a:tabLst/>
+                        <a:defRPr/>
+                      </a:pPr>
                       <a:r>
-                        <a:rPr lang="en-US" sz="1600" b="1" dirty="0" smtClean="0">
+                        <a:rPr kumimoji="0" lang="en-US" sz="1600" b="1" i="0" u="none" strike="noStrike" kern="1200" cap="none" spc="0" normalizeH="0" baseline="0" noProof="0" dirty="0">
+                          <a:ln>
+                            <a:noFill/>
+                          </a:ln>
                           <a:solidFill>
                             <a:srgbClr val="800000"/>
                           </a:solidFill>
+                          <a:effectLst/>
+                          <a:uLnTx/>
+                          <a:uFillTx/>
+                          <a:latin typeface="Franklin Gothic Book"/>
+                          <a:ea typeface="+mn-ea"/>
+                          <a:cs typeface="+mn-cs"/>
                         </a:rPr>
-                        <a:t>0.52943</a:t>
+                        <a:t>-</a:t>
                       </a:r>
-                      <a:endParaRPr lang="en-US" sz="1600" b="1" dirty="0">
-                        <a:solidFill>
-                          <a:srgbClr val="800000"/>
-                        </a:solidFill>
-                      </a:endParaRPr>
-                    </a:p>
-                  </a:txBody>
-                  <a:tcPr/>
-                </a:tc>
-                <a:tc>
-                  <a:txBody>
-                    <a:bodyPr/>
-                    <a:lstStyle/>
-                    <a:p>
-                      <a:r>
-                        <a:rPr lang="en-US" sz="1600" b="1" dirty="0" smtClean="0">
-                          <a:solidFill>
-                            <a:srgbClr val="000090"/>
-                          </a:solidFill>
-                        </a:rPr>
-                        <a:t>0.39246</a:t>
-                      </a:r>
-                      <a:endParaRPr lang="en-US" sz="1600" b="1" dirty="0">
-                        <a:solidFill>
-                          <a:srgbClr val="000090"/>
-                        </a:solidFill>
-                      </a:endParaRPr>
-                    </a:p>
-                  </a:txBody>
-                  <a:tcPr/>
-                </a:tc>
-                <a:tc>
-                  <a:txBody>
-                    <a:bodyPr/>
-                    <a:lstStyle/>
-                    <a:p>
-                      <a:r>
-                        <a:rPr lang="en-US" sz="1600" dirty="0" smtClean="0"/>
-                        <a:t>0.49484</a:t>
-                      </a:r>
-                      <a:endParaRPr lang="en-US" sz="1600" dirty="0"/>
                     </a:p>
                   </a:txBody>
                   <a:tcPr/>
                 </a:tc>
                 <a:extLst>
                   <a:ext uri="{0D108BD9-81ED-4DB2-BD59-A6C34878D82A}">
-                    <a16:rowId xmlns:a16="http://schemas.microsoft.com/office/drawing/2014/main" xmlns="" val="10005"/>
+                    <a16:rowId xmlns:a16="http://schemas.microsoft.com/office/drawing/2014/main" val="10005"/>
                   </a:ext>
                 </a:extLst>
               </a:tr>
@@ -5277,7 +6223,7 @@
 </p:sld>
 </file>
 
-<file path=ppt/slides/slide11.xml><?xml version="1.0" encoding="utf-8"?>
+<file path=ppt/slides/slide13.xml><?xml version="1.0" encoding="utf-8"?>
 <p:sld xmlns:a="http://schemas.openxmlformats.org/drawingml/2006/main" xmlns:r="http://schemas.openxmlformats.org/officeDocument/2006/relationships" xmlns:p="http://schemas.openxmlformats.org/presentationml/2006/main">
   <p:cSld>
     <p:spTree>
@@ -5299,7 +6245,7 @@
           <p:cNvPr id="2" name="Title 1">
             <a:extLst>
               <a:ext uri="{FF2B5EF4-FFF2-40B4-BE49-F238E27FC236}">
-                <a16:creationId xmlns:a16="http://schemas.microsoft.com/office/drawing/2014/main" xmlns="" id="{B15ED5BE-AD40-47E3-AA33-E7B1B63CB7CC}"/>
+                <a16:creationId xmlns:a16="http://schemas.microsoft.com/office/drawing/2014/main" id="{B15ED5BE-AD40-47E3-AA33-E7B1B63CB7CC}"/>
               </a:ext>
             </a:extLst>
           </p:cNvPr>
@@ -5342,7 +6288,7 @@
           <p:cNvPr id="3" name="Content Placeholder 2">
             <a:extLst>
               <a:ext uri="{FF2B5EF4-FFF2-40B4-BE49-F238E27FC236}">
-                <a16:creationId xmlns:a16="http://schemas.microsoft.com/office/drawing/2014/main" xmlns="" id="{2F67B85E-7F9D-4104-B6CD-FC83865A7E25}"/>
+                <a16:creationId xmlns:a16="http://schemas.microsoft.com/office/drawing/2014/main" id="{2F67B85E-7F9D-4104-B6CD-FC83865A7E25}"/>
               </a:ext>
             </a:extLst>
           </p:cNvPr>
@@ -6298,10 +7244,286 @@
   <p:clrMapOvr>
     <a:masterClrMapping/>
   </p:clrMapOvr>
+  <p:timing>
+    <p:tnLst>
+      <p:par>
+        <p:cTn id="1" dur="indefinite" restart="never" nodeType="tmRoot">
+          <p:childTnLst>
+            <p:seq concurrent="1" nextAc="seek">
+              <p:cTn id="2" dur="indefinite" nodeType="mainSeq">
+                <p:childTnLst>
+                  <p:par>
+                    <p:cTn id="3" fill="hold">
+                      <p:stCondLst>
+                        <p:cond delay="indefinite"/>
+                      </p:stCondLst>
+                      <p:childTnLst>
+                        <p:par>
+                          <p:cTn id="4" fill="hold">
+                            <p:stCondLst>
+                              <p:cond delay="0"/>
+                            </p:stCondLst>
+                            <p:childTnLst>
+                              <p:par>
+                                <p:cTn id="5" presetID="1" presetClass="entr" presetSubtype="0" fill="hold" grpId="0" nodeType="clickEffect">
+                                  <p:stCondLst>
+                                    <p:cond delay="0"/>
+                                  </p:stCondLst>
+                                  <p:childTnLst>
+                                    <p:set>
+                                      <p:cBhvr>
+                                        <p:cTn id="6" dur="1" fill="hold">
+                                          <p:stCondLst>
+                                            <p:cond delay="0"/>
+                                          </p:stCondLst>
+                                        </p:cTn>
+                                        <p:tgtEl>
+                                          <p:spTgt spid="3">
+                                            <p:bg/>
+                                          </p:spTgt>
+                                        </p:tgtEl>
+                                        <p:attrNameLst>
+                                          <p:attrName>style.visibility</p:attrName>
+                                        </p:attrNameLst>
+                                      </p:cBhvr>
+                                      <p:to>
+                                        <p:strVal val="visible"/>
+                                      </p:to>
+                                    </p:set>
+                                  </p:childTnLst>
+                                </p:cTn>
+                              </p:par>
+                            </p:childTnLst>
+                          </p:cTn>
+                        </p:par>
+                      </p:childTnLst>
+                    </p:cTn>
+                  </p:par>
+                  <p:par>
+                    <p:cTn id="7" fill="hold">
+                      <p:stCondLst>
+                        <p:cond delay="indefinite"/>
+                      </p:stCondLst>
+                      <p:childTnLst>
+                        <p:par>
+                          <p:cTn id="8" fill="hold">
+                            <p:stCondLst>
+                              <p:cond delay="0"/>
+                            </p:stCondLst>
+                            <p:childTnLst>
+                              <p:par>
+                                <p:cTn id="9" presetID="1" presetClass="entr" presetSubtype="0" fill="hold" grpId="0" nodeType="clickEffect">
+                                  <p:stCondLst>
+                                    <p:cond delay="0"/>
+                                  </p:stCondLst>
+                                  <p:childTnLst>
+                                    <p:set>
+                                      <p:cBhvr>
+                                        <p:cTn id="10" dur="1" fill="hold">
+                                          <p:stCondLst>
+                                            <p:cond delay="0"/>
+                                          </p:stCondLst>
+                                        </p:cTn>
+                                        <p:tgtEl>
+                                          <p:spTgt spid="3">
+                                            <p:txEl>
+                                              <p:pRg st="0" end="0"/>
+                                            </p:txEl>
+                                          </p:spTgt>
+                                        </p:tgtEl>
+                                        <p:attrNameLst>
+                                          <p:attrName>style.visibility</p:attrName>
+                                        </p:attrNameLst>
+                                      </p:cBhvr>
+                                      <p:to>
+                                        <p:strVal val="visible"/>
+                                      </p:to>
+                                    </p:set>
+                                  </p:childTnLst>
+                                </p:cTn>
+                              </p:par>
+                            </p:childTnLst>
+                          </p:cTn>
+                        </p:par>
+                      </p:childTnLst>
+                    </p:cTn>
+                  </p:par>
+                  <p:par>
+                    <p:cTn id="11" fill="hold">
+                      <p:stCondLst>
+                        <p:cond delay="indefinite"/>
+                      </p:stCondLst>
+                      <p:childTnLst>
+                        <p:par>
+                          <p:cTn id="12" fill="hold">
+                            <p:stCondLst>
+                              <p:cond delay="0"/>
+                            </p:stCondLst>
+                            <p:childTnLst>
+                              <p:par>
+                                <p:cTn id="13" presetID="1" presetClass="entr" presetSubtype="0" fill="hold" grpId="0" nodeType="clickEffect">
+                                  <p:stCondLst>
+                                    <p:cond delay="0"/>
+                                  </p:stCondLst>
+                                  <p:childTnLst>
+                                    <p:set>
+                                      <p:cBhvr>
+                                        <p:cTn id="14" dur="1" fill="hold">
+                                          <p:stCondLst>
+                                            <p:cond delay="0"/>
+                                          </p:stCondLst>
+                                        </p:cTn>
+                                        <p:tgtEl>
+                                          <p:spTgt spid="3">
+                                            <p:txEl>
+                                              <p:pRg st="1" end="1"/>
+                                            </p:txEl>
+                                          </p:spTgt>
+                                        </p:tgtEl>
+                                        <p:attrNameLst>
+                                          <p:attrName>style.visibility</p:attrName>
+                                        </p:attrNameLst>
+                                      </p:cBhvr>
+                                      <p:to>
+                                        <p:strVal val="visible"/>
+                                      </p:to>
+                                    </p:set>
+                                  </p:childTnLst>
+                                </p:cTn>
+                              </p:par>
+                            </p:childTnLst>
+                          </p:cTn>
+                        </p:par>
+                      </p:childTnLst>
+                    </p:cTn>
+                  </p:par>
+                  <p:par>
+                    <p:cTn id="15" fill="hold">
+                      <p:stCondLst>
+                        <p:cond delay="indefinite"/>
+                      </p:stCondLst>
+                      <p:childTnLst>
+                        <p:par>
+                          <p:cTn id="16" fill="hold">
+                            <p:stCondLst>
+                              <p:cond delay="0"/>
+                            </p:stCondLst>
+                            <p:childTnLst>
+                              <p:par>
+                                <p:cTn id="17" presetID="1" presetClass="entr" presetSubtype="0" fill="hold" grpId="0" nodeType="clickEffect">
+                                  <p:stCondLst>
+                                    <p:cond delay="0"/>
+                                  </p:stCondLst>
+                                  <p:childTnLst>
+                                    <p:set>
+                                      <p:cBhvr>
+                                        <p:cTn id="18" dur="1" fill="hold">
+                                          <p:stCondLst>
+                                            <p:cond delay="0"/>
+                                          </p:stCondLst>
+                                        </p:cTn>
+                                        <p:tgtEl>
+                                          <p:spTgt spid="3">
+                                            <p:txEl>
+                                              <p:pRg st="2" end="2"/>
+                                            </p:txEl>
+                                          </p:spTgt>
+                                        </p:tgtEl>
+                                        <p:attrNameLst>
+                                          <p:attrName>style.visibility</p:attrName>
+                                        </p:attrNameLst>
+                                      </p:cBhvr>
+                                      <p:to>
+                                        <p:strVal val="visible"/>
+                                      </p:to>
+                                    </p:set>
+                                  </p:childTnLst>
+                                </p:cTn>
+                              </p:par>
+                            </p:childTnLst>
+                          </p:cTn>
+                        </p:par>
+                      </p:childTnLst>
+                    </p:cTn>
+                  </p:par>
+                  <p:par>
+                    <p:cTn id="19" fill="hold">
+                      <p:stCondLst>
+                        <p:cond delay="indefinite"/>
+                      </p:stCondLst>
+                      <p:childTnLst>
+                        <p:par>
+                          <p:cTn id="20" fill="hold">
+                            <p:stCondLst>
+                              <p:cond delay="0"/>
+                            </p:stCondLst>
+                            <p:childTnLst>
+                              <p:par>
+                                <p:cTn id="21" presetID="1" presetClass="entr" presetSubtype="0" fill="hold" grpId="0" nodeType="clickEffect">
+                                  <p:stCondLst>
+                                    <p:cond delay="0"/>
+                                  </p:stCondLst>
+                                  <p:childTnLst>
+                                    <p:set>
+                                      <p:cBhvr>
+                                        <p:cTn id="22" dur="1" fill="hold">
+                                          <p:stCondLst>
+                                            <p:cond delay="0"/>
+                                          </p:stCondLst>
+                                        </p:cTn>
+                                        <p:tgtEl>
+                                          <p:spTgt spid="3">
+                                            <p:txEl>
+                                              <p:pRg st="3" end="3"/>
+                                            </p:txEl>
+                                          </p:spTgt>
+                                        </p:tgtEl>
+                                        <p:attrNameLst>
+                                          <p:attrName>style.visibility</p:attrName>
+                                        </p:attrNameLst>
+                                      </p:cBhvr>
+                                      <p:to>
+                                        <p:strVal val="visible"/>
+                                      </p:to>
+                                    </p:set>
+                                  </p:childTnLst>
+                                </p:cTn>
+                              </p:par>
+                            </p:childTnLst>
+                          </p:cTn>
+                        </p:par>
+                      </p:childTnLst>
+                    </p:cTn>
+                  </p:par>
+                </p:childTnLst>
+              </p:cTn>
+              <p:prevCondLst>
+                <p:cond evt="onPrev" delay="0">
+                  <p:tgtEl>
+                    <p:sldTgt/>
+                  </p:tgtEl>
+                </p:cond>
+              </p:prevCondLst>
+              <p:nextCondLst>
+                <p:cond evt="onNext" delay="0">
+                  <p:tgtEl>
+                    <p:sldTgt/>
+                  </p:tgtEl>
+                </p:cond>
+              </p:nextCondLst>
+            </p:seq>
+          </p:childTnLst>
+        </p:cTn>
+      </p:par>
+    </p:tnLst>
+    <p:bldLst>
+      <p:bldP spid="3" grpId="0" build="p" animBg="1"/>
+    </p:bldLst>
+  </p:timing>
 </p:sld>
 </file>
 
-<file path=ppt/slides/slide12.xml><?xml version="1.0" encoding="utf-8"?>
+<file path=ppt/slides/slide14.xml><?xml version="1.0" encoding="utf-8"?>
 <p:sld xmlns:a="http://schemas.openxmlformats.org/drawingml/2006/main" xmlns:r="http://schemas.openxmlformats.org/officeDocument/2006/relationships" xmlns:p="http://schemas.openxmlformats.org/presentationml/2006/main">
   <p:cSld>
     <p:spTree>
@@ -6323,7 +7545,7 @@
           <p:cNvPr id="2" name="Title 1">
             <a:extLst>
               <a:ext uri="{FF2B5EF4-FFF2-40B4-BE49-F238E27FC236}">
-                <a16:creationId xmlns:a16="http://schemas.microsoft.com/office/drawing/2014/main" xmlns="" id="{B15ED5BE-AD40-47E3-AA33-E7B1B63CB7CC}"/>
+                <a16:creationId xmlns:a16="http://schemas.microsoft.com/office/drawing/2014/main" id="{B15ED5BE-AD40-47E3-AA33-E7B1B63CB7CC}"/>
               </a:ext>
             </a:extLst>
           </p:cNvPr>
@@ -6366,7 +7588,7 @@
           <p:cNvPr id="3" name="Content Placeholder 2">
             <a:extLst>
               <a:ext uri="{FF2B5EF4-FFF2-40B4-BE49-F238E27FC236}">
-                <a16:creationId xmlns:a16="http://schemas.microsoft.com/office/drawing/2014/main" xmlns="" id="{2F67B85E-7F9D-4104-B6CD-FC83865A7E25}"/>
+                <a16:creationId xmlns:a16="http://schemas.microsoft.com/office/drawing/2014/main" id="{2F67B85E-7F9D-4104-B6CD-FC83865A7E25}"/>
               </a:ext>
             </a:extLst>
           </p:cNvPr>
@@ -6380,7 +7602,7 @@
         <p:spPr>
           <a:xfrm>
             <a:off x="1195320" y="1910262"/>
-            <a:ext cx="9960360" cy="4460835"/>
+            <a:ext cx="9960360" cy="3883709"/>
           </a:xfrm>
           <a:ln>
             <a:noFill/>
@@ -6550,7 +7772,7 @@
                 <a:ea typeface="Calibri" panose="020F0502020204030204" pitchFamily="34" charset="0"/>
                 <a:cs typeface="Times New Roman" panose="02020603050405020304" pitchFamily="18" charset="0"/>
               </a:rPr>
-              <a:t>Generated Headnote:</a:t>
+              <a:t>Generated Headnote (Abstractive):</a:t>
             </a:r>
           </a:p>
           <a:p>
@@ -6570,10 +7792,7 @@
               </a:tabLst>
             </a:pPr>
             <a:r>
-              <a:rPr lang="en-US" sz="1600" dirty="0">
-                <a:highlight>
-                  <a:srgbClr val="00FF00"/>
-                </a:highlight>
+              <a:rPr lang="en-US" sz="2400" dirty="0">
                 <a:latin typeface="Calibri" panose="020F0502020204030204" pitchFamily="34" charset="0"/>
                 <a:ea typeface="Calibri" panose="020F0502020204030204" pitchFamily="34" charset="0"/>
                 <a:cs typeface="Times New Roman" panose="02020603050405020304" pitchFamily="18" charset="0"/>
@@ -6581,13 +7800,10 @@
               <a:t>probation and parole lack of jurisdiction judgment arrested order vacated </a:t>
             </a:r>
             <a:r>
-              <a:rPr lang="en-US" sz="1600" b="1" dirty="0">
+              <a:rPr lang="en-US" sz="2400" b="1" dirty="0">
                 <a:solidFill>
                   <a:srgbClr val="FF0000"/>
                 </a:solidFill>
-                <a:highlight>
-                  <a:srgbClr val="00FF00"/>
-                </a:highlight>
                 <a:latin typeface="Calibri" panose="020F0502020204030204" pitchFamily="34" charset="0"/>
                 <a:ea typeface="Calibri" panose="020F0502020204030204" pitchFamily="34" charset="0"/>
                 <a:cs typeface="Times New Roman" panose="02020603050405020304" pitchFamily="18" charset="0"/>
@@ -6595,10 +7811,7 @@
               <a:t>the trial court lacked jurisdiction to extend defendants period of probation</a:t>
             </a:r>
             <a:r>
-              <a:rPr lang="en-US" sz="1600" b="1" dirty="0">
-                <a:highlight>
-                  <a:srgbClr val="00FF00"/>
-                </a:highlight>
+              <a:rPr lang="en-US" sz="2400" b="1" dirty="0">
                 <a:latin typeface="Calibri" panose="020F0502020204030204" pitchFamily="34" charset="0"/>
                 <a:ea typeface="Calibri" panose="020F0502020204030204" pitchFamily="34" charset="0"/>
                 <a:cs typeface="Times New Roman" panose="02020603050405020304" pitchFamily="18" charset="0"/>
@@ -6606,10 +7819,7 @@
               <a:t> </a:t>
             </a:r>
             <a:r>
-              <a:rPr lang="en-US" sz="1600" dirty="0">
-                <a:highlight>
-                  <a:srgbClr val="00FF00"/>
-                </a:highlight>
+              <a:rPr lang="en-US" sz="2400" dirty="0">
                 <a:latin typeface="Calibri" panose="020F0502020204030204" pitchFamily="34" charset="0"/>
                 <a:ea typeface="Calibri" panose="020F0502020204030204" pitchFamily="34" charset="0"/>
                 <a:cs typeface="Times New Roman" panose="02020603050405020304" pitchFamily="18" charset="0"/>
@@ -6617,13 +7827,10 @@
               <a:t>.&lt;q&gt;</a:t>
             </a:r>
             <a:r>
-              <a:rPr lang="en-US" sz="1600" dirty="0">
+              <a:rPr lang="en-US" sz="2400" dirty="0">
                 <a:solidFill>
                   <a:srgbClr val="0000FF"/>
                 </a:solidFill>
-                <a:highlight>
-                  <a:srgbClr val="00FF00"/>
-                </a:highlight>
                 <a:latin typeface="Calibri" panose="020F0502020204030204" pitchFamily="34" charset="0"/>
                 <a:ea typeface="Calibri" panose="020F0502020204030204" pitchFamily="34" charset="0"/>
                 <a:cs typeface="Times New Roman" panose="02020603050405020304" pitchFamily="18" charset="0"/>
@@ -6631,13 +7838,10 @@
               <a:t>judgment was arrested and </a:t>
             </a:r>
             <a:r>
-              <a:rPr lang="en-US" sz="1600" b="1" dirty="0">
+              <a:rPr lang="en-US" sz="2400" b="1" dirty="0">
                 <a:solidFill>
                   <a:srgbClr val="0000FF"/>
                 </a:solidFill>
-                <a:highlight>
-                  <a:srgbClr val="00FF00"/>
-                </a:highlight>
                 <a:latin typeface="Calibri" panose="020F0502020204030204" pitchFamily="34" charset="0"/>
                 <a:ea typeface="Calibri" panose="020F0502020204030204" pitchFamily="34" charset="0"/>
                 <a:cs typeface="Times New Roman" panose="02020603050405020304" pitchFamily="18" charset="0"/>
@@ -6645,13 +7849,10 @@
               <a:t>the order modifying probation and imposing sentence </a:t>
             </a:r>
             <a:r>
-              <a:rPr lang="en-US" sz="1600" dirty="0">
+              <a:rPr lang="en-US" sz="2400" dirty="0">
                 <a:solidFill>
                   <a:srgbClr val="0000FF"/>
                 </a:solidFill>
-                <a:highlight>
-                  <a:srgbClr val="00FF00"/>
-                </a:highlight>
                 <a:latin typeface="Calibri" panose="020F0502020204030204" pitchFamily="34" charset="0"/>
                 <a:ea typeface="Calibri" panose="020F0502020204030204" pitchFamily="34" charset="0"/>
                 <a:cs typeface="Times New Roman" panose="02020603050405020304" pitchFamily="18" charset="0"/>
@@ -6659,16 +7860,211 @@
               <a:t>was vacated </a:t>
             </a:r>
             <a:r>
-              <a:rPr lang="en-US" sz="1600" dirty="0">
-                <a:highlight>
-                  <a:srgbClr val="00FF00"/>
-                </a:highlight>
+              <a:rPr lang="en-US" sz="2400" dirty="0">
                 <a:latin typeface="Calibri" panose="020F0502020204030204" pitchFamily="34" charset="0"/>
                 <a:ea typeface="Calibri" panose="020F0502020204030204" pitchFamily="34" charset="0"/>
                 <a:cs typeface="Times New Roman" panose="02020603050405020304" pitchFamily="18" charset="0"/>
               </a:rPr>
               <a:t>.</a:t>
             </a:r>
+          </a:p>
+        </p:txBody>
+      </p:sp>
+      <p:sp>
+        <p:nvSpPr>
+          <p:cNvPr id="4" name="Rectangle 3">
+            <a:extLst>
+              <a:ext uri="{FF2B5EF4-FFF2-40B4-BE49-F238E27FC236}">
+                <a16:creationId xmlns:a16="http://schemas.microsoft.com/office/drawing/2014/main" id="{0FD55E13-51A8-4389-9F7D-8C3F8EE40B47}"/>
+              </a:ext>
+            </a:extLst>
+          </p:cNvPr>
+          <p:cNvSpPr/>
+          <p:nvPr/>
+        </p:nvSpPr>
+        <p:spPr>
+          <a:xfrm>
+            <a:off x="3857105" y="4096422"/>
+            <a:ext cx="4638502" cy="392451"/>
+          </a:xfrm>
+          <a:prstGeom prst="rect">
+            <a:avLst/>
+          </a:prstGeom>
+          <a:noFill/>
+        </p:spPr>
+        <p:style>
+          <a:lnRef idx="2">
+            <a:schemeClr val="accent1">
+              <a:shade val="50000"/>
+            </a:schemeClr>
+          </a:lnRef>
+          <a:fillRef idx="1">
+            <a:schemeClr val="accent1"/>
+          </a:fillRef>
+          <a:effectRef idx="0">
+            <a:schemeClr val="accent1"/>
+          </a:effectRef>
+          <a:fontRef idx="minor">
+            <a:schemeClr val="lt1"/>
+          </a:fontRef>
+        </p:style>
+        <p:txBody>
+          <a:bodyPr rtlCol="0" anchor="ctr"/>
+          <a:lstStyle/>
+          <a:p>
+            <a:pPr algn="ctr"/>
+            <a:endParaRPr lang="en-US"/>
+          </a:p>
+        </p:txBody>
+      </p:sp>
+      <p:sp>
+        <p:nvSpPr>
+          <p:cNvPr id="5" name="Speech Bubble: Rectangle 4">
+            <a:extLst>
+              <a:ext uri="{FF2B5EF4-FFF2-40B4-BE49-F238E27FC236}">
+                <a16:creationId xmlns:a16="http://schemas.microsoft.com/office/drawing/2014/main" id="{49ECF7E3-8677-45A8-9AB1-21C2468A1A47}"/>
+              </a:ext>
+            </a:extLst>
+          </p:cNvPr>
+          <p:cNvSpPr/>
+          <p:nvPr/>
+        </p:nvSpPr>
+        <p:spPr>
+          <a:xfrm>
+            <a:off x="6175499" y="3640975"/>
+            <a:ext cx="1704966" cy="232756"/>
+          </a:xfrm>
+          <a:prstGeom prst="wedgeRectCallout">
+            <a:avLst>
+              <a:gd name="adj1" fmla="val -37652"/>
+              <a:gd name="adj2" fmla="val 126500"/>
+            </a:avLst>
+          </a:prstGeom>
+        </p:spPr>
+        <p:style>
+          <a:lnRef idx="2">
+            <a:schemeClr val="accent3">
+              <a:shade val="50000"/>
+            </a:schemeClr>
+          </a:lnRef>
+          <a:fillRef idx="1">
+            <a:schemeClr val="accent3"/>
+          </a:fillRef>
+          <a:effectRef idx="0">
+            <a:schemeClr val="accent3"/>
+          </a:effectRef>
+          <a:fontRef idx="minor">
+            <a:schemeClr val="lt1"/>
+          </a:fontRef>
+        </p:style>
+        <p:txBody>
+          <a:bodyPr rtlCol="0" anchor="ctr"/>
+          <a:lstStyle/>
+          <a:p>
+            <a:pPr algn="ctr"/>
+            <a:r>
+              <a:rPr lang="en-US" sz="1600" dirty="0"/>
+              <a:t>Non-sensical</a:t>
+            </a:r>
+          </a:p>
+        </p:txBody>
+      </p:sp>
+      <p:sp>
+        <p:nvSpPr>
+          <p:cNvPr id="6" name="Speech Bubble: Rectangle 5">
+            <a:extLst>
+              <a:ext uri="{FF2B5EF4-FFF2-40B4-BE49-F238E27FC236}">
+                <a16:creationId xmlns:a16="http://schemas.microsoft.com/office/drawing/2014/main" id="{F96A9F5F-F8DA-4777-BF86-A87B0522FB19}"/>
+              </a:ext>
+            </a:extLst>
+          </p:cNvPr>
+          <p:cNvSpPr/>
+          <p:nvPr/>
+        </p:nvSpPr>
+        <p:spPr>
+          <a:xfrm>
+            <a:off x="4230321" y="5537856"/>
+            <a:ext cx="1704966" cy="232756"/>
+          </a:xfrm>
+          <a:prstGeom prst="wedgeRectCallout">
+            <a:avLst>
+              <a:gd name="adj1" fmla="val -37651"/>
+              <a:gd name="adj2" fmla="val -141358"/>
+            </a:avLst>
+          </a:prstGeom>
+        </p:spPr>
+        <p:style>
+          <a:lnRef idx="2">
+            <a:schemeClr val="accent3">
+              <a:shade val="50000"/>
+            </a:schemeClr>
+          </a:lnRef>
+          <a:fillRef idx="1">
+            <a:schemeClr val="accent3"/>
+          </a:fillRef>
+          <a:effectRef idx="0">
+            <a:schemeClr val="accent3"/>
+          </a:effectRef>
+          <a:fontRef idx="minor">
+            <a:schemeClr val="lt1"/>
+          </a:fontRef>
+        </p:style>
+        <p:txBody>
+          <a:bodyPr rtlCol="0" anchor="ctr"/>
+          <a:lstStyle/>
+          <a:p>
+            <a:pPr algn="ctr"/>
+            <a:r>
+              <a:rPr lang="en-US" sz="1600" dirty="0"/>
+              <a:t>Non-sensical</a:t>
+            </a:r>
+          </a:p>
+        </p:txBody>
+      </p:sp>
+      <p:sp>
+        <p:nvSpPr>
+          <p:cNvPr id="7" name="Rectangle 6">
+            <a:extLst>
+              <a:ext uri="{FF2B5EF4-FFF2-40B4-BE49-F238E27FC236}">
+                <a16:creationId xmlns:a16="http://schemas.microsoft.com/office/drawing/2014/main" id="{B91768A9-EB14-437C-93E8-CDBA89A369F4}"/>
+              </a:ext>
+            </a:extLst>
+          </p:cNvPr>
+          <p:cNvSpPr/>
+          <p:nvPr/>
+        </p:nvSpPr>
+        <p:spPr>
+          <a:xfrm>
+            <a:off x="1715192" y="4875328"/>
+            <a:ext cx="2906684" cy="392451"/>
+          </a:xfrm>
+          <a:prstGeom prst="rect">
+            <a:avLst/>
+          </a:prstGeom>
+          <a:noFill/>
+        </p:spPr>
+        <p:style>
+          <a:lnRef idx="2">
+            <a:schemeClr val="accent1">
+              <a:shade val="50000"/>
+            </a:schemeClr>
+          </a:lnRef>
+          <a:fillRef idx="1">
+            <a:schemeClr val="accent1"/>
+          </a:fillRef>
+          <a:effectRef idx="0">
+            <a:schemeClr val="accent1"/>
+          </a:effectRef>
+          <a:fontRef idx="minor">
+            <a:schemeClr val="lt1"/>
+          </a:fontRef>
+        </p:style>
+        <p:txBody>
+          <a:bodyPr rtlCol="0" anchor="ctr"/>
+          <a:lstStyle/>
+          <a:p>
+            <a:pPr algn="ctr"/>
+            <a:endParaRPr lang="en-US"/>
           </a:p>
         </p:txBody>
       </p:sp>
@@ -6682,10 +8078,434 @@
   <p:clrMapOvr>
     <a:masterClrMapping/>
   </p:clrMapOvr>
+  <p:timing>
+    <p:tnLst>
+      <p:par>
+        <p:cTn id="1" dur="indefinite" restart="never" nodeType="tmRoot">
+          <p:childTnLst>
+            <p:seq concurrent="1" nextAc="seek">
+              <p:cTn id="2" dur="indefinite" nodeType="mainSeq">
+                <p:childTnLst>
+                  <p:par>
+                    <p:cTn id="3" fill="hold">
+                      <p:stCondLst>
+                        <p:cond delay="indefinite"/>
+                      </p:stCondLst>
+                      <p:childTnLst>
+                        <p:par>
+                          <p:cTn id="4" fill="hold">
+                            <p:stCondLst>
+                              <p:cond delay="0"/>
+                            </p:stCondLst>
+                            <p:childTnLst>
+                              <p:par>
+                                <p:cTn id="5" presetID="1" presetClass="entr" presetSubtype="0" fill="hold" grpId="0" nodeType="clickEffect">
+                                  <p:stCondLst>
+                                    <p:cond delay="0"/>
+                                  </p:stCondLst>
+                                  <p:childTnLst>
+                                    <p:set>
+                                      <p:cBhvr>
+                                        <p:cTn id="6" dur="1" fill="hold">
+                                          <p:stCondLst>
+                                            <p:cond delay="0"/>
+                                          </p:stCondLst>
+                                        </p:cTn>
+                                        <p:tgtEl>
+                                          <p:spTgt spid="3">
+                                            <p:bg/>
+                                          </p:spTgt>
+                                        </p:tgtEl>
+                                        <p:attrNameLst>
+                                          <p:attrName>style.visibility</p:attrName>
+                                        </p:attrNameLst>
+                                      </p:cBhvr>
+                                      <p:to>
+                                        <p:strVal val="visible"/>
+                                      </p:to>
+                                    </p:set>
+                                  </p:childTnLst>
+                                </p:cTn>
+                              </p:par>
+                            </p:childTnLst>
+                          </p:cTn>
+                        </p:par>
+                      </p:childTnLst>
+                    </p:cTn>
+                  </p:par>
+                  <p:par>
+                    <p:cTn id="7" fill="hold">
+                      <p:stCondLst>
+                        <p:cond delay="indefinite"/>
+                      </p:stCondLst>
+                      <p:childTnLst>
+                        <p:par>
+                          <p:cTn id="8" fill="hold">
+                            <p:stCondLst>
+                              <p:cond delay="0"/>
+                            </p:stCondLst>
+                            <p:childTnLst>
+                              <p:par>
+                                <p:cTn id="9" presetID="1" presetClass="entr" presetSubtype="0" fill="hold" grpId="0" nodeType="clickEffect">
+                                  <p:stCondLst>
+                                    <p:cond delay="0"/>
+                                  </p:stCondLst>
+                                  <p:childTnLst>
+                                    <p:set>
+                                      <p:cBhvr>
+                                        <p:cTn id="10" dur="1" fill="hold">
+                                          <p:stCondLst>
+                                            <p:cond delay="0"/>
+                                          </p:stCondLst>
+                                        </p:cTn>
+                                        <p:tgtEl>
+                                          <p:spTgt spid="3">
+                                            <p:txEl>
+                                              <p:pRg st="0" end="0"/>
+                                            </p:txEl>
+                                          </p:spTgt>
+                                        </p:tgtEl>
+                                        <p:attrNameLst>
+                                          <p:attrName>style.visibility</p:attrName>
+                                        </p:attrNameLst>
+                                      </p:cBhvr>
+                                      <p:to>
+                                        <p:strVal val="visible"/>
+                                      </p:to>
+                                    </p:set>
+                                  </p:childTnLst>
+                                </p:cTn>
+                              </p:par>
+                            </p:childTnLst>
+                          </p:cTn>
+                        </p:par>
+                      </p:childTnLst>
+                    </p:cTn>
+                  </p:par>
+                  <p:par>
+                    <p:cTn id="11" fill="hold">
+                      <p:stCondLst>
+                        <p:cond delay="indefinite"/>
+                      </p:stCondLst>
+                      <p:childTnLst>
+                        <p:par>
+                          <p:cTn id="12" fill="hold">
+                            <p:stCondLst>
+                              <p:cond delay="0"/>
+                            </p:stCondLst>
+                            <p:childTnLst>
+                              <p:par>
+                                <p:cTn id="13" presetID="1" presetClass="entr" presetSubtype="0" fill="hold" grpId="0" nodeType="clickEffect">
+                                  <p:stCondLst>
+                                    <p:cond delay="0"/>
+                                  </p:stCondLst>
+                                  <p:childTnLst>
+                                    <p:set>
+                                      <p:cBhvr>
+                                        <p:cTn id="14" dur="1" fill="hold">
+                                          <p:stCondLst>
+                                            <p:cond delay="0"/>
+                                          </p:stCondLst>
+                                        </p:cTn>
+                                        <p:tgtEl>
+                                          <p:spTgt spid="3">
+                                            <p:txEl>
+                                              <p:pRg st="1" end="1"/>
+                                            </p:txEl>
+                                          </p:spTgt>
+                                        </p:tgtEl>
+                                        <p:attrNameLst>
+                                          <p:attrName>style.visibility</p:attrName>
+                                        </p:attrNameLst>
+                                      </p:cBhvr>
+                                      <p:to>
+                                        <p:strVal val="visible"/>
+                                      </p:to>
+                                    </p:set>
+                                  </p:childTnLst>
+                                </p:cTn>
+                              </p:par>
+                            </p:childTnLst>
+                          </p:cTn>
+                        </p:par>
+                      </p:childTnLst>
+                    </p:cTn>
+                  </p:par>
+                  <p:par>
+                    <p:cTn id="15" fill="hold">
+                      <p:stCondLst>
+                        <p:cond delay="indefinite"/>
+                      </p:stCondLst>
+                      <p:childTnLst>
+                        <p:par>
+                          <p:cTn id="16" fill="hold">
+                            <p:stCondLst>
+                              <p:cond delay="0"/>
+                            </p:stCondLst>
+                            <p:childTnLst>
+                              <p:par>
+                                <p:cTn id="17" presetID="1" presetClass="entr" presetSubtype="0" fill="hold" grpId="0" nodeType="clickEffect">
+                                  <p:stCondLst>
+                                    <p:cond delay="0"/>
+                                  </p:stCondLst>
+                                  <p:childTnLst>
+                                    <p:set>
+                                      <p:cBhvr>
+                                        <p:cTn id="18" dur="1" fill="hold">
+                                          <p:stCondLst>
+                                            <p:cond delay="0"/>
+                                          </p:stCondLst>
+                                        </p:cTn>
+                                        <p:tgtEl>
+                                          <p:spTgt spid="3">
+                                            <p:txEl>
+                                              <p:pRg st="2" end="2"/>
+                                            </p:txEl>
+                                          </p:spTgt>
+                                        </p:tgtEl>
+                                        <p:attrNameLst>
+                                          <p:attrName>style.visibility</p:attrName>
+                                        </p:attrNameLst>
+                                      </p:cBhvr>
+                                      <p:to>
+                                        <p:strVal val="visible"/>
+                                      </p:to>
+                                    </p:set>
+                                  </p:childTnLst>
+                                </p:cTn>
+                              </p:par>
+                            </p:childTnLst>
+                          </p:cTn>
+                        </p:par>
+                      </p:childTnLst>
+                    </p:cTn>
+                  </p:par>
+                  <p:par>
+                    <p:cTn id="19" fill="hold">
+                      <p:stCondLst>
+                        <p:cond delay="indefinite"/>
+                      </p:stCondLst>
+                      <p:childTnLst>
+                        <p:par>
+                          <p:cTn id="20" fill="hold">
+                            <p:stCondLst>
+                              <p:cond delay="0"/>
+                            </p:stCondLst>
+                            <p:childTnLst>
+                              <p:par>
+                                <p:cTn id="21" presetID="1" presetClass="entr" presetSubtype="0" fill="hold" grpId="0" nodeType="clickEffect">
+                                  <p:stCondLst>
+                                    <p:cond delay="0"/>
+                                  </p:stCondLst>
+                                  <p:childTnLst>
+                                    <p:set>
+                                      <p:cBhvr>
+                                        <p:cTn id="22" dur="1" fill="hold">
+                                          <p:stCondLst>
+                                            <p:cond delay="0"/>
+                                          </p:stCondLst>
+                                        </p:cTn>
+                                        <p:tgtEl>
+                                          <p:spTgt spid="3">
+                                            <p:txEl>
+                                              <p:pRg st="3" end="3"/>
+                                            </p:txEl>
+                                          </p:spTgt>
+                                        </p:tgtEl>
+                                        <p:attrNameLst>
+                                          <p:attrName>style.visibility</p:attrName>
+                                        </p:attrNameLst>
+                                      </p:cBhvr>
+                                      <p:to>
+                                        <p:strVal val="visible"/>
+                                      </p:to>
+                                    </p:set>
+                                  </p:childTnLst>
+                                </p:cTn>
+                              </p:par>
+                            </p:childTnLst>
+                          </p:cTn>
+                        </p:par>
+                      </p:childTnLst>
+                    </p:cTn>
+                  </p:par>
+                  <p:par>
+                    <p:cTn id="23" fill="hold">
+                      <p:stCondLst>
+                        <p:cond delay="indefinite"/>
+                      </p:stCondLst>
+                      <p:childTnLst>
+                        <p:par>
+                          <p:cTn id="24" fill="hold">
+                            <p:stCondLst>
+                              <p:cond delay="0"/>
+                            </p:stCondLst>
+                            <p:childTnLst>
+                              <p:par>
+                                <p:cTn id="25" presetID="1" presetClass="entr" presetSubtype="0" fill="hold" grpId="0" nodeType="clickEffect">
+                                  <p:stCondLst>
+                                    <p:cond delay="0"/>
+                                  </p:stCondLst>
+                                  <p:childTnLst>
+                                    <p:set>
+                                      <p:cBhvr>
+                                        <p:cTn id="26" dur="1" fill="hold">
+                                          <p:stCondLst>
+                                            <p:cond delay="0"/>
+                                          </p:stCondLst>
+                                        </p:cTn>
+                                        <p:tgtEl>
+                                          <p:spTgt spid="5"/>
+                                        </p:tgtEl>
+                                        <p:attrNameLst>
+                                          <p:attrName>style.visibility</p:attrName>
+                                        </p:attrNameLst>
+                                      </p:cBhvr>
+                                      <p:to>
+                                        <p:strVal val="visible"/>
+                                      </p:to>
+                                    </p:set>
+                                  </p:childTnLst>
+                                </p:cTn>
+                              </p:par>
+                              <p:par>
+                                <p:cTn id="27" presetID="1" presetClass="entr" presetSubtype="0" fill="hold" grpId="0" nodeType="withEffect">
+                                  <p:stCondLst>
+                                    <p:cond delay="0"/>
+                                  </p:stCondLst>
+                                  <p:childTnLst>
+                                    <p:set>
+                                      <p:cBhvr>
+                                        <p:cTn id="28" dur="1" fill="hold">
+                                          <p:stCondLst>
+                                            <p:cond delay="0"/>
+                                          </p:stCondLst>
+                                        </p:cTn>
+                                        <p:tgtEl>
+                                          <p:spTgt spid="4"/>
+                                        </p:tgtEl>
+                                        <p:attrNameLst>
+                                          <p:attrName>style.visibility</p:attrName>
+                                        </p:attrNameLst>
+                                      </p:cBhvr>
+                                      <p:to>
+                                        <p:strVal val="visible"/>
+                                      </p:to>
+                                    </p:set>
+                                  </p:childTnLst>
+                                </p:cTn>
+                              </p:par>
+                            </p:childTnLst>
+                          </p:cTn>
+                        </p:par>
+                      </p:childTnLst>
+                    </p:cTn>
+                  </p:par>
+                  <p:par>
+                    <p:cTn id="29" fill="hold">
+                      <p:stCondLst>
+                        <p:cond delay="indefinite"/>
+                      </p:stCondLst>
+                      <p:childTnLst>
+                        <p:par>
+                          <p:cTn id="30" fill="hold">
+                            <p:stCondLst>
+                              <p:cond delay="0"/>
+                            </p:stCondLst>
+                            <p:childTnLst>
+                              <p:par>
+                                <p:cTn id="31" presetID="1" presetClass="entr" presetSubtype="0" fill="hold" grpId="0" nodeType="clickEffect">
+                                  <p:stCondLst>
+                                    <p:cond delay="0"/>
+                                  </p:stCondLst>
+                                  <p:childTnLst>
+                                    <p:set>
+                                      <p:cBhvr>
+                                        <p:cTn id="32" dur="1" fill="hold">
+                                          <p:stCondLst>
+                                            <p:cond delay="0"/>
+                                          </p:stCondLst>
+                                        </p:cTn>
+                                        <p:tgtEl>
+                                          <p:spTgt spid="7"/>
+                                        </p:tgtEl>
+                                        <p:attrNameLst>
+                                          <p:attrName>style.visibility</p:attrName>
+                                        </p:attrNameLst>
+                                      </p:cBhvr>
+                                      <p:to>
+                                        <p:strVal val="visible"/>
+                                      </p:to>
+                                    </p:set>
+                                  </p:childTnLst>
+                                </p:cTn>
+                              </p:par>
+                              <p:par>
+                                <p:cTn id="33" presetID="1" presetClass="entr" presetSubtype="0" fill="hold" grpId="0" nodeType="withEffect">
+                                  <p:stCondLst>
+                                    <p:cond delay="0"/>
+                                  </p:stCondLst>
+                                  <p:childTnLst>
+                                    <p:set>
+                                      <p:cBhvr>
+                                        <p:cTn id="34" dur="1" fill="hold">
+                                          <p:stCondLst>
+                                            <p:cond delay="0"/>
+                                          </p:stCondLst>
+                                        </p:cTn>
+                                        <p:tgtEl>
+                                          <p:spTgt spid="6"/>
+                                        </p:tgtEl>
+                                        <p:attrNameLst>
+                                          <p:attrName>style.visibility</p:attrName>
+                                        </p:attrNameLst>
+                                      </p:cBhvr>
+                                      <p:to>
+                                        <p:strVal val="visible"/>
+                                      </p:to>
+                                    </p:set>
+                                  </p:childTnLst>
+                                </p:cTn>
+                              </p:par>
+                            </p:childTnLst>
+                          </p:cTn>
+                        </p:par>
+                      </p:childTnLst>
+                    </p:cTn>
+                  </p:par>
+                </p:childTnLst>
+              </p:cTn>
+              <p:prevCondLst>
+                <p:cond evt="onPrev" delay="0">
+                  <p:tgtEl>
+                    <p:sldTgt/>
+                  </p:tgtEl>
+                </p:cond>
+              </p:prevCondLst>
+              <p:nextCondLst>
+                <p:cond evt="onNext" delay="0">
+                  <p:tgtEl>
+                    <p:sldTgt/>
+                  </p:tgtEl>
+                </p:cond>
+              </p:nextCondLst>
+            </p:seq>
+          </p:childTnLst>
+        </p:cTn>
+      </p:par>
+    </p:tnLst>
+    <p:bldLst>
+      <p:bldP spid="3" grpId="0" build="p" animBg="1"/>
+      <p:bldP spid="4" grpId="0" animBg="1"/>
+      <p:bldP spid="5" grpId="0" animBg="1"/>
+      <p:bldP spid="6" grpId="0" animBg="1"/>
+      <p:bldP spid="7" grpId="0" animBg="1"/>
+    </p:bldLst>
+  </p:timing>
 </p:sld>
 </file>
 
-<file path=ppt/slides/slide13.xml><?xml version="1.0" encoding="utf-8"?>
+<file path=ppt/slides/slide15.xml><?xml version="1.0" encoding="utf-8"?>
 <p:sld xmlns:a="http://schemas.openxmlformats.org/drawingml/2006/main" xmlns:r="http://schemas.openxmlformats.org/officeDocument/2006/relationships" xmlns:p="http://schemas.openxmlformats.org/presentationml/2006/main">
   <p:cSld>
     <p:spTree>
@@ -6792,10 +8612,239 @@
   <p:clrMapOvr>
     <a:masterClrMapping/>
   </p:clrMapOvr>
+  <p:timing>
+    <p:tnLst>
+      <p:par>
+        <p:cTn id="1" dur="indefinite" restart="never" nodeType="tmRoot">
+          <p:childTnLst>
+            <p:seq concurrent="1" nextAc="seek">
+              <p:cTn id="2" dur="indefinite" nodeType="mainSeq">
+                <p:childTnLst>
+                  <p:par>
+                    <p:cTn id="3" fill="hold">
+                      <p:stCondLst>
+                        <p:cond delay="indefinite"/>
+                      </p:stCondLst>
+                      <p:childTnLst>
+                        <p:par>
+                          <p:cTn id="4" fill="hold">
+                            <p:stCondLst>
+                              <p:cond delay="0"/>
+                            </p:stCondLst>
+                            <p:childTnLst>
+                              <p:par>
+                                <p:cTn id="5" presetID="1" presetClass="entr" presetSubtype="0" fill="hold" grpId="0" nodeType="clickEffect">
+                                  <p:stCondLst>
+                                    <p:cond delay="0"/>
+                                  </p:stCondLst>
+                                  <p:childTnLst>
+                                    <p:set>
+                                      <p:cBhvr>
+                                        <p:cTn id="6" dur="1" fill="hold">
+                                          <p:stCondLst>
+                                            <p:cond delay="0"/>
+                                          </p:stCondLst>
+                                        </p:cTn>
+                                        <p:tgtEl>
+                                          <p:spTgt spid="3">
+                                            <p:txEl>
+                                              <p:pRg st="0" end="0"/>
+                                            </p:txEl>
+                                          </p:spTgt>
+                                        </p:tgtEl>
+                                        <p:attrNameLst>
+                                          <p:attrName>style.visibility</p:attrName>
+                                        </p:attrNameLst>
+                                      </p:cBhvr>
+                                      <p:to>
+                                        <p:strVal val="visible"/>
+                                      </p:to>
+                                    </p:set>
+                                  </p:childTnLst>
+                                </p:cTn>
+                              </p:par>
+                            </p:childTnLst>
+                          </p:cTn>
+                        </p:par>
+                      </p:childTnLst>
+                    </p:cTn>
+                  </p:par>
+                  <p:par>
+                    <p:cTn id="7" fill="hold">
+                      <p:stCondLst>
+                        <p:cond delay="indefinite"/>
+                      </p:stCondLst>
+                      <p:childTnLst>
+                        <p:par>
+                          <p:cTn id="8" fill="hold">
+                            <p:stCondLst>
+                              <p:cond delay="0"/>
+                            </p:stCondLst>
+                            <p:childTnLst>
+                              <p:par>
+                                <p:cTn id="9" presetID="1" presetClass="entr" presetSubtype="0" fill="hold" grpId="0" nodeType="clickEffect">
+                                  <p:stCondLst>
+                                    <p:cond delay="0"/>
+                                  </p:stCondLst>
+                                  <p:childTnLst>
+                                    <p:set>
+                                      <p:cBhvr>
+                                        <p:cTn id="10" dur="1" fill="hold">
+                                          <p:stCondLst>
+                                            <p:cond delay="0"/>
+                                          </p:stCondLst>
+                                        </p:cTn>
+                                        <p:tgtEl>
+                                          <p:spTgt spid="3">
+                                            <p:txEl>
+                                              <p:pRg st="1" end="1"/>
+                                            </p:txEl>
+                                          </p:spTgt>
+                                        </p:tgtEl>
+                                        <p:attrNameLst>
+                                          <p:attrName>style.visibility</p:attrName>
+                                        </p:attrNameLst>
+                                      </p:cBhvr>
+                                      <p:to>
+                                        <p:strVal val="visible"/>
+                                      </p:to>
+                                    </p:set>
+                                  </p:childTnLst>
+                                </p:cTn>
+                              </p:par>
+                            </p:childTnLst>
+                          </p:cTn>
+                        </p:par>
+                      </p:childTnLst>
+                    </p:cTn>
+                  </p:par>
+                  <p:par>
+                    <p:cTn id="11" fill="hold">
+                      <p:stCondLst>
+                        <p:cond delay="indefinite"/>
+                      </p:stCondLst>
+                      <p:childTnLst>
+                        <p:par>
+                          <p:cTn id="12" fill="hold">
+                            <p:stCondLst>
+                              <p:cond delay="0"/>
+                            </p:stCondLst>
+                            <p:childTnLst>
+                              <p:par>
+                                <p:cTn id="13" presetID="1" presetClass="entr" presetSubtype="0" fill="hold" grpId="0" nodeType="clickEffect">
+                                  <p:stCondLst>
+                                    <p:cond delay="0"/>
+                                  </p:stCondLst>
+                                  <p:childTnLst>
+                                    <p:set>
+                                      <p:cBhvr>
+                                        <p:cTn id="14" dur="1" fill="hold">
+                                          <p:stCondLst>
+                                            <p:cond delay="0"/>
+                                          </p:stCondLst>
+                                        </p:cTn>
+                                        <p:tgtEl>
+                                          <p:spTgt spid="3">
+                                            <p:txEl>
+                                              <p:pRg st="2" end="2"/>
+                                            </p:txEl>
+                                          </p:spTgt>
+                                        </p:tgtEl>
+                                        <p:attrNameLst>
+                                          <p:attrName>style.visibility</p:attrName>
+                                        </p:attrNameLst>
+                                      </p:cBhvr>
+                                      <p:to>
+                                        <p:strVal val="visible"/>
+                                      </p:to>
+                                    </p:set>
+                                  </p:childTnLst>
+                                </p:cTn>
+                              </p:par>
+                            </p:childTnLst>
+                          </p:cTn>
+                        </p:par>
+                      </p:childTnLst>
+                    </p:cTn>
+                  </p:par>
+                  <p:par>
+                    <p:cTn id="15" fill="hold">
+                      <p:stCondLst>
+                        <p:cond delay="indefinite"/>
+                      </p:stCondLst>
+                      <p:childTnLst>
+                        <p:par>
+                          <p:cTn id="16" fill="hold">
+                            <p:stCondLst>
+                              <p:cond delay="0"/>
+                            </p:stCondLst>
+                            <p:childTnLst>
+                              <p:par>
+                                <p:cTn id="17" presetID="1" presetClass="entr" presetSubtype="0" fill="hold" grpId="0" nodeType="clickEffect">
+                                  <p:stCondLst>
+                                    <p:cond delay="0"/>
+                                  </p:stCondLst>
+                                  <p:childTnLst>
+                                    <p:set>
+                                      <p:cBhvr>
+                                        <p:cTn id="18" dur="1" fill="hold">
+                                          <p:stCondLst>
+                                            <p:cond delay="0"/>
+                                          </p:stCondLst>
+                                        </p:cTn>
+                                        <p:tgtEl>
+                                          <p:spTgt spid="3">
+                                            <p:txEl>
+                                              <p:pRg st="3" end="3"/>
+                                            </p:txEl>
+                                          </p:spTgt>
+                                        </p:tgtEl>
+                                        <p:attrNameLst>
+                                          <p:attrName>style.visibility</p:attrName>
+                                        </p:attrNameLst>
+                                      </p:cBhvr>
+                                      <p:to>
+                                        <p:strVal val="visible"/>
+                                      </p:to>
+                                    </p:set>
+                                  </p:childTnLst>
+                                </p:cTn>
+                              </p:par>
+                            </p:childTnLst>
+                          </p:cTn>
+                        </p:par>
+                      </p:childTnLst>
+                    </p:cTn>
+                  </p:par>
+                </p:childTnLst>
+              </p:cTn>
+              <p:prevCondLst>
+                <p:cond evt="onPrev" delay="0">
+                  <p:tgtEl>
+                    <p:sldTgt/>
+                  </p:tgtEl>
+                </p:cond>
+              </p:prevCondLst>
+              <p:nextCondLst>
+                <p:cond evt="onNext" delay="0">
+                  <p:tgtEl>
+                    <p:sldTgt/>
+                  </p:tgtEl>
+                </p:cond>
+              </p:nextCondLst>
+            </p:seq>
+          </p:childTnLst>
+        </p:cTn>
+      </p:par>
+    </p:tnLst>
+    <p:bldLst>
+      <p:bldP spid="3" grpId="0" build="p"/>
+    </p:bldLst>
+  </p:timing>
 </p:sld>
 </file>
 
-<file path=ppt/slides/slide14.xml><?xml version="1.0" encoding="utf-8"?>
+<file path=ppt/slides/slide16.xml><?xml version="1.0" encoding="utf-8"?>
 <p:sld xmlns:a="http://schemas.openxmlformats.org/drawingml/2006/main" xmlns:r="http://schemas.openxmlformats.org/officeDocument/2006/relationships" xmlns:p="http://schemas.openxmlformats.org/presentationml/2006/main">
   <p:cSld>
     <p:spTree>
@@ -6955,10 +9004,13 @@
               <a:t> model than when we use the </a:t>
             </a:r>
             <a:r>
-              <a:rPr lang="en-US" sz="2000"/>
-              <a:t>PreSumm model</a:t>
-            </a:r>
-            <a:endParaRPr lang="en-US" sz="2000" dirty="0"/>
+              <a:rPr lang="en-US" sz="2000" dirty="0" err="1"/>
+              <a:t>PreSumm</a:t>
+            </a:r>
+            <a:r>
+              <a:rPr lang="en-US" sz="2000" dirty="0"/>
+              <a:t> model</a:t>
+            </a:r>
           </a:p>
           <a:p>
             <a:pPr marL="457200" indent="-457200">
@@ -6998,296 +9050,377 @@
   <p:clrMapOvr>
     <a:masterClrMapping/>
   </p:clrMapOvr>
-</p:sld>
-</file>
-
-<file path=ppt/slides/slide15.xml><?xml version="1.0" encoding="utf-8"?>
-<p:sld xmlns:a="http://schemas.openxmlformats.org/drawingml/2006/main" xmlns:r="http://schemas.openxmlformats.org/officeDocument/2006/relationships" xmlns:p="http://schemas.openxmlformats.org/presentationml/2006/main">
-  <p:cSld>
-    <p:spTree>
-      <p:nvGrpSpPr>
-        <p:cNvPr id="1" name=""/>
-        <p:cNvGrpSpPr/>
-        <p:nvPr/>
-      </p:nvGrpSpPr>
-      <p:grpSpPr>
-        <a:xfrm>
-          <a:off x="0" y="0"/>
-          <a:ext cx="0" cy="0"/>
-          <a:chOff x="0" y="0"/>
-          <a:chExt cx="0" cy="0"/>
-        </a:xfrm>
-      </p:grpSpPr>
-      <p:sp>
-        <p:nvSpPr>
-          <p:cNvPr id="2" name="Title 1">
-            <a:extLst>
-              <a:ext uri="{FF2B5EF4-FFF2-40B4-BE49-F238E27FC236}">
-                <a16:creationId xmlns:a16="http://schemas.microsoft.com/office/drawing/2014/main" xmlns="" id="{CA344CBA-FB2B-44A2-9612-01FA04D41200}"/>
-              </a:ext>
-            </a:extLst>
-          </p:cNvPr>
-          <p:cNvSpPr>
-            <a:spLocks noGrp="1"/>
-          </p:cNvSpPr>
-          <p:nvPr>
-            <p:ph type="title"/>
-          </p:nvPr>
-        </p:nvSpPr>
-        <p:spPr/>
-        <p:txBody>
-          <a:bodyPr/>
-          <a:lstStyle/>
-          <a:p>
-            <a:r>
-              <a:rPr lang="en-US" dirty="0"/>
-              <a:t>Our Research</a:t>
-            </a:r>
-          </a:p>
-        </p:txBody>
-      </p:sp>
-      <p:sp>
-        <p:nvSpPr>
-          <p:cNvPr id="3" name="Content Placeholder 2">
-            <a:extLst>
-              <a:ext uri="{FF2B5EF4-FFF2-40B4-BE49-F238E27FC236}">
-                <a16:creationId xmlns:a16="http://schemas.microsoft.com/office/drawing/2014/main" xmlns="" id="{F66CA81D-1701-4C2D-AE08-277C299D9B85}"/>
-              </a:ext>
-            </a:extLst>
-          </p:cNvPr>
-          <p:cNvSpPr>
-            <a:spLocks noGrp="1"/>
-          </p:cNvSpPr>
-          <p:nvPr>
-            <p:ph idx="1"/>
-          </p:nvPr>
-        </p:nvSpPr>
-        <p:spPr>
-          <a:xfrm>
-            <a:off x="1097280" y="1899590"/>
-            <a:ext cx="10058400" cy="4503521"/>
-          </a:xfrm>
-        </p:spPr>
-        <p:txBody>
-          <a:bodyPr>
-            <a:normAutofit/>
-          </a:bodyPr>
-          <a:lstStyle/>
-          <a:p>
-            <a:pPr lvl="0"/>
-            <a:r>
-              <a:rPr lang="en-US" sz="2400" b="1" dirty="0"/>
-              <a:t>Types of Summarizations</a:t>
-            </a:r>
-          </a:p>
-          <a:p>
-            <a:pPr lvl="0"/>
-            <a:r>
-              <a:rPr lang="en-US" b="1" dirty="0"/>
-              <a:t>Extraction-based summarization</a:t>
-            </a:r>
-            <a:r>
-              <a:rPr lang="en-US" dirty="0"/>
-              <a:t>: Content is extracted from original document and is not modified. This method will extract key phrases or sentences to form a summary. The summary generated by this method may not be the same format as a human might express  it and the sentences may appear disjointed</a:t>
-            </a:r>
-          </a:p>
-          <a:p>
-            <a:pPr lvl="0"/>
-            <a:r>
-              <a:rPr lang="en-US" b="1" dirty="0"/>
-              <a:t>Abstraction-based summarization</a:t>
-            </a:r>
-            <a:r>
-              <a:rPr lang="en-US" dirty="0"/>
-              <a:t>: Abstractive methods generate a summary based on internal semantic representation of the original content, closer to what a human might express. Abstraction may transform the extracted content. Such transformation are computationally very challenging  , involving both NLP (natural language processing) and a deep understanding of the document </a:t>
-            </a:r>
-          </a:p>
-          <a:p>
-            <a:pPr marL="457200" indent="-457200">
-              <a:buAutoNum type="arabicParenR"/>
-            </a:pPr>
-            <a:endParaRPr lang="en-US" dirty="0"/>
-          </a:p>
-        </p:txBody>
-      </p:sp>
-    </p:spTree>
-    <p:extLst>
-      <p:ext uri="{BB962C8B-B14F-4D97-AF65-F5344CB8AC3E}">
-        <p14:creationId xmlns:p14="http://schemas.microsoft.com/office/powerpoint/2010/main" val="1897433995"/>
-      </p:ext>
-    </p:extLst>
-  </p:cSld>
-  <p:clrMapOvr>
-    <a:masterClrMapping/>
-  </p:clrMapOvr>
-</p:sld>
-</file>
-
-<file path=ppt/slides/slide16.xml><?xml version="1.0" encoding="utf-8"?>
-<p:sld xmlns:a="http://schemas.openxmlformats.org/drawingml/2006/main" xmlns:r="http://schemas.openxmlformats.org/officeDocument/2006/relationships" xmlns:p="http://schemas.openxmlformats.org/presentationml/2006/main">
-  <p:cSld>
-    <p:spTree>
-      <p:nvGrpSpPr>
-        <p:cNvPr id="1" name=""/>
-        <p:cNvGrpSpPr/>
-        <p:nvPr/>
-      </p:nvGrpSpPr>
-      <p:grpSpPr>
-        <a:xfrm>
-          <a:off x="0" y="0"/>
-          <a:ext cx="0" cy="0"/>
-          <a:chOff x="0" y="0"/>
-          <a:chExt cx="0" cy="0"/>
-        </a:xfrm>
-      </p:grpSpPr>
-      <p:sp>
-        <p:nvSpPr>
-          <p:cNvPr id="2" name="Title 1">
-            <a:extLst>
-              <a:ext uri="{FF2B5EF4-FFF2-40B4-BE49-F238E27FC236}">
-                <a16:creationId xmlns:a16="http://schemas.microsoft.com/office/drawing/2014/main" xmlns="" id="{A89F2B34-DF68-420A-A1A7-69ABD17B850E}"/>
-              </a:ext>
-            </a:extLst>
-          </p:cNvPr>
-          <p:cNvSpPr>
-            <a:spLocks noGrp="1"/>
-          </p:cNvSpPr>
-          <p:nvPr>
-            <p:ph type="title"/>
-          </p:nvPr>
-        </p:nvSpPr>
-        <p:spPr/>
-        <p:txBody>
-          <a:bodyPr/>
-          <a:lstStyle/>
-          <a:p>
-            <a:r>
-              <a:rPr lang="en-US" dirty="0"/>
-              <a:t>Our Research</a:t>
-            </a:r>
-          </a:p>
-        </p:txBody>
-      </p:sp>
-      <p:sp>
-        <p:nvSpPr>
-          <p:cNvPr id="3" name="Content Placeholder 2">
-            <a:extLst>
-              <a:ext uri="{FF2B5EF4-FFF2-40B4-BE49-F238E27FC236}">
-                <a16:creationId xmlns:a16="http://schemas.microsoft.com/office/drawing/2014/main" xmlns="" id="{E1B94245-4F0C-4B7C-9103-E79616CDFF6C}"/>
-              </a:ext>
-            </a:extLst>
-          </p:cNvPr>
-          <p:cNvSpPr>
-            <a:spLocks noGrp="1"/>
-          </p:cNvSpPr>
-          <p:nvPr>
-            <p:ph idx="1"/>
-          </p:nvPr>
-        </p:nvSpPr>
-        <p:spPr/>
-        <p:txBody>
-          <a:bodyPr>
-            <a:normAutofit fontScale="92500" lnSpcReduction="20000"/>
-          </a:bodyPr>
-          <a:lstStyle/>
-          <a:p>
-            <a:r>
-              <a:rPr lang="en-US" sz="2800" b="1" dirty="0"/>
-              <a:t>BERT (</a:t>
-            </a:r>
-            <a:r>
-              <a:rPr lang="en-US" sz="2800" dirty="0"/>
-              <a:t>Bidirectional Encoder Representations from Transformers )</a:t>
-            </a:r>
-            <a:endParaRPr lang="en-US" sz="2800" b="1" dirty="0"/>
-          </a:p>
-          <a:p>
-            <a:r>
-              <a:rPr lang="en-US" dirty="0"/>
-              <a:t>BERT is a NLP technique developed by Google(published in 2018 by Jacob Devlin and his colleagues) which can be used to created pretrained language models.  This </a:t>
-            </a:r>
-            <a:r>
-              <a:rPr lang="en-US" dirty="0" err="1"/>
-              <a:t>technigque</a:t>
-            </a:r>
-            <a:r>
-              <a:rPr lang="en-US" dirty="0"/>
-              <a:t> </a:t>
-            </a:r>
-            <a:r>
-              <a:rPr lang="en-US" dirty="0" err="1"/>
-              <a:t>hae</a:t>
-            </a:r>
-            <a:r>
-              <a:rPr lang="en-US" dirty="0"/>
-              <a:t> </a:t>
-            </a:r>
-            <a:r>
-              <a:rPr lang="en-US" dirty="0" err="1"/>
-              <a:t>reently</a:t>
-            </a:r>
-            <a:r>
-              <a:rPr lang="en-US" dirty="0"/>
-              <a:t> been used to create pretrained models for a wide range of natural language processing tasks.  BERT is a deeply bidirectional, unsupervised language representation and these models are  pre-trained using only a plain text corpus. BERT uses a masking </a:t>
-            </a:r>
-            <a:r>
-              <a:rPr lang="en-US" dirty="0" err="1"/>
-              <a:t>stategy</a:t>
-            </a:r>
-            <a:r>
-              <a:rPr lang="en-US" dirty="0"/>
-              <a:t> and learns to predict masked sections within the text</a:t>
-            </a:r>
-          </a:p>
-          <a:p>
-            <a:r>
-              <a:rPr lang="en-US" sz="2800" b="1" dirty="0" err="1"/>
-              <a:t>RoBERTa</a:t>
-            </a:r>
-            <a:r>
-              <a:rPr lang="en-US" sz="2800" dirty="0"/>
-              <a:t>(</a:t>
-            </a:r>
-            <a:r>
-              <a:rPr lang="en-US" sz="2600" b="1" dirty="0"/>
-              <a:t>Robustly Optimized BERT Pretraining Approach</a:t>
-            </a:r>
-            <a:r>
-              <a:rPr lang="en-US" b="1" dirty="0"/>
-              <a:t>)</a:t>
-            </a:r>
-            <a:endParaRPr lang="en-US" sz="2800" dirty="0"/>
-          </a:p>
-          <a:p>
-            <a:r>
-              <a:rPr lang="en-US" dirty="0" err="1"/>
-              <a:t>RoBERTa</a:t>
-            </a:r>
-            <a:r>
-              <a:rPr lang="en-US" dirty="0"/>
-              <a:t> builds on BERT’s language masking strategy. It modifies key hyperparameters in BERT, removing BERT’s next-sentence pretraining objective, and training with much larger mini-batches and learning rates. This allows </a:t>
-            </a:r>
-            <a:r>
-              <a:rPr lang="en-US" dirty="0" err="1"/>
-              <a:t>RoBERTa</a:t>
-            </a:r>
-            <a:r>
-              <a:rPr lang="en-US" dirty="0"/>
-              <a:t> to improve on the masked language modeling objective compared with BERT and leads to better downstream task performance. </a:t>
-            </a:r>
-          </a:p>
-        </p:txBody>
-      </p:sp>
-    </p:spTree>
-    <p:extLst>
-      <p:ext uri="{BB962C8B-B14F-4D97-AF65-F5344CB8AC3E}">
-        <p14:creationId xmlns:p14="http://schemas.microsoft.com/office/powerpoint/2010/main" val="360813130"/>
-      </p:ext>
-    </p:extLst>
-  </p:cSld>
-  <p:clrMapOvr>
-    <a:masterClrMapping/>
-  </p:clrMapOvr>
+  <p:timing>
+    <p:tnLst>
+      <p:par>
+        <p:cTn id="1" dur="indefinite" restart="never" nodeType="tmRoot">
+          <p:childTnLst>
+            <p:seq concurrent="1" nextAc="seek">
+              <p:cTn id="2" dur="indefinite" nodeType="mainSeq">
+                <p:childTnLst>
+                  <p:par>
+                    <p:cTn id="3" fill="hold">
+                      <p:stCondLst>
+                        <p:cond delay="indefinite"/>
+                      </p:stCondLst>
+                      <p:childTnLst>
+                        <p:par>
+                          <p:cTn id="4" fill="hold">
+                            <p:stCondLst>
+                              <p:cond delay="0"/>
+                            </p:stCondLst>
+                            <p:childTnLst>
+                              <p:par>
+                                <p:cTn id="5" presetID="1" presetClass="entr" presetSubtype="0" fill="hold" grpId="0" nodeType="clickEffect">
+                                  <p:stCondLst>
+                                    <p:cond delay="0"/>
+                                  </p:stCondLst>
+                                  <p:childTnLst>
+                                    <p:set>
+                                      <p:cBhvr>
+                                        <p:cTn id="6" dur="1" fill="hold">
+                                          <p:stCondLst>
+                                            <p:cond delay="0"/>
+                                          </p:stCondLst>
+                                        </p:cTn>
+                                        <p:tgtEl>
+                                          <p:spTgt spid="3">
+                                            <p:txEl>
+                                              <p:pRg st="0" end="0"/>
+                                            </p:txEl>
+                                          </p:spTgt>
+                                        </p:tgtEl>
+                                        <p:attrNameLst>
+                                          <p:attrName>style.visibility</p:attrName>
+                                        </p:attrNameLst>
+                                      </p:cBhvr>
+                                      <p:to>
+                                        <p:strVal val="visible"/>
+                                      </p:to>
+                                    </p:set>
+                                  </p:childTnLst>
+                                </p:cTn>
+                              </p:par>
+                              <p:par>
+                                <p:cTn id="7" presetID="1" presetClass="entr" presetSubtype="0" fill="hold" grpId="0" nodeType="withEffect">
+                                  <p:stCondLst>
+                                    <p:cond delay="0"/>
+                                  </p:stCondLst>
+                                  <p:childTnLst>
+                                    <p:set>
+                                      <p:cBhvr>
+                                        <p:cTn id="8" dur="1" fill="hold">
+                                          <p:stCondLst>
+                                            <p:cond delay="0"/>
+                                          </p:stCondLst>
+                                        </p:cTn>
+                                        <p:tgtEl>
+                                          <p:spTgt spid="3">
+                                            <p:txEl>
+                                              <p:pRg st="1" end="1"/>
+                                            </p:txEl>
+                                          </p:spTgt>
+                                        </p:tgtEl>
+                                        <p:attrNameLst>
+                                          <p:attrName>style.visibility</p:attrName>
+                                        </p:attrNameLst>
+                                      </p:cBhvr>
+                                      <p:to>
+                                        <p:strVal val="visible"/>
+                                      </p:to>
+                                    </p:set>
+                                  </p:childTnLst>
+                                </p:cTn>
+                              </p:par>
+                              <p:par>
+                                <p:cTn id="9" presetID="1" presetClass="entr" presetSubtype="0" fill="hold" grpId="0" nodeType="withEffect">
+                                  <p:stCondLst>
+                                    <p:cond delay="0"/>
+                                  </p:stCondLst>
+                                  <p:childTnLst>
+                                    <p:set>
+                                      <p:cBhvr>
+                                        <p:cTn id="10" dur="1" fill="hold">
+                                          <p:stCondLst>
+                                            <p:cond delay="0"/>
+                                          </p:stCondLst>
+                                        </p:cTn>
+                                        <p:tgtEl>
+                                          <p:spTgt spid="3">
+                                            <p:txEl>
+                                              <p:pRg st="2" end="2"/>
+                                            </p:txEl>
+                                          </p:spTgt>
+                                        </p:tgtEl>
+                                        <p:attrNameLst>
+                                          <p:attrName>style.visibility</p:attrName>
+                                        </p:attrNameLst>
+                                      </p:cBhvr>
+                                      <p:to>
+                                        <p:strVal val="visible"/>
+                                      </p:to>
+                                    </p:set>
+                                  </p:childTnLst>
+                                </p:cTn>
+                              </p:par>
+                            </p:childTnLst>
+                          </p:cTn>
+                        </p:par>
+                      </p:childTnLst>
+                    </p:cTn>
+                  </p:par>
+                  <p:par>
+                    <p:cTn id="11" fill="hold">
+                      <p:stCondLst>
+                        <p:cond delay="indefinite"/>
+                      </p:stCondLst>
+                      <p:childTnLst>
+                        <p:par>
+                          <p:cTn id="12" fill="hold">
+                            <p:stCondLst>
+                              <p:cond delay="0"/>
+                            </p:stCondLst>
+                            <p:childTnLst>
+                              <p:par>
+                                <p:cTn id="13" presetID="1" presetClass="entr" presetSubtype="0" fill="hold" grpId="0" nodeType="clickEffect">
+                                  <p:stCondLst>
+                                    <p:cond delay="0"/>
+                                  </p:stCondLst>
+                                  <p:childTnLst>
+                                    <p:set>
+                                      <p:cBhvr>
+                                        <p:cTn id="14" dur="1" fill="hold">
+                                          <p:stCondLst>
+                                            <p:cond delay="0"/>
+                                          </p:stCondLst>
+                                        </p:cTn>
+                                        <p:tgtEl>
+                                          <p:spTgt spid="3">
+                                            <p:txEl>
+                                              <p:pRg st="3" end="3"/>
+                                            </p:txEl>
+                                          </p:spTgt>
+                                        </p:tgtEl>
+                                        <p:attrNameLst>
+                                          <p:attrName>style.visibility</p:attrName>
+                                        </p:attrNameLst>
+                                      </p:cBhvr>
+                                      <p:to>
+                                        <p:strVal val="visible"/>
+                                      </p:to>
+                                    </p:set>
+                                  </p:childTnLst>
+                                </p:cTn>
+                              </p:par>
+                              <p:par>
+                                <p:cTn id="15" presetID="1" presetClass="entr" presetSubtype="0" fill="hold" grpId="0" nodeType="withEffect">
+                                  <p:stCondLst>
+                                    <p:cond delay="0"/>
+                                  </p:stCondLst>
+                                  <p:childTnLst>
+                                    <p:set>
+                                      <p:cBhvr>
+                                        <p:cTn id="16" dur="1" fill="hold">
+                                          <p:stCondLst>
+                                            <p:cond delay="0"/>
+                                          </p:stCondLst>
+                                        </p:cTn>
+                                        <p:tgtEl>
+                                          <p:spTgt spid="3">
+                                            <p:txEl>
+                                              <p:pRg st="4" end="4"/>
+                                            </p:txEl>
+                                          </p:spTgt>
+                                        </p:tgtEl>
+                                        <p:attrNameLst>
+                                          <p:attrName>style.visibility</p:attrName>
+                                        </p:attrNameLst>
+                                      </p:cBhvr>
+                                      <p:to>
+                                        <p:strVal val="visible"/>
+                                      </p:to>
+                                    </p:set>
+                                  </p:childTnLst>
+                                </p:cTn>
+                              </p:par>
+                            </p:childTnLst>
+                          </p:cTn>
+                        </p:par>
+                      </p:childTnLst>
+                    </p:cTn>
+                  </p:par>
+                  <p:par>
+                    <p:cTn id="17" fill="hold">
+                      <p:stCondLst>
+                        <p:cond delay="indefinite"/>
+                      </p:stCondLst>
+                      <p:childTnLst>
+                        <p:par>
+                          <p:cTn id="18" fill="hold">
+                            <p:stCondLst>
+                              <p:cond delay="0"/>
+                            </p:stCondLst>
+                            <p:childTnLst>
+                              <p:par>
+                                <p:cTn id="19" presetID="1" presetClass="entr" presetSubtype="0" fill="hold" grpId="0" nodeType="clickEffect">
+                                  <p:stCondLst>
+                                    <p:cond delay="0"/>
+                                  </p:stCondLst>
+                                  <p:childTnLst>
+                                    <p:set>
+                                      <p:cBhvr>
+                                        <p:cTn id="20" dur="1" fill="hold">
+                                          <p:stCondLst>
+                                            <p:cond delay="0"/>
+                                          </p:stCondLst>
+                                        </p:cTn>
+                                        <p:tgtEl>
+                                          <p:spTgt spid="3">
+                                            <p:txEl>
+                                              <p:pRg st="5" end="5"/>
+                                            </p:txEl>
+                                          </p:spTgt>
+                                        </p:tgtEl>
+                                        <p:attrNameLst>
+                                          <p:attrName>style.visibility</p:attrName>
+                                        </p:attrNameLst>
+                                      </p:cBhvr>
+                                      <p:to>
+                                        <p:strVal val="visible"/>
+                                      </p:to>
+                                    </p:set>
+                                  </p:childTnLst>
+                                </p:cTn>
+                              </p:par>
+                            </p:childTnLst>
+                          </p:cTn>
+                        </p:par>
+                      </p:childTnLst>
+                    </p:cTn>
+                  </p:par>
+                  <p:par>
+                    <p:cTn id="21" fill="hold">
+                      <p:stCondLst>
+                        <p:cond delay="indefinite"/>
+                      </p:stCondLst>
+                      <p:childTnLst>
+                        <p:par>
+                          <p:cTn id="22" fill="hold">
+                            <p:stCondLst>
+                              <p:cond delay="0"/>
+                            </p:stCondLst>
+                            <p:childTnLst>
+                              <p:par>
+                                <p:cTn id="23" presetID="1" presetClass="entr" presetSubtype="0" fill="hold" grpId="0" nodeType="clickEffect">
+                                  <p:stCondLst>
+                                    <p:cond delay="0"/>
+                                  </p:stCondLst>
+                                  <p:childTnLst>
+                                    <p:set>
+                                      <p:cBhvr>
+                                        <p:cTn id="24" dur="1" fill="hold">
+                                          <p:stCondLst>
+                                            <p:cond delay="0"/>
+                                          </p:stCondLst>
+                                        </p:cTn>
+                                        <p:tgtEl>
+                                          <p:spTgt spid="3">
+                                            <p:txEl>
+                                              <p:pRg st="6" end="6"/>
+                                            </p:txEl>
+                                          </p:spTgt>
+                                        </p:tgtEl>
+                                        <p:attrNameLst>
+                                          <p:attrName>style.visibility</p:attrName>
+                                        </p:attrNameLst>
+                                      </p:cBhvr>
+                                      <p:to>
+                                        <p:strVal val="visible"/>
+                                      </p:to>
+                                    </p:set>
+                                  </p:childTnLst>
+                                </p:cTn>
+                              </p:par>
+                            </p:childTnLst>
+                          </p:cTn>
+                        </p:par>
+                      </p:childTnLst>
+                    </p:cTn>
+                  </p:par>
+                  <p:par>
+                    <p:cTn id="25" fill="hold">
+                      <p:stCondLst>
+                        <p:cond delay="indefinite"/>
+                      </p:stCondLst>
+                      <p:childTnLst>
+                        <p:par>
+                          <p:cTn id="26" fill="hold">
+                            <p:stCondLst>
+                              <p:cond delay="0"/>
+                            </p:stCondLst>
+                            <p:childTnLst>
+                              <p:par>
+                                <p:cTn id="27" presetID="1" presetClass="entr" presetSubtype="0" fill="hold" grpId="0" nodeType="clickEffect">
+                                  <p:stCondLst>
+                                    <p:cond delay="0"/>
+                                  </p:stCondLst>
+                                  <p:childTnLst>
+                                    <p:set>
+                                      <p:cBhvr>
+                                        <p:cTn id="28" dur="1" fill="hold">
+                                          <p:stCondLst>
+                                            <p:cond delay="0"/>
+                                          </p:stCondLst>
+                                        </p:cTn>
+                                        <p:tgtEl>
+                                          <p:spTgt spid="3">
+                                            <p:txEl>
+                                              <p:pRg st="7" end="7"/>
+                                            </p:txEl>
+                                          </p:spTgt>
+                                        </p:tgtEl>
+                                        <p:attrNameLst>
+                                          <p:attrName>style.visibility</p:attrName>
+                                        </p:attrNameLst>
+                                      </p:cBhvr>
+                                      <p:to>
+                                        <p:strVal val="visible"/>
+                                      </p:to>
+                                    </p:set>
+                                  </p:childTnLst>
+                                </p:cTn>
+                              </p:par>
+                            </p:childTnLst>
+                          </p:cTn>
+                        </p:par>
+                      </p:childTnLst>
+                    </p:cTn>
+                  </p:par>
+                </p:childTnLst>
+              </p:cTn>
+              <p:prevCondLst>
+                <p:cond evt="onPrev" delay="0">
+                  <p:tgtEl>
+                    <p:sldTgt/>
+                  </p:tgtEl>
+                </p:cond>
+              </p:prevCondLst>
+              <p:nextCondLst>
+                <p:cond evt="onNext" delay="0">
+                  <p:tgtEl>
+                    <p:sldTgt/>
+                  </p:tgtEl>
+                </p:cond>
+              </p:nextCondLst>
+            </p:seq>
+          </p:childTnLst>
+        </p:cTn>
+      </p:par>
+    </p:tnLst>
+    <p:bldLst>
+      <p:bldP spid="3" grpId="0" build="p"/>
+    </p:bldLst>
+  </p:timing>
 </p:sld>
 </file>
 
@@ -7310,7 +9443,13 @@
       </p:grpSpPr>
       <p:sp>
         <p:nvSpPr>
-          <p:cNvPr id="2" name="Title 1"/>
+          <p:cNvPr id="2" name="Title 1">
+            <a:extLst>
+              <a:ext uri="{FF2B5EF4-FFF2-40B4-BE49-F238E27FC236}">
+                <a16:creationId xmlns:a16="http://schemas.microsoft.com/office/drawing/2014/main" id="{CA344CBA-FB2B-44A2-9612-01FA04D41200}"/>
+              </a:ext>
+            </a:extLst>
+          </p:cNvPr>
           <p:cNvSpPr>
             <a:spLocks noGrp="1"/>
           </p:cNvSpPr>
@@ -7318,547 +9457,86 @@
             <p:ph type="title"/>
           </p:nvPr>
         </p:nvSpPr>
+        <p:spPr/>
+        <p:txBody>
+          <a:bodyPr/>
+          <a:lstStyle/>
+          <a:p>
+            <a:r>
+              <a:rPr lang="en-US" dirty="0"/>
+              <a:t>Appendix</a:t>
+            </a:r>
+          </a:p>
+        </p:txBody>
+      </p:sp>
+      <p:sp>
+        <p:nvSpPr>
+          <p:cNvPr id="3" name="Content Placeholder 2">
+            <a:extLst>
+              <a:ext uri="{FF2B5EF4-FFF2-40B4-BE49-F238E27FC236}">
+                <a16:creationId xmlns:a16="http://schemas.microsoft.com/office/drawing/2014/main" id="{F66CA81D-1701-4C2D-AE08-277C299D9B85}"/>
+              </a:ext>
+            </a:extLst>
+          </p:cNvPr>
+          <p:cNvSpPr>
+            <a:spLocks noGrp="1"/>
+          </p:cNvSpPr>
+          <p:nvPr>
+            <p:ph idx="1"/>
+          </p:nvPr>
+        </p:nvSpPr>
         <p:spPr>
           <a:xfrm>
-            <a:off x="1097280" y="286603"/>
-            <a:ext cx="10058400" cy="856397"/>
+            <a:off x="1097280" y="1899590"/>
+            <a:ext cx="10058400" cy="4503521"/>
           </a:xfrm>
         </p:spPr>
         <p:txBody>
-          <a:bodyPr/>
+          <a:bodyPr>
+            <a:normAutofit/>
+          </a:bodyPr>
           <a:lstStyle/>
           <a:p>
+            <a:pPr lvl="0"/>
+            <a:r>
+              <a:rPr lang="en-US" sz="2400" b="1" dirty="0"/>
+              <a:t>Types of Summarizations</a:t>
+            </a:r>
+          </a:p>
+          <a:p>
+            <a:pPr lvl="0"/>
+            <a:r>
+              <a:rPr lang="en-US" b="1" dirty="0"/>
+              <a:t>Extraction-based summarization</a:t>
+            </a:r>
             <a:r>
               <a:rPr lang="en-US" dirty="0"/>
-              <a:t>Our Results (scores)</a:t>
-            </a:r>
+              <a:t>: Content is extracted from original document and is not modified. This method will extract key phrases or sentences to form a summary. The summary generated by this method may not be the same format as a human might express  it and the sentences may appear disjointed</a:t>
+            </a:r>
+          </a:p>
+          <a:p>
+            <a:pPr lvl="0"/>
+            <a:r>
+              <a:rPr lang="en-US" b="1" dirty="0"/>
+              <a:t>Abstraction-based summarization</a:t>
+            </a:r>
+            <a:r>
+              <a:rPr lang="en-US" dirty="0"/>
+              <a:t>: Abstractive methods generate a summary based on internal semantic representation of the original content, closer to what a human might express. Abstraction may transform the extracted content. Such transformation are computationally very challenging  , involving both NLP (natural language processing) and a deep understanding of the document </a:t>
+            </a:r>
+          </a:p>
+          <a:p>
+            <a:pPr marL="457200" indent="-457200">
+              <a:buAutoNum type="arabicParenR"/>
+            </a:pPr>
+            <a:endParaRPr lang="en-US" dirty="0"/>
           </a:p>
         </p:txBody>
       </p:sp>
-      <p:graphicFrame>
-        <p:nvGraphicFramePr>
-          <p:cNvPr id="5" name="Content Placeholder 4"/>
-          <p:cNvGraphicFramePr>
-            <a:graphicFrameLocks noGrp="1"/>
-          </p:cNvGraphicFramePr>
-          <p:nvPr>
-            <p:ph idx="1"/>
-            <p:extLst>
-              <p:ext uri="{D42A27DB-BD31-4B8C-83A1-F6EECF244321}">
-                <p14:modId xmlns:p14="http://schemas.microsoft.com/office/powerpoint/2010/main" val="3018182776"/>
-              </p:ext>
-            </p:extLst>
-          </p:nvPr>
-        </p:nvGraphicFramePr>
-        <p:xfrm>
-          <a:off x="965712" y="2011584"/>
-          <a:ext cx="10246360" cy="3952525"/>
-        </p:xfrm>
-        <a:graphic>
-          <a:graphicData uri="http://schemas.openxmlformats.org/drawingml/2006/table">
-            <a:tbl>
-              <a:tblPr firstRow="1" bandRow="1">
-                <a:tableStyleId>{5C22544A-7EE6-4342-B048-85BDC9FD1C3A}</a:tableStyleId>
-              </a:tblPr>
-              <a:tblGrid>
-                <a:gridCol w="2210244">
-                  <a:extLst>
-                    <a:ext uri="{9D8B030D-6E8A-4147-A177-3AD203B41FA5}">
-                      <a16:colId xmlns:a16="http://schemas.microsoft.com/office/drawing/2014/main" xmlns="" val="20000"/>
-                    </a:ext>
-                  </a:extLst>
-                </a:gridCol>
-                <a:gridCol w="1142556">
-                  <a:extLst>
-                    <a:ext uri="{9D8B030D-6E8A-4147-A177-3AD203B41FA5}">
-                      <a16:colId xmlns:a16="http://schemas.microsoft.com/office/drawing/2014/main" xmlns="" val="20001"/>
-                    </a:ext>
-                  </a:extLst>
-                </a:gridCol>
-                <a:gridCol w="1818640">
-                  <a:extLst>
-                    <a:ext uri="{9D8B030D-6E8A-4147-A177-3AD203B41FA5}">
-                      <a16:colId xmlns:a16="http://schemas.microsoft.com/office/drawing/2014/main" xmlns="" val="20002"/>
-                    </a:ext>
-                  </a:extLst>
-                </a:gridCol>
-                <a:gridCol w="5074920">
-                  <a:extLst>
-                    <a:ext uri="{9D8B030D-6E8A-4147-A177-3AD203B41FA5}">
-                      <a16:colId xmlns:a16="http://schemas.microsoft.com/office/drawing/2014/main" xmlns="" val="2436690740"/>
-                    </a:ext>
-                  </a:extLst>
-                </a:gridCol>
-              </a:tblGrid>
-              <a:tr h="569245">
-                <a:tc>
-                  <a:txBody>
-                    <a:bodyPr/>
-                    <a:lstStyle/>
-                    <a:p>
-                      <a:r>
-                        <a:rPr lang="en-US" dirty="0"/>
-                        <a:t>SOTA</a:t>
-                      </a:r>
-                    </a:p>
-                  </a:txBody>
-                  <a:tcPr/>
-                </a:tc>
-                <a:tc>
-                  <a:txBody>
-                    <a:bodyPr/>
-                    <a:lstStyle/>
-                    <a:p>
-                      <a:r>
-                        <a:rPr lang="en-US" dirty="0"/>
-                        <a:t>Type</a:t>
-                      </a:r>
-                    </a:p>
-                  </a:txBody>
-                  <a:tcPr/>
-                </a:tc>
-                <a:tc>
-                  <a:txBody>
-                    <a:bodyPr/>
-                    <a:lstStyle/>
-                    <a:p>
-                      <a:r>
-                        <a:rPr lang="en-US" dirty="0"/>
-                        <a:t>Transformer</a:t>
-                      </a:r>
-                    </a:p>
-                  </a:txBody>
-                  <a:tcPr/>
-                </a:tc>
-                <a:tc>
-                  <a:txBody>
-                    <a:bodyPr/>
-                    <a:lstStyle/>
-                    <a:p>
-                      <a:r>
-                        <a:rPr lang="en-US" dirty="0"/>
-                        <a:t>Steps</a:t>
-                      </a:r>
-                    </a:p>
-                  </a:txBody>
-                  <a:tcPr/>
-                </a:tc>
-                <a:extLst>
-                  <a:ext uri="{0D108BD9-81ED-4DB2-BD59-A6C34878D82A}">
-                    <a16:rowId xmlns:a16="http://schemas.microsoft.com/office/drawing/2014/main" xmlns="" val="10000"/>
-                  </a:ext>
-                </a:extLst>
-              </a:tr>
-              <a:tr h="752799">
-                <a:tc rowSpan="3">
-                  <a:txBody>
-                    <a:bodyPr/>
-                    <a:lstStyle/>
-                    <a:p>
-                      <a:r>
-                        <a:rPr lang="en-US" sz="1200" dirty="0" err="1"/>
-                        <a:t>PreSumm</a:t>
-                      </a:r>
-                      <a:endParaRPr lang="en-US" sz="1200" dirty="0"/>
-                    </a:p>
-                  </a:txBody>
-                  <a:tcPr anchor="ctr"/>
-                </a:tc>
-                <a:tc>
-                  <a:txBody>
-                    <a:bodyPr/>
-                    <a:lstStyle/>
-                    <a:p>
-                      <a:r>
-                        <a:rPr lang="en-US" sz="1200" dirty="0"/>
-                        <a:t>Extractive</a:t>
-                      </a:r>
-                    </a:p>
-                  </a:txBody>
-                  <a:tcPr/>
-                </a:tc>
-                <a:tc>
-                  <a:txBody>
-                    <a:bodyPr/>
-                    <a:lstStyle/>
-                    <a:p>
-                      <a:r>
-                        <a:rPr lang="en-US" sz="1200" dirty="0"/>
-                        <a:t>BERT</a:t>
-                      </a:r>
-                    </a:p>
-                  </a:txBody>
-                  <a:tcPr/>
-                </a:tc>
-                <a:tc>
-                  <a:txBody>
-                    <a:bodyPr/>
-                    <a:lstStyle/>
-                    <a:p>
-                      <a:pPr marL="228600" indent="-228600">
-                        <a:buAutoNum type="arabicParenR"/>
-                      </a:pPr>
-                      <a:r>
-                        <a:rPr lang="en-US" sz="1200" dirty="0"/>
-                        <a:t>Use the pretrained model with our dataset and get the ROUGE metrics</a:t>
-                      </a:r>
-                    </a:p>
-                    <a:p>
-                      <a:pPr marL="228600" indent="-228600">
-                        <a:buAutoNum type="arabicParenR"/>
-                      </a:pPr>
-                      <a:r>
-                        <a:rPr lang="en-US" sz="1200" dirty="0"/>
-                        <a:t>Train the model with our dataset </a:t>
-                      </a:r>
-                    </a:p>
-                    <a:p>
-                      <a:pPr marL="228600" indent="-228600">
-                        <a:buAutoNum type="arabicParenR"/>
-                      </a:pPr>
-                      <a:r>
-                        <a:rPr lang="en-US" sz="1200" dirty="0"/>
-                        <a:t>Use the trained model to get the ROUGE metrics</a:t>
-                      </a:r>
-                    </a:p>
-                    <a:p>
-                      <a:pPr marL="228600" indent="-228600">
-                        <a:buAutoNum type="arabicParenR"/>
-                      </a:pPr>
-                      <a:r>
-                        <a:rPr lang="en-US" sz="1200" dirty="0"/>
-                        <a:t>Compare the two outputs</a:t>
-                      </a:r>
-                    </a:p>
-                  </a:txBody>
-                  <a:tcPr/>
-                </a:tc>
-                <a:extLst>
-                  <a:ext uri="{0D108BD9-81ED-4DB2-BD59-A6C34878D82A}">
-                    <a16:rowId xmlns:a16="http://schemas.microsoft.com/office/drawing/2014/main" xmlns="" val="10001"/>
-                  </a:ext>
-                </a:extLst>
-              </a:tr>
-              <a:tr h="752799">
-                <a:tc vMerge="1">
-                  <a:txBody>
-                    <a:bodyPr/>
-                    <a:lstStyle/>
-                    <a:p>
-                      <a:endParaRPr lang="en-US" dirty="0"/>
-                    </a:p>
-                  </a:txBody>
-                  <a:tcPr/>
-                </a:tc>
-                <a:tc rowSpan="2">
-                  <a:txBody>
-                    <a:bodyPr/>
-                    <a:lstStyle/>
-                    <a:p>
-                      <a:r>
-                        <a:rPr lang="en-US" sz="1200" dirty="0"/>
-                        <a:t>Abstractive</a:t>
-                      </a:r>
-                    </a:p>
-                  </a:txBody>
-                  <a:tcPr anchor="ctr"/>
-                </a:tc>
-                <a:tc>
-                  <a:txBody>
-                    <a:bodyPr/>
-                    <a:lstStyle/>
-                    <a:p>
-                      <a:r>
-                        <a:rPr lang="en-US" sz="1200" dirty="0"/>
-                        <a:t>Baseline Transformer</a:t>
-                      </a:r>
-                    </a:p>
-                  </a:txBody>
-                  <a:tcPr/>
-                </a:tc>
-                <a:tc>
-                  <a:txBody>
-                    <a:bodyPr/>
-                    <a:lstStyle/>
-                    <a:p>
-                      <a:pPr marL="228600" indent="-228600">
-                        <a:buAutoNum type="arabicParenR"/>
-                      </a:pPr>
-                      <a:r>
-                        <a:rPr lang="en-US" sz="1200" dirty="0"/>
-                        <a:t>Use the pretrained model with our dataset and get the ROUGE metrics</a:t>
-                      </a:r>
-                    </a:p>
-                    <a:p>
-                      <a:pPr marL="228600" indent="-228600">
-                        <a:buAutoNum type="arabicParenR"/>
-                      </a:pPr>
-                      <a:r>
-                        <a:rPr lang="en-US" sz="1200" dirty="0"/>
-                        <a:t>Train the model with our dataset </a:t>
-                      </a:r>
-                    </a:p>
-                    <a:p>
-                      <a:pPr marL="228600" indent="-228600">
-                        <a:buAutoNum type="arabicParenR"/>
-                      </a:pPr>
-                      <a:r>
-                        <a:rPr lang="en-US" sz="1200" dirty="0"/>
-                        <a:t>Use the trained model to get the ROUGE metrics</a:t>
-                      </a:r>
-                    </a:p>
-                    <a:p>
-                      <a:pPr marL="228600" indent="-228600">
-                        <a:buAutoNum type="arabicParenR"/>
-                      </a:pPr>
-                      <a:r>
-                        <a:rPr lang="en-US" sz="1200" dirty="0"/>
-                        <a:t>Compare the two outputs</a:t>
-                      </a:r>
-                    </a:p>
-                  </a:txBody>
-                  <a:tcPr/>
-                </a:tc>
-                <a:extLst>
-                  <a:ext uri="{0D108BD9-81ED-4DB2-BD59-A6C34878D82A}">
-                    <a16:rowId xmlns:a16="http://schemas.microsoft.com/office/drawing/2014/main" xmlns="" val="10002"/>
-                  </a:ext>
-                </a:extLst>
-              </a:tr>
-              <a:tr h="752799">
-                <a:tc vMerge="1">
-                  <a:txBody>
-                    <a:bodyPr/>
-                    <a:lstStyle/>
-                    <a:p>
-                      <a:endParaRPr lang="en-US" dirty="0"/>
-                    </a:p>
-                  </a:txBody>
-                  <a:tcPr/>
-                </a:tc>
-                <a:tc vMerge="1">
-                  <a:txBody>
-                    <a:bodyPr/>
-                    <a:lstStyle/>
-                    <a:p>
-                      <a:endParaRPr lang="en-US" dirty="0"/>
-                    </a:p>
-                  </a:txBody>
-                  <a:tcPr/>
-                </a:tc>
-                <a:tc>
-                  <a:txBody>
-                    <a:bodyPr/>
-                    <a:lstStyle/>
-                    <a:p>
-                      <a:r>
-                        <a:rPr lang="en-US" sz="1200" dirty="0"/>
-                        <a:t>BERT</a:t>
-                      </a:r>
-                    </a:p>
-                  </a:txBody>
-                  <a:tcPr/>
-                </a:tc>
-                <a:tc>
-                  <a:txBody>
-                    <a:bodyPr/>
-                    <a:lstStyle/>
-                    <a:p>
-                      <a:pPr marL="228600" indent="-228600">
-                        <a:buAutoNum type="arabicParenR"/>
-                      </a:pPr>
-                      <a:r>
-                        <a:rPr lang="en-US" sz="1200" dirty="0"/>
-                        <a:t>Use the pretrained model with our dataset and get the ROUGE metrics</a:t>
-                      </a:r>
-                    </a:p>
-                    <a:p>
-                      <a:pPr marL="228600" indent="-228600">
-                        <a:buAutoNum type="arabicParenR"/>
-                      </a:pPr>
-                      <a:r>
-                        <a:rPr lang="en-US" sz="1200" dirty="0"/>
-                        <a:t>Train the model with our dataset </a:t>
-                      </a:r>
-                    </a:p>
-                    <a:p>
-                      <a:pPr marL="228600" indent="-228600">
-                        <a:buAutoNum type="arabicParenR"/>
-                      </a:pPr>
-                      <a:r>
-                        <a:rPr lang="en-US" sz="1200" dirty="0"/>
-                        <a:t>Use the trained model to get the ROUGE metrics</a:t>
-                      </a:r>
-                    </a:p>
-                    <a:p>
-                      <a:pPr marL="228600" indent="-228600">
-                        <a:buAutoNum type="arabicParenR"/>
-                      </a:pPr>
-                      <a:r>
-                        <a:rPr lang="en-US" sz="1200" dirty="0"/>
-                        <a:t>Compare the two outputs</a:t>
-                      </a:r>
-                    </a:p>
-                  </a:txBody>
-                  <a:tcPr/>
-                </a:tc>
-                <a:extLst>
-                  <a:ext uri="{0D108BD9-81ED-4DB2-BD59-A6C34878D82A}">
-                    <a16:rowId xmlns:a16="http://schemas.microsoft.com/office/drawing/2014/main" xmlns="" val="10003"/>
-                  </a:ext>
-                </a:extLst>
-              </a:tr>
-              <a:tr h="423832">
-                <a:tc rowSpan="2">
-                  <a:txBody>
-                    <a:bodyPr/>
-                    <a:lstStyle/>
-                    <a:p>
-                      <a:r>
-                        <a:rPr lang="en-US" sz="1200" dirty="0" err="1"/>
-                        <a:t>MatchSum</a:t>
-                      </a:r>
-                      <a:endParaRPr lang="en-US" sz="1200" dirty="0"/>
-                    </a:p>
-                  </a:txBody>
-                  <a:tcPr anchor="ctr"/>
-                </a:tc>
-                <a:tc rowSpan="2">
-                  <a:txBody>
-                    <a:bodyPr/>
-                    <a:lstStyle/>
-                    <a:p>
-                      <a:r>
-                        <a:rPr lang="en-US" sz="1200" dirty="0"/>
-                        <a:t>Extractive</a:t>
-                      </a:r>
-                    </a:p>
-                  </a:txBody>
-                  <a:tcPr anchor="ctr"/>
-                </a:tc>
-                <a:tc>
-                  <a:txBody>
-                    <a:bodyPr/>
-                    <a:lstStyle/>
-                    <a:p>
-                      <a:r>
-                        <a:rPr lang="en-US" sz="1200" dirty="0"/>
-                        <a:t>BERT</a:t>
-                      </a:r>
-                    </a:p>
-                  </a:txBody>
-                  <a:tcPr/>
-                </a:tc>
-                <a:tc>
-                  <a:txBody>
-                    <a:bodyPr/>
-                    <a:lstStyle/>
-                    <a:p>
-                      <a:pPr marL="228600" indent="-228600">
-                        <a:buAutoNum type="arabicParenR"/>
-                      </a:pPr>
-                      <a:r>
-                        <a:rPr lang="en-US" sz="1200" dirty="0"/>
-                        <a:t>Train the model with our dataset </a:t>
-                      </a:r>
-                    </a:p>
-                    <a:p>
-                      <a:pPr marL="228600" indent="-228600">
-                        <a:buAutoNum type="arabicParenR"/>
-                      </a:pPr>
-                      <a:r>
-                        <a:rPr lang="en-US" sz="1200" dirty="0"/>
-                        <a:t>Use the trained model to get the ROUGE metrics</a:t>
-                      </a:r>
-                    </a:p>
-                  </a:txBody>
-                  <a:tcPr/>
-                </a:tc>
-                <a:extLst>
-                  <a:ext uri="{0D108BD9-81ED-4DB2-BD59-A6C34878D82A}">
-                    <a16:rowId xmlns:a16="http://schemas.microsoft.com/office/drawing/2014/main" xmlns="" val="10004"/>
-                  </a:ext>
-                </a:extLst>
-              </a:tr>
-              <a:tr h="383954">
-                <a:tc vMerge="1">
-                  <a:txBody>
-                    <a:bodyPr/>
-                    <a:lstStyle/>
-                    <a:p>
-                      <a:endParaRPr lang="en-US" dirty="0"/>
-                    </a:p>
-                  </a:txBody>
-                  <a:tcPr/>
-                </a:tc>
-                <a:tc vMerge="1">
-                  <a:txBody>
-                    <a:bodyPr/>
-                    <a:lstStyle/>
-                    <a:p>
-                      <a:endParaRPr lang="en-US" dirty="0"/>
-                    </a:p>
-                  </a:txBody>
-                  <a:tcPr/>
-                </a:tc>
-                <a:tc>
-                  <a:txBody>
-                    <a:bodyPr/>
-                    <a:lstStyle/>
-                    <a:p>
-                      <a:r>
-                        <a:rPr lang="en-US" sz="1200" dirty="0" err="1"/>
-                        <a:t>RoBERTa</a:t>
-                      </a:r>
-                      <a:endParaRPr lang="en-US" sz="1200" dirty="0"/>
-                    </a:p>
-                  </a:txBody>
-                  <a:tcPr/>
-                </a:tc>
-                <a:tc>
-                  <a:txBody>
-                    <a:bodyPr/>
-                    <a:lstStyle/>
-                    <a:p>
-                      <a:pPr marL="228600" indent="-228600">
-                        <a:buAutoNum type="arabicParenR"/>
-                      </a:pPr>
-                      <a:r>
-                        <a:rPr lang="en-US" sz="1200" dirty="0"/>
-                        <a:t>Train the model with our dataset </a:t>
-                      </a:r>
-                    </a:p>
-                    <a:p>
-                      <a:pPr marL="228600" indent="-228600">
-                        <a:buAutoNum type="arabicParenR"/>
-                      </a:pPr>
-                      <a:r>
-                        <a:rPr lang="en-US" sz="1200" dirty="0"/>
-                        <a:t>Use the trained model to get the ROUGE </a:t>
-                      </a:r>
-                      <a:r>
-                        <a:rPr lang="en-US" sz="1200" dirty="0" smtClean="0"/>
-                        <a:t>metrics</a:t>
-                      </a:r>
-                      <a:endParaRPr lang="en-US" sz="1200" dirty="0"/>
-                    </a:p>
-                  </a:txBody>
-                  <a:tcPr/>
-                </a:tc>
-                <a:extLst>
-                  <a:ext uri="{0D108BD9-81ED-4DB2-BD59-A6C34878D82A}">
-                    <a16:rowId xmlns:a16="http://schemas.microsoft.com/office/drawing/2014/main" xmlns="" val="10005"/>
-                  </a:ext>
-                </a:extLst>
-              </a:tr>
-            </a:tbl>
-          </a:graphicData>
-        </a:graphic>
-      </p:graphicFrame>
     </p:spTree>
     <p:extLst>
       <p:ext uri="{BB962C8B-B14F-4D97-AF65-F5344CB8AC3E}">
-        <p14:creationId xmlns:p14="http://schemas.microsoft.com/office/powerpoint/2010/main" val="2558821770"/>
+        <p14:creationId xmlns:p14="http://schemas.microsoft.com/office/powerpoint/2010/main" val="1897433995"/>
       </p:ext>
     </p:extLst>
   </p:cSld>
@@ -7890,7 +9568,175 @@
           <p:cNvPr id="2" name="Title 1">
             <a:extLst>
               <a:ext uri="{FF2B5EF4-FFF2-40B4-BE49-F238E27FC236}">
-                <a16:creationId xmlns:a16="http://schemas.microsoft.com/office/drawing/2014/main" xmlns="" id="{CA344CBA-FB2B-44A2-9612-01FA04D41200}"/>
+                <a16:creationId xmlns:a16="http://schemas.microsoft.com/office/drawing/2014/main" id="{A89F2B34-DF68-420A-A1A7-69ABD17B850E}"/>
+              </a:ext>
+            </a:extLst>
+          </p:cNvPr>
+          <p:cNvSpPr>
+            <a:spLocks noGrp="1"/>
+          </p:cNvSpPr>
+          <p:nvPr>
+            <p:ph type="title"/>
+          </p:nvPr>
+        </p:nvSpPr>
+        <p:spPr/>
+        <p:txBody>
+          <a:bodyPr/>
+          <a:lstStyle/>
+          <a:p>
+            <a:r>
+              <a:rPr lang="en-US" dirty="0"/>
+              <a:t>Appendix</a:t>
+            </a:r>
+          </a:p>
+        </p:txBody>
+      </p:sp>
+      <p:sp>
+        <p:nvSpPr>
+          <p:cNvPr id="3" name="Content Placeholder 2">
+            <a:extLst>
+              <a:ext uri="{FF2B5EF4-FFF2-40B4-BE49-F238E27FC236}">
+                <a16:creationId xmlns:a16="http://schemas.microsoft.com/office/drawing/2014/main" id="{E1B94245-4F0C-4B7C-9103-E79616CDFF6C}"/>
+              </a:ext>
+            </a:extLst>
+          </p:cNvPr>
+          <p:cNvSpPr>
+            <a:spLocks noGrp="1"/>
+          </p:cNvSpPr>
+          <p:nvPr>
+            <p:ph idx="1"/>
+          </p:nvPr>
+        </p:nvSpPr>
+        <p:spPr/>
+        <p:txBody>
+          <a:bodyPr>
+            <a:normAutofit fontScale="92500" lnSpcReduction="20000"/>
+          </a:bodyPr>
+          <a:lstStyle/>
+          <a:p>
+            <a:r>
+              <a:rPr lang="en-US" sz="2800" b="1" dirty="0"/>
+              <a:t>BERT (</a:t>
+            </a:r>
+            <a:r>
+              <a:rPr lang="en-US" sz="2800" dirty="0"/>
+              <a:t>Bidirectional Encoder Representations from Transformers )</a:t>
+            </a:r>
+            <a:endParaRPr lang="en-US" sz="2800" b="1" dirty="0"/>
+          </a:p>
+          <a:p>
+            <a:r>
+              <a:rPr lang="en-US" dirty="0"/>
+              <a:t>BERT is a NLP technique developed by Google(published in 2018 by Jacob Devlin and his colleagues) which can be used to created pretrained language models.  This </a:t>
+            </a:r>
+            <a:r>
+              <a:rPr lang="en-US" dirty="0" err="1"/>
+              <a:t>technigque</a:t>
+            </a:r>
+            <a:r>
+              <a:rPr lang="en-US" dirty="0"/>
+              <a:t> </a:t>
+            </a:r>
+            <a:r>
+              <a:rPr lang="en-US" dirty="0" err="1"/>
+              <a:t>hae</a:t>
+            </a:r>
+            <a:r>
+              <a:rPr lang="en-US" dirty="0"/>
+              <a:t> </a:t>
+            </a:r>
+            <a:r>
+              <a:rPr lang="en-US" dirty="0" err="1"/>
+              <a:t>reently</a:t>
+            </a:r>
+            <a:r>
+              <a:rPr lang="en-US" dirty="0"/>
+              <a:t> been used to create pretrained models for a wide range of natural language processing tasks.  BERT is a deeply bidirectional, unsupervised language representation and these models are  pre-trained using only a plain text corpus. BERT uses a masking </a:t>
+            </a:r>
+            <a:r>
+              <a:rPr lang="en-US" dirty="0" err="1"/>
+              <a:t>stategy</a:t>
+            </a:r>
+            <a:r>
+              <a:rPr lang="en-US" dirty="0"/>
+              <a:t> and learns to predict masked sections within the text</a:t>
+            </a:r>
+          </a:p>
+          <a:p>
+            <a:r>
+              <a:rPr lang="en-US" sz="2800" b="1" dirty="0" err="1"/>
+              <a:t>RoBERTa</a:t>
+            </a:r>
+            <a:r>
+              <a:rPr lang="en-US" sz="2800" dirty="0"/>
+              <a:t>(</a:t>
+            </a:r>
+            <a:r>
+              <a:rPr lang="en-US" sz="2600" b="1" dirty="0"/>
+              <a:t>Robustly Optimized BERT Pretraining Approach</a:t>
+            </a:r>
+            <a:r>
+              <a:rPr lang="en-US" b="1" dirty="0"/>
+              <a:t>)</a:t>
+            </a:r>
+            <a:endParaRPr lang="en-US" sz="2800" dirty="0"/>
+          </a:p>
+          <a:p>
+            <a:r>
+              <a:rPr lang="en-US" dirty="0" err="1"/>
+              <a:t>RoBERTa</a:t>
+            </a:r>
+            <a:r>
+              <a:rPr lang="en-US" dirty="0"/>
+              <a:t> builds on BERT’s language masking strategy. It modifies key hyperparameters in BERT, removing BERT’s next-sentence pretraining objective, and training with much larger mini-batches and learning rates. This allows </a:t>
+            </a:r>
+            <a:r>
+              <a:rPr lang="en-US" dirty="0" err="1"/>
+              <a:t>RoBERTa</a:t>
+            </a:r>
+            <a:r>
+              <a:rPr lang="en-US" dirty="0"/>
+              <a:t> to improve on the masked language modeling objective compared with BERT and leads to better downstream task performance. </a:t>
+            </a:r>
+          </a:p>
+        </p:txBody>
+      </p:sp>
+    </p:spTree>
+    <p:extLst>
+      <p:ext uri="{BB962C8B-B14F-4D97-AF65-F5344CB8AC3E}">
+        <p14:creationId xmlns:p14="http://schemas.microsoft.com/office/powerpoint/2010/main" val="360813130"/>
+      </p:ext>
+    </p:extLst>
+  </p:cSld>
+  <p:clrMapOvr>
+    <a:masterClrMapping/>
+  </p:clrMapOvr>
+</p:sld>
+</file>
+
+<file path=ppt/slides/slide19.xml><?xml version="1.0" encoding="utf-8"?>
+<p:sld xmlns:a="http://schemas.openxmlformats.org/drawingml/2006/main" xmlns:r="http://schemas.openxmlformats.org/officeDocument/2006/relationships" xmlns:p="http://schemas.openxmlformats.org/presentationml/2006/main">
+  <p:cSld>
+    <p:spTree>
+      <p:nvGrpSpPr>
+        <p:cNvPr id="1" name=""/>
+        <p:cNvGrpSpPr/>
+        <p:nvPr/>
+      </p:nvGrpSpPr>
+      <p:grpSpPr>
+        <a:xfrm>
+          <a:off x="0" y="0"/>
+          <a:ext cx="0" cy="0"/>
+          <a:chOff x="0" y="0"/>
+          <a:chExt cx="0" cy="0"/>
+        </a:xfrm>
+      </p:grpSpPr>
+      <p:sp>
+        <p:nvSpPr>
+          <p:cNvPr id="2" name="Title 1">
+            <a:extLst>
+              <a:ext uri="{FF2B5EF4-FFF2-40B4-BE49-F238E27FC236}">
+                <a16:creationId xmlns:a16="http://schemas.microsoft.com/office/drawing/2014/main" id="{CA344CBA-FB2B-44A2-9612-01FA04D41200}"/>
               </a:ext>
             </a:extLst>
           </p:cNvPr>
@@ -7923,7 +9769,7 @@
           <p:cNvPr id="3" name="Content Placeholder 2">
             <a:extLst>
               <a:ext uri="{FF2B5EF4-FFF2-40B4-BE49-F238E27FC236}">
-                <a16:creationId xmlns:a16="http://schemas.microsoft.com/office/drawing/2014/main" xmlns="" id="{F66CA81D-1701-4C2D-AE08-277C299D9B85}"/>
+                <a16:creationId xmlns:a16="http://schemas.microsoft.com/office/drawing/2014/main" id="{F66CA81D-1701-4C2D-AE08-277C299D9B85}"/>
               </a:ext>
             </a:extLst>
           </p:cNvPr>
@@ -8050,7 +9896,7 @@
           <p:cNvPr id="2" name="Title 1">
             <a:extLst>
               <a:ext uri="{FF2B5EF4-FFF2-40B4-BE49-F238E27FC236}">
-                <a16:creationId xmlns:a16="http://schemas.microsoft.com/office/drawing/2014/main" xmlns="" id="{CA344CBA-FB2B-44A2-9612-01FA04D41200}"/>
+                <a16:creationId xmlns:a16="http://schemas.microsoft.com/office/drawing/2014/main" id="{CA344CBA-FB2B-44A2-9612-01FA04D41200}"/>
               </a:ext>
             </a:extLst>
           </p:cNvPr>
@@ -8078,7 +9924,7 @@
           <p:cNvPr id="3" name="Content Placeholder 2">
             <a:extLst>
               <a:ext uri="{FF2B5EF4-FFF2-40B4-BE49-F238E27FC236}">
-                <a16:creationId xmlns:a16="http://schemas.microsoft.com/office/drawing/2014/main" xmlns="" id="{F66CA81D-1701-4C2D-AE08-277C299D9B85}"/>
+                <a16:creationId xmlns:a16="http://schemas.microsoft.com/office/drawing/2014/main" id="{F66CA81D-1701-4C2D-AE08-277C299D9B85}"/>
               </a:ext>
             </a:extLst>
           </p:cNvPr>
@@ -8141,6 +9987,186 @@
   <p:clrMapOvr>
     <a:masterClrMapping/>
   </p:clrMapOvr>
+  <p:timing>
+    <p:tnLst>
+      <p:par>
+        <p:cTn id="1" dur="indefinite" restart="never" nodeType="tmRoot">
+          <p:childTnLst>
+            <p:seq concurrent="1" nextAc="seek">
+              <p:cTn id="2" dur="indefinite" nodeType="mainSeq">
+                <p:childTnLst>
+                  <p:par>
+                    <p:cTn id="3" fill="hold">
+                      <p:stCondLst>
+                        <p:cond delay="indefinite"/>
+                      </p:stCondLst>
+                      <p:childTnLst>
+                        <p:par>
+                          <p:cTn id="4" fill="hold">
+                            <p:stCondLst>
+                              <p:cond delay="0"/>
+                            </p:stCondLst>
+                            <p:childTnLst>
+                              <p:par>
+                                <p:cTn id="5" presetID="1" presetClass="entr" presetSubtype="0" fill="hold" grpId="0" nodeType="clickEffect">
+                                  <p:stCondLst>
+                                    <p:cond delay="0"/>
+                                  </p:stCondLst>
+                                  <p:childTnLst>
+                                    <p:set>
+                                      <p:cBhvr>
+                                        <p:cTn id="6" dur="1" fill="hold">
+                                          <p:stCondLst>
+                                            <p:cond delay="0"/>
+                                          </p:stCondLst>
+                                        </p:cTn>
+                                        <p:tgtEl>
+                                          <p:spTgt spid="3">
+                                            <p:txEl>
+                                              <p:pRg st="0" end="0"/>
+                                            </p:txEl>
+                                          </p:spTgt>
+                                        </p:tgtEl>
+                                        <p:attrNameLst>
+                                          <p:attrName>style.visibility</p:attrName>
+                                        </p:attrNameLst>
+                                      </p:cBhvr>
+                                      <p:to>
+                                        <p:strVal val="visible"/>
+                                      </p:to>
+                                    </p:set>
+                                  </p:childTnLst>
+                                </p:cTn>
+                              </p:par>
+                            </p:childTnLst>
+                          </p:cTn>
+                        </p:par>
+                      </p:childTnLst>
+                    </p:cTn>
+                  </p:par>
+                  <p:par>
+                    <p:cTn id="7" fill="hold">
+                      <p:stCondLst>
+                        <p:cond delay="indefinite"/>
+                      </p:stCondLst>
+                      <p:childTnLst>
+                        <p:par>
+                          <p:cTn id="8" fill="hold">
+                            <p:stCondLst>
+                              <p:cond delay="0"/>
+                            </p:stCondLst>
+                            <p:childTnLst>
+                              <p:par>
+                                <p:cTn id="9" presetID="1" presetClass="entr" presetSubtype="0" fill="hold" grpId="0" nodeType="clickEffect">
+                                  <p:stCondLst>
+                                    <p:cond delay="0"/>
+                                  </p:stCondLst>
+                                  <p:childTnLst>
+                                    <p:set>
+                                      <p:cBhvr>
+                                        <p:cTn id="10" dur="1" fill="hold">
+                                          <p:stCondLst>
+                                            <p:cond delay="0"/>
+                                          </p:stCondLst>
+                                        </p:cTn>
+                                        <p:tgtEl>
+                                          <p:spTgt spid="3">
+                                            <p:txEl>
+                                              <p:pRg st="1" end="1"/>
+                                            </p:txEl>
+                                          </p:spTgt>
+                                        </p:tgtEl>
+                                        <p:attrNameLst>
+                                          <p:attrName>style.visibility</p:attrName>
+                                        </p:attrNameLst>
+                                      </p:cBhvr>
+                                      <p:to>
+                                        <p:strVal val="visible"/>
+                                      </p:to>
+                                    </p:set>
+                                  </p:childTnLst>
+                                </p:cTn>
+                              </p:par>
+                            </p:childTnLst>
+                          </p:cTn>
+                        </p:par>
+                      </p:childTnLst>
+                    </p:cTn>
+                  </p:par>
+                  <p:par>
+                    <p:cTn id="11" fill="hold">
+                      <p:stCondLst>
+                        <p:cond delay="indefinite"/>
+                      </p:stCondLst>
+                      <p:childTnLst>
+                        <p:par>
+                          <p:cTn id="12" fill="hold">
+                            <p:stCondLst>
+                              <p:cond delay="0"/>
+                            </p:stCondLst>
+                            <p:childTnLst>
+                              <p:par>
+                                <p:cTn id="13" presetID="1" presetClass="entr" presetSubtype="0" fill="hold" grpId="0" nodeType="clickEffect">
+                                  <p:stCondLst>
+                                    <p:cond delay="0"/>
+                                  </p:stCondLst>
+                                  <p:childTnLst>
+                                    <p:set>
+                                      <p:cBhvr>
+                                        <p:cTn id="14" dur="1" fill="hold">
+                                          <p:stCondLst>
+                                            <p:cond delay="0"/>
+                                          </p:stCondLst>
+                                        </p:cTn>
+                                        <p:tgtEl>
+                                          <p:spTgt spid="3">
+                                            <p:txEl>
+                                              <p:pRg st="2" end="2"/>
+                                            </p:txEl>
+                                          </p:spTgt>
+                                        </p:tgtEl>
+                                        <p:attrNameLst>
+                                          <p:attrName>style.visibility</p:attrName>
+                                        </p:attrNameLst>
+                                      </p:cBhvr>
+                                      <p:to>
+                                        <p:strVal val="visible"/>
+                                      </p:to>
+                                    </p:set>
+                                  </p:childTnLst>
+                                </p:cTn>
+                              </p:par>
+                            </p:childTnLst>
+                          </p:cTn>
+                        </p:par>
+                      </p:childTnLst>
+                    </p:cTn>
+                  </p:par>
+                </p:childTnLst>
+              </p:cTn>
+              <p:prevCondLst>
+                <p:cond evt="onPrev" delay="0">
+                  <p:tgtEl>
+                    <p:sldTgt/>
+                  </p:tgtEl>
+                </p:cond>
+              </p:prevCondLst>
+              <p:nextCondLst>
+                <p:cond evt="onNext" delay="0">
+                  <p:tgtEl>
+                    <p:sldTgt/>
+                  </p:tgtEl>
+                </p:cond>
+              </p:nextCondLst>
+            </p:seq>
+          </p:childTnLst>
+        </p:cTn>
+      </p:par>
+    </p:tnLst>
+    <p:bldLst>
+      <p:bldP spid="3" grpId="0" build="p"/>
+    </p:bldLst>
+  </p:timing>
 </p:sld>
 </file>
 
@@ -8166,7 +10192,7 @@
           <p:cNvPr id="2" name="Title 1">
             <a:extLst>
               <a:ext uri="{FF2B5EF4-FFF2-40B4-BE49-F238E27FC236}">
-                <a16:creationId xmlns:a16="http://schemas.microsoft.com/office/drawing/2014/main" xmlns="" id="{CA344CBA-FB2B-44A2-9612-01FA04D41200}"/>
+                <a16:creationId xmlns:a16="http://schemas.microsoft.com/office/drawing/2014/main" id="{CA344CBA-FB2B-44A2-9612-01FA04D41200}"/>
               </a:ext>
             </a:extLst>
           </p:cNvPr>
@@ -8199,7 +10225,7 @@
           <p:cNvPr id="3" name="Content Placeholder 2">
             <a:extLst>
               <a:ext uri="{FF2B5EF4-FFF2-40B4-BE49-F238E27FC236}">
-                <a16:creationId xmlns:a16="http://schemas.microsoft.com/office/drawing/2014/main" xmlns="" id="{F66CA81D-1701-4C2D-AE08-277C299D9B85}"/>
+                <a16:creationId xmlns:a16="http://schemas.microsoft.com/office/drawing/2014/main" id="{F66CA81D-1701-4C2D-AE08-277C299D9B85}"/>
               </a:ext>
             </a:extLst>
           </p:cNvPr>
@@ -8213,12 +10239,12 @@
         <p:spPr>
           <a:xfrm>
             <a:off x="1162424" y="1955800"/>
-            <a:ext cx="10020527" cy="4378959"/>
+            <a:ext cx="10020527" cy="754149"/>
           </a:xfrm>
         </p:spPr>
         <p:txBody>
           <a:bodyPr>
-            <a:normAutofit/>
+            <a:normAutofit fontScale="92500" lnSpcReduction="10000"/>
           </a:bodyPr>
           <a:lstStyle/>
           <a:p>
@@ -8258,10 +10284,7 @@
             <a:pPr marL="0" indent="0">
               <a:buNone/>
             </a:pPr>
-            <a:r>
-              <a:rPr lang="en-US" sz="2400" dirty="0"/>
-              <a:t> </a:t>
-            </a:r>
+            <a:endParaRPr lang="en-US" sz="2400" dirty="0"/>
           </a:p>
         </p:txBody>
       </p:sp>
@@ -8270,7 +10293,7 @@
           <p:cNvPr id="4" name="Table 5">
             <a:extLst>
               <a:ext uri="{FF2B5EF4-FFF2-40B4-BE49-F238E27FC236}">
-                <a16:creationId xmlns:a16="http://schemas.microsoft.com/office/drawing/2014/main" xmlns="" id="{CDC58BF9-8AD2-4729-BE3A-21FCD6C8C86A}"/>
+                <a16:creationId xmlns:a16="http://schemas.microsoft.com/office/drawing/2014/main" id="{CDC58BF9-8AD2-4729-BE3A-21FCD6C8C86A}"/>
               </a:ext>
             </a:extLst>
           </p:cNvPr>
@@ -8299,14 +10322,14 @@
                 <a:gridCol w="2917325">
                   <a:extLst>
                     <a:ext uri="{9D8B030D-6E8A-4147-A177-3AD203B41FA5}">
-                      <a16:colId xmlns:a16="http://schemas.microsoft.com/office/drawing/2014/main" xmlns="" val="2919214932"/>
+                      <a16:colId xmlns:a16="http://schemas.microsoft.com/office/drawing/2014/main" val="2919214932"/>
                     </a:ext>
                   </a:extLst>
                 </a:gridCol>
                 <a:gridCol w="2908762">
                   <a:extLst>
                     <a:ext uri="{9D8B030D-6E8A-4147-A177-3AD203B41FA5}">
-                      <a16:colId xmlns:a16="http://schemas.microsoft.com/office/drawing/2014/main" xmlns="" val="3416736214"/>
+                      <a16:colId xmlns:a16="http://schemas.microsoft.com/office/drawing/2014/main" val="3416736214"/>
                     </a:ext>
                   </a:extLst>
                 </a:gridCol>
@@ -8334,7 +10357,7 @@
                 </a:tc>
                 <a:extLst>
                   <a:ext uri="{0D108BD9-81ED-4DB2-BD59-A6C34878D82A}">
-                    <a16:rowId xmlns:a16="http://schemas.microsoft.com/office/drawing/2014/main" xmlns="" val="986129061"/>
+                    <a16:rowId xmlns:a16="http://schemas.microsoft.com/office/drawing/2014/main" val="986129061"/>
                   </a:ext>
                 </a:extLst>
               </a:tr>
@@ -8367,7 +10390,7 @@
                 </a:tc>
                 <a:extLst>
                   <a:ext uri="{0D108BD9-81ED-4DB2-BD59-A6C34878D82A}">
-                    <a16:rowId xmlns:a16="http://schemas.microsoft.com/office/drawing/2014/main" xmlns="" val="2923158457"/>
+                    <a16:rowId xmlns:a16="http://schemas.microsoft.com/office/drawing/2014/main" val="2923158457"/>
                   </a:ext>
                 </a:extLst>
               </a:tr>
@@ -8422,7 +10445,7 @@
                 </a:tc>
                 <a:extLst>
                   <a:ext uri="{0D108BD9-81ED-4DB2-BD59-A6C34878D82A}">
-                    <a16:rowId xmlns:a16="http://schemas.microsoft.com/office/drawing/2014/main" xmlns="" val="2759870889"/>
+                    <a16:rowId xmlns:a16="http://schemas.microsoft.com/office/drawing/2014/main" val="2759870889"/>
                   </a:ext>
                 </a:extLst>
               </a:tr>
@@ -8455,7 +10478,7 @@
                 </a:tc>
                 <a:extLst>
                   <a:ext uri="{0D108BD9-81ED-4DB2-BD59-A6C34878D82A}">
-                    <a16:rowId xmlns:a16="http://schemas.microsoft.com/office/drawing/2014/main" xmlns="" val="1675287206"/>
+                    <a16:rowId xmlns:a16="http://schemas.microsoft.com/office/drawing/2014/main" val="1675287206"/>
                   </a:ext>
                 </a:extLst>
               </a:tr>
@@ -8489,7 +10512,7 @@
                 </a:tc>
                 <a:extLst>
                   <a:ext uri="{0D108BD9-81ED-4DB2-BD59-A6C34878D82A}">
-                    <a16:rowId xmlns:a16="http://schemas.microsoft.com/office/drawing/2014/main" xmlns="" val="2602628322"/>
+                    <a16:rowId xmlns:a16="http://schemas.microsoft.com/office/drawing/2014/main" val="2602628322"/>
                   </a:ext>
                 </a:extLst>
               </a:tr>
@@ -8526,7 +10549,7 @@
                 </a:tc>
                 <a:extLst>
                   <a:ext uri="{0D108BD9-81ED-4DB2-BD59-A6C34878D82A}">
-                    <a16:rowId xmlns:a16="http://schemas.microsoft.com/office/drawing/2014/main" xmlns="" val="1328877814"/>
+                    <a16:rowId xmlns:a16="http://schemas.microsoft.com/office/drawing/2014/main" val="1328877814"/>
                   </a:ext>
                 </a:extLst>
               </a:tr>
@@ -8567,7 +10590,7 @@
                 </a:tc>
                 <a:extLst>
                   <a:ext uri="{0D108BD9-81ED-4DB2-BD59-A6C34878D82A}">
-                    <a16:rowId xmlns:a16="http://schemas.microsoft.com/office/drawing/2014/main" xmlns="" val="3507887961"/>
+                    <a16:rowId xmlns:a16="http://schemas.microsoft.com/office/drawing/2014/main" val="3507887961"/>
                   </a:ext>
                 </a:extLst>
               </a:tr>
@@ -8580,7 +10603,7 @@
           <p:cNvPr id="5" name="Picture 4">
             <a:extLst>
               <a:ext uri="{FF2B5EF4-FFF2-40B4-BE49-F238E27FC236}">
-                <a16:creationId xmlns:a16="http://schemas.microsoft.com/office/drawing/2014/main" xmlns="" id="{EC9799C3-2B3D-4E11-B8E0-90B04A451CE9}"/>
+                <a16:creationId xmlns:a16="http://schemas.microsoft.com/office/drawing/2014/main" id="{EC9799C3-2B3D-4E11-B8E0-90B04A451CE9}"/>
               </a:ext>
             </a:extLst>
           </p:cNvPr>
@@ -8610,7 +10633,7 @@
           <p:cNvPr id="6" name="TextBox 5">
             <a:extLst>
               <a:ext uri="{FF2B5EF4-FFF2-40B4-BE49-F238E27FC236}">
-                <a16:creationId xmlns:a16="http://schemas.microsoft.com/office/drawing/2014/main" xmlns="" id="{D18CB254-BC4E-464E-8235-486086BBF8F6}"/>
+                <a16:creationId xmlns:a16="http://schemas.microsoft.com/office/drawing/2014/main" id="{D18CB254-BC4E-464E-8235-486086BBF8F6}"/>
               </a:ext>
             </a:extLst>
           </p:cNvPr>
@@ -8650,6 +10673,178 @@
   <p:clrMapOvr>
     <a:masterClrMapping/>
   </p:clrMapOvr>
+  <p:timing>
+    <p:tnLst>
+      <p:par>
+        <p:cTn id="1" dur="indefinite" restart="never" nodeType="tmRoot">
+          <p:childTnLst>
+            <p:seq concurrent="1" nextAc="seek">
+              <p:cTn id="2" dur="indefinite" nodeType="mainSeq">
+                <p:childTnLst>
+                  <p:par>
+                    <p:cTn id="3" fill="hold">
+                      <p:stCondLst>
+                        <p:cond delay="indefinite"/>
+                      </p:stCondLst>
+                      <p:childTnLst>
+                        <p:par>
+                          <p:cTn id="4" fill="hold">
+                            <p:stCondLst>
+                              <p:cond delay="0"/>
+                            </p:stCondLst>
+                            <p:childTnLst>
+                              <p:par>
+                                <p:cTn id="5" presetID="1" presetClass="entr" presetSubtype="0" fill="hold" grpId="0" nodeType="clickEffect">
+                                  <p:stCondLst>
+                                    <p:cond delay="0"/>
+                                  </p:stCondLst>
+                                  <p:childTnLst>
+                                    <p:set>
+                                      <p:cBhvr>
+                                        <p:cTn id="6" dur="1" fill="hold">
+                                          <p:stCondLst>
+                                            <p:cond delay="0"/>
+                                          </p:stCondLst>
+                                        </p:cTn>
+                                        <p:tgtEl>
+                                          <p:spTgt spid="3">
+                                            <p:txEl>
+                                              <p:pRg st="0" end="0"/>
+                                            </p:txEl>
+                                          </p:spTgt>
+                                        </p:tgtEl>
+                                        <p:attrNameLst>
+                                          <p:attrName>style.visibility</p:attrName>
+                                        </p:attrNameLst>
+                                      </p:cBhvr>
+                                      <p:to>
+                                        <p:strVal val="visible"/>
+                                      </p:to>
+                                    </p:set>
+                                  </p:childTnLst>
+                                </p:cTn>
+                              </p:par>
+                            </p:childTnLst>
+                          </p:cTn>
+                        </p:par>
+                      </p:childTnLst>
+                    </p:cTn>
+                  </p:par>
+                  <p:par>
+                    <p:cTn id="7" fill="hold">
+                      <p:stCondLst>
+                        <p:cond delay="indefinite"/>
+                      </p:stCondLst>
+                      <p:childTnLst>
+                        <p:par>
+                          <p:cTn id="8" fill="hold">
+                            <p:stCondLst>
+                              <p:cond delay="0"/>
+                            </p:stCondLst>
+                            <p:childTnLst>
+                              <p:par>
+                                <p:cTn id="9" presetID="1" presetClass="entr" presetSubtype="0" fill="hold" nodeType="clickEffect">
+                                  <p:stCondLst>
+                                    <p:cond delay="0"/>
+                                  </p:stCondLst>
+                                  <p:childTnLst>
+                                    <p:set>
+                                      <p:cBhvr>
+                                        <p:cTn id="10" dur="1" fill="hold">
+                                          <p:stCondLst>
+                                            <p:cond delay="0"/>
+                                          </p:stCondLst>
+                                        </p:cTn>
+                                        <p:tgtEl>
+                                          <p:spTgt spid="4"/>
+                                        </p:tgtEl>
+                                        <p:attrNameLst>
+                                          <p:attrName>style.visibility</p:attrName>
+                                        </p:attrNameLst>
+                                      </p:cBhvr>
+                                      <p:to>
+                                        <p:strVal val="visible"/>
+                                      </p:to>
+                                    </p:set>
+                                  </p:childTnLst>
+                                </p:cTn>
+                              </p:par>
+                            </p:childTnLst>
+                          </p:cTn>
+                        </p:par>
+                      </p:childTnLst>
+                    </p:cTn>
+                  </p:par>
+                  <p:par>
+                    <p:cTn id="11" fill="hold">
+                      <p:stCondLst>
+                        <p:cond delay="indefinite"/>
+                      </p:stCondLst>
+                      <p:childTnLst>
+                        <p:par>
+                          <p:cTn id="12" fill="hold">
+                            <p:stCondLst>
+                              <p:cond delay="0"/>
+                            </p:stCondLst>
+                            <p:childTnLst>
+                              <p:par>
+                                <p:cTn id="13" presetID="1" presetClass="entr" presetSubtype="0" fill="hold" nodeType="clickEffect">
+                                  <p:stCondLst>
+                                    <p:cond delay="0"/>
+                                  </p:stCondLst>
+                                  <p:childTnLst>
+                                    <p:set>
+                                      <p:cBhvr>
+                                        <p:cTn id="14" dur="1" fill="hold">
+                                          <p:stCondLst>
+                                            <p:cond delay="0"/>
+                                          </p:stCondLst>
+                                        </p:cTn>
+                                        <p:tgtEl>
+                                          <p:spTgt spid="5"/>
+                                        </p:tgtEl>
+                                        <p:attrNameLst>
+                                          <p:attrName>style.visibility</p:attrName>
+                                        </p:attrNameLst>
+                                      </p:cBhvr>
+                                      <p:to>
+                                        <p:strVal val="visible"/>
+                                      </p:to>
+                                    </p:set>
+                                  </p:childTnLst>
+                                </p:cTn>
+                              </p:par>
+                            </p:childTnLst>
+                          </p:cTn>
+                        </p:par>
+                      </p:childTnLst>
+                    </p:cTn>
+                  </p:par>
+                </p:childTnLst>
+              </p:cTn>
+              <p:prevCondLst>
+                <p:cond evt="onPrev" delay="0">
+                  <p:tgtEl>
+                    <p:sldTgt/>
+                  </p:tgtEl>
+                </p:cond>
+              </p:prevCondLst>
+              <p:nextCondLst>
+                <p:cond evt="onNext" delay="0">
+                  <p:tgtEl>
+                    <p:sldTgt/>
+                  </p:tgtEl>
+                </p:cond>
+              </p:nextCondLst>
+            </p:seq>
+          </p:childTnLst>
+        </p:cTn>
+      </p:par>
+    </p:tnLst>
+    <p:bldLst>
+      <p:bldP spid="3" grpId="0" build="p"/>
+    </p:bldLst>
+  </p:timing>
 </p:sld>
 </file>
 
@@ -8675,7 +10870,7 @@
           <p:cNvPr id="2" name="Title 1">
             <a:extLst>
               <a:ext uri="{FF2B5EF4-FFF2-40B4-BE49-F238E27FC236}">
-                <a16:creationId xmlns:a16="http://schemas.microsoft.com/office/drawing/2014/main" xmlns="" id="{CA344CBA-FB2B-44A2-9612-01FA04D41200}"/>
+                <a16:creationId xmlns:a16="http://schemas.microsoft.com/office/drawing/2014/main" id="{CA344CBA-FB2B-44A2-9612-01FA04D41200}"/>
               </a:ext>
             </a:extLst>
           </p:cNvPr>
@@ -8708,7 +10903,7 @@
           <p:cNvPr id="3" name="Content Placeholder 2">
             <a:extLst>
               <a:ext uri="{FF2B5EF4-FFF2-40B4-BE49-F238E27FC236}">
-                <a16:creationId xmlns:a16="http://schemas.microsoft.com/office/drawing/2014/main" xmlns="" id="{F66CA81D-1701-4C2D-AE08-277C299D9B85}"/>
+                <a16:creationId xmlns:a16="http://schemas.microsoft.com/office/drawing/2014/main" id="{F66CA81D-1701-4C2D-AE08-277C299D9B85}"/>
               </a:ext>
             </a:extLst>
           </p:cNvPr>
@@ -8825,6 +11020,431 @@
   <p:clrMapOvr>
     <a:masterClrMapping/>
   </p:clrMapOvr>
+  <p:timing>
+    <p:tnLst>
+      <p:par>
+        <p:cTn id="1" dur="indefinite" restart="never" nodeType="tmRoot">
+          <p:childTnLst>
+            <p:seq concurrent="1" nextAc="seek">
+              <p:cTn id="2" dur="indefinite" nodeType="mainSeq">
+                <p:childTnLst>
+                  <p:par>
+                    <p:cTn id="3" fill="hold">
+                      <p:stCondLst>
+                        <p:cond delay="indefinite"/>
+                      </p:stCondLst>
+                      <p:childTnLst>
+                        <p:par>
+                          <p:cTn id="4" fill="hold">
+                            <p:stCondLst>
+                              <p:cond delay="0"/>
+                            </p:stCondLst>
+                            <p:childTnLst>
+                              <p:par>
+                                <p:cTn id="5" presetID="1" presetClass="entr" presetSubtype="0" fill="hold" grpId="0" nodeType="clickEffect">
+                                  <p:stCondLst>
+                                    <p:cond delay="0"/>
+                                  </p:stCondLst>
+                                  <p:childTnLst>
+                                    <p:set>
+                                      <p:cBhvr>
+                                        <p:cTn id="6" dur="1" fill="hold">
+                                          <p:stCondLst>
+                                            <p:cond delay="0"/>
+                                          </p:stCondLst>
+                                        </p:cTn>
+                                        <p:tgtEl>
+                                          <p:spTgt spid="3">
+                                            <p:txEl>
+                                              <p:pRg st="0" end="0"/>
+                                            </p:txEl>
+                                          </p:spTgt>
+                                        </p:tgtEl>
+                                        <p:attrNameLst>
+                                          <p:attrName>style.visibility</p:attrName>
+                                        </p:attrNameLst>
+                                      </p:cBhvr>
+                                      <p:to>
+                                        <p:strVal val="visible"/>
+                                      </p:to>
+                                    </p:set>
+                                  </p:childTnLst>
+                                </p:cTn>
+                              </p:par>
+                            </p:childTnLst>
+                          </p:cTn>
+                        </p:par>
+                      </p:childTnLst>
+                    </p:cTn>
+                  </p:par>
+                  <p:par>
+                    <p:cTn id="7" fill="hold">
+                      <p:stCondLst>
+                        <p:cond delay="indefinite"/>
+                      </p:stCondLst>
+                      <p:childTnLst>
+                        <p:par>
+                          <p:cTn id="8" fill="hold">
+                            <p:stCondLst>
+                              <p:cond delay="0"/>
+                            </p:stCondLst>
+                            <p:childTnLst>
+                              <p:par>
+                                <p:cTn id="9" presetID="1" presetClass="entr" presetSubtype="0" fill="hold" grpId="0" nodeType="clickEffect">
+                                  <p:stCondLst>
+                                    <p:cond delay="0"/>
+                                  </p:stCondLst>
+                                  <p:childTnLst>
+                                    <p:set>
+                                      <p:cBhvr>
+                                        <p:cTn id="10" dur="1" fill="hold">
+                                          <p:stCondLst>
+                                            <p:cond delay="0"/>
+                                          </p:stCondLst>
+                                        </p:cTn>
+                                        <p:tgtEl>
+                                          <p:spTgt spid="3">
+                                            <p:txEl>
+                                              <p:pRg st="1" end="1"/>
+                                            </p:txEl>
+                                          </p:spTgt>
+                                        </p:tgtEl>
+                                        <p:attrNameLst>
+                                          <p:attrName>style.visibility</p:attrName>
+                                        </p:attrNameLst>
+                                      </p:cBhvr>
+                                      <p:to>
+                                        <p:strVal val="visible"/>
+                                      </p:to>
+                                    </p:set>
+                                  </p:childTnLst>
+                                </p:cTn>
+                              </p:par>
+                            </p:childTnLst>
+                          </p:cTn>
+                        </p:par>
+                      </p:childTnLst>
+                    </p:cTn>
+                  </p:par>
+                  <p:par>
+                    <p:cTn id="11" fill="hold">
+                      <p:stCondLst>
+                        <p:cond delay="indefinite"/>
+                      </p:stCondLst>
+                      <p:childTnLst>
+                        <p:par>
+                          <p:cTn id="12" fill="hold">
+                            <p:stCondLst>
+                              <p:cond delay="0"/>
+                            </p:stCondLst>
+                            <p:childTnLst>
+                              <p:par>
+                                <p:cTn id="13" presetID="1" presetClass="entr" presetSubtype="0" fill="hold" grpId="0" nodeType="clickEffect">
+                                  <p:stCondLst>
+                                    <p:cond delay="0"/>
+                                  </p:stCondLst>
+                                  <p:childTnLst>
+                                    <p:set>
+                                      <p:cBhvr>
+                                        <p:cTn id="14" dur="1" fill="hold">
+                                          <p:stCondLst>
+                                            <p:cond delay="0"/>
+                                          </p:stCondLst>
+                                        </p:cTn>
+                                        <p:tgtEl>
+                                          <p:spTgt spid="3">
+                                            <p:txEl>
+                                              <p:pRg st="2" end="2"/>
+                                            </p:txEl>
+                                          </p:spTgt>
+                                        </p:tgtEl>
+                                        <p:attrNameLst>
+                                          <p:attrName>style.visibility</p:attrName>
+                                        </p:attrNameLst>
+                                      </p:cBhvr>
+                                      <p:to>
+                                        <p:strVal val="visible"/>
+                                      </p:to>
+                                    </p:set>
+                                  </p:childTnLst>
+                                </p:cTn>
+                              </p:par>
+                            </p:childTnLst>
+                          </p:cTn>
+                        </p:par>
+                      </p:childTnLst>
+                    </p:cTn>
+                  </p:par>
+                  <p:par>
+                    <p:cTn id="15" fill="hold">
+                      <p:stCondLst>
+                        <p:cond delay="indefinite"/>
+                      </p:stCondLst>
+                      <p:childTnLst>
+                        <p:par>
+                          <p:cTn id="16" fill="hold">
+                            <p:stCondLst>
+                              <p:cond delay="0"/>
+                            </p:stCondLst>
+                            <p:childTnLst>
+                              <p:par>
+                                <p:cTn id="17" presetID="1" presetClass="entr" presetSubtype="0" fill="hold" grpId="0" nodeType="clickEffect">
+                                  <p:stCondLst>
+                                    <p:cond delay="0"/>
+                                  </p:stCondLst>
+                                  <p:childTnLst>
+                                    <p:set>
+                                      <p:cBhvr>
+                                        <p:cTn id="18" dur="1" fill="hold">
+                                          <p:stCondLst>
+                                            <p:cond delay="0"/>
+                                          </p:stCondLst>
+                                        </p:cTn>
+                                        <p:tgtEl>
+                                          <p:spTgt spid="3">
+                                            <p:txEl>
+                                              <p:pRg st="3" end="3"/>
+                                            </p:txEl>
+                                          </p:spTgt>
+                                        </p:tgtEl>
+                                        <p:attrNameLst>
+                                          <p:attrName>style.visibility</p:attrName>
+                                        </p:attrNameLst>
+                                      </p:cBhvr>
+                                      <p:to>
+                                        <p:strVal val="visible"/>
+                                      </p:to>
+                                    </p:set>
+                                  </p:childTnLst>
+                                </p:cTn>
+                              </p:par>
+                            </p:childTnLst>
+                          </p:cTn>
+                        </p:par>
+                      </p:childTnLst>
+                    </p:cTn>
+                  </p:par>
+                  <p:par>
+                    <p:cTn id="19" fill="hold">
+                      <p:stCondLst>
+                        <p:cond delay="indefinite"/>
+                      </p:stCondLst>
+                      <p:childTnLst>
+                        <p:par>
+                          <p:cTn id="20" fill="hold">
+                            <p:stCondLst>
+                              <p:cond delay="0"/>
+                            </p:stCondLst>
+                            <p:childTnLst>
+                              <p:par>
+                                <p:cTn id="21" presetID="1" presetClass="entr" presetSubtype="0" fill="hold" grpId="0" nodeType="clickEffect">
+                                  <p:stCondLst>
+                                    <p:cond delay="0"/>
+                                  </p:stCondLst>
+                                  <p:childTnLst>
+                                    <p:set>
+                                      <p:cBhvr>
+                                        <p:cTn id="22" dur="1" fill="hold">
+                                          <p:stCondLst>
+                                            <p:cond delay="0"/>
+                                          </p:stCondLst>
+                                        </p:cTn>
+                                        <p:tgtEl>
+                                          <p:spTgt spid="3">
+                                            <p:txEl>
+                                              <p:pRg st="4" end="4"/>
+                                            </p:txEl>
+                                          </p:spTgt>
+                                        </p:tgtEl>
+                                        <p:attrNameLst>
+                                          <p:attrName>style.visibility</p:attrName>
+                                        </p:attrNameLst>
+                                      </p:cBhvr>
+                                      <p:to>
+                                        <p:strVal val="visible"/>
+                                      </p:to>
+                                    </p:set>
+                                  </p:childTnLst>
+                                </p:cTn>
+                              </p:par>
+                            </p:childTnLst>
+                          </p:cTn>
+                        </p:par>
+                      </p:childTnLst>
+                    </p:cTn>
+                  </p:par>
+                  <p:par>
+                    <p:cTn id="23" fill="hold">
+                      <p:stCondLst>
+                        <p:cond delay="indefinite"/>
+                      </p:stCondLst>
+                      <p:childTnLst>
+                        <p:par>
+                          <p:cTn id="24" fill="hold">
+                            <p:stCondLst>
+                              <p:cond delay="0"/>
+                            </p:stCondLst>
+                            <p:childTnLst>
+                              <p:par>
+                                <p:cTn id="25" presetID="1" presetClass="entr" presetSubtype="0" fill="hold" grpId="0" nodeType="clickEffect">
+                                  <p:stCondLst>
+                                    <p:cond delay="0"/>
+                                  </p:stCondLst>
+                                  <p:childTnLst>
+                                    <p:set>
+                                      <p:cBhvr>
+                                        <p:cTn id="26" dur="1" fill="hold">
+                                          <p:stCondLst>
+                                            <p:cond delay="0"/>
+                                          </p:stCondLst>
+                                        </p:cTn>
+                                        <p:tgtEl>
+                                          <p:spTgt spid="3">
+                                            <p:txEl>
+                                              <p:pRg st="5" end="5"/>
+                                            </p:txEl>
+                                          </p:spTgt>
+                                        </p:tgtEl>
+                                        <p:attrNameLst>
+                                          <p:attrName>style.visibility</p:attrName>
+                                        </p:attrNameLst>
+                                      </p:cBhvr>
+                                      <p:to>
+                                        <p:strVal val="visible"/>
+                                      </p:to>
+                                    </p:set>
+                                  </p:childTnLst>
+                                </p:cTn>
+                              </p:par>
+                            </p:childTnLst>
+                          </p:cTn>
+                        </p:par>
+                      </p:childTnLst>
+                    </p:cTn>
+                  </p:par>
+                  <p:par>
+                    <p:cTn id="27" fill="hold">
+                      <p:stCondLst>
+                        <p:cond delay="indefinite"/>
+                      </p:stCondLst>
+                      <p:childTnLst>
+                        <p:par>
+                          <p:cTn id="28" fill="hold">
+                            <p:stCondLst>
+                              <p:cond delay="0"/>
+                            </p:stCondLst>
+                            <p:childTnLst>
+                              <p:par>
+                                <p:cTn id="29" presetID="1" presetClass="entr" presetSubtype="0" fill="hold" grpId="0" nodeType="clickEffect">
+                                  <p:stCondLst>
+                                    <p:cond delay="0"/>
+                                  </p:stCondLst>
+                                  <p:childTnLst>
+                                    <p:set>
+                                      <p:cBhvr>
+                                        <p:cTn id="30" dur="1" fill="hold">
+                                          <p:stCondLst>
+                                            <p:cond delay="0"/>
+                                          </p:stCondLst>
+                                        </p:cTn>
+                                        <p:tgtEl>
+                                          <p:spTgt spid="3">
+                                            <p:txEl>
+                                              <p:pRg st="6" end="6"/>
+                                            </p:txEl>
+                                          </p:spTgt>
+                                        </p:tgtEl>
+                                        <p:attrNameLst>
+                                          <p:attrName>style.visibility</p:attrName>
+                                        </p:attrNameLst>
+                                      </p:cBhvr>
+                                      <p:to>
+                                        <p:strVal val="visible"/>
+                                      </p:to>
+                                    </p:set>
+                                  </p:childTnLst>
+                                </p:cTn>
+                              </p:par>
+                            </p:childTnLst>
+                          </p:cTn>
+                        </p:par>
+                      </p:childTnLst>
+                    </p:cTn>
+                  </p:par>
+                  <p:par>
+                    <p:cTn id="31" fill="hold">
+                      <p:stCondLst>
+                        <p:cond delay="indefinite"/>
+                      </p:stCondLst>
+                      <p:childTnLst>
+                        <p:par>
+                          <p:cTn id="32" fill="hold">
+                            <p:stCondLst>
+                              <p:cond delay="0"/>
+                            </p:stCondLst>
+                            <p:childTnLst>
+                              <p:par>
+                                <p:cTn id="33" presetID="1" presetClass="entr" presetSubtype="0" fill="hold" grpId="0" nodeType="clickEffect">
+                                  <p:stCondLst>
+                                    <p:cond delay="0"/>
+                                  </p:stCondLst>
+                                  <p:childTnLst>
+                                    <p:set>
+                                      <p:cBhvr>
+                                        <p:cTn id="34" dur="1" fill="hold">
+                                          <p:stCondLst>
+                                            <p:cond delay="0"/>
+                                          </p:stCondLst>
+                                        </p:cTn>
+                                        <p:tgtEl>
+                                          <p:spTgt spid="3">
+                                            <p:txEl>
+                                              <p:pRg st="7" end="7"/>
+                                            </p:txEl>
+                                          </p:spTgt>
+                                        </p:tgtEl>
+                                        <p:attrNameLst>
+                                          <p:attrName>style.visibility</p:attrName>
+                                        </p:attrNameLst>
+                                      </p:cBhvr>
+                                      <p:to>
+                                        <p:strVal val="visible"/>
+                                      </p:to>
+                                    </p:set>
+                                  </p:childTnLst>
+                                </p:cTn>
+                              </p:par>
+                            </p:childTnLst>
+                          </p:cTn>
+                        </p:par>
+                      </p:childTnLst>
+                    </p:cTn>
+                  </p:par>
+                </p:childTnLst>
+              </p:cTn>
+              <p:prevCondLst>
+                <p:cond evt="onPrev" delay="0">
+                  <p:tgtEl>
+                    <p:sldTgt/>
+                  </p:tgtEl>
+                </p:cond>
+              </p:prevCondLst>
+              <p:nextCondLst>
+                <p:cond evt="onNext" delay="0">
+                  <p:tgtEl>
+                    <p:sldTgt/>
+                  </p:tgtEl>
+                </p:cond>
+              </p:nextCondLst>
+            </p:seq>
+          </p:childTnLst>
+        </p:cTn>
+      </p:par>
+    </p:tnLst>
+    <p:bldLst>
+      <p:bldP spid="3" grpId="0" build="p"/>
+    </p:bldLst>
+  </p:timing>
 </p:sld>
 </file>
 
@@ -8850,7 +11470,7 @@
           <p:cNvPr id="2" name="Title 1">
             <a:extLst>
               <a:ext uri="{FF2B5EF4-FFF2-40B4-BE49-F238E27FC236}">
-                <a16:creationId xmlns:a16="http://schemas.microsoft.com/office/drawing/2014/main" xmlns="" id="{CA344CBA-FB2B-44A2-9612-01FA04D41200}"/>
+                <a16:creationId xmlns:a16="http://schemas.microsoft.com/office/drawing/2014/main" id="{CA344CBA-FB2B-44A2-9612-01FA04D41200}"/>
               </a:ext>
             </a:extLst>
           </p:cNvPr>
@@ -8883,7 +11503,7 @@
           <p:cNvPr id="3" name="Content Placeholder 2">
             <a:extLst>
               <a:ext uri="{FF2B5EF4-FFF2-40B4-BE49-F238E27FC236}">
-                <a16:creationId xmlns:a16="http://schemas.microsoft.com/office/drawing/2014/main" xmlns="" id="{F66CA81D-1701-4C2D-AE08-277C299D9B85}"/>
+                <a16:creationId xmlns:a16="http://schemas.microsoft.com/office/drawing/2014/main" id="{F66CA81D-1701-4C2D-AE08-277C299D9B85}"/>
               </a:ext>
             </a:extLst>
           </p:cNvPr>
@@ -8983,6 +11603,346 @@
   <p:clrMapOvr>
     <a:masterClrMapping/>
   </p:clrMapOvr>
+  <p:timing>
+    <p:tnLst>
+      <p:par>
+        <p:cTn id="1" dur="indefinite" restart="never" nodeType="tmRoot">
+          <p:childTnLst>
+            <p:seq concurrent="1" nextAc="seek">
+              <p:cTn id="2" dur="indefinite" nodeType="mainSeq">
+                <p:childTnLst>
+                  <p:par>
+                    <p:cTn id="3" fill="hold">
+                      <p:stCondLst>
+                        <p:cond delay="indefinite"/>
+                      </p:stCondLst>
+                      <p:childTnLst>
+                        <p:par>
+                          <p:cTn id="4" fill="hold">
+                            <p:stCondLst>
+                              <p:cond delay="0"/>
+                            </p:stCondLst>
+                            <p:childTnLst>
+                              <p:par>
+                                <p:cTn id="5" presetID="1" presetClass="entr" presetSubtype="0" fill="hold" grpId="0" nodeType="clickEffect">
+                                  <p:stCondLst>
+                                    <p:cond delay="0"/>
+                                  </p:stCondLst>
+                                  <p:childTnLst>
+                                    <p:set>
+                                      <p:cBhvr>
+                                        <p:cTn id="6" dur="1" fill="hold">
+                                          <p:stCondLst>
+                                            <p:cond delay="0"/>
+                                          </p:stCondLst>
+                                        </p:cTn>
+                                        <p:tgtEl>
+                                          <p:spTgt spid="3">
+                                            <p:txEl>
+                                              <p:pRg st="0" end="0"/>
+                                            </p:txEl>
+                                          </p:spTgt>
+                                        </p:tgtEl>
+                                        <p:attrNameLst>
+                                          <p:attrName>style.visibility</p:attrName>
+                                        </p:attrNameLst>
+                                      </p:cBhvr>
+                                      <p:to>
+                                        <p:strVal val="visible"/>
+                                      </p:to>
+                                    </p:set>
+                                  </p:childTnLst>
+                                </p:cTn>
+                              </p:par>
+                            </p:childTnLst>
+                          </p:cTn>
+                        </p:par>
+                      </p:childTnLst>
+                    </p:cTn>
+                  </p:par>
+                  <p:par>
+                    <p:cTn id="7" fill="hold">
+                      <p:stCondLst>
+                        <p:cond delay="indefinite"/>
+                      </p:stCondLst>
+                      <p:childTnLst>
+                        <p:par>
+                          <p:cTn id="8" fill="hold">
+                            <p:stCondLst>
+                              <p:cond delay="0"/>
+                            </p:stCondLst>
+                            <p:childTnLst>
+                              <p:par>
+                                <p:cTn id="9" presetID="1" presetClass="entr" presetSubtype="0" fill="hold" grpId="0" nodeType="clickEffect">
+                                  <p:stCondLst>
+                                    <p:cond delay="0"/>
+                                  </p:stCondLst>
+                                  <p:childTnLst>
+                                    <p:set>
+                                      <p:cBhvr>
+                                        <p:cTn id="10" dur="1" fill="hold">
+                                          <p:stCondLst>
+                                            <p:cond delay="0"/>
+                                          </p:stCondLst>
+                                        </p:cTn>
+                                        <p:tgtEl>
+                                          <p:spTgt spid="3">
+                                            <p:txEl>
+                                              <p:pRg st="1" end="1"/>
+                                            </p:txEl>
+                                          </p:spTgt>
+                                        </p:tgtEl>
+                                        <p:attrNameLst>
+                                          <p:attrName>style.visibility</p:attrName>
+                                        </p:attrNameLst>
+                                      </p:cBhvr>
+                                      <p:to>
+                                        <p:strVal val="visible"/>
+                                      </p:to>
+                                    </p:set>
+                                  </p:childTnLst>
+                                </p:cTn>
+                              </p:par>
+                            </p:childTnLst>
+                          </p:cTn>
+                        </p:par>
+                      </p:childTnLst>
+                    </p:cTn>
+                  </p:par>
+                  <p:par>
+                    <p:cTn id="11" fill="hold">
+                      <p:stCondLst>
+                        <p:cond delay="indefinite"/>
+                      </p:stCondLst>
+                      <p:childTnLst>
+                        <p:par>
+                          <p:cTn id="12" fill="hold">
+                            <p:stCondLst>
+                              <p:cond delay="0"/>
+                            </p:stCondLst>
+                            <p:childTnLst>
+                              <p:par>
+                                <p:cTn id="13" presetID="1" presetClass="entr" presetSubtype="0" fill="hold" grpId="0" nodeType="clickEffect">
+                                  <p:stCondLst>
+                                    <p:cond delay="0"/>
+                                  </p:stCondLst>
+                                  <p:childTnLst>
+                                    <p:set>
+                                      <p:cBhvr>
+                                        <p:cTn id="14" dur="1" fill="hold">
+                                          <p:stCondLst>
+                                            <p:cond delay="0"/>
+                                          </p:stCondLst>
+                                        </p:cTn>
+                                        <p:tgtEl>
+                                          <p:spTgt spid="3">
+                                            <p:txEl>
+                                              <p:pRg st="2" end="2"/>
+                                            </p:txEl>
+                                          </p:spTgt>
+                                        </p:tgtEl>
+                                        <p:attrNameLst>
+                                          <p:attrName>style.visibility</p:attrName>
+                                        </p:attrNameLst>
+                                      </p:cBhvr>
+                                      <p:to>
+                                        <p:strVal val="visible"/>
+                                      </p:to>
+                                    </p:set>
+                                  </p:childTnLst>
+                                </p:cTn>
+                              </p:par>
+                            </p:childTnLst>
+                          </p:cTn>
+                        </p:par>
+                      </p:childTnLst>
+                    </p:cTn>
+                  </p:par>
+                  <p:par>
+                    <p:cTn id="15" fill="hold">
+                      <p:stCondLst>
+                        <p:cond delay="indefinite"/>
+                      </p:stCondLst>
+                      <p:childTnLst>
+                        <p:par>
+                          <p:cTn id="16" fill="hold">
+                            <p:stCondLst>
+                              <p:cond delay="0"/>
+                            </p:stCondLst>
+                            <p:childTnLst>
+                              <p:par>
+                                <p:cTn id="17" presetID="1" presetClass="entr" presetSubtype="0" fill="hold" grpId="0" nodeType="clickEffect">
+                                  <p:stCondLst>
+                                    <p:cond delay="0"/>
+                                  </p:stCondLst>
+                                  <p:childTnLst>
+                                    <p:set>
+                                      <p:cBhvr>
+                                        <p:cTn id="18" dur="1" fill="hold">
+                                          <p:stCondLst>
+                                            <p:cond delay="0"/>
+                                          </p:stCondLst>
+                                        </p:cTn>
+                                        <p:tgtEl>
+                                          <p:spTgt spid="3">
+                                            <p:txEl>
+                                              <p:pRg st="3" end="3"/>
+                                            </p:txEl>
+                                          </p:spTgt>
+                                        </p:tgtEl>
+                                        <p:attrNameLst>
+                                          <p:attrName>style.visibility</p:attrName>
+                                        </p:attrNameLst>
+                                      </p:cBhvr>
+                                      <p:to>
+                                        <p:strVal val="visible"/>
+                                      </p:to>
+                                    </p:set>
+                                  </p:childTnLst>
+                                </p:cTn>
+                              </p:par>
+                            </p:childTnLst>
+                          </p:cTn>
+                        </p:par>
+                      </p:childTnLst>
+                    </p:cTn>
+                  </p:par>
+                  <p:par>
+                    <p:cTn id="19" fill="hold">
+                      <p:stCondLst>
+                        <p:cond delay="indefinite"/>
+                      </p:stCondLst>
+                      <p:childTnLst>
+                        <p:par>
+                          <p:cTn id="20" fill="hold">
+                            <p:stCondLst>
+                              <p:cond delay="0"/>
+                            </p:stCondLst>
+                            <p:childTnLst>
+                              <p:par>
+                                <p:cTn id="21" presetID="1" presetClass="entr" presetSubtype="0" fill="hold" grpId="0" nodeType="clickEffect">
+                                  <p:stCondLst>
+                                    <p:cond delay="0"/>
+                                  </p:stCondLst>
+                                  <p:childTnLst>
+                                    <p:set>
+                                      <p:cBhvr>
+                                        <p:cTn id="22" dur="1" fill="hold">
+                                          <p:stCondLst>
+                                            <p:cond delay="0"/>
+                                          </p:stCondLst>
+                                        </p:cTn>
+                                        <p:tgtEl>
+                                          <p:spTgt spid="3">
+                                            <p:txEl>
+                                              <p:pRg st="4" end="4"/>
+                                            </p:txEl>
+                                          </p:spTgt>
+                                        </p:tgtEl>
+                                        <p:attrNameLst>
+                                          <p:attrName>style.visibility</p:attrName>
+                                        </p:attrNameLst>
+                                      </p:cBhvr>
+                                      <p:to>
+                                        <p:strVal val="visible"/>
+                                      </p:to>
+                                    </p:set>
+                                  </p:childTnLst>
+                                </p:cTn>
+                              </p:par>
+                              <p:par>
+                                <p:cTn id="23" presetID="1" presetClass="entr" presetSubtype="0" fill="hold" grpId="0" nodeType="withEffect">
+                                  <p:stCondLst>
+                                    <p:cond delay="0"/>
+                                  </p:stCondLst>
+                                  <p:childTnLst>
+                                    <p:set>
+                                      <p:cBhvr>
+                                        <p:cTn id="24" dur="1" fill="hold">
+                                          <p:stCondLst>
+                                            <p:cond delay="0"/>
+                                          </p:stCondLst>
+                                        </p:cTn>
+                                        <p:tgtEl>
+                                          <p:spTgt spid="3">
+                                            <p:txEl>
+                                              <p:pRg st="5" end="5"/>
+                                            </p:txEl>
+                                          </p:spTgt>
+                                        </p:tgtEl>
+                                        <p:attrNameLst>
+                                          <p:attrName>style.visibility</p:attrName>
+                                        </p:attrNameLst>
+                                      </p:cBhvr>
+                                      <p:to>
+                                        <p:strVal val="visible"/>
+                                      </p:to>
+                                    </p:set>
+                                  </p:childTnLst>
+                                </p:cTn>
+                              </p:par>
+                              <p:par>
+                                <p:cTn id="25" presetID="1" presetClass="entr" presetSubtype="0" fill="hold" grpId="0" nodeType="withEffect">
+                                  <p:stCondLst>
+                                    <p:cond delay="0"/>
+                                  </p:stCondLst>
+                                  <p:childTnLst>
+                                    <p:set>
+                                      <p:cBhvr>
+                                        <p:cTn id="26" dur="1" fill="hold">
+                                          <p:stCondLst>
+                                            <p:cond delay="0"/>
+                                          </p:stCondLst>
+                                        </p:cTn>
+                                        <p:tgtEl>
+                                          <p:spTgt spid="3">
+                                            <p:txEl>
+                                              <p:pRg st="6" end="6"/>
+                                            </p:txEl>
+                                          </p:spTgt>
+                                        </p:tgtEl>
+                                        <p:attrNameLst>
+                                          <p:attrName>style.visibility</p:attrName>
+                                        </p:attrNameLst>
+                                      </p:cBhvr>
+                                      <p:to>
+                                        <p:strVal val="visible"/>
+                                      </p:to>
+                                    </p:set>
+                                  </p:childTnLst>
+                                </p:cTn>
+                              </p:par>
+                            </p:childTnLst>
+                          </p:cTn>
+                        </p:par>
+                      </p:childTnLst>
+                    </p:cTn>
+                  </p:par>
+                </p:childTnLst>
+              </p:cTn>
+              <p:prevCondLst>
+                <p:cond evt="onPrev" delay="0">
+                  <p:tgtEl>
+                    <p:sldTgt/>
+                  </p:tgtEl>
+                </p:cond>
+              </p:prevCondLst>
+              <p:nextCondLst>
+                <p:cond evt="onNext" delay="0">
+                  <p:tgtEl>
+                    <p:sldTgt/>
+                  </p:tgtEl>
+                </p:cond>
+              </p:nextCondLst>
+            </p:seq>
+          </p:childTnLst>
+        </p:cTn>
+      </p:par>
+    </p:tnLst>
+    <p:bldLst>
+      <p:bldP spid="3" grpId="0" build="p"/>
+    </p:bldLst>
+  </p:timing>
 </p:sld>
 </file>
 
@@ -9008,7 +11968,7 @@
           <p:cNvPr id="2" name="Title 1">
             <a:extLst>
               <a:ext uri="{FF2B5EF4-FFF2-40B4-BE49-F238E27FC236}">
-                <a16:creationId xmlns:a16="http://schemas.microsoft.com/office/drawing/2014/main" xmlns="" id="{CA344CBA-FB2B-44A2-9612-01FA04D41200}"/>
+                <a16:creationId xmlns:a16="http://schemas.microsoft.com/office/drawing/2014/main" id="{CA344CBA-FB2B-44A2-9612-01FA04D41200}"/>
               </a:ext>
             </a:extLst>
           </p:cNvPr>
@@ -9036,7 +11996,7 @@
           <p:cNvPr id="3" name="Content Placeholder 2">
             <a:extLst>
               <a:ext uri="{FF2B5EF4-FFF2-40B4-BE49-F238E27FC236}">
-                <a16:creationId xmlns:a16="http://schemas.microsoft.com/office/drawing/2014/main" xmlns="" id="{F66CA81D-1701-4C2D-AE08-277C299D9B85}"/>
+                <a16:creationId xmlns:a16="http://schemas.microsoft.com/office/drawing/2014/main" id="{F66CA81D-1701-4C2D-AE08-277C299D9B85}"/>
               </a:ext>
             </a:extLst>
           </p:cNvPr>
@@ -9149,6 +12109,284 @@
   <p:clrMapOvr>
     <a:masterClrMapping/>
   </p:clrMapOvr>
+  <p:timing>
+    <p:tnLst>
+      <p:par>
+        <p:cTn id="1" dur="indefinite" restart="never" nodeType="tmRoot">
+          <p:childTnLst>
+            <p:seq concurrent="1" nextAc="seek">
+              <p:cTn id="2" dur="indefinite" nodeType="mainSeq">
+                <p:childTnLst>
+                  <p:par>
+                    <p:cTn id="3" fill="hold">
+                      <p:stCondLst>
+                        <p:cond delay="indefinite"/>
+                      </p:stCondLst>
+                      <p:childTnLst>
+                        <p:par>
+                          <p:cTn id="4" fill="hold">
+                            <p:stCondLst>
+                              <p:cond delay="0"/>
+                            </p:stCondLst>
+                            <p:childTnLst>
+                              <p:par>
+                                <p:cTn id="5" presetID="1" presetClass="entr" presetSubtype="0" fill="hold" grpId="0" nodeType="clickEffect">
+                                  <p:stCondLst>
+                                    <p:cond delay="0"/>
+                                  </p:stCondLst>
+                                  <p:childTnLst>
+                                    <p:set>
+                                      <p:cBhvr>
+                                        <p:cTn id="6" dur="1" fill="hold">
+                                          <p:stCondLst>
+                                            <p:cond delay="0"/>
+                                          </p:stCondLst>
+                                        </p:cTn>
+                                        <p:tgtEl>
+                                          <p:spTgt spid="3">
+                                            <p:txEl>
+                                              <p:pRg st="0" end="0"/>
+                                            </p:txEl>
+                                          </p:spTgt>
+                                        </p:tgtEl>
+                                        <p:attrNameLst>
+                                          <p:attrName>style.visibility</p:attrName>
+                                        </p:attrNameLst>
+                                      </p:cBhvr>
+                                      <p:to>
+                                        <p:strVal val="visible"/>
+                                      </p:to>
+                                    </p:set>
+                                  </p:childTnLst>
+                                </p:cTn>
+                              </p:par>
+                            </p:childTnLst>
+                          </p:cTn>
+                        </p:par>
+                      </p:childTnLst>
+                    </p:cTn>
+                  </p:par>
+                  <p:par>
+                    <p:cTn id="7" fill="hold">
+                      <p:stCondLst>
+                        <p:cond delay="indefinite"/>
+                      </p:stCondLst>
+                      <p:childTnLst>
+                        <p:par>
+                          <p:cTn id="8" fill="hold">
+                            <p:stCondLst>
+                              <p:cond delay="0"/>
+                            </p:stCondLst>
+                            <p:childTnLst>
+                              <p:par>
+                                <p:cTn id="9" presetID="1" presetClass="entr" presetSubtype="0" fill="hold" grpId="0" nodeType="clickEffect">
+                                  <p:stCondLst>
+                                    <p:cond delay="0"/>
+                                  </p:stCondLst>
+                                  <p:childTnLst>
+                                    <p:set>
+                                      <p:cBhvr>
+                                        <p:cTn id="10" dur="1" fill="hold">
+                                          <p:stCondLst>
+                                            <p:cond delay="0"/>
+                                          </p:stCondLst>
+                                        </p:cTn>
+                                        <p:tgtEl>
+                                          <p:spTgt spid="3">
+                                            <p:txEl>
+                                              <p:pRg st="2" end="2"/>
+                                            </p:txEl>
+                                          </p:spTgt>
+                                        </p:tgtEl>
+                                        <p:attrNameLst>
+                                          <p:attrName>style.visibility</p:attrName>
+                                        </p:attrNameLst>
+                                      </p:cBhvr>
+                                      <p:to>
+                                        <p:strVal val="visible"/>
+                                      </p:to>
+                                    </p:set>
+                                  </p:childTnLst>
+                                </p:cTn>
+                              </p:par>
+                            </p:childTnLst>
+                          </p:cTn>
+                        </p:par>
+                      </p:childTnLst>
+                    </p:cTn>
+                  </p:par>
+                  <p:par>
+                    <p:cTn id="11" fill="hold">
+                      <p:stCondLst>
+                        <p:cond delay="indefinite"/>
+                      </p:stCondLst>
+                      <p:childTnLst>
+                        <p:par>
+                          <p:cTn id="12" fill="hold">
+                            <p:stCondLst>
+                              <p:cond delay="0"/>
+                            </p:stCondLst>
+                            <p:childTnLst>
+                              <p:par>
+                                <p:cTn id="13" presetID="1" presetClass="entr" presetSubtype="0" fill="hold" grpId="0" nodeType="clickEffect">
+                                  <p:stCondLst>
+                                    <p:cond delay="0"/>
+                                  </p:stCondLst>
+                                  <p:childTnLst>
+                                    <p:set>
+                                      <p:cBhvr>
+                                        <p:cTn id="14" dur="1" fill="hold">
+                                          <p:stCondLst>
+                                            <p:cond delay="0"/>
+                                          </p:stCondLst>
+                                        </p:cTn>
+                                        <p:tgtEl>
+                                          <p:spTgt spid="3">
+                                            <p:txEl>
+                                              <p:pRg st="3" end="3"/>
+                                            </p:txEl>
+                                          </p:spTgt>
+                                        </p:tgtEl>
+                                        <p:attrNameLst>
+                                          <p:attrName>style.visibility</p:attrName>
+                                        </p:attrNameLst>
+                                      </p:cBhvr>
+                                      <p:to>
+                                        <p:strVal val="visible"/>
+                                      </p:to>
+                                    </p:set>
+                                  </p:childTnLst>
+                                </p:cTn>
+                              </p:par>
+                            </p:childTnLst>
+                          </p:cTn>
+                        </p:par>
+                      </p:childTnLst>
+                    </p:cTn>
+                  </p:par>
+                  <p:par>
+                    <p:cTn id="15" fill="hold">
+                      <p:stCondLst>
+                        <p:cond delay="indefinite"/>
+                      </p:stCondLst>
+                      <p:childTnLst>
+                        <p:par>
+                          <p:cTn id="16" fill="hold">
+                            <p:stCondLst>
+                              <p:cond delay="0"/>
+                            </p:stCondLst>
+                            <p:childTnLst>
+                              <p:par>
+                                <p:cTn id="17" presetID="1" presetClass="entr" presetSubtype="0" fill="hold" grpId="0" nodeType="clickEffect">
+                                  <p:stCondLst>
+                                    <p:cond delay="0"/>
+                                  </p:stCondLst>
+                                  <p:childTnLst>
+                                    <p:set>
+                                      <p:cBhvr>
+                                        <p:cTn id="18" dur="1" fill="hold">
+                                          <p:stCondLst>
+                                            <p:cond delay="0"/>
+                                          </p:stCondLst>
+                                        </p:cTn>
+                                        <p:tgtEl>
+                                          <p:spTgt spid="3">
+                                            <p:txEl>
+                                              <p:pRg st="4" end="4"/>
+                                            </p:txEl>
+                                          </p:spTgt>
+                                        </p:tgtEl>
+                                        <p:attrNameLst>
+                                          <p:attrName>style.visibility</p:attrName>
+                                        </p:attrNameLst>
+                                      </p:cBhvr>
+                                      <p:to>
+                                        <p:strVal val="visible"/>
+                                      </p:to>
+                                    </p:set>
+                                  </p:childTnLst>
+                                </p:cTn>
+                              </p:par>
+                            </p:childTnLst>
+                          </p:cTn>
+                        </p:par>
+                      </p:childTnLst>
+                    </p:cTn>
+                  </p:par>
+                  <p:par>
+                    <p:cTn id="19" fill="hold">
+                      <p:stCondLst>
+                        <p:cond delay="indefinite"/>
+                      </p:stCondLst>
+                      <p:childTnLst>
+                        <p:par>
+                          <p:cTn id="20" fill="hold">
+                            <p:stCondLst>
+                              <p:cond delay="0"/>
+                            </p:stCondLst>
+                            <p:childTnLst>
+                              <p:par>
+                                <p:cTn id="21" presetID="1" presetClass="entr" presetSubtype="0" fill="hold" grpId="0" nodeType="clickEffect">
+                                  <p:stCondLst>
+                                    <p:cond delay="0"/>
+                                  </p:stCondLst>
+                                  <p:childTnLst>
+                                    <p:set>
+                                      <p:cBhvr>
+                                        <p:cTn id="22" dur="1" fill="hold">
+                                          <p:stCondLst>
+                                            <p:cond delay="0"/>
+                                          </p:stCondLst>
+                                        </p:cTn>
+                                        <p:tgtEl>
+                                          <p:spTgt spid="3">
+                                            <p:txEl>
+                                              <p:pRg st="5" end="5"/>
+                                            </p:txEl>
+                                          </p:spTgt>
+                                        </p:tgtEl>
+                                        <p:attrNameLst>
+                                          <p:attrName>style.visibility</p:attrName>
+                                        </p:attrNameLst>
+                                      </p:cBhvr>
+                                      <p:to>
+                                        <p:strVal val="visible"/>
+                                      </p:to>
+                                    </p:set>
+                                  </p:childTnLst>
+                                </p:cTn>
+                              </p:par>
+                            </p:childTnLst>
+                          </p:cTn>
+                        </p:par>
+                      </p:childTnLst>
+                    </p:cTn>
+                  </p:par>
+                </p:childTnLst>
+              </p:cTn>
+              <p:prevCondLst>
+                <p:cond evt="onPrev" delay="0">
+                  <p:tgtEl>
+                    <p:sldTgt/>
+                  </p:tgtEl>
+                </p:cond>
+              </p:prevCondLst>
+              <p:nextCondLst>
+                <p:cond evt="onNext" delay="0">
+                  <p:tgtEl>
+                    <p:sldTgt/>
+                  </p:tgtEl>
+                </p:cond>
+              </p:nextCondLst>
+            </p:seq>
+          </p:childTnLst>
+        </p:cTn>
+      </p:par>
+    </p:tnLst>
+    <p:bldLst>
+      <p:bldP spid="3" grpId="0" uiExpand="1" build="p"/>
+    </p:bldLst>
+  </p:timing>
 </p:sld>
 </file>
 
@@ -9174,7 +12412,7 @@
           <p:cNvPr id="2" name="Title 1">
             <a:extLst>
               <a:ext uri="{FF2B5EF4-FFF2-40B4-BE49-F238E27FC236}">
-                <a16:creationId xmlns:a16="http://schemas.microsoft.com/office/drawing/2014/main" xmlns="" id="{CA344CBA-FB2B-44A2-9612-01FA04D41200}"/>
+                <a16:creationId xmlns:a16="http://schemas.microsoft.com/office/drawing/2014/main" id="{CA344CBA-FB2B-44A2-9612-01FA04D41200}"/>
               </a:ext>
             </a:extLst>
           </p:cNvPr>
@@ -9215,7 +12453,7 @@
           <p:cNvPr id="3" name="Content Placeholder 2">
             <a:extLst>
               <a:ext uri="{FF2B5EF4-FFF2-40B4-BE49-F238E27FC236}">
-                <a16:creationId xmlns:a16="http://schemas.microsoft.com/office/drawing/2014/main" xmlns="" id="{F66CA81D-1701-4C2D-AE08-277C299D9B85}"/>
+                <a16:creationId xmlns:a16="http://schemas.microsoft.com/office/drawing/2014/main" id="{F66CA81D-1701-4C2D-AE08-277C299D9B85}"/>
               </a:ext>
             </a:extLst>
           </p:cNvPr>
@@ -9341,6 +12579,329 @@
   <p:clrMapOvr>
     <a:masterClrMapping/>
   </p:clrMapOvr>
+  <p:timing>
+    <p:tnLst>
+      <p:par>
+        <p:cTn id="1" dur="indefinite" restart="never" nodeType="tmRoot">
+          <p:childTnLst>
+            <p:seq concurrent="1" nextAc="seek">
+              <p:cTn id="2" dur="indefinite" nodeType="mainSeq">
+                <p:childTnLst>
+                  <p:par>
+                    <p:cTn id="3" fill="hold">
+                      <p:stCondLst>
+                        <p:cond delay="indefinite"/>
+                      </p:stCondLst>
+                      <p:childTnLst>
+                        <p:par>
+                          <p:cTn id="4" fill="hold">
+                            <p:stCondLst>
+                              <p:cond delay="0"/>
+                            </p:stCondLst>
+                            <p:childTnLst>
+                              <p:par>
+                                <p:cTn id="5" presetID="1" presetClass="entr" presetSubtype="0" fill="hold" nodeType="clickEffect">
+                                  <p:stCondLst>
+                                    <p:cond delay="0"/>
+                                  </p:stCondLst>
+                                  <p:childTnLst>
+                                    <p:set>
+                                      <p:cBhvr>
+                                        <p:cTn id="6" dur="1" fill="hold">
+                                          <p:stCondLst>
+                                            <p:cond delay="0"/>
+                                          </p:stCondLst>
+                                        </p:cTn>
+                                        <p:tgtEl>
+                                          <p:spTgt spid="5"/>
+                                        </p:tgtEl>
+                                        <p:attrNameLst>
+                                          <p:attrName>style.visibility</p:attrName>
+                                        </p:attrNameLst>
+                                      </p:cBhvr>
+                                      <p:to>
+                                        <p:strVal val="visible"/>
+                                      </p:to>
+                                    </p:set>
+                                  </p:childTnLst>
+                                </p:cTn>
+                              </p:par>
+                            </p:childTnLst>
+                          </p:cTn>
+                        </p:par>
+                      </p:childTnLst>
+                    </p:cTn>
+                  </p:par>
+                  <p:par>
+                    <p:cTn id="7" fill="hold">
+                      <p:stCondLst>
+                        <p:cond delay="indefinite"/>
+                      </p:stCondLst>
+                      <p:childTnLst>
+                        <p:par>
+                          <p:cTn id="8" fill="hold">
+                            <p:stCondLst>
+                              <p:cond delay="0"/>
+                            </p:stCondLst>
+                            <p:childTnLst>
+                              <p:par>
+                                <p:cTn id="9" presetID="1" presetClass="entr" presetSubtype="0" fill="hold" grpId="0" nodeType="clickEffect">
+                                  <p:stCondLst>
+                                    <p:cond delay="0"/>
+                                  </p:stCondLst>
+                                  <p:childTnLst>
+                                    <p:set>
+                                      <p:cBhvr>
+                                        <p:cTn id="10" dur="1" fill="hold">
+                                          <p:stCondLst>
+                                            <p:cond delay="0"/>
+                                          </p:stCondLst>
+                                        </p:cTn>
+                                        <p:tgtEl>
+                                          <p:spTgt spid="3">
+                                            <p:txEl>
+                                              <p:pRg st="0" end="0"/>
+                                            </p:txEl>
+                                          </p:spTgt>
+                                        </p:tgtEl>
+                                        <p:attrNameLst>
+                                          <p:attrName>style.visibility</p:attrName>
+                                        </p:attrNameLst>
+                                      </p:cBhvr>
+                                      <p:to>
+                                        <p:strVal val="visible"/>
+                                      </p:to>
+                                    </p:set>
+                                  </p:childTnLst>
+                                </p:cTn>
+                              </p:par>
+                            </p:childTnLst>
+                          </p:cTn>
+                        </p:par>
+                      </p:childTnLst>
+                    </p:cTn>
+                  </p:par>
+                  <p:par>
+                    <p:cTn id="11" fill="hold">
+                      <p:stCondLst>
+                        <p:cond delay="indefinite"/>
+                      </p:stCondLst>
+                      <p:childTnLst>
+                        <p:par>
+                          <p:cTn id="12" fill="hold">
+                            <p:stCondLst>
+                              <p:cond delay="0"/>
+                            </p:stCondLst>
+                            <p:childTnLst>
+                              <p:par>
+                                <p:cTn id="13" presetID="1" presetClass="entr" presetSubtype="0" fill="hold" grpId="0" nodeType="clickEffect">
+                                  <p:stCondLst>
+                                    <p:cond delay="0"/>
+                                  </p:stCondLst>
+                                  <p:childTnLst>
+                                    <p:set>
+                                      <p:cBhvr>
+                                        <p:cTn id="14" dur="1" fill="hold">
+                                          <p:stCondLst>
+                                            <p:cond delay="0"/>
+                                          </p:stCondLst>
+                                        </p:cTn>
+                                        <p:tgtEl>
+                                          <p:spTgt spid="3">
+                                            <p:txEl>
+                                              <p:pRg st="1" end="1"/>
+                                            </p:txEl>
+                                          </p:spTgt>
+                                        </p:tgtEl>
+                                        <p:attrNameLst>
+                                          <p:attrName>style.visibility</p:attrName>
+                                        </p:attrNameLst>
+                                      </p:cBhvr>
+                                      <p:to>
+                                        <p:strVal val="visible"/>
+                                      </p:to>
+                                    </p:set>
+                                  </p:childTnLst>
+                                </p:cTn>
+                              </p:par>
+                            </p:childTnLst>
+                          </p:cTn>
+                        </p:par>
+                      </p:childTnLst>
+                    </p:cTn>
+                  </p:par>
+                  <p:par>
+                    <p:cTn id="15" fill="hold">
+                      <p:stCondLst>
+                        <p:cond delay="indefinite"/>
+                      </p:stCondLst>
+                      <p:childTnLst>
+                        <p:par>
+                          <p:cTn id="16" fill="hold">
+                            <p:stCondLst>
+                              <p:cond delay="0"/>
+                            </p:stCondLst>
+                            <p:childTnLst>
+                              <p:par>
+                                <p:cTn id="17" presetID="1" presetClass="entr" presetSubtype="0" fill="hold" grpId="0" nodeType="clickEffect">
+                                  <p:stCondLst>
+                                    <p:cond delay="0"/>
+                                  </p:stCondLst>
+                                  <p:childTnLst>
+                                    <p:set>
+                                      <p:cBhvr>
+                                        <p:cTn id="18" dur="1" fill="hold">
+                                          <p:stCondLst>
+                                            <p:cond delay="0"/>
+                                          </p:stCondLst>
+                                        </p:cTn>
+                                        <p:tgtEl>
+                                          <p:spTgt spid="3">
+                                            <p:txEl>
+                                              <p:pRg st="2" end="2"/>
+                                            </p:txEl>
+                                          </p:spTgt>
+                                        </p:tgtEl>
+                                        <p:attrNameLst>
+                                          <p:attrName>style.visibility</p:attrName>
+                                        </p:attrNameLst>
+                                      </p:cBhvr>
+                                      <p:to>
+                                        <p:strVal val="visible"/>
+                                      </p:to>
+                                    </p:set>
+                                  </p:childTnLst>
+                                </p:cTn>
+                              </p:par>
+                            </p:childTnLst>
+                          </p:cTn>
+                        </p:par>
+                      </p:childTnLst>
+                    </p:cTn>
+                  </p:par>
+                  <p:par>
+                    <p:cTn id="19" fill="hold">
+                      <p:stCondLst>
+                        <p:cond delay="indefinite"/>
+                      </p:stCondLst>
+                      <p:childTnLst>
+                        <p:par>
+                          <p:cTn id="20" fill="hold">
+                            <p:stCondLst>
+                              <p:cond delay="0"/>
+                            </p:stCondLst>
+                            <p:childTnLst>
+                              <p:par>
+                                <p:cTn id="21" presetID="1" presetClass="entr" presetSubtype="0" fill="hold" grpId="0" nodeType="clickEffect">
+                                  <p:stCondLst>
+                                    <p:cond delay="0"/>
+                                  </p:stCondLst>
+                                  <p:childTnLst>
+                                    <p:set>
+                                      <p:cBhvr>
+                                        <p:cTn id="22" dur="1" fill="hold">
+                                          <p:stCondLst>
+                                            <p:cond delay="0"/>
+                                          </p:stCondLst>
+                                        </p:cTn>
+                                        <p:tgtEl>
+                                          <p:spTgt spid="3">
+                                            <p:txEl>
+                                              <p:pRg st="3" end="3"/>
+                                            </p:txEl>
+                                          </p:spTgt>
+                                        </p:tgtEl>
+                                        <p:attrNameLst>
+                                          <p:attrName>style.visibility</p:attrName>
+                                        </p:attrNameLst>
+                                      </p:cBhvr>
+                                      <p:to>
+                                        <p:strVal val="visible"/>
+                                      </p:to>
+                                    </p:set>
+                                  </p:childTnLst>
+                                </p:cTn>
+                              </p:par>
+                            </p:childTnLst>
+                          </p:cTn>
+                        </p:par>
+                      </p:childTnLst>
+                    </p:cTn>
+                  </p:par>
+                  <p:par>
+                    <p:cTn id="23" fill="hold">
+                      <p:stCondLst>
+                        <p:cond delay="indefinite"/>
+                      </p:stCondLst>
+                      <p:childTnLst>
+                        <p:par>
+                          <p:cTn id="24" fill="hold">
+                            <p:stCondLst>
+                              <p:cond delay="0"/>
+                            </p:stCondLst>
+                            <p:childTnLst>
+                              <p:par>
+                                <p:cTn id="25" presetID="1" presetClass="entr" presetSubtype="0" fill="hold" grpId="0" nodeType="clickEffect">
+                                  <p:stCondLst>
+                                    <p:cond delay="0"/>
+                                  </p:stCondLst>
+                                  <p:childTnLst>
+                                    <p:set>
+                                      <p:cBhvr>
+                                        <p:cTn id="26" dur="1" fill="hold">
+                                          <p:stCondLst>
+                                            <p:cond delay="0"/>
+                                          </p:stCondLst>
+                                        </p:cTn>
+                                        <p:tgtEl>
+                                          <p:spTgt spid="3">
+                                            <p:txEl>
+                                              <p:pRg st="4" end="4"/>
+                                            </p:txEl>
+                                          </p:spTgt>
+                                        </p:tgtEl>
+                                        <p:attrNameLst>
+                                          <p:attrName>style.visibility</p:attrName>
+                                        </p:attrNameLst>
+                                      </p:cBhvr>
+                                      <p:to>
+                                        <p:strVal val="visible"/>
+                                      </p:to>
+                                    </p:set>
+                                  </p:childTnLst>
+                                </p:cTn>
+                              </p:par>
+                            </p:childTnLst>
+                          </p:cTn>
+                        </p:par>
+                      </p:childTnLst>
+                    </p:cTn>
+                  </p:par>
+                </p:childTnLst>
+              </p:cTn>
+              <p:prevCondLst>
+                <p:cond evt="onPrev" delay="0">
+                  <p:tgtEl>
+                    <p:sldTgt/>
+                  </p:tgtEl>
+                </p:cond>
+              </p:prevCondLst>
+              <p:nextCondLst>
+                <p:cond evt="onNext" delay="0">
+                  <p:tgtEl>
+                    <p:sldTgt/>
+                  </p:tgtEl>
+                </p:cond>
+              </p:nextCondLst>
+            </p:seq>
+          </p:childTnLst>
+        </p:cTn>
+      </p:par>
+    </p:tnLst>
+    <p:bldLst>
+      <p:bldP spid="3" grpId="0" build="p"/>
+    </p:bldLst>
+  </p:timing>
 </p:sld>
 </file>
 
@@ -9366,7 +12927,7 @@
           <p:cNvPr id="2" name="Title 1">
             <a:extLst>
               <a:ext uri="{FF2B5EF4-FFF2-40B4-BE49-F238E27FC236}">
-                <a16:creationId xmlns:a16="http://schemas.microsoft.com/office/drawing/2014/main" xmlns="" id="{CA344CBA-FB2B-44A2-9612-01FA04D41200}"/>
+                <a16:creationId xmlns:a16="http://schemas.microsoft.com/office/drawing/2014/main" id="{CA344CBA-FB2B-44A2-9612-01FA04D41200}"/>
               </a:ext>
             </a:extLst>
           </p:cNvPr>
@@ -9407,7 +12968,7 @@
           <p:cNvPr id="3" name="Content Placeholder 2">
             <a:extLst>
               <a:ext uri="{FF2B5EF4-FFF2-40B4-BE49-F238E27FC236}">
-                <a16:creationId xmlns:a16="http://schemas.microsoft.com/office/drawing/2014/main" xmlns="" id="{F66CA81D-1701-4C2D-AE08-277C299D9B85}"/>
+                <a16:creationId xmlns:a16="http://schemas.microsoft.com/office/drawing/2014/main" id="{F66CA81D-1701-4C2D-AE08-277C299D9B85}"/>
               </a:ext>
             </a:extLst>
           </p:cNvPr>
@@ -9597,7 +13158,7 @@
           <p:cNvPr id="5" name="Picture 4">
             <a:extLst>
               <a:ext uri="{FF2B5EF4-FFF2-40B4-BE49-F238E27FC236}">
-                <a16:creationId xmlns:a16="http://schemas.microsoft.com/office/drawing/2014/main" xmlns="" id="{668BF638-F52C-4FEE-B217-66970DBFBBD4}"/>
+                <a16:creationId xmlns:a16="http://schemas.microsoft.com/office/drawing/2014/main" id="{668BF638-F52C-4FEE-B217-66970DBFBBD4}"/>
               </a:ext>
             </a:extLst>
           </p:cNvPr>
@@ -9633,7 +13194,7 @@
           <p:cNvPr id="9" name="TextBox 8">
             <a:extLst>
               <a:ext uri="{FF2B5EF4-FFF2-40B4-BE49-F238E27FC236}">
-                <a16:creationId xmlns:a16="http://schemas.microsoft.com/office/drawing/2014/main" xmlns="" id="{EF3D1033-0999-46CA-98D2-EA188D7E4913}"/>
+                <a16:creationId xmlns:a16="http://schemas.microsoft.com/office/drawing/2014/main" id="{EF3D1033-0999-46CA-98D2-EA188D7E4913}"/>
               </a:ext>
             </a:extLst>
           </p:cNvPr>
@@ -9677,6 +13238,427 @@
   <p:clrMapOvr>
     <a:masterClrMapping/>
   </p:clrMapOvr>
+  <p:timing>
+    <p:tnLst>
+      <p:par>
+        <p:cTn id="1" dur="indefinite" restart="never" nodeType="tmRoot">
+          <p:childTnLst>
+            <p:seq concurrent="1" nextAc="seek">
+              <p:cTn id="2" dur="indefinite" nodeType="mainSeq">
+                <p:childTnLst>
+                  <p:par>
+                    <p:cTn id="3" fill="hold">
+                      <p:stCondLst>
+                        <p:cond delay="indefinite"/>
+                      </p:stCondLst>
+                      <p:childTnLst>
+                        <p:par>
+                          <p:cTn id="4" fill="hold">
+                            <p:stCondLst>
+                              <p:cond delay="0"/>
+                            </p:stCondLst>
+                            <p:childTnLst>
+                              <p:par>
+                                <p:cTn id="5" presetID="1" presetClass="entr" presetSubtype="0" fill="hold" nodeType="clickEffect">
+                                  <p:stCondLst>
+                                    <p:cond delay="0"/>
+                                  </p:stCondLst>
+                                  <p:childTnLst>
+                                    <p:set>
+                                      <p:cBhvr>
+                                        <p:cTn id="6" dur="1" fill="hold">
+                                          <p:stCondLst>
+                                            <p:cond delay="0"/>
+                                          </p:stCondLst>
+                                        </p:cTn>
+                                        <p:tgtEl>
+                                          <p:spTgt spid="5"/>
+                                        </p:tgtEl>
+                                        <p:attrNameLst>
+                                          <p:attrName>style.visibility</p:attrName>
+                                        </p:attrNameLst>
+                                      </p:cBhvr>
+                                      <p:to>
+                                        <p:strVal val="visible"/>
+                                      </p:to>
+                                    </p:set>
+                                  </p:childTnLst>
+                                </p:cTn>
+                              </p:par>
+                            </p:childTnLst>
+                          </p:cTn>
+                        </p:par>
+                      </p:childTnLst>
+                    </p:cTn>
+                  </p:par>
+                  <p:par>
+                    <p:cTn id="7" fill="hold">
+                      <p:stCondLst>
+                        <p:cond delay="indefinite"/>
+                      </p:stCondLst>
+                      <p:childTnLst>
+                        <p:par>
+                          <p:cTn id="8" fill="hold">
+                            <p:stCondLst>
+                              <p:cond delay="0"/>
+                            </p:stCondLst>
+                            <p:childTnLst>
+                              <p:par>
+                                <p:cTn id="9" presetID="1" presetClass="entr" presetSubtype="0" fill="hold" grpId="0" nodeType="clickEffect">
+                                  <p:stCondLst>
+                                    <p:cond delay="0"/>
+                                  </p:stCondLst>
+                                  <p:childTnLst>
+                                    <p:set>
+                                      <p:cBhvr>
+                                        <p:cTn id="10" dur="1" fill="hold">
+                                          <p:stCondLst>
+                                            <p:cond delay="0"/>
+                                          </p:stCondLst>
+                                        </p:cTn>
+                                        <p:tgtEl>
+                                          <p:spTgt spid="3">
+                                            <p:txEl>
+                                              <p:pRg st="0" end="0"/>
+                                            </p:txEl>
+                                          </p:spTgt>
+                                        </p:tgtEl>
+                                        <p:attrNameLst>
+                                          <p:attrName>style.visibility</p:attrName>
+                                        </p:attrNameLst>
+                                      </p:cBhvr>
+                                      <p:to>
+                                        <p:strVal val="visible"/>
+                                      </p:to>
+                                    </p:set>
+                                  </p:childTnLst>
+                                </p:cTn>
+                              </p:par>
+                            </p:childTnLst>
+                          </p:cTn>
+                        </p:par>
+                      </p:childTnLst>
+                    </p:cTn>
+                  </p:par>
+                  <p:par>
+                    <p:cTn id="11" fill="hold">
+                      <p:stCondLst>
+                        <p:cond delay="indefinite"/>
+                      </p:stCondLst>
+                      <p:childTnLst>
+                        <p:par>
+                          <p:cTn id="12" fill="hold">
+                            <p:stCondLst>
+                              <p:cond delay="0"/>
+                            </p:stCondLst>
+                            <p:childTnLst>
+                              <p:par>
+                                <p:cTn id="13" presetID="1" presetClass="entr" presetSubtype="0" fill="hold" grpId="0" nodeType="clickEffect">
+                                  <p:stCondLst>
+                                    <p:cond delay="0"/>
+                                  </p:stCondLst>
+                                  <p:childTnLst>
+                                    <p:set>
+                                      <p:cBhvr>
+                                        <p:cTn id="14" dur="1" fill="hold">
+                                          <p:stCondLst>
+                                            <p:cond delay="0"/>
+                                          </p:stCondLst>
+                                        </p:cTn>
+                                        <p:tgtEl>
+                                          <p:spTgt spid="3">
+                                            <p:txEl>
+                                              <p:pRg st="1" end="1"/>
+                                            </p:txEl>
+                                          </p:spTgt>
+                                        </p:tgtEl>
+                                        <p:attrNameLst>
+                                          <p:attrName>style.visibility</p:attrName>
+                                        </p:attrNameLst>
+                                      </p:cBhvr>
+                                      <p:to>
+                                        <p:strVal val="visible"/>
+                                      </p:to>
+                                    </p:set>
+                                  </p:childTnLst>
+                                </p:cTn>
+                              </p:par>
+                            </p:childTnLst>
+                          </p:cTn>
+                        </p:par>
+                      </p:childTnLst>
+                    </p:cTn>
+                  </p:par>
+                  <p:par>
+                    <p:cTn id="15" fill="hold">
+                      <p:stCondLst>
+                        <p:cond delay="indefinite"/>
+                      </p:stCondLst>
+                      <p:childTnLst>
+                        <p:par>
+                          <p:cTn id="16" fill="hold">
+                            <p:stCondLst>
+                              <p:cond delay="0"/>
+                            </p:stCondLst>
+                            <p:childTnLst>
+                              <p:par>
+                                <p:cTn id="17" presetID="1" presetClass="entr" presetSubtype="0" fill="hold" grpId="0" nodeType="clickEffect">
+                                  <p:stCondLst>
+                                    <p:cond delay="0"/>
+                                  </p:stCondLst>
+                                  <p:childTnLst>
+                                    <p:set>
+                                      <p:cBhvr>
+                                        <p:cTn id="18" dur="1" fill="hold">
+                                          <p:stCondLst>
+                                            <p:cond delay="0"/>
+                                          </p:stCondLst>
+                                        </p:cTn>
+                                        <p:tgtEl>
+                                          <p:spTgt spid="3">
+                                            <p:txEl>
+                                              <p:pRg st="2" end="2"/>
+                                            </p:txEl>
+                                          </p:spTgt>
+                                        </p:tgtEl>
+                                        <p:attrNameLst>
+                                          <p:attrName>style.visibility</p:attrName>
+                                        </p:attrNameLst>
+                                      </p:cBhvr>
+                                      <p:to>
+                                        <p:strVal val="visible"/>
+                                      </p:to>
+                                    </p:set>
+                                  </p:childTnLst>
+                                </p:cTn>
+                              </p:par>
+                            </p:childTnLst>
+                          </p:cTn>
+                        </p:par>
+                      </p:childTnLst>
+                    </p:cTn>
+                  </p:par>
+                  <p:par>
+                    <p:cTn id="19" fill="hold">
+                      <p:stCondLst>
+                        <p:cond delay="indefinite"/>
+                      </p:stCondLst>
+                      <p:childTnLst>
+                        <p:par>
+                          <p:cTn id="20" fill="hold">
+                            <p:stCondLst>
+                              <p:cond delay="0"/>
+                            </p:stCondLst>
+                            <p:childTnLst>
+                              <p:par>
+                                <p:cTn id="21" presetID="1" presetClass="entr" presetSubtype="0" fill="hold" grpId="0" nodeType="clickEffect">
+                                  <p:stCondLst>
+                                    <p:cond delay="0"/>
+                                  </p:stCondLst>
+                                  <p:childTnLst>
+                                    <p:set>
+                                      <p:cBhvr>
+                                        <p:cTn id="22" dur="1" fill="hold">
+                                          <p:stCondLst>
+                                            <p:cond delay="0"/>
+                                          </p:stCondLst>
+                                        </p:cTn>
+                                        <p:tgtEl>
+                                          <p:spTgt spid="3">
+                                            <p:txEl>
+                                              <p:pRg st="3" end="3"/>
+                                            </p:txEl>
+                                          </p:spTgt>
+                                        </p:tgtEl>
+                                        <p:attrNameLst>
+                                          <p:attrName>style.visibility</p:attrName>
+                                        </p:attrNameLst>
+                                      </p:cBhvr>
+                                      <p:to>
+                                        <p:strVal val="visible"/>
+                                      </p:to>
+                                    </p:set>
+                                  </p:childTnLst>
+                                </p:cTn>
+                              </p:par>
+                            </p:childTnLst>
+                          </p:cTn>
+                        </p:par>
+                      </p:childTnLst>
+                    </p:cTn>
+                  </p:par>
+                  <p:par>
+                    <p:cTn id="23" fill="hold">
+                      <p:stCondLst>
+                        <p:cond delay="indefinite"/>
+                      </p:stCondLst>
+                      <p:childTnLst>
+                        <p:par>
+                          <p:cTn id="24" fill="hold">
+                            <p:stCondLst>
+                              <p:cond delay="0"/>
+                            </p:stCondLst>
+                            <p:childTnLst>
+                              <p:par>
+                                <p:cTn id="25" presetID="1" presetClass="entr" presetSubtype="0" fill="hold" grpId="0" nodeType="clickEffect">
+                                  <p:stCondLst>
+                                    <p:cond delay="0"/>
+                                  </p:stCondLst>
+                                  <p:childTnLst>
+                                    <p:set>
+                                      <p:cBhvr>
+                                        <p:cTn id="26" dur="1" fill="hold">
+                                          <p:stCondLst>
+                                            <p:cond delay="0"/>
+                                          </p:stCondLst>
+                                        </p:cTn>
+                                        <p:tgtEl>
+                                          <p:spTgt spid="3">
+                                            <p:txEl>
+                                              <p:pRg st="4" end="4"/>
+                                            </p:txEl>
+                                          </p:spTgt>
+                                        </p:tgtEl>
+                                        <p:attrNameLst>
+                                          <p:attrName>style.visibility</p:attrName>
+                                        </p:attrNameLst>
+                                      </p:cBhvr>
+                                      <p:to>
+                                        <p:strVal val="visible"/>
+                                      </p:to>
+                                    </p:set>
+                                  </p:childTnLst>
+                                </p:cTn>
+                              </p:par>
+                            </p:childTnLst>
+                          </p:cTn>
+                        </p:par>
+                      </p:childTnLst>
+                    </p:cTn>
+                  </p:par>
+                  <p:par>
+                    <p:cTn id="27" fill="hold">
+                      <p:stCondLst>
+                        <p:cond delay="indefinite"/>
+                      </p:stCondLst>
+                      <p:childTnLst>
+                        <p:par>
+                          <p:cTn id="28" fill="hold">
+                            <p:stCondLst>
+                              <p:cond delay="0"/>
+                            </p:stCondLst>
+                            <p:childTnLst>
+                              <p:par>
+                                <p:cTn id="29" presetID="1" presetClass="entr" presetSubtype="0" fill="hold" grpId="0" nodeType="clickEffect">
+                                  <p:stCondLst>
+                                    <p:cond delay="0"/>
+                                  </p:stCondLst>
+                                  <p:childTnLst>
+                                    <p:set>
+                                      <p:cBhvr>
+                                        <p:cTn id="30" dur="1" fill="hold">
+                                          <p:stCondLst>
+                                            <p:cond delay="0"/>
+                                          </p:stCondLst>
+                                        </p:cTn>
+                                        <p:tgtEl>
+                                          <p:spTgt spid="3">
+                                            <p:txEl>
+                                              <p:pRg st="5" end="5"/>
+                                            </p:txEl>
+                                          </p:spTgt>
+                                        </p:tgtEl>
+                                        <p:attrNameLst>
+                                          <p:attrName>style.visibility</p:attrName>
+                                        </p:attrNameLst>
+                                      </p:cBhvr>
+                                      <p:to>
+                                        <p:strVal val="visible"/>
+                                      </p:to>
+                                    </p:set>
+                                  </p:childTnLst>
+                                </p:cTn>
+                              </p:par>
+                            </p:childTnLst>
+                          </p:cTn>
+                        </p:par>
+                      </p:childTnLst>
+                    </p:cTn>
+                  </p:par>
+                  <p:par>
+                    <p:cTn id="31" fill="hold">
+                      <p:stCondLst>
+                        <p:cond delay="indefinite"/>
+                      </p:stCondLst>
+                      <p:childTnLst>
+                        <p:par>
+                          <p:cTn id="32" fill="hold">
+                            <p:stCondLst>
+                              <p:cond delay="0"/>
+                            </p:stCondLst>
+                            <p:childTnLst>
+                              <p:par>
+                                <p:cTn id="33" presetID="1" presetClass="entr" presetSubtype="0" fill="hold" grpId="0" nodeType="clickEffect">
+                                  <p:stCondLst>
+                                    <p:cond delay="0"/>
+                                  </p:stCondLst>
+                                  <p:childTnLst>
+                                    <p:set>
+                                      <p:cBhvr>
+                                        <p:cTn id="34" dur="1" fill="hold">
+                                          <p:stCondLst>
+                                            <p:cond delay="0"/>
+                                          </p:stCondLst>
+                                        </p:cTn>
+                                        <p:tgtEl>
+                                          <p:spTgt spid="3">
+                                            <p:txEl>
+                                              <p:pRg st="6" end="6"/>
+                                            </p:txEl>
+                                          </p:spTgt>
+                                        </p:tgtEl>
+                                        <p:attrNameLst>
+                                          <p:attrName>style.visibility</p:attrName>
+                                        </p:attrNameLst>
+                                      </p:cBhvr>
+                                      <p:to>
+                                        <p:strVal val="visible"/>
+                                      </p:to>
+                                    </p:set>
+                                  </p:childTnLst>
+                                </p:cTn>
+                              </p:par>
+                            </p:childTnLst>
+                          </p:cTn>
+                        </p:par>
+                      </p:childTnLst>
+                    </p:cTn>
+                  </p:par>
+                </p:childTnLst>
+              </p:cTn>
+              <p:prevCondLst>
+                <p:cond evt="onPrev" delay="0">
+                  <p:tgtEl>
+                    <p:sldTgt/>
+                  </p:tgtEl>
+                </p:cond>
+              </p:prevCondLst>
+              <p:nextCondLst>
+                <p:cond evt="onNext" delay="0">
+                  <p:tgtEl>
+                    <p:sldTgt/>
+                  </p:tgtEl>
+                </p:cond>
+              </p:nextCondLst>
+            </p:seq>
+          </p:childTnLst>
+        </p:cTn>
+      </p:par>
+    </p:tnLst>
+    <p:bldLst>
+      <p:bldP spid="3" grpId="0" build="p"/>
+    </p:bldLst>
+  </p:timing>
 </p:sld>
 </file>
 
@@ -9702,7 +13684,7 @@
           <p:cNvPr id="2" name="Title 1">
             <a:extLst>
               <a:ext uri="{FF2B5EF4-FFF2-40B4-BE49-F238E27FC236}">
-                <a16:creationId xmlns:a16="http://schemas.microsoft.com/office/drawing/2014/main" xmlns="" id="{CA344CBA-FB2B-44A2-9612-01FA04D41200}"/>
+                <a16:creationId xmlns:a16="http://schemas.microsoft.com/office/drawing/2014/main" id="{CA344CBA-FB2B-44A2-9612-01FA04D41200}"/>
               </a:ext>
             </a:extLst>
           </p:cNvPr>
@@ -9735,7 +13717,7 @@
           <p:cNvPr id="3" name="Content Placeholder 2">
             <a:extLst>
               <a:ext uri="{FF2B5EF4-FFF2-40B4-BE49-F238E27FC236}">
-                <a16:creationId xmlns:a16="http://schemas.microsoft.com/office/drawing/2014/main" xmlns="" id="{F66CA81D-1701-4C2D-AE08-277C299D9B85}"/>
+                <a16:creationId xmlns:a16="http://schemas.microsoft.com/office/drawing/2014/main" id="{F66CA81D-1701-4C2D-AE08-277C299D9B85}"/>
               </a:ext>
             </a:extLst>
           </p:cNvPr>
@@ -9803,7 +13785,7 @@
           <p:cNvPr id="4" name="Table 4">
             <a:extLst>
               <a:ext uri="{FF2B5EF4-FFF2-40B4-BE49-F238E27FC236}">
-                <a16:creationId xmlns:a16="http://schemas.microsoft.com/office/drawing/2014/main" xmlns="" id="{C374F32C-1746-48B1-8874-B068FDCE0AD3}"/>
+                <a16:creationId xmlns:a16="http://schemas.microsoft.com/office/drawing/2014/main" id="{C374F32C-1746-48B1-8874-B068FDCE0AD3}"/>
               </a:ext>
             </a:extLst>
           </p:cNvPr>
@@ -9820,7 +13802,7 @@
         </p:nvGraphicFramePr>
         <p:xfrm>
           <a:off x="5463166" y="1977707"/>
-          <a:ext cx="5612153" cy="3693159"/>
+          <a:ext cx="5612153" cy="3962400"/>
         </p:xfrm>
         <a:graphic>
           <a:graphicData uri="http://schemas.openxmlformats.org/drawingml/2006/table">
@@ -9832,14 +13814,14 @@
                 <a:gridCol w="1527191">
                   <a:extLst>
                     <a:ext uri="{9D8B030D-6E8A-4147-A177-3AD203B41FA5}">
-                      <a16:colId xmlns:a16="http://schemas.microsoft.com/office/drawing/2014/main" xmlns="" val="4290089180"/>
+                      <a16:colId xmlns:a16="http://schemas.microsoft.com/office/drawing/2014/main" val="4290089180"/>
                     </a:ext>
                   </a:extLst>
                 </a:gridCol>
                 <a:gridCol w="4084962">
                   <a:extLst>
                     <a:ext uri="{9D8B030D-6E8A-4147-A177-3AD203B41FA5}">
-                      <a16:colId xmlns:a16="http://schemas.microsoft.com/office/drawing/2014/main" xmlns="" val="2233723881"/>
+                      <a16:colId xmlns:a16="http://schemas.microsoft.com/office/drawing/2014/main" val="2233723881"/>
                     </a:ext>
                   </a:extLst>
                 </a:gridCol>
@@ -9873,7 +13855,7 @@
                 </a:tc>
                 <a:extLst>
                   <a:ext uri="{0D108BD9-81ED-4DB2-BD59-A6C34878D82A}">
-                    <a16:rowId xmlns:a16="http://schemas.microsoft.com/office/drawing/2014/main" xmlns="" val="3207756757"/>
+                    <a16:rowId xmlns:a16="http://schemas.microsoft.com/office/drawing/2014/main" val="3207756757"/>
                   </a:ext>
                 </a:extLst>
               </a:tr>
@@ -9915,7 +13897,7 @@
                 </a:tc>
                 <a:extLst>
                   <a:ext uri="{0D108BD9-81ED-4DB2-BD59-A6C34878D82A}">
-                    <a16:rowId xmlns:a16="http://schemas.microsoft.com/office/drawing/2014/main" xmlns="" val="2915805806"/>
+                    <a16:rowId xmlns:a16="http://schemas.microsoft.com/office/drawing/2014/main" val="2915805806"/>
                   </a:ext>
                 </a:extLst>
               </a:tr>
@@ -9974,7 +13956,7 @@
                 </a:tc>
                 <a:extLst>
                   <a:ext uri="{0D108BD9-81ED-4DB2-BD59-A6C34878D82A}">
-                    <a16:rowId xmlns:a16="http://schemas.microsoft.com/office/drawing/2014/main" xmlns="" val="4083785283"/>
+                    <a16:rowId xmlns:a16="http://schemas.microsoft.com/office/drawing/2014/main" val="4083785283"/>
                   </a:ext>
                 </a:extLst>
               </a:tr>
@@ -10015,7 +13997,7 @@
                 </a:tc>
                 <a:extLst>
                   <a:ext uri="{0D108BD9-81ED-4DB2-BD59-A6C34878D82A}">
-                    <a16:rowId xmlns:a16="http://schemas.microsoft.com/office/drawing/2014/main" xmlns="" val="1011393144"/>
+                    <a16:rowId xmlns:a16="http://schemas.microsoft.com/office/drawing/2014/main" val="1011393144"/>
                   </a:ext>
                 </a:extLst>
               </a:tr>
@@ -10080,7 +14062,7 @@
                 </a:tc>
                 <a:extLst>
                   <a:ext uri="{0D108BD9-81ED-4DB2-BD59-A6C34878D82A}">
-                    <a16:rowId xmlns:a16="http://schemas.microsoft.com/office/drawing/2014/main" xmlns="" val="10004"/>
+                    <a16:rowId xmlns:a16="http://schemas.microsoft.com/office/drawing/2014/main" val="10004"/>
                   </a:ext>
                 </a:extLst>
               </a:tr>
@@ -10145,7 +14127,7 @@
                 </a:tc>
                 <a:extLst>
                   <a:ext uri="{0D108BD9-81ED-4DB2-BD59-A6C34878D82A}">
-                    <a16:rowId xmlns:a16="http://schemas.microsoft.com/office/drawing/2014/main" xmlns="" val="10005"/>
+                    <a16:rowId xmlns:a16="http://schemas.microsoft.com/office/drawing/2014/main" val="10005"/>
                   </a:ext>
                 </a:extLst>
               </a:tr>
@@ -10186,7 +14168,7 @@
                 </a:tc>
                 <a:extLst>
                   <a:ext uri="{0D108BD9-81ED-4DB2-BD59-A6C34878D82A}">
-                    <a16:rowId xmlns:a16="http://schemas.microsoft.com/office/drawing/2014/main" xmlns="" val="10006"/>
+                    <a16:rowId xmlns:a16="http://schemas.microsoft.com/office/drawing/2014/main" val="10006"/>
                   </a:ext>
                 </a:extLst>
               </a:tr>
@@ -10204,6 +14186,231 @@
   <p:clrMapOvr>
     <a:masterClrMapping/>
   </p:clrMapOvr>
+  <p:timing>
+    <p:tnLst>
+      <p:par>
+        <p:cTn id="1" dur="indefinite" restart="never" nodeType="tmRoot">
+          <p:childTnLst>
+            <p:seq concurrent="1" nextAc="seek">
+              <p:cTn id="2" dur="indefinite" nodeType="mainSeq">
+                <p:childTnLst>
+                  <p:par>
+                    <p:cTn id="3" fill="hold">
+                      <p:stCondLst>
+                        <p:cond delay="indefinite"/>
+                      </p:stCondLst>
+                      <p:childTnLst>
+                        <p:par>
+                          <p:cTn id="4" fill="hold">
+                            <p:stCondLst>
+                              <p:cond delay="0"/>
+                            </p:stCondLst>
+                            <p:childTnLst>
+                              <p:par>
+                                <p:cTn id="5" presetID="1" presetClass="entr" presetSubtype="0" fill="hold" nodeType="clickEffect">
+                                  <p:stCondLst>
+                                    <p:cond delay="0"/>
+                                  </p:stCondLst>
+                                  <p:childTnLst>
+                                    <p:set>
+                                      <p:cBhvr>
+                                        <p:cTn id="6" dur="1" fill="hold">
+                                          <p:stCondLst>
+                                            <p:cond delay="0"/>
+                                          </p:stCondLst>
+                                        </p:cTn>
+                                        <p:tgtEl>
+                                          <p:spTgt spid="4"/>
+                                        </p:tgtEl>
+                                        <p:attrNameLst>
+                                          <p:attrName>style.visibility</p:attrName>
+                                        </p:attrNameLst>
+                                      </p:cBhvr>
+                                      <p:to>
+                                        <p:strVal val="visible"/>
+                                      </p:to>
+                                    </p:set>
+                                  </p:childTnLst>
+                                </p:cTn>
+                              </p:par>
+                            </p:childTnLst>
+                          </p:cTn>
+                        </p:par>
+                      </p:childTnLst>
+                    </p:cTn>
+                  </p:par>
+                  <p:par>
+                    <p:cTn id="7" fill="hold">
+                      <p:stCondLst>
+                        <p:cond delay="indefinite"/>
+                      </p:stCondLst>
+                      <p:childTnLst>
+                        <p:par>
+                          <p:cTn id="8" fill="hold">
+                            <p:stCondLst>
+                              <p:cond delay="0"/>
+                            </p:stCondLst>
+                            <p:childTnLst>
+                              <p:par>
+                                <p:cTn id="9" presetID="1" presetClass="entr" presetSubtype="0" fill="hold" grpId="0" nodeType="clickEffect">
+                                  <p:stCondLst>
+                                    <p:cond delay="0"/>
+                                  </p:stCondLst>
+                                  <p:childTnLst>
+                                    <p:set>
+                                      <p:cBhvr>
+                                        <p:cTn id="10" dur="1" fill="hold">
+                                          <p:stCondLst>
+                                            <p:cond delay="0"/>
+                                          </p:stCondLst>
+                                        </p:cTn>
+                                        <p:tgtEl>
+                                          <p:spTgt spid="3">
+                                            <p:txEl>
+                                              <p:pRg st="0" end="0"/>
+                                            </p:txEl>
+                                          </p:spTgt>
+                                        </p:tgtEl>
+                                        <p:attrNameLst>
+                                          <p:attrName>style.visibility</p:attrName>
+                                        </p:attrNameLst>
+                                      </p:cBhvr>
+                                      <p:to>
+                                        <p:strVal val="visible"/>
+                                      </p:to>
+                                    </p:set>
+                                  </p:childTnLst>
+                                </p:cTn>
+                              </p:par>
+                            </p:childTnLst>
+                          </p:cTn>
+                        </p:par>
+                      </p:childTnLst>
+                    </p:cTn>
+                  </p:par>
+                  <p:par>
+                    <p:cTn id="11" fill="hold">
+                      <p:stCondLst>
+                        <p:cond delay="indefinite"/>
+                      </p:stCondLst>
+                      <p:childTnLst>
+                        <p:par>
+                          <p:cTn id="12" fill="hold">
+                            <p:stCondLst>
+                              <p:cond delay="0"/>
+                            </p:stCondLst>
+                            <p:childTnLst>
+                              <p:par>
+                                <p:cTn id="13" presetID="1" presetClass="entr" presetSubtype="0" fill="hold" grpId="0" nodeType="clickEffect">
+                                  <p:stCondLst>
+                                    <p:cond delay="0"/>
+                                  </p:stCondLst>
+                                  <p:childTnLst>
+                                    <p:set>
+                                      <p:cBhvr>
+                                        <p:cTn id="14" dur="1" fill="hold">
+                                          <p:stCondLst>
+                                            <p:cond delay="0"/>
+                                          </p:stCondLst>
+                                        </p:cTn>
+                                        <p:tgtEl>
+                                          <p:spTgt spid="3">
+                                            <p:txEl>
+                                              <p:pRg st="1" end="1"/>
+                                            </p:txEl>
+                                          </p:spTgt>
+                                        </p:tgtEl>
+                                        <p:attrNameLst>
+                                          <p:attrName>style.visibility</p:attrName>
+                                        </p:attrNameLst>
+                                      </p:cBhvr>
+                                      <p:to>
+                                        <p:strVal val="visible"/>
+                                      </p:to>
+                                    </p:set>
+                                  </p:childTnLst>
+                                </p:cTn>
+                              </p:par>
+                            </p:childTnLst>
+                          </p:cTn>
+                        </p:par>
+                      </p:childTnLst>
+                    </p:cTn>
+                  </p:par>
+                  <p:par>
+                    <p:cTn id="15" fill="hold">
+                      <p:stCondLst>
+                        <p:cond delay="indefinite"/>
+                      </p:stCondLst>
+                      <p:childTnLst>
+                        <p:par>
+                          <p:cTn id="16" fill="hold">
+                            <p:stCondLst>
+                              <p:cond delay="0"/>
+                            </p:stCondLst>
+                            <p:childTnLst>
+                              <p:par>
+                                <p:cTn id="17" presetID="1" presetClass="entr" presetSubtype="0" fill="hold" grpId="0" nodeType="clickEffect">
+                                  <p:stCondLst>
+                                    <p:cond delay="0"/>
+                                  </p:stCondLst>
+                                  <p:childTnLst>
+                                    <p:set>
+                                      <p:cBhvr>
+                                        <p:cTn id="18" dur="1" fill="hold">
+                                          <p:stCondLst>
+                                            <p:cond delay="0"/>
+                                          </p:stCondLst>
+                                        </p:cTn>
+                                        <p:tgtEl>
+                                          <p:spTgt spid="3">
+                                            <p:txEl>
+                                              <p:pRg st="2" end="2"/>
+                                            </p:txEl>
+                                          </p:spTgt>
+                                        </p:tgtEl>
+                                        <p:attrNameLst>
+                                          <p:attrName>style.visibility</p:attrName>
+                                        </p:attrNameLst>
+                                      </p:cBhvr>
+                                      <p:to>
+                                        <p:strVal val="visible"/>
+                                      </p:to>
+                                    </p:set>
+                                  </p:childTnLst>
+                                </p:cTn>
+                              </p:par>
+                            </p:childTnLst>
+                          </p:cTn>
+                        </p:par>
+                      </p:childTnLst>
+                    </p:cTn>
+                  </p:par>
+                </p:childTnLst>
+              </p:cTn>
+              <p:prevCondLst>
+                <p:cond evt="onPrev" delay="0">
+                  <p:tgtEl>
+                    <p:sldTgt/>
+                  </p:tgtEl>
+                </p:cond>
+              </p:prevCondLst>
+              <p:nextCondLst>
+                <p:cond evt="onNext" delay="0">
+                  <p:tgtEl>
+                    <p:sldTgt/>
+                  </p:tgtEl>
+                </p:cond>
+              </p:nextCondLst>
+            </p:seq>
+          </p:childTnLst>
+        </p:cTn>
+      </p:par>
+    </p:tnLst>
+    <p:bldLst>
+      <p:bldP spid="3" grpId="0" build="p"/>
+    </p:bldLst>
+  </p:timing>
 </p:sld>
 </file>
 
@@ -10484,7 +14691,7 @@
   <a:extraClrSchemeLst/>
   <a:extLst>
     <a:ext uri="{05A4C25C-085E-4340-85A3-A5531E510DB2}">
-      <thm15:themeFamily xmlns:thm15="http://schemas.microsoft.com/office/thememl/2012/main" xmlns="" name="TWO.pptx" id="{769520F8-BFE5-4C8C-A7AA-375C025A91CE}" vid="{AEAFD717-D3C8-4034-8F7E-D5220B0CCEB8}"/>
+      <thm15:themeFamily xmlns:thm15="http://schemas.microsoft.com/office/thememl/2012/main" name="TWO.pptx" id="{769520F8-BFE5-4C8C-A7AA-375C025A91CE}" vid="{AEAFD717-D3C8-4034-8F7E-D5220B0CCEB8}"/>
     </a:ext>
   </a:extLst>
 </a:theme>

--- a/Group 45 Data Science for Case Law.pptx
+++ b/Group 45 Data Science for Case Law.pptx
@@ -10,20 +10,19 @@
     <p:sldId id="267" r:id="rId4"/>
     <p:sldId id="270" r:id="rId5"/>
     <p:sldId id="271" r:id="rId6"/>
-    <p:sldId id="261" r:id="rId7"/>
-    <p:sldId id="262" r:id="rId8"/>
-    <p:sldId id="263" r:id="rId9"/>
-    <p:sldId id="274" r:id="rId10"/>
-    <p:sldId id="281" r:id="rId11"/>
+    <p:sldId id="262" r:id="rId7"/>
+    <p:sldId id="263" r:id="rId8"/>
+    <p:sldId id="274" r:id="rId9"/>
+    <p:sldId id="281" r:id="rId10"/>
+    <p:sldId id="279" r:id="rId11"/>
     <p:sldId id="283" r:id="rId12"/>
-    <p:sldId id="279" r:id="rId13"/>
-    <p:sldId id="276" r:id="rId14"/>
-    <p:sldId id="277" r:id="rId15"/>
-    <p:sldId id="282" r:id="rId16"/>
-    <p:sldId id="278" r:id="rId17"/>
-    <p:sldId id="272" r:id="rId18"/>
-    <p:sldId id="275" r:id="rId19"/>
-    <p:sldId id="265" r:id="rId20"/>
+    <p:sldId id="276" r:id="rId13"/>
+    <p:sldId id="277" r:id="rId14"/>
+    <p:sldId id="282" r:id="rId15"/>
+    <p:sldId id="278" r:id="rId16"/>
+    <p:sldId id="272" r:id="rId17"/>
+    <p:sldId id="275" r:id="rId18"/>
+    <p:sldId id="265" r:id="rId19"/>
   </p:sldIdLst>
   <p:sldSz cx="12192000" cy="6858000"/>
   <p:notesSz cx="6858000" cy="9144000"/>
@@ -4121,753 +4120,6 @@
 </file>
 
 <file path=ppt/slides/slide10.xml><?xml version="1.0" encoding="utf-8"?>
-<p:sld xmlns:a="http://schemas.openxmlformats.org/drawingml/2006/main" xmlns:r="http://schemas.openxmlformats.org/officeDocument/2006/relationships" xmlns:p="http://schemas.openxmlformats.org/presentationml/2006/main">
-  <p:cSld>
-    <p:spTree>
-      <p:nvGrpSpPr>
-        <p:cNvPr id="1" name=""/>
-        <p:cNvGrpSpPr/>
-        <p:nvPr/>
-      </p:nvGrpSpPr>
-      <p:grpSpPr>
-        <a:xfrm>
-          <a:off x="0" y="0"/>
-          <a:ext cx="0" cy="0"/>
-          <a:chOff x="0" y="0"/>
-          <a:chExt cx="0" cy="0"/>
-        </a:xfrm>
-      </p:grpSpPr>
-      <p:sp>
-        <p:nvSpPr>
-          <p:cNvPr id="2" name="Title 1"/>
-          <p:cNvSpPr>
-            <a:spLocks noGrp="1"/>
-          </p:cNvSpPr>
-          <p:nvPr>
-            <p:ph type="title"/>
-          </p:nvPr>
-        </p:nvSpPr>
-        <p:spPr>
-          <a:xfrm>
-            <a:off x="1097280" y="286603"/>
-            <a:ext cx="10058400" cy="856397"/>
-          </a:xfrm>
-        </p:spPr>
-        <p:txBody>
-          <a:bodyPr/>
-          <a:lstStyle/>
-          <a:p>
-            <a:r>
-              <a:rPr lang="en-US" dirty="0"/>
-              <a:t>Implementation</a:t>
-            </a:r>
-          </a:p>
-        </p:txBody>
-      </p:sp>
-      <p:graphicFrame>
-        <p:nvGraphicFramePr>
-          <p:cNvPr id="5" name="Content Placeholder 4"/>
-          <p:cNvGraphicFramePr>
-            <a:graphicFrameLocks noGrp="1"/>
-          </p:cNvGraphicFramePr>
-          <p:nvPr>
-            <p:ph idx="1"/>
-            <p:extLst>
-              <p:ext uri="{D42A27DB-BD31-4B8C-83A1-F6EECF244321}">
-                <p14:modId xmlns:p14="http://schemas.microsoft.com/office/powerpoint/2010/main" val="3018182776"/>
-              </p:ext>
-            </p:extLst>
-          </p:nvPr>
-        </p:nvGraphicFramePr>
-        <p:xfrm>
-          <a:off x="965712" y="2011584"/>
-          <a:ext cx="10246360" cy="3952525"/>
-        </p:xfrm>
-        <a:graphic>
-          <a:graphicData uri="http://schemas.openxmlformats.org/drawingml/2006/table">
-            <a:tbl>
-              <a:tblPr firstRow="1" bandRow="1">
-                <a:tableStyleId>{5C22544A-7EE6-4342-B048-85BDC9FD1C3A}</a:tableStyleId>
-              </a:tblPr>
-              <a:tblGrid>
-                <a:gridCol w="2210244">
-                  <a:extLst>
-                    <a:ext uri="{9D8B030D-6E8A-4147-A177-3AD203B41FA5}">
-                      <a16:colId xmlns:a16="http://schemas.microsoft.com/office/drawing/2014/main" val="20000"/>
-                    </a:ext>
-                  </a:extLst>
-                </a:gridCol>
-                <a:gridCol w="1142556">
-                  <a:extLst>
-                    <a:ext uri="{9D8B030D-6E8A-4147-A177-3AD203B41FA5}">
-                      <a16:colId xmlns:a16="http://schemas.microsoft.com/office/drawing/2014/main" val="20001"/>
-                    </a:ext>
-                  </a:extLst>
-                </a:gridCol>
-                <a:gridCol w="1818640">
-                  <a:extLst>
-                    <a:ext uri="{9D8B030D-6E8A-4147-A177-3AD203B41FA5}">
-                      <a16:colId xmlns:a16="http://schemas.microsoft.com/office/drawing/2014/main" val="20002"/>
-                    </a:ext>
-                  </a:extLst>
-                </a:gridCol>
-                <a:gridCol w="5074920">
-                  <a:extLst>
-                    <a:ext uri="{9D8B030D-6E8A-4147-A177-3AD203B41FA5}">
-                      <a16:colId xmlns:a16="http://schemas.microsoft.com/office/drawing/2014/main" val="2436690740"/>
-                    </a:ext>
-                  </a:extLst>
-                </a:gridCol>
-              </a:tblGrid>
-              <a:tr h="569245">
-                <a:tc>
-                  <a:txBody>
-                    <a:bodyPr/>
-                    <a:lstStyle/>
-                    <a:p>
-                      <a:r>
-                        <a:rPr lang="en-US" dirty="0"/>
-                        <a:t>SOTA</a:t>
-                      </a:r>
-                    </a:p>
-                  </a:txBody>
-                  <a:tcPr/>
-                </a:tc>
-                <a:tc>
-                  <a:txBody>
-                    <a:bodyPr/>
-                    <a:lstStyle/>
-                    <a:p>
-                      <a:r>
-                        <a:rPr lang="en-US" dirty="0"/>
-                        <a:t>Type</a:t>
-                      </a:r>
-                    </a:p>
-                  </a:txBody>
-                  <a:tcPr/>
-                </a:tc>
-                <a:tc>
-                  <a:txBody>
-                    <a:bodyPr/>
-                    <a:lstStyle/>
-                    <a:p>
-                      <a:r>
-                        <a:rPr lang="en-US" dirty="0"/>
-                        <a:t>Transformer</a:t>
-                      </a:r>
-                    </a:p>
-                  </a:txBody>
-                  <a:tcPr/>
-                </a:tc>
-                <a:tc>
-                  <a:txBody>
-                    <a:bodyPr/>
-                    <a:lstStyle/>
-                    <a:p>
-                      <a:r>
-                        <a:rPr lang="en-US" dirty="0"/>
-                        <a:t>Steps</a:t>
-                      </a:r>
-                    </a:p>
-                  </a:txBody>
-                  <a:tcPr/>
-                </a:tc>
-                <a:extLst>
-                  <a:ext uri="{0D108BD9-81ED-4DB2-BD59-A6C34878D82A}">
-                    <a16:rowId xmlns:a16="http://schemas.microsoft.com/office/drawing/2014/main" val="10000"/>
-                  </a:ext>
-                </a:extLst>
-              </a:tr>
-              <a:tr h="752799">
-                <a:tc rowSpan="3">
-                  <a:txBody>
-                    <a:bodyPr/>
-                    <a:lstStyle/>
-                    <a:p>
-                      <a:r>
-                        <a:rPr lang="en-US" sz="1200" dirty="0" err="1"/>
-                        <a:t>PreSumm</a:t>
-                      </a:r>
-                      <a:endParaRPr lang="en-US" sz="1200" dirty="0"/>
-                    </a:p>
-                  </a:txBody>
-                  <a:tcPr anchor="ctr"/>
-                </a:tc>
-                <a:tc>
-                  <a:txBody>
-                    <a:bodyPr/>
-                    <a:lstStyle/>
-                    <a:p>
-                      <a:r>
-                        <a:rPr lang="en-US" sz="1200" dirty="0"/>
-                        <a:t>Extractive</a:t>
-                      </a:r>
-                    </a:p>
-                  </a:txBody>
-                  <a:tcPr/>
-                </a:tc>
-                <a:tc>
-                  <a:txBody>
-                    <a:bodyPr/>
-                    <a:lstStyle/>
-                    <a:p>
-                      <a:r>
-                        <a:rPr lang="en-US" sz="1200" dirty="0"/>
-                        <a:t>BERT</a:t>
-                      </a:r>
-                    </a:p>
-                  </a:txBody>
-                  <a:tcPr/>
-                </a:tc>
-                <a:tc>
-                  <a:txBody>
-                    <a:bodyPr/>
-                    <a:lstStyle/>
-                    <a:p>
-                      <a:pPr marL="228600" indent="-228600">
-                        <a:buAutoNum type="arabicParenR"/>
-                      </a:pPr>
-                      <a:r>
-                        <a:rPr lang="en-US" sz="1200" dirty="0"/>
-                        <a:t>Use the pretrained model with our dataset and get the ROUGE metrics</a:t>
-                      </a:r>
-                    </a:p>
-                    <a:p>
-                      <a:pPr marL="228600" indent="-228600">
-                        <a:buAutoNum type="arabicParenR"/>
-                      </a:pPr>
-                      <a:r>
-                        <a:rPr lang="en-US" sz="1200" dirty="0"/>
-                        <a:t>Train the model with our dataset </a:t>
-                      </a:r>
-                    </a:p>
-                    <a:p>
-                      <a:pPr marL="228600" indent="-228600">
-                        <a:buAutoNum type="arabicParenR"/>
-                      </a:pPr>
-                      <a:r>
-                        <a:rPr lang="en-US" sz="1200" dirty="0"/>
-                        <a:t>Use the trained model to get the ROUGE metrics</a:t>
-                      </a:r>
-                    </a:p>
-                    <a:p>
-                      <a:pPr marL="228600" indent="-228600">
-                        <a:buAutoNum type="arabicParenR"/>
-                      </a:pPr>
-                      <a:r>
-                        <a:rPr lang="en-US" sz="1200" dirty="0"/>
-                        <a:t>Compare the two outputs</a:t>
-                      </a:r>
-                    </a:p>
-                  </a:txBody>
-                  <a:tcPr/>
-                </a:tc>
-                <a:extLst>
-                  <a:ext uri="{0D108BD9-81ED-4DB2-BD59-A6C34878D82A}">
-                    <a16:rowId xmlns:a16="http://schemas.microsoft.com/office/drawing/2014/main" val="10001"/>
-                  </a:ext>
-                </a:extLst>
-              </a:tr>
-              <a:tr h="752799">
-                <a:tc vMerge="1">
-                  <a:txBody>
-                    <a:bodyPr/>
-                    <a:lstStyle/>
-                    <a:p>
-                      <a:endParaRPr lang="en-US" dirty="0"/>
-                    </a:p>
-                  </a:txBody>
-                  <a:tcPr/>
-                </a:tc>
-                <a:tc rowSpan="2">
-                  <a:txBody>
-                    <a:bodyPr/>
-                    <a:lstStyle/>
-                    <a:p>
-                      <a:r>
-                        <a:rPr lang="en-US" sz="1200" dirty="0"/>
-                        <a:t>Abstractive</a:t>
-                      </a:r>
-                    </a:p>
-                  </a:txBody>
-                  <a:tcPr anchor="ctr"/>
-                </a:tc>
-                <a:tc>
-                  <a:txBody>
-                    <a:bodyPr/>
-                    <a:lstStyle/>
-                    <a:p>
-                      <a:r>
-                        <a:rPr lang="en-US" sz="1200" dirty="0"/>
-                        <a:t>Baseline Transformer</a:t>
-                      </a:r>
-                    </a:p>
-                  </a:txBody>
-                  <a:tcPr/>
-                </a:tc>
-                <a:tc>
-                  <a:txBody>
-                    <a:bodyPr/>
-                    <a:lstStyle/>
-                    <a:p>
-                      <a:pPr marL="228600" indent="-228600">
-                        <a:buAutoNum type="arabicParenR"/>
-                      </a:pPr>
-                      <a:r>
-                        <a:rPr lang="en-US" sz="1200" dirty="0"/>
-                        <a:t>Use the pretrained model with our dataset and get the ROUGE metrics</a:t>
-                      </a:r>
-                    </a:p>
-                    <a:p>
-                      <a:pPr marL="228600" indent="-228600">
-                        <a:buAutoNum type="arabicParenR"/>
-                      </a:pPr>
-                      <a:r>
-                        <a:rPr lang="en-US" sz="1200" dirty="0"/>
-                        <a:t>Train the model with our dataset </a:t>
-                      </a:r>
-                    </a:p>
-                    <a:p>
-                      <a:pPr marL="228600" indent="-228600">
-                        <a:buAutoNum type="arabicParenR"/>
-                      </a:pPr>
-                      <a:r>
-                        <a:rPr lang="en-US" sz="1200" dirty="0"/>
-                        <a:t>Use the trained model to get the ROUGE metrics</a:t>
-                      </a:r>
-                    </a:p>
-                    <a:p>
-                      <a:pPr marL="228600" indent="-228600">
-                        <a:buAutoNum type="arabicParenR"/>
-                      </a:pPr>
-                      <a:r>
-                        <a:rPr lang="en-US" sz="1200" dirty="0"/>
-                        <a:t>Compare the two outputs</a:t>
-                      </a:r>
-                    </a:p>
-                  </a:txBody>
-                  <a:tcPr/>
-                </a:tc>
-                <a:extLst>
-                  <a:ext uri="{0D108BD9-81ED-4DB2-BD59-A6C34878D82A}">
-                    <a16:rowId xmlns:a16="http://schemas.microsoft.com/office/drawing/2014/main" val="10002"/>
-                  </a:ext>
-                </a:extLst>
-              </a:tr>
-              <a:tr h="752799">
-                <a:tc vMerge="1">
-                  <a:txBody>
-                    <a:bodyPr/>
-                    <a:lstStyle/>
-                    <a:p>
-                      <a:endParaRPr lang="en-US" dirty="0"/>
-                    </a:p>
-                  </a:txBody>
-                  <a:tcPr/>
-                </a:tc>
-                <a:tc vMerge="1">
-                  <a:txBody>
-                    <a:bodyPr/>
-                    <a:lstStyle/>
-                    <a:p>
-                      <a:endParaRPr lang="en-US" dirty="0"/>
-                    </a:p>
-                  </a:txBody>
-                  <a:tcPr/>
-                </a:tc>
-                <a:tc>
-                  <a:txBody>
-                    <a:bodyPr/>
-                    <a:lstStyle/>
-                    <a:p>
-                      <a:r>
-                        <a:rPr lang="en-US" sz="1200" dirty="0"/>
-                        <a:t>BERT</a:t>
-                      </a:r>
-                    </a:p>
-                  </a:txBody>
-                  <a:tcPr/>
-                </a:tc>
-                <a:tc>
-                  <a:txBody>
-                    <a:bodyPr/>
-                    <a:lstStyle/>
-                    <a:p>
-                      <a:pPr marL="228600" indent="-228600">
-                        <a:buAutoNum type="arabicParenR"/>
-                      </a:pPr>
-                      <a:r>
-                        <a:rPr lang="en-US" sz="1200" dirty="0"/>
-                        <a:t>Use the pretrained model with our dataset and get the ROUGE metrics</a:t>
-                      </a:r>
-                    </a:p>
-                    <a:p>
-                      <a:pPr marL="228600" indent="-228600">
-                        <a:buAutoNum type="arabicParenR"/>
-                      </a:pPr>
-                      <a:r>
-                        <a:rPr lang="en-US" sz="1200" dirty="0"/>
-                        <a:t>Train the model with our dataset </a:t>
-                      </a:r>
-                    </a:p>
-                    <a:p>
-                      <a:pPr marL="228600" indent="-228600">
-                        <a:buAutoNum type="arabicParenR"/>
-                      </a:pPr>
-                      <a:r>
-                        <a:rPr lang="en-US" sz="1200" dirty="0"/>
-                        <a:t>Use the trained model to get the ROUGE metrics</a:t>
-                      </a:r>
-                    </a:p>
-                    <a:p>
-                      <a:pPr marL="228600" indent="-228600">
-                        <a:buAutoNum type="arabicParenR"/>
-                      </a:pPr>
-                      <a:r>
-                        <a:rPr lang="en-US" sz="1200" dirty="0"/>
-                        <a:t>Compare the two outputs</a:t>
-                      </a:r>
-                    </a:p>
-                  </a:txBody>
-                  <a:tcPr/>
-                </a:tc>
-                <a:extLst>
-                  <a:ext uri="{0D108BD9-81ED-4DB2-BD59-A6C34878D82A}">
-                    <a16:rowId xmlns:a16="http://schemas.microsoft.com/office/drawing/2014/main" val="10003"/>
-                  </a:ext>
-                </a:extLst>
-              </a:tr>
-              <a:tr h="423832">
-                <a:tc rowSpan="2">
-                  <a:txBody>
-                    <a:bodyPr/>
-                    <a:lstStyle/>
-                    <a:p>
-                      <a:r>
-                        <a:rPr lang="en-US" sz="1200" dirty="0" err="1"/>
-                        <a:t>MatchSum</a:t>
-                      </a:r>
-                      <a:endParaRPr lang="en-US" sz="1200" dirty="0"/>
-                    </a:p>
-                  </a:txBody>
-                  <a:tcPr anchor="ctr"/>
-                </a:tc>
-                <a:tc rowSpan="2">
-                  <a:txBody>
-                    <a:bodyPr/>
-                    <a:lstStyle/>
-                    <a:p>
-                      <a:r>
-                        <a:rPr lang="en-US" sz="1200" dirty="0"/>
-                        <a:t>Extractive</a:t>
-                      </a:r>
-                    </a:p>
-                  </a:txBody>
-                  <a:tcPr anchor="ctr"/>
-                </a:tc>
-                <a:tc>
-                  <a:txBody>
-                    <a:bodyPr/>
-                    <a:lstStyle/>
-                    <a:p>
-                      <a:r>
-                        <a:rPr lang="en-US" sz="1200" dirty="0"/>
-                        <a:t>BERT</a:t>
-                      </a:r>
-                    </a:p>
-                  </a:txBody>
-                  <a:tcPr/>
-                </a:tc>
-                <a:tc>
-                  <a:txBody>
-                    <a:bodyPr/>
-                    <a:lstStyle/>
-                    <a:p>
-                      <a:pPr marL="228600" indent="-228600">
-                        <a:buAutoNum type="arabicParenR"/>
-                      </a:pPr>
-                      <a:r>
-                        <a:rPr lang="en-US" sz="1200" dirty="0"/>
-                        <a:t>Train the model with our dataset </a:t>
-                      </a:r>
-                    </a:p>
-                    <a:p>
-                      <a:pPr marL="228600" indent="-228600">
-                        <a:buAutoNum type="arabicParenR"/>
-                      </a:pPr>
-                      <a:r>
-                        <a:rPr lang="en-US" sz="1200" dirty="0"/>
-                        <a:t>Use the trained model to get the ROUGE metrics</a:t>
-                      </a:r>
-                    </a:p>
-                  </a:txBody>
-                  <a:tcPr/>
-                </a:tc>
-                <a:extLst>
-                  <a:ext uri="{0D108BD9-81ED-4DB2-BD59-A6C34878D82A}">
-                    <a16:rowId xmlns:a16="http://schemas.microsoft.com/office/drawing/2014/main" val="10004"/>
-                  </a:ext>
-                </a:extLst>
-              </a:tr>
-              <a:tr h="383954">
-                <a:tc vMerge="1">
-                  <a:txBody>
-                    <a:bodyPr/>
-                    <a:lstStyle/>
-                    <a:p>
-                      <a:endParaRPr lang="en-US" dirty="0"/>
-                    </a:p>
-                  </a:txBody>
-                  <a:tcPr/>
-                </a:tc>
-                <a:tc vMerge="1">
-                  <a:txBody>
-                    <a:bodyPr/>
-                    <a:lstStyle/>
-                    <a:p>
-                      <a:endParaRPr lang="en-US" dirty="0"/>
-                    </a:p>
-                  </a:txBody>
-                  <a:tcPr/>
-                </a:tc>
-                <a:tc>
-                  <a:txBody>
-                    <a:bodyPr/>
-                    <a:lstStyle/>
-                    <a:p>
-                      <a:r>
-                        <a:rPr lang="en-US" sz="1200" dirty="0" err="1"/>
-                        <a:t>RoBERTa</a:t>
-                      </a:r>
-                      <a:endParaRPr lang="en-US" sz="1200" dirty="0"/>
-                    </a:p>
-                  </a:txBody>
-                  <a:tcPr/>
-                </a:tc>
-                <a:tc>
-                  <a:txBody>
-                    <a:bodyPr/>
-                    <a:lstStyle/>
-                    <a:p>
-                      <a:pPr marL="228600" indent="-228600">
-                        <a:buAutoNum type="arabicParenR"/>
-                      </a:pPr>
-                      <a:r>
-                        <a:rPr lang="en-US" sz="1200" dirty="0"/>
-                        <a:t>Train the model with our dataset </a:t>
-                      </a:r>
-                    </a:p>
-                    <a:p>
-                      <a:pPr marL="228600" indent="-228600">
-                        <a:buAutoNum type="arabicParenR"/>
-                      </a:pPr>
-                      <a:r>
-                        <a:rPr lang="en-US" sz="1200" dirty="0"/>
-                        <a:t>Use the trained model to get the ROUGE metrics</a:t>
-                      </a:r>
-                    </a:p>
-                  </a:txBody>
-                  <a:tcPr/>
-                </a:tc>
-                <a:extLst>
-                  <a:ext uri="{0D108BD9-81ED-4DB2-BD59-A6C34878D82A}">
-                    <a16:rowId xmlns:a16="http://schemas.microsoft.com/office/drawing/2014/main" val="10005"/>
-                  </a:ext>
-                </a:extLst>
-              </a:tr>
-            </a:tbl>
-          </a:graphicData>
-        </a:graphic>
-      </p:graphicFrame>
-    </p:spTree>
-    <p:extLst>
-      <p:ext uri="{BB962C8B-B14F-4D97-AF65-F5344CB8AC3E}">
-        <p14:creationId xmlns:p14="http://schemas.microsoft.com/office/powerpoint/2010/main" val="2558821770"/>
-      </p:ext>
-    </p:extLst>
-  </p:cSld>
-  <p:clrMapOvr>
-    <a:masterClrMapping/>
-  </p:clrMapOvr>
-  <p:timing>
-    <p:tnLst>
-      <p:par>
-        <p:cTn id="1" dur="indefinite" restart="never" nodeType="tmRoot">
-          <p:childTnLst>
-            <p:seq concurrent="1" nextAc="seek">
-              <p:cTn id="2" dur="indefinite" nodeType="mainSeq">
-                <p:childTnLst>
-                  <p:par>
-                    <p:cTn id="3" fill="hold">
-                      <p:stCondLst>
-                        <p:cond delay="indefinite"/>
-                      </p:stCondLst>
-                      <p:childTnLst>
-                        <p:par>
-                          <p:cTn id="4" fill="hold">
-                            <p:stCondLst>
-                              <p:cond delay="0"/>
-                            </p:stCondLst>
-                            <p:childTnLst>
-                              <p:par>
-                                <p:cTn id="5" presetID="1" presetClass="entr" presetSubtype="0" fill="hold" nodeType="clickEffect">
-                                  <p:stCondLst>
-                                    <p:cond delay="0"/>
-                                  </p:stCondLst>
-                                  <p:childTnLst>
-                                    <p:set>
-                                      <p:cBhvr>
-                                        <p:cTn id="6" dur="1" fill="hold">
-                                          <p:stCondLst>
-                                            <p:cond delay="0"/>
-                                          </p:stCondLst>
-                                        </p:cTn>
-                                        <p:tgtEl>
-                                          <p:spTgt spid="5"/>
-                                        </p:tgtEl>
-                                        <p:attrNameLst>
-                                          <p:attrName>style.visibility</p:attrName>
-                                        </p:attrNameLst>
-                                      </p:cBhvr>
-                                      <p:to>
-                                        <p:strVal val="visible"/>
-                                      </p:to>
-                                    </p:set>
-                                  </p:childTnLst>
-                                </p:cTn>
-                              </p:par>
-                            </p:childTnLst>
-                          </p:cTn>
-                        </p:par>
-                      </p:childTnLst>
-                    </p:cTn>
-                  </p:par>
-                </p:childTnLst>
-              </p:cTn>
-              <p:prevCondLst>
-                <p:cond evt="onPrev" delay="0">
-                  <p:tgtEl>
-                    <p:sldTgt/>
-                  </p:tgtEl>
-                </p:cond>
-              </p:prevCondLst>
-              <p:nextCondLst>
-                <p:cond evt="onNext" delay="0">
-                  <p:tgtEl>
-                    <p:sldTgt/>
-                  </p:tgtEl>
-                </p:cond>
-              </p:nextCondLst>
-            </p:seq>
-          </p:childTnLst>
-        </p:cTn>
-      </p:par>
-    </p:tnLst>
-  </p:timing>
-</p:sld>
-</file>
-
-<file path=ppt/slides/slide11.xml><?xml version="1.0" encoding="utf-8"?>
-<p:sld xmlns:a="http://schemas.openxmlformats.org/drawingml/2006/main" xmlns:r="http://schemas.openxmlformats.org/officeDocument/2006/relationships" xmlns:p="http://schemas.openxmlformats.org/presentationml/2006/main">
-  <p:cSld>
-    <p:spTree>
-      <p:nvGrpSpPr>
-        <p:cNvPr id="1" name=""/>
-        <p:cNvGrpSpPr/>
-        <p:nvPr/>
-      </p:nvGrpSpPr>
-      <p:grpSpPr>
-        <a:xfrm>
-          <a:off x="0" y="0"/>
-          <a:ext cx="0" cy="0"/>
-          <a:chOff x="0" y="0"/>
-          <a:chExt cx="0" cy="0"/>
-        </a:xfrm>
-      </p:grpSpPr>
-      <p:sp>
-        <p:nvSpPr>
-          <p:cNvPr id="3" name="Content Placeholder 2">
-            <a:extLst>
-              <a:ext uri="{FF2B5EF4-FFF2-40B4-BE49-F238E27FC236}">
-                <a16:creationId xmlns:a16="http://schemas.microsoft.com/office/drawing/2014/main" id="{84B763AF-1306-4B26-A332-770E4349B34B}"/>
-              </a:ext>
-            </a:extLst>
-          </p:cNvPr>
-          <p:cNvSpPr>
-            <a:spLocks noGrp="1"/>
-          </p:cNvSpPr>
-          <p:nvPr>
-            <p:ph idx="1"/>
-          </p:nvPr>
-        </p:nvSpPr>
-        <p:spPr>
-          <a:xfrm>
-            <a:off x="558165" y="702253"/>
-            <a:ext cx="10058400" cy="727537"/>
-          </a:xfrm>
-        </p:spPr>
-        <p:txBody>
-          <a:bodyPr>
-            <a:normAutofit/>
-          </a:bodyPr>
-          <a:lstStyle/>
-          <a:p>
-            <a:pPr algn="ctr"/>
-            <a:r>
-              <a:rPr lang="en-US" sz="4000" dirty="0" err="1"/>
-              <a:t>train.py’s</a:t>
-            </a:r>
-            <a:r>
-              <a:rPr lang="en-US" sz="4000" dirty="0"/>
-              <a:t> contribution to global warming!</a:t>
-            </a:r>
-          </a:p>
-        </p:txBody>
-      </p:sp>
-      <p:pic>
-        <p:nvPicPr>
-          <p:cNvPr id="4" name="Picture 3">
-            <a:extLst>
-              <a:ext uri="{FF2B5EF4-FFF2-40B4-BE49-F238E27FC236}">
-                <a16:creationId xmlns:a16="http://schemas.microsoft.com/office/drawing/2014/main" id="{B9D1D01D-92D9-4467-855E-4FC1D7150402}"/>
-              </a:ext>
-            </a:extLst>
-          </p:cNvPr>
-          <p:cNvPicPr>
-            <a:picLocks noChangeAspect="1"/>
-          </p:cNvPicPr>
-          <p:nvPr/>
-        </p:nvPicPr>
-        <p:blipFill>
-          <a:blip r:embed="rId2"/>
-          <a:stretch>
-            <a:fillRect/>
-          </a:stretch>
-        </p:blipFill>
-        <p:spPr>
-          <a:xfrm>
-            <a:off x="0" y="1769012"/>
-            <a:ext cx="12192000" cy="3319975"/>
-          </a:xfrm>
-          <a:prstGeom prst="rect">
-            <a:avLst/>
-          </a:prstGeom>
-        </p:spPr>
-      </p:pic>
-    </p:spTree>
-    <p:extLst>
-      <p:ext uri="{BB962C8B-B14F-4D97-AF65-F5344CB8AC3E}">
-        <p14:creationId xmlns:p14="http://schemas.microsoft.com/office/powerpoint/2010/main" val="1674286547"/>
-      </p:ext>
-    </p:extLst>
-  </p:cSld>
-  <p:clrMapOvr>
-    <a:masterClrMapping/>
-  </p:clrMapOvr>
-</p:sld>
-</file>
-
-<file path=ppt/slides/slide12.xml><?xml version="1.0" encoding="utf-8"?>
 <p:sld xmlns:a="http://schemas.openxmlformats.org/drawingml/2006/main" xmlns:r="http://schemas.openxmlformats.org/officeDocument/2006/relationships" xmlns:p="http://schemas.openxmlformats.org/presentationml/2006/main">
   <p:cSld>
     <p:spTree>
@@ -6223,7 +5475,107 @@
 </p:sld>
 </file>
 
-<file path=ppt/slides/slide13.xml><?xml version="1.0" encoding="utf-8"?>
+<file path=ppt/slides/slide11.xml><?xml version="1.0" encoding="utf-8"?>
+<p:sld xmlns:a="http://schemas.openxmlformats.org/drawingml/2006/main" xmlns:r="http://schemas.openxmlformats.org/officeDocument/2006/relationships" xmlns:p="http://schemas.openxmlformats.org/presentationml/2006/main">
+  <p:cSld>
+    <p:spTree>
+      <p:nvGrpSpPr>
+        <p:cNvPr id="1" name=""/>
+        <p:cNvGrpSpPr/>
+        <p:nvPr/>
+      </p:nvGrpSpPr>
+      <p:grpSpPr>
+        <a:xfrm>
+          <a:off x="0" y="0"/>
+          <a:ext cx="0" cy="0"/>
+          <a:chOff x="0" y="0"/>
+          <a:chExt cx="0" cy="0"/>
+        </a:xfrm>
+      </p:grpSpPr>
+      <p:sp>
+        <p:nvSpPr>
+          <p:cNvPr id="3" name="Content Placeholder 2">
+            <a:extLst>
+              <a:ext uri="{FF2B5EF4-FFF2-40B4-BE49-F238E27FC236}">
+                <a16:creationId xmlns:a16="http://schemas.microsoft.com/office/drawing/2014/main" id="{84B763AF-1306-4B26-A332-770E4349B34B}"/>
+              </a:ext>
+            </a:extLst>
+          </p:cNvPr>
+          <p:cNvSpPr>
+            <a:spLocks noGrp="1"/>
+          </p:cNvSpPr>
+          <p:nvPr>
+            <p:ph idx="1"/>
+          </p:nvPr>
+        </p:nvSpPr>
+        <p:spPr>
+          <a:xfrm>
+            <a:off x="558165" y="702253"/>
+            <a:ext cx="10058400" cy="727537"/>
+          </a:xfrm>
+        </p:spPr>
+        <p:txBody>
+          <a:bodyPr>
+            <a:normAutofit/>
+          </a:bodyPr>
+          <a:lstStyle/>
+          <a:p>
+            <a:pPr algn="ctr"/>
+            <a:r>
+              <a:rPr lang="en-US" sz="4000" dirty="0" err="1"/>
+              <a:t>train.py’s</a:t>
+            </a:r>
+            <a:r>
+              <a:rPr lang="en-US" sz="4000" dirty="0"/>
+              <a:t> contribution to global warming!</a:t>
+            </a:r>
+          </a:p>
+        </p:txBody>
+      </p:sp>
+      <p:pic>
+        <p:nvPicPr>
+          <p:cNvPr id="4" name="Picture 3">
+            <a:extLst>
+              <a:ext uri="{FF2B5EF4-FFF2-40B4-BE49-F238E27FC236}">
+                <a16:creationId xmlns:a16="http://schemas.microsoft.com/office/drawing/2014/main" id="{B9D1D01D-92D9-4467-855E-4FC1D7150402}"/>
+              </a:ext>
+            </a:extLst>
+          </p:cNvPr>
+          <p:cNvPicPr>
+            <a:picLocks noChangeAspect="1"/>
+          </p:cNvPicPr>
+          <p:nvPr/>
+        </p:nvPicPr>
+        <p:blipFill>
+          <a:blip r:embed="rId2"/>
+          <a:stretch>
+            <a:fillRect/>
+          </a:stretch>
+        </p:blipFill>
+        <p:spPr>
+          <a:xfrm>
+            <a:off x="0" y="1769012"/>
+            <a:ext cx="12192000" cy="3319975"/>
+          </a:xfrm>
+          <a:prstGeom prst="rect">
+            <a:avLst/>
+          </a:prstGeom>
+        </p:spPr>
+      </p:pic>
+    </p:spTree>
+    <p:extLst>
+      <p:ext uri="{BB962C8B-B14F-4D97-AF65-F5344CB8AC3E}">
+        <p14:creationId xmlns:p14="http://schemas.microsoft.com/office/powerpoint/2010/main" val="1674286547"/>
+      </p:ext>
+    </p:extLst>
+  </p:cSld>
+  <p:clrMapOvr>
+    <a:masterClrMapping/>
+  </p:clrMapOvr>
+</p:sld>
+</file>
+
+<file path=ppt/slides/slide12.xml><?xml version="1.0" encoding="utf-8"?>
 <p:sld xmlns:a="http://schemas.openxmlformats.org/drawingml/2006/main" xmlns:r="http://schemas.openxmlformats.org/officeDocument/2006/relationships" xmlns:p="http://schemas.openxmlformats.org/presentationml/2006/main">
   <p:cSld>
     <p:spTree>
@@ -7238,6 +6590,642 @@
     <p:extLst>
       <p:ext uri="{BB962C8B-B14F-4D97-AF65-F5344CB8AC3E}">
         <p14:creationId xmlns:p14="http://schemas.microsoft.com/office/powerpoint/2010/main" val="2885800357"/>
+      </p:ext>
+    </p:extLst>
+  </p:cSld>
+  <p:clrMapOvr>
+    <a:masterClrMapping/>
+  </p:clrMapOvr>
+  <p:timing>
+    <p:tnLst>
+      <p:par>
+        <p:cTn id="1" dur="indefinite" restart="never" nodeType="tmRoot">
+          <p:childTnLst>
+            <p:seq concurrent="1" nextAc="seek">
+              <p:cTn id="2" dur="indefinite" nodeType="mainSeq">
+                <p:childTnLst>
+                  <p:par>
+                    <p:cTn id="3" fill="hold">
+                      <p:stCondLst>
+                        <p:cond delay="indefinite"/>
+                      </p:stCondLst>
+                      <p:childTnLst>
+                        <p:par>
+                          <p:cTn id="4" fill="hold">
+                            <p:stCondLst>
+                              <p:cond delay="0"/>
+                            </p:stCondLst>
+                            <p:childTnLst>
+                              <p:par>
+                                <p:cTn id="5" presetID="1" presetClass="entr" presetSubtype="0" fill="hold" grpId="0" nodeType="clickEffect">
+                                  <p:stCondLst>
+                                    <p:cond delay="0"/>
+                                  </p:stCondLst>
+                                  <p:childTnLst>
+                                    <p:set>
+                                      <p:cBhvr>
+                                        <p:cTn id="6" dur="1" fill="hold">
+                                          <p:stCondLst>
+                                            <p:cond delay="0"/>
+                                          </p:stCondLst>
+                                        </p:cTn>
+                                        <p:tgtEl>
+                                          <p:spTgt spid="3">
+                                            <p:bg/>
+                                          </p:spTgt>
+                                        </p:tgtEl>
+                                        <p:attrNameLst>
+                                          <p:attrName>style.visibility</p:attrName>
+                                        </p:attrNameLst>
+                                      </p:cBhvr>
+                                      <p:to>
+                                        <p:strVal val="visible"/>
+                                      </p:to>
+                                    </p:set>
+                                  </p:childTnLst>
+                                </p:cTn>
+                              </p:par>
+                            </p:childTnLst>
+                          </p:cTn>
+                        </p:par>
+                      </p:childTnLst>
+                    </p:cTn>
+                  </p:par>
+                  <p:par>
+                    <p:cTn id="7" fill="hold">
+                      <p:stCondLst>
+                        <p:cond delay="indefinite"/>
+                      </p:stCondLst>
+                      <p:childTnLst>
+                        <p:par>
+                          <p:cTn id="8" fill="hold">
+                            <p:stCondLst>
+                              <p:cond delay="0"/>
+                            </p:stCondLst>
+                            <p:childTnLst>
+                              <p:par>
+                                <p:cTn id="9" presetID="1" presetClass="entr" presetSubtype="0" fill="hold" grpId="0" nodeType="clickEffect">
+                                  <p:stCondLst>
+                                    <p:cond delay="0"/>
+                                  </p:stCondLst>
+                                  <p:childTnLst>
+                                    <p:set>
+                                      <p:cBhvr>
+                                        <p:cTn id="10" dur="1" fill="hold">
+                                          <p:stCondLst>
+                                            <p:cond delay="0"/>
+                                          </p:stCondLst>
+                                        </p:cTn>
+                                        <p:tgtEl>
+                                          <p:spTgt spid="3">
+                                            <p:txEl>
+                                              <p:pRg st="0" end="0"/>
+                                            </p:txEl>
+                                          </p:spTgt>
+                                        </p:tgtEl>
+                                        <p:attrNameLst>
+                                          <p:attrName>style.visibility</p:attrName>
+                                        </p:attrNameLst>
+                                      </p:cBhvr>
+                                      <p:to>
+                                        <p:strVal val="visible"/>
+                                      </p:to>
+                                    </p:set>
+                                  </p:childTnLst>
+                                </p:cTn>
+                              </p:par>
+                            </p:childTnLst>
+                          </p:cTn>
+                        </p:par>
+                      </p:childTnLst>
+                    </p:cTn>
+                  </p:par>
+                  <p:par>
+                    <p:cTn id="11" fill="hold">
+                      <p:stCondLst>
+                        <p:cond delay="indefinite"/>
+                      </p:stCondLst>
+                      <p:childTnLst>
+                        <p:par>
+                          <p:cTn id="12" fill="hold">
+                            <p:stCondLst>
+                              <p:cond delay="0"/>
+                            </p:stCondLst>
+                            <p:childTnLst>
+                              <p:par>
+                                <p:cTn id="13" presetID="1" presetClass="entr" presetSubtype="0" fill="hold" grpId="0" nodeType="clickEffect">
+                                  <p:stCondLst>
+                                    <p:cond delay="0"/>
+                                  </p:stCondLst>
+                                  <p:childTnLst>
+                                    <p:set>
+                                      <p:cBhvr>
+                                        <p:cTn id="14" dur="1" fill="hold">
+                                          <p:stCondLst>
+                                            <p:cond delay="0"/>
+                                          </p:stCondLst>
+                                        </p:cTn>
+                                        <p:tgtEl>
+                                          <p:spTgt spid="3">
+                                            <p:txEl>
+                                              <p:pRg st="1" end="1"/>
+                                            </p:txEl>
+                                          </p:spTgt>
+                                        </p:tgtEl>
+                                        <p:attrNameLst>
+                                          <p:attrName>style.visibility</p:attrName>
+                                        </p:attrNameLst>
+                                      </p:cBhvr>
+                                      <p:to>
+                                        <p:strVal val="visible"/>
+                                      </p:to>
+                                    </p:set>
+                                  </p:childTnLst>
+                                </p:cTn>
+                              </p:par>
+                            </p:childTnLst>
+                          </p:cTn>
+                        </p:par>
+                      </p:childTnLst>
+                    </p:cTn>
+                  </p:par>
+                  <p:par>
+                    <p:cTn id="15" fill="hold">
+                      <p:stCondLst>
+                        <p:cond delay="indefinite"/>
+                      </p:stCondLst>
+                      <p:childTnLst>
+                        <p:par>
+                          <p:cTn id="16" fill="hold">
+                            <p:stCondLst>
+                              <p:cond delay="0"/>
+                            </p:stCondLst>
+                            <p:childTnLst>
+                              <p:par>
+                                <p:cTn id="17" presetID="1" presetClass="entr" presetSubtype="0" fill="hold" grpId="0" nodeType="clickEffect">
+                                  <p:stCondLst>
+                                    <p:cond delay="0"/>
+                                  </p:stCondLst>
+                                  <p:childTnLst>
+                                    <p:set>
+                                      <p:cBhvr>
+                                        <p:cTn id="18" dur="1" fill="hold">
+                                          <p:stCondLst>
+                                            <p:cond delay="0"/>
+                                          </p:stCondLst>
+                                        </p:cTn>
+                                        <p:tgtEl>
+                                          <p:spTgt spid="3">
+                                            <p:txEl>
+                                              <p:pRg st="2" end="2"/>
+                                            </p:txEl>
+                                          </p:spTgt>
+                                        </p:tgtEl>
+                                        <p:attrNameLst>
+                                          <p:attrName>style.visibility</p:attrName>
+                                        </p:attrNameLst>
+                                      </p:cBhvr>
+                                      <p:to>
+                                        <p:strVal val="visible"/>
+                                      </p:to>
+                                    </p:set>
+                                  </p:childTnLst>
+                                </p:cTn>
+                              </p:par>
+                            </p:childTnLst>
+                          </p:cTn>
+                        </p:par>
+                      </p:childTnLst>
+                    </p:cTn>
+                  </p:par>
+                  <p:par>
+                    <p:cTn id="19" fill="hold">
+                      <p:stCondLst>
+                        <p:cond delay="indefinite"/>
+                      </p:stCondLst>
+                      <p:childTnLst>
+                        <p:par>
+                          <p:cTn id="20" fill="hold">
+                            <p:stCondLst>
+                              <p:cond delay="0"/>
+                            </p:stCondLst>
+                            <p:childTnLst>
+                              <p:par>
+                                <p:cTn id="21" presetID="1" presetClass="entr" presetSubtype="0" fill="hold" grpId="0" nodeType="clickEffect">
+                                  <p:stCondLst>
+                                    <p:cond delay="0"/>
+                                  </p:stCondLst>
+                                  <p:childTnLst>
+                                    <p:set>
+                                      <p:cBhvr>
+                                        <p:cTn id="22" dur="1" fill="hold">
+                                          <p:stCondLst>
+                                            <p:cond delay="0"/>
+                                          </p:stCondLst>
+                                        </p:cTn>
+                                        <p:tgtEl>
+                                          <p:spTgt spid="3">
+                                            <p:txEl>
+                                              <p:pRg st="3" end="3"/>
+                                            </p:txEl>
+                                          </p:spTgt>
+                                        </p:tgtEl>
+                                        <p:attrNameLst>
+                                          <p:attrName>style.visibility</p:attrName>
+                                        </p:attrNameLst>
+                                      </p:cBhvr>
+                                      <p:to>
+                                        <p:strVal val="visible"/>
+                                      </p:to>
+                                    </p:set>
+                                  </p:childTnLst>
+                                </p:cTn>
+                              </p:par>
+                            </p:childTnLst>
+                          </p:cTn>
+                        </p:par>
+                      </p:childTnLst>
+                    </p:cTn>
+                  </p:par>
+                </p:childTnLst>
+              </p:cTn>
+              <p:prevCondLst>
+                <p:cond evt="onPrev" delay="0">
+                  <p:tgtEl>
+                    <p:sldTgt/>
+                  </p:tgtEl>
+                </p:cond>
+              </p:prevCondLst>
+              <p:nextCondLst>
+                <p:cond evt="onNext" delay="0">
+                  <p:tgtEl>
+                    <p:sldTgt/>
+                  </p:tgtEl>
+                </p:cond>
+              </p:nextCondLst>
+            </p:seq>
+          </p:childTnLst>
+        </p:cTn>
+      </p:par>
+    </p:tnLst>
+    <p:bldLst>
+      <p:bldP spid="3" grpId="0" build="p" animBg="1"/>
+    </p:bldLst>
+  </p:timing>
+</p:sld>
+</file>
+
+<file path=ppt/slides/slide13.xml><?xml version="1.0" encoding="utf-8"?>
+<p:sld xmlns:a="http://schemas.openxmlformats.org/drawingml/2006/main" xmlns:r="http://schemas.openxmlformats.org/officeDocument/2006/relationships" xmlns:p="http://schemas.openxmlformats.org/presentationml/2006/main">
+  <p:cSld>
+    <p:spTree>
+      <p:nvGrpSpPr>
+        <p:cNvPr id="1" name=""/>
+        <p:cNvGrpSpPr/>
+        <p:nvPr/>
+      </p:nvGrpSpPr>
+      <p:grpSpPr>
+        <a:xfrm>
+          <a:off x="0" y="0"/>
+          <a:ext cx="0" cy="0"/>
+          <a:chOff x="0" y="0"/>
+          <a:chExt cx="0" cy="0"/>
+        </a:xfrm>
+      </p:grpSpPr>
+      <p:sp>
+        <p:nvSpPr>
+          <p:cNvPr id="2" name="Title 1">
+            <a:extLst>
+              <a:ext uri="{FF2B5EF4-FFF2-40B4-BE49-F238E27FC236}">
+                <a16:creationId xmlns:a16="http://schemas.microsoft.com/office/drawing/2014/main" id="{B15ED5BE-AD40-47E3-AA33-E7B1B63CB7CC}"/>
+              </a:ext>
+            </a:extLst>
+          </p:cNvPr>
+          <p:cNvSpPr>
+            <a:spLocks noGrp="1"/>
+          </p:cNvSpPr>
+          <p:nvPr>
+            <p:ph type="title"/>
+          </p:nvPr>
+        </p:nvSpPr>
+        <p:spPr>
+          <a:xfrm>
+            <a:off x="1097280" y="286604"/>
+            <a:ext cx="10058400" cy="1575534"/>
+          </a:xfrm>
+        </p:spPr>
+        <p:txBody>
+          <a:bodyPr>
+            <a:normAutofit/>
+          </a:bodyPr>
+          <a:lstStyle/>
+          <a:p>
+            <a:r>
+              <a:rPr lang="en-US" dirty="0"/>
+              <a:t>Sample Results (</a:t>
+            </a:r>
+            <a:r>
+              <a:rPr lang="en-US" dirty="0" err="1"/>
+              <a:t>PreSumm</a:t>
+            </a:r>
+            <a:r>
+              <a:rPr lang="en-US" dirty="0"/>
+              <a:t>)</a:t>
+            </a:r>
+          </a:p>
+        </p:txBody>
+      </p:sp>
+      <p:sp>
+        <p:nvSpPr>
+          <p:cNvPr id="3" name="Content Placeholder 2">
+            <a:extLst>
+              <a:ext uri="{FF2B5EF4-FFF2-40B4-BE49-F238E27FC236}">
+                <a16:creationId xmlns:a16="http://schemas.microsoft.com/office/drawing/2014/main" id="{2F67B85E-7F9D-4104-B6CD-FC83865A7E25}"/>
+              </a:ext>
+            </a:extLst>
+          </p:cNvPr>
+          <p:cNvSpPr>
+            <a:spLocks noGrp="1"/>
+          </p:cNvSpPr>
+          <p:nvPr>
+            <p:ph idx="1"/>
+          </p:nvPr>
+        </p:nvSpPr>
+        <p:spPr>
+          <a:xfrm>
+            <a:off x="1195320" y="1910262"/>
+            <a:ext cx="9960360" cy="3883709"/>
+          </a:xfrm>
+          <a:ln>
+            <a:noFill/>
+          </a:ln>
+        </p:spPr>
+        <p:style>
+          <a:lnRef idx="2">
+            <a:schemeClr val="dk1"/>
+          </a:lnRef>
+          <a:fillRef idx="1">
+            <a:schemeClr val="lt1"/>
+          </a:fillRef>
+          <a:effectRef idx="0">
+            <a:schemeClr val="dk1"/>
+          </a:effectRef>
+          <a:fontRef idx="minor">
+            <a:schemeClr val="dk1"/>
+          </a:fontRef>
+        </p:style>
+        <p:txBody>
+          <a:bodyPr anchor="t">
+            <a:normAutofit/>
+          </a:bodyPr>
+          <a:lstStyle/>
+          <a:p>
+            <a:pPr marL="0" lvl="0" indent="0">
+              <a:lnSpc>
+                <a:spcPct val="107000"/>
+              </a:lnSpc>
+              <a:spcBef>
+                <a:spcPts val="0"/>
+              </a:spcBef>
+              <a:spcAft>
+                <a:spcPts val="800"/>
+              </a:spcAft>
+              <a:buNone/>
+              <a:tabLst>
+                <a:tab pos="457200" algn="l"/>
+              </a:tabLst>
+            </a:pPr>
+            <a:r>
+              <a:rPr lang="en-US" sz="1600" b="1" dirty="0">
+                <a:latin typeface="Calibri" panose="020F0502020204030204" pitchFamily="34" charset="0"/>
+                <a:ea typeface="Calibri" panose="020F0502020204030204" pitchFamily="34" charset="0"/>
+                <a:cs typeface="Times New Roman" panose="02020603050405020304" pitchFamily="18" charset="0"/>
+              </a:rPr>
+              <a:t>Actual Headnote:</a:t>
+            </a:r>
+          </a:p>
+          <a:p>
+            <a:pPr marL="0" lvl="0" indent="0">
+              <a:lnSpc>
+                <a:spcPct val="107000"/>
+              </a:lnSpc>
+              <a:spcBef>
+                <a:spcPts val="0"/>
+              </a:spcBef>
+              <a:spcAft>
+                <a:spcPts val="800"/>
+              </a:spcAft>
+              <a:buNone/>
+              <a:tabLst>
+                <a:tab pos="457200" algn="l"/>
+              </a:tabLst>
+            </a:pPr>
+            <a:r>
+              <a:rPr lang="en-US" sz="1600" b="1" dirty="0">
+                <a:solidFill>
+                  <a:srgbClr val="FF0000"/>
+                </a:solidFill>
+                <a:latin typeface="Calibri" panose="020F0502020204030204" pitchFamily="34" charset="0"/>
+                <a:ea typeface="Calibri" panose="020F0502020204030204" pitchFamily="34" charset="0"/>
+                <a:cs typeface="Times New Roman" panose="02020603050405020304" pitchFamily="18" charset="0"/>
+              </a:rPr>
+              <a:t>the trial court lacked jurisdiction to extend defendants period of probation </a:t>
+            </a:r>
+            <a:r>
+              <a:rPr lang="en-US" sz="1600" dirty="0">
+                <a:latin typeface="Calibri" panose="020F0502020204030204" pitchFamily="34" charset="0"/>
+                <a:ea typeface="Calibri" panose="020F0502020204030204" pitchFamily="34" charset="0"/>
+                <a:cs typeface="Times New Roman" panose="02020603050405020304" pitchFamily="18" charset="0"/>
+              </a:rPr>
+              <a:t>, we </a:t>
+            </a:r>
+            <a:r>
+              <a:rPr lang="en-US" sz="1600" dirty="0">
+                <a:solidFill>
+                  <a:srgbClr val="0000FF"/>
+                </a:solidFill>
+                <a:latin typeface="Calibri" panose="020F0502020204030204" pitchFamily="34" charset="0"/>
+                <a:ea typeface="Calibri" panose="020F0502020204030204" pitchFamily="34" charset="0"/>
+                <a:cs typeface="Times New Roman" panose="02020603050405020304" pitchFamily="18" charset="0"/>
+              </a:rPr>
+              <a:t>arrest judgment and vacate </a:t>
+            </a:r>
+            <a:r>
+              <a:rPr lang="en-US" sz="1600" b="1" dirty="0">
+                <a:solidFill>
+                  <a:srgbClr val="0000FF"/>
+                </a:solidFill>
+                <a:latin typeface="Calibri" panose="020F0502020204030204" pitchFamily="34" charset="0"/>
+                <a:ea typeface="Calibri" panose="020F0502020204030204" pitchFamily="34" charset="0"/>
+                <a:cs typeface="Times New Roman" panose="02020603050405020304" pitchFamily="18" charset="0"/>
+              </a:rPr>
+              <a:t>the order modifying probation and imposing sentence</a:t>
+            </a:r>
+            <a:r>
+              <a:rPr lang="en-US" sz="1600" dirty="0">
+                <a:latin typeface="Calibri" panose="020F0502020204030204" pitchFamily="34" charset="0"/>
+                <a:ea typeface="Calibri" panose="020F0502020204030204" pitchFamily="34" charset="0"/>
+                <a:cs typeface="Times New Roman" panose="02020603050405020304" pitchFamily="18" charset="0"/>
+              </a:rPr>
+              <a:t>&lt;q&gt;on 21 </a:t>
+            </a:r>
+            <a:r>
+              <a:rPr lang="en-US" sz="1600" dirty="0" err="1">
+                <a:latin typeface="Calibri" panose="020F0502020204030204" pitchFamily="34" charset="0"/>
+                <a:ea typeface="Calibri" panose="020F0502020204030204" pitchFamily="34" charset="0"/>
+                <a:cs typeface="Times New Roman" panose="02020603050405020304" pitchFamily="18" charset="0"/>
+              </a:rPr>
+              <a:t>july</a:t>
+            </a:r>
+            <a:r>
+              <a:rPr lang="en-US" sz="1600" dirty="0">
+                <a:latin typeface="Calibri" panose="020F0502020204030204" pitchFamily="34" charset="0"/>
+                <a:ea typeface="Calibri" panose="020F0502020204030204" pitchFamily="34" charset="0"/>
+                <a:cs typeface="Times New Roman" panose="02020603050405020304" pitchFamily="18" charset="0"/>
+              </a:rPr>
+              <a:t> 2008 , defendant pled guilty to six counts of breaking or entering a motor vehicle and , in a combined judgment , was sentenced to two consecutive terms of six to eight months each&lt;q&gt;defendants probation expiration date was 20 </a:t>
+            </a:r>
+            <a:r>
+              <a:rPr lang="en-US" sz="1600" dirty="0" err="1">
+                <a:latin typeface="Calibri" panose="020F0502020204030204" pitchFamily="34" charset="0"/>
+                <a:ea typeface="Calibri" panose="020F0502020204030204" pitchFamily="34" charset="0"/>
+                <a:cs typeface="Times New Roman" panose="02020603050405020304" pitchFamily="18" charset="0"/>
+              </a:rPr>
+              <a:t>july</a:t>
+            </a:r>
+            <a:r>
+              <a:rPr lang="en-US" sz="1600" dirty="0">
+                <a:latin typeface="Calibri" panose="020F0502020204030204" pitchFamily="34" charset="0"/>
+                <a:ea typeface="Calibri" panose="020F0502020204030204" pitchFamily="34" charset="0"/>
+                <a:cs typeface="Times New Roman" panose="02020603050405020304" pitchFamily="18" charset="0"/>
+              </a:rPr>
+              <a:t> 2010 . on 1 march 2010 , defendants probation officer filed two new probation violation reports in the office of the clerk of superior court .</a:t>
+            </a:r>
+          </a:p>
+          <a:p>
+            <a:pPr marL="0" lvl="0" indent="0">
+              <a:lnSpc>
+                <a:spcPct val="107000"/>
+              </a:lnSpc>
+              <a:spcBef>
+                <a:spcPts val="0"/>
+              </a:spcBef>
+              <a:spcAft>
+                <a:spcPts val="800"/>
+              </a:spcAft>
+              <a:buNone/>
+              <a:tabLst>
+                <a:tab pos="457200" algn="l"/>
+              </a:tabLst>
+            </a:pPr>
+            <a:r>
+              <a:rPr lang="en-US" sz="1600" b="1" dirty="0">
+                <a:latin typeface="Calibri" panose="020F0502020204030204" pitchFamily="34" charset="0"/>
+                <a:ea typeface="Calibri" panose="020F0502020204030204" pitchFamily="34" charset="0"/>
+                <a:cs typeface="Times New Roman" panose="02020603050405020304" pitchFamily="18" charset="0"/>
+              </a:rPr>
+              <a:t>Generated Headnote (Abstractive):</a:t>
+            </a:r>
+          </a:p>
+          <a:p>
+            <a:pPr marL="0" lvl="0" indent="0">
+              <a:lnSpc>
+                <a:spcPct val="107000"/>
+              </a:lnSpc>
+              <a:spcBef>
+                <a:spcPts val="0"/>
+              </a:spcBef>
+              <a:spcAft>
+                <a:spcPts val="800"/>
+              </a:spcAft>
+              <a:buNone/>
+              <a:tabLst>
+                <a:tab pos="457200" algn="l"/>
+              </a:tabLst>
+            </a:pPr>
+            <a:r>
+              <a:rPr lang="en-US" sz="2400" dirty="0">
+                <a:latin typeface="Calibri" panose="020F0502020204030204" pitchFamily="34" charset="0"/>
+                <a:ea typeface="Calibri" panose="020F0502020204030204" pitchFamily="34" charset="0"/>
+                <a:cs typeface="Times New Roman" panose="02020603050405020304" pitchFamily="18" charset="0"/>
+              </a:rPr>
+              <a:t>probation and parole lack of jurisdiction judgment arrested order vacated </a:t>
+            </a:r>
+            <a:r>
+              <a:rPr lang="en-US" sz="2400" b="1" dirty="0">
+                <a:solidFill>
+                  <a:srgbClr val="FF0000"/>
+                </a:solidFill>
+                <a:latin typeface="Calibri" panose="020F0502020204030204" pitchFamily="34" charset="0"/>
+                <a:ea typeface="Calibri" panose="020F0502020204030204" pitchFamily="34" charset="0"/>
+                <a:cs typeface="Times New Roman" panose="02020603050405020304" pitchFamily="18" charset="0"/>
+              </a:rPr>
+              <a:t>the trial court lacked jurisdiction to extend defendants period of probation</a:t>
+            </a:r>
+            <a:r>
+              <a:rPr lang="en-US" sz="2400" b="1" dirty="0">
+                <a:latin typeface="Calibri" panose="020F0502020204030204" pitchFamily="34" charset="0"/>
+                <a:ea typeface="Calibri" panose="020F0502020204030204" pitchFamily="34" charset="0"/>
+                <a:cs typeface="Times New Roman" panose="02020603050405020304" pitchFamily="18" charset="0"/>
+              </a:rPr>
+              <a:t> </a:t>
+            </a:r>
+            <a:r>
+              <a:rPr lang="en-US" sz="2400" dirty="0">
+                <a:latin typeface="Calibri" panose="020F0502020204030204" pitchFamily="34" charset="0"/>
+                <a:ea typeface="Calibri" panose="020F0502020204030204" pitchFamily="34" charset="0"/>
+                <a:cs typeface="Times New Roman" panose="02020603050405020304" pitchFamily="18" charset="0"/>
+              </a:rPr>
+              <a:t>.&lt;q&gt;</a:t>
+            </a:r>
+            <a:r>
+              <a:rPr lang="en-US" sz="2400" dirty="0">
+                <a:solidFill>
+                  <a:srgbClr val="0000FF"/>
+                </a:solidFill>
+                <a:latin typeface="Calibri" panose="020F0502020204030204" pitchFamily="34" charset="0"/>
+                <a:ea typeface="Calibri" panose="020F0502020204030204" pitchFamily="34" charset="0"/>
+                <a:cs typeface="Times New Roman" panose="02020603050405020304" pitchFamily="18" charset="0"/>
+              </a:rPr>
+              <a:t>judgment was arrested and </a:t>
+            </a:r>
+            <a:r>
+              <a:rPr lang="en-US" sz="2400" b="1" dirty="0">
+                <a:solidFill>
+                  <a:srgbClr val="0000FF"/>
+                </a:solidFill>
+                <a:latin typeface="Calibri" panose="020F0502020204030204" pitchFamily="34" charset="0"/>
+                <a:ea typeface="Calibri" panose="020F0502020204030204" pitchFamily="34" charset="0"/>
+                <a:cs typeface="Times New Roman" panose="02020603050405020304" pitchFamily="18" charset="0"/>
+              </a:rPr>
+              <a:t>the order modifying probation and imposing sentence </a:t>
+            </a:r>
+            <a:r>
+              <a:rPr lang="en-US" sz="2400" dirty="0">
+                <a:solidFill>
+                  <a:srgbClr val="0000FF"/>
+                </a:solidFill>
+                <a:latin typeface="Calibri" panose="020F0502020204030204" pitchFamily="34" charset="0"/>
+                <a:ea typeface="Calibri" panose="020F0502020204030204" pitchFamily="34" charset="0"/>
+                <a:cs typeface="Times New Roman" panose="02020603050405020304" pitchFamily="18" charset="0"/>
+              </a:rPr>
+              <a:t>was vacated </a:t>
+            </a:r>
+            <a:r>
+              <a:rPr lang="en-US" sz="2400" dirty="0">
+                <a:latin typeface="Calibri" panose="020F0502020204030204" pitchFamily="34" charset="0"/>
+                <a:ea typeface="Calibri" panose="020F0502020204030204" pitchFamily="34" charset="0"/>
+                <a:cs typeface="Times New Roman" panose="02020603050405020304" pitchFamily="18" charset="0"/>
+              </a:rPr>
+              <a:t>.</a:t>
+            </a:r>
+          </a:p>
+        </p:txBody>
+      </p:sp>
+    </p:spTree>
+    <p:extLst>
+      <p:ext uri="{BB962C8B-B14F-4D97-AF65-F5344CB8AC3E}">
+        <p14:creationId xmlns:p14="http://schemas.microsoft.com/office/powerpoint/2010/main" val="1088070688"/>
       </p:ext>
     </p:extLst>
   </p:cSld>
@@ -7542,988 +7530,6 @@
       </p:grpSpPr>
       <p:sp>
         <p:nvSpPr>
-          <p:cNvPr id="2" name="Title 1">
-            <a:extLst>
-              <a:ext uri="{FF2B5EF4-FFF2-40B4-BE49-F238E27FC236}">
-                <a16:creationId xmlns:a16="http://schemas.microsoft.com/office/drawing/2014/main" id="{B15ED5BE-AD40-47E3-AA33-E7B1B63CB7CC}"/>
-              </a:ext>
-            </a:extLst>
-          </p:cNvPr>
-          <p:cNvSpPr>
-            <a:spLocks noGrp="1"/>
-          </p:cNvSpPr>
-          <p:nvPr>
-            <p:ph type="title"/>
-          </p:nvPr>
-        </p:nvSpPr>
-        <p:spPr>
-          <a:xfrm>
-            <a:off x="1097280" y="286604"/>
-            <a:ext cx="10058400" cy="1575534"/>
-          </a:xfrm>
-        </p:spPr>
-        <p:txBody>
-          <a:bodyPr>
-            <a:normAutofit/>
-          </a:bodyPr>
-          <a:lstStyle/>
-          <a:p>
-            <a:r>
-              <a:rPr lang="en-US" dirty="0"/>
-              <a:t>Sample Results (</a:t>
-            </a:r>
-            <a:r>
-              <a:rPr lang="en-US" dirty="0" err="1"/>
-              <a:t>PreSumm</a:t>
-            </a:r>
-            <a:r>
-              <a:rPr lang="en-US" dirty="0"/>
-              <a:t>)</a:t>
-            </a:r>
-          </a:p>
-        </p:txBody>
-      </p:sp>
-      <p:sp>
-        <p:nvSpPr>
-          <p:cNvPr id="3" name="Content Placeholder 2">
-            <a:extLst>
-              <a:ext uri="{FF2B5EF4-FFF2-40B4-BE49-F238E27FC236}">
-                <a16:creationId xmlns:a16="http://schemas.microsoft.com/office/drawing/2014/main" id="{2F67B85E-7F9D-4104-B6CD-FC83865A7E25}"/>
-              </a:ext>
-            </a:extLst>
-          </p:cNvPr>
-          <p:cNvSpPr>
-            <a:spLocks noGrp="1"/>
-          </p:cNvSpPr>
-          <p:nvPr>
-            <p:ph idx="1"/>
-          </p:nvPr>
-        </p:nvSpPr>
-        <p:spPr>
-          <a:xfrm>
-            <a:off x="1195320" y="1910262"/>
-            <a:ext cx="9960360" cy="3883709"/>
-          </a:xfrm>
-          <a:ln>
-            <a:noFill/>
-          </a:ln>
-        </p:spPr>
-        <p:style>
-          <a:lnRef idx="2">
-            <a:schemeClr val="dk1"/>
-          </a:lnRef>
-          <a:fillRef idx="1">
-            <a:schemeClr val="lt1"/>
-          </a:fillRef>
-          <a:effectRef idx="0">
-            <a:schemeClr val="dk1"/>
-          </a:effectRef>
-          <a:fontRef idx="minor">
-            <a:schemeClr val="dk1"/>
-          </a:fontRef>
-        </p:style>
-        <p:txBody>
-          <a:bodyPr anchor="t">
-            <a:normAutofit/>
-          </a:bodyPr>
-          <a:lstStyle/>
-          <a:p>
-            <a:pPr marL="0" lvl="0" indent="0">
-              <a:lnSpc>
-                <a:spcPct val="107000"/>
-              </a:lnSpc>
-              <a:spcBef>
-                <a:spcPts val="0"/>
-              </a:spcBef>
-              <a:spcAft>
-                <a:spcPts val="800"/>
-              </a:spcAft>
-              <a:buNone/>
-              <a:tabLst>
-                <a:tab pos="457200" algn="l"/>
-              </a:tabLst>
-            </a:pPr>
-            <a:r>
-              <a:rPr lang="en-US" sz="1600" b="1" dirty="0">
-                <a:latin typeface="Calibri" panose="020F0502020204030204" pitchFamily="34" charset="0"/>
-                <a:ea typeface="Calibri" panose="020F0502020204030204" pitchFamily="34" charset="0"/>
-                <a:cs typeface="Times New Roman" panose="02020603050405020304" pitchFamily="18" charset="0"/>
-              </a:rPr>
-              <a:t>Actual Headnote:</a:t>
-            </a:r>
-          </a:p>
-          <a:p>
-            <a:pPr marL="0" lvl="0" indent="0">
-              <a:lnSpc>
-                <a:spcPct val="107000"/>
-              </a:lnSpc>
-              <a:spcBef>
-                <a:spcPts val="0"/>
-              </a:spcBef>
-              <a:spcAft>
-                <a:spcPts val="800"/>
-              </a:spcAft>
-              <a:buNone/>
-              <a:tabLst>
-                <a:tab pos="457200" algn="l"/>
-              </a:tabLst>
-            </a:pPr>
-            <a:r>
-              <a:rPr lang="en-US" sz="1600" b="1" dirty="0">
-                <a:solidFill>
-                  <a:srgbClr val="FF0000"/>
-                </a:solidFill>
-                <a:latin typeface="Calibri" panose="020F0502020204030204" pitchFamily="34" charset="0"/>
-                <a:ea typeface="Calibri" panose="020F0502020204030204" pitchFamily="34" charset="0"/>
-                <a:cs typeface="Times New Roman" panose="02020603050405020304" pitchFamily="18" charset="0"/>
-              </a:rPr>
-              <a:t>the trial court lacked jurisdiction to extend defendants period of probation </a:t>
-            </a:r>
-            <a:r>
-              <a:rPr lang="en-US" sz="1600" dirty="0">
-                <a:latin typeface="Calibri" panose="020F0502020204030204" pitchFamily="34" charset="0"/>
-                <a:ea typeface="Calibri" panose="020F0502020204030204" pitchFamily="34" charset="0"/>
-                <a:cs typeface="Times New Roman" panose="02020603050405020304" pitchFamily="18" charset="0"/>
-              </a:rPr>
-              <a:t>, we </a:t>
-            </a:r>
-            <a:r>
-              <a:rPr lang="en-US" sz="1600" dirty="0">
-                <a:solidFill>
-                  <a:srgbClr val="0000FF"/>
-                </a:solidFill>
-                <a:latin typeface="Calibri" panose="020F0502020204030204" pitchFamily="34" charset="0"/>
-                <a:ea typeface="Calibri" panose="020F0502020204030204" pitchFamily="34" charset="0"/>
-                <a:cs typeface="Times New Roman" panose="02020603050405020304" pitchFamily="18" charset="0"/>
-              </a:rPr>
-              <a:t>arrest judgment and vacate </a:t>
-            </a:r>
-            <a:r>
-              <a:rPr lang="en-US" sz="1600" b="1" dirty="0">
-                <a:solidFill>
-                  <a:srgbClr val="0000FF"/>
-                </a:solidFill>
-                <a:latin typeface="Calibri" panose="020F0502020204030204" pitchFamily="34" charset="0"/>
-                <a:ea typeface="Calibri" panose="020F0502020204030204" pitchFamily="34" charset="0"/>
-                <a:cs typeface="Times New Roman" panose="02020603050405020304" pitchFamily="18" charset="0"/>
-              </a:rPr>
-              <a:t>the order modifying probation and imposing sentence</a:t>
-            </a:r>
-            <a:r>
-              <a:rPr lang="en-US" sz="1600" dirty="0">
-                <a:latin typeface="Calibri" panose="020F0502020204030204" pitchFamily="34" charset="0"/>
-                <a:ea typeface="Calibri" panose="020F0502020204030204" pitchFamily="34" charset="0"/>
-                <a:cs typeface="Times New Roman" panose="02020603050405020304" pitchFamily="18" charset="0"/>
-              </a:rPr>
-              <a:t>&lt;q&gt;on 21 </a:t>
-            </a:r>
-            <a:r>
-              <a:rPr lang="en-US" sz="1600" dirty="0" err="1">
-                <a:latin typeface="Calibri" panose="020F0502020204030204" pitchFamily="34" charset="0"/>
-                <a:ea typeface="Calibri" panose="020F0502020204030204" pitchFamily="34" charset="0"/>
-                <a:cs typeface="Times New Roman" panose="02020603050405020304" pitchFamily="18" charset="0"/>
-              </a:rPr>
-              <a:t>july</a:t>
-            </a:r>
-            <a:r>
-              <a:rPr lang="en-US" sz="1600" dirty="0">
-                <a:latin typeface="Calibri" panose="020F0502020204030204" pitchFamily="34" charset="0"/>
-                <a:ea typeface="Calibri" panose="020F0502020204030204" pitchFamily="34" charset="0"/>
-                <a:cs typeface="Times New Roman" panose="02020603050405020304" pitchFamily="18" charset="0"/>
-              </a:rPr>
-              <a:t> 2008 , defendant pled guilty to six counts of breaking or entering a motor vehicle and , in a combined judgment , was sentenced to two consecutive terms of six to eight months each&lt;q&gt;defendants probation expiration date was 20 </a:t>
-            </a:r>
-            <a:r>
-              <a:rPr lang="en-US" sz="1600" dirty="0" err="1">
-                <a:latin typeface="Calibri" panose="020F0502020204030204" pitchFamily="34" charset="0"/>
-                <a:ea typeface="Calibri" panose="020F0502020204030204" pitchFamily="34" charset="0"/>
-                <a:cs typeface="Times New Roman" panose="02020603050405020304" pitchFamily="18" charset="0"/>
-              </a:rPr>
-              <a:t>july</a:t>
-            </a:r>
-            <a:r>
-              <a:rPr lang="en-US" sz="1600" dirty="0">
-                <a:latin typeface="Calibri" panose="020F0502020204030204" pitchFamily="34" charset="0"/>
-                <a:ea typeface="Calibri" panose="020F0502020204030204" pitchFamily="34" charset="0"/>
-                <a:cs typeface="Times New Roman" panose="02020603050405020304" pitchFamily="18" charset="0"/>
-              </a:rPr>
-              <a:t> 2010 . on 1 march 2010 , defendants probation officer filed two new probation violation reports in the office of the clerk of superior court .</a:t>
-            </a:r>
-          </a:p>
-          <a:p>
-            <a:pPr marL="0" lvl="0" indent="0">
-              <a:lnSpc>
-                <a:spcPct val="107000"/>
-              </a:lnSpc>
-              <a:spcBef>
-                <a:spcPts val="0"/>
-              </a:spcBef>
-              <a:spcAft>
-                <a:spcPts val="800"/>
-              </a:spcAft>
-              <a:buNone/>
-              <a:tabLst>
-                <a:tab pos="457200" algn="l"/>
-              </a:tabLst>
-            </a:pPr>
-            <a:r>
-              <a:rPr lang="en-US" sz="1600" b="1" dirty="0">
-                <a:latin typeface="Calibri" panose="020F0502020204030204" pitchFamily="34" charset="0"/>
-                <a:ea typeface="Calibri" panose="020F0502020204030204" pitchFamily="34" charset="0"/>
-                <a:cs typeface="Times New Roman" panose="02020603050405020304" pitchFamily="18" charset="0"/>
-              </a:rPr>
-              <a:t>Generated Headnote (Abstractive):</a:t>
-            </a:r>
-          </a:p>
-          <a:p>
-            <a:pPr marL="0" lvl="0" indent="0">
-              <a:lnSpc>
-                <a:spcPct val="107000"/>
-              </a:lnSpc>
-              <a:spcBef>
-                <a:spcPts val="0"/>
-              </a:spcBef>
-              <a:spcAft>
-                <a:spcPts val="800"/>
-              </a:spcAft>
-              <a:buNone/>
-              <a:tabLst>
-                <a:tab pos="457200" algn="l"/>
-              </a:tabLst>
-            </a:pPr>
-            <a:r>
-              <a:rPr lang="en-US" sz="2400" dirty="0">
-                <a:latin typeface="Calibri" panose="020F0502020204030204" pitchFamily="34" charset="0"/>
-                <a:ea typeface="Calibri" panose="020F0502020204030204" pitchFamily="34" charset="0"/>
-                <a:cs typeface="Times New Roman" panose="02020603050405020304" pitchFamily="18" charset="0"/>
-              </a:rPr>
-              <a:t>probation and parole lack of jurisdiction judgment arrested order vacated </a:t>
-            </a:r>
-            <a:r>
-              <a:rPr lang="en-US" sz="2400" b="1" dirty="0">
-                <a:solidFill>
-                  <a:srgbClr val="FF0000"/>
-                </a:solidFill>
-                <a:latin typeface="Calibri" panose="020F0502020204030204" pitchFamily="34" charset="0"/>
-                <a:ea typeface="Calibri" panose="020F0502020204030204" pitchFamily="34" charset="0"/>
-                <a:cs typeface="Times New Roman" panose="02020603050405020304" pitchFamily="18" charset="0"/>
-              </a:rPr>
-              <a:t>the trial court lacked jurisdiction to extend defendants period of probation</a:t>
-            </a:r>
-            <a:r>
-              <a:rPr lang="en-US" sz="2400" b="1" dirty="0">
-                <a:latin typeface="Calibri" panose="020F0502020204030204" pitchFamily="34" charset="0"/>
-                <a:ea typeface="Calibri" panose="020F0502020204030204" pitchFamily="34" charset="0"/>
-                <a:cs typeface="Times New Roman" panose="02020603050405020304" pitchFamily="18" charset="0"/>
-              </a:rPr>
-              <a:t> </a:t>
-            </a:r>
-            <a:r>
-              <a:rPr lang="en-US" sz="2400" dirty="0">
-                <a:latin typeface="Calibri" panose="020F0502020204030204" pitchFamily="34" charset="0"/>
-                <a:ea typeface="Calibri" panose="020F0502020204030204" pitchFamily="34" charset="0"/>
-                <a:cs typeface="Times New Roman" panose="02020603050405020304" pitchFamily="18" charset="0"/>
-              </a:rPr>
-              <a:t>.&lt;q&gt;</a:t>
-            </a:r>
-            <a:r>
-              <a:rPr lang="en-US" sz="2400" dirty="0">
-                <a:solidFill>
-                  <a:srgbClr val="0000FF"/>
-                </a:solidFill>
-                <a:latin typeface="Calibri" panose="020F0502020204030204" pitchFamily="34" charset="0"/>
-                <a:ea typeface="Calibri" panose="020F0502020204030204" pitchFamily="34" charset="0"/>
-                <a:cs typeface="Times New Roman" panose="02020603050405020304" pitchFamily="18" charset="0"/>
-              </a:rPr>
-              <a:t>judgment was arrested and </a:t>
-            </a:r>
-            <a:r>
-              <a:rPr lang="en-US" sz="2400" b="1" dirty="0">
-                <a:solidFill>
-                  <a:srgbClr val="0000FF"/>
-                </a:solidFill>
-                <a:latin typeface="Calibri" panose="020F0502020204030204" pitchFamily="34" charset="0"/>
-                <a:ea typeface="Calibri" panose="020F0502020204030204" pitchFamily="34" charset="0"/>
-                <a:cs typeface="Times New Roman" panose="02020603050405020304" pitchFamily="18" charset="0"/>
-              </a:rPr>
-              <a:t>the order modifying probation and imposing sentence </a:t>
-            </a:r>
-            <a:r>
-              <a:rPr lang="en-US" sz="2400" dirty="0">
-                <a:solidFill>
-                  <a:srgbClr val="0000FF"/>
-                </a:solidFill>
-                <a:latin typeface="Calibri" panose="020F0502020204030204" pitchFamily="34" charset="0"/>
-                <a:ea typeface="Calibri" panose="020F0502020204030204" pitchFamily="34" charset="0"/>
-                <a:cs typeface="Times New Roman" panose="02020603050405020304" pitchFamily="18" charset="0"/>
-              </a:rPr>
-              <a:t>was vacated </a:t>
-            </a:r>
-            <a:r>
-              <a:rPr lang="en-US" sz="2400" dirty="0">
-                <a:latin typeface="Calibri" panose="020F0502020204030204" pitchFamily="34" charset="0"/>
-                <a:ea typeface="Calibri" panose="020F0502020204030204" pitchFamily="34" charset="0"/>
-                <a:cs typeface="Times New Roman" panose="02020603050405020304" pitchFamily="18" charset="0"/>
-              </a:rPr>
-              <a:t>.</a:t>
-            </a:r>
-          </a:p>
-        </p:txBody>
-      </p:sp>
-      <p:sp>
-        <p:nvSpPr>
-          <p:cNvPr id="4" name="Rectangle 3">
-            <a:extLst>
-              <a:ext uri="{FF2B5EF4-FFF2-40B4-BE49-F238E27FC236}">
-                <a16:creationId xmlns:a16="http://schemas.microsoft.com/office/drawing/2014/main" id="{0FD55E13-51A8-4389-9F7D-8C3F8EE40B47}"/>
-              </a:ext>
-            </a:extLst>
-          </p:cNvPr>
-          <p:cNvSpPr/>
-          <p:nvPr/>
-        </p:nvSpPr>
-        <p:spPr>
-          <a:xfrm>
-            <a:off x="3857105" y="4096422"/>
-            <a:ext cx="4638502" cy="392451"/>
-          </a:xfrm>
-          <a:prstGeom prst="rect">
-            <a:avLst/>
-          </a:prstGeom>
-          <a:noFill/>
-        </p:spPr>
-        <p:style>
-          <a:lnRef idx="2">
-            <a:schemeClr val="accent1">
-              <a:shade val="50000"/>
-            </a:schemeClr>
-          </a:lnRef>
-          <a:fillRef idx="1">
-            <a:schemeClr val="accent1"/>
-          </a:fillRef>
-          <a:effectRef idx="0">
-            <a:schemeClr val="accent1"/>
-          </a:effectRef>
-          <a:fontRef idx="minor">
-            <a:schemeClr val="lt1"/>
-          </a:fontRef>
-        </p:style>
-        <p:txBody>
-          <a:bodyPr rtlCol="0" anchor="ctr"/>
-          <a:lstStyle/>
-          <a:p>
-            <a:pPr algn="ctr"/>
-            <a:endParaRPr lang="en-US"/>
-          </a:p>
-        </p:txBody>
-      </p:sp>
-      <p:sp>
-        <p:nvSpPr>
-          <p:cNvPr id="5" name="Speech Bubble: Rectangle 4">
-            <a:extLst>
-              <a:ext uri="{FF2B5EF4-FFF2-40B4-BE49-F238E27FC236}">
-                <a16:creationId xmlns:a16="http://schemas.microsoft.com/office/drawing/2014/main" id="{49ECF7E3-8677-45A8-9AB1-21C2468A1A47}"/>
-              </a:ext>
-            </a:extLst>
-          </p:cNvPr>
-          <p:cNvSpPr/>
-          <p:nvPr/>
-        </p:nvSpPr>
-        <p:spPr>
-          <a:xfrm>
-            <a:off x="6175499" y="3640975"/>
-            <a:ext cx="1704966" cy="232756"/>
-          </a:xfrm>
-          <a:prstGeom prst="wedgeRectCallout">
-            <a:avLst>
-              <a:gd name="adj1" fmla="val -37652"/>
-              <a:gd name="adj2" fmla="val 126500"/>
-            </a:avLst>
-          </a:prstGeom>
-        </p:spPr>
-        <p:style>
-          <a:lnRef idx="2">
-            <a:schemeClr val="accent3">
-              <a:shade val="50000"/>
-            </a:schemeClr>
-          </a:lnRef>
-          <a:fillRef idx="1">
-            <a:schemeClr val="accent3"/>
-          </a:fillRef>
-          <a:effectRef idx="0">
-            <a:schemeClr val="accent3"/>
-          </a:effectRef>
-          <a:fontRef idx="minor">
-            <a:schemeClr val="lt1"/>
-          </a:fontRef>
-        </p:style>
-        <p:txBody>
-          <a:bodyPr rtlCol="0" anchor="ctr"/>
-          <a:lstStyle/>
-          <a:p>
-            <a:pPr algn="ctr"/>
-            <a:r>
-              <a:rPr lang="en-US" sz="1600" dirty="0"/>
-              <a:t>Non-sensical</a:t>
-            </a:r>
-          </a:p>
-        </p:txBody>
-      </p:sp>
-      <p:sp>
-        <p:nvSpPr>
-          <p:cNvPr id="6" name="Speech Bubble: Rectangle 5">
-            <a:extLst>
-              <a:ext uri="{FF2B5EF4-FFF2-40B4-BE49-F238E27FC236}">
-                <a16:creationId xmlns:a16="http://schemas.microsoft.com/office/drawing/2014/main" id="{F96A9F5F-F8DA-4777-BF86-A87B0522FB19}"/>
-              </a:ext>
-            </a:extLst>
-          </p:cNvPr>
-          <p:cNvSpPr/>
-          <p:nvPr/>
-        </p:nvSpPr>
-        <p:spPr>
-          <a:xfrm>
-            <a:off x="4230321" y="5537856"/>
-            <a:ext cx="1704966" cy="232756"/>
-          </a:xfrm>
-          <a:prstGeom prst="wedgeRectCallout">
-            <a:avLst>
-              <a:gd name="adj1" fmla="val -37651"/>
-              <a:gd name="adj2" fmla="val -141358"/>
-            </a:avLst>
-          </a:prstGeom>
-        </p:spPr>
-        <p:style>
-          <a:lnRef idx="2">
-            <a:schemeClr val="accent3">
-              <a:shade val="50000"/>
-            </a:schemeClr>
-          </a:lnRef>
-          <a:fillRef idx="1">
-            <a:schemeClr val="accent3"/>
-          </a:fillRef>
-          <a:effectRef idx="0">
-            <a:schemeClr val="accent3"/>
-          </a:effectRef>
-          <a:fontRef idx="minor">
-            <a:schemeClr val="lt1"/>
-          </a:fontRef>
-        </p:style>
-        <p:txBody>
-          <a:bodyPr rtlCol="0" anchor="ctr"/>
-          <a:lstStyle/>
-          <a:p>
-            <a:pPr algn="ctr"/>
-            <a:r>
-              <a:rPr lang="en-US" sz="1600" dirty="0"/>
-              <a:t>Non-sensical</a:t>
-            </a:r>
-          </a:p>
-        </p:txBody>
-      </p:sp>
-      <p:sp>
-        <p:nvSpPr>
-          <p:cNvPr id="7" name="Rectangle 6">
-            <a:extLst>
-              <a:ext uri="{FF2B5EF4-FFF2-40B4-BE49-F238E27FC236}">
-                <a16:creationId xmlns:a16="http://schemas.microsoft.com/office/drawing/2014/main" id="{B91768A9-EB14-437C-93E8-CDBA89A369F4}"/>
-              </a:ext>
-            </a:extLst>
-          </p:cNvPr>
-          <p:cNvSpPr/>
-          <p:nvPr/>
-        </p:nvSpPr>
-        <p:spPr>
-          <a:xfrm>
-            <a:off x="1715192" y="4875328"/>
-            <a:ext cx="2906684" cy="392451"/>
-          </a:xfrm>
-          <a:prstGeom prst="rect">
-            <a:avLst/>
-          </a:prstGeom>
-          <a:noFill/>
-        </p:spPr>
-        <p:style>
-          <a:lnRef idx="2">
-            <a:schemeClr val="accent1">
-              <a:shade val="50000"/>
-            </a:schemeClr>
-          </a:lnRef>
-          <a:fillRef idx="1">
-            <a:schemeClr val="accent1"/>
-          </a:fillRef>
-          <a:effectRef idx="0">
-            <a:schemeClr val="accent1"/>
-          </a:effectRef>
-          <a:fontRef idx="minor">
-            <a:schemeClr val="lt1"/>
-          </a:fontRef>
-        </p:style>
-        <p:txBody>
-          <a:bodyPr rtlCol="0" anchor="ctr"/>
-          <a:lstStyle/>
-          <a:p>
-            <a:pPr algn="ctr"/>
-            <a:endParaRPr lang="en-US"/>
-          </a:p>
-        </p:txBody>
-      </p:sp>
-    </p:spTree>
-    <p:extLst>
-      <p:ext uri="{BB962C8B-B14F-4D97-AF65-F5344CB8AC3E}">
-        <p14:creationId xmlns:p14="http://schemas.microsoft.com/office/powerpoint/2010/main" val="1088070688"/>
-      </p:ext>
-    </p:extLst>
-  </p:cSld>
-  <p:clrMapOvr>
-    <a:masterClrMapping/>
-  </p:clrMapOvr>
-  <p:timing>
-    <p:tnLst>
-      <p:par>
-        <p:cTn id="1" dur="indefinite" restart="never" nodeType="tmRoot">
-          <p:childTnLst>
-            <p:seq concurrent="1" nextAc="seek">
-              <p:cTn id="2" dur="indefinite" nodeType="mainSeq">
-                <p:childTnLst>
-                  <p:par>
-                    <p:cTn id="3" fill="hold">
-                      <p:stCondLst>
-                        <p:cond delay="indefinite"/>
-                      </p:stCondLst>
-                      <p:childTnLst>
-                        <p:par>
-                          <p:cTn id="4" fill="hold">
-                            <p:stCondLst>
-                              <p:cond delay="0"/>
-                            </p:stCondLst>
-                            <p:childTnLst>
-                              <p:par>
-                                <p:cTn id="5" presetID="1" presetClass="entr" presetSubtype="0" fill="hold" grpId="0" nodeType="clickEffect">
-                                  <p:stCondLst>
-                                    <p:cond delay="0"/>
-                                  </p:stCondLst>
-                                  <p:childTnLst>
-                                    <p:set>
-                                      <p:cBhvr>
-                                        <p:cTn id="6" dur="1" fill="hold">
-                                          <p:stCondLst>
-                                            <p:cond delay="0"/>
-                                          </p:stCondLst>
-                                        </p:cTn>
-                                        <p:tgtEl>
-                                          <p:spTgt spid="3">
-                                            <p:bg/>
-                                          </p:spTgt>
-                                        </p:tgtEl>
-                                        <p:attrNameLst>
-                                          <p:attrName>style.visibility</p:attrName>
-                                        </p:attrNameLst>
-                                      </p:cBhvr>
-                                      <p:to>
-                                        <p:strVal val="visible"/>
-                                      </p:to>
-                                    </p:set>
-                                  </p:childTnLst>
-                                </p:cTn>
-                              </p:par>
-                            </p:childTnLst>
-                          </p:cTn>
-                        </p:par>
-                      </p:childTnLst>
-                    </p:cTn>
-                  </p:par>
-                  <p:par>
-                    <p:cTn id="7" fill="hold">
-                      <p:stCondLst>
-                        <p:cond delay="indefinite"/>
-                      </p:stCondLst>
-                      <p:childTnLst>
-                        <p:par>
-                          <p:cTn id="8" fill="hold">
-                            <p:stCondLst>
-                              <p:cond delay="0"/>
-                            </p:stCondLst>
-                            <p:childTnLst>
-                              <p:par>
-                                <p:cTn id="9" presetID="1" presetClass="entr" presetSubtype="0" fill="hold" grpId="0" nodeType="clickEffect">
-                                  <p:stCondLst>
-                                    <p:cond delay="0"/>
-                                  </p:stCondLst>
-                                  <p:childTnLst>
-                                    <p:set>
-                                      <p:cBhvr>
-                                        <p:cTn id="10" dur="1" fill="hold">
-                                          <p:stCondLst>
-                                            <p:cond delay="0"/>
-                                          </p:stCondLst>
-                                        </p:cTn>
-                                        <p:tgtEl>
-                                          <p:spTgt spid="3">
-                                            <p:txEl>
-                                              <p:pRg st="0" end="0"/>
-                                            </p:txEl>
-                                          </p:spTgt>
-                                        </p:tgtEl>
-                                        <p:attrNameLst>
-                                          <p:attrName>style.visibility</p:attrName>
-                                        </p:attrNameLst>
-                                      </p:cBhvr>
-                                      <p:to>
-                                        <p:strVal val="visible"/>
-                                      </p:to>
-                                    </p:set>
-                                  </p:childTnLst>
-                                </p:cTn>
-                              </p:par>
-                            </p:childTnLst>
-                          </p:cTn>
-                        </p:par>
-                      </p:childTnLst>
-                    </p:cTn>
-                  </p:par>
-                  <p:par>
-                    <p:cTn id="11" fill="hold">
-                      <p:stCondLst>
-                        <p:cond delay="indefinite"/>
-                      </p:stCondLst>
-                      <p:childTnLst>
-                        <p:par>
-                          <p:cTn id="12" fill="hold">
-                            <p:stCondLst>
-                              <p:cond delay="0"/>
-                            </p:stCondLst>
-                            <p:childTnLst>
-                              <p:par>
-                                <p:cTn id="13" presetID="1" presetClass="entr" presetSubtype="0" fill="hold" grpId="0" nodeType="clickEffect">
-                                  <p:stCondLst>
-                                    <p:cond delay="0"/>
-                                  </p:stCondLst>
-                                  <p:childTnLst>
-                                    <p:set>
-                                      <p:cBhvr>
-                                        <p:cTn id="14" dur="1" fill="hold">
-                                          <p:stCondLst>
-                                            <p:cond delay="0"/>
-                                          </p:stCondLst>
-                                        </p:cTn>
-                                        <p:tgtEl>
-                                          <p:spTgt spid="3">
-                                            <p:txEl>
-                                              <p:pRg st="1" end="1"/>
-                                            </p:txEl>
-                                          </p:spTgt>
-                                        </p:tgtEl>
-                                        <p:attrNameLst>
-                                          <p:attrName>style.visibility</p:attrName>
-                                        </p:attrNameLst>
-                                      </p:cBhvr>
-                                      <p:to>
-                                        <p:strVal val="visible"/>
-                                      </p:to>
-                                    </p:set>
-                                  </p:childTnLst>
-                                </p:cTn>
-                              </p:par>
-                            </p:childTnLst>
-                          </p:cTn>
-                        </p:par>
-                      </p:childTnLst>
-                    </p:cTn>
-                  </p:par>
-                  <p:par>
-                    <p:cTn id="15" fill="hold">
-                      <p:stCondLst>
-                        <p:cond delay="indefinite"/>
-                      </p:stCondLst>
-                      <p:childTnLst>
-                        <p:par>
-                          <p:cTn id="16" fill="hold">
-                            <p:stCondLst>
-                              <p:cond delay="0"/>
-                            </p:stCondLst>
-                            <p:childTnLst>
-                              <p:par>
-                                <p:cTn id="17" presetID="1" presetClass="entr" presetSubtype="0" fill="hold" grpId="0" nodeType="clickEffect">
-                                  <p:stCondLst>
-                                    <p:cond delay="0"/>
-                                  </p:stCondLst>
-                                  <p:childTnLst>
-                                    <p:set>
-                                      <p:cBhvr>
-                                        <p:cTn id="18" dur="1" fill="hold">
-                                          <p:stCondLst>
-                                            <p:cond delay="0"/>
-                                          </p:stCondLst>
-                                        </p:cTn>
-                                        <p:tgtEl>
-                                          <p:spTgt spid="3">
-                                            <p:txEl>
-                                              <p:pRg st="2" end="2"/>
-                                            </p:txEl>
-                                          </p:spTgt>
-                                        </p:tgtEl>
-                                        <p:attrNameLst>
-                                          <p:attrName>style.visibility</p:attrName>
-                                        </p:attrNameLst>
-                                      </p:cBhvr>
-                                      <p:to>
-                                        <p:strVal val="visible"/>
-                                      </p:to>
-                                    </p:set>
-                                  </p:childTnLst>
-                                </p:cTn>
-                              </p:par>
-                            </p:childTnLst>
-                          </p:cTn>
-                        </p:par>
-                      </p:childTnLst>
-                    </p:cTn>
-                  </p:par>
-                  <p:par>
-                    <p:cTn id="19" fill="hold">
-                      <p:stCondLst>
-                        <p:cond delay="indefinite"/>
-                      </p:stCondLst>
-                      <p:childTnLst>
-                        <p:par>
-                          <p:cTn id="20" fill="hold">
-                            <p:stCondLst>
-                              <p:cond delay="0"/>
-                            </p:stCondLst>
-                            <p:childTnLst>
-                              <p:par>
-                                <p:cTn id="21" presetID="1" presetClass="entr" presetSubtype="0" fill="hold" grpId="0" nodeType="clickEffect">
-                                  <p:stCondLst>
-                                    <p:cond delay="0"/>
-                                  </p:stCondLst>
-                                  <p:childTnLst>
-                                    <p:set>
-                                      <p:cBhvr>
-                                        <p:cTn id="22" dur="1" fill="hold">
-                                          <p:stCondLst>
-                                            <p:cond delay="0"/>
-                                          </p:stCondLst>
-                                        </p:cTn>
-                                        <p:tgtEl>
-                                          <p:spTgt spid="3">
-                                            <p:txEl>
-                                              <p:pRg st="3" end="3"/>
-                                            </p:txEl>
-                                          </p:spTgt>
-                                        </p:tgtEl>
-                                        <p:attrNameLst>
-                                          <p:attrName>style.visibility</p:attrName>
-                                        </p:attrNameLst>
-                                      </p:cBhvr>
-                                      <p:to>
-                                        <p:strVal val="visible"/>
-                                      </p:to>
-                                    </p:set>
-                                  </p:childTnLst>
-                                </p:cTn>
-                              </p:par>
-                            </p:childTnLst>
-                          </p:cTn>
-                        </p:par>
-                      </p:childTnLst>
-                    </p:cTn>
-                  </p:par>
-                  <p:par>
-                    <p:cTn id="23" fill="hold">
-                      <p:stCondLst>
-                        <p:cond delay="indefinite"/>
-                      </p:stCondLst>
-                      <p:childTnLst>
-                        <p:par>
-                          <p:cTn id="24" fill="hold">
-                            <p:stCondLst>
-                              <p:cond delay="0"/>
-                            </p:stCondLst>
-                            <p:childTnLst>
-                              <p:par>
-                                <p:cTn id="25" presetID="1" presetClass="entr" presetSubtype="0" fill="hold" grpId="0" nodeType="clickEffect">
-                                  <p:stCondLst>
-                                    <p:cond delay="0"/>
-                                  </p:stCondLst>
-                                  <p:childTnLst>
-                                    <p:set>
-                                      <p:cBhvr>
-                                        <p:cTn id="26" dur="1" fill="hold">
-                                          <p:stCondLst>
-                                            <p:cond delay="0"/>
-                                          </p:stCondLst>
-                                        </p:cTn>
-                                        <p:tgtEl>
-                                          <p:spTgt spid="5"/>
-                                        </p:tgtEl>
-                                        <p:attrNameLst>
-                                          <p:attrName>style.visibility</p:attrName>
-                                        </p:attrNameLst>
-                                      </p:cBhvr>
-                                      <p:to>
-                                        <p:strVal val="visible"/>
-                                      </p:to>
-                                    </p:set>
-                                  </p:childTnLst>
-                                </p:cTn>
-                              </p:par>
-                              <p:par>
-                                <p:cTn id="27" presetID="1" presetClass="entr" presetSubtype="0" fill="hold" grpId="0" nodeType="withEffect">
-                                  <p:stCondLst>
-                                    <p:cond delay="0"/>
-                                  </p:stCondLst>
-                                  <p:childTnLst>
-                                    <p:set>
-                                      <p:cBhvr>
-                                        <p:cTn id="28" dur="1" fill="hold">
-                                          <p:stCondLst>
-                                            <p:cond delay="0"/>
-                                          </p:stCondLst>
-                                        </p:cTn>
-                                        <p:tgtEl>
-                                          <p:spTgt spid="4"/>
-                                        </p:tgtEl>
-                                        <p:attrNameLst>
-                                          <p:attrName>style.visibility</p:attrName>
-                                        </p:attrNameLst>
-                                      </p:cBhvr>
-                                      <p:to>
-                                        <p:strVal val="visible"/>
-                                      </p:to>
-                                    </p:set>
-                                  </p:childTnLst>
-                                </p:cTn>
-                              </p:par>
-                            </p:childTnLst>
-                          </p:cTn>
-                        </p:par>
-                      </p:childTnLst>
-                    </p:cTn>
-                  </p:par>
-                  <p:par>
-                    <p:cTn id="29" fill="hold">
-                      <p:stCondLst>
-                        <p:cond delay="indefinite"/>
-                      </p:stCondLst>
-                      <p:childTnLst>
-                        <p:par>
-                          <p:cTn id="30" fill="hold">
-                            <p:stCondLst>
-                              <p:cond delay="0"/>
-                            </p:stCondLst>
-                            <p:childTnLst>
-                              <p:par>
-                                <p:cTn id="31" presetID="1" presetClass="entr" presetSubtype="0" fill="hold" grpId="0" nodeType="clickEffect">
-                                  <p:stCondLst>
-                                    <p:cond delay="0"/>
-                                  </p:stCondLst>
-                                  <p:childTnLst>
-                                    <p:set>
-                                      <p:cBhvr>
-                                        <p:cTn id="32" dur="1" fill="hold">
-                                          <p:stCondLst>
-                                            <p:cond delay="0"/>
-                                          </p:stCondLst>
-                                        </p:cTn>
-                                        <p:tgtEl>
-                                          <p:spTgt spid="7"/>
-                                        </p:tgtEl>
-                                        <p:attrNameLst>
-                                          <p:attrName>style.visibility</p:attrName>
-                                        </p:attrNameLst>
-                                      </p:cBhvr>
-                                      <p:to>
-                                        <p:strVal val="visible"/>
-                                      </p:to>
-                                    </p:set>
-                                  </p:childTnLst>
-                                </p:cTn>
-                              </p:par>
-                              <p:par>
-                                <p:cTn id="33" presetID="1" presetClass="entr" presetSubtype="0" fill="hold" grpId="0" nodeType="withEffect">
-                                  <p:stCondLst>
-                                    <p:cond delay="0"/>
-                                  </p:stCondLst>
-                                  <p:childTnLst>
-                                    <p:set>
-                                      <p:cBhvr>
-                                        <p:cTn id="34" dur="1" fill="hold">
-                                          <p:stCondLst>
-                                            <p:cond delay="0"/>
-                                          </p:stCondLst>
-                                        </p:cTn>
-                                        <p:tgtEl>
-                                          <p:spTgt spid="6"/>
-                                        </p:tgtEl>
-                                        <p:attrNameLst>
-                                          <p:attrName>style.visibility</p:attrName>
-                                        </p:attrNameLst>
-                                      </p:cBhvr>
-                                      <p:to>
-                                        <p:strVal val="visible"/>
-                                      </p:to>
-                                    </p:set>
-                                  </p:childTnLst>
-                                </p:cTn>
-                              </p:par>
-                            </p:childTnLst>
-                          </p:cTn>
-                        </p:par>
-                      </p:childTnLst>
-                    </p:cTn>
-                  </p:par>
-                </p:childTnLst>
-              </p:cTn>
-              <p:prevCondLst>
-                <p:cond evt="onPrev" delay="0">
-                  <p:tgtEl>
-                    <p:sldTgt/>
-                  </p:tgtEl>
-                </p:cond>
-              </p:prevCondLst>
-              <p:nextCondLst>
-                <p:cond evt="onNext" delay="0">
-                  <p:tgtEl>
-                    <p:sldTgt/>
-                  </p:tgtEl>
-                </p:cond>
-              </p:nextCondLst>
-            </p:seq>
-          </p:childTnLst>
-        </p:cTn>
-      </p:par>
-    </p:tnLst>
-    <p:bldLst>
-      <p:bldP spid="3" grpId="0" build="p" animBg="1"/>
-      <p:bldP spid="4" grpId="0" animBg="1"/>
-      <p:bldP spid="5" grpId="0" animBg="1"/>
-      <p:bldP spid="6" grpId="0" animBg="1"/>
-      <p:bldP spid="7" grpId="0" animBg="1"/>
-    </p:bldLst>
-  </p:timing>
-</p:sld>
-</file>
-
-<file path=ppt/slides/slide15.xml><?xml version="1.0" encoding="utf-8"?>
-<p:sld xmlns:a="http://schemas.openxmlformats.org/drawingml/2006/main" xmlns:r="http://schemas.openxmlformats.org/officeDocument/2006/relationships" xmlns:p="http://schemas.openxmlformats.org/presentationml/2006/main">
-  <p:cSld>
-    <p:spTree>
-      <p:nvGrpSpPr>
-        <p:cNvPr id="1" name=""/>
-        <p:cNvGrpSpPr/>
-        <p:nvPr/>
-      </p:nvGrpSpPr>
-      <p:grpSpPr>
-        <a:xfrm>
-          <a:off x="0" y="0"/>
-          <a:ext cx="0" cy="0"/>
-          <a:chOff x="0" y="0"/>
-          <a:chExt cx="0" cy="0"/>
-        </a:xfrm>
-      </p:grpSpPr>
-      <p:sp>
-        <p:nvSpPr>
           <p:cNvPr id="2" name="Title 1"/>
           <p:cNvSpPr>
             <a:spLocks noGrp="1"/>
@@ -8844,7 +7850,7 @@
 </p:sld>
 </file>
 
-<file path=ppt/slides/slide16.xml><?xml version="1.0" encoding="utf-8"?>
+<file path=ppt/slides/slide15.xml><?xml version="1.0" encoding="utf-8"?>
 <p:sld xmlns:a="http://schemas.openxmlformats.org/drawingml/2006/main" xmlns:r="http://schemas.openxmlformats.org/officeDocument/2006/relationships" xmlns:p="http://schemas.openxmlformats.org/presentationml/2006/main">
   <p:cSld>
     <p:spTree>
@@ -8896,7 +7902,7 @@
         <p:spPr/>
         <p:txBody>
           <a:bodyPr>
-            <a:normAutofit fontScale="92500" lnSpcReduction="10000"/>
+            <a:normAutofit/>
           </a:bodyPr>
           <a:lstStyle/>
           <a:p>
@@ -8993,23 +7999,7 @@
             </a:pPr>
             <a:r>
               <a:rPr lang="en-US" sz="2000" dirty="0"/>
-              <a:t>This is also evident from samples of headnotes that we saw where we can find more sentences match the headnotes when we use the </a:t>
-            </a:r>
-            <a:r>
-              <a:rPr lang="en-US" sz="2000" dirty="0" err="1"/>
-              <a:t>MathSum</a:t>
-            </a:r>
-            <a:r>
-              <a:rPr lang="en-US" sz="2000" dirty="0"/>
-              <a:t> model than when we use the </a:t>
-            </a:r>
-            <a:r>
-              <a:rPr lang="en-US" sz="2000" dirty="0" err="1"/>
-              <a:t>PreSumm</a:t>
-            </a:r>
-            <a:r>
-              <a:rPr lang="en-US" sz="2000" dirty="0"/>
-              <a:t> model</a:t>
+              <a:t>Training improved the performance, more so for abstractive models</a:t>
             </a:r>
           </a:p>
           <a:p>
@@ -9424,7 +8414,7 @@
 </p:sld>
 </file>
 
-<file path=ppt/slides/slide17.xml><?xml version="1.0" encoding="utf-8"?>
+<file path=ppt/slides/slide16.xml><?xml version="1.0" encoding="utf-8"?>
 <p:sld xmlns:a="http://schemas.openxmlformats.org/drawingml/2006/main" xmlns:r="http://schemas.openxmlformats.org/officeDocument/2006/relationships" xmlns:p="http://schemas.openxmlformats.org/presentationml/2006/main">
   <p:cSld>
     <p:spTree>
@@ -9546,7 +8536,7 @@
 </p:sld>
 </file>
 
-<file path=ppt/slides/slide18.xml><?xml version="1.0" encoding="utf-8"?>
+<file path=ppt/slides/slide17.xml><?xml version="1.0" encoding="utf-8"?>
 <p:sld xmlns:a="http://schemas.openxmlformats.org/drawingml/2006/main" xmlns:r="http://schemas.openxmlformats.org/officeDocument/2006/relationships" xmlns:p="http://schemas.openxmlformats.org/presentationml/2006/main">
   <p:cSld>
     <p:spTree>
@@ -9714,7 +8704,7 @@
 </p:sld>
 </file>
 
-<file path=ppt/slides/slide19.xml><?xml version="1.0" encoding="utf-8"?>
+<file path=ppt/slides/slide18.xml><?xml version="1.0" encoding="utf-8"?>
 <p:sld xmlns:a="http://schemas.openxmlformats.org/drawingml/2006/main" xmlns:r="http://schemas.openxmlformats.org/officeDocument/2006/relationships" xmlns:p="http://schemas.openxmlformats.org/presentationml/2006/main">
   <p:cSld>
     <p:spTree>
@@ -9958,21 +8948,6 @@
             <a:r>
               <a:rPr lang="en-US" sz="2200" dirty="0"/>
               <a:t>In this project we will use NLP summarized algorithms to reconstruct headnotes using a variety of court cases as our training dataset. </a:t>
-            </a:r>
-          </a:p>
-          <a:p>
-            <a:pPr lvl="0"/>
-            <a:r>
-              <a:rPr lang="en-US" sz="2200" dirty="0"/>
-              <a:t>We have used for training, the dataset for historical court cases provided by the </a:t>
-            </a:r>
-            <a:r>
-              <a:rPr lang="en-US" sz="2200" dirty="0" err="1"/>
-              <a:t>CaseLaw</a:t>
-            </a:r>
-            <a:r>
-              <a:rPr lang="en-US" sz="2200" dirty="0"/>
-              <a:t> Access Project. We have selected cases for the state of North Carolina from the Harvard Law School Library</a:t>
             </a:r>
           </a:p>
         </p:txBody>
@@ -10073,55 +9048,6 @@
                                           <p:spTgt spid="3">
                                             <p:txEl>
                                               <p:pRg st="1" end="1"/>
-                                            </p:txEl>
-                                          </p:spTgt>
-                                        </p:tgtEl>
-                                        <p:attrNameLst>
-                                          <p:attrName>style.visibility</p:attrName>
-                                        </p:attrNameLst>
-                                      </p:cBhvr>
-                                      <p:to>
-                                        <p:strVal val="visible"/>
-                                      </p:to>
-                                    </p:set>
-                                  </p:childTnLst>
-                                </p:cTn>
-                              </p:par>
-                            </p:childTnLst>
-                          </p:cTn>
-                        </p:par>
-                      </p:childTnLst>
-                    </p:cTn>
-                  </p:par>
-                  <p:par>
-                    <p:cTn id="11" fill="hold">
-                      <p:stCondLst>
-                        <p:cond delay="indefinite"/>
-                      </p:stCondLst>
-                      <p:childTnLst>
-                        <p:par>
-                          <p:cTn id="12" fill="hold">
-                            <p:stCondLst>
-                              <p:cond delay="0"/>
-                            </p:stCondLst>
-                            <p:childTnLst>
-                              <p:par>
-                                <p:cTn id="13" presetID="1" presetClass="entr" presetSubtype="0" fill="hold" grpId="0" nodeType="clickEffect">
-                                  <p:stCondLst>
-                                    <p:cond delay="0"/>
-                                  </p:stCondLst>
-                                  <p:childTnLst>
-                                    <p:set>
-                                      <p:cBhvr>
-                                        <p:cTn id="14" dur="1" fill="hold">
-                                          <p:stCondLst>
-                                            <p:cond delay="0"/>
-                                          </p:stCondLst>
-                                        </p:cTn>
-                                        <p:tgtEl>
-                                          <p:spTgt spid="3">
-                                            <p:txEl>
-                                              <p:pRg st="2" end="2"/>
                                             </p:txEl>
                                           </p:spTgt>
                                         </p:tgtEl>
@@ -10673,178 +9599,6 @@
   <p:clrMapOvr>
     <a:masterClrMapping/>
   </p:clrMapOvr>
-  <p:timing>
-    <p:tnLst>
-      <p:par>
-        <p:cTn id="1" dur="indefinite" restart="never" nodeType="tmRoot">
-          <p:childTnLst>
-            <p:seq concurrent="1" nextAc="seek">
-              <p:cTn id="2" dur="indefinite" nodeType="mainSeq">
-                <p:childTnLst>
-                  <p:par>
-                    <p:cTn id="3" fill="hold">
-                      <p:stCondLst>
-                        <p:cond delay="indefinite"/>
-                      </p:stCondLst>
-                      <p:childTnLst>
-                        <p:par>
-                          <p:cTn id="4" fill="hold">
-                            <p:stCondLst>
-                              <p:cond delay="0"/>
-                            </p:stCondLst>
-                            <p:childTnLst>
-                              <p:par>
-                                <p:cTn id="5" presetID="1" presetClass="entr" presetSubtype="0" fill="hold" grpId="0" nodeType="clickEffect">
-                                  <p:stCondLst>
-                                    <p:cond delay="0"/>
-                                  </p:stCondLst>
-                                  <p:childTnLst>
-                                    <p:set>
-                                      <p:cBhvr>
-                                        <p:cTn id="6" dur="1" fill="hold">
-                                          <p:stCondLst>
-                                            <p:cond delay="0"/>
-                                          </p:stCondLst>
-                                        </p:cTn>
-                                        <p:tgtEl>
-                                          <p:spTgt spid="3">
-                                            <p:txEl>
-                                              <p:pRg st="0" end="0"/>
-                                            </p:txEl>
-                                          </p:spTgt>
-                                        </p:tgtEl>
-                                        <p:attrNameLst>
-                                          <p:attrName>style.visibility</p:attrName>
-                                        </p:attrNameLst>
-                                      </p:cBhvr>
-                                      <p:to>
-                                        <p:strVal val="visible"/>
-                                      </p:to>
-                                    </p:set>
-                                  </p:childTnLst>
-                                </p:cTn>
-                              </p:par>
-                            </p:childTnLst>
-                          </p:cTn>
-                        </p:par>
-                      </p:childTnLst>
-                    </p:cTn>
-                  </p:par>
-                  <p:par>
-                    <p:cTn id="7" fill="hold">
-                      <p:stCondLst>
-                        <p:cond delay="indefinite"/>
-                      </p:stCondLst>
-                      <p:childTnLst>
-                        <p:par>
-                          <p:cTn id="8" fill="hold">
-                            <p:stCondLst>
-                              <p:cond delay="0"/>
-                            </p:stCondLst>
-                            <p:childTnLst>
-                              <p:par>
-                                <p:cTn id="9" presetID="1" presetClass="entr" presetSubtype="0" fill="hold" nodeType="clickEffect">
-                                  <p:stCondLst>
-                                    <p:cond delay="0"/>
-                                  </p:stCondLst>
-                                  <p:childTnLst>
-                                    <p:set>
-                                      <p:cBhvr>
-                                        <p:cTn id="10" dur="1" fill="hold">
-                                          <p:stCondLst>
-                                            <p:cond delay="0"/>
-                                          </p:stCondLst>
-                                        </p:cTn>
-                                        <p:tgtEl>
-                                          <p:spTgt spid="4"/>
-                                        </p:tgtEl>
-                                        <p:attrNameLst>
-                                          <p:attrName>style.visibility</p:attrName>
-                                        </p:attrNameLst>
-                                      </p:cBhvr>
-                                      <p:to>
-                                        <p:strVal val="visible"/>
-                                      </p:to>
-                                    </p:set>
-                                  </p:childTnLst>
-                                </p:cTn>
-                              </p:par>
-                            </p:childTnLst>
-                          </p:cTn>
-                        </p:par>
-                      </p:childTnLst>
-                    </p:cTn>
-                  </p:par>
-                  <p:par>
-                    <p:cTn id="11" fill="hold">
-                      <p:stCondLst>
-                        <p:cond delay="indefinite"/>
-                      </p:stCondLst>
-                      <p:childTnLst>
-                        <p:par>
-                          <p:cTn id="12" fill="hold">
-                            <p:stCondLst>
-                              <p:cond delay="0"/>
-                            </p:stCondLst>
-                            <p:childTnLst>
-                              <p:par>
-                                <p:cTn id="13" presetID="1" presetClass="entr" presetSubtype="0" fill="hold" nodeType="clickEffect">
-                                  <p:stCondLst>
-                                    <p:cond delay="0"/>
-                                  </p:stCondLst>
-                                  <p:childTnLst>
-                                    <p:set>
-                                      <p:cBhvr>
-                                        <p:cTn id="14" dur="1" fill="hold">
-                                          <p:stCondLst>
-                                            <p:cond delay="0"/>
-                                          </p:stCondLst>
-                                        </p:cTn>
-                                        <p:tgtEl>
-                                          <p:spTgt spid="5"/>
-                                        </p:tgtEl>
-                                        <p:attrNameLst>
-                                          <p:attrName>style.visibility</p:attrName>
-                                        </p:attrNameLst>
-                                      </p:cBhvr>
-                                      <p:to>
-                                        <p:strVal val="visible"/>
-                                      </p:to>
-                                    </p:set>
-                                  </p:childTnLst>
-                                </p:cTn>
-                              </p:par>
-                            </p:childTnLst>
-                          </p:cTn>
-                        </p:par>
-                      </p:childTnLst>
-                    </p:cTn>
-                  </p:par>
-                </p:childTnLst>
-              </p:cTn>
-              <p:prevCondLst>
-                <p:cond evt="onPrev" delay="0">
-                  <p:tgtEl>
-                    <p:sldTgt/>
-                  </p:tgtEl>
-                </p:cond>
-              </p:prevCondLst>
-              <p:nextCondLst>
-                <p:cond evt="onNext" delay="0">
-                  <p:tgtEl>
-                    <p:sldTgt/>
-                  </p:tgtEl>
-                </p:cond>
-              </p:nextCondLst>
-            </p:seq>
-          </p:childTnLst>
-        </p:cTn>
-      </p:par>
-    </p:tnLst>
-    <p:bldLst>
-      <p:bldP spid="3" grpId="0" build="p"/>
-    </p:bldLst>
-  </p:timing>
 </p:sld>
 </file>
 
@@ -11020,431 +9774,6 @@
   <p:clrMapOvr>
     <a:masterClrMapping/>
   </p:clrMapOvr>
-  <p:timing>
-    <p:tnLst>
-      <p:par>
-        <p:cTn id="1" dur="indefinite" restart="never" nodeType="tmRoot">
-          <p:childTnLst>
-            <p:seq concurrent="1" nextAc="seek">
-              <p:cTn id="2" dur="indefinite" nodeType="mainSeq">
-                <p:childTnLst>
-                  <p:par>
-                    <p:cTn id="3" fill="hold">
-                      <p:stCondLst>
-                        <p:cond delay="indefinite"/>
-                      </p:stCondLst>
-                      <p:childTnLst>
-                        <p:par>
-                          <p:cTn id="4" fill="hold">
-                            <p:stCondLst>
-                              <p:cond delay="0"/>
-                            </p:stCondLst>
-                            <p:childTnLst>
-                              <p:par>
-                                <p:cTn id="5" presetID="1" presetClass="entr" presetSubtype="0" fill="hold" grpId="0" nodeType="clickEffect">
-                                  <p:stCondLst>
-                                    <p:cond delay="0"/>
-                                  </p:stCondLst>
-                                  <p:childTnLst>
-                                    <p:set>
-                                      <p:cBhvr>
-                                        <p:cTn id="6" dur="1" fill="hold">
-                                          <p:stCondLst>
-                                            <p:cond delay="0"/>
-                                          </p:stCondLst>
-                                        </p:cTn>
-                                        <p:tgtEl>
-                                          <p:spTgt spid="3">
-                                            <p:txEl>
-                                              <p:pRg st="0" end="0"/>
-                                            </p:txEl>
-                                          </p:spTgt>
-                                        </p:tgtEl>
-                                        <p:attrNameLst>
-                                          <p:attrName>style.visibility</p:attrName>
-                                        </p:attrNameLst>
-                                      </p:cBhvr>
-                                      <p:to>
-                                        <p:strVal val="visible"/>
-                                      </p:to>
-                                    </p:set>
-                                  </p:childTnLst>
-                                </p:cTn>
-                              </p:par>
-                            </p:childTnLst>
-                          </p:cTn>
-                        </p:par>
-                      </p:childTnLst>
-                    </p:cTn>
-                  </p:par>
-                  <p:par>
-                    <p:cTn id="7" fill="hold">
-                      <p:stCondLst>
-                        <p:cond delay="indefinite"/>
-                      </p:stCondLst>
-                      <p:childTnLst>
-                        <p:par>
-                          <p:cTn id="8" fill="hold">
-                            <p:stCondLst>
-                              <p:cond delay="0"/>
-                            </p:stCondLst>
-                            <p:childTnLst>
-                              <p:par>
-                                <p:cTn id="9" presetID="1" presetClass="entr" presetSubtype="0" fill="hold" grpId="0" nodeType="clickEffect">
-                                  <p:stCondLst>
-                                    <p:cond delay="0"/>
-                                  </p:stCondLst>
-                                  <p:childTnLst>
-                                    <p:set>
-                                      <p:cBhvr>
-                                        <p:cTn id="10" dur="1" fill="hold">
-                                          <p:stCondLst>
-                                            <p:cond delay="0"/>
-                                          </p:stCondLst>
-                                        </p:cTn>
-                                        <p:tgtEl>
-                                          <p:spTgt spid="3">
-                                            <p:txEl>
-                                              <p:pRg st="1" end="1"/>
-                                            </p:txEl>
-                                          </p:spTgt>
-                                        </p:tgtEl>
-                                        <p:attrNameLst>
-                                          <p:attrName>style.visibility</p:attrName>
-                                        </p:attrNameLst>
-                                      </p:cBhvr>
-                                      <p:to>
-                                        <p:strVal val="visible"/>
-                                      </p:to>
-                                    </p:set>
-                                  </p:childTnLst>
-                                </p:cTn>
-                              </p:par>
-                            </p:childTnLst>
-                          </p:cTn>
-                        </p:par>
-                      </p:childTnLst>
-                    </p:cTn>
-                  </p:par>
-                  <p:par>
-                    <p:cTn id="11" fill="hold">
-                      <p:stCondLst>
-                        <p:cond delay="indefinite"/>
-                      </p:stCondLst>
-                      <p:childTnLst>
-                        <p:par>
-                          <p:cTn id="12" fill="hold">
-                            <p:stCondLst>
-                              <p:cond delay="0"/>
-                            </p:stCondLst>
-                            <p:childTnLst>
-                              <p:par>
-                                <p:cTn id="13" presetID="1" presetClass="entr" presetSubtype="0" fill="hold" grpId="0" nodeType="clickEffect">
-                                  <p:stCondLst>
-                                    <p:cond delay="0"/>
-                                  </p:stCondLst>
-                                  <p:childTnLst>
-                                    <p:set>
-                                      <p:cBhvr>
-                                        <p:cTn id="14" dur="1" fill="hold">
-                                          <p:stCondLst>
-                                            <p:cond delay="0"/>
-                                          </p:stCondLst>
-                                        </p:cTn>
-                                        <p:tgtEl>
-                                          <p:spTgt spid="3">
-                                            <p:txEl>
-                                              <p:pRg st="2" end="2"/>
-                                            </p:txEl>
-                                          </p:spTgt>
-                                        </p:tgtEl>
-                                        <p:attrNameLst>
-                                          <p:attrName>style.visibility</p:attrName>
-                                        </p:attrNameLst>
-                                      </p:cBhvr>
-                                      <p:to>
-                                        <p:strVal val="visible"/>
-                                      </p:to>
-                                    </p:set>
-                                  </p:childTnLst>
-                                </p:cTn>
-                              </p:par>
-                            </p:childTnLst>
-                          </p:cTn>
-                        </p:par>
-                      </p:childTnLst>
-                    </p:cTn>
-                  </p:par>
-                  <p:par>
-                    <p:cTn id="15" fill="hold">
-                      <p:stCondLst>
-                        <p:cond delay="indefinite"/>
-                      </p:stCondLst>
-                      <p:childTnLst>
-                        <p:par>
-                          <p:cTn id="16" fill="hold">
-                            <p:stCondLst>
-                              <p:cond delay="0"/>
-                            </p:stCondLst>
-                            <p:childTnLst>
-                              <p:par>
-                                <p:cTn id="17" presetID="1" presetClass="entr" presetSubtype="0" fill="hold" grpId="0" nodeType="clickEffect">
-                                  <p:stCondLst>
-                                    <p:cond delay="0"/>
-                                  </p:stCondLst>
-                                  <p:childTnLst>
-                                    <p:set>
-                                      <p:cBhvr>
-                                        <p:cTn id="18" dur="1" fill="hold">
-                                          <p:stCondLst>
-                                            <p:cond delay="0"/>
-                                          </p:stCondLst>
-                                        </p:cTn>
-                                        <p:tgtEl>
-                                          <p:spTgt spid="3">
-                                            <p:txEl>
-                                              <p:pRg st="3" end="3"/>
-                                            </p:txEl>
-                                          </p:spTgt>
-                                        </p:tgtEl>
-                                        <p:attrNameLst>
-                                          <p:attrName>style.visibility</p:attrName>
-                                        </p:attrNameLst>
-                                      </p:cBhvr>
-                                      <p:to>
-                                        <p:strVal val="visible"/>
-                                      </p:to>
-                                    </p:set>
-                                  </p:childTnLst>
-                                </p:cTn>
-                              </p:par>
-                            </p:childTnLst>
-                          </p:cTn>
-                        </p:par>
-                      </p:childTnLst>
-                    </p:cTn>
-                  </p:par>
-                  <p:par>
-                    <p:cTn id="19" fill="hold">
-                      <p:stCondLst>
-                        <p:cond delay="indefinite"/>
-                      </p:stCondLst>
-                      <p:childTnLst>
-                        <p:par>
-                          <p:cTn id="20" fill="hold">
-                            <p:stCondLst>
-                              <p:cond delay="0"/>
-                            </p:stCondLst>
-                            <p:childTnLst>
-                              <p:par>
-                                <p:cTn id="21" presetID="1" presetClass="entr" presetSubtype="0" fill="hold" grpId="0" nodeType="clickEffect">
-                                  <p:stCondLst>
-                                    <p:cond delay="0"/>
-                                  </p:stCondLst>
-                                  <p:childTnLst>
-                                    <p:set>
-                                      <p:cBhvr>
-                                        <p:cTn id="22" dur="1" fill="hold">
-                                          <p:stCondLst>
-                                            <p:cond delay="0"/>
-                                          </p:stCondLst>
-                                        </p:cTn>
-                                        <p:tgtEl>
-                                          <p:spTgt spid="3">
-                                            <p:txEl>
-                                              <p:pRg st="4" end="4"/>
-                                            </p:txEl>
-                                          </p:spTgt>
-                                        </p:tgtEl>
-                                        <p:attrNameLst>
-                                          <p:attrName>style.visibility</p:attrName>
-                                        </p:attrNameLst>
-                                      </p:cBhvr>
-                                      <p:to>
-                                        <p:strVal val="visible"/>
-                                      </p:to>
-                                    </p:set>
-                                  </p:childTnLst>
-                                </p:cTn>
-                              </p:par>
-                            </p:childTnLst>
-                          </p:cTn>
-                        </p:par>
-                      </p:childTnLst>
-                    </p:cTn>
-                  </p:par>
-                  <p:par>
-                    <p:cTn id="23" fill="hold">
-                      <p:stCondLst>
-                        <p:cond delay="indefinite"/>
-                      </p:stCondLst>
-                      <p:childTnLst>
-                        <p:par>
-                          <p:cTn id="24" fill="hold">
-                            <p:stCondLst>
-                              <p:cond delay="0"/>
-                            </p:stCondLst>
-                            <p:childTnLst>
-                              <p:par>
-                                <p:cTn id="25" presetID="1" presetClass="entr" presetSubtype="0" fill="hold" grpId="0" nodeType="clickEffect">
-                                  <p:stCondLst>
-                                    <p:cond delay="0"/>
-                                  </p:stCondLst>
-                                  <p:childTnLst>
-                                    <p:set>
-                                      <p:cBhvr>
-                                        <p:cTn id="26" dur="1" fill="hold">
-                                          <p:stCondLst>
-                                            <p:cond delay="0"/>
-                                          </p:stCondLst>
-                                        </p:cTn>
-                                        <p:tgtEl>
-                                          <p:spTgt spid="3">
-                                            <p:txEl>
-                                              <p:pRg st="5" end="5"/>
-                                            </p:txEl>
-                                          </p:spTgt>
-                                        </p:tgtEl>
-                                        <p:attrNameLst>
-                                          <p:attrName>style.visibility</p:attrName>
-                                        </p:attrNameLst>
-                                      </p:cBhvr>
-                                      <p:to>
-                                        <p:strVal val="visible"/>
-                                      </p:to>
-                                    </p:set>
-                                  </p:childTnLst>
-                                </p:cTn>
-                              </p:par>
-                            </p:childTnLst>
-                          </p:cTn>
-                        </p:par>
-                      </p:childTnLst>
-                    </p:cTn>
-                  </p:par>
-                  <p:par>
-                    <p:cTn id="27" fill="hold">
-                      <p:stCondLst>
-                        <p:cond delay="indefinite"/>
-                      </p:stCondLst>
-                      <p:childTnLst>
-                        <p:par>
-                          <p:cTn id="28" fill="hold">
-                            <p:stCondLst>
-                              <p:cond delay="0"/>
-                            </p:stCondLst>
-                            <p:childTnLst>
-                              <p:par>
-                                <p:cTn id="29" presetID="1" presetClass="entr" presetSubtype="0" fill="hold" grpId="0" nodeType="clickEffect">
-                                  <p:stCondLst>
-                                    <p:cond delay="0"/>
-                                  </p:stCondLst>
-                                  <p:childTnLst>
-                                    <p:set>
-                                      <p:cBhvr>
-                                        <p:cTn id="30" dur="1" fill="hold">
-                                          <p:stCondLst>
-                                            <p:cond delay="0"/>
-                                          </p:stCondLst>
-                                        </p:cTn>
-                                        <p:tgtEl>
-                                          <p:spTgt spid="3">
-                                            <p:txEl>
-                                              <p:pRg st="6" end="6"/>
-                                            </p:txEl>
-                                          </p:spTgt>
-                                        </p:tgtEl>
-                                        <p:attrNameLst>
-                                          <p:attrName>style.visibility</p:attrName>
-                                        </p:attrNameLst>
-                                      </p:cBhvr>
-                                      <p:to>
-                                        <p:strVal val="visible"/>
-                                      </p:to>
-                                    </p:set>
-                                  </p:childTnLst>
-                                </p:cTn>
-                              </p:par>
-                            </p:childTnLst>
-                          </p:cTn>
-                        </p:par>
-                      </p:childTnLst>
-                    </p:cTn>
-                  </p:par>
-                  <p:par>
-                    <p:cTn id="31" fill="hold">
-                      <p:stCondLst>
-                        <p:cond delay="indefinite"/>
-                      </p:stCondLst>
-                      <p:childTnLst>
-                        <p:par>
-                          <p:cTn id="32" fill="hold">
-                            <p:stCondLst>
-                              <p:cond delay="0"/>
-                            </p:stCondLst>
-                            <p:childTnLst>
-                              <p:par>
-                                <p:cTn id="33" presetID="1" presetClass="entr" presetSubtype="0" fill="hold" grpId="0" nodeType="clickEffect">
-                                  <p:stCondLst>
-                                    <p:cond delay="0"/>
-                                  </p:stCondLst>
-                                  <p:childTnLst>
-                                    <p:set>
-                                      <p:cBhvr>
-                                        <p:cTn id="34" dur="1" fill="hold">
-                                          <p:stCondLst>
-                                            <p:cond delay="0"/>
-                                          </p:stCondLst>
-                                        </p:cTn>
-                                        <p:tgtEl>
-                                          <p:spTgt spid="3">
-                                            <p:txEl>
-                                              <p:pRg st="7" end="7"/>
-                                            </p:txEl>
-                                          </p:spTgt>
-                                        </p:tgtEl>
-                                        <p:attrNameLst>
-                                          <p:attrName>style.visibility</p:attrName>
-                                        </p:attrNameLst>
-                                      </p:cBhvr>
-                                      <p:to>
-                                        <p:strVal val="visible"/>
-                                      </p:to>
-                                    </p:set>
-                                  </p:childTnLst>
-                                </p:cTn>
-                              </p:par>
-                            </p:childTnLst>
-                          </p:cTn>
-                        </p:par>
-                      </p:childTnLst>
-                    </p:cTn>
-                  </p:par>
-                </p:childTnLst>
-              </p:cTn>
-              <p:prevCondLst>
-                <p:cond evt="onPrev" delay="0">
-                  <p:tgtEl>
-                    <p:sldTgt/>
-                  </p:tgtEl>
-                </p:cond>
-              </p:prevCondLst>
-              <p:nextCondLst>
-                <p:cond evt="onNext" delay="0">
-                  <p:tgtEl>
-                    <p:sldTgt/>
-                  </p:tgtEl>
-                </p:cond>
-              </p:nextCondLst>
-            </p:seq>
-          </p:childTnLst>
-        </p:cTn>
-      </p:par>
-    </p:tnLst>
-    <p:bldLst>
-      <p:bldP spid="3" grpId="0" build="p"/>
-    </p:bldLst>
-  </p:timing>
 </p:sld>
 </file>
 
@@ -11517,7 +9846,7 @@
         <p:spPr>
           <a:xfrm>
             <a:off x="1097844" y="1955800"/>
-            <a:ext cx="10164515" cy="4378959"/>
+            <a:ext cx="10164515" cy="2806699"/>
           </a:xfrm>
         </p:spPr>
         <p:txBody>
@@ -11540,7 +9869,15 @@
             </a:pPr>
             <a:r>
               <a:rPr lang="en-US" sz="1800" dirty="0"/>
-              <a:t>For each sentence in opinion and compare it to the sentences in the headnotes. </a:t>
+              <a:t>For </a:t>
+            </a:r>
+            <a:r>
+              <a:rPr lang="en-US" sz="1800" b="1" u="sng" dirty="0"/>
+              <a:t>each sentence in opinion and compare it to the sentences in the headnotes</a:t>
+            </a:r>
+            <a:r>
+              <a:rPr lang="en-US" sz="1800" dirty="0"/>
+              <a:t>. </a:t>
             </a:r>
           </a:p>
           <a:p>
@@ -11558,38 +9895,16 @@
             </a:pPr>
             <a:r>
               <a:rPr lang="en-US" sz="1800" dirty="0"/>
-              <a:t>Label the tokenized opinion so that the sentences that are selected have a label of 1 and the sentence that is not selected has a label of 0</a:t>
-            </a:r>
-          </a:p>
-          <a:p>
-            <a:pPr marL="457200" indent="-457200">
-              <a:buAutoNum type="arabicParenR"/>
-            </a:pPr>
+              <a:t>Label the tokenized opinion so that the </a:t>
+            </a:r>
+            <a:r>
+              <a:rPr lang="en-US" sz="1800" b="1" u="sng" dirty="0"/>
+              <a:t>sentences that are selected have a label of 1 </a:t>
+            </a:r>
             <a:r>
               <a:rPr lang="en-US" sz="1800" dirty="0"/>
-              <a:t>Additional columns created are for each opinion</a:t>
-            </a:r>
-          </a:p>
-          <a:p>
-            <a:pPr marL="749808" lvl="1" indent="-457200">
-              <a:buFont typeface="Arial" panose="020B0604020202020204" pitchFamily="34" charset="0"/>
-              <a:buChar char="•"/>
-            </a:pPr>
-            <a:r>
-              <a:rPr lang="en-US" sz="1600" dirty="0"/>
-              <a:t>The starting index of each sentence</a:t>
-            </a:r>
-          </a:p>
-          <a:p>
-            <a:pPr marL="749808" lvl="1" indent="-457200">
-              <a:buFont typeface="Arial" panose="020B0604020202020204" pitchFamily="34" charset="0"/>
-              <a:buChar char="•"/>
-            </a:pPr>
-            <a:r>
-              <a:rPr lang="en-US" sz="1600" dirty="0"/>
-              <a:t>The rank of each word in an opinion</a:t>
-            </a:r>
-            <a:endParaRPr lang="en-US" sz="2400" dirty="0"/>
+              <a:t>and the sentence that is not selected has a label of 0</a:t>
+            </a:r>
           </a:p>
         </p:txBody>
       </p:sp>
@@ -11603,794 +9918,10 @@
   <p:clrMapOvr>
     <a:masterClrMapping/>
   </p:clrMapOvr>
-  <p:timing>
-    <p:tnLst>
-      <p:par>
-        <p:cTn id="1" dur="indefinite" restart="never" nodeType="tmRoot">
-          <p:childTnLst>
-            <p:seq concurrent="1" nextAc="seek">
-              <p:cTn id="2" dur="indefinite" nodeType="mainSeq">
-                <p:childTnLst>
-                  <p:par>
-                    <p:cTn id="3" fill="hold">
-                      <p:stCondLst>
-                        <p:cond delay="indefinite"/>
-                      </p:stCondLst>
-                      <p:childTnLst>
-                        <p:par>
-                          <p:cTn id="4" fill="hold">
-                            <p:stCondLst>
-                              <p:cond delay="0"/>
-                            </p:stCondLst>
-                            <p:childTnLst>
-                              <p:par>
-                                <p:cTn id="5" presetID="1" presetClass="entr" presetSubtype="0" fill="hold" grpId="0" nodeType="clickEffect">
-                                  <p:stCondLst>
-                                    <p:cond delay="0"/>
-                                  </p:stCondLst>
-                                  <p:childTnLst>
-                                    <p:set>
-                                      <p:cBhvr>
-                                        <p:cTn id="6" dur="1" fill="hold">
-                                          <p:stCondLst>
-                                            <p:cond delay="0"/>
-                                          </p:stCondLst>
-                                        </p:cTn>
-                                        <p:tgtEl>
-                                          <p:spTgt spid="3">
-                                            <p:txEl>
-                                              <p:pRg st="0" end="0"/>
-                                            </p:txEl>
-                                          </p:spTgt>
-                                        </p:tgtEl>
-                                        <p:attrNameLst>
-                                          <p:attrName>style.visibility</p:attrName>
-                                        </p:attrNameLst>
-                                      </p:cBhvr>
-                                      <p:to>
-                                        <p:strVal val="visible"/>
-                                      </p:to>
-                                    </p:set>
-                                  </p:childTnLst>
-                                </p:cTn>
-                              </p:par>
-                            </p:childTnLst>
-                          </p:cTn>
-                        </p:par>
-                      </p:childTnLst>
-                    </p:cTn>
-                  </p:par>
-                  <p:par>
-                    <p:cTn id="7" fill="hold">
-                      <p:stCondLst>
-                        <p:cond delay="indefinite"/>
-                      </p:stCondLst>
-                      <p:childTnLst>
-                        <p:par>
-                          <p:cTn id="8" fill="hold">
-                            <p:stCondLst>
-                              <p:cond delay="0"/>
-                            </p:stCondLst>
-                            <p:childTnLst>
-                              <p:par>
-                                <p:cTn id="9" presetID="1" presetClass="entr" presetSubtype="0" fill="hold" grpId="0" nodeType="clickEffect">
-                                  <p:stCondLst>
-                                    <p:cond delay="0"/>
-                                  </p:stCondLst>
-                                  <p:childTnLst>
-                                    <p:set>
-                                      <p:cBhvr>
-                                        <p:cTn id="10" dur="1" fill="hold">
-                                          <p:stCondLst>
-                                            <p:cond delay="0"/>
-                                          </p:stCondLst>
-                                        </p:cTn>
-                                        <p:tgtEl>
-                                          <p:spTgt spid="3">
-                                            <p:txEl>
-                                              <p:pRg st="1" end="1"/>
-                                            </p:txEl>
-                                          </p:spTgt>
-                                        </p:tgtEl>
-                                        <p:attrNameLst>
-                                          <p:attrName>style.visibility</p:attrName>
-                                        </p:attrNameLst>
-                                      </p:cBhvr>
-                                      <p:to>
-                                        <p:strVal val="visible"/>
-                                      </p:to>
-                                    </p:set>
-                                  </p:childTnLst>
-                                </p:cTn>
-                              </p:par>
-                            </p:childTnLst>
-                          </p:cTn>
-                        </p:par>
-                      </p:childTnLst>
-                    </p:cTn>
-                  </p:par>
-                  <p:par>
-                    <p:cTn id="11" fill="hold">
-                      <p:stCondLst>
-                        <p:cond delay="indefinite"/>
-                      </p:stCondLst>
-                      <p:childTnLst>
-                        <p:par>
-                          <p:cTn id="12" fill="hold">
-                            <p:stCondLst>
-                              <p:cond delay="0"/>
-                            </p:stCondLst>
-                            <p:childTnLst>
-                              <p:par>
-                                <p:cTn id="13" presetID="1" presetClass="entr" presetSubtype="0" fill="hold" grpId="0" nodeType="clickEffect">
-                                  <p:stCondLst>
-                                    <p:cond delay="0"/>
-                                  </p:stCondLst>
-                                  <p:childTnLst>
-                                    <p:set>
-                                      <p:cBhvr>
-                                        <p:cTn id="14" dur="1" fill="hold">
-                                          <p:stCondLst>
-                                            <p:cond delay="0"/>
-                                          </p:stCondLst>
-                                        </p:cTn>
-                                        <p:tgtEl>
-                                          <p:spTgt spid="3">
-                                            <p:txEl>
-                                              <p:pRg st="2" end="2"/>
-                                            </p:txEl>
-                                          </p:spTgt>
-                                        </p:tgtEl>
-                                        <p:attrNameLst>
-                                          <p:attrName>style.visibility</p:attrName>
-                                        </p:attrNameLst>
-                                      </p:cBhvr>
-                                      <p:to>
-                                        <p:strVal val="visible"/>
-                                      </p:to>
-                                    </p:set>
-                                  </p:childTnLst>
-                                </p:cTn>
-                              </p:par>
-                            </p:childTnLst>
-                          </p:cTn>
-                        </p:par>
-                      </p:childTnLst>
-                    </p:cTn>
-                  </p:par>
-                  <p:par>
-                    <p:cTn id="15" fill="hold">
-                      <p:stCondLst>
-                        <p:cond delay="indefinite"/>
-                      </p:stCondLst>
-                      <p:childTnLst>
-                        <p:par>
-                          <p:cTn id="16" fill="hold">
-                            <p:stCondLst>
-                              <p:cond delay="0"/>
-                            </p:stCondLst>
-                            <p:childTnLst>
-                              <p:par>
-                                <p:cTn id="17" presetID="1" presetClass="entr" presetSubtype="0" fill="hold" grpId="0" nodeType="clickEffect">
-                                  <p:stCondLst>
-                                    <p:cond delay="0"/>
-                                  </p:stCondLst>
-                                  <p:childTnLst>
-                                    <p:set>
-                                      <p:cBhvr>
-                                        <p:cTn id="18" dur="1" fill="hold">
-                                          <p:stCondLst>
-                                            <p:cond delay="0"/>
-                                          </p:stCondLst>
-                                        </p:cTn>
-                                        <p:tgtEl>
-                                          <p:spTgt spid="3">
-                                            <p:txEl>
-                                              <p:pRg st="3" end="3"/>
-                                            </p:txEl>
-                                          </p:spTgt>
-                                        </p:tgtEl>
-                                        <p:attrNameLst>
-                                          <p:attrName>style.visibility</p:attrName>
-                                        </p:attrNameLst>
-                                      </p:cBhvr>
-                                      <p:to>
-                                        <p:strVal val="visible"/>
-                                      </p:to>
-                                    </p:set>
-                                  </p:childTnLst>
-                                </p:cTn>
-                              </p:par>
-                            </p:childTnLst>
-                          </p:cTn>
-                        </p:par>
-                      </p:childTnLst>
-                    </p:cTn>
-                  </p:par>
-                  <p:par>
-                    <p:cTn id="19" fill="hold">
-                      <p:stCondLst>
-                        <p:cond delay="indefinite"/>
-                      </p:stCondLst>
-                      <p:childTnLst>
-                        <p:par>
-                          <p:cTn id="20" fill="hold">
-                            <p:stCondLst>
-                              <p:cond delay="0"/>
-                            </p:stCondLst>
-                            <p:childTnLst>
-                              <p:par>
-                                <p:cTn id="21" presetID="1" presetClass="entr" presetSubtype="0" fill="hold" grpId="0" nodeType="clickEffect">
-                                  <p:stCondLst>
-                                    <p:cond delay="0"/>
-                                  </p:stCondLst>
-                                  <p:childTnLst>
-                                    <p:set>
-                                      <p:cBhvr>
-                                        <p:cTn id="22" dur="1" fill="hold">
-                                          <p:stCondLst>
-                                            <p:cond delay="0"/>
-                                          </p:stCondLst>
-                                        </p:cTn>
-                                        <p:tgtEl>
-                                          <p:spTgt spid="3">
-                                            <p:txEl>
-                                              <p:pRg st="4" end="4"/>
-                                            </p:txEl>
-                                          </p:spTgt>
-                                        </p:tgtEl>
-                                        <p:attrNameLst>
-                                          <p:attrName>style.visibility</p:attrName>
-                                        </p:attrNameLst>
-                                      </p:cBhvr>
-                                      <p:to>
-                                        <p:strVal val="visible"/>
-                                      </p:to>
-                                    </p:set>
-                                  </p:childTnLst>
-                                </p:cTn>
-                              </p:par>
-                              <p:par>
-                                <p:cTn id="23" presetID="1" presetClass="entr" presetSubtype="0" fill="hold" grpId="0" nodeType="withEffect">
-                                  <p:stCondLst>
-                                    <p:cond delay="0"/>
-                                  </p:stCondLst>
-                                  <p:childTnLst>
-                                    <p:set>
-                                      <p:cBhvr>
-                                        <p:cTn id="24" dur="1" fill="hold">
-                                          <p:stCondLst>
-                                            <p:cond delay="0"/>
-                                          </p:stCondLst>
-                                        </p:cTn>
-                                        <p:tgtEl>
-                                          <p:spTgt spid="3">
-                                            <p:txEl>
-                                              <p:pRg st="5" end="5"/>
-                                            </p:txEl>
-                                          </p:spTgt>
-                                        </p:tgtEl>
-                                        <p:attrNameLst>
-                                          <p:attrName>style.visibility</p:attrName>
-                                        </p:attrNameLst>
-                                      </p:cBhvr>
-                                      <p:to>
-                                        <p:strVal val="visible"/>
-                                      </p:to>
-                                    </p:set>
-                                  </p:childTnLst>
-                                </p:cTn>
-                              </p:par>
-                              <p:par>
-                                <p:cTn id="25" presetID="1" presetClass="entr" presetSubtype="0" fill="hold" grpId="0" nodeType="withEffect">
-                                  <p:stCondLst>
-                                    <p:cond delay="0"/>
-                                  </p:stCondLst>
-                                  <p:childTnLst>
-                                    <p:set>
-                                      <p:cBhvr>
-                                        <p:cTn id="26" dur="1" fill="hold">
-                                          <p:stCondLst>
-                                            <p:cond delay="0"/>
-                                          </p:stCondLst>
-                                        </p:cTn>
-                                        <p:tgtEl>
-                                          <p:spTgt spid="3">
-                                            <p:txEl>
-                                              <p:pRg st="6" end="6"/>
-                                            </p:txEl>
-                                          </p:spTgt>
-                                        </p:tgtEl>
-                                        <p:attrNameLst>
-                                          <p:attrName>style.visibility</p:attrName>
-                                        </p:attrNameLst>
-                                      </p:cBhvr>
-                                      <p:to>
-                                        <p:strVal val="visible"/>
-                                      </p:to>
-                                    </p:set>
-                                  </p:childTnLst>
-                                </p:cTn>
-                              </p:par>
-                            </p:childTnLst>
-                          </p:cTn>
-                        </p:par>
-                      </p:childTnLst>
-                    </p:cTn>
-                  </p:par>
-                </p:childTnLst>
-              </p:cTn>
-              <p:prevCondLst>
-                <p:cond evt="onPrev" delay="0">
-                  <p:tgtEl>
-                    <p:sldTgt/>
-                  </p:tgtEl>
-                </p:cond>
-              </p:prevCondLst>
-              <p:nextCondLst>
-                <p:cond evt="onNext" delay="0">
-                  <p:tgtEl>
-                    <p:sldTgt/>
-                  </p:tgtEl>
-                </p:cond>
-              </p:nextCondLst>
-            </p:seq>
-          </p:childTnLst>
-        </p:cTn>
-      </p:par>
-    </p:tnLst>
-    <p:bldLst>
-      <p:bldP spid="3" grpId="0" build="p"/>
-    </p:bldLst>
-  </p:timing>
 </p:sld>
 </file>
 
 <file path=ppt/slides/slide6.xml><?xml version="1.0" encoding="utf-8"?>
-<p:sld xmlns:a="http://schemas.openxmlformats.org/drawingml/2006/main" xmlns:r="http://schemas.openxmlformats.org/officeDocument/2006/relationships" xmlns:p="http://schemas.openxmlformats.org/presentationml/2006/main">
-  <p:cSld>
-    <p:spTree>
-      <p:nvGrpSpPr>
-        <p:cNvPr id="1" name=""/>
-        <p:cNvGrpSpPr/>
-        <p:nvPr/>
-      </p:nvGrpSpPr>
-      <p:grpSpPr>
-        <a:xfrm>
-          <a:off x="0" y="0"/>
-          <a:ext cx="0" cy="0"/>
-          <a:chOff x="0" y="0"/>
-          <a:chExt cx="0" cy="0"/>
-        </a:xfrm>
-      </p:grpSpPr>
-      <p:sp>
-        <p:nvSpPr>
-          <p:cNvPr id="2" name="Title 1">
-            <a:extLst>
-              <a:ext uri="{FF2B5EF4-FFF2-40B4-BE49-F238E27FC236}">
-                <a16:creationId xmlns:a16="http://schemas.microsoft.com/office/drawing/2014/main" id="{CA344CBA-FB2B-44A2-9612-01FA04D41200}"/>
-              </a:ext>
-            </a:extLst>
-          </p:cNvPr>
-          <p:cNvSpPr>
-            <a:spLocks noGrp="1"/>
-          </p:cNvSpPr>
-          <p:nvPr>
-            <p:ph type="title"/>
-          </p:nvPr>
-        </p:nvSpPr>
-        <p:spPr/>
-        <p:txBody>
-          <a:bodyPr/>
-          <a:lstStyle/>
-          <a:p>
-            <a:r>
-              <a:rPr lang="en-US" dirty="0"/>
-              <a:t>Our Research (criteria)</a:t>
-            </a:r>
-          </a:p>
-        </p:txBody>
-      </p:sp>
-      <p:sp>
-        <p:nvSpPr>
-          <p:cNvPr id="3" name="Content Placeholder 2">
-            <a:extLst>
-              <a:ext uri="{FF2B5EF4-FFF2-40B4-BE49-F238E27FC236}">
-                <a16:creationId xmlns:a16="http://schemas.microsoft.com/office/drawing/2014/main" id="{F66CA81D-1701-4C2D-AE08-277C299D9B85}"/>
-              </a:ext>
-            </a:extLst>
-          </p:cNvPr>
-          <p:cNvSpPr>
-            <a:spLocks noGrp="1"/>
-          </p:cNvSpPr>
-          <p:nvPr>
-            <p:ph idx="1"/>
-          </p:nvPr>
-        </p:nvSpPr>
-        <p:spPr>
-          <a:xfrm>
-            <a:off x="1097280" y="1899591"/>
-            <a:ext cx="10058400" cy="4471506"/>
-          </a:xfrm>
-        </p:spPr>
-        <p:txBody>
-          <a:bodyPr anchor="t">
-            <a:normAutofit/>
-          </a:bodyPr>
-          <a:lstStyle/>
-          <a:p>
-            <a:pPr marL="0" indent="0">
-              <a:buNone/>
-            </a:pPr>
-            <a:r>
-              <a:rPr lang="en-US" sz="2000" dirty="0"/>
-              <a:t>We searched for existing models that generate summaries based on the following criteria</a:t>
-            </a:r>
-          </a:p>
-          <a:p>
-            <a:pPr marL="0" indent="0">
-              <a:buNone/>
-            </a:pPr>
-            <a:endParaRPr lang="en-US" sz="2000" dirty="0"/>
-          </a:p>
-          <a:p>
-            <a:pPr lvl="1">
-              <a:buFont typeface="Arial"/>
-              <a:buChar char="•"/>
-            </a:pPr>
-            <a:r>
-              <a:rPr lang="en-US" sz="1800" dirty="0"/>
-              <a:t>Generate Extractive summaries since they can generate semantically and grammatically correct sentences these models need less resources and understanding of the domain.</a:t>
-            </a:r>
-          </a:p>
-          <a:p>
-            <a:pPr lvl="1">
-              <a:buFont typeface="Arial"/>
-              <a:buChar char="•"/>
-            </a:pPr>
-            <a:r>
-              <a:rPr lang="en-US" sz="1800" dirty="0"/>
-              <a:t>Summarize long documents</a:t>
-            </a:r>
-          </a:p>
-          <a:p>
-            <a:pPr lvl="1">
-              <a:buFont typeface="Arial"/>
-              <a:buChar char="•"/>
-            </a:pPr>
-            <a:r>
-              <a:rPr lang="en-US" sz="1800" dirty="0"/>
-              <a:t>Perform well as measured by the </a:t>
-            </a:r>
-            <a:r>
-              <a:rPr lang="en-US" sz="1800" b="1" dirty="0"/>
-              <a:t>ROGUE</a:t>
-            </a:r>
-            <a:r>
-              <a:rPr lang="en-US" sz="1800" dirty="0"/>
-              <a:t> (</a:t>
-            </a:r>
-            <a:r>
-              <a:rPr lang="en-US" sz="1800" b="1" dirty="0"/>
-              <a:t>Recall-Oriented Understudy for </a:t>
-            </a:r>
-            <a:r>
-              <a:rPr lang="en-US" sz="1800" b="1" dirty="0" err="1"/>
-              <a:t>Gisting</a:t>
-            </a:r>
-            <a:r>
-              <a:rPr lang="en-US" sz="1800" b="1" dirty="0"/>
-              <a:t> Evaluation) Metric</a:t>
-            </a:r>
-            <a:r>
-              <a:rPr lang="en-US" sz="1800" dirty="0"/>
-              <a:t> Score.</a:t>
-            </a:r>
-          </a:p>
-          <a:p>
-            <a:pPr lvl="1">
-              <a:buFont typeface="Arial"/>
-              <a:buChar char="•"/>
-            </a:pPr>
-            <a:r>
-              <a:rPr lang="en-US" sz="1800" dirty="0"/>
-              <a:t>Can be implemented in the given time constraint</a:t>
-            </a:r>
-          </a:p>
-        </p:txBody>
-      </p:sp>
-    </p:spTree>
-    <p:extLst>
-      <p:ext uri="{BB962C8B-B14F-4D97-AF65-F5344CB8AC3E}">
-        <p14:creationId xmlns:p14="http://schemas.microsoft.com/office/powerpoint/2010/main" val="2529450920"/>
-      </p:ext>
-    </p:extLst>
-  </p:cSld>
-  <p:clrMapOvr>
-    <a:masterClrMapping/>
-  </p:clrMapOvr>
-  <p:timing>
-    <p:tnLst>
-      <p:par>
-        <p:cTn id="1" dur="indefinite" restart="never" nodeType="tmRoot">
-          <p:childTnLst>
-            <p:seq concurrent="1" nextAc="seek">
-              <p:cTn id="2" dur="indefinite" nodeType="mainSeq">
-                <p:childTnLst>
-                  <p:par>
-                    <p:cTn id="3" fill="hold">
-                      <p:stCondLst>
-                        <p:cond delay="indefinite"/>
-                      </p:stCondLst>
-                      <p:childTnLst>
-                        <p:par>
-                          <p:cTn id="4" fill="hold">
-                            <p:stCondLst>
-                              <p:cond delay="0"/>
-                            </p:stCondLst>
-                            <p:childTnLst>
-                              <p:par>
-                                <p:cTn id="5" presetID="1" presetClass="entr" presetSubtype="0" fill="hold" grpId="0" nodeType="clickEffect">
-                                  <p:stCondLst>
-                                    <p:cond delay="0"/>
-                                  </p:stCondLst>
-                                  <p:childTnLst>
-                                    <p:set>
-                                      <p:cBhvr>
-                                        <p:cTn id="6" dur="1" fill="hold">
-                                          <p:stCondLst>
-                                            <p:cond delay="0"/>
-                                          </p:stCondLst>
-                                        </p:cTn>
-                                        <p:tgtEl>
-                                          <p:spTgt spid="3">
-                                            <p:txEl>
-                                              <p:pRg st="0" end="0"/>
-                                            </p:txEl>
-                                          </p:spTgt>
-                                        </p:tgtEl>
-                                        <p:attrNameLst>
-                                          <p:attrName>style.visibility</p:attrName>
-                                        </p:attrNameLst>
-                                      </p:cBhvr>
-                                      <p:to>
-                                        <p:strVal val="visible"/>
-                                      </p:to>
-                                    </p:set>
-                                  </p:childTnLst>
-                                </p:cTn>
-                              </p:par>
-                            </p:childTnLst>
-                          </p:cTn>
-                        </p:par>
-                      </p:childTnLst>
-                    </p:cTn>
-                  </p:par>
-                  <p:par>
-                    <p:cTn id="7" fill="hold">
-                      <p:stCondLst>
-                        <p:cond delay="indefinite"/>
-                      </p:stCondLst>
-                      <p:childTnLst>
-                        <p:par>
-                          <p:cTn id="8" fill="hold">
-                            <p:stCondLst>
-                              <p:cond delay="0"/>
-                            </p:stCondLst>
-                            <p:childTnLst>
-                              <p:par>
-                                <p:cTn id="9" presetID="1" presetClass="entr" presetSubtype="0" fill="hold" grpId="0" nodeType="clickEffect">
-                                  <p:stCondLst>
-                                    <p:cond delay="0"/>
-                                  </p:stCondLst>
-                                  <p:childTnLst>
-                                    <p:set>
-                                      <p:cBhvr>
-                                        <p:cTn id="10" dur="1" fill="hold">
-                                          <p:stCondLst>
-                                            <p:cond delay="0"/>
-                                          </p:stCondLst>
-                                        </p:cTn>
-                                        <p:tgtEl>
-                                          <p:spTgt spid="3">
-                                            <p:txEl>
-                                              <p:pRg st="2" end="2"/>
-                                            </p:txEl>
-                                          </p:spTgt>
-                                        </p:tgtEl>
-                                        <p:attrNameLst>
-                                          <p:attrName>style.visibility</p:attrName>
-                                        </p:attrNameLst>
-                                      </p:cBhvr>
-                                      <p:to>
-                                        <p:strVal val="visible"/>
-                                      </p:to>
-                                    </p:set>
-                                  </p:childTnLst>
-                                </p:cTn>
-                              </p:par>
-                            </p:childTnLst>
-                          </p:cTn>
-                        </p:par>
-                      </p:childTnLst>
-                    </p:cTn>
-                  </p:par>
-                  <p:par>
-                    <p:cTn id="11" fill="hold">
-                      <p:stCondLst>
-                        <p:cond delay="indefinite"/>
-                      </p:stCondLst>
-                      <p:childTnLst>
-                        <p:par>
-                          <p:cTn id="12" fill="hold">
-                            <p:stCondLst>
-                              <p:cond delay="0"/>
-                            </p:stCondLst>
-                            <p:childTnLst>
-                              <p:par>
-                                <p:cTn id="13" presetID="1" presetClass="entr" presetSubtype="0" fill="hold" grpId="0" nodeType="clickEffect">
-                                  <p:stCondLst>
-                                    <p:cond delay="0"/>
-                                  </p:stCondLst>
-                                  <p:childTnLst>
-                                    <p:set>
-                                      <p:cBhvr>
-                                        <p:cTn id="14" dur="1" fill="hold">
-                                          <p:stCondLst>
-                                            <p:cond delay="0"/>
-                                          </p:stCondLst>
-                                        </p:cTn>
-                                        <p:tgtEl>
-                                          <p:spTgt spid="3">
-                                            <p:txEl>
-                                              <p:pRg st="3" end="3"/>
-                                            </p:txEl>
-                                          </p:spTgt>
-                                        </p:tgtEl>
-                                        <p:attrNameLst>
-                                          <p:attrName>style.visibility</p:attrName>
-                                        </p:attrNameLst>
-                                      </p:cBhvr>
-                                      <p:to>
-                                        <p:strVal val="visible"/>
-                                      </p:to>
-                                    </p:set>
-                                  </p:childTnLst>
-                                </p:cTn>
-                              </p:par>
-                            </p:childTnLst>
-                          </p:cTn>
-                        </p:par>
-                      </p:childTnLst>
-                    </p:cTn>
-                  </p:par>
-                  <p:par>
-                    <p:cTn id="15" fill="hold">
-                      <p:stCondLst>
-                        <p:cond delay="indefinite"/>
-                      </p:stCondLst>
-                      <p:childTnLst>
-                        <p:par>
-                          <p:cTn id="16" fill="hold">
-                            <p:stCondLst>
-                              <p:cond delay="0"/>
-                            </p:stCondLst>
-                            <p:childTnLst>
-                              <p:par>
-                                <p:cTn id="17" presetID="1" presetClass="entr" presetSubtype="0" fill="hold" grpId="0" nodeType="clickEffect">
-                                  <p:stCondLst>
-                                    <p:cond delay="0"/>
-                                  </p:stCondLst>
-                                  <p:childTnLst>
-                                    <p:set>
-                                      <p:cBhvr>
-                                        <p:cTn id="18" dur="1" fill="hold">
-                                          <p:stCondLst>
-                                            <p:cond delay="0"/>
-                                          </p:stCondLst>
-                                        </p:cTn>
-                                        <p:tgtEl>
-                                          <p:spTgt spid="3">
-                                            <p:txEl>
-                                              <p:pRg st="4" end="4"/>
-                                            </p:txEl>
-                                          </p:spTgt>
-                                        </p:tgtEl>
-                                        <p:attrNameLst>
-                                          <p:attrName>style.visibility</p:attrName>
-                                        </p:attrNameLst>
-                                      </p:cBhvr>
-                                      <p:to>
-                                        <p:strVal val="visible"/>
-                                      </p:to>
-                                    </p:set>
-                                  </p:childTnLst>
-                                </p:cTn>
-                              </p:par>
-                            </p:childTnLst>
-                          </p:cTn>
-                        </p:par>
-                      </p:childTnLst>
-                    </p:cTn>
-                  </p:par>
-                  <p:par>
-                    <p:cTn id="19" fill="hold">
-                      <p:stCondLst>
-                        <p:cond delay="indefinite"/>
-                      </p:stCondLst>
-                      <p:childTnLst>
-                        <p:par>
-                          <p:cTn id="20" fill="hold">
-                            <p:stCondLst>
-                              <p:cond delay="0"/>
-                            </p:stCondLst>
-                            <p:childTnLst>
-                              <p:par>
-                                <p:cTn id="21" presetID="1" presetClass="entr" presetSubtype="0" fill="hold" grpId="0" nodeType="clickEffect">
-                                  <p:stCondLst>
-                                    <p:cond delay="0"/>
-                                  </p:stCondLst>
-                                  <p:childTnLst>
-                                    <p:set>
-                                      <p:cBhvr>
-                                        <p:cTn id="22" dur="1" fill="hold">
-                                          <p:stCondLst>
-                                            <p:cond delay="0"/>
-                                          </p:stCondLst>
-                                        </p:cTn>
-                                        <p:tgtEl>
-                                          <p:spTgt spid="3">
-                                            <p:txEl>
-                                              <p:pRg st="5" end="5"/>
-                                            </p:txEl>
-                                          </p:spTgt>
-                                        </p:tgtEl>
-                                        <p:attrNameLst>
-                                          <p:attrName>style.visibility</p:attrName>
-                                        </p:attrNameLst>
-                                      </p:cBhvr>
-                                      <p:to>
-                                        <p:strVal val="visible"/>
-                                      </p:to>
-                                    </p:set>
-                                  </p:childTnLst>
-                                </p:cTn>
-                              </p:par>
-                            </p:childTnLst>
-                          </p:cTn>
-                        </p:par>
-                      </p:childTnLst>
-                    </p:cTn>
-                  </p:par>
-                </p:childTnLst>
-              </p:cTn>
-              <p:prevCondLst>
-                <p:cond evt="onPrev" delay="0">
-                  <p:tgtEl>
-                    <p:sldTgt/>
-                  </p:tgtEl>
-                </p:cond>
-              </p:prevCondLst>
-              <p:nextCondLst>
-                <p:cond evt="onNext" delay="0">
-                  <p:tgtEl>
-                    <p:sldTgt/>
-                  </p:tgtEl>
-                </p:cond>
-              </p:nextCondLst>
-            </p:seq>
-          </p:childTnLst>
-        </p:cTn>
-      </p:par>
-    </p:tnLst>
-    <p:bldLst>
-      <p:bldP spid="3" grpId="0" uiExpand="1" build="p"/>
-    </p:bldLst>
-  </p:timing>
-</p:sld>
-</file>
-
-<file path=ppt/slides/slide7.xml><?xml version="1.0" encoding="utf-8"?>
 <p:sld xmlns:a="http://schemas.openxmlformats.org/drawingml/2006/main" xmlns:r="http://schemas.openxmlformats.org/officeDocument/2006/relationships" xmlns:p="http://schemas.openxmlformats.org/presentationml/2006/main">
   <p:cSld>
     <p:spTree>
@@ -12905,7 +10436,7 @@
 </p:sld>
 </file>
 
-<file path=ppt/slides/slide8.xml><?xml version="1.0" encoding="utf-8"?>
+<file path=ppt/slides/slide7.xml><?xml version="1.0" encoding="utf-8"?>
 <p:sld xmlns:a="http://schemas.openxmlformats.org/drawingml/2006/main" xmlns:r="http://schemas.openxmlformats.org/officeDocument/2006/relationships" xmlns:p="http://schemas.openxmlformats.org/presentationml/2006/main">
   <p:cSld>
     <p:spTree>
@@ -13662,7 +11193,7 @@
 </p:sld>
 </file>
 
-<file path=ppt/slides/slide9.xml><?xml version="1.0" encoding="utf-8"?>
+<file path=ppt/slides/slide8.xml><?xml version="1.0" encoding="utf-8"?>
 <p:sld xmlns:a="http://schemas.openxmlformats.org/drawingml/2006/main" xmlns:r="http://schemas.openxmlformats.org/officeDocument/2006/relationships" xmlns:p="http://schemas.openxmlformats.org/presentationml/2006/main">
   <p:cSld>
     <p:spTree>
@@ -14186,231 +11717,506 @@
   <p:clrMapOvr>
     <a:masterClrMapping/>
   </p:clrMapOvr>
-  <p:timing>
-    <p:tnLst>
-      <p:par>
-        <p:cTn id="1" dur="indefinite" restart="never" nodeType="tmRoot">
-          <p:childTnLst>
-            <p:seq concurrent="1" nextAc="seek">
-              <p:cTn id="2" dur="indefinite" nodeType="mainSeq">
-                <p:childTnLst>
-                  <p:par>
-                    <p:cTn id="3" fill="hold">
-                      <p:stCondLst>
-                        <p:cond delay="indefinite"/>
-                      </p:stCondLst>
-                      <p:childTnLst>
-                        <p:par>
-                          <p:cTn id="4" fill="hold">
-                            <p:stCondLst>
-                              <p:cond delay="0"/>
-                            </p:stCondLst>
-                            <p:childTnLst>
-                              <p:par>
-                                <p:cTn id="5" presetID="1" presetClass="entr" presetSubtype="0" fill="hold" nodeType="clickEffect">
-                                  <p:stCondLst>
-                                    <p:cond delay="0"/>
-                                  </p:stCondLst>
-                                  <p:childTnLst>
-                                    <p:set>
-                                      <p:cBhvr>
-                                        <p:cTn id="6" dur="1" fill="hold">
-                                          <p:stCondLst>
-                                            <p:cond delay="0"/>
-                                          </p:stCondLst>
-                                        </p:cTn>
-                                        <p:tgtEl>
-                                          <p:spTgt spid="4"/>
-                                        </p:tgtEl>
-                                        <p:attrNameLst>
-                                          <p:attrName>style.visibility</p:attrName>
-                                        </p:attrNameLst>
-                                      </p:cBhvr>
-                                      <p:to>
-                                        <p:strVal val="visible"/>
-                                      </p:to>
-                                    </p:set>
-                                  </p:childTnLst>
-                                </p:cTn>
-                              </p:par>
-                            </p:childTnLst>
-                          </p:cTn>
-                        </p:par>
-                      </p:childTnLst>
-                    </p:cTn>
-                  </p:par>
-                  <p:par>
-                    <p:cTn id="7" fill="hold">
-                      <p:stCondLst>
-                        <p:cond delay="indefinite"/>
-                      </p:stCondLst>
-                      <p:childTnLst>
-                        <p:par>
-                          <p:cTn id="8" fill="hold">
-                            <p:stCondLst>
-                              <p:cond delay="0"/>
-                            </p:stCondLst>
-                            <p:childTnLst>
-                              <p:par>
-                                <p:cTn id="9" presetID="1" presetClass="entr" presetSubtype="0" fill="hold" grpId="0" nodeType="clickEffect">
-                                  <p:stCondLst>
-                                    <p:cond delay="0"/>
-                                  </p:stCondLst>
-                                  <p:childTnLst>
-                                    <p:set>
-                                      <p:cBhvr>
-                                        <p:cTn id="10" dur="1" fill="hold">
-                                          <p:stCondLst>
-                                            <p:cond delay="0"/>
-                                          </p:stCondLst>
-                                        </p:cTn>
-                                        <p:tgtEl>
-                                          <p:spTgt spid="3">
-                                            <p:txEl>
-                                              <p:pRg st="0" end="0"/>
-                                            </p:txEl>
-                                          </p:spTgt>
-                                        </p:tgtEl>
-                                        <p:attrNameLst>
-                                          <p:attrName>style.visibility</p:attrName>
-                                        </p:attrNameLst>
-                                      </p:cBhvr>
-                                      <p:to>
-                                        <p:strVal val="visible"/>
-                                      </p:to>
-                                    </p:set>
-                                  </p:childTnLst>
-                                </p:cTn>
-                              </p:par>
-                            </p:childTnLst>
-                          </p:cTn>
-                        </p:par>
-                      </p:childTnLst>
-                    </p:cTn>
-                  </p:par>
-                  <p:par>
-                    <p:cTn id="11" fill="hold">
-                      <p:stCondLst>
-                        <p:cond delay="indefinite"/>
-                      </p:stCondLst>
-                      <p:childTnLst>
-                        <p:par>
-                          <p:cTn id="12" fill="hold">
-                            <p:stCondLst>
-                              <p:cond delay="0"/>
-                            </p:stCondLst>
-                            <p:childTnLst>
-                              <p:par>
-                                <p:cTn id="13" presetID="1" presetClass="entr" presetSubtype="0" fill="hold" grpId="0" nodeType="clickEffect">
-                                  <p:stCondLst>
-                                    <p:cond delay="0"/>
-                                  </p:stCondLst>
-                                  <p:childTnLst>
-                                    <p:set>
-                                      <p:cBhvr>
-                                        <p:cTn id="14" dur="1" fill="hold">
-                                          <p:stCondLst>
-                                            <p:cond delay="0"/>
-                                          </p:stCondLst>
-                                        </p:cTn>
-                                        <p:tgtEl>
-                                          <p:spTgt spid="3">
-                                            <p:txEl>
-                                              <p:pRg st="1" end="1"/>
-                                            </p:txEl>
-                                          </p:spTgt>
-                                        </p:tgtEl>
-                                        <p:attrNameLst>
-                                          <p:attrName>style.visibility</p:attrName>
-                                        </p:attrNameLst>
-                                      </p:cBhvr>
-                                      <p:to>
-                                        <p:strVal val="visible"/>
-                                      </p:to>
-                                    </p:set>
-                                  </p:childTnLst>
-                                </p:cTn>
-                              </p:par>
-                            </p:childTnLst>
-                          </p:cTn>
-                        </p:par>
-                      </p:childTnLst>
-                    </p:cTn>
-                  </p:par>
-                  <p:par>
-                    <p:cTn id="15" fill="hold">
-                      <p:stCondLst>
-                        <p:cond delay="indefinite"/>
-                      </p:stCondLst>
-                      <p:childTnLst>
-                        <p:par>
-                          <p:cTn id="16" fill="hold">
-                            <p:stCondLst>
-                              <p:cond delay="0"/>
-                            </p:stCondLst>
-                            <p:childTnLst>
-                              <p:par>
-                                <p:cTn id="17" presetID="1" presetClass="entr" presetSubtype="0" fill="hold" grpId="0" nodeType="clickEffect">
-                                  <p:stCondLst>
-                                    <p:cond delay="0"/>
-                                  </p:stCondLst>
-                                  <p:childTnLst>
-                                    <p:set>
-                                      <p:cBhvr>
-                                        <p:cTn id="18" dur="1" fill="hold">
-                                          <p:stCondLst>
-                                            <p:cond delay="0"/>
-                                          </p:stCondLst>
-                                        </p:cTn>
-                                        <p:tgtEl>
-                                          <p:spTgt spid="3">
-                                            <p:txEl>
-                                              <p:pRg st="2" end="2"/>
-                                            </p:txEl>
-                                          </p:spTgt>
-                                        </p:tgtEl>
-                                        <p:attrNameLst>
-                                          <p:attrName>style.visibility</p:attrName>
-                                        </p:attrNameLst>
-                                      </p:cBhvr>
-                                      <p:to>
-                                        <p:strVal val="visible"/>
-                                      </p:to>
-                                    </p:set>
-                                  </p:childTnLst>
-                                </p:cTn>
-                              </p:par>
-                            </p:childTnLst>
-                          </p:cTn>
-                        </p:par>
-                      </p:childTnLst>
-                    </p:cTn>
-                  </p:par>
-                </p:childTnLst>
-              </p:cTn>
-              <p:prevCondLst>
-                <p:cond evt="onPrev" delay="0">
-                  <p:tgtEl>
-                    <p:sldTgt/>
-                  </p:tgtEl>
-                </p:cond>
-              </p:prevCondLst>
-              <p:nextCondLst>
-                <p:cond evt="onNext" delay="0">
-                  <p:tgtEl>
-                    <p:sldTgt/>
-                  </p:tgtEl>
-                </p:cond>
-              </p:nextCondLst>
-            </p:seq>
-          </p:childTnLst>
-        </p:cTn>
-      </p:par>
-    </p:tnLst>
-    <p:bldLst>
-      <p:bldP spid="3" grpId="0" build="p"/>
-    </p:bldLst>
-  </p:timing>
+</p:sld>
+</file>
+
+<file path=ppt/slides/slide9.xml><?xml version="1.0" encoding="utf-8"?>
+<p:sld xmlns:a="http://schemas.openxmlformats.org/drawingml/2006/main" xmlns:r="http://schemas.openxmlformats.org/officeDocument/2006/relationships" xmlns:p="http://schemas.openxmlformats.org/presentationml/2006/main">
+  <p:cSld>
+    <p:spTree>
+      <p:nvGrpSpPr>
+        <p:cNvPr id="1" name=""/>
+        <p:cNvGrpSpPr/>
+        <p:nvPr/>
+      </p:nvGrpSpPr>
+      <p:grpSpPr>
+        <a:xfrm>
+          <a:off x="0" y="0"/>
+          <a:ext cx="0" cy="0"/>
+          <a:chOff x="0" y="0"/>
+          <a:chExt cx="0" cy="0"/>
+        </a:xfrm>
+      </p:grpSpPr>
+      <p:sp>
+        <p:nvSpPr>
+          <p:cNvPr id="2" name="Title 1"/>
+          <p:cNvSpPr>
+            <a:spLocks noGrp="1"/>
+          </p:cNvSpPr>
+          <p:nvPr>
+            <p:ph type="title"/>
+          </p:nvPr>
+        </p:nvSpPr>
+        <p:spPr>
+          <a:xfrm>
+            <a:off x="1097280" y="286603"/>
+            <a:ext cx="10058400" cy="856397"/>
+          </a:xfrm>
+        </p:spPr>
+        <p:txBody>
+          <a:bodyPr/>
+          <a:lstStyle/>
+          <a:p>
+            <a:r>
+              <a:rPr lang="en-US" dirty="0"/>
+              <a:t>Implementation</a:t>
+            </a:r>
+          </a:p>
+        </p:txBody>
+      </p:sp>
+      <p:graphicFrame>
+        <p:nvGraphicFramePr>
+          <p:cNvPr id="5" name="Content Placeholder 4"/>
+          <p:cNvGraphicFramePr>
+            <a:graphicFrameLocks noGrp="1"/>
+          </p:cNvGraphicFramePr>
+          <p:nvPr>
+            <p:ph idx="1"/>
+            <p:extLst>
+              <p:ext uri="{D42A27DB-BD31-4B8C-83A1-F6EECF244321}">
+                <p14:modId xmlns:p14="http://schemas.microsoft.com/office/powerpoint/2010/main" val="1811204685"/>
+              </p:ext>
+            </p:extLst>
+          </p:nvPr>
+        </p:nvGraphicFramePr>
+        <p:xfrm>
+          <a:off x="965712" y="2011584"/>
+          <a:ext cx="10246360" cy="3635428"/>
+        </p:xfrm>
+        <a:graphic>
+          <a:graphicData uri="http://schemas.openxmlformats.org/drawingml/2006/table">
+            <a:tbl>
+              <a:tblPr firstRow="1" bandRow="1">
+                <a:tableStyleId>{5C22544A-7EE6-4342-B048-85BDC9FD1C3A}</a:tableStyleId>
+              </a:tblPr>
+              <a:tblGrid>
+                <a:gridCol w="2210244">
+                  <a:extLst>
+                    <a:ext uri="{9D8B030D-6E8A-4147-A177-3AD203B41FA5}">
+                      <a16:colId xmlns:a16="http://schemas.microsoft.com/office/drawing/2014/main" val="20000"/>
+                    </a:ext>
+                  </a:extLst>
+                </a:gridCol>
+                <a:gridCol w="1142556">
+                  <a:extLst>
+                    <a:ext uri="{9D8B030D-6E8A-4147-A177-3AD203B41FA5}">
+                      <a16:colId xmlns:a16="http://schemas.microsoft.com/office/drawing/2014/main" val="20001"/>
+                    </a:ext>
+                  </a:extLst>
+                </a:gridCol>
+                <a:gridCol w="1818640">
+                  <a:extLst>
+                    <a:ext uri="{9D8B030D-6E8A-4147-A177-3AD203B41FA5}">
+                      <a16:colId xmlns:a16="http://schemas.microsoft.com/office/drawing/2014/main" val="20002"/>
+                    </a:ext>
+                  </a:extLst>
+                </a:gridCol>
+                <a:gridCol w="5074920">
+                  <a:extLst>
+                    <a:ext uri="{9D8B030D-6E8A-4147-A177-3AD203B41FA5}">
+                      <a16:colId xmlns:a16="http://schemas.microsoft.com/office/drawing/2014/main" val="2436690740"/>
+                    </a:ext>
+                  </a:extLst>
+                </a:gridCol>
+              </a:tblGrid>
+              <a:tr h="569245">
+                <a:tc>
+                  <a:txBody>
+                    <a:bodyPr/>
+                    <a:lstStyle/>
+                    <a:p>
+                      <a:r>
+                        <a:rPr lang="en-US" dirty="0"/>
+                        <a:t>SOTA</a:t>
+                      </a:r>
+                    </a:p>
+                  </a:txBody>
+                  <a:tcPr/>
+                </a:tc>
+                <a:tc>
+                  <a:txBody>
+                    <a:bodyPr/>
+                    <a:lstStyle/>
+                    <a:p>
+                      <a:r>
+                        <a:rPr lang="en-US" dirty="0"/>
+                        <a:t>Type</a:t>
+                      </a:r>
+                    </a:p>
+                  </a:txBody>
+                  <a:tcPr/>
+                </a:tc>
+                <a:tc>
+                  <a:txBody>
+                    <a:bodyPr/>
+                    <a:lstStyle/>
+                    <a:p>
+                      <a:r>
+                        <a:rPr lang="en-US" dirty="0"/>
+                        <a:t>Transformer</a:t>
+                      </a:r>
+                    </a:p>
+                  </a:txBody>
+                  <a:tcPr/>
+                </a:tc>
+                <a:tc>
+                  <a:txBody>
+                    <a:bodyPr/>
+                    <a:lstStyle/>
+                    <a:p>
+                      <a:r>
+                        <a:rPr lang="en-US" dirty="0"/>
+                        <a:t>Steps</a:t>
+                      </a:r>
+                    </a:p>
+                  </a:txBody>
+                  <a:tcPr/>
+                </a:tc>
+                <a:extLst>
+                  <a:ext uri="{0D108BD9-81ED-4DB2-BD59-A6C34878D82A}">
+                    <a16:rowId xmlns:a16="http://schemas.microsoft.com/office/drawing/2014/main" val="10000"/>
+                  </a:ext>
+                </a:extLst>
+              </a:tr>
+              <a:tr h="752799">
+                <a:tc rowSpan="3">
+                  <a:txBody>
+                    <a:bodyPr/>
+                    <a:lstStyle/>
+                    <a:p>
+                      <a:r>
+                        <a:rPr lang="en-US" sz="1200" dirty="0" err="1"/>
+                        <a:t>PreSumm</a:t>
+                      </a:r>
+                      <a:endParaRPr lang="en-US" sz="1200" dirty="0"/>
+                    </a:p>
+                  </a:txBody>
+                  <a:tcPr anchor="ctr"/>
+                </a:tc>
+                <a:tc>
+                  <a:txBody>
+                    <a:bodyPr/>
+                    <a:lstStyle/>
+                    <a:p>
+                      <a:r>
+                        <a:rPr lang="en-US" sz="1200" dirty="0"/>
+                        <a:t>Extractive</a:t>
+                      </a:r>
+                    </a:p>
+                  </a:txBody>
+                  <a:tcPr/>
+                </a:tc>
+                <a:tc>
+                  <a:txBody>
+                    <a:bodyPr/>
+                    <a:lstStyle/>
+                    <a:p>
+                      <a:r>
+                        <a:rPr lang="en-US" sz="1200" dirty="0"/>
+                        <a:t>BERT</a:t>
+                      </a:r>
+                    </a:p>
+                  </a:txBody>
+                  <a:tcPr/>
+                </a:tc>
+                <a:tc rowSpan="3">
+                  <a:txBody>
+                    <a:bodyPr/>
+                    <a:lstStyle/>
+                    <a:p>
+                      <a:pPr marL="228600" indent="-228600">
+                        <a:buAutoNum type="arabicParenR"/>
+                      </a:pPr>
+                      <a:r>
+                        <a:rPr lang="en-US" sz="1200" dirty="0"/>
+                        <a:t>Use the pretrained model with our dataset and get the ROUGE metrics</a:t>
+                      </a:r>
+                    </a:p>
+                    <a:p>
+                      <a:pPr marL="228600" indent="-228600">
+                        <a:buAutoNum type="arabicParenR"/>
+                      </a:pPr>
+                      <a:r>
+                        <a:rPr lang="en-US" sz="1200" dirty="0"/>
+                        <a:t>Train the model with our dataset </a:t>
+                      </a:r>
+                    </a:p>
+                    <a:p>
+                      <a:pPr marL="228600" indent="-228600">
+                        <a:buAutoNum type="arabicParenR"/>
+                      </a:pPr>
+                      <a:r>
+                        <a:rPr lang="en-US" sz="1200" dirty="0"/>
+                        <a:t>Use the trained model to get the ROUGE metrics</a:t>
+                      </a:r>
+                    </a:p>
+                    <a:p>
+                      <a:pPr marL="228600" indent="-228600">
+                        <a:buAutoNum type="arabicParenR"/>
+                      </a:pPr>
+                      <a:r>
+                        <a:rPr lang="en-US" sz="1200" dirty="0"/>
+                        <a:t>Compare the two outputs</a:t>
+                      </a:r>
+                    </a:p>
+                  </a:txBody>
+                  <a:tcPr anchor="ctr"/>
+                </a:tc>
+                <a:extLst>
+                  <a:ext uri="{0D108BD9-81ED-4DB2-BD59-A6C34878D82A}">
+                    <a16:rowId xmlns:a16="http://schemas.microsoft.com/office/drawing/2014/main" val="10001"/>
+                  </a:ext>
+                </a:extLst>
+              </a:tr>
+              <a:tr h="752799">
+                <a:tc vMerge="1">
+                  <a:txBody>
+                    <a:bodyPr/>
+                    <a:lstStyle/>
+                    <a:p>
+                      <a:endParaRPr lang="en-US" dirty="0"/>
+                    </a:p>
+                  </a:txBody>
+                  <a:tcPr/>
+                </a:tc>
+                <a:tc rowSpan="2">
+                  <a:txBody>
+                    <a:bodyPr/>
+                    <a:lstStyle/>
+                    <a:p>
+                      <a:r>
+                        <a:rPr lang="en-US" sz="1200" dirty="0"/>
+                        <a:t>Abstractive</a:t>
+                      </a:r>
+                    </a:p>
+                  </a:txBody>
+                  <a:tcPr anchor="ctr"/>
+                </a:tc>
+                <a:tc>
+                  <a:txBody>
+                    <a:bodyPr/>
+                    <a:lstStyle/>
+                    <a:p>
+                      <a:r>
+                        <a:rPr lang="en-US" sz="1200" dirty="0"/>
+                        <a:t>Baseline Transformer</a:t>
+                      </a:r>
+                    </a:p>
+                  </a:txBody>
+                  <a:tcPr/>
+                </a:tc>
+                <a:tc vMerge="1">
+                  <a:txBody>
+                    <a:bodyPr/>
+                    <a:lstStyle/>
+                    <a:p>
+                      <a:pPr marL="228600" indent="-228600">
+                        <a:buAutoNum type="arabicParenR"/>
+                      </a:pPr>
+                      <a:endParaRPr lang="en-US" sz="1200" dirty="0"/>
+                    </a:p>
+                  </a:txBody>
+                  <a:tcPr/>
+                </a:tc>
+                <a:extLst>
+                  <a:ext uri="{0D108BD9-81ED-4DB2-BD59-A6C34878D82A}">
+                    <a16:rowId xmlns:a16="http://schemas.microsoft.com/office/drawing/2014/main" val="10002"/>
+                  </a:ext>
+                </a:extLst>
+              </a:tr>
+              <a:tr h="752799">
+                <a:tc vMerge="1">
+                  <a:txBody>
+                    <a:bodyPr/>
+                    <a:lstStyle/>
+                    <a:p>
+                      <a:endParaRPr lang="en-US" dirty="0"/>
+                    </a:p>
+                  </a:txBody>
+                  <a:tcPr/>
+                </a:tc>
+                <a:tc vMerge="1">
+                  <a:txBody>
+                    <a:bodyPr/>
+                    <a:lstStyle/>
+                    <a:p>
+                      <a:endParaRPr lang="en-US" dirty="0"/>
+                    </a:p>
+                  </a:txBody>
+                  <a:tcPr/>
+                </a:tc>
+                <a:tc>
+                  <a:txBody>
+                    <a:bodyPr/>
+                    <a:lstStyle/>
+                    <a:p>
+                      <a:r>
+                        <a:rPr lang="en-US" sz="1200" dirty="0"/>
+                        <a:t>BERT-Ext</a:t>
+                      </a:r>
+                    </a:p>
+                  </a:txBody>
+                  <a:tcPr/>
+                </a:tc>
+                <a:tc vMerge="1">
+                  <a:txBody>
+                    <a:bodyPr/>
+                    <a:lstStyle/>
+                    <a:p>
+                      <a:pPr marL="228600" indent="-228600">
+                        <a:buAutoNum type="arabicParenR"/>
+                      </a:pPr>
+                      <a:endParaRPr lang="en-US" sz="1200" dirty="0"/>
+                    </a:p>
+                  </a:txBody>
+                  <a:tcPr/>
+                </a:tc>
+                <a:extLst>
+                  <a:ext uri="{0D108BD9-81ED-4DB2-BD59-A6C34878D82A}">
+                    <a16:rowId xmlns:a16="http://schemas.microsoft.com/office/drawing/2014/main" val="10003"/>
+                  </a:ext>
+                </a:extLst>
+              </a:tr>
+              <a:tr h="423832">
+                <a:tc rowSpan="2">
+                  <a:txBody>
+                    <a:bodyPr/>
+                    <a:lstStyle/>
+                    <a:p>
+                      <a:r>
+                        <a:rPr lang="en-US" sz="1200" dirty="0" err="1"/>
+                        <a:t>MatchSum</a:t>
+                      </a:r>
+                      <a:endParaRPr lang="en-US" sz="1200" dirty="0"/>
+                    </a:p>
+                  </a:txBody>
+                  <a:tcPr anchor="ctr"/>
+                </a:tc>
+                <a:tc rowSpan="2">
+                  <a:txBody>
+                    <a:bodyPr/>
+                    <a:lstStyle/>
+                    <a:p>
+                      <a:r>
+                        <a:rPr lang="en-US" sz="1200" dirty="0"/>
+                        <a:t>Extractive</a:t>
+                      </a:r>
+                    </a:p>
+                  </a:txBody>
+                  <a:tcPr anchor="ctr"/>
+                </a:tc>
+                <a:tc>
+                  <a:txBody>
+                    <a:bodyPr/>
+                    <a:lstStyle/>
+                    <a:p>
+                      <a:r>
+                        <a:rPr lang="en-US" sz="1200" dirty="0"/>
+                        <a:t>BERT</a:t>
+                      </a:r>
+                    </a:p>
+                  </a:txBody>
+                  <a:tcPr/>
+                </a:tc>
+                <a:tc rowSpan="2">
+                  <a:txBody>
+                    <a:bodyPr/>
+                    <a:lstStyle/>
+                    <a:p>
+                      <a:pPr marL="228600" indent="-228600">
+                        <a:buAutoNum type="arabicParenR"/>
+                      </a:pPr>
+                      <a:r>
+                        <a:rPr lang="en-US" sz="1200" dirty="0"/>
+                        <a:t>Use the pretrained model </a:t>
+                      </a:r>
+                    </a:p>
+                    <a:p>
+                      <a:pPr marL="228600" indent="-228600">
+                        <a:buAutoNum type="arabicParenR"/>
+                      </a:pPr>
+                      <a:r>
+                        <a:rPr lang="en-US" sz="1200" dirty="0"/>
+                        <a:t>Evaluate using ROUGE metrics</a:t>
+                      </a:r>
+                    </a:p>
+                  </a:txBody>
+                  <a:tcPr/>
+                </a:tc>
+                <a:extLst>
+                  <a:ext uri="{0D108BD9-81ED-4DB2-BD59-A6C34878D82A}">
+                    <a16:rowId xmlns:a16="http://schemas.microsoft.com/office/drawing/2014/main" val="10004"/>
+                  </a:ext>
+                </a:extLst>
+              </a:tr>
+              <a:tr h="383954">
+                <a:tc vMerge="1">
+                  <a:txBody>
+                    <a:bodyPr/>
+                    <a:lstStyle/>
+                    <a:p>
+                      <a:endParaRPr lang="en-US" dirty="0"/>
+                    </a:p>
+                  </a:txBody>
+                  <a:tcPr/>
+                </a:tc>
+                <a:tc vMerge="1">
+                  <a:txBody>
+                    <a:bodyPr/>
+                    <a:lstStyle/>
+                    <a:p>
+                      <a:endParaRPr lang="en-US" dirty="0"/>
+                    </a:p>
+                  </a:txBody>
+                  <a:tcPr/>
+                </a:tc>
+                <a:tc>
+                  <a:txBody>
+                    <a:bodyPr/>
+                    <a:lstStyle/>
+                    <a:p>
+                      <a:r>
+                        <a:rPr lang="en-US" sz="1200" dirty="0" err="1"/>
+                        <a:t>RoBERTa</a:t>
+                      </a:r>
+                      <a:endParaRPr lang="en-US" sz="1200" dirty="0"/>
+                    </a:p>
+                  </a:txBody>
+                  <a:tcPr/>
+                </a:tc>
+                <a:tc vMerge="1">
+                  <a:txBody>
+                    <a:bodyPr/>
+                    <a:lstStyle/>
+                    <a:p>
+                      <a:pPr marL="0" indent="0">
+                        <a:buNone/>
+                      </a:pPr>
+                      <a:endParaRPr lang="en-US" sz="1200" dirty="0"/>
+                    </a:p>
+                  </a:txBody>
+                  <a:tcPr/>
+                </a:tc>
+                <a:extLst>
+                  <a:ext uri="{0D108BD9-81ED-4DB2-BD59-A6C34878D82A}">
+                    <a16:rowId xmlns:a16="http://schemas.microsoft.com/office/drawing/2014/main" val="10005"/>
+                  </a:ext>
+                </a:extLst>
+              </a:tr>
+            </a:tbl>
+          </a:graphicData>
+        </a:graphic>
+      </p:graphicFrame>
+    </p:spTree>
+    <p:extLst>
+      <p:ext uri="{BB962C8B-B14F-4D97-AF65-F5344CB8AC3E}">
+        <p14:creationId xmlns:p14="http://schemas.microsoft.com/office/powerpoint/2010/main" val="2558821770"/>
+      </p:ext>
+    </p:extLst>
+  </p:cSld>
+  <p:clrMapOvr>
+    <a:masterClrMapping/>
+  </p:clrMapOvr>
 </p:sld>
 </file>
 
